--- a/workshop/git_presentation.pptx
+++ b/workshop/git_presentation.pptx
@@ -5,8 +5,11 @@
     <p:sldMasterId id="2147483648" r:id="rId1"/>
   </p:sldMasterIdLst>
   <p:sldIdLst>
-    <p:sldId id="256" r:id="rId2"/>
-    <p:sldId id="257" r:id="rId3"/>
+    <p:sldId id="259" r:id="rId2"/>
+    <p:sldId id="256" r:id="rId3"/>
+    <p:sldId id="258" r:id="rId4"/>
+    <p:sldId id="260" r:id="rId5"/>
+    <p:sldId id="257" r:id="rId6"/>
   </p:sldIdLst>
   <p:sldSz cx="9144000" cy="6858000" type="screen4x3"/>
   <p:notesSz cx="6858000" cy="9144000"/>
@@ -3098,13 +3101,177 @@
       </p:grpSpPr>
       <p:sp>
         <p:nvSpPr>
+          <p:cNvPr id="2" name="Title 1"/>
+          <p:cNvSpPr>
+            <a:spLocks noGrp="1"/>
+          </p:cNvSpPr>
+          <p:nvPr>
+            <p:ph type="title"/>
+          </p:nvPr>
+        </p:nvSpPr>
+        <p:spPr>
+          <a:xfrm>
+            <a:off x="0" y="1863811"/>
+            <a:ext cx="9144000" cy="1143000"/>
+          </a:xfrm>
+        </p:spPr>
+        <p:txBody>
+          <a:bodyPr>
+            <a:normAutofit/>
+          </a:bodyPr>
+          <a:lstStyle/>
+          <a:p>
+            <a:r>
+              <a:rPr lang="en-US" sz="5000" b="1" dirty="0" err="1" smtClean="0">
+                <a:latin typeface=""/>
+              </a:rPr>
+              <a:t>Git</a:t>
+            </a:r>
+            <a:r>
+              <a:rPr lang="en-US" sz="5000" b="1" dirty="0" smtClean="0">
+                <a:latin typeface=""/>
+              </a:rPr>
+              <a:t> Tutorial</a:t>
+            </a:r>
+            <a:endParaRPr lang="en-US" sz="5000" b="1" dirty="0">
+              <a:latin typeface=""/>
+            </a:endParaRPr>
+          </a:p>
+        </p:txBody>
+      </p:sp>
+      <p:sp>
+        <p:nvSpPr>
+          <p:cNvPr id="3" name="Content Placeholder 2"/>
+          <p:cNvSpPr>
+            <a:spLocks noGrp="1"/>
+          </p:cNvSpPr>
+          <p:nvPr>
+            <p:ph idx="1"/>
+          </p:nvPr>
+        </p:nvSpPr>
+        <p:spPr>
+          <a:xfrm>
+            <a:off x="0" y="3006811"/>
+            <a:ext cx="9144000" cy="3119352"/>
+          </a:xfrm>
+        </p:spPr>
+        <p:txBody>
+          <a:bodyPr>
+            <a:normAutofit/>
+          </a:bodyPr>
+          <a:lstStyle/>
+          <a:p>
+            <a:pPr marL="0" indent="0" algn="ctr">
+              <a:buNone/>
+            </a:pPr>
+            <a:r>
+              <a:rPr lang="en-US" sz="2000" dirty="0" smtClean="0">
+                <a:solidFill>
+                  <a:schemeClr val="bg1">
+                    <a:lumMod val="50000"/>
+                  </a:schemeClr>
+                </a:solidFill>
+                <a:latin typeface="Lato Light"/>
+              </a:rPr>
+              <a:t>The Urban Institute</a:t>
+            </a:r>
+          </a:p>
+          <a:p>
+            <a:pPr marL="0" indent="0" algn="ctr">
+              <a:buNone/>
+            </a:pPr>
+            <a:r>
+              <a:rPr lang="en-US" sz="2000" dirty="0" smtClean="0">
+                <a:solidFill>
+                  <a:schemeClr val="bg1">
+                    <a:lumMod val="50000"/>
+                  </a:schemeClr>
+                </a:solidFill>
+                <a:latin typeface="Lato Light"/>
+              </a:rPr>
+              <a:t>2/29/2015</a:t>
+            </a:r>
+            <a:endParaRPr lang="en-US" sz="2000" dirty="0">
+              <a:solidFill>
+                <a:schemeClr val="bg1">
+                  <a:lumMod val="50000"/>
+                </a:schemeClr>
+              </a:solidFill>
+              <a:latin typeface="Lato Light"/>
+            </a:endParaRPr>
+          </a:p>
+        </p:txBody>
+      </p:sp>
+    </p:spTree>
+    <p:extLst>
+      <p:ext uri="{BB962C8B-B14F-4D97-AF65-F5344CB8AC3E}">
+        <p14:creationId xmlns:p14="http://schemas.microsoft.com/office/powerpoint/2010/main" val="1221353637"/>
+      </p:ext>
+    </p:extLst>
+  </p:cSld>
+  <p:clrMapOvr>
+    <a:masterClrMapping/>
+  </p:clrMapOvr>
+  <p:timing>
+    <p:tnLst>
+      <p:par>
+        <p:cTn xmlns:p14="http://schemas.microsoft.com/office/powerpoint/2010/main" id="1" dur="indefinite" restart="never" nodeType="tmRoot"/>
+      </p:par>
+    </p:tnLst>
+  </p:timing>
+</p:sld>
+</file>
+
+<file path=ppt/slides/slide2.xml><?xml version="1.0" encoding="utf-8"?>
+<p:sld xmlns:a="http://schemas.openxmlformats.org/drawingml/2006/main" xmlns:r="http://schemas.openxmlformats.org/officeDocument/2006/relationships" xmlns:p="http://schemas.openxmlformats.org/presentationml/2006/main">
+  <p:cSld>
+    <p:spTree>
+      <p:nvGrpSpPr>
+        <p:cNvPr id="1" name=""/>
+        <p:cNvGrpSpPr/>
+        <p:nvPr/>
+      </p:nvGrpSpPr>
+      <p:grpSpPr>
+        <a:xfrm>
+          <a:off x="0" y="0"/>
+          <a:ext cx="0" cy="0"/>
+          <a:chOff x="0" y="0"/>
+          <a:chExt cx="0" cy="0"/>
+        </a:xfrm>
+      </p:grpSpPr>
+      <p:pic>
+        <p:nvPicPr>
+          <p:cNvPr id="27" name="Picture 26"/>
+          <p:cNvPicPr>
+            <a:picLocks noChangeAspect="1"/>
+          </p:cNvPicPr>
+          <p:nvPr/>
+        </p:nvPicPr>
+        <p:blipFill>
+          <a:blip r:embed="rId2"/>
+          <a:stretch>
+            <a:fillRect/>
+          </a:stretch>
+        </p:blipFill>
+        <p:spPr>
+          <a:xfrm>
+            <a:off x="1654804" y="350525"/>
+            <a:ext cx="1426176" cy="950784"/>
+          </a:xfrm>
+          <a:prstGeom prst="rect">
+            <a:avLst/>
+          </a:prstGeom>
+        </p:spPr>
+      </p:pic>
+      <p:sp>
+        <p:nvSpPr>
           <p:cNvPr id="7" name="Rectangle 6"/>
           <p:cNvSpPr/>
           <p:nvPr/>
         </p:nvSpPr>
         <p:spPr>
           <a:xfrm>
-            <a:off x="1900637" y="3792145"/>
+            <a:off x="1811392" y="3792145"/>
             <a:ext cx="681656" cy="896501"/>
           </a:xfrm>
           <a:prstGeom prst="rect">
@@ -3135,20 +3302,20 @@
           <a:p>
             <a:pPr algn="ctr"/>
             <a:r>
-              <a:rPr lang="en-US" dirty="0" smtClean="0">
+              <a:rPr lang="en-US" b="1" dirty="0" smtClean="0">
                 <a:solidFill>
                   <a:schemeClr val="bg1"/>
                 </a:solidFill>
-                <a:latin typeface="Lato Black"/>
+                <a:latin typeface="Lato"/>
                 <a:cs typeface="Lato Black"/>
               </a:rPr>
               <a:t>File A</a:t>
             </a:r>
-            <a:endParaRPr lang="en-US" dirty="0">
+            <a:endParaRPr lang="en-US" b="1" dirty="0">
               <a:solidFill>
                 <a:schemeClr val="bg1"/>
               </a:solidFill>
-              <a:latin typeface="Lato Black"/>
+              <a:latin typeface="Lato"/>
               <a:cs typeface="Lato Black"/>
             </a:endParaRPr>
           </a:p>
@@ -3163,14 +3330,14 @@
           <p:nvPr/>
         </p:nvPicPr>
         <p:blipFill>
-          <a:blip r:embed="rId2"/>
+          <a:blip r:embed="rId3"/>
           <a:stretch>
             <a:fillRect/>
           </a:stretch>
         </p:blipFill>
         <p:spPr>
           <a:xfrm>
-            <a:off x="2767700" y="432904"/>
+            <a:off x="2678455" y="432904"/>
             <a:ext cx="906696" cy="813925"/>
           </a:xfrm>
           <a:prstGeom prst="rect">
@@ -3187,14 +3354,14 @@
           <p:nvPr/>
         </p:nvPicPr>
         <p:blipFill>
-          <a:blip r:embed="rId3"/>
+          <a:blip r:embed="rId4"/>
           <a:stretch>
             <a:fillRect/>
           </a:stretch>
         </p:blipFill>
         <p:spPr>
           <a:xfrm>
-            <a:off x="1131612" y="3836287"/>
+            <a:off x="1042367" y="3836287"/>
             <a:ext cx="612437" cy="819458"/>
           </a:xfrm>
           <a:prstGeom prst="rect">
@@ -3210,7 +3377,7 @@
         </p:nvSpPr>
         <p:spPr>
           <a:xfrm>
-            <a:off x="2734693" y="3792145"/>
+            <a:off x="2645448" y="3792145"/>
             <a:ext cx="681656" cy="896501"/>
           </a:xfrm>
           <a:prstGeom prst="rect">
@@ -3241,20 +3408,20 @@
           <a:p>
             <a:pPr algn="ctr"/>
             <a:r>
-              <a:rPr lang="en-US" dirty="0" smtClean="0">
+              <a:rPr lang="en-US" b="1" dirty="0" smtClean="0">
                 <a:solidFill>
                   <a:schemeClr val="bg1"/>
                 </a:solidFill>
-                <a:latin typeface="Lato Black"/>
+                <a:latin typeface="Lato"/>
                 <a:cs typeface="Lato Black"/>
               </a:rPr>
               <a:t>File B</a:t>
             </a:r>
-            <a:endParaRPr lang="en-US" dirty="0">
+            <a:endParaRPr lang="en-US" b="1" dirty="0">
               <a:solidFill>
                 <a:schemeClr val="bg1"/>
               </a:solidFill>
-              <a:latin typeface="Lato Black"/>
+              <a:latin typeface="Lato"/>
               <a:cs typeface="Lato Black"/>
             </a:endParaRPr>
           </a:p>
@@ -3268,7 +3435,7 @@
         </p:nvSpPr>
         <p:spPr>
           <a:xfrm>
-            <a:off x="3890495" y="555997"/>
+            <a:off x="3801250" y="555997"/>
             <a:ext cx="681656" cy="896501"/>
           </a:xfrm>
           <a:prstGeom prst="rect">
@@ -3299,20 +3466,20 @@
           <a:p>
             <a:pPr algn="ctr"/>
             <a:r>
-              <a:rPr lang="en-US" dirty="0" smtClean="0">
+              <a:rPr lang="en-US" b="1" dirty="0" smtClean="0">
                 <a:solidFill>
                   <a:schemeClr val="bg1"/>
                 </a:solidFill>
-                <a:latin typeface="Lato Black"/>
+                <a:latin typeface="Lato"/>
                 <a:cs typeface="Lato Black"/>
               </a:rPr>
               <a:t>File A</a:t>
             </a:r>
-            <a:endParaRPr lang="en-US" dirty="0">
+            <a:endParaRPr lang="en-US" b="1" dirty="0">
               <a:solidFill>
                 <a:schemeClr val="bg1"/>
               </a:solidFill>
-              <a:latin typeface="Lato Black"/>
+              <a:latin typeface="Lato"/>
               <a:cs typeface="Lato Black"/>
             </a:endParaRPr>
           </a:p>
@@ -3326,7 +3493,7 @@
         </p:nvSpPr>
         <p:spPr>
           <a:xfrm>
-            <a:off x="4724551" y="555997"/>
+            <a:off x="4635306" y="555997"/>
             <a:ext cx="681656" cy="896501"/>
           </a:xfrm>
           <a:prstGeom prst="rect">
@@ -3357,20 +3524,20 @@
           <a:p>
             <a:pPr algn="ctr"/>
             <a:r>
-              <a:rPr lang="en-US" dirty="0" smtClean="0">
+              <a:rPr lang="en-US" b="1" dirty="0" smtClean="0">
                 <a:solidFill>
                   <a:schemeClr val="bg1"/>
                 </a:solidFill>
-                <a:latin typeface="Lato Black"/>
+                <a:latin typeface="Lato"/>
                 <a:cs typeface="Lato Black"/>
               </a:rPr>
               <a:t>File B</a:t>
             </a:r>
-            <a:endParaRPr lang="en-US" dirty="0">
+            <a:endParaRPr lang="en-US" b="1" dirty="0">
               <a:solidFill>
                 <a:schemeClr val="bg1"/>
               </a:solidFill>
-              <a:latin typeface="Lato Black"/>
+              <a:latin typeface="Lato"/>
               <a:cs typeface="Lato Black"/>
             </a:endParaRPr>
           </a:p>
@@ -3384,7 +3551,7 @@
         </p:nvSpPr>
         <p:spPr>
           <a:xfrm>
-            <a:off x="6693903" y="4859720"/>
+            <a:off x="6604658" y="4859720"/>
             <a:ext cx="681656" cy="896501"/>
           </a:xfrm>
           <a:prstGeom prst="rect">
@@ -3420,20 +3587,20 @@
           <a:p>
             <a:pPr algn="ctr"/>
             <a:r>
-              <a:rPr lang="en-US" dirty="0" smtClean="0">
+              <a:rPr lang="en-US" b="1" dirty="0" smtClean="0">
                 <a:solidFill>
                   <a:schemeClr val="bg1"/>
                 </a:solidFill>
-                <a:latin typeface="Lato Black"/>
+                <a:latin typeface="Lato"/>
                 <a:cs typeface="Lato Black"/>
               </a:rPr>
               <a:t>File C</a:t>
             </a:r>
-            <a:endParaRPr lang="en-US" dirty="0">
+            <a:endParaRPr lang="en-US" b="1" dirty="0">
               <a:solidFill>
                 <a:schemeClr val="bg1"/>
               </a:solidFill>
-              <a:latin typeface="Lato Black"/>
+              <a:latin typeface="Lato"/>
               <a:cs typeface="Lato Black"/>
             </a:endParaRPr>
           </a:p>
@@ -3447,7 +3614,7 @@
         </p:nvSpPr>
         <p:spPr>
           <a:xfrm>
-            <a:off x="7527959" y="4501183"/>
+            <a:off x="7438714" y="4688646"/>
             <a:ext cx="681656" cy="187463"/>
           </a:xfrm>
           <a:prstGeom prst="rect">
@@ -3482,19 +3649,137 @@
           <a:lstStyle/>
           <a:p>
             <a:pPr algn="ctr"/>
-            <a:endParaRPr lang="en-US"/>
+            <a:endParaRPr lang="en-US" b="1">
+              <a:latin typeface="Lato"/>
+            </a:endParaRPr>
           </a:p>
         </p:txBody>
       </p:sp>
       <p:sp>
         <p:nvSpPr>
-          <p:cNvPr id="16" name="Rectangle 15"/>
+          <p:cNvPr id="18" name="Rectangle 17"/>
           <p:cNvSpPr/>
           <p:nvPr/>
         </p:nvSpPr>
         <p:spPr>
           <a:xfrm>
-            <a:off x="2734693" y="4493865"/>
+            <a:off x="1811392" y="3784827"/>
+            <a:ext cx="681656" cy="896501"/>
+          </a:xfrm>
+          <a:prstGeom prst="rect">
+            <a:avLst/>
+          </a:prstGeom>
+          <a:solidFill>
+            <a:srgbClr val="1882C8"/>
+          </a:solidFill>
+          <a:effectLst/>
+        </p:spPr>
+        <p:style>
+          <a:lnRef idx="1">
+            <a:schemeClr val="accent1"/>
+          </a:lnRef>
+          <a:fillRef idx="3">
+            <a:schemeClr val="accent1"/>
+          </a:fillRef>
+          <a:effectRef idx="2">
+            <a:schemeClr val="accent1"/>
+          </a:effectRef>
+          <a:fontRef idx="minor">
+            <a:schemeClr val="lt1"/>
+          </a:fontRef>
+        </p:style>
+        <p:txBody>
+          <a:bodyPr rtlCol="0" anchor="ctr"/>
+          <a:lstStyle/>
+          <a:p>
+            <a:pPr algn="ctr"/>
+            <a:r>
+              <a:rPr lang="en-US" b="1" dirty="0" smtClean="0">
+                <a:solidFill>
+                  <a:schemeClr val="bg1"/>
+                </a:solidFill>
+                <a:latin typeface="Lato"/>
+                <a:cs typeface="Lato Black"/>
+              </a:rPr>
+              <a:t>File A</a:t>
+            </a:r>
+            <a:endParaRPr lang="en-US" b="1" dirty="0">
+              <a:solidFill>
+                <a:schemeClr val="bg1"/>
+              </a:solidFill>
+              <a:latin typeface="Lato"/>
+              <a:cs typeface="Lato Black"/>
+            </a:endParaRPr>
+          </a:p>
+        </p:txBody>
+      </p:sp>
+      <p:sp>
+        <p:nvSpPr>
+          <p:cNvPr id="19" name="Rectangle 18"/>
+          <p:cNvSpPr/>
+          <p:nvPr/>
+        </p:nvSpPr>
+        <p:spPr>
+          <a:xfrm>
+            <a:off x="2645448" y="3792145"/>
+            <a:ext cx="681656" cy="896501"/>
+          </a:xfrm>
+          <a:prstGeom prst="rect">
+            <a:avLst/>
+          </a:prstGeom>
+          <a:solidFill>
+            <a:srgbClr val="1882C8"/>
+          </a:solidFill>
+          <a:effectLst/>
+        </p:spPr>
+        <p:style>
+          <a:lnRef idx="1">
+            <a:schemeClr val="accent1"/>
+          </a:lnRef>
+          <a:fillRef idx="3">
+            <a:schemeClr val="accent1"/>
+          </a:fillRef>
+          <a:effectRef idx="2">
+            <a:schemeClr val="accent1"/>
+          </a:effectRef>
+          <a:fontRef idx="minor">
+            <a:schemeClr val="lt1"/>
+          </a:fontRef>
+        </p:style>
+        <p:txBody>
+          <a:bodyPr rtlCol="0" anchor="ctr"/>
+          <a:lstStyle/>
+          <a:p>
+            <a:pPr algn="ctr"/>
+            <a:r>
+              <a:rPr lang="en-US" b="1" dirty="0" smtClean="0">
+                <a:solidFill>
+                  <a:schemeClr val="bg1"/>
+                </a:solidFill>
+                <a:latin typeface="Lato"/>
+                <a:cs typeface="Lato Black"/>
+              </a:rPr>
+              <a:t>File B</a:t>
+            </a:r>
+            <a:endParaRPr lang="en-US" b="1" dirty="0">
+              <a:solidFill>
+                <a:schemeClr val="bg1"/>
+              </a:solidFill>
+              <a:latin typeface="Lato"/>
+              <a:cs typeface="Lato Black"/>
+            </a:endParaRPr>
+          </a:p>
+        </p:txBody>
+      </p:sp>
+      <p:sp>
+        <p:nvSpPr>
+          <p:cNvPr id="20" name="Rectangle 19"/>
+          <p:cNvSpPr/>
+          <p:nvPr/>
+        </p:nvSpPr>
+        <p:spPr>
+          <a:xfrm>
+            <a:off x="2645448" y="4688646"/>
             <a:ext cx="681656" cy="187463"/>
           </a:xfrm>
           <a:prstGeom prst="rect">
@@ -3529,233 +3814,9 @@
           <a:lstStyle/>
           <a:p>
             <a:pPr algn="ctr"/>
-            <a:endParaRPr lang="en-US"/>
-          </a:p>
-        </p:txBody>
-      </p:sp>
-      <p:sp>
-        <p:nvSpPr>
-          <p:cNvPr id="17" name="Rectangle 16"/>
-          <p:cNvSpPr/>
-          <p:nvPr/>
-        </p:nvSpPr>
-        <p:spPr>
-          <a:xfrm>
-            <a:off x="1900637" y="4859720"/>
-            <a:ext cx="681656" cy="896501"/>
-          </a:xfrm>
-          <a:prstGeom prst="rect">
-            <a:avLst/>
-          </a:prstGeom>
-          <a:solidFill>
-            <a:srgbClr val="FAAC15"/>
-          </a:solidFill>
-          <a:ln>
-            <a:solidFill>
-              <a:srgbClr val="FAAC15"/>
-            </a:solidFill>
-          </a:ln>
-          <a:effectLst/>
-        </p:spPr>
-        <p:style>
-          <a:lnRef idx="1">
-            <a:schemeClr val="accent1"/>
-          </a:lnRef>
-          <a:fillRef idx="3">
-            <a:schemeClr val="accent1"/>
-          </a:fillRef>
-          <a:effectRef idx="2">
-            <a:schemeClr val="accent1"/>
-          </a:effectRef>
-          <a:fontRef idx="minor">
-            <a:schemeClr val="lt1"/>
-          </a:fontRef>
-        </p:style>
-        <p:txBody>
-          <a:bodyPr rtlCol="0" anchor="ctr"/>
-          <a:lstStyle/>
-          <a:p>
-            <a:pPr algn="ctr"/>
-            <a:r>
-              <a:rPr lang="en-US" dirty="0" smtClean="0">
-                <a:solidFill>
-                  <a:schemeClr val="bg1"/>
-                </a:solidFill>
-                <a:latin typeface="Lato Black"/>
-                <a:cs typeface="Lato Black"/>
-              </a:rPr>
-              <a:t>File C</a:t>
-            </a:r>
-            <a:endParaRPr lang="en-US" dirty="0">
-              <a:solidFill>
-                <a:schemeClr val="bg1"/>
-              </a:solidFill>
-              <a:latin typeface="Lato Black"/>
-              <a:cs typeface="Lato Black"/>
+            <a:endParaRPr lang="en-US" b="1">
+              <a:latin typeface="Lato"/>
             </a:endParaRPr>
-          </a:p>
-        </p:txBody>
-      </p:sp>
-      <p:sp>
-        <p:nvSpPr>
-          <p:cNvPr id="18" name="Rectangle 17"/>
-          <p:cNvSpPr/>
-          <p:nvPr/>
-        </p:nvSpPr>
-        <p:spPr>
-          <a:xfrm>
-            <a:off x="1900637" y="3784827"/>
-            <a:ext cx="681656" cy="896501"/>
-          </a:xfrm>
-          <a:prstGeom prst="rect">
-            <a:avLst/>
-          </a:prstGeom>
-          <a:solidFill>
-            <a:srgbClr val="1882C8"/>
-          </a:solidFill>
-          <a:effectLst/>
-        </p:spPr>
-        <p:style>
-          <a:lnRef idx="1">
-            <a:schemeClr val="accent1"/>
-          </a:lnRef>
-          <a:fillRef idx="3">
-            <a:schemeClr val="accent1"/>
-          </a:fillRef>
-          <a:effectRef idx="2">
-            <a:schemeClr val="accent1"/>
-          </a:effectRef>
-          <a:fontRef idx="minor">
-            <a:schemeClr val="lt1"/>
-          </a:fontRef>
-        </p:style>
-        <p:txBody>
-          <a:bodyPr rtlCol="0" anchor="ctr"/>
-          <a:lstStyle/>
-          <a:p>
-            <a:pPr algn="ctr"/>
-            <a:r>
-              <a:rPr lang="en-US" dirty="0" smtClean="0">
-                <a:solidFill>
-                  <a:schemeClr val="bg1"/>
-                </a:solidFill>
-                <a:latin typeface="Lato Black"/>
-                <a:cs typeface="Lato Black"/>
-              </a:rPr>
-              <a:t>File A</a:t>
-            </a:r>
-            <a:endParaRPr lang="en-US" dirty="0">
-              <a:solidFill>
-                <a:schemeClr val="bg1"/>
-              </a:solidFill>
-              <a:latin typeface="Lato Black"/>
-              <a:cs typeface="Lato Black"/>
-            </a:endParaRPr>
-          </a:p>
-        </p:txBody>
-      </p:sp>
-      <p:sp>
-        <p:nvSpPr>
-          <p:cNvPr id="19" name="Rectangle 18"/>
-          <p:cNvSpPr/>
-          <p:nvPr/>
-        </p:nvSpPr>
-        <p:spPr>
-          <a:xfrm>
-            <a:off x="2734693" y="3759244"/>
-            <a:ext cx="681656" cy="896501"/>
-          </a:xfrm>
-          <a:prstGeom prst="rect">
-            <a:avLst/>
-          </a:prstGeom>
-          <a:solidFill>
-            <a:srgbClr val="1882C8"/>
-          </a:solidFill>
-          <a:effectLst/>
-        </p:spPr>
-        <p:style>
-          <a:lnRef idx="1">
-            <a:schemeClr val="accent1"/>
-          </a:lnRef>
-          <a:fillRef idx="3">
-            <a:schemeClr val="accent1"/>
-          </a:fillRef>
-          <a:effectRef idx="2">
-            <a:schemeClr val="accent1"/>
-          </a:effectRef>
-          <a:fontRef idx="minor">
-            <a:schemeClr val="lt1"/>
-          </a:fontRef>
-        </p:style>
-        <p:txBody>
-          <a:bodyPr rtlCol="0" anchor="ctr"/>
-          <a:lstStyle/>
-          <a:p>
-            <a:pPr algn="ctr"/>
-            <a:r>
-              <a:rPr lang="en-US" dirty="0" smtClean="0">
-                <a:solidFill>
-                  <a:schemeClr val="bg1"/>
-                </a:solidFill>
-                <a:latin typeface="Lato Black"/>
-                <a:cs typeface="Lato Black"/>
-              </a:rPr>
-              <a:t>File B</a:t>
-            </a:r>
-            <a:endParaRPr lang="en-US" dirty="0">
-              <a:solidFill>
-                <a:schemeClr val="bg1"/>
-              </a:solidFill>
-              <a:latin typeface="Lato Black"/>
-              <a:cs typeface="Lato Black"/>
-            </a:endParaRPr>
-          </a:p>
-        </p:txBody>
-      </p:sp>
-      <p:sp>
-        <p:nvSpPr>
-          <p:cNvPr id="20" name="Rectangle 19"/>
-          <p:cNvSpPr/>
-          <p:nvPr/>
-        </p:nvSpPr>
-        <p:spPr>
-          <a:xfrm>
-            <a:off x="2734693" y="4498522"/>
-            <a:ext cx="681656" cy="187463"/>
-          </a:xfrm>
-          <a:prstGeom prst="rect">
-            <a:avLst/>
-          </a:prstGeom>
-          <a:solidFill>
-            <a:srgbClr val="A2CBEE"/>
-          </a:solidFill>
-          <a:ln>
-            <a:solidFill>
-              <a:srgbClr val="A2CBEE"/>
-            </a:solidFill>
-          </a:ln>
-          <a:effectLst/>
-        </p:spPr>
-        <p:style>
-          <a:lnRef idx="1">
-            <a:schemeClr val="accent1"/>
-          </a:lnRef>
-          <a:fillRef idx="3">
-            <a:schemeClr val="accent1"/>
-          </a:fillRef>
-          <a:effectRef idx="2">
-            <a:schemeClr val="accent1"/>
-          </a:effectRef>
-          <a:fontRef idx="minor">
-            <a:schemeClr val="lt1"/>
-          </a:fontRef>
-        </p:style>
-        <p:txBody>
-          <a:bodyPr rtlCol="0" anchor="ctr"/>
-          <a:lstStyle/>
-          <a:p>
-            <a:pPr algn="ctr"/>
-            <a:endParaRPr lang="en-US"/>
           </a:p>
         </p:txBody>
       </p:sp>
@@ -3767,7 +3828,7 @@
         </p:nvSpPr>
         <p:spPr>
           <a:xfrm>
-            <a:off x="6693903" y="5756221"/>
+            <a:off x="6604658" y="5768674"/>
             <a:ext cx="681656" cy="443260"/>
           </a:xfrm>
           <a:prstGeom prst="rect">
@@ -3802,19 +3863,21 @@
           <a:lstStyle/>
           <a:p>
             <a:pPr algn="ctr"/>
-            <a:endParaRPr lang="en-US"/>
+            <a:endParaRPr lang="en-US" b="1">
+              <a:latin typeface="Lato"/>
+            </a:endParaRPr>
           </a:p>
         </p:txBody>
       </p:sp>
       <p:sp>
         <p:nvSpPr>
-          <p:cNvPr id="23" name="Rectangle 22"/>
+          <p:cNvPr id="29" name="Rectangle 28"/>
           <p:cNvSpPr/>
           <p:nvPr/>
         </p:nvSpPr>
         <p:spPr>
           <a:xfrm>
-            <a:off x="1900637" y="5568073"/>
+            <a:off x="1806856" y="5756221"/>
             <a:ext cx="681656" cy="114001"/>
           </a:xfrm>
           <a:prstGeom prst="rect">
@@ -3849,258 +3912,9 @@
           <a:lstStyle/>
           <a:p>
             <a:pPr algn="ctr"/>
-            <a:endParaRPr lang="en-US"/>
-          </a:p>
-        </p:txBody>
-      </p:sp>
-      <p:sp>
-        <p:nvSpPr>
-          <p:cNvPr id="24" name="Rectangle 23"/>
-          <p:cNvSpPr/>
-          <p:nvPr/>
-        </p:nvSpPr>
-        <p:spPr>
-          <a:xfrm>
-            <a:off x="1900637" y="5748903"/>
-            <a:ext cx="681656" cy="443260"/>
-          </a:xfrm>
-          <a:prstGeom prst="rect">
-            <a:avLst/>
-          </a:prstGeom>
-          <a:solidFill>
-            <a:srgbClr val="FFD37F"/>
-          </a:solidFill>
-          <a:ln>
-            <a:solidFill>
-              <a:srgbClr val="FFD37F"/>
-            </a:solidFill>
-          </a:ln>
-          <a:effectLst/>
-        </p:spPr>
-        <p:style>
-          <a:lnRef idx="1">
-            <a:schemeClr val="accent1"/>
-          </a:lnRef>
-          <a:fillRef idx="3">
-            <a:schemeClr val="accent1"/>
-          </a:fillRef>
-          <a:effectRef idx="2">
-            <a:schemeClr val="accent1"/>
-          </a:effectRef>
-          <a:fontRef idx="minor">
-            <a:schemeClr val="lt1"/>
-          </a:fontRef>
-        </p:style>
-        <p:txBody>
-          <a:bodyPr rtlCol="0" anchor="ctr"/>
-          <a:lstStyle/>
-          <a:p>
-            <a:pPr algn="ctr"/>
-            <a:endParaRPr lang="en-US"/>
-          </a:p>
-        </p:txBody>
-      </p:sp>
-      <p:sp>
-        <p:nvSpPr>
-          <p:cNvPr id="25" name="Rectangle 24"/>
-          <p:cNvSpPr/>
-          <p:nvPr/>
-        </p:nvSpPr>
-        <p:spPr>
-          <a:xfrm>
-            <a:off x="6693903" y="5568073"/>
-            <a:ext cx="681656" cy="114001"/>
-          </a:xfrm>
-          <a:prstGeom prst="rect">
-            <a:avLst/>
-          </a:prstGeom>
-          <a:solidFill>
-            <a:srgbClr val="A2CBEE"/>
-          </a:solidFill>
-          <a:ln>
-            <a:solidFill>
-              <a:srgbClr val="A2CBEE"/>
-            </a:solidFill>
-          </a:ln>
-          <a:effectLst/>
-        </p:spPr>
-        <p:style>
-          <a:lnRef idx="1">
-            <a:schemeClr val="accent1"/>
-          </a:lnRef>
-          <a:fillRef idx="3">
-            <a:schemeClr val="accent1"/>
-          </a:fillRef>
-          <a:effectRef idx="2">
-            <a:schemeClr val="accent1"/>
-          </a:effectRef>
-          <a:fontRef idx="minor">
-            <a:schemeClr val="lt1"/>
-          </a:fontRef>
-        </p:style>
-        <p:txBody>
-          <a:bodyPr rtlCol="0" anchor="ctr"/>
-          <a:lstStyle/>
-          <a:p>
-            <a:pPr algn="ctr"/>
-            <a:endParaRPr lang="en-US"/>
-          </a:p>
-        </p:txBody>
-      </p:sp>
-      <p:sp>
-        <p:nvSpPr>
-          <p:cNvPr id="26" name="Rectangle 25"/>
-          <p:cNvSpPr/>
-          <p:nvPr/>
-        </p:nvSpPr>
-        <p:spPr>
-          <a:xfrm>
-            <a:off x="1900637" y="5756221"/>
-            <a:ext cx="681656" cy="443260"/>
-          </a:xfrm>
-          <a:prstGeom prst="rect">
-            <a:avLst/>
-          </a:prstGeom>
-          <a:solidFill>
-            <a:srgbClr val="FFD37F"/>
-          </a:solidFill>
-          <a:ln>
-            <a:solidFill>
-              <a:srgbClr val="FFD37F"/>
-            </a:solidFill>
-          </a:ln>
-          <a:effectLst/>
-        </p:spPr>
-        <p:style>
-          <a:lnRef idx="1">
-            <a:schemeClr val="accent1"/>
-          </a:lnRef>
-          <a:fillRef idx="3">
-            <a:schemeClr val="accent1"/>
-          </a:fillRef>
-          <a:effectRef idx="2">
-            <a:schemeClr val="accent1"/>
-          </a:effectRef>
-          <a:fontRef idx="minor">
-            <a:schemeClr val="lt1"/>
-          </a:fontRef>
-        </p:style>
-        <p:txBody>
-          <a:bodyPr rtlCol="0" anchor="ctr"/>
-          <a:lstStyle/>
-          <a:p>
-            <a:pPr algn="ctr"/>
-            <a:endParaRPr lang="en-US"/>
-          </a:p>
-        </p:txBody>
-      </p:sp>
-      <p:sp>
-        <p:nvSpPr>
-          <p:cNvPr id="28" name="Rectangle 27"/>
-          <p:cNvSpPr/>
-          <p:nvPr/>
-        </p:nvSpPr>
-        <p:spPr>
-          <a:xfrm>
-            <a:off x="1900637" y="4852402"/>
-            <a:ext cx="681656" cy="896501"/>
-          </a:xfrm>
-          <a:prstGeom prst="rect">
-            <a:avLst/>
-          </a:prstGeom>
-          <a:solidFill>
-            <a:srgbClr val="FAAC15"/>
-          </a:solidFill>
-          <a:ln>
-            <a:solidFill>
-              <a:srgbClr val="FAAC15"/>
-            </a:solidFill>
-          </a:ln>
-          <a:effectLst/>
-        </p:spPr>
-        <p:style>
-          <a:lnRef idx="1">
-            <a:schemeClr val="accent1"/>
-          </a:lnRef>
-          <a:fillRef idx="3">
-            <a:schemeClr val="accent1"/>
-          </a:fillRef>
-          <a:effectRef idx="2">
-            <a:schemeClr val="accent1"/>
-          </a:effectRef>
-          <a:fontRef idx="minor">
-            <a:schemeClr val="lt1"/>
-          </a:fontRef>
-        </p:style>
-        <p:txBody>
-          <a:bodyPr rtlCol="0" anchor="ctr"/>
-          <a:lstStyle/>
-          <a:p>
-            <a:pPr algn="ctr"/>
-            <a:r>
-              <a:rPr lang="en-US" dirty="0" smtClean="0">
-                <a:solidFill>
-                  <a:schemeClr val="bg1"/>
-                </a:solidFill>
-                <a:latin typeface="Lato Black"/>
-                <a:cs typeface="Lato Black"/>
-              </a:rPr>
-              <a:t>File C</a:t>
-            </a:r>
-            <a:endParaRPr lang="en-US" dirty="0">
-              <a:solidFill>
-                <a:schemeClr val="bg1"/>
-              </a:solidFill>
-              <a:latin typeface="Lato Black"/>
-              <a:cs typeface="Lato Black"/>
+            <a:endParaRPr lang="en-US" b="1">
+              <a:latin typeface="Lato"/>
             </a:endParaRPr>
-          </a:p>
-        </p:txBody>
-      </p:sp>
-      <p:sp>
-        <p:nvSpPr>
-          <p:cNvPr id="29" name="Rectangle 28"/>
-          <p:cNvSpPr/>
-          <p:nvPr/>
-        </p:nvSpPr>
-        <p:spPr>
-          <a:xfrm>
-            <a:off x="1900637" y="5560755"/>
-            <a:ext cx="681656" cy="114001"/>
-          </a:xfrm>
-          <a:prstGeom prst="rect">
-            <a:avLst/>
-          </a:prstGeom>
-          <a:solidFill>
-            <a:srgbClr val="A2CBEE"/>
-          </a:solidFill>
-          <a:ln>
-            <a:solidFill>
-              <a:srgbClr val="A2CBEE"/>
-            </a:solidFill>
-          </a:ln>
-          <a:effectLst/>
-        </p:spPr>
-        <p:style>
-          <a:lnRef idx="1">
-            <a:schemeClr val="accent1"/>
-          </a:lnRef>
-          <a:fillRef idx="3">
-            <a:schemeClr val="accent1"/>
-          </a:fillRef>
-          <a:effectRef idx="2">
-            <a:schemeClr val="accent1"/>
-          </a:effectRef>
-          <a:fontRef idx="minor">
-            <a:schemeClr val="lt1"/>
-          </a:fontRef>
-        </p:style>
-        <p:txBody>
-          <a:bodyPr rtlCol="0" anchor="ctr"/>
-          <a:lstStyle/>
-          <a:p>
-            <a:pPr algn="ctr"/>
-            <a:endParaRPr lang="en-US"/>
           </a:p>
         </p:txBody>
       </p:sp>
@@ -4113,14 +3927,14 @@
           <p:nvPr/>
         </p:nvPicPr>
         <p:blipFill>
-          <a:blip r:embed="rId4"/>
+          <a:blip r:embed="rId5"/>
           <a:stretch>
             <a:fillRect/>
           </a:stretch>
         </p:blipFill>
         <p:spPr>
           <a:xfrm>
-            <a:off x="5812839" y="3784827"/>
+            <a:off x="5723594" y="3784827"/>
             <a:ext cx="621828" cy="903819"/>
           </a:xfrm>
           <a:prstGeom prst="rect">
@@ -4136,7 +3950,7 @@
         </p:nvCxnSpPr>
         <p:spPr>
           <a:xfrm>
-            <a:off x="544286" y="2413000"/>
+            <a:off x="455041" y="2413000"/>
             <a:ext cx="7983956" cy="0"/>
           </a:xfrm>
           <a:prstGeom prst="line">
@@ -4170,7 +3984,7 @@
         </p:nvCxnSpPr>
         <p:spPr>
           <a:xfrm flipV="1">
-            <a:off x="4471389" y="1608667"/>
+            <a:off x="4382144" y="1608667"/>
             <a:ext cx="0" cy="1850572"/>
           </a:xfrm>
           <a:prstGeom prst="straightConnector1">
@@ -4209,7 +4023,7 @@
         </p:nvCxnSpPr>
         <p:spPr>
           <a:xfrm>
-            <a:off x="4877119" y="1724122"/>
+            <a:off x="4787874" y="1724122"/>
             <a:ext cx="0" cy="1850572"/>
           </a:xfrm>
           <a:prstGeom prst="straightConnector1">
@@ -4248,8 +4062,8 @@
         </p:nvSpPr>
         <p:spPr>
           <a:xfrm>
-            <a:off x="3811548" y="1861128"/>
-            <a:ext cx="636750" cy="369332"/>
+            <a:off x="3722303" y="1861128"/>
+            <a:ext cx="692264" cy="369332"/>
           </a:xfrm>
           <a:prstGeom prst="rect">
             <a:avLst/>
@@ -4263,10 +4077,14 @@
           <a:lstStyle/>
           <a:p>
             <a:r>
-              <a:rPr lang="en-US" dirty="0" smtClean="0"/>
+              <a:rPr lang="en-US" dirty="0" smtClean="0">
+                <a:latin typeface="Lato"/>
+              </a:rPr>
               <a:t>Push</a:t>
             </a:r>
-            <a:endParaRPr lang="en-US" dirty="0"/>
+            <a:endParaRPr lang="en-US" dirty="0">
+              <a:latin typeface="Lato"/>
+            </a:endParaRPr>
           </a:p>
         </p:txBody>
       </p:sp>
@@ -4278,8 +4096,8 @@
         </p:nvSpPr>
         <p:spPr>
           <a:xfrm>
-            <a:off x="4924908" y="1861128"/>
-            <a:ext cx="531140" cy="369332"/>
+            <a:off x="4835663" y="1861128"/>
+            <a:ext cx="585273" cy="369332"/>
           </a:xfrm>
           <a:prstGeom prst="rect">
             <a:avLst/>
@@ -4293,10 +4111,585 @@
           <a:lstStyle/>
           <a:p>
             <a:r>
-              <a:rPr lang="en-US" dirty="0" smtClean="0"/>
+              <a:rPr lang="en-US" dirty="0" smtClean="0">
+                <a:latin typeface="Lato"/>
+              </a:rPr>
               <a:t>Pull</a:t>
             </a:r>
-            <a:endParaRPr lang="en-US" dirty="0"/>
+            <a:endParaRPr lang="en-US" dirty="0">
+              <a:latin typeface="Lato"/>
+            </a:endParaRPr>
+          </a:p>
+        </p:txBody>
+      </p:sp>
+      <p:sp>
+        <p:nvSpPr>
+          <p:cNvPr id="6" name="Rectangle 5"/>
+          <p:cNvSpPr/>
+          <p:nvPr/>
+        </p:nvSpPr>
+        <p:spPr>
+          <a:xfrm>
+            <a:off x="0" y="0"/>
+            <a:ext cx="9144000" cy="6858000"/>
+          </a:xfrm>
+          <a:prstGeom prst="rect">
+            <a:avLst/>
+          </a:prstGeom>
+          <a:solidFill>
+            <a:srgbClr val="FF0000">
+              <a:alpha val="87000"/>
+            </a:srgbClr>
+          </a:solidFill>
+        </p:spPr>
+        <p:style>
+          <a:lnRef idx="1">
+            <a:schemeClr val="accent1"/>
+          </a:lnRef>
+          <a:fillRef idx="3">
+            <a:schemeClr val="accent1"/>
+          </a:fillRef>
+          <a:effectRef idx="2">
+            <a:schemeClr val="accent1"/>
+          </a:effectRef>
+          <a:fontRef idx="minor">
+            <a:schemeClr val="lt1"/>
+          </a:fontRef>
+        </p:style>
+        <p:txBody>
+          <a:bodyPr rtlCol="0" anchor="ctr"/>
+          <a:lstStyle/>
+          <a:p>
+            <a:pPr algn="ctr"/>
+            <a:endParaRPr lang="en-US" b="1">
+              <a:latin typeface="Lato"/>
+            </a:endParaRPr>
+          </a:p>
+        </p:txBody>
+      </p:sp>
+      <p:sp>
+        <p:nvSpPr>
+          <p:cNvPr id="10" name="TextBox 9"/>
+          <p:cNvSpPr txBox="1"/>
+          <p:nvPr/>
+        </p:nvSpPr>
+        <p:spPr>
+          <a:xfrm>
+            <a:off x="8104251" y="4543417"/>
+            <a:ext cx="984716" cy="369332"/>
+          </a:xfrm>
+          <a:prstGeom prst="rect">
+            <a:avLst/>
+          </a:prstGeom>
+          <a:noFill/>
+        </p:spPr>
+        <p:txBody>
+          <a:bodyPr wrap="none" rtlCol="0">
+            <a:spAutoFit/>
+          </a:bodyPr>
+          <a:lstStyle/>
+          <a:p>
+            <a:r>
+              <a:rPr lang="en-US" dirty="0" smtClean="0">
+                <a:latin typeface="Lato"/>
+              </a:rPr>
+              <a:t>(Merge</a:t>
+            </a:r>
+            <a:r>
+              <a:rPr lang="en-US" dirty="0">
+                <a:latin typeface="Lato"/>
+              </a:rPr>
+              <a:t>)</a:t>
+            </a:r>
+          </a:p>
+        </p:txBody>
+      </p:sp>
+      <p:sp>
+        <p:nvSpPr>
+          <p:cNvPr id="34" name="Rectangle 33"/>
+          <p:cNvSpPr/>
+          <p:nvPr/>
+        </p:nvSpPr>
+        <p:spPr>
+          <a:xfrm>
+            <a:off x="3801250" y="1782209"/>
+            <a:ext cx="681656" cy="896501"/>
+          </a:xfrm>
+          <a:prstGeom prst="rect">
+            <a:avLst/>
+          </a:prstGeom>
+          <a:solidFill>
+            <a:srgbClr val="FAAC15"/>
+          </a:solidFill>
+          <a:ln>
+            <a:solidFill>
+              <a:srgbClr val="FAAC15"/>
+            </a:solidFill>
+          </a:ln>
+          <a:effectLst/>
+        </p:spPr>
+        <p:style>
+          <a:lnRef idx="1">
+            <a:schemeClr val="accent1"/>
+          </a:lnRef>
+          <a:fillRef idx="3">
+            <a:schemeClr val="accent1"/>
+          </a:fillRef>
+          <a:effectRef idx="2">
+            <a:schemeClr val="accent1"/>
+          </a:effectRef>
+          <a:fontRef idx="minor">
+            <a:schemeClr val="lt1"/>
+          </a:fontRef>
+        </p:style>
+        <p:txBody>
+          <a:bodyPr rtlCol="0" anchor="ctr"/>
+          <a:lstStyle/>
+          <a:p>
+            <a:pPr algn="ctr"/>
+            <a:r>
+              <a:rPr lang="en-US" b="1" dirty="0" smtClean="0">
+                <a:solidFill>
+                  <a:schemeClr val="bg1"/>
+                </a:solidFill>
+                <a:latin typeface="Lato"/>
+                <a:cs typeface="Lato Black"/>
+              </a:rPr>
+              <a:t>File C</a:t>
+            </a:r>
+            <a:endParaRPr lang="en-US" b="1" dirty="0">
+              <a:solidFill>
+                <a:schemeClr val="bg1"/>
+              </a:solidFill>
+              <a:latin typeface="Lato"/>
+              <a:cs typeface="Lato Black"/>
+            </a:endParaRPr>
+          </a:p>
+        </p:txBody>
+      </p:sp>
+      <p:sp>
+        <p:nvSpPr>
+          <p:cNvPr id="36" name="Rectangle 35"/>
+          <p:cNvSpPr/>
+          <p:nvPr/>
+        </p:nvSpPr>
+        <p:spPr>
+          <a:xfrm>
+            <a:off x="6604658" y="4859720"/>
+            <a:ext cx="681656" cy="896501"/>
+          </a:xfrm>
+          <a:prstGeom prst="rect">
+            <a:avLst/>
+          </a:prstGeom>
+          <a:solidFill>
+            <a:srgbClr val="FAAC15"/>
+          </a:solidFill>
+          <a:ln>
+            <a:solidFill>
+              <a:srgbClr val="FAAC15"/>
+            </a:solidFill>
+          </a:ln>
+          <a:effectLst/>
+        </p:spPr>
+        <p:style>
+          <a:lnRef idx="1">
+            <a:schemeClr val="accent1"/>
+          </a:lnRef>
+          <a:fillRef idx="3">
+            <a:schemeClr val="accent1"/>
+          </a:fillRef>
+          <a:effectRef idx="2">
+            <a:schemeClr val="accent1"/>
+          </a:effectRef>
+          <a:fontRef idx="minor">
+            <a:schemeClr val="lt1"/>
+          </a:fontRef>
+        </p:style>
+        <p:txBody>
+          <a:bodyPr rtlCol="0" anchor="ctr"/>
+          <a:lstStyle/>
+          <a:p>
+            <a:pPr algn="ctr"/>
+            <a:r>
+              <a:rPr lang="en-US" b="1" dirty="0" smtClean="0">
+                <a:solidFill>
+                  <a:schemeClr val="bg1"/>
+                </a:solidFill>
+                <a:latin typeface="Lato"/>
+                <a:cs typeface="Lato Black"/>
+              </a:rPr>
+              <a:t>File C</a:t>
+            </a:r>
+            <a:endParaRPr lang="en-US" b="1" dirty="0">
+              <a:solidFill>
+                <a:schemeClr val="bg1"/>
+              </a:solidFill>
+              <a:latin typeface="Lato"/>
+              <a:cs typeface="Lato Black"/>
+            </a:endParaRPr>
+          </a:p>
+        </p:txBody>
+      </p:sp>
+      <p:sp>
+        <p:nvSpPr>
+          <p:cNvPr id="37" name="Rectangle 36"/>
+          <p:cNvSpPr/>
+          <p:nvPr/>
+        </p:nvSpPr>
+        <p:spPr>
+          <a:xfrm>
+            <a:off x="2645448" y="4688646"/>
+            <a:ext cx="681656" cy="187463"/>
+          </a:xfrm>
+          <a:prstGeom prst="rect">
+            <a:avLst/>
+          </a:prstGeom>
+          <a:solidFill>
+            <a:srgbClr val="A2CBEE"/>
+          </a:solidFill>
+          <a:ln>
+            <a:solidFill>
+              <a:srgbClr val="A2CBEE"/>
+            </a:solidFill>
+          </a:ln>
+          <a:effectLst/>
+        </p:spPr>
+        <p:style>
+          <a:lnRef idx="1">
+            <a:schemeClr val="accent1"/>
+          </a:lnRef>
+          <a:fillRef idx="3">
+            <a:schemeClr val="accent1"/>
+          </a:fillRef>
+          <a:effectRef idx="2">
+            <a:schemeClr val="accent1"/>
+          </a:effectRef>
+          <a:fontRef idx="minor">
+            <a:schemeClr val="lt1"/>
+          </a:fontRef>
+        </p:style>
+        <p:txBody>
+          <a:bodyPr rtlCol="0" anchor="ctr"/>
+          <a:lstStyle/>
+          <a:p>
+            <a:pPr algn="ctr"/>
+            <a:endParaRPr lang="en-US" b="1">
+              <a:latin typeface="Lato"/>
+            </a:endParaRPr>
+          </a:p>
+        </p:txBody>
+      </p:sp>
+      <p:sp>
+        <p:nvSpPr>
+          <p:cNvPr id="38" name="Rectangle 37"/>
+          <p:cNvSpPr/>
+          <p:nvPr/>
+        </p:nvSpPr>
+        <p:spPr>
+          <a:xfrm>
+            <a:off x="3801250" y="1782209"/>
+            <a:ext cx="681656" cy="896501"/>
+          </a:xfrm>
+          <a:prstGeom prst="rect">
+            <a:avLst/>
+          </a:prstGeom>
+          <a:solidFill>
+            <a:srgbClr val="FAAC15"/>
+          </a:solidFill>
+          <a:ln>
+            <a:solidFill>
+              <a:srgbClr val="FAAC15"/>
+            </a:solidFill>
+          </a:ln>
+          <a:effectLst/>
+        </p:spPr>
+        <p:style>
+          <a:lnRef idx="1">
+            <a:schemeClr val="accent1"/>
+          </a:lnRef>
+          <a:fillRef idx="3">
+            <a:schemeClr val="accent1"/>
+          </a:fillRef>
+          <a:effectRef idx="2">
+            <a:schemeClr val="accent1"/>
+          </a:effectRef>
+          <a:fontRef idx="minor">
+            <a:schemeClr val="lt1"/>
+          </a:fontRef>
+        </p:style>
+        <p:txBody>
+          <a:bodyPr rtlCol="0" anchor="ctr"/>
+          <a:lstStyle/>
+          <a:p>
+            <a:pPr algn="ctr"/>
+            <a:r>
+              <a:rPr lang="en-US" b="1" dirty="0" smtClean="0">
+                <a:solidFill>
+                  <a:schemeClr val="bg1"/>
+                </a:solidFill>
+                <a:latin typeface="Lato"/>
+                <a:cs typeface="Lato Black"/>
+              </a:rPr>
+              <a:t>File C</a:t>
+            </a:r>
+            <a:endParaRPr lang="en-US" b="1" dirty="0">
+              <a:solidFill>
+                <a:schemeClr val="bg1"/>
+              </a:solidFill>
+              <a:latin typeface="Lato"/>
+              <a:cs typeface="Lato Black"/>
+            </a:endParaRPr>
+          </a:p>
+        </p:txBody>
+      </p:sp>
+      <p:sp>
+        <p:nvSpPr>
+          <p:cNvPr id="40" name="Rectangle 39"/>
+          <p:cNvSpPr/>
+          <p:nvPr/>
+        </p:nvSpPr>
+        <p:spPr>
+          <a:xfrm>
+            <a:off x="6604658" y="5768674"/>
+            <a:ext cx="681656" cy="443260"/>
+          </a:xfrm>
+          <a:prstGeom prst="rect">
+            <a:avLst/>
+          </a:prstGeom>
+          <a:solidFill>
+            <a:srgbClr val="FFD37F"/>
+          </a:solidFill>
+          <a:ln>
+            <a:solidFill>
+              <a:srgbClr val="FFD37F"/>
+            </a:solidFill>
+          </a:ln>
+          <a:effectLst/>
+        </p:spPr>
+        <p:style>
+          <a:lnRef idx="1">
+            <a:schemeClr val="accent1"/>
+          </a:lnRef>
+          <a:fillRef idx="3">
+            <a:schemeClr val="accent1"/>
+          </a:fillRef>
+          <a:effectRef idx="2">
+            <a:schemeClr val="accent1"/>
+          </a:effectRef>
+          <a:fontRef idx="minor">
+            <a:schemeClr val="lt1"/>
+          </a:fontRef>
+        </p:style>
+        <p:txBody>
+          <a:bodyPr rtlCol="0" anchor="ctr"/>
+          <a:lstStyle/>
+          <a:p>
+            <a:pPr algn="ctr"/>
+            <a:endParaRPr lang="en-US" b="1">
+              <a:latin typeface="Lato"/>
+            </a:endParaRPr>
+          </a:p>
+        </p:txBody>
+      </p:sp>
+      <p:sp>
+        <p:nvSpPr>
+          <p:cNvPr id="42" name="Rectangle 41"/>
+          <p:cNvSpPr/>
+          <p:nvPr/>
+        </p:nvSpPr>
+        <p:spPr>
+          <a:xfrm>
+            <a:off x="3801250" y="2678710"/>
+            <a:ext cx="681656" cy="443260"/>
+          </a:xfrm>
+          <a:prstGeom prst="rect">
+            <a:avLst/>
+          </a:prstGeom>
+          <a:solidFill>
+            <a:srgbClr val="FFD37F"/>
+          </a:solidFill>
+          <a:ln>
+            <a:solidFill>
+              <a:srgbClr val="FFD37F"/>
+            </a:solidFill>
+          </a:ln>
+          <a:effectLst/>
+        </p:spPr>
+        <p:style>
+          <a:lnRef idx="1">
+            <a:schemeClr val="accent1"/>
+          </a:lnRef>
+          <a:fillRef idx="3">
+            <a:schemeClr val="accent1"/>
+          </a:fillRef>
+          <a:effectRef idx="2">
+            <a:schemeClr val="accent1"/>
+          </a:effectRef>
+          <a:fontRef idx="minor">
+            <a:schemeClr val="lt1"/>
+          </a:fontRef>
+        </p:style>
+        <p:txBody>
+          <a:bodyPr rtlCol="0" anchor="ctr"/>
+          <a:lstStyle/>
+          <a:p>
+            <a:pPr algn="ctr"/>
+            <a:endParaRPr lang="en-US">
+              <a:latin typeface="Lato"/>
+            </a:endParaRPr>
+          </a:p>
+        </p:txBody>
+      </p:sp>
+      <p:sp>
+        <p:nvSpPr>
+          <p:cNvPr id="21" name="Rectangle 20"/>
+          <p:cNvSpPr/>
+          <p:nvPr/>
+        </p:nvSpPr>
+        <p:spPr>
+          <a:xfrm>
+            <a:off x="1780830" y="5756221"/>
+            <a:ext cx="1419225" cy="139754"/>
+          </a:xfrm>
+          <a:prstGeom prst="rect">
+            <a:avLst/>
+          </a:prstGeom>
+          <a:noFill/>
+          <a:ln w="38100" cmpd="sng">
+            <a:solidFill>
+              <a:srgbClr val="FF0000"/>
+            </a:solidFill>
+            <a:miter lim="800000"/>
+          </a:ln>
+          <a:effectLst/>
+        </p:spPr>
+        <p:style>
+          <a:lnRef idx="1">
+            <a:schemeClr val="accent1"/>
+          </a:lnRef>
+          <a:fillRef idx="3">
+            <a:schemeClr val="accent1"/>
+          </a:fillRef>
+          <a:effectRef idx="2">
+            <a:schemeClr val="accent1"/>
+          </a:effectRef>
+          <a:fontRef idx="minor">
+            <a:schemeClr val="lt1"/>
+          </a:fontRef>
+        </p:style>
+        <p:txBody>
+          <a:bodyPr rtlCol="0" anchor="ctr"/>
+          <a:lstStyle/>
+          <a:p>
+            <a:pPr algn="ctr"/>
+            <a:endParaRPr lang="en-US" b="1">
+              <a:latin typeface="Lato"/>
+            </a:endParaRPr>
+          </a:p>
+        </p:txBody>
+      </p:sp>
+      <p:sp>
+        <p:nvSpPr>
+          <p:cNvPr id="44" name="TextBox 43"/>
+          <p:cNvSpPr txBox="1"/>
+          <p:nvPr/>
+        </p:nvSpPr>
+        <p:spPr>
+          <a:xfrm>
+            <a:off x="2678455" y="1239335"/>
+            <a:ext cx="997531" cy="369332"/>
+          </a:xfrm>
+          <a:prstGeom prst="rect">
+            <a:avLst/>
+          </a:prstGeom>
+          <a:noFill/>
+        </p:spPr>
+        <p:txBody>
+          <a:bodyPr wrap="none" rtlCol="0">
+            <a:spAutoFit/>
+          </a:bodyPr>
+          <a:lstStyle/>
+          <a:p>
+            <a:r>
+              <a:rPr lang="en-US" dirty="0" smtClean="0">
+                <a:latin typeface="Lato"/>
+              </a:rPr>
+              <a:t>Remote</a:t>
+            </a:r>
+          </a:p>
+        </p:txBody>
+      </p:sp>
+      <p:sp>
+        <p:nvSpPr>
+          <p:cNvPr id="45" name="TextBox 44"/>
+          <p:cNvSpPr txBox="1"/>
+          <p:nvPr/>
+        </p:nvSpPr>
+        <p:spPr>
+          <a:xfrm>
+            <a:off x="936225" y="4693702"/>
+            <a:ext cx="787822" cy="369332"/>
+          </a:xfrm>
+          <a:prstGeom prst="rect">
+            <a:avLst/>
+          </a:prstGeom>
+          <a:noFill/>
+        </p:spPr>
+        <p:txBody>
+          <a:bodyPr wrap="none" rtlCol="0">
+            <a:spAutoFit/>
+          </a:bodyPr>
+          <a:lstStyle/>
+          <a:p>
+            <a:r>
+              <a:rPr lang="en-US" dirty="0">
+                <a:latin typeface="Lato"/>
+              </a:rPr>
+              <a:t>C</a:t>
+            </a:r>
+            <a:r>
+              <a:rPr lang="en-US" dirty="0" smtClean="0">
+                <a:latin typeface="Lato"/>
+              </a:rPr>
+              <a:t>lone</a:t>
+            </a:r>
+          </a:p>
+        </p:txBody>
+      </p:sp>
+      <p:sp>
+        <p:nvSpPr>
+          <p:cNvPr id="46" name="TextBox 45"/>
+          <p:cNvSpPr txBox="1"/>
+          <p:nvPr/>
+        </p:nvSpPr>
+        <p:spPr>
+          <a:xfrm>
+            <a:off x="5674898" y="4693702"/>
+            <a:ext cx="787822" cy="369332"/>
+          </a:xfrm>
+          <a:prstGeom prst="rect">
+            <a:avLst/>
+          </a:prstGeom>
+          <a:noFill/>
+        </p:spPr>
+        <p:txBody>
+          <a:bodyPr wrap="none" rtlCol="0">
+            <a:spAutoFit/>
+          </a:bodyPr>
+          <a:lstStyle/>
+          <a:p>
+            <a:r>
+              <a:rPr lang="en-US" dirty="0">
+                <a:latin typeface="Lato"/>
+              </a:rPr>
+              <a:t>C</a:t>
+            </a:r>
+            <a:r>
+              <a:rPr lang="en-US" dirty="0" smtClean="0">
+                <a:latin typeface="Lato"/>
+              </a:rPr>
+              <a:t>lone</a:t>
+            </a:r>
           </a:p>
         </p:txBody>
       </p:sp>
@@ -4422,46 +4815,75 @@
                             </p:stCondLst>
                             <p:childTnLst>
                               <p:par>
-                                <p:cTn id="11" presetID="50" presetClass="path" presetSubtype="0" accel="50000" decel="50000" fill="hold" grpId="0" nodeType="clickEffect">
+                                <p:cTn id="11" presetID="2" presetClass="entr" presetSubtype="1" fill="hold" nodeType="clickEffect">
                                   <p:stCondLst>
                                     <p:cond delay="0"/>
                                   </p:stCondLst>
                                   <p:childTnLst>
-                                    <p:animMotion origin="layout" path="M -4.72222E-6 3.7037E-7 L 0.10869 3.7037E-7 C 0.15764 3.7037E-7 0.21806 -0.12917 0.21806 -0.23403 L 0.21806 -0.46759 " pathEditMode="relative" rAng="0" ptsTypes="FfFF">
+                                    <p:set>
                                       <p:cBhvr>
-                                        <p:cTn id="12" dur="2000" fill="hold"/>
-                                        <p:tgtEl>
-                                          <p:spTgt spid="19"/>
+                                        <p:cTn id="12" dur="1" fill="hold">
+                                          <p:stCondLst>
+                                            <p:cond delay="0"/>
+                                          </p:stCondLst>
+                                        </p:cTn>
+                                        <p:tgtEl>
+                                          <p:spTgt spid="27"/>
+                                        </p:tgtEl>
+                                        <p:attrNameLst>
+                                          <p:attrName>style.visibility</p:attrName>
+                                        </p:attrNameLst>
+                                      </p:cBhvr>
+                                      <p:to>
+                                        <p:strVal val="visible"/>
+                                      </p:to>
+                                    </p:set>
+                                    <p:anim calcmode="lin" valueType="num">
+                                      <p:cBhvr additive="base">
+                                        <p:cTn id="13" dur="500" fill="hold"/>
+                                        <p:tgtEl>
+                                          <p:spTgt spid="27"/>
                                         </p:tgtEl>
                                         <p:attrNameLst>
                                           <p:attrName>ppt_x</p:attrName>
+                                        </p:attrNameLst>
+                                      </p:cBhvr>
+                                      <p:tavLst>
+                                        <p:tav tm="0">
+                                          <p:val>
+                                            <p:strVal val="#ppt_x"/>
+                                          </p:val>
+                                        </p:tav>
+                                        <p:tav tm="100000">
+                                          <p:val>
+                                            <p:strVal val="#ppt_x"/>
+                                          </p:val>
+                                        </p:tav>
+                                      </p:tavLst>
+                                    </p:anim>
+                                    <p:anim calcmode="lin" valueType="num">
+                                      <p:cBhvr additive="base">
+                                        <p:cTn id="14" dur="500" fill="hold"/>
+                                        <p:tgtEl>
+                                          <p:spTgt spid="27"/>
+                                        </p:tgtEl>
+                                        <p:attrNameLst>
                                           <p:attrName>ppt_y</p:attrName>
                                         </p:attrNameLst>
                                       </p:cBhvr>
-                                      <p:rCtr x="10903" y="-23380"/>
-                                    </p:animMotion>
-                                  </p:childTnLst>
-                                </p:cTn>
-                              </p:par>
-                              <p:par>
-                                <p:cTn id="13" presetID="50" presetClass="path" presetSubtype="0" accel="50000" decel="50000" fill="hold" grpId="0" nodeType="withEffect">
-                                  <p:stCondLst>
-                                    <p:cond delay="0"/>
-                                  </p:stCondLst>
-                                  <p:childTnLst>
-                                    <p:animMotion origin="layout" path="M 1.11111E-6 3.7037E-7 L 0.10799 3.7037E-7 C 0.1566 3.7037E-7 0.21632 -0.12917 0.21632 -0.2338 L 0.21632 -0.46759 " pathEditMode="relative" rAng="0" ptsTypes="FfFF">
-                                      <p:cBhvr>
-                                        <p:cTn id="14" dur="2000" fill="hold"/>
-                                        <p:tgtEl>
-                                          <p:spTgt spid="18"/>
-                                        </p:tgtEl>
-                                        <p:attrNameLst>
-                                          <p:attrName>ppt_x</p:attrName>
-                                          <p:attrName>ppt_y</p:attrName>
-                                        </p:attrNameLst>
-                                      </p:cBhvr>
-                                      <p:rCtr x="10816" y="-23380"/>
-                                    </p:animMotion>
+                                      <p:tavLst>
+                                        <p:tav tm="0">
+                                          <p:val>
+                                            <p:strVal val="0-#ppt_h/2"/>
+                                          </p:val>
+                                        </p:tav>
+                                        <p:tav tm="100000">
+                                          <p:val>
+                                            <p:strVal val="#ppt_y"/>
+                                          </p:val>
+                                        </p:tav>
+                                      </p:tavLst>
+                                    </p:anim>
                                   </p:childTnLst>
                                 </p:cTn>
                               </p:par>
@@ -4484,34 +4906,16 @@
                             </p:stCondLst>
                             <p:childTnLst>
                               <p:par>
-                                <p:cTn id="17" presetID="2" presetClass="entr" presetSubtype="2" fill="hold" nodeType="clickEffect">
+                                <p:cTn id="17" presetID="2" presetClass="exit" presetSubtype="1" fill="hold" nodeType="clickEffect">
                                   <p:stCondLst>
                                     <p:cond delay="0"/>
                                   </p:stCondLst>
                                   <p:childTnLst>
-                                    <p:set>
-                                      <p:cBhvr>
-                                        <p:cTn id="18" dur="1" fill="hold">
-                                          <p:stCondLst>
-                                            <p:cond delay="0"/>
-                                          </p:stCondLst>
-                                        </p:cTn>
-                                        <p:tgtEl>
-                                          <p:spTgt spid="31"/>
-                                        </p:tgtEl>
-                                        <p:attrNameLst>
-                                          <p:attrName>style.visibility</p:attrName>
-                                        </p:attrNameLst>
-                                      </p:cBhvr>
-                                      <p:to>
-                                        <p:strVal val="visible"/>
-                                      </p:to>
-                                    </p:set>
                                     <p:anim calcmode="lin" valueType="num">
                                       <p:cBhvr additive="base">
-                                        <p:cTn id="19" dur="500" fill="hold"/>
-                                        <p:tgtEl>
-                                          <p:spTgt spid="31"/>
+                                        <p:cTn id="18" dur="500"/>
+                                        <p:tgtEl>
+                                          <p:spTgt spid="27"/>
                                         </p:tgtEl>
                                         <p:attrNameLst>
                                           <p:attrName>ppt_x</p:attrName>
@@ -4520,21 +4924,21 @@
                                       <p:tavLst>
                                         <p:tav tm="0">
                                           <p:val>
-                                            <p:strVal val="1+#ppt_w/2"/>
+                                            <p:strVal val="ppt_x"/>
                                           </p:val>
                                         </p:tav>
                                         <p:tav tm="100000">
                                           <p:val>
-                                            <p:strVal val="#ppt_x"/>
+                                            <p:strVal val="ppt_x"/>
                                           </p:val>
                                         </p:tav>
                                       </p:tavLst>
                                     </p:anim>
                                     <p:anim calcmode="lin" valueType="num">
                                       <p:cBhvr additive="base">
-                                        <p:cTn id="20" dur="500" fill="hold"/>
-                                        <p:tgtEl>
-                                          <p:spTgt spid="31"/>
+                                        <p:cTn id="19" dur="500"/>
+                                        <p:tgtEl>
+                                          <p:spTgt spid="27"/>
                                         </p:tgtEl>
                                         <p:attrNameLst>
                                           <p:attrName>ppt_y</p:attrName>
@@ -4543,16 +4947,34 @@
                                       <p:tavLst>
                                         <p:tav tm="0">
                                           <p:val>
-                                            <p:strVal val="#ppt_y"/>
+                                            <p:strVal val="ppt_y"/>
                                           </p:val>
                                         </p:tav>
                                         <p:tav tm="100000">
                                           <p:val>
-                                            <p:strVal val="#ppt_y"/>
+                                            <p:strVal val="0-ppt_h/2"/>
                                           </p:val>
                                         </p:tav>
                                       </p:tavLst>
                                     </p:anim>
+                                    <p:set>
+                                      <p:cBhvr>
+                                        <p:cTn id="20" dur="1" fill="hold">
+                                          <p:stCondLst>
+                                            <p:cond delay="499"/>
+                                          </p:stCondLst>
+                                        </p:cTn>
+                                        <p:tgtEl>
+                                          <p:spTgt spid="27"/>
+                                        </p:tgtEl>
+                                        <p:attrNameLst>
+                                          <p:attrName>style.visibility</p:attrName>
+                                        </p:attrNameLst>
+                                      </p:cBhvr>
+                                      <p:to>
+                                        <p:strVal val="hidden"/>
+                                      </p:to>
+                                    </p:set>
                                   </p:childTnLst>
                                 </p:cTn>
                               </p:par>
@@ -4575,99 +4997,45 @@
                             </p:stCondLst>
                             <p:childTnLst>
                               <p:par>
-                                <p:cTn id="23" presetID="1" presetClass="entr" presetSubtype="0" fill="hold" grpId="1" nodeType="clickEffect">
+                                <p:cTn id="23" presetID="50" presetClass="path" presetSubtype="0" accel="50000" decel="50000" fill="hold" grpId="0" nodeType="clickEffect">
                                   <p:stCondLst>
                                     <p:cond delay="0"/>
                                   </p:stCondLst>
                                   <p:childTnLst>
-                                    <p:set>
+                                    <p:animMotion origin="layout" path="M -4.72222E-6 3.7037E-7 L 0.10869 3.7037E-7 C 0.15764 3.7037E-7 0.21806 -0.12917 0.21806 -0.23403 L 0.21806 -0.46759 " pathEditMode="relative" rAng="0" ptsTypes="FfFF">
                                       <p:cBhvr>
-                                        <p:cTn id="24" dur="1" fill="hold">
-                                          <p:stCondLst>
-                                            <p:cond delay="0"/>
-                                          </p:stCondLst>
-                                        </p:cTn>
-                                        <p:tgtEl>
-                                          <p:spTgt spid="13"/>
-                                        </p:tgtEl>
-                                        <p:attrNameLst>
-                                          <p:attrName>style.visibility</p:attrName>
-                                        </p:attrNameLst>
-                                      </p:cBhvr>
-                                      <p:to>
-                                        <p:strVal val="visible"/>
-                                      </p:to>
-                                    </p:set>
-                                  </p:childTnLst>
-                                </p:cTn>
-                              </p:par>
-                              <p:par>
-                                <p:cTn id="25" presetID="1" presetClass="entr" presetSubtype="0" fill="hold" grpId="1" nodeType="withEffect">
-                                  <p:stCondLst>
-                                    <p:cond delay="0"/>
-                                  </p:stCondLst>
-                                  <p:childTnLst>
-                                    <p:set>
-                                      <p:cBhvr>
-                                        <p:cTn id="26" dur="1" fill="hold">
-                                          <p:stCondLst>
-                                            <p:cond delay="0"/>
-                                          </p:stCondLst>
-                                        </p:cTn>
-                                        <p:tgtEl>
-                                          <p:spTgt spid="12"/>
-                                        </p:tgtEl>
-                                        <p:attrNameLst>
-                                          <p:attrName>style.visibility</p:attrName>
-                                        </p:attrNameLst>
-                                      </p:cBhvr>
-                                      <p:to>
-                                        <p:strVal val="visible"/>
-                                      </p:to>
-                                    </p:set>
-                                  </p:childTnLst>
-                                </p:cTn>
-                              </p:par>
-                              <p:par>
-                                <p:cTn id="27" presetID="50" presetClass="path" presetSubtype="0" accel="50000" decel="50000" fill="hold" grpId="0" nodeType="withEffect">
-                                  <p:stCondLst>
-                                    <p:cond delay="0"/>
-                                  </p:stCondLst>
-                                  <p:childTnLst>
-                                    <p:animMotion origin="layout" path="M 1.66667E-6 2.96296E-6 L 0.15104 2.96296E-6 C 0.21892 2.96296E-6 0.30278 0.1287 0.30278 0.23379 L 0.30278 0.46759 " pathEditMode="relative" rAng="0" ptsTypes="FfFF">
-                                      <p:cBhvr>
-                                        <p:cTn id="28" dur="2000" fill="hold"/>
-                                        <p:tgtEl>
-                                          <p:spTgt spid="12"/>
+                                        <p:cTn id="24" dur="2000" fill="hold"/>
+                                        <p:tgtEl>
+                                          <p:spTgt spid="19"/>
                                         </p:tgtEl>
                                         <p:attrNameLst>
                                           <p:attrName>ppt_x</p:attrName>
                                           <p:attrName>ppt_y</p:attrName>
                                         </p:attrNameLst>
                                       </p:cBhvr>
-                                      <p:rCtr x="15139" y="23380"/>
+                                      <p:rCtr x="10903" y="-23380"/>
                                     </p:animMotion>
                                   </p:childTnLst>
                                 </p:cTn>
                               </p:par>
                               <p:par>
-                                <p:cTn id="29" presetID="50" presetClass="path" presetSubtype="0" accel="50000" decel="50000" fill="hold" grpId="0" nodeType="withEffect">
+                                <p:cTn id="25" presetID="50" presetClass="path" presetSubtype="0" accel="50000" decel="50000" fill="hold" grpId="0" nodeType="withEffect">
                                   <p:stCondLst>
                                     <p:cond delay="0"/>
                                   </p:stCondLst>
                                   <p:childTnLst>
-                                    <p:animMotion origin="layout" path="M 0.04149 0.00324 L 0.17413 0.00324 C 0.23368 0.00324 0.30694 0.13194 0.30694 0.23703 L 0.30694 0.47083 " pathEditMode="relative" rAng="0" ptsTypes="FfFF">
+                                    <p:animMotion origin="layout" path="M 1.11111E-6 3.7037E-7 L 0.10799 3.7037E-7 C 0.1566 3.7037E-7 0.21632 -0.12917 0.21632 -0.2338 L 0.21632 -0.46759 " pathEditMode="relative" rAng="0" ptsTypes="FfFF">
                                       <p:cBhvr>
-                                        <p:cTn id="30" dur="2000" fill="hold"/>
-                                        <p:tgtEl>
-                                          <p:spTgt spid="13"/>
+                                        <p:cTn id="26" dur="2000" fill="hold"/>
+                                        <p:tgtEl>
+                                          <p:spTgt spid="18"/>
                                         </p:tgtEl>
                                         <p:attrNameLst>
                                           <p:attrName>ppt_x</p:attrName>
                                           <p:attrName>ppt_y</p:attrName>
                                         </p:attrNameLst>
                                       </p:cBhvr>
-                                      <p:rCtr x="13264" y="23380"/>
+                                      <p:rCtr x="10816" y="-23380"/>
                                     </p:animMotion>
                                   </p:childTnLst>
                                 </p:cTn>
@@ -4679,26 +5047,233 @@
                     </p:cTn>
                   </p:par>
                   <p:par>
-                    <p:cTn id="31" fill="hold">
+                    <p:cTn id="27" fill="hold">
                       <p:stCondLst>
                         <p:cond delay="indefinite"/>
                       </p:stCondLst>
                       <p:childTnLst>
                         <p:par>
-                          <p:cTn id="32" fill="hold">
+                          <p:cTn id="28" fill="hold">
                             <p:stCondLst>
                               <p:cond delay="0"/>
                             </p:stCondLst>
                             <p:childTnLst>
                               <p:par>
-                                <p:cTn id="33" presetID="10" presetClass="entr" presetSubtype="0" fill="hold" nodeType="clickEffect">
+                                <p:cTn id="29" presetID="2" presetClass="entr" presetSubtype="2" fill="hold" nodeType="clickEffect">
                                   <p:stCondLst>
                                     <p:cond delay="0"/>
                                   </p:stCondLst>
                                   <p:childTnLst>
                                     <p:set>
                                       <p:cBhvr>
-                                        <p:cTn id="34" dur="1" fill="hold">
+                                        <p:cTn id="30" dur="1" fill="hold">
+                                          <p:stCondLst>
+                                            <p:cond delay="0"/>
+                                          </p:stCondLst>
+                                        </p:cTn>
+                                        <p:tgtEl>
+                                          <p:spTgt spid="31"/>
+                                        </p:tgtEl>
+                                        <p:attrNameLst>
+                                          <p:attrName>style.visibility</p:attrName>
+                                        </p:attrNameLst>
+                                      </p:cBhvr>
+                                      <p:to>
+                                        <p:strVal val="visible"/>
+                                      </p:to>
+                                    </p:set>
+                                    <p:anim calcmode="lin" valueType="num">
+                                      <p:cBhvr additive="base">
+                                        <p:cTn id="31" dur="500" fill="hold"/>
+                                        <p:tgtEl>
+                                          <p:spTgt spid="31"/>
+                                        </p:tgtEl>
+                                        <p:attrNameLst>
+                                          <p:attrName>ppt_x</p:attrName>
+                                        </p:attrNameLst>
+                                      </p:cBhvr>
+                                      <p:tavLst>
+                                        <p:tav tm="0">
+                                          <p:val>
+                                            <p:strVal val="1+#ppt_w/2"/>
+                                          </p:val>
+                                        </p:tav>
+                                        <p:tav tm="100000">
+                                          <p:val>
+                                            <p:strVal val="#ppt_x"/>
+                                          </p:val>
+                                        </p:tav>
+                                      </p:tavLst>
+                                    </p:anim>
+                                    <p:anim calcmode="lin" valueType="num">
+                                      <p:cBhvr additive="base">
+                                        <p:cTn id="32" dur="500" fill="hold"/>
+                                        <p:tgtEl>
+                                          <p:spTgt spid="31"/>
+                                        </p:tgtEl>
+                                        <p:attrNameLst>
+                                          <p:attrName>ppt_y</p:attrName>
+                                        </p:attrNameLst>
+                                      </p:cBhvr>
+                                      <p:tavLst>
+                                        <p:tav tm="0">
+                                          <p:val>
+                                            <p:strVal val="#ppt_y"/>
+                                          </p:val>
+                                        </p:tav>
+                                        <p:tav tm="100000">
+                                          <p:val>
+                                            <p:strVal val="#ppt_y"/>
+                                          </p:val>
+                                        </p:tav>
+                                      </p:tavLst>
+                                    </p:anim>
+                                  </p:childTnLst>
+                                </p:cTn>
+                              </p:par>
+                            </p:childTnLst>
+                          </p:cTn>
+                        </p:par>
+                      </p:childTnLst>
+                    </p:cTn>
+                  </p:par>
+                  <p:par>
+                    <p:cTn id="33" fill="hold">
+                      <p:stCondLst>
+                        <p:cond delay="indefinite"/>
+                      </p:stCondLst>
+                      <p:childTnLst>
+                        <p:par>
+                          <p:cTn id="34" fill="hold">
+                            <p:stCondLst>
+                              <p:cond delay="0"/>
+                            </p:stCondLst>
+                            <p:childTnLst>
+                              <p:par>
+                                <p:cTn id="35" presetID="1" presetClass="entr" presetSubtype="0" fill="hold" grpId="1" nodeType="clickEffect">
+                                  <p:stCondLst>
+                                    <p:cond delay="0"/>
+                                  </p:stCondLst>
+                                  <p:childTnLst>
+                                    <p:set>
+                                      <p:cBhvr>
+                                        <p:cTn id="36" dur="1" fill="hold">
+                                          <p:stCondLst>
+                                            <p:cond delay="0"/>
+                                          </p:stCondLst>
+                                        </p:cTn>
+                                        <p:tgtEl>
+                                          <p:spTgt spid="13"/>
+                                        </p:tgtEl>
+                                        <p:attrNameLst>
+                                          <p:attrName>style.visibility</p:attrName>
+                                        </p:attrNameLst>
+                                      </p:cBhvr>
+                                      <p:to>
+                                        <p:strVal val="visible"/>
+                                      </p:to>
+                                    </p:set>
+                                  </p:childTnLst>
+                                </p:cTn>
+                              </p:par>
+                              <p:par>
+                                <p:cTn id="37" presetID="1" presetClass="entr" presetSubtype="0" fill="hold" grpId="1" nodeType="withEffect">
+                                  <p:stCondLst>
+                                    <p:cond delay="0"/>
+                                  </p:stCondLst>
+                                  <p:childTnLst>
+                                    <p:set>
+                                      <p:cBhvr>
+                                        <p:cTn id="38" dur="1" fill="hold">
+                                          <p:stCondLst>
+                                            <p:cond delay="0"/>
+                                          </p:stCondLst>
+                                        </p:cTn>
+                                        <p:tgtEl>
+                                          <p:spTgt spid="12"/>
+                                        </p:tgtEl>
+                                        <p:attrNameLst>
+                                          <p:attrName>style.visibility</p:attrName>
+                                        </p:attrNameLst>
+                                      </p:cBhvr>
+                                      <p:to>
+                                        <p:strVal val="visible"/>
+                                      </p:to>
+                                    </p:set>
+                                  </p:childTnLst>
+                                </p:cTn>
+                              </p:par>
+                              <p:par>
+                                <p:cTn id="39" presetID="50" presetClass="path" presetSubtype="0" accel="50000" decel="50000" fill="hold" grpId="0" nodeType="withEffect">
+                                  <p:stCondLst>
+                                    <p:cond delay="0"/>
+                                  </p:stCondLst>
+                                  <p:childTnLst>
+                                    <p:animMotion origin="layout" path="M 2.77778E-6 2.96296E-6 L 0.15208 2.96296E-6 C 0.22083 2.96296E-6 0.30642 0.12916 0.30642 0.23518 L 0.30642 0.47199 " pathEditMode="relative" rAng="0" ptsTypes="FfFF">
+                                      <p:cBhvr>
+                                        <p:cTn id="40" dur="2000" fill="hold"/>
+                                        <p:tgtEl>
+                                          <p:spTgt spid="12"/>
+                                        </p:tgtEl>
+                                        <p:attrNameLst>
+                                          <p:attrName>ppt_x</p:attrName>
+                                          <p:attrName>ppt_y</p:attrName>
+                                        </p:attrNameLst>
+                                      </p:cBhvr>
+                                      <p:rCtr x="15313" y="23588"/>
+                                    </p:animMotion>
+                                  </p:childTnLst>
+                                </p:cTn>
+                              </p:par>
+                              <p:par>
+                                <p:cTn id="41" presetID="50" presetClass="path" presetSubtype="0" accel="50000" decel="50000" fill="hold" grpId="0" nodeType="withEffect">
+                                  <p:stCondLst>
+                                    <p:cond delay="0"/>
+                                  </p:stCondLst>
+                                  <p:childTnLst>
+                                    <p:animMotion origin="layout" path="M -2.77778E-7 3.7037E-6 L 0.15295 3.7037E-6 C 0.2217 3.7037E-6 0.30642 0.12939 0.30642 0.23541 L 0.30642 0.47083 " pathEditMode="relative" rAng="0" ptsTypes="FfFF">
+                                      <p:cBhvr>
+                                        <p:cTn id="42" dur="2000" fill="hold"/>
+                                        <p:tgtEl>
+                                          <p:spTgt spid="13"/>
+                                        </p:tgtEl>
+                                        <p:attrNameLst>
+                                          <p:attrName>ppt_x</p:attrName>
+                                          <p:attrName>ppt_y</p:attrName>
+                                        </p:attrNameLst>
+                                      </p:cBhvr>
+                                      <p:rCtr x="15313" y="23542"/>
+                                    </p:animMotion>
+                                  </p:childTnLst>
+                                </p:cTn>
+                              </p:par>
+                            </p:childTnLst>
+                          </p:cTn>
+                        </p:par>
+                      </p:childTnLst>
+                    </p:cTn>
+                  </p:par>
+                  <p:par>
+                    <p:cTn id="43" fill="hold">
+                      <p:stCondLst>
+                        <p:cond delay="indefinite"/>
+                      </p:stCondLst>
+                      <p:childTnLst>
+                        <p:par>
+                          <p:cTn id="44" fill="hold">
+                            <p:stCondLst>
+                              <p:cond delay="0"/>
+                            </p:stCondLst>
+                            <p:childTnLst>
+                              <p:par>
+                                <p:cTn id="45" presetID="10" presetClass="entr" presetSubtype="0" fill="hold" nodeType="clickEffect">
+                                  <p:stCondLst>
+                                    <p:cond delay="0"/>
+                                  </p:stCondLst>
+                                  <p:childTnLst>
+                                    <p:set>
+                                      <p:cBhvr>
+                                        <p:cTn id="46" dur="1" fill="hold">
                                           <p:stCondLst>
                                             <p:cond delay="0"/>
                                           </p:stCondLst>
@@ -4716,7 +5291,7 @@
                                     </p:set>
                                     <p:animEffect transition="in" filter="fade">
                                       <p:cBhvr>
-                                        <p:cTn id="35" dur="500"/>
+                                        <p:cTn id="47" dur="500"/>
                                         <p:tgtEl>
                                           <p:spTgt spid="35"/>
                                         </p:tgtEl>
@@ -4732,26 +5307,26 @@
                     </p:cTn>
                   </p:par>
                   <p:par>
-                    <p:cTn id="36" fill="hold">
+                    <p:cTn id="48" fill="hold">
                       <p:stCondLst>
                         <p:cond delay="indefinite"/>
                       </p:stCondLst>
                       <p:childTnLst>
                         <p:par>
-                          <p:cTn id="37" fill="hold">
+                          <p:cTn id="49" fill="hold">
                             <p:stCondLst>
                               <p:cond delay="0"/>
                             </p:stCondLst>
                             <p:childTnLst>
                               <p:par>
-                                <p:cTn id="38" presetID="10" presetClass="entr" presetSubtype="0" fill="hold" nodeType="clickEffect">
+                                <p:cTn id="50" presetID="10" presetClass="entr" presetSubtype="0" fill="hold" nodeType="clickEffect">
                                   <p:stCondLst>
                                     <p:cond delay="0"/>
                                   </p:stCondLst>
                                   <p:childTnLst>
                                     <p:set>
                                       <p:cBhvr>
-                                        <p:cTn id="39" dur="1" fill="hold">
+                                        <p:cTn id="51" dur="1" fill="hold">
                                           <p:stCondLst>
                                             <p:cond delay="0"/>
                                           </p:stCondLst>
@@ -4769,7 +5344,7 @@
                                     </p:set>
                                     <p:animEffect transition="in" filter="fade">
                                       <p:cBhvr>
-                                        <p:cTn id="40" dur="500"/>
+                                        <p:cTn id="52" dur="500"/>
                                         <p:tgtEl>
                                           <p:spTgt spid="39"/>
                                         </p:tgtEl>
@@ -4779,14 +5354,14 @@
                                 </p:cTn>
                               </p:par>
                               <p:par>
-                                <p:cTn id="41" presetID="10" presetClass="entr" presetSubtype="0" fill="hold" grpId="0" nodeType="withEffect">
+                                <p:cTn id="53" presetID="10" presetClass="entr" presetSubtype="0" fill="hold" grpId="0" nodeType="withEffect">
                                   <p:stCondLst>
                                     <p:cond delay="0"/>
                                   </p:stCondLst>
                                   <p:childTnLst>
                                     <p:set>
                                       <p:cBhvr>
-                                        <p:cTn id="42" dur="1" fill="hold">
+                                        <p:cTn id="54" dur="1" fill="hold">
                                           <p:stCondLst>
                                             <p:cond delay="0"/>
                                           </p:stCondLst>
@@ -4804,7 +5379,7 @@
                                     </p:set>
                                     <p:animEffect transition="in" filter="fade">
                                       <p:cBhvr>
-                                        <p:cTn id="43" dur="500"/>
+                                        <p:cTn id="55" dur="500"/>
                                         <p:tgtEl>
                                           <p:spTgt spid="5"/>
                                         </p:tgtEl>
@@ -4820,26 +5395,26 @@
                     </p:cTn>
                   </p:par>
                   <p:par>
-                    <p:cTn id="44" fill="hold">
+                    <p:cTn id="56" fill="hold">
                       <p:stCondLst>
                         <p:cond delay="indefinite"/>
                       </p:stCondLst>
                       <p:childTnLst>
                         <p:par>
-                          <p:cTn id="45" fill="hold">
+                          <p:cTn id="57" fill="hold">
                             <p:stCondLst>
                               <p:cond delay="0"/>
                             </p:stCondLst>
                             <p:childTnLst>
                               <p:par>
-                                <p:cTn id="46" presetID="10" presetClass="entr" presetSubtype="0" fill="hold" nodeType="clickEffect">
+                                <p:cTn id="58" presetID="10" presetClass="entr" presetSubtype="0" fill="hold" nodeType="clickEffect">
                                   <p:stCondLst>
                                     <p:cond delay="0"/>
                                   </p:stCondLst>
                                   <p:childTnLst>
                                     <p:set>
                                       <p:cBhvr>
-                                        <p:cTn id="47" dur="1" fill="hold">
+                                        <p:cTn id="59" dur="1" fill="hold">
                                           <p:stCondLst>
                                             <p:cond delay="0"/>
                                           </p:stCondLst>
@@ -4857,7 +5432,7 @@
                                     </p:set>
                                     <p:animEffect transition="in" filter="fade">
                                       <p:cBhvr>
-                                        <p:cTn id="48" dur="500"/>
+                                        <p:cTn id="60" dur="500"/>
                                         <p:tgtEl>
                                           <p:spTgt spid="41"/>
                                         </p:tgtEl>
@@ -4867,14 +5442,14 @@
                                 </p:cTn>
                               </p:par>
                               <p:par>
-                                <p:cTn id="49" presetID="10" presetClass="entr" presetSubtype="0" fill="hold" grpId="0" nodeType="withEffect">
+                                <p:cTn id="61" presetID="10" presetClass="entr" presetSubtype="0" fill="hold" grpId="0" nodeType="withEffect">
                                   <p:stCondLst>
                                     <p:cond delay="0"/>
                                   </p:stCondLst>
                                   <p:childTnLst>
                                     <p:set>
                                       <p:cBhvr>
-                                        <p:cTn id="50" dur="1" fill="hold">
+                                        <p:cTn id="62" dur="1" fill="hold">
                                           <p:stCondLst>
                                             <p:cond delay="0"/>
                                           </p:stCondLst>
@@ -4892,7 +5467,7 @@
                                     </p:set>
                                     <p:animEffect transition="in" filter="fade">
                                       <p:cBhvr>
-                                        <p:cTn id="51" dur="500"/>
+                                        <p:cTn id="63" dur="500"/>
                                         <p:tgtEl>
                                           <p:spTgt spid="30"/>
                                         </p:tgtEl>
@@ -4908,26 +5483,167 @@
                     </p:cTn>
                   </p:par>
                   <p:par>
-                    <p:cTn id="52" fill="hold">
+                    <p:cTn id="64" fill="hold">
                       <p:stCondLst>
                         <p:cond delay="indefinite"/>
                       </p:stCondLst>
                       <p:childTnLst>
                         <p:par>
-                          <p:cTn id="53" fill="hold">
+                          <p:cTn id="65" fill="hold">
                             <p:stCondLst>
                               <p:cond delay="0"/>
                             </p:stCondLst>
                             <p:childTnLst>
                               <p:par>
-                                <p:cTn id="54" presetID="2" presetClass="exit" presetSubtype="8" fill="hold" grpId="1" nodeType="clickEffect">
+                                <p:cTn id="66" presetID="10" presetClass="entr" presetSubtype="0" fill="hold" grpId="0" nodeType="clickEffect">
+                                  <p:stCondLst>
+                                    <p:cond delay="0"/>
+                                  </p:stCondLst>
+                                  <p:childTnLst>
+                                    <p:set>
+                                      <p:cBhvr>
+                                        <p:cTn id="67" dur="1" fill="hold">
+                                          <p:stCondLst>
+                                            <p:cond delay="0"/>
+                                          </p:stCondLst>
+                                        </p:cTn>
+                                        <p:tgtEl>
+                                          <p:spTgt spid="44"/>
+                                        </p:tgtEl>
+                                        <p:attrNameLst>
+                                          <p:attrName>style.visibility</p:attrName>
+                                        </p:attrNameLst>
+                                      </p:cBhvr>
+                                      <p:to>
+                                        <p:strVal val="visible"/>
+                                      </p:to>
+                                    </p:set>
+                                    <p:animEffect transition="in" filter="fade">
+                                      <p:cBhvr>
+                                        <p:cTn id="68" dur="500"/>
+                                        <p:tgtEl>
+                                          <p:spTgt spid="44"/>
+                                        </p:tgtEl>
+                                      </p:cBhvr>
+                                    </p:animEffect>
+                                  </p:childTnLst>
+                                </p:cTn>
+                              </p:par>
+                            </p:childTnLst>
+                          </p:cTn>
+                        </p:par>
+                      </p:childTnLst>
+                    </p:cTn>
+                  </p:par>
+                  <p:par>
+                    <p:cTn id="69" fill="hold">
+                      <p:stCondLst>
+                        <p:cond delay="indefinite"/>
+                      </p:stCondLst>
+                      <p:childTnLst>
+                        <p:par>
+                          <p:cTn id="70" fill="hold">
+                            <p:stCondLst>
+                              <p:cond delay="0"/>
+                            </p:stCondLst>
+                            <p:childTnLst>
+                              <p:par>
+                                <p:cTn id="71" presetID="10" presetClass="entr" presetSubtype="0" fill="hold" grpId="0" nodeType="clickEffect">
+                                  <p:stCondLst>
+                                    <p:cond delay="0"/>
+                                  </p:stCondLst>
+                                  <p:childTnLst>
+                                    <p:set>
+                                      <p:cBhvr>
+                                        <p:cTn id="72" dur="1" fill="hold">
+                                          <p:stCondLst>
+                                            <p:cond delay="0"/>
+                                          </p:stCondLst>
+                                        </p:cTn>
+                                        <p:tgtEl>
+                                          <p:spTgt spid="45"/>
+                                        </p:tgtEl>
+                                        <p:attrNameLst>
+                                          <p:attrName>style.visibility</p:attrName>
+                                        </p:attrNameLst>
+                                      </p:cBhvr>
+                                      <p:to>
+                                        <p:strVal val="visible"/>
+                                      </p:to>
+                                    </p:set>
+                                    <p:animEffect transition="in" filter="fade">
+                                      <p:cBhvr>
+                                        <p:cTn id="73" dur="500"/>
+                                        <p:tgtEl>
+                                          <p:spTgt spid="45"/>
+                                        </p:tgtEl>
+                                      </p:cBhvr>
+                                    </p:animEffect>
+                                  </p:childTnLst>
+                                </p:cTn>
+                              </p:par>
+                              <p:par>
+                                <p:cTn id="74" presetID="10" presetClass="entr" presetSubtype="0" fill="hold" grpId="0" nodeType="withEffect">
+                                  <p:stCondLst>
+                                    <p:cond delay="0"/>
+                                  </p:stCondLst>
+                                  <p:childTnLst>
+                                    <p:set>
+                                      <p:cBhvr>
+                                        <p:cTn id="75" dur="1" fill="hold">
+                                          <p:stCondLst>
+                                            <p:cond delay="0"/>
+                                          </p:stCondLst>
+                                        </p:cTn>
+                                        <p:tgtEl>
+                                          <p:spTgt spid="46"/>
+                                        </p:tgtEl>
+                                        <p:attrNameLst>
+                                          <p:attrName>style.visibility</p:attrName>
+                                        </p:attrNameLst>
+                                      </p:cBhvr>
+                                      <p:to>
+                                        <p:strVal val="visible"/>
+                                      </p:to>
+                                    </p:set>
+                                    <p:animEffect transition="in" filter="fade">
+                                      <p:cBhvr>
+                                        <p:cTn id="76" dur="500"/>
+                                        <p:tgtEl>
+                                          <p:spTgt spid="46"/>
+                                        </p:tgtEl>
+                                      </p:cBhvr>
+                                    </p:animEffect>
+                                  </p:childTnLst>
+                                </p:cTn>
+                              </p:par>
+                            </p:childTnLst>
+                          </p:cTn>
+                        </p:par>
+                      </p:childTnLst>
+                    </p:cTn>
+                  </p:par>
+                  <p:par>
+                    <p:cTn id="77" fill="hold">
+                      <p:stCondLst>
+                        <p:cond delay="indefinite"/>
+                      </p:stCondLst>
+                      <p:childTnLst>
+                        <p:par>
+                          <p:cTn id="78" fill="hold">
+                            <p:stCondLst>
+                              <p:cond delay="0"/>
+                            </p:stCondLst>
+                            <p:childTnLst>
+                              <p:par>
+                                <p:cTn id="79" presetID="2" presetClass="exit" presetSubtype="8" fill="hold" grpId="1" nodeType="clickEffect">
                                   <p:stCondLst>
                                     <p:cond delay="0"/>
                                   </p:stCondLst>
                                   <p:childTnLst>
                                     <p:anim calcmode="lin" valueType="num">
                                       <p:cBhvr additive="base">
-                                        <p:cTn id="55" dur="200"/>
+                                        <p:cTn id="80" dur="200"/>
                                         <p:tgtEl>
                                           <p:spTgt spid="30"/>
                                         </p:tgtEl>
@@ -4950,7 +5666,7 @@
                                     </p:anim>
                                     <p:anim calcmode="lin" valueType="num">
                                       <p:cBhvr additive="base">
-                                        <p:cTn id="56" dur="200"/>
+                                        <p:cTn id="81" dur="200"/>
                                         <p:tgtEl>
                                           <p:spTgt spid="30"/>
                                         </p:tgtEl>
@@ -4973,7 +5689,7 @@
                                     </p:anim>
                                     <p:set>
                                       <p:cBhvr>
-                                        <p:cTn id="57" dur="1" fill="hold">
+                                        <p:cTn id="82" dur="1" fill="hold">
                                           <p:stCondLst>
                                             <p:cond delay="199"/>
                                           </p:stCondLst>
@@ -4993,14 +5709,14 @@
                                 </p:cTn>
                               </p:par>
                               <p:par>
-                                <p:cTn id="58" presetID="2" presetClass="exit" presetSubtype="8" fill="hold" nodeType="withEffect">
+                                <p:cTn id="83" presetID="2" presetClass="exit" presetSubtype="8" fill="hold" nodeType="withEffect">
                                   <p:stCondLst>
                                     <p:cond delay="0"/>
                                   </p:stCondLst>
                                   <p:childTnLst>
                                     <p:anim calcmode="lin" valueType="num">
                                       <p:cBhvr additive="base">
-                                        <p:cTn id="59" dur="200"/>
+                                        <p:cTn id="84" dur="200"/>
                                         <p:tgtEl>
                                           <p:spTgt spid="41"/>
                                         </p:tgtEl>
@@ -5023,7 +5739,7 @@
                                     </p:anim>
                                     <p:anim calcmode="lin" valueType="num">
                                       <p:cBhvr additive="base">
-                                        <p:cTn id="60" dur="200"/>
+                                        <p:cTn id="85" dur="200"/>
                                         <p:tgtEl>
                                           <p:spTgt spid="41"/>
                                         </p:tgtEl>
@@ -5046,7 +5762,7 @@
                                     </p:anim>
                                     <p:set>
                                       <p:cBhvr>
-                                        <p:cTn id="61" dur="1" fill="hold">
+                                        <p:cTn id="86" dur="1" fill="hold">
                                           <p:stCondLst>
                                             <p:cond delay="199"/>
                                           </p:stCondLst>
@@ -5066,14 +5782,14 @@
                                 </p:cTn>
                               </p:par>
                               <p:par>
-                                <p:cTn id="62" presetID="2" presetClass="exit" presetSubtype="8" fill="hold" nodeType="withEffect">
+                                <p:cTn id="87" presetID="2" presetClass="exit" presetSubtype="8" fill="hold" nodeType="withEffect">
                                   <p:stCondLst>
                                     <p:cond delay="0"/>
                                   </p:stCondLst>
                                   <p:childTnLst>
                                     <p:anim calcmode="lin" valueType="num">
                                       <p:cBhvr additive="base">
-                                        <p:cTn id="63" dur="200"/>
+                                        <p:cTn id="88" dur="200"/>
                                         <p:tgtEl>
                                           <p:spTgt spid="39"/>
                                         </p:tgtEl>
@@ -5096,7 +5812,7 @@
                                     </p:anim>
                                     <p:anim calcmode="lin" valueType="num">
                                       <p:cBhvr additive="base">
-                                        <p:cTn id="64" dur="200"/>
+                                        <p:cTn id="89" dur="200"/>
                                         <p:tgtEl>
                                           <p:spTgt spid="39"/>
                                         </p:tgtEl>
@@ -5119,7 +5835,7 @@
                                     </p:anim>
                                     <p:set>
                                       <p:cBhvr>
-                                        <p:cTn id="65" dur="1" fill="hold">
+                                        <p:cTn id="90" dur="1" fill="hold">
                                           <p:stCondLst>
                                             <p:cond delay="199"/>
                                           </p:stCondLst>
@@ -5139,14 +5855,14 @@
                                 </p:cTn>
                               </p:par>
                               <p:par>
-                                <p:cTn id="66" presetID="2" presetClass="exit" presetSubtype="8" fill="hold" grpId="1" nodeType="withEffect">
+                                <p:cTn id="91" presetID="2" presetClass="exit" presetSubtype="8" fill="hold" grpId="1" nodeType="withEffect">
                                   <p:stCondLst>
                                     <p:cond delay="0"/>
                                   </p:stCondLst>
                                   <p:childTnLst>
                                     <p:anim calcmode="lin" valueType="num">
                                       <p:cBhvr additive="base">
-                                        <p:cTn id="67" dur="200"/>
+                                        <p:cTn id="92" dur="200"/>
                                         <p:tgtEl>
                                           <p:spTgt spid="5"/>
                                         </p:tgtEl>
@@ -5169,7 +5885,7 @@
                                     </p:anim>
                                     <p:anim calcmode="lin" valueType="num">
                                       <p:cBhvr additive="base">
-                                        <p:cTn id="68" dur="200"/>
+                                        <p:cTn id="93" dur="200"/>
                                         <p:tgtEl>
                                           <p:spTgt spid="5"/>
                                         </p:tgtEl>
@@ -5192,7 +5908,7 @@
                                     </p:anim>
                                     <p:set>
                                       <p:cBhvr>
-                                        <p:cTn id="69" dur="1" fill="hold">
+                                        <p:cTn id="94" dur="1" fill="hold">
                                           <p:stCondLst>
                                             <p:cond delay="199"/>
                                           </p:stCondLst>
@@ -5212,14 +5928,14 @@
                                 </p:cTn>
                               </p:par>
                               <p:par>
-                                <p:cTn id="70" presetID="2" presetClass="exit" presetSubtype="8" fill="hold" nodeType="withEffect">
+                                <p:cTn id="95" presetID="2" presetClass="exit" presetSubtype="8" fill="hold" nodeType="withEffect">
                                   <p:stCondLst>
                                     <p:cond delay="0"/>
                                   </p:stCondLst>
                                   <p:childTnLst>
                                     <p:anim calcmode="lin" valueType="num">
                                       <p:cBhvr additive="base">
-                                        <p:cTn id="71" dur="200"/>
+                                        <p:cTn id="96" dur="200"/>
                                         <p:tgtEl>
                                           <p:spTgt spid="35"/>
                                         </p:tgtEl>
@@ -5242,7 +5958,7 @@
                                     </p:anim>
                                     <p:anim calcmode="lin" valueType="num">
                                       <p:cBhvr additive="base">
-                                        <p:cTn id="72" dur="200"/>
+                                        <p:cTn id="97" dur="200"/>
                                         <p:tgtEl>
                                           <p:spTgt spid="35"/>
                                         </p:tgtEl>
@@ -5265,13 +5981,232 @@
                                     </p:anim>
                                     <p:set>
                                       <p:cBhvr>
-                                        <p:cTn id="73" dur="1" fill="hold">
+                                        <p:cTn id="98" dur="1" fill="hold">
                                           <p:stCondLst>
                                             <p:cond delay="199"/>
                                           </p:stCondLst>
                                         </p:cTn>
                                         <p:tgtEl>
                                           <p:spTgt spid="35"/>
+                                        </p:tgtEl>
+                                        <p:attrNameLst>
+                                          <p:attrName>style.visibility</p:attrName>
+                                        </p:attrNameLst>
+                                      </p:cBhvr>
+                                      <p:to>
+                                        <p:strVal val="hidden"/>
+                                      </p:to>
+                                    </p:set>
+                                  </p:childTnLst>
+                                </p:cTn>
+                              </p:par>
+                              <p:par>
+                                <p:cTn id="99" presetID="2" presetClass="exit" presetSubtype="8" fill="hold" grpId="1" nodeType="withEffect">
+                                  <p:stCondLst>
+                                    <p:cond delay="0"/>
+                                  </p:stCondLst>
+                                  <p:childTnLst>
+                                    <p:anim calcmode="lin" valueType="num">
+                                      <p:cBhvr additive="base">
+                                        <p:cTn id="100" dur="200"/>
+                                        <p:tgtEl>
+                                          <p:spTgt spid="45"/>
+                                        </p:tgtEl>
+                                        <p:attrNameLst>
+                                          <p:attrName>ppt_x</p:attrName>
+                                        </p:attrNameLst>
+                                      </p:cBhvr>
+                                      <p:tavLst>
+                                        <p:tav tm="0">
+                                          <p:val>
+                                            <p:strVal val="ppt_x"/>
+                                          </p:val>
+                                        </p:tav>
+                                        <p:tav tm="100000">
+                                          <p:val>
+                                            <p:strVal val="0-ppt_w/2"/>
+                                          </p:val>
+                                        </p:tav>
+                                      </p:tavLst>
+                                    </p:anim>
+                                    <p:anim calcmode="lin" valueType="num">
+                                      <p:cBhvr additive="base">
+                                        <p:cTn id="101" dur="200"/>
+                                        <p:tgtEl>
+                                          <p:spTgt spid="45"/>
+                                        </p:tgtEl>
+                                        <p:attrNameLst>
+                                          <p:attrName>ppt_y</p:attrName>
+                                        </p:attrNameLst>
+                                      </p:cBhvr>
+                                      <p:tavLst>
+                                        <p:tav tm="0">
+                                          <p:val>
+                                            <p:strVal val="ppt_y"/>
+                                          </p:val>
+                                        </p:tav>
+                                        <p:tav tm="100000">
+                                          <p:val>
+                                            <p:strVal val="ppt_y"/>
+                                          </p:val>
+                                        </p:tav>
+                                      </p:tavLst>
+                                    </p:anim>
+                                    <p:set>
+                                      <p:cBhvr>
+                                        <p:cTn id="102" dur="1" fill="hold">
+                                          <p:stCondLst>
+                                            <p:cond delay="199"/>
+                                          </p:stCondLst>
+                                        </p:cTn>
+                                        <p:tgtEl>
+                                          <p:spTgt spid="45"/>
+                                        </p:tgtEl>
+                                        <p:attrNameLst>
+                                          <p:attrName>style.visibility</p:attrName>
+                                        </p:attrNameLst>
+                                      </p:cBhvr>
+                                      <p:to>
+                                        <p:strVal val="hidden"/>
+                                      </p:to>
+                                    </p:set>
+                                  </p:childTnLst>
+                                </p:cTn>
+                              </p:par>
+                              <p:par>
+                                <p:cTn id="103" presetID="2" presetClass="exit" presetSubtype="8" fill="hold" grpId="1" nodeType="withEffect">
+                                  <p:stCondLst>
+                                    <p:cond delay="0"/>
+                                  </p:stCondLst>
+                                  <p:childTnLst>
+                                    <p:anim calcmode="lin" valueType="num">
+                                      <p:cBhvr additive="base">
+                                        <p:cTn id="104" dur="200"/>
+                                        <p:tgtEl>
+                                          <p:spTgt spid="46"/>
+                                        </p:tgtEl>
+                                        <p:attrNameLst>
+                                          <p:attrName>ppt_x</p:attrName>
+                                        </p:attrNameLst>
+                                      </p:cBhvr>
+                                      <p:tavLst>
+                                        <p:tav tm="0">
+                                          <p:val>
+                                            <p:strVal val="ppt_x"/>
+                                          </p:val>
+                                        </p:tav>
+                                        <p:tav tm="100000">
+                                          <p:val>
+                                            <p:strVal val="0-ppt_w/2"/>
+                                          </p:val>
+                                        </p:tav>
+                                      </p:tavLst>
+                                    </p:anim>
+                                    <p:anim calcmode="lin" valueType="num">
+                                      <p:cBhvr additive="base">
+                                        <p:cTn id="105" dur="200"/>
+                                        <p:tgtEl>
+                                          <p:spTgt spid="46"/>
+                                        </p:tgtEl>
+                                        <p:attrNameLst>
+                                          <p:attrName>ppt_y</p:attrName>
+                                        </p:attrNameLst>
+                                      </p:cBhvr>
+                                      <p:tavLst>
+                                        <p:tav tm="0">
+                                          <p:val>
+                                            <p:strVal val="ppt_y"/>
+                                          </p:val>
+                                        </p:tav>
+                                        <p:tav tm="100000">
+                                          <p:val>
+                                            <p:strVal val="ppt_y"/>
+                                          </p:val>
+                                        </p:tav>
+                                      </p:tavLst>
+                                    </p:anim>
+                                    <p:set>
+                                      <p:cBhvr>
+                                        <p:cTn id="106" dur="1" fill="hold">
+                                          <p:stCondLst>
+                                            <p:cond delay="199"/>
+                                          </p:stCondLst>
+                                        </p:cTn>
+                                        <p:tgtEl>
+                                          <p:spTgt spid="46"/>
+                                        </p:tgtEl>
+                                        <p:attrNameLst>
+                                          <p:attrName>style.visibility</p:attrName>
+                                        </p:attrNameLst>
+                                      </p:cBhvr>
+                                      <p:to>
+                                        <p:strVal val="hidden"/>
+                                      </p:to>
+                                    </p:set>
+                                  </p:childTnLst>
+                                </p:cTn>
+                              </p:par>
+                              <p:par>
+                                <p:cTn id="107" presetID="2" presetClass="exit" presetSubtype="8" fill="hold" grpId="1" nodeType="withEffect">
+                                  <p:stCondLst>
+                                    <p:cond delay="0"/>
+                                  </p:stCondLst>
+                                  <p:childTnLst>
+                                    <p:anim calcmode="lin" valueType="num">
+                                      <p:cBhvr additive="base">
+                                        <p:cTn id="108" dur="200"/>
+                                        <p:tgtEl>
+                                          <p:spTgt spid="44"/>
+                                        </p:tgtEl>
+                                        <p:attrNameLst>
+                                          <p:attrName>ppt_x</p:attrName>
+                                        </p:attrNameLst>
+                                      </p:cBhvr>
+                                      <p:tavLst>
+                                        <p:tav tm="0">
+                                          <p:val>
+                                            <p:strVal val="ppt_x"/>
+                                          </p:val>
+                                        </p:tav>
+                                        <p:tav tm="100000">
+                                          <p:val>
+                                            <p:strVal val="0-ppt_w/2"/>
+                                          </p:val>
+                                        </p:tav>
+                                      </p:tavLst>
+                                    </p:anim>
+                                    <p:anim calcmode="lin" valueType="num">
+                                      <p:cBhvr additive="base">
+                                        <p:cTn id="109" dur="200"/>
+                                        <p:tgtEl>
+                                          <p:spTgt spid="44"/>
+                                        </p:tgtEl>
+                                        <p:attrNameLst>
+                                          <p:attrName>ppt_y</p:attrName>
+                                        </p:attrNameLst>
+                                      </p:cBhvr>
+                                      <p:tavLst>
+                                        <p:tav tm="0">
+                                          <p:val>
+                                            <p:strVal val="ppt_y"/>
+                                          </p:val>
+                                        </p:tav>
+                                        <p:tav tm="100000">
+                                          <p:val>
+                                            <p:strVal val="ppt_y"/>
+                                          </p:val>
+                                        </p:tav>
+                                      </p:tavLst>
+                                    </p:anim>
+                                    <p:set>
+                                      <p:cBhvr>
+                                        <p:cTn id="110" dur="1" fill="hold">
+                                          <p:stCondLst>
+                                            <p:cond delay="199"/>
+                                          </p:stCondLst>
+                                        </p:cTn>
+                                        <p:tgtEl>
+                                          <p:spTgt spid="44"/>
                                         </p:tgtEl>
                                         <p:attrNameLst>
                                           <p:attrName>style.visibility</p:attrName>
@@ -5291,26 +6226,26 @@
                     </p:cTn>
                   </p:par>
                   <p:par>
-                    <p:cTn id="74" fill="hold">
+                    <p:cTn id="111" fill="hold">
                       <p:stCondLst>
                         <p:cond delay="indefinite"/>
                       </p:stCondLst>
                       <p:childTnLst>
                         <p:par>
-                          <p:cTn id="75" fill="hold">
+                          <p:cTn id="112" fill="hold">
                             <p:stCondLst>
                               <p:cond delay="0"/>
                             </p:stCondLst>
                             <p:childTnLst>
                               <p:par>
-                                <p:cTn id="76" presetID="10" presetClass="entr" presetSubtype="0" fill="hold" grpId="0" nodeType="clickEffect">
+                                <p:cTn id="113" presetID="10" presetClass="entr" presetSubtype="0" fill="hold" grpId="0" nodeType="clickEffect">
                                   <p:stCondLst>
                                     <p:cond delay="0"/>
                                   </p:stCondLst>
                                   <p:childTnLst>
                                     <p:set>
                                       <p:cBhvr>
-                                        <p:cTn id="77" dur="1" fill="hold">
+                                        <p:cTn id="114" dur="1" fill="hold">
                                           <p:stCondLst>
                                             <p:cond delay="0"/>
                                           </p:stCondLst>
@@ -5328,7 +6263,7 @@
                                     </p:set>
                                     <p:animEffect transition="in" filter="fade">
                                       <p:cBhvr>
-                                        <p:cTn id="78" dur="1000"/>
+                                        <p:cTn id="115" dur="2000"/>
                                         <p:tgtEl>
                                           <p:spTgt spid="20"/>
                                         </p:tgtEl>
@@ -5338,14 +6273,14 @@
                                 </p:cTn>
                               </p:par>
                               <p:par>
-                                <p:cTn id="79" presetID="10" presetClass="entr" presetSubtype="0" fill="hold" grpId="0" nodeType="withEffect">
+                                <p:cTn id="116" presetID="10" presetClass="entr" presetSubtype="0" fill="hold" grpId="0" nodeType="withEffect">
                                   <p:stCondLst>
                                     <p:cond delay="0"/>
                                   </p:stCondLst>
                                   <p:childTnLst>
                                     <p:set>
                                       <p:cBhvr>
-                                        <p:cTn id="80" dur="1" fill="hold">
+                                        <p:cTn id="117" dur="1" fill="hold">
                                           <p:stCondLst>
                                             <p:cond delay="0"/>
                                           </p:stCondLst>
@@ -5363,9 +6298,79 @@
                                     </p:set>
                                     <p:animEffect transition="in" filter="fade">
                                       <p:cBhvr>
-                                        <p:cTn id="81" dur="1000"/>
+                                        <p:cTn id="118" dur="2000"/>
                                         <p:tgtEl>
                                           <p:spTgt spid="14"/>
+                                        </p:tgtEl>
+                                      </p:cBhvr>
+                                    </p:animEffect>
+                                  </p:childTnLst>
+                                </p:cTn>
+                              </p:par>
+                              <p:par>
+                                <p:cTn id="119" presetID="10" presetClass="entr" presetSubtype="0" fill="hold" grpId="2" nodeType="withEffect">
+                                  <p:stCondLst>
+                                    <p:cond delay="0"/>
+                                  </p:stCondLst>
+                                  <p:childTnLst>
+                                    <p:set>
+                                      <p:cBhvr>
+                                        <p:cTn id="120" dur="1" fill="hold">
+                                          <p:stCondLst>
+                                            <p:cond delay="0"/>
+                                          </p:stCondLst>
+                                        </p:cTn>
+                                        <p:tgtEl>
+                                          <p:spTgt spid="36"/>
+                                        </p:tgtEl>
+                                        <p:attrNameLst>
+                                          <p:attrName>style.visibility</p:attrName>
+                                        </p:attrNameLst>
+                                      </p:cBhvr>
+                                      <p:to>
+                                        <p:strVal val="visible"/>
+                                      </p:to>
+                                    </p:set>
+                                    <p:animEffect transition="in" filter="fade">
+                                      <p:cBhvr>
+                                        <p:cTn id="121" dur="2000"/>
+                                        <p:tgtEl>
+                                          <p:spTgt spid="36"/>
+                                        </p:tgtEl>
+                                      </p:cBhvr>
+                                    </p:animEffect>
+                                  </p:childTnLst>
+                                </p:cTn>
+                              </p:par>
+                              <p:par>
+                                <p:cTn id="122" presetID="10" presetClass="entr" presetSubtype="0" fill="hold" grpId="2" nodeType="withEffect">
+                                  <p:stCondLst>
+                                    <p:cond delay="0"/>
+                                  </p:stCondLst>
+                                  <p:childTnLst>
+                                    <p:set>
+                                      <p:cBhvr>
+                                        <p:cTn id="123" dur="1" fill="hold">
+                                          <p:stCondLst>
+                                            <p:cond delay="0"/>
+                                          </p:stCondLst>
+                                        </p:cTn>
+                                        <p:tgtEl>
+                                          <p:spTgt spid="37"/>
+                                        </p:tgtEl>
+                                        <p:attrNameLst>
+                                          <p:attrName>style.visibility</p:attrName>
+                                        </p:attrNameLst>
+                                      </p:cBhvr>
+                                      <p:to>
+                                        <p:strVal val="visible"/>
+                                      </p:to>
+                                    </p:set>
+                                    <p:animEffect transition="in" filter="fade">
+                                      <p:cBhvr>
+                                        <p:cTn id="124" dur="2000"/>
+                                        <p:tgtEl>
+                                          <p:spTgt spid="37"/>
                                         </p:tgtEl>
                                       </p:cBhvr>
                                     </p:animEffect>
@@ -5379,32 +6384,230 @@
                     </p:cTn>
                   </p:par>
                   <p:par>
-                    <p:cTn id="82" fill="hold">
+                    <p:cTn id="125" fill="hold">
                       <p:stCondLst>
                         <p:cond delay="indefinite"/>
                       </p:stCondLst>
                       <p:childTnLst>
                         <p:par>
-                          <p:cTn id="83" fill="hold">
+                          <p:cTn id="126" fill="hold">
                             <p:stCondLst>
                               <p:cond delay="0"/>
                             </p:stCondLst>
                             <p:childTnLst>
                               <p:par>
-                                <p:cTn id="84" presetID="1" presetClass="entr" presetSubtype="0" fill="hold" grpId="0" nodeType="clickEffect">
+                                <p:cTn id="127" presetID="50" presetClass="path" presetSubtype="0" accel="50000" decel="50000" fill="hold" grpId="1" nodeType="clickEffect">
+                                  <p:stCondLst>
+                                    <p:cond delay="0"/>
+                                  </p:stCondLst>
+                                  <p:childTnLst>
+                                    <p:animMotion origin="layout" path="M -4.72222E-6 -2.22222E-6 L 0.10834 -2.22222E-6 C 0.1573 -2.22222E-6 0.21806 -0.13148 0.21806 -0.2375 L 0.21806 -0.47222 " pathEditMode="relative" rAng="0" ptsTypes="FfFF">
+                                      <p:cBhvr>
+                                        <p:cTn id="128" dur="2000" fill="hold"/>
+                                        <p:tgtEl>
+                                          <p:spTgt spid="20"/>
+                                        </p:tgtEl>
+                                        <p:attrNameLst>
+                                          <p:attrName>ppt_x</p:attrName>
+                                          <p:attrName>ppt_y</p:attrName>
+                                        </p:attrNameLst>
+                                      </p:cBhvr>
+                                      <p:rCtr x="10903" y="-23611"/>
+                                    </p:animMotion>
+                                  </p:childTnLst>
+                                </p:cTn>
+                              </p:par>
+                            </p:childTnLst>
+                          </p:cTn>
+                        </p:par>
+                      </p:childTnLst>
+                    </p:cTn>
+                  </p:par>
+                  <p:par>
+                    <p:cTn id="129" fill="hold">
+                      <p:stCondLst>
+                        <p:cond delay="indefinite"/>
+                      </p:stCondLst>
+                      <p:childTnLst>
+                        <p:par>
+                          <p:cTn id="130" fill="hold">
+                            <p:stCondLst>
+                              <p:cond delay="0"/>
+                            </p:stCondLst>
+                            <p:childTnLst>
+                              <p:par>
+                                <p:cTn id="131" presetID="0" presetClass="path" presetSubtype="0" accel="50000" decel="50000" fill="hold" grpId="1" nodeType="clickEffect">
+                                  <p:stCondLst>
+                                    <p:cond delay="0"/>
+                                  </p:stCondLst>
+                                  <p:childTnLst>
+                                    <p:animMotion origin="layout" path="M 0 0 L 0 -0.4287 " pathEditMode="relative" ptsTypes="AA">
+                                      <p:cBhvr>
+                                        <p:cTn id="132" dur="1000" fill="hold"/>
+                                        <p:tgtEl>
+                                          <p:spTgt spid="14"/>
+                                        </p:tgtEl>
+                                        <p:attrNameLst>
+                                          <p:attrName>ppt_x</p:attrName>
+                                          <p:attrName>ppt_y</p:attrName>
+                                        </p:attrNameLst>
+                                      </p:cBhvr>
+                                    </p:animMotion>
+                                  </p:childTnLst>
+                                </p:cTn>
+                              </p:par>
+                            </p:childTnLst>
+                          </p:cTn>
+                        </p:par>
+                        <p:par>
+                          <p:cTn id="133" fill="hold">
+                            <p:stCondLst>
+                              <p:cond delay="1000"/>
+                            </p:stCondLst>
+                            <p:childTnLst>
+                              <p:par>
+                                <p:cTn id="134" presetID="10" presetClass="entr" presetSubtype="0" fill="hold" grpId="0" nodeType="afterEffect">
                                   <p:stCondLst>
                                     <p:cond delay="0"/>
                                   </p:stCondLst>
                                   <p:childTnLst>
                                     <p:set>
                                       <p:cBhvr>
-                                        <p:cTn id="85" dur="1" fill="hold">
+                                        <p:cTn id="135" dur="1" fill="hold">
                                           <p:stCondLst>
                                             <p:cond delay="0"/>
                                           </p:stCondLst>
                                         </p:cTn>
                                         <p:tgtEl>
-                                          <p:spTgt spid="16"/>
+                                          <p:spTgt spid="6"/>
+                                        </p:tgtEl>
+                                        <p:attrNameLst>
+                                          <p:attrName>style.visibility</p:attrName>
+                                        </p:attrNameLst>
+                                      </p:cBhvr>
+                                      <p:to>
+                                        <p:strVal val="visible"/>
+                                      </p:to>
+                                    </p:set>
+                                    <p:animEffect transition="in" filter="fade">
+                                      <p:cBhvr>
+                                        <p:cTn id="136" dur="200"/>
+                                        <p:tgtEl>
+                                          <p:spTgt spid="6"/>
+                                        </p:tgtEl>
+                                      </p:cBhvr>
+                                    </p:animEffect>
+                                  </p:childTnLst>
+                                </p:cTn>
+                              </p:par>
+                            </p:childTnLst>
+                          </p:cTn>
+                        </p:par>
+                        <p:par>
+                          <p:cTn id="137" fill="hold">
+                            <p:stCondLst>
+                              <p:cond delay="1200"/>
+                            </p:stCondLst>
+                            <p:childTnLst>
+                              <p:par>
+                                <p:cTn id="138" presetID="10" presetClass="exit" presetSubtype="0" fill="hold" grpId="1" nodeType="afterEffect">
+                                  <p:stCondLst>
+                                    <p:cond delay="0"/>
+                                  </p:stCondLst>
+                                  <p:childTnLst>
+                                    <p:animEffect transition="out" filter="fade">
+                                      <p:cBhvr>
+                                        <p:cTn id="139" dur="200"/>
+                                        <p:tgtEl>
+                                          <p:spTgt spid="6"/>
+                                        </p:tgtEl>
+                                      </p:cBhvr>
+                                    </p:animEffect>
+                                    <p:set>
+                                      <p:cBhvr>
+                                        <p:cTn id="140" dur="1" fill="hold">
+                                          <p:stCondLst>
+                                            <p:cond delay="199"/>
+                                          </p:stCondLst>
+                                        </p:cTn>
+                                        <p:tgtEl>
+                                          <p:spTgt spid="6"/>
+                                        </p:tgtEl>
+                                        <p:attrNameLst>
+                                          <p:attrName>style.visibility</p:attrName>
+                                        </p:attrNameLst>
+                                      </p:cBhvr>
+                                      <p:to>
+                                        <p:strVal val="hidden"/>
+                                      </p:to>
+                                    </p:set>
+                                  </p:childTnLst>
+                                </p:cTn>
+                              </p:par>
+                            </p:childTnLst>
+                          </p:cTn>
+                        </p:par>
+                        <p:par>
+                          <p:cTn id="141" fill="hold">
+                            <p:stCondLst>
+                              <p:cond delay="1400"/>
+                            </p:stCondLst>
+                            <p:childTnLst>
+                              <p:par>
+                                <p:cTn id="142" presetID="0" presetClass="path" presetSubtype="0" accel="50000" decel="50000" fill="hold" grpId="2" nodeType="afterEffect">
+                                  <p:stCondLst>
+                                    <p:cond delay="0"/>
+                                  </p:stCondLst>
+                                  <p:childTnLst>
+                                    <p:animMotion origin="layout" path="M 2.69745E-6 -0.4286 C 0.00451 -0.43531 0.01197 -0.43068 0.01788 -0.4286 C 0.01805 -0.42629 0.01874 -0.42374 0.01874 -0.4212 C 0.01874 -0.42096 0.0177 -0.40662 0.01701 -0.40407 C 0.01406 -0.39551 -0.01076 -0.38625 -0.01267 -0.3844 C -0.03125 -0.36866 -0.02725 -0.37236 -0.03854 -0.35038 C -0.03836 -0.34552 -0.03906 -0.3402 -0.03767 -0.33557 C -0.03472 -0.32585 -0.01927 -0.32492 -0.01354 -0.32214 C 0.00121 -0.31474 0.0151 -0.30386 0.03037 -0.29761 C 0.03575 -0.29067 0.03593 -0.29252 0.02048 -0.29021 C 0.01302 -0.28928 0.00555 -0.28951 -0.00191 -0.28905 C -0.00278 -0.28836 -0.00556 -0.28743 -0.00452 -0.28674 C 0.00625 -0.27956 0.03523 -0.26984 0.04652 -0.26822 C 0.04027 -0.25202 0.0276 -0.24878 0.0151 -0.24253 C -0.00209 -0.23443 -0.02257 -0.23281 -0.03854 -0.2217 C -0.02465 -0.20921 -0.00156 -0.21083 0.0151 -0.20342 C 0.01319 -0.19532 0.00798 -0.19578 0.0026 -0.19463 C -0.00677 -0.19069 0.00121 -0.17727 0.00451 -0.1701 C 0.00555 -0.16778 0.00798 -0.16292 0.00798 -0.16269 C 0.00763 -0.15806 0.00833 -0.15297 0.00711 -0.14811 C 0.00573 -0.14371 0.00156 -0.14163 2.69745E-6 -0.13723 C -0.00295 -0.12983 -0.00452 -0.12335 -0.00816 -0.1164 C -0.00938 -0.109 -0.00972 -0.10344 -0.01267 -0.09696 C -0.01354 -0.09118 -0.01458 -0.08562 -0.01528 -0.07961 C -0.0151 -0.07035 -0.01528 -0.06109 -0.01441 -0.0516 C -0.01424 -0.04906 -0.01267 -0.04674 -0.01163 -0.0442 C -0.01059 -0.04188 -0.00816 -0.03679 -0.00816 -0.03656 C -0.00729 -0.03309 -0.00452 -0.02684 -0.00278 -0.02337 C -0.00174 -0.01666 0.00087 -0.00717 0.00087 -3.50382E-6 " pathEditMode="relative" rAng="0" ptsTypes="ffffffffffffffffffffffffffffA">
+                                      <p:cBhvr>
+                                        <p:cTn id="143" dur="500" fill="hold"/>
+                                        <p:tgtEl>
+                                          <p:spTgt spid="14"/>
+                                        </p:tgtEl>
+                                        <p:attrNameLst>
+                                          <p:attrName>ppt_x</p:attrName>
+                                          <p:attrName>ppt_y</p:attrName>
+                                        </p:attrNameLst>
+                                      </p:cBhvr>
+                                      <p:rCtr x="365" y="21083"/>
+                                    </p:animMotion>
+                                  </p:childTnLst>
+                                </p:cTn>
+                              </p:par>
+                            </p:childTnLst>
+                          </p:cTn>
+                        </p:par>
+                      </p:childTnLst>
+                    </p:cTn>
+                  </p:par>
+                  <p:par>
+                    <p:cTn id="144" fill="hold">
+                      <p:stCondLst>
+                        <p:cond delay="indefinite"/>
+                      </p:stCondLst>
+                      <p:childTnLst>
+                        <p:par>
+                          <p:cTn id="145" fill="hold">
+                            <p:stCondLst>
+                              <p:cond delay="0"/>
+                            </p:stCondLst>
+                            <p:childTnLst>
+                              <p:par>
+                                <p:cTn id="146" presetID="1" presetClass="entr" presetSubtype="0" fill="hold" grpId="1" nodeType="clickEffect">
+                                  <p:stCondLst>
+                                    <p:cond delay="0"/>
+                                  </p:stCondLst>
+                                  <p:childTnLst>
+                                    <p:set>
+                                      <p:cBhvr>
+                                        <p:cTn id="147" dur="1" fill="hold">
+                                          <p:stCondLst>
+                                            <p:cond delay="0"/>
+                                          </p:stCondLst>
+                                        </p:cTn>
+                                        <p:tgtEl>
+                                          <p:spTgt spid="15"/>
                                         </p:tgtEl>
                                         <p:attrNameLst>
                                           <p:attrName>style.visibility</p:attrName>
@@ -5418,23 +6621,746 @@
                                 </p:cTn>
                               </p:par>
                               <p:par>
-                                <p:cTn id="86" presetID="50" presetClass="path" presetSubtype="0" accel="50000" decel="50000" fill="hold" grpId="1" nodeType="withEffect">
+                                <p:cTn id="148" presetID="50" presetClass="path" presetSubtype="0" accel="50000" decel="50000" fill="hold" grpId="0" nodeType="withEffect">
                                   <p:stCondLst>
                                     <p:cond delay="0"/>
                                   </p:stCondLst>
                                   <p:childTnLst>
-                                    <p:animMotion origin="layout" path="M -4.72222E-6 4.07407E-6 L 0.10903 4.07407E-6 C 0.15782 4.07407E-6 0.21806 -0.1294 0.21806 -0.23426 L 0.21806 -0.46829 " pathEditMode="relative" rAng="0" ptsTypes="FfFF">
+                                    <p:animMotion origin="layout" path="M -0.30608 -0.47222 L -0.15382 -0.47222 C -0.08507 -0.47222 -0.00017 -0.34259 -0.00017 -0.23657 L -0.00017 -2.22222E-6 " pathEditMode="relative" rAng="0" ptsTypes="FfFF">
                                       <p:cBhvr>
-                                        <p:cTn id="87" dur="2000" fill="hold"/>
-                                        <p:tgtEl>
-                                          <p:spTgt spid="20"/>
+                                        <p:cTn id="149" dur="2000" fill="hold"/>
+                                        <p:tgtEl>
+                                          <p:spTgt spid="15"/>
                                         </p:tgtEl>
                                         <p:attrNameLst>
                                           <p:attrName>ppt_x</p:attrName>
                                           <p:attrName>ppt_y</p:attrName>
                                         </p:attrNameLst>
                                       </p:cBhvr>
-                                      <p:rCtr x="10903" y="-23426"/>
+                                      <p:rCtr x="15295" y="23611"/>
+                                    </p:animMotion>
+                                  </p:childTnLst>
+                                </p:cTn>
+                              </p:par>
+                            </p:childTnLst>
+                          </p:cTn>
+                        </p:par>
+                      </p:childTnLst>
+                    </p:cTn>
+                  </p:par>
+                  <p:par>
+                    <p:cTn id="150" fill="hold">
+                      <p:stCondLst>
+                        <p:cond delay="indefinite"/>
+                      </p:stCondLst>
+                      <p:childTnLst>
+                        <p:par>
+                          <p:cTn id="151" fill="hold">
+                            <p:stCondLst>
+                              <p:cond delay="0"/>
+                            </p:stCondLst>
+                            <p:childTnLst>
+                              <p:par>
+                                <p:cTn id="152" presetID="2" presetClass="entr" presetSubtype="2" fill="hold" grpId="0" nodeType="clickEffect">
+                                  <p:stCondLst>
+                                    <p:cond delay="0"/>
+                                  </p:stCondLst>
+                                  <p:childTnLst>
+                                    <p:set>
+                                      <p:cBhvr>
+                                        <p:cTn id="153" dur="1" fill="hold">
+                                          <p:stCondLst>
+                                            <p:cond delay="0"/>
+                                          </p:stCondLst>
+                                        </p:cTn>
+                                        <p:tgtEl>
+                                          <p:spTgt spid="10"/>
+                                        </p:tgtEl>
+                                        <p:attrNameLst>
+                                          <p:attrName>style.visibility</p:attrName>
+                                        </p:attrNameLst>
+                                      </p:cBhvr>
+                                      <p:to>
+                                        <p:strVal val="visible"/>
+                                      </p:to>
+                                    </p:set>
+                                    <p:anim calcmode="lin" valueType="num">
+                                      <p:cBhvr additive="base">
+                                        <p:cTn id="154" dur="500" fill="hold"/>
+                                        <p:tgtEl>
+                                          <p:spTgt spid="10"/>
+                                        </p:tgtEl>
+                                        <p:attrNameLst>
+                                          <p:attrName>ppt_x</p:attrName>
+                                        </p:attrNameLst>
+                                      </p:cBhvr>
+                                      <p:tavLst>
+                                        <p:tav tm="0">
+                                          <p:val>
+                                            <p:strVal val="1+#ppt_w/2"/>
+                                          </p:val>
+                                        </p:tav>
+                                        <p:tav tm="100000">
+                                          <p:val>
+                                            <p:strVal val="#ppt_x"/>
+                                          </p:val>
+                                        </p:tav>
+                                      </p:tavLst>
+                                    </p:anim>
+                                    <p:anim calcmode="lin" valueType="num">
+                                      <p:cBhvr additive="base">
+                                        <p:cTn id="155" dur="500" fill="hold"/>
+                                        <p:tgtEl>
+                                          <p:spTgt spid="10"/>
+                                        </p:tgtEl>
+                                        <p:attrNameLst>
+                                          <p:attrName>ppt_y</p:attrName>
+                                        </p:attrNameLst>
+                                      </p:cBhvr>
+                                      <p:tavLst>
+                                        <p:tav tm="0">
+                                          <p:val>
+                                            <p:strVal val="#ppt_y"/>
+                                          </p:val>
+                                        </p:tav>
+                                        <p:tav tm="100000">
+                                          <p:val>
+                                            <p:strVal val="#ppt_y"/>
+                                          </p:val>
+                                        </p:tav>
+                                      </p:tavLst>
+                                    </p:anim>
+                                  </p:childTnLst>
+                                </p:cTn>
+                              </p:par>
+                            </p:childTnLst>
+                          </p:cTn>
+                        </p:par>
+                      </p:childTnLst>
+                    </p:cTn>
+                  </p:par>
+                  <p:par>
+                    <p:cTn id="156" fill="hold">
+                      <p:stCondLst>
+                        <p:cond delay="indefinite"/>
+                      </p:stCondLst>
+                      <p:childTnLst>
+                        <p:par>
+                          <p:cTn id="157" fill="hold">
+                            <p:stCondLst>
+                              <p:cond delay="0"/>
+                            </p:stCondLst>
+                            <p:childTnLst>
+                              <p:par>
+                                <p:cTn id="158" presetID="2" presetClass="exit" presetSubtype="2" fill="hold" grpId="1" nodeType="clickEffect">
+                                  <p:stCondLst>
+                                    <p:cond delay="0"/>
+                                  </p:stCondLst>
+                                  <p:childTnLst>
+                                    <p:anim calcmode="lin" valueType="num">
+                                      <p:cBhvr additive="base">
+                                        <p:cTn id="159" dur="500"/>
+                                        <p:tgtEl>
+                                          <p:spTgt spid="10"/>
+                                        </p:tgtEl>
+                                        <p:attrNameLst>
+                                          <p:attrName>ppt_x</p:attrName>
+                                        </p:attrNameLst>
+                                      </p:cBhvr>
+                                      <p:tavLst>
+                                        <p:tav tm="0">
+                                          <p:val>
+                                            <p:strVal val="ppt_x"/>
+                                          </p:val>
+                                        </p:tav>
+                                        <p:tav tm="100000">
+                                          <p:val>
+                                            <p:strVal val="1+ppt_w/2"/>
+                                          </p:val>
+                                        </p:tav>
+                                      </p:tavLst>
+                                    </p:anim>
+                                    <p:anim calcmode="lin" valueType="num">
+                                      <p:cBhvr additive="base">
+                                        <p:cTn id="160" dur="500"/>
+                                        <p:tgtEl>
+                                          <p:spTgt spid="10"/>
+                                        </p:tgtEl>
+                                        <p:attrNameLst>
+                                          <p:attrName>ppt_y</p:attrName>
+                                        </p:attrNameLst>
+                                      </p:cBhvr>
+                                      <p:tavLst>
+                                        <p:tav tm="0">
+                                          <p:val>
+                                            <p:strVal val="ppt_y"/>
+                                          </p:val>
+                                        </p:tav>
+                                        <p:tav tm="100000">
+                                          <p:val>
+                                            <p:strVal val="ppt_y"/>
+                                          </p:val>
+                                        </p:tav>
+                                      </p:tavLst>
+                                    </p:anim>
+                                    <p:set>
+                                      <p:cBhvr>
+                                        <p:cTn id="161" dur="1" fill="hold">
+                                          <p:stCondLst>
+                                            <p:cond delay="499"/>
+                                          </p:stCondLst>
+                                        </p:cTn>
+                                        <p:tgtEl>
+                                          <p:spTgt spid="10"/>
+                                        </p:tgtEl>
+                                        <p:attrNameLst>
+                                          <p:attrName>style.visibility</p:attrName>
+                                        </p:attrNameLst>
+                                      </p:cBhvr>
+                                      <p:to>
+                                        <p:strVal val="hidden"/>
+                                      </p:to>
+                                    </p:set>
+                                  </p:childTnLst>
+                                </p:cTn>
+                              </p:par>
+                            </p:childTnLst>
+                          </p:cTn>
+                        </p:par>
+                      </p:childTnLst>
+                    </p:cTn>
+                  </p:par>
+                  <p:par>
+                    <p:cTn id="162" fill="hold">
+                      <p:stCondLst>
+                        <p:cond delay="indefinite"/>
+                      </p:stCondLst>
+                      <p:childTnLst>
+                        <p:par>
+                          <p:cTn id="163" fill="hold">
+                            <p:stCondLst>
+                              <p:cond delay="0"/>
+                            </p:stCondLst>
+                            <p:childTnLst>
+                              <p:par>
+                                <p:cTn id="164" presetID="50" presetClass="path" presetSubtype="0" accel="50000" decel="50000" fill="hold" grpId="3" nodeType="clickEffect">
+                                  <p:stCondLst>
+                                    <p:cond delay="0"/>
+                                  </p:stCondLst>
+                                  <p:childTnLst>
+                                    <p:animMotion origin="layout" path="M 0.00087 -2.59259E-6 L -0.15364 -2.59259E-6 C -0.22309 -2.59259E-6 -0.30764 -0.12407 -0.30764 -0.2243 L -0.30764 -0.44861 " pathEditMode="relative" rAng="0" ptsTypes="FfFF">
+                                      <p:cBhvr>
+                                        <p:cTn id="165" dur="2000" fill="hold"/>
+                                        <p:tgtEl>
+                                          <p:spTgt spid="14"/>
+                                        </p:tgtEl>
+                                        <p:attrNameLst>
+                                          <p:attrName>ppt_x</p:attrName>
+                                          <p:attrName>ppt_y</p:attrName>
+                                        </p:attrNameLst>
+                                      </p:cBhvr>
+                                      <p:rCtr x="-15434" y="-22431"/>
+                                    </p:animMotion>
+                                  </p:childTnLst>
+                                </p:cTn>
+                              </p:par>
+                            </p:childTnLst>
+                          </p:cTn>
+                        </p:par>
+                        <p:par>
+                          <p:cTn id="166" fill="hold">
+                            <p:stCondLst>
+                              <p:cond delay="2000"/>
+                            </p:stCondLst>
+                            <p:childTnLst>
+                              <p:par>
+                                <p:cTn id="167" presetID="10" presetClass="entr" presetSubtype="0" fill="hold" grpId="0" nodeType="afterEffect">
+                                  <p:stCondLst>
+                                    <p:cond delay="0"/>
+                                  </p:stCondLst>
+                                  <p:childTnLst>
+                                    <p:set>
+                                      <p:cBhvr>
+                                        <p:cTn id="168" dur="1" fill="hold">
+                                          <p:stCondLst>
+                                            <p:cond delay="0"/>
+                                          </p:stCondLst>
+                                        </p:cTn>
+                                        <p:tgtEl>
+                                          <p:spTgt spid="34"/>
+                                        </p:tgtEl>
+                                        <p:attrNameLst>
+                                          <p:attrName>style.visibility</p:attrName>
+                                        </p:attrNameLst>
+                                      </p:cBhvr>
+                                      <p:to>
+                                        <p:strVal val="visible"/>
+                                      </p:to>
+                                    </p:set>
+                                    <p:animEffect transition="in" filter="fade">
+                                      <p:cBhvr>
+                                        <p:cTn id="169" dur="1000"/>
+                                        <p:tgtEl>
+                                          <p:spTgt spid="34"/>
+                                        </p:tgtEl>
+                                      </p:cBhvr>
+                                    </p:animEffect>
+                                  </p:childTnLst>
+                                </p:cTn>
+                              </p:par>
+                            </p:childTnLst>
+                          </p:cTn>
+                        </p:par>
+                      </p:childTnLst>
+                    </p:cTn>
+                  </p:par>
+                  <p:par>
+                    <p:cTn id="170" fill="hold">
+                      <p:stCondLst>
+                        <p:cond delay="indefinite"/>
+                      </p:stCondLst>
+                      <p:childTnLst>
+                        <p:par>
+                          <p:cTn id="171" fill="hold">
+                            <p:stCondLst>
+                              <p:cond delay="0"/>
+                            </p:stCondLst>
+                            <p:childTnLst>
+                              <p:par>
+                                <p:cTn id="172" presetID="1" presetClass="entr" presetSubtype="0" fill="hold" grpId="0" nodeType="clickEffect">
+                                  <p:stCondLst>
+                                    <p:cond delay="0"/>
+                                  </p:stCondLst>
+                                  <p:childTnLst>
+                                    <p:set>
+                                      <p:cBhvr>
+                                        <p:cTn id="173" dur="1" fill="hold">
+                                          <p:stCondLst>
+                                            <p:cond delay="0"/>
+                                          </p:stCondLst>
+                                        </p:cTn>
+                                        <p:tgtEl>
+                                          <p:spTgt spid="38"/>
+                                        </p:tgtEl>
+                                        <p:attrNameLst>
+                                          <p:attrName>style.visibility</p:attrName>
+                                        </p:attrNameLst>
+                                      </p:cBhvr>
+                                      <p:to>
+                                        <p:strVal val="visible"/>
+                                      </p:to>
+                                    </p:set>
+                                  </p:childTnLst>
+                                </p:cTn>
+                              </p:par>
+                              <p:par>
+                                <p:cTn id="174" presetID="50" presetClass="path" presetSubtype="0" accel="50000" decel="50000" fill="hold" grpId="1" nodeType="withEffect">
+                                  <p:stCondLst>
+                                    <p:cond delay="0"/>
+                                  </p:stCondLst>
+                                  <p:childTnLst>
+                                    <p:animMotion origin="layout" path="M -0.00105 -1.48148E-6 L -0.11042 -1.48148E-6 C -0.15938 -1.48148E-6 -0.21858 0.12269 -0.21858 0.22361 L -0.21858 0.44861 " pathEditMode="relative" rAng="0" ptsTypes="FfFF">
+                                      <p:cBhvr>
+                                        <p:cTn id="175" dur="2000" fill="hold"/>
+                                        <p:tgtEl>
+                                          <p:spTgt spid="38"/>
+                                        </p:tgtEl>
+                                        <p:attrNameLst>
+                                          <p:attrName>ppt_x</p:attrName>
+                                          <p:attrName>ppt_y</p:attrName>
+                                        </p:attrNameLst>
+                                      </p:cBhvr>
+                                      <p:rCtr x="-10885" y="22431"/>
+                                    </p:animMotion>
+                                  </p:childTnLst>
+                                </p:cTn>
+                              </p:par>
+                            </p:childTnLst>
+                          </p:cTn>
+                        </p:par>
+                      </p:childTnLst>
+                    </p:cTn>
+                  </p:par>
+                  <p:par>
+                    <p:cTn id="176" fill="hold">
+                      <p:stCondLst>
+                        <p:cond delay="indefinite"/>
+                      </p:stCondLst>
+                      <p:childTnLst>
+                        <p:par>
+                          <p:cTn id="177" fill="hold">
+                            <p:stCondLst>
+                              <p:cond delay="0"/>
+                            </p:stCondLst>
+                            <p:childTnLst>
+                              <p:par>
+                                <p:cTn id="178" presetID="10" presetClass="entr" presetSubtype="0" fill="hold" grpId="0" nodeType="clickEffect">
+                                  <p:stCondLst>
+                                    <p:cond delay="0"/>
+                                  </p:stCondLst>
+                                  <p:childTnLst>
+                                    <p:set>
+                                      <p:cBhvr>
+                                        <p:cTn id="179" dur="1" fill="hold">
+                                          <p:stCondLst>
+                                            <p:cond delay="0"/>
+                                          </p:stCondLst>
+                                        </p:cTn>
+                                        <p:tgtEl>
+                                          <p:spTgt spid="22"/>
+                                        </p:tgtEl>
+                                        <p:attrNameLst>
+                                          <p:attrName>style.visibility</p:attrName>
+                                        </p:attrNameLst>
+                                      </p:cBhvr>
+                                      <p:to>
+                                        <p:strVal val="visible"/>
+                                      </p:to>
+                                    </p:set>
+                                    <p:animEffect transition="in" filter="fade">
+                                      <p:cBhvr>
+                                        <p:cTn id="180" dur="2000"/>
+                                        <p:tgtEl>
+                                          <p:spTgt spid="22"/>
+                                        </p:tgtEl>
+                                      </p:cBhvr>
+                                    </p:animEffect>
+                                  </p:childTnLst>
+                                </p:cTn>
+                              </p:par>
+                              <p:par>
+                                <p:cTn id="181" presetID="10" presetClass="entr" presetSubtype="0" fill="hold" grpId="0" nodeType="withEffect">
+                                  <p:stCondLst>
+                                    <p:cond delay="0"/>
+                                  </p:stCondLst>
+                                  <p:childTnLst>
+                                    <p:set>
+                                      <p:cBhvr>
+                                        <p:cTn id="182" dur="1" fill="hold">
+                                          <p:stCondLst>
+                                            <p:cond delay="0"/>
+                                          </p:stCondLst>
+                                        </p:cTn>
+                                        <p:tgtEl>
+                                          <p:spTgt spid="29"/>
+                                        </p:tgtEl>
+                                        <p:attrNameLst>
+                                          <p:attrName>style.visibility</p:attrName>
+                                        </p:attrNameLst>
+                                      </p:cBhvr>
+                                      <p:to>
+                                        <p:strVal val="visible"/>
+                                      </p:to>
+                                    </p:set>
+                                    <p:animEffect transition="in" filter="fade">
+                                      <p:cBhvr>
+                                        <p:cTn id="183" dur="2000"/>
+                                        <p:tgtEl>
+                                          <p:spTgt spid="29"/>
+                                        </p:tgtEl>
+                                      </p:cBhvr>
+                                    </p:animEffect>
+                                  </p:childTnLst>
+                                </p:cTn>
+                              </p:par>
+                              <p:par>
+                                <p:cTn id="184" presetID="10" presetClass="entr" presetSubtype="0" fill="hold" grpId="1" nodeType="withEffect">
+                                  <p:stCondLst>
+                                    <p:cond delay="0"/>
+                                  </p:stCondLst>
+                                  <p:childTnLst>
+                                    <p:set>
+                                      <p:cBhvr>
+                                        <p:cTn id="185" dur="1" fill="hold">
+                                          <p:stCondLst>
+                                            <p:cond delay="0"/>
+                                          </p:stCondLst>
+                                        </p:cTn>
+                                        <p:tgtEl>
+                                          <p:spTgt spid="40"/>
+                                        </p:tgtEl>
+                                        <p:attrNameLst>
+                                          <p:attrName>style.visibility</p:attrName>
+                                        </p:attrNameLst>
+                                      </p:cBhvr>
+                                      <p:to>
+                                        <p:strVal val="visible"/>
+                                      </p:to>
+                                    </p:set>
+                                    <p:animEffect transition="in" filter="fade">
+                                      <p:cBhvr>
+                                        <p:cTn id="186" dur="2000"/>
+                                        <p:tgtEl>
+                                          <p:spTgt spid="40"/>
+                                        </p:tgtEl>
+                                      </p:cBhvr>
+                                    </p:animEffect>
+                                  </p:childTnLst>
+                                </p:cTn>
+                              </p:par>
+                            </p:childTnLst>
+                          </p:cTn>
+                        </p:par>
+                      </p:childTnLst>
+                    </p:cTn>
+                  </p:par>
+                  <p:par>
+                    <p:cTn id="187" fill="hold">
+                      <p:stCondLst>
+                        <p:cond delay="indefinite"/>
+                      </p:stCondLst>
+                      <p:childTnLst>
+                        <p:par>
+                          <p:cTn id="188" fill="hold">
+                            <p:stCondLst>
+                              <p:cond delay="0"/>
+                            </p:stCondLst>
+                            <p:childTnLst>
+                              <p:par>
+                                <p:cTn id="189" presetID="50" presetClass="path" presetSubtype="0" accel="50000" decel="50000" fill="hold" grpId="0" nodeType="clickEffect">
+                                  <p:stCondLst>
+                                    <p:cond delay="0"/>
+                                  </p:stCondLst>
+                                  <p:childTnLst>
+                                    <p:animMotion origin="layout" path="M 0.00191 3.7037E-7 L -0.15278 3.7037E-7 C -0.22205 3.7037E-7 -0.3066 -0.12477 -0.3066 -0.22569 L -0.3066 -0.45046 " pathEditMode="relative" rAng="0" ptsTypes="FfFF">
+                                      <p:cBhvr>
+                                        <p:cTn id="190" dur="2000" fill="hold"/>
+                                        <p:tgtEl>
+                                          <p:spTgt spid="40"/>
+                                        </p:tgtEl>
+                                        <p:attrNameLst>
+                                          <p:attrName>ppt_x</p:attrName>
+                                          <p:attrName>ppt_y</p:attrName>
+                                        </p:attrNameLst>
+                                      </p:cBhvr>
+                                      <p:rCtr x="-15434" y="-22523"/>
+                                    </p:animMotion>
+                                  </p:childTnLst>
+                                </p:cTn>
+                              </p:par>
+                            </p:childTnLst>
+                          </p:cTn>
+                        </p:par>
+                      </p:childTnLst>
+                    </p:cTn>
+                  </p:par>
+                  <p:par>
+                    <p:cTn id="191" fill="hold">
+                      <p:stCondLst>
+                        <p:cond delay="indefinite"/>
+                      </p:stCondLst>
+                      <p:childTnLst>
+                        <p:par>
+                          <p:cTn id="192" fill="hold">
+                            <p:stCondLst>
+                              <p:cond delay="0"/>
+                            </p:stCondLst>
+                            <p:childTnLst>
+                              <p:par>
+                                <p:cTn id="193" presetID="1" presetClass="entr" presetSubtype="0" fill="hold" grpId="0" nodeType="clickEffect">
+                                  <p:stCondLst>
+                                    <p:cond delay="0"/>
+                                  </p:stCondLst>
+                                  <p:childTnLst>
+                                    <p:set>
+                                      <p:cBhvr>
+                                        <p:cTn id="194" dur="1" fill="hold">
+                                          <p:stCondLst>
+                                            <p:cond delay="0"/>
+                                          </p:stCondLst>
+                                        </p:cTn>
+                                        <p:tgtEl>
+                                          <p:spTgt spid="42"/>
+                                        </p:tgtEl>
+                                        <p:attrNameLst>
+                                          <p:attrName>style.visibility</p:attrName>
+                                        </p:attrNameLst>
+                                      </p:cBhvr>
+                                      <p:to>
+                                        <p:strVal val="visible"/>
+                                      </p:to>
+                                    </p:set>
+                                  </p:childTnLst>
+                                </p:cTn>
+                              </p:par>
+                              <p:par>
+                                <p:cTn id="195" presetID="50" presetClass="path" presetSubtype="0" accel="50000" decel="50000" fill="hold" grpId="1" nodeType="withEffect">
+                                  <p:stCondLst>
+                                    <p:cond delay="0"/>
+                                  </p:stCondLst>
+                                  <p:childTnLst>
+                                    <p:animMotion origin="layout" path="M -3.61111E-6 3.33333E-6 L -0.07309 3.33333E-6 C -0.10538 3.33333E-6 -0.14323 0.12291 -0.14323 0.22338 L -0.14323 0.45046 " pathEditMode="relative" rAng="0" ptsTypes="FfFF">
+                                      <p:cBhvr>
+                                        <p:cTn id="196" dur="2000" fill="hold"/>
+                                        <p:tgtEl>
+                                          <p:spTgt spid="42"/>
+                                        </p:tgtEl>
+                                        <p:attrNameLst>
+                                          <p:attrName>ppt_x</p:attrName>
+                                          <p:attrName>ppt_y</p:attrName>
+                                        </p:attrNameLst>
+                                      </p:cBhvr>
+                                      <p:rCtr x="-7170" y="22523"/>
+                                    </p:animMotion>
+                                  </p:childTnLst>
+                                </p:cTn>
+                              </p:par>
+                            </p:childTnLst>
+                          </p:cTn>
+                        </p:par>
+                        <p:par>
+                          <p:cTn id="197" fill="hold">
+                            <p:stCondLst>
+                              <p:cond delay="2000"/>
+                            </p:stCondLst>
+                            <p:childTnLst>
+                              <p:par>
+                                <p:cTn id="198" presetID="1" presetClass="entr" presetSubtype="0" fill="hold" grpId="0" nodeType="afterEffect">
+                                  <p:stCondLst>
+                                    <p:cond delay="0"/>
+                                  </p:stCondLst>
+                                  <p:childTnLst>
+                                    <p:set>
+                                      <p:cBhvr>
+                                        <p:cTn id="199" dur="1" fill="hold">
+                                          <p:stCondLst>
+                                            <p:cond delay="0"/>
+                                          </p:stCondLst>
+                                        </p:cTn>
+                                        <p:tgtEl>
+                                          <p:spTgt spid="21"/>
+                                        </p:tgtEl>
+                                        <p:attrNameLst>
+                                          <p:attrName>style.visibility</p:attrName>
+                                        </p:attrNameLst>
+                                      </p:cBhvr>
+                                      <p:to>
+                                        <p:strVal val="visible"/>
+                                      </p:to>
+                                    </p:set>
+                                  </p:childTnLst>
+                                </p:cTn>
+                              </p:par>
+                            </p:childTnLst>
+                          </p:cTn>
+                        </p:par>
+                      </p:childTnLst>
+                    </p:cTn>
+                  </p:par>
+                  <p:par>
+                    <p:cTn id="200" fill="hold">
+                      <p:stCondLst>
+                        <p:cond delay="indefinite"/>
+                      </p:stCondLst>
+                      <p:childTnLst>
+                        <p:par>
+                          <p:cTn id="201" fill="hold">
+                            <p:stCondLst>
+                              <p:cond delay="0"/>
+                            </p:stCondLst>
+                            <p:childTnLst>
+                              <p:par>
+                                <p:cTn id="202" presetID="10" presetClass="exit" presetSubtype="0" fill="hold" grpId="1" nodeType="clickEffect">
+                                  <p:stCondLst>
+                                    <p:cond delay="0"/>
+                                  </p:stCondLst>
+                                  <p:childTnLst>
+                                    <p:animEffect transition="out" filter="fade">
+                                      <p:cBhvr>
+                                        <p:cTn id="203" dur="500"/>
+                                        <p:tgtEl>
+                                          <p:spTgt spid="21"/>
+                                        </p:tgtEl>
+                                      </p:cBhvr>
+                                    </p:animEffect>
+                                    <p:set>
+                                      <p:cBhvr>
+                                        <p:cTn id="204" dur="1" fill="hold">
+                                          <p:stCondLst>
+                                            <p:cond delay="499"/>
+                                          </p:stCondLst>
+                                        </p:cTn>
+                                        <p:tgtEl>
+                                          <p:spTgt spid="21"/>
+                                        </p:tgtEl>
+                                        <p:attrNameLst>
+                                          <p:attrName>style.visibility</p:attrName>
+                                        </p:attrNameLst>
+                                      </p:cBhvr>
+                                      <p:to>
+                                        <p:strVal val="hidden"/>
+                                      </p:to>
+                                    </p:set>
+                                  </p:childTnLst>
+                                </p:cTn>
+                              </p:par>
+                            </p:childTnLst>
+                          </p:cTn>
+                        </p:par>
+                      </p:childTnLst>
+                    </p:cTn>
+                  </p:par>
+                  <p:par>
+                    <p:cTn id="205" fill="hold">
+                      <p:stCondLst>
+                        <p:cond delay="indefinite"/>
+                      </p:stCondLst>
+                      <p:childTnLst>
+                        <p:par>
+                          <p:cTn id="206" fill="hold">
+                            <p:stCondLst>
+                              <p:cond delay="0"/>
+                            </p:stCondLst>
+                            <p:childTnLst>
+                              <p:par>
+                                <p:cTn id="207" presetID="9" presetClass="emph" presetSubtype="0" grpId="2" nodeType="clickEffect">
+                                  <p:stCondLst>
+                                    <p:cond delay="0"/>
+                                  </p:stCondLst>
+                                  <p:childTnLst>
+                                    <p:set>
+                                      <p:cBhvr rctx="PPT">
+                                        <p:cTn id="208" dur="indefinite"/>
+                                        <p:tgtEl>
+                                          <p:spTgt spid="42"/>
+                                        </p:tgtEl>
+                                        <p:attrNameLst>
+                                          <p:attrName>style.opacity</p:attrName>
+                                        </p:attrNameLst>
+                                      </p:cBhvr>
+                                      <p:to>
+                                        <p:strVal val="0.5"/>
+                                      </p:to>
+                                    </p:set>
+                                    <p:animEffect filter="image" prLst="opacity: 0.5">
+                                      <p:cBhvr rctx="IE">
+                                        <p:cTn id="209" dur="indefinite"/>
+                                        <p:tgtEl>
+                                          <p:spTgt spid="42"/>
+                                        </p:tgtEl>
+                                      </p:cBhvr>
+                                    </p:animEffect>
+                                  </p:childTnLst>
+                                </p:cTn>
+                              </p:par>
+                              <p:par>
+                                <p:cTn id="210" presetID="0" presetClass="path" presetSubtype="0" accel="50000" decel="50000" fill="hold" grpId="3" nodeType="withEffect">
+                                  <p:stCondLst>
+                                    <p:cond delay="0"/>
+                                  </p:stCondLst>
+                                  <p:childTnLst>
+                                    <p:animMotion origin="layout" path="M -0.14323 0.45046 L -0.21858 0.45046 " pathEditMode="relative" rAng="0" ptsTypes="AA">
+                                      <p:cBhvr>
+                                        <p:cTn id="211" dur="2000" fill="hold"/>
+                                        <p:tgtEl>
+                                          <p:spTgt spid="42"/>
+                                        </p:tgtEl>
+                                        <p:attrNameLst>
+                                          <p:attrName>ppt_x</p:attrName>
+                                          <p:attrName>ppt_y</p:attrName>
+                                        </p:attrNameLst>
+                                      </p:cBhvr>
+                                      <p:rCtr x="-3767" y="0"/>
                                     </p:animMotion>
                                   </p:childTnLst>
                                 </p:cTn>
@@ -5472,21 +7398,4696 @@
       <p:bldP spid="13" grpId="0" animBg="1"/>
       <p:bldP spid="13" grpId="1" animBg="1"/>
       <p:bldP spid="14" grpId="0" animBg="1"/>
-      <p:bldP spid="16" grpId="0" animBg="1"/>
+      <p:bldP spid="14" grpId="1" animBg="1"/>
+      <p:bldP spid="14" grpId="2" animBg="1"/>
+      <p:bldP spid="14" grpId="3" animBg="1"/>
+      <p:bldP spid="15" grpId="0" animBg="1"/>
+      <p:bldP spid="15" grpId="1" animBg="1"/>
       <p:bldP spid="18" grpId="0" animBg="1"/>
       <p:bldP spid="19" grpId="0" animBg="1"/>
       <p:bldP spid="20" grpId="0" animBg="1"/>
       <p:bldP spid="20" grpId="1" animBg="1"/>
+      <p:bldP spid="22" grpId="0" animBg="1"/>
+      <p:bldP spid="29" grpId="0" animBg="1"/>
       <p:bldP spid="5" grpId="0"/>
       <p:bldP spid="5" grpId="1"/>
       <p:bldP spid="30" grpId="0"/>
       <p:bldP spid="30" grpId="1"/>
+      <p:bldP spid="6" grpId="0" animBg="1"/>
+      <p:bldP spid="6" grpId="1" animBg="1"/>
+      <p:bldP spid="10" grpId="0"/>
+      <p:bldP spid="10" grpId="1"/>
+      <p:bldP spid="34" grpId="0" animBg="1"/>
+      <p:bldP spid="36" grpId="2" animBg="1"/>
+      <p:bldP spid="37" grpId="2" animBg="1"/>
+      <p:bldP spid="38" grpId="0" animBg="1"/>
+      <p:bldP spid="38" grpId="1" animBg="1"/>
+      <p:bldP spid="40" grpId="0" animBg="1"/>
+      <p:bldP spid="40" grpId="1" animBg="1"/>
+      <p:bldP spid="42" grpId="0" animBg="1"/>
+      <p:bldP spid="42" grpId="1" animBg="1"/>
+      <p:bldP spid="42" grpId="2" animBg="1"/>
+      <p:bldP spid="42" grpId="3" animBg="1"/>
+      <p:bldP spid="21" grpId="0" animBg="1"/>
+      <p:bldP spid="21" grpId="1" animBg="1"/>
+      <p:bldP spid="44" grpId="0"/>
+      <p:bldP spid="44" grpId="1"/>
+      <p:bldP spid="45" grpId="0"/>
+      <p:bldP spid="45" grpId="1"/>
+      <p:bldP spid="46" grpId="0"/>
+      <p:bldP spid="46" grpId="1"/>
     </p:bldLst>
   </p:timing>
 </p:sld>
 </file>
 
-<file path=ppt/slides/slide2.xml><?xml version="1.0" encoding="utf-8"?>
+<file path=ppt/slides/slide3.xml><?xml version="1.0" encoding="utf-8"?>
+<p:sld xmlns:a="http://schemas.openxmlformats.org/drawingml/2006/main" xmlns:r="http://schemas.openxmlformats.org/officeDocument/2006/relationships" xmlns:p="http://schemas.openxmlformats.org/presentationml/2006/main">
+  <p:cSld>
+    <p:spTree>
+      <p:nvGrpSpPr>
+        <p:cNvPr id="1" name=""/>
+        <p:cNvGrpSpPr/>
+        <p:nvPr/>
+      </p:nvGrpSpPr>
+      <p:grpSpPr>
+        <a:xfrm>
+          <a:off x="0" y="0"/>
+          <a:ext cx="0" cy="0"/>
+          <a:chOff x="0" y="0"/>
+          <a:chExt cx="0" cy="0"/>
+        </a:xfrm>
+      </p:grpSpPr>
+      <p:pic>
+        <p:nvPicPr>
+          <p:cNvPr id="4" name="Picture 3"/>
+          <p:cNvPicPr>
+            <a:picLocks noChangeAspect="1"/>
+          </p:cNvPicPr>
+          <p:nvPr/>
+        </p:nvPicPr>
+        <p:blipFill>
+          <a:blip r:embed="rId2"/>
+          <a:stretch>
+            <a:fillRect/>
+          </a:stretch>
+        </p:blipFill>
+        <p:spPr>
+          <a:xfrm>
+            <a:off x="1135663" y="1582573"/>
+            <a:ext cx="906696" cy="813925"/>
+          </a:xfrm>
+          <a:prstGeom prst="rect">
+            <a:avLst/>
+          </a:prstGeom>
+        </p:spPr>
+      </p:pic>
+      <p:sp>
+        <p:nvSpPr>
+          <p:cNvPr id="5" name="Rectangle 4"/>
+          <p:cNvSpPr/>
+          <p:nvPr/>
+        </p:nvSpPr>
+        <p:spPr>
+          <a:xfrm>
+            <a:off x="2258458" y="1705666"/>
+            <a:ext cx="681656" cy="896501"/>
+          </a:xfrm>
+          <a:prstGeom prst="rect">
+            <a:avLst/>
+          </a:prstGeom>
+          <a:solidFill>
+            <a:srgbClr val="1882C8"/>
+          </a:solidFill>
+          <a:effectLst/>
+        </p:spPr>
+        <p:style>
+          <a:lnRef idx="1">
+            <a:schemeClr val="accent1"/>
+          </a:lnRef>
+          <a:fillRef idx="3">
+            <a:schemeClr val="accent1"/>
+          </a:fillRef>
+          <a:effectRef idx="2">
+            <a:schemeClr val="accent1"/>
+          </a:effectRef>
+          <a:fontRef idx="minor">
+            <a:schemeClr val="lt1"/>
+          </a:fontRef>
+        </p:style>
+        <p:txBody>
+          <a:bodyPr rtlCol="0" anchor="ctr"/>
+          <a:lstStyle/>
+          <a:p>
+            <a:pPr algn="ctr"/>
+            <a:r>
+              <a:rPr lang="en-US" dirty="0" smtClean="0">
+                <a:solidFill>
+                  <a:schemeClr val="bg1"/>
+                </a:solidFill>
+                <a:latin typeface="Lato Black"/>
+                <a:cs typeface="Lato Black"/>
+              </a:rPr>
+              <a:t>File A</a:t>
+            </a:r>
+            <a:endParaRPr lang="en-US" dirty="0">
+              <a:solidFill>
+                <a:schemeClr val="bg1"/>
+              </a:solidFill>
+              <a:latin typeface="Lato Black"/>
+              <a:cs typeface="Lato Black"/>
+            </a:endParaRPr>
+          </a:p>
+        </p:txBody>
+      </p:sp>
+      <p:sp>
+        <p:nvSpPr>
+          <p:cNvPr id="6" name="Rectangle 5"/>
+          <p:cNvSpPr/>
+          <p:nvPr/>
+        </p:nvSpPr>
+        <p:spPr>
+          <a:xfrm>
+            <a:off x="3092514" y="1705666"/>
+            <a:ext cx="681656" cy="896501"/>
+          </a:xfrm>
+          <a:prstGeom prst="rect">
+            <a:avLst/>
+          </a:prstGeom>
+          <a:solidFill>
+            <a:srgbClr val="1882C8"/>
+          </a:solidFill>
+          <a:effectLst/>
+        </p:spPr>
+        <p:style>
+          <a:lnRef idx="1">
+            <a:schemeClr val="accent1"/>
+          </a:lnRef>
+          <a:fillRef idx="3">
+            <a:schemeClr val="accent1"/>
+          </a:fillRef>
+          <a:effectRef idx="2">
+            <a:schemeClr val="accent1"/>
+          </a:effectRef>
+          <a:fontRef idx="minor">
+            <a:schemeClr val="lt1"/>
+          </a:fontRef>
+        </p:style>
+        <p:txBody>
+          <a:bodyPr rtlCol="0" anchor="ctr"/>
+          <a:lstStyle/>
+          <a:p>
+            <a:pPr algn="ctr"/>
+            <a:r>
+              <a:rPr lang="en-US" dirty="0" smtClean="0">
+                <a:solidFill>
+                  <a:schemeClr val="bg1"/>
+                </a:solidFill>
+                <a:latin typeface="Lato Black"/>
+                <a:cs typeface="Lato Black"/>
+              </a:rPr>
+              <a:t>File B</a:t>
+            </a:r>
+            <a:endParaRPr lang="en-US" dirty="0">
+              <a:solidFill>
+                <a:schemeClr val="bg1"/>
+              </a:solidFill>
+              <a:latin typeface="Lato Black"/>
+              <a:cs typeface="Lato Black"/>
+            </a:endParaRPr>
+          </a:p>
+        </p:txBody>
+      </p:sp>
+      <p:sp>
+        <p:nvSpPr>
+          <p:cNvPr id="7" name="Rectangle 6"/>
+          <p:cNvSpPr/>
+          <p:nvPr/>
+        </p:nvSpPr>
+        <p:spPr>
+          <a:xfrm>
+            <a:off x="2258458" y="2931878"/>
+            <a:ext cx="681656" cy="896501"/>
+          </a:xfrm>
+          <a:prstGeom prst="rect">
+            <a:avLst/>
+          </a:prstGeom>
+          <a:solidFill>
+            <a:srgbClr val="FAAC15"/>
+          </a:solidFill>
+          <a:ln>
+            <a:solidFill>
+              <a:srgbClr val="FAAC15"/>
+            </a:solidFill>
+          </a:ln>
+          <a:effectLst/>
+        </p:spPr>
+        <p:style>
+          <a:lnRef idx="1">
+            <a:schemeClr val="accent1"/>
+          </a:lnRef>
+          <a:fillRef idx="3">
+            <a:schemeClr val="accent1"/>
+          </a:fillRef>
+          <a:effectRef idx="2">
+            <a:schemeClr val="accent1"/>
+          </a:effectRef>
+          <a:fontRef idx="minor">
+            <a:schemeClr val="lt1"/>
+          </a:fontRef>
+        </p:style>
+        <p:txBody>
+          <a:bodyPr rtlCol="0" anchor="ctr"/>
+          <a:lstStyle/>
+          <a:p>
+            <a:pPr algn="ctr"/>
+            <a:r>
+              <a:rPr lang="en-US" dirty="0" smtClean="0">
+                <a:solidFill>
+                  <a:schemeClr val="bg1"/>
+                </a:solidFill>
+                <a:latin typeface="Lato Black"/>
+                <a:cs typeface="Lato Black"/>
+              </a:rPr>
+              <a:t>File C</a:t>
+            </a:r>
+            <a:endParaRPr lang="en-US" dirty="0">
+              <a:solidFill>
+                <a:schemeClr val="bg1"/>
+              </a:solidFill>
+              <a:latin typeface="Lato Black"/>
+              <a:cs typeface="Lato Black"/>
+            </a:endParaRPr>
+          </a:p>
+        </p:txBody>
+      </p:sp>
+      <p:sp>
+        <p:nvSpPr>
+          <p:cNvPr id="8" name="Rectangle 7"/>
+          <p:cNvSpPr/>
+          <p:nvPr/>
+        </p:nvSpPr>
+        <p:spPr>
+          <a:xfrm>
+            <a:off x="2258458" y="3828379"/>
+            <a:ext cx="681656" cy="443260"/>
+          </a:xfrm>
+          <a:prstGeom prst="rect">
+            <a:avLst/>
+          </a:prstGeom>
+          <a:solidFill>
+            <a:srgbClr val="FFD37F"/>
+          </a:solidFill>
+          <a:ln>
+            <a:solidFill>
+              <a:srgbClr val="FFD37F"/>
+            </a:solidFill>
+          </a:ln>
+          <a:effectLst/>
+        </p:spPr>
+        <p:style>
+          <a:lnRef idx="1">
+            <a:schemeClr val="accent1"/>
+          </a:lnRef>
+          <a:fillRef idx="3">
+            <a:schemeClr val="accent1"/>
+          </a:fillRef>
+          <a:effectRef idx="2">
+            <a:schemeClr val="accent1"/>
+          </a:effectRef>
+          <a:fontRef idx="minor">
+            <a:schemeClr val="lt1"/>
+          </a:fontRef>
+        </p:style>
+        <p:txBody>
+          <a:bodyPr rtlCol="0" anchor="ctr"/>
+          <a:lstStyle/>
+          <a:p>
+            <a:pPr algn="ctr"/>
+            <a:endParaRPr lang="en-US"/>
+          </a:p>
+        </p:txBody>
+      </p:sp>
+      <p:sp>
+        <p:nvSpPr>
+          <p:cNvPr id="9" name="Rectangle 8"/>
+          <p:cNvSpPr/>
+          <p:nvPr/>
+        </p:nvSpPr>
+        <p:spPr>
+          <a:xfrm>
+            <a:off x="3092514" y="2602167"/>
+            <a:ext cx="681656" cy="187463"/>
+          </a:xfrm>
+          <a:prstGeom prst="rect">
+            <a:avLst/>
+          </a:prstGeom>
+          <a:solidFill>
+            <a:srgbClr val="A2CBEE"/>
+          </a:solidFill>
+          <a:ln>
+            <a:solidFill>
+              <a:srgbClr val="A2CBEE"/>
+            </a:solidFill>
+          </a:ln>
+          <a:effectLst/>
+        </p:spPr>
+        <p:style>
+          <a:lnRef idx="1">
+            <a:schemeClr val="accent1"/>
+          </a:lnRef>
+          <a:fillRef idx="3">
+            <a:schemeClr val="accent1"/>
+          </a:fillRef>
+          <a:effectRef idx="2">
+            <a:schemeClr val="accent1"/>
+          </a:effectRef>
+          <a:fontRef idx="minor">
+            <a:schemeClr val="lt1"/>
+          </a:fontRef>
+        </p:style>
+        <p:txBody>
+          <a:bodyPr rtlCol="0" anchor="ctr"/>
+          <a:lstStyle/>
+          <a:p>
+            <a:pPr algn="ctr"/>
+            <a:endParaRPr lang="en-US"/>
+          </a:p>
+        </p:txBody>
+      </p:sp>
+      <p:sp>
+        <p:nvSpPr>
+          <p:cNvPr id="10" name="TextBox 9"/>
+          <p:cNvSpPr txBox="1"/>
+          <p:nvPr/>
+        </p:nvSpPr>
+        <p:spPr>
+          <a:xfrm>
+            <a:off x="4347260" y="1705666"/>
+            <a:ext cx="2711643" cy="1015663"/>
+          </a:xfrm>
+          <a:prstGeom prst="rect">
+            <a:avLst/>
+          </a:prstGeom>
+          <a:noFill/>
+        </p:spPr>
+        <p:txBody>
+          <a:bodyPr wrap="none" rtlCol="0">
+            <a:spAutoFit/>
+          </a:bodyPr>
+          <a:lstStyle/>
+          <a:p>
+            <a:r>
+              <a:rPr lang="en-US" sz="6000" b="1" dirty="0" smtClean="0">
+                <a:latin typeface=""/>
+              </a:rPr>
+              <a:t>1</a:t>
+            </a:r>
+            <a:r>
+              <a:rPr lang="en-US" sz="2000" b="1" i="1" dirty="0" smtClean="0">
+                <a:latin typeface=""/>
+              </a:rPr>
+              <a:t>“Initial Commit”</a:t>
+            </a:r>
+            <a:endParaRPr lang="en-US" sz="2000" b="1" i="1" dirty="0">
+              <a:latin typeface=""/>
+            </a:endParaRPr>
+          </a:p>
+        </p:txBody>
+      </p:sp>
+      <p:sp>
+        <p:nvSpPr>
+          <p:cNvPr id="11" name="TextBox 10"/>
+          <p:cNvSpPr txBox="1"/>
+          <p:nvPr/>
+        </p:nvSpPr>
+        <p:spPr>
+          <a:xfrm>
+            <a:off x="4354127" y="1696041"/>
+            <a:ext cx="4336813" cy="1015663"/>
+          </a:xfrm>
+          <a:prstGeom prst="rect">
+            <a:avLst/>
+          </a:prstGeom>
+          <a:noFill/>
+        </p:spPr>
+        <p:txBody>
+          <a:bodyPr wrap="none" rtlCol="0">
+            <a:spAutoFit/>
+          </a:bodyPr>
+          <a:lstStyle/>
+          <a:p>
+            <a:r>
+              <a:rPr lang="en-US" sz="6000" b="1" dirty="0" smtClean="0">
+                <a:latin typeface=""/>
+              </a:rPr>
+              <a:t>3</a:t>
+            </a:r>
+            <a:r>
+              <a:rPr lang="en-US" sz="2000" b="1" i="1" dirty="0" smtClean="0">
+                <a:latin typeface=""/>
+              </a:rPr>
+              <a:t>“Created bar chart </a:t>
+            </a:r>
+            <a:r>
+              <a:rPr lang="en-US" sz="2000" b="1" i="1" dirty="0" err="1" smtClean="0">
+                <a:latin typeface=""/>
+              </a:rPr>
+              <a:t>js</a:t>
+            </a:r>
+            <a:r>
+              <a:rPr lang="en-US" sz="2000" b="1" i="1" dirty="0" smtClean="0">
+                <a:latin typeface=""/>
+              </a:rPr>
+              <a:t> outline”</a:t>
+            </a:r>
+            <a:endParaRPr lang="en-US" sz="2000" b="1" i="1" dirty="0">
+              <a:latin typeface=""/>
+            </a:endParaRPr>
+          </a:p>
+        </p:txBody>
+      </p:sp>
+      <p:sp>
+        <p:nvSpPr>
+          <p:cNvPr id="12" name="TextBox 11"/>
+          <p:cNvSpPr txBox="1"/>
+          <p:nvPr/>
+        </p:nvSpPr>
+        <p:spPr>
+          <a:xfrm>
+            <a:off x="4343589" y="1705666"/>
+            <a:ext cx="3168374" cy="1015663"/>
+          </a:xfrm>
+          <a:prstGeom prst="rect">
+            <a:avLst/>
+          </a:prstGeom>
+          <a:noFill/>
+        </p:spPr>
+        <p:txBody>
+          <a:bodyPr wrap="none" rtlCol="0">
+            <a:spAutoFit/>
+          </a:bodyPr>
+          <a:lstStyle/>
+          <a:p>
+            <a:r>
+              <a:rPr lang="en-US" sz="6000" b="1" dirty="0" smtClean="0">
+                <a:latin typeface=""/>
+              </a:rPr>
+              <a:t>2</a:t>
+            </a:r>
+            <a:r>
+              <a:rPr lang="en-US" sz="2000" b="1" i="1" dirty="0" smtClean="0">
+                <a:latin typeface=""/>
+              </a:rPr>
+              <a:t>“New h3 tag styles”</a:t>
+            </a:r>
+            <a:endParaRPr lang="en-US" sz="2000" b="1" i="1" dirty="0">
+              <a:latin typeface=""/>
+            </a:endParaRPr>
+          </a:p>
+        </p:txBody>
+      </p:sp>
+      <p:sp>
+        <p:nvSpPr>
+          <p:cNvPr id="13" name="TextBox 12"/>
+          <p:cNvSpPr txBox="1"/>
+          <p:nvPr/>
+        </p:nvSpPr>
+        <p:spPr>
+          <a:xfrm>
+            <a:off x="4340397" y="1703311"/>
+            <a:ext cx="3139319" cy="1015663"/>
+          </a:xfrm>
+          <a:prstGeom prst="rect">
+            <a:avLst/>
+          </a:prstGeom>
+          <a:noFill/>
+        </p:spPr>
+        <p:txBody>
+          <a:bodyPr wrap="none" rtlCol="0">
+            <a:spAutoFit/>
+          </a:bodyPr>
+          <a:lstStyle/>
+          <a:p>
+            <a:r>
+              <a:rPr lang="en-US" sz="6000" b="1" dirty="0" smtClean="0">
+                <a:latin typeface=""/>
+              </a:rPr>
+              <a:t>4</a:t>
+            </a:r>
+            <a:r>
+              <a:rPr lang="en-US" sz="2000" b="1" i="1" dirty="0" smtClean="0">
+                <a:latin typeface=""/>
+              </a:rPr>
+              <a:t>“Bar chart tooltips”</a:t>
+            </a:r>
+            <a:endParaRPr lang="en-US" sz="2000" b="1" i="1" dirty="0">
+              <a:latin typeface=""/>
+            </a:endParaRPr>
+          </a:p>
+        </p:txBody>
+      </p:sp>
+    </p:spTree>
+    <p:extLst>
+      <p:ext uri="{BB962C8B-B14F-4D97-AF65-F5344CB8AC3E}">
+        <p14:creationId xmlns:p14="http://schemas.microsoft.com/office/powerpoint/2010/main" val="85369121"/>
+      </p:ext>
+    </p:extLst>
+  </p:cSld>
+  <p:clrMapOvr>
+    <a:masterClrMapping/>
+  </p:clrMapOvr>
+  <p:timing>
+    <p:tnLst>
+      <p:par>
+        <p:cTn xmlns:p14="http://schemas.microsoft.com/office/powerpoint/2010/main" id="1" dur="indefinite" restart="never" nodeType="tmRoot">
+          <p:childTnLst>
+            <p:seq concurrent="1" nextAc="seek">
+              <p:cTn id="2" dur="indefinite" nodeType="mainSeq">
+                <p:childTnLst>
+                  <p:par>
+                    <p:cTn id="3" fill="hold">
+                      <p:stCondLst>
+                        <p:cond delay="indefinite"/>
+                      </p:stCondLst>
+                      <p:childTnLst>
+                        <p:par>
+                          <p:cTn id="4" fill="hold">
+                            <p:stCondLst>
+                              <p:cond delay="0"/>
+                            </p:stCondLst>
+                            <p:childTnLst>
+                              <p:par>
+                                <p:cTn id="5" presetID="2" presetClass="entr" presetSubtype="1" fill="hold" grpId="0" nodeType="clickEffect">
+                                  <p:stCondLst>
+                                    <p:cond delay="0"/>
+                                  </p:stCondLst>
+                                  <p:childTnLst>
+                                    <p:set>
+                                      <p:cBhvr>
+                                        <p:cTn id="6" dur="1" fill="hold">
+                                          <p:stCondLst>
+                                            <p:cond delay="0"/>
+                                          </p:stCondLst>
+                                        </p:cTn>
+                                        <p:tgtEl>
+                                          <p:spTgt spid="10"/>
+                                        </p:tgtEl>
+                                        <p:attrNameLst>
+                                          <p:attrName>style.visibility</p:attrName>
+                                        </p:attrNameLst>
+                                      </p:cBhvr>
+                                      <p:to>
+                                        <p:strVal val="visible"/>
+                                      </p:to>
+                                    </p:set>
+                                    <p:anim calcmode="lin" valueType="num">
+                                      <p:cBhvr additive="base">
+                                        <p:cTn id="7" dur="500" fill="hold"/>
+                                        <p:tgtEl>
+                                          <p:spTgt spid="10"/>
+                                        </p:tgtEl>
+                                        <p:attrNameLst>
+                                          <p:attrName>ppt_x</p:attrName>
+                                        </p:attrNameLst>
+                                      </p:cBhvr>
+                                      <p:tavLst>
+                                        <p:tav tm="0">
+                                          <p:val>
+                                            <p:strVal val="#ppt_x"/>
+                                          </p:val>
+                                        </p:tav>
+                                        <p:tav tm="100000">
+                                          <p:val>
+                                            <p:strVal val="#ppt_x"/>
+                                          </p:val>
+                                        </p:tav>
+                                      </p:tavLst>
+                                    </p:anim>
+                                    <p:anim calcmode="lin" valueType="num">
+                                      <p:cBhvr additive="base">
+                                        <p:cTn id="8" dur="500" fill="hold"/>
+                                        <p:tgtEl>
+                                          <p:spTgt spid="10"/>
+                                        </p:tgtEl>
+                                        <p:attrNameLst>
+                                          <p:attrName>ppt_y</p:attrName>
+                                        </p:attrNameLst>
+                                      </p:cBhvr>
+                                      <p:tavLst>
+                                        <p:tav tm="0">
+                                          <p:val>
+                                            <p:strVal val="0-#ppt_h/2"/>
+                                          </p:val>
+                                        </p:tav>
+                                        <p:tav tm="100000">
+                                          <p:val>
+                                            <p:strVal val="#ppt_y"/>
+                                          </p:val>
+                                        </p:tav>
+                                      </p:tavLst>
+                                    </p:anim>
+                                  </p:childTnLst>
+                                </p:cTn>
+                              </p:par>
+                            </p:childTnLst>
+                          </p:cTn>
+                        </p:par>
+                      </p:childTnLst>
+                    </p:cTn>
+                  </p:par>
+                  <p:par>
+                    <p:cTn id="9" fill="hold">
+                      <p:stCondLst>
+                        <p:cond delay="indefinite"/>
+                      </p:stCondLst>
+                      <p:childTnLst>
+                        <p:par>
+                          <p:cTn id="10" fill="hold">
+                            <p:stCondLst>
+                              <p:cond delay="0"/>
+                            </p:stCondLst>
+                            <p:childTnLst>
+                              <p:par>
+                                <p:cTn id="11" presetID="2" presetClass="exit" presetSubtype="4" fill="hold" grpId="1" nodeType="clickEffect">
+                                  <p:stCondLst>
+                                    <p:cond delay="0"/>
+                                  </p:stCondLst>
+                                  <p:childTnLst>
+                                    <p:anim calcmode="lin" valueType="num">
+                                      <p:cBhvr additive="base">
+                                        <p:cTn id="12" dur="500"/>
+                                        <p:tgtEl>
+                                          <p:spTgt spid="10"/>
+                                        </p:tgtEl>
+                                        <p:attrNameLst>
+                                          <p:attrName>ppt_x</p:attrName>
+                                        </p:attrNameLst>
+                                      </p:cBhvr>
+                                      <p:tavLst>
+                                        <p:tav tm="0">
+                                          <p:val>
+                                            <p:strVal val="ppt_x"/>
+                                          </p:val>
+                                        </p:tav>
+                                        <p:tav tm="100000">
+                                          <p:val>
+                                            <p:strVal val="ppt_x"/>
+                                          </p:val>
+                                        </p:tav>
+                                      </p:tavLst>
+                                    </p:anim>
+                                    <p:anim calcmode="lin" valueType="num">
+                                      <p:cBhvr additive="base">
+                                        <p:cTn id="13" dur="500"/>
+                                        <p:tgtEl>
+                                          <p:spTgt spid="10"/>
+                                        </p:tgtEl>
+                                        <p:attrNameLst>
+                                          <p:attrName>ppt_y</p:attrName>
+                                        </p:attrNameLst>
+                                      </p:cBhvr>
+                                      <p:tavLst>
+                                        <p:tav tm="0">
+                                          <p:val>
+                                            <p:strVal val="ppt_y"/>
+                                          </p:val>
+                                        </p:tav>
+                                        <p:tav tm="100000">
+                                          <p:val>
+                                            <p:strVal val="1+ppt_h/2"/>
+                                          </p:val>
+                                        </p:tav>
+                                      </p:tavLst>
+                                    </p:anim>
+                                    <p:set>
+                                      <p:cBhvr>
+                                        <p:cTn id="14" dur="1" fill="hold">
+                                          <p:stCondLst>
+                                            <p:cond delay="499"/>
+                                          </p:stCondLst>
+                                        </p:cTn>
+                                        <p:tgtEl>
+                                          <p:spTgt spid="10"/>
+                                        </p:tgtEl>
+                                        <p:attrNameLst>
+                                          <p:attrName>style.visibility</p:attrName>
+                                        </p:attrNameLst>
+                                      </p:cBhvr>
+                                      <p:to>
+                                        <p:strVal val="hidden"/>
+                                      </p:to>
+                                    </p:set>
+                                  </p:childTnLst>
+                                </p:cTn>
+                              </p:par>
+                              <p:par>
+                                <p:cTn id="15" presetID="2" presetClass="entr" presetSubtype="1" fill="hold" grpId="0" nodeType="withEffect">
+                                  <p:stCondLst>
+                                    <p:cond delay="0"/>
+                                  </p:stCondLst>
+                                  <p:childTnLst>
+                                    <p:set>
+                                      <p:cBhvr>
+                                        <p:cTn id="16" dur="1" fill="hold">
+                                          <p:stCondLst>
+                                            <p:cond delay="0"/>
+                                          </p:stCondLst>
+                                        </p:cTn>
+                                        <p:tgtEl>
+                                          <p:spTgt spid="12"/>
+                                        </p:tgtEl>
+                                        <p:attrNameLst>
+                                          <p:attrName>style.visibility</p:attrName>
+                                        </p:attrNameLst>
+                                      </p:cBhvr>
+                                      <p:to>
+                                        <p:strVal val="visible"/>
+                                      </p:to>
+                                    </p:set>
+                                    <p:anim calcmode="lin" valueType="num">
+                                      <p:cBhvr additive="base">
+                                        <p:cTn id="17" dur="500" fill="hold"/>
+                                        <p:tgtEl>
+                                          <p:spTgt spid="12"/>
+                                        </p:tgtEl>
+                                        <p:attrNameLst>
+                                          <p:attrName>ppt_x</p:attrName>
+                                        </p:attrNameLst>
+                                      </p:cBhvr>
+                                      <p:tavLst>
+                                        <p:tav tm="0">
+                                          <p:val>
+                                            <p:strVal val="#ppt_x"/>
+                                          </p:val>
+                                        </p:tav>
+                                        <p:tav tm="100000">
+                                          <p:val>
+                                            <p:strVal val="#ppt_x"/>
+                                          </p:val>
+                                        </p:tav>
+                                      </p:tavLst>
+                                    </p:anim>
+                                    <p:anim calcmode="lin" valueType="num">
+                                      <p:cBhvr additive="base">
+                                        <p:cTn id="18" dur="500" fill="hold"/>
+                                        <p:tgtEl>
+                                          <p:spTgt spid="12"/>
+                                        </p:tgtEl>
+                                        <p:attrNameLst>
+                                          <p:attrName>ppt_y</p:attrName>
+                                        </p:attrNameLst>
+                                      </p:cBhvr>
+                                      <p:tavLst>
+                                        <p:tav tm="0">
+                                          <p:val>
+                                            <p:strVal val="0-#ppt_h/2"/>
+                                          </p:val>
+                                        </p:tav>
+                                        <p:tav tm="100000">
+                                          <p:val>
+                                            <p:strVal val="#ppt_y"/>
+                                          </p:val>
+                                        </p:tav>
+                                      </p:tavLst>
+                                    </p:anim>
+                                  </p:childTnLst>
+                                </p:cTn>
+                              </p:par>
+                              <p:par>
+                                <p:cTn id="19" presetID="1" presetClass="entr" presetSubtype="0" fill="hold" grpId="0" nodeType="withEffect">
+                                  <p:stCondLst>
+                                    <p:cond delay="0"/>
+                                  </p:stCondLst>
+                                  <p:childTnLst>
+                                    <p:set>
+                                      <p:cBhvr>
+                                        <p:cTn id="20" dur="1" fill="hold">
+                                          <p:stCondLst>
+                                            <p:cond delay="0"/>
+                                          </p:stCondLst>
+                                        </p:cTn>
+                                        <p:tgtEl>
+                                          <p:spTgt spid="9"/>
+                                        </p:tgtEl>
+                                        <p:attrNameLst>
+                                          <p:attrName>style.visibility</p:attrName>
+                                        </p:attrNameLst>
+                                      </p:cBhvr>
+                                      <p:to>
+                                        <p:strVal val="visible"/>
+                                      </p:to>
+                                    </p:set>
+                                  </p:childTnLst>
+                                </p:cTn>
+                              </p:par>
+                            </p:childTnLst>
+                          </p:cTn>
+                        </p:par>
+                      </p:childTnLst>
+                    </p:cTn>
+                  </p:par>
+                  <p:par>
+                    <p:cTn id="21" fill="hold">
+                      <p:stCondLst>
+                        <p:cond delay="indefinite"/>
+                      </p:stCondLst>
+                      <p:childTnLst>
+                        <p:par>
+                          <p:cTn id="22" fill="hold">
+                            <p:stCondLst>
+                              <p:cond delay="0"/>
+                            </p:stCondLst>
+                            <p:childTnLst>
+                              <p:par>
+                                <p:cTn id="23" presetID="2" presetClass="exit" presetSubtype="4" fill="hold" grpId="1" nodeType="clickEffect">
+                                  <p:stCondLst>
+                                    <p:cond delay="0"/>
+                                  </p:stCondLst>
+                                  <p:childTnLst>
+                                    <p:anim calcmode="lin" valueType="num">
+                                      <p:cBhvr additive="base">
+                                        <p:cTn id="24" dur="500"/>
+                                        <p:tgtEl>
+                                          <p:spTgt spid="12"/>
+                                        </p:tgtEl>
+                                        <p:attrNameLst>
+                                          <p:attrName>ppt_x</p:attrName>
+                                        </p:attrNameLst>
+                                      </p:cBhvr>
+                                      <p:tavLst>
+                                        <p:tav tm="0">
+                                          <p:val>
+                                            <p:strVal val="ppt_x"/>
+                                          </p:val>
+                                        </p:tav>
+                                        <p:tav tm="100000">
+                                          <p:val>
+                                            <p:strVal val="ppt_x"/>
+                                          </p:val>
+                                        </p:tav>
+                                      </p:tavLst>
+                                    </p:anim>
+                                    <p:anim calcmode="lin" valueType="num">
+                                      <p:cBhvr additive="base">
+                                        <p:cTn id="25" dur="500"/>
+                                        <p:tgtEl>
+                                          <p:spTgt spid="12"/>
+                                        </p:tgtEl>
+                                        <p:attrNameLst>
+                                          <p:attrName>ppt_y</p:attrName>
+                                        </p:attrNameLst>
+                                      </p:cBhvr>
+                                      <p:tavLst>
+                                        <p:tav tm="0">
+                                          <p:val>
+                                            <p:strVal val="ppt_y"/>
+                                          </p:val>
+                                        </p:tav>
+                                        <p:tav tm="100000">
+                                          <p:val>
+                                            <p:strVal val="1+ppt_h/2"/>
+                                          </p:val>
+                                        </p:tav>
+                                      </p:tavLst>
+                                    </p:anim>
+                                    <p:set>
+                                      <p:cBhvr>
+                                        <p:cTn id="26" dur="1" fill="hold">
+                                          <p:stCondLst>
+                                            <p:cond delay="499"/>
+                                          </p:stCondLst>
+                                        </p:cTn>
+                                        <p:tgtEl>
+                                          <p:spTgt spid="12"/>
+                                        </p:tgtEl>
+                                        <p:attrNameLst>
+                                          <p:attrName>style.visibility</p:attrName>
+                                        </p:attrNameLst>
+                                      </p:cBhvr>
+                                      <p:to>
+                                        <p:strVal val="hidden"/>
+                                      </p:to>
+                                    </p:set>
+                                  </p:childTnLst>
+                                </p:cTn>
+                              </p:par>
+                              <p:par>
+                                <p:cTn id="27" presetID="2" presetClass="entr" presetSubtype="1" fill="hold" grpId="0" nodeType="withEffect">
+                                  <p:stCondLst>
+                                    <p:cond delay="0"/>
+                                  </p:stCondLst>
+                                  <p:childTnLst>
+                                    <p:set>
+                                      <p:cBhvr>
+                                        <p:cTn id="28" dur="1" fill="hold">
+                                          <p:stCondLst>
+                                            <p:cond delay="0"/>
+                                          </p:stCondLst>
+                                        </p:cTn>
+                                        <p:tgtEl>
+                                          <p:spTgt spid="11"/>
+                                        </p:tgtEl>
+                                        <p:attrNameLst>
+                                          <p:attrName>style.visibility</p:attrName>
+                                        </p:attrNameLst>
+                                      </p:cBhvr>
+                                      <p:to>
+                                        <p:strVal val="visible"/>
+                                      </p:to>
+                                    </p:set>
+                                    <p:anim calcmode="lin" valueType="num">
+                                      <p:cBhvr additive="base">
+                                        <p:cTn id="29" dur="500" fill="hold"/>
+                                        <p:tgtEl>
+                                          <p:spTgt spid="11"/>
+                                        </p:tgtEl>
+                                        <p:attrNameLst>
+                                          <p:attrName>ppt_x</p:attrName>
+                                        </p:attrNameLst>
+                                      </p:cBhvr>
+                                      <p:tavLst>
+                                        <p:tav tm="0">
+                                          <p:val>
+                                            <p:strVal val="#ppt_x"/>
+                                          </p:val>
+                                        </p:tav>
+                                        <p:tav tm="100000">
+                                          <p:val>
+                                            <p:strVal val="#ppt_x"/>
+                                          </p:val>
+                                        </p:tav>
+                                      </p:tavLst>
+                                    </p:anim>
+                                    <p:anim calcmode="lin" valueType="num">
+                                      <p:cBhvr additive="base">
+                                        <p:cTn id="30" dur="500" fill="hold"/>
+                                        <p:tgtEl>
+                                          <p:spTgt spid="11"/>
+                                        </p:tgtEl>
+                                        <p:attrNameLst>
+                                          <p:attrName>ppt_y</p:attrName>
+                                        </p:attrNameLst>
+                                      </p:cBhvr>
+                                      <p:tavLst>
+                                        <p:tav tm="0">
+                                          <p:val>
+                                            <p:strVal val="0-#ppt_h/2"/>
+                                          </p:val>
+                                        </p:tav>
+                                        <p:tav tm="100000">
+                                          <p:val>
+                                            <p:strVal val="#ppt_y"/>
+                                          </p:val>
+                                        </p:tav>
+                                      </p:tavLst>
+                                    </p:anim>
+                                  </p:childTnLst>
+                                </p:cTn>
+                              </p:par>
+                              <p:par>
+                                <p:cTn id="31" presetID="1" presetClass="entr" presetSubtype="0" fill="hold" grpId="0" nodeType="withEffect">
+                                  <p:stCondLst>
+                                    <p:cond delay="0"/>
+                                  </p:stCondLst>
+                                  <p:childTnLst>
+                                    <p:set>
+                                      <p:cBhvr>
+                                        <p:cTn id="32" dur="1" fill="hold">
+                                          <p:stCondLst>
+                                            <p:cond delay="0"/>
+                                          </p:stCondLst>
+                                        </p:cTn>
+                                        <p:tgtEl>
+                                          <p:spTgt spid="7"/>
+                                        </p:tgtEl>
+                                        <p:attrNameLst>
+                                          <p:attrName>style.visibility</p:attrName>
+                                        </p:attrNameLst>
+                                      </p:cBhvr>
+                                      <p:to>
+                                        <p:strVal val="visible"/>
+                                      </p:to>
+                                    </p:set>
+                                  </p:childTnLst>
+                                </p:cTn>
+                              </p:par>
+                            </p:childTnLst>
+                          </p:cTn>
+                        </p:par>
+                      </p:childTnLst>
+                    </p:cTn>
+                  </p:par>
+                  <p:par>
+                    <p:cTn id="33" fill="hold">
+                      <p:stCondLst>
+                        <p:cond delay="indefinite"/>
+                      </p:stCondLst>
+                      <p:childTnLst>
+                        <p:par>
+                          <p:cTn id="34" fill="hold">
+                            <p:stCondLst>
+                              <p:cond delay="0"/>
+                            </p:stCondLst>
+                            <p:childTnLst>
+                              <p:par>
+                                <p:cTn id="35" presetID="2" presetClass="exit" presetSubtype="4" fill="hold" grpId="1" nodeType="clickEffect">
+                                  <p:stCondLst>
+                                    <p:cond delay="0"/>
+                                  </p:stCondLst>
+                                  <p:childTnLst>
+                                    <p:anim calcmode="lin" valueType="num">
+                                      <p:cBhvr additive="base">
+                                        <p:cTn id="36" dur="500"/>
+                                        <p:tgtEl>
+                                          <p:spTgt spid="11"/>
+                                        </p:tgtEl>
+                                        <p:attrNameLst>
+                                          <p:attrName>ppt_x</p:attrName>
+                                        </p:attrNameLst>
+                                      </p:cBhvr>
+                                      <p:tavLst>
+                                        <p:tav tm="0">
+                                          <p:val>
+                                            <p:strVal val="ppt_x"/>
+                                          </p:val>
+                                        </p:tav>
+                                        <p:tav tm="100000">
+                                          <p:val>
+                                            <p:strVal val="ppt_x"/>
+                                          </p:val>
+                                        </p:tav>
+                                      </p:tavLst>
+                                    </p:anim>
+                                    <p:anim calcmode="lin" valueType="num">
+                                      <p:cBhvr additive="base">
+                                        <p:cTn id="37" dur="500"/>
+                                        <p:tgtEl>
+                                          <p:spTgt spid="11"/>
+                                        </p:tgtEl>
+                                        <p:attrNameLst>
+                                          <p:attrName>ppt_y</p:attrName>
+                                        </p:attrNameLst>
+                                      </p:cBhvr>
+                                      <p:tavLst>
+                                        <p:tav tm="0">
+                                          <p:val>
+                                            <p:strVal val="ppt_y"/>
+                                          </p:val>
+                                        </p:tav>
+                                        <p:tav tm="100000">
+                                          <p:val>
+                                            <p:strVal val="1+ppt_h/2"/>
+                                          </p:val>
+                                        </p:tav>
+                                      </p:tavLst>
+                                    </p:anim>
+                                    <p:set>
+                                      <p:cBhvr>
+                                        <p:cTn id="38" dur="1" fill="hold">
+                                          <p:stCondLst>
+                                            <p:cond delay="499"/>
+                                          </p:stCondLst>
+                                        </p:cTn>
+                                        <p:tgtEl>
+                                          <p:spTgt spid="11"/>
+                                        </p:tgtEl>
+                                        <p:attrNameLst>
+                                          <p:attrName>style.visibility</p:attrName>
+                                        </p:attrNameLst>
+                                      </p:cBhvr>
+                                      <p:to>
+                                        <p:strVal val="hidden"/>
+                                      </p:to>
+                                    </p:set>
+                                  </p:childTnLst>
+                                </p:cTn>
+                              </p:par>
+                              <p:par>
+                                <p:cTn id="39" presetID="2" presetClass="entr" presetSubtype="1" fill="hold" grpId="0" nodeType="withEffect">
+                                  <p:stCondLst>
+                                    <p:cond delay="0"/>
+                                  </p:stCondLst>
+                                  <p:childTnLst>
+                                    <p:set>
+                                      <p:cBhvr>
+                                        <p:cTn id="40" dur="1" fill="hold">
+                                          <p:stCondLst>
+                                            <p:cond delay="0"/>
+                                          </p:stCondLst>
+                                        </p:cTn>
+                                        <p:tgtEl>
+                                          <p:spTgt spid="13"/>
+                                        </p:tgtEl>
+                                        <p:attrNameLst>
+                                          <p:attrName>style.visibility</p:attrName>
+                                        </p:attrNameLst>
+                                      </p:cBhvr>
+                                      <p:to>
+                                        <p:strVal val="visible"/>
+                                      </p:to>
+                                    </p:set>
+                                    <p:anim calcmode="lin" valueType="num">
+                                      <p:cBhvr additive="base">
+                                        <p:cTn id="41" dur="500" fill="hold"/>
+                                        <p:tgtEl>
+                                          <p:spTgt spid="13"/>
+                                        </p:tgtEl>
+                                        <p:attrNameLst>
+                                          <p:attrName>ppt_x</p:attrName>
+                                        </p:attrNameLst>
+                                      </p:cBhvr>
+                                      <p:tavLst>
+                                        <p:tav tm="0">
+                                          <p:val>
+                                            <p:strVal val="#ppt_x"/>
+                                          </p:val>
+                                        </p:tav>
+                                        <p:tav tm="100000">
+                                          <p:val>
+                                            <p:strVal val="#ppt_x"/>
+                                          </p:val>
+                                        </p:tav>
+                                      </p:tavLst>
+                                    </p:anim>
+                                    <p:anim calcmode="lin" valueType="num">
+                                      <p:cBhvr additive="base">
+                                        <p:cTn id="42" dur="500" fill="hold"/>
+                                        <p:tgtEl>
+                                          <p:spTgt spid="13"/>
+                                        </p:tgtEl>
+                                        <p:attrNameLst>
+                                          <p:attrName>ppt_y</p:attrName>
+                                        </p:attrNameLst>
+                                      </p:cBhvr>
+                                      <p:tavLst>
+                                        <p:tav tm="0">
+                                          <p:val>
+                                            <p:strVal val="0-#ppt_h/2"/>
+                                          </p:val>
+                                        </p:tav>
+                                        <p:tav tm="100000">
+                                          <p:val>
+                                            <p:strVal val="#ppt_y"/>
+                                          </p:val>
+                                        </p:tav>
+                                      </p:tavLst>
+                                    </p:anim>
+                                  </p:childTnLst>
+                                </p:cTn>
+                              </p:par>
+                              <p:par>
+                                <p:cTn id="43" presetID="1" presetClass="entr" presetSubtype="0" fill="hold" grpId="0" nodeType="withEffect">
+                                  <p:stCondLst>
+                                    <p:cond delay="0"/>
+                                  </p:stCondLst>
+                                  <p:childTnLst>
+                                    <p:set>
+                                      <p:cBhvr>
+                                        <p:cTn id="44" dur="1" fill="hold">
+                                          <p:stCondLst>
+                                            <p:cond delay="0"/>
+                                          </p:stCondLst>
+                                        </p:cTn>
+                                        <p:tgtEl>
+                                          <p:spTgt spid="8"/>
+                                        </p:tgtEl>
+                                        <p:attrNameLst>
+                                          <p:attrName>style.visibility</p:attrName>
+                                        </p:attrNameLst>
+                                      </p:cBhvr>
+                                      <p:to>
+                                        <p:strVal val="visible"/>
+                                      </p:to>
+                                    </p:set>
+                                  </p:childTnLst>
+                                </p:cTn>
+                              </p:par>
+                            </p:childTnLst>
+                          </p:cTn>
+                        </p:par>
+                      </p:childTnLst>
+                    </p:cTn>
+                  </p:par>
+                </p:childTnLst>
+              </p:cTn>
+              <p:prevCondLst>
+                <p:cond evt="onPrev" delay="0">
+                  <p:tgtEl>
+                    <p:sldTgt/>
+                  </p:tgtEl>
+                </p:cond>
+              </p:prevCondLst>
+              <p:nextCondLst>
+                <p:cond evt="onNext" delay="0">
+                  <p:tgtEl>
+                    <p:sldTgt/>
+                  </p:tgtEl>
+                </p:cond>
+              </p:nextCondLst>
+            </p:seq>
+          </p:childTnLst>
+        </p:cTn>
+      </p:par>
+    </p:tnLst>
+    <p:bldLst>
+      <p:bldP spid="7" grpId="0" animBg="1"/>
+      <p:bldP spid="8" grpId="0" animBg="1"/>
+      <p:bldP spid="9" grpId="0" animBg="1"/>
+      <p:bldP spid="10" grpId="0"/>
+      <p:bldP spid="10" grpId="1"/>
+      <p:bldP spid="11" grpId="0"/>
+      <p:bldP spid="11" grpId="1"/>
+      <p:bldP spid="12" grpId="0"/>
+      <p:bldP spid="12" grpId="1"/>
+      <p:bldP spid="13" grpId="0"/>
+    </p:bldLst>
+  </p:timing>
+</p:sld>
+</file>
+
+<file path=ppt/slides/slide4.xml><?xml version="1.0" encoding="utf-8"?>
+<p:sld xmlns:a="http://schemas.openxmlformats.org/drawingml/2006/main" xmlns:r="http://schemas.openxmlformats.org/officeDocument/2006/relationships" xmlns:p="http://schemas.openxmlformats.org/presentationml/2006/main">
+  <p:cSld>
+    <p:spTree>
+      <p:nvGrpSpPr>
+        <p:cNvPr id="1" name=""/>
+        <p:cNvGrpSpPr/>
+        <p:nvPr/>
+      </p:nvGrpSpPr>
+      <p:grpSpPr>
+        <a:xfrm>
+          <a:off x="0" y="0"/>
+          <a:ext cx="0" cy="0"/>
+          <a:chOff x="0" y="0"/>
+          <a:chExt cx="0" cy="0"/>
+        </a:xfrm>
+      </p:grpSpPr>
+      <p:sp>
+        <p:nvSpPr>
+          <p:cNvPr id="22" name="Oval 21"/>
+          <p:cNvSpPr/>
+          <p:nvPr/>
+        </p:nvSpPr>
+        <p:spPr>
+          <a:xfrm>
+            <a:off x="5155510" y="3176563"/>
+            <a:ext cx="3610919" cy="3610919"/>
+          </a:xfrm>
+          <a:prstGeom prst="ellipse">
+            <a:avLst/>
+          </a:prstGeom>
+          <a:solidFill>
+            <a:srgbClr val="FAAC15"/>
+          </a:solidFill>
+          <a:ln>
+            <a:solidFill>
+              <a:srgbClr val="FAAC15"/>
+            </a:solidFill>
+          </a:ln>
+          <a:effectLst/>
+        </p:spPr>
+        <p:style>
+          <a:lnRef idx="1">
+            <a:schemeClr val="accent1"/>
+          </a:lnRef>
+          <a:fillRef idx="3">
+            <a:schemeClr val="accent1"/>
+          </a:fillRef>
+          <a:effectRef idx="2">
+            <a:schemeClr val="accent1"/>
+          </a:effectRef>
+          <a:fontRef idx="minor">
+            <a:schemeClr val="lt1"/>
+          </a:fontRef>
+        </p:style>
+        <p:txBody>
+          <a:bodyPr rtlCol="0" anchor="ctr"/>
+          <a:lstStyle/>
+          <a:p>
+            <a:pPr algn="ctr"/>
+            <a:endParaRPr lang="en-US"/>
+          </a:p>
+        </p:txBody>
+      </p:sp>
+      <p:sp>
+        <p:nvSpPr>
+          <p:cNvPr id="4" name="TextBox 3"/>
+          <p:cNvSpPr txBox="1"/>
+          <p:nvPr/>
+        </p:nvSpPr>
+        <p:spPr>
+          <a:xfrm>
+            <a:off x="3487351" y="1016004"/>
+            <a:ext cx="1698151" cy="369332"/>
+          </a:xfrm>
+          <a:prstGeom prst="rect">
+            <a:avLst/>
+          </a:prstGeom>
+          <a:noFill/>
+        </p:spPr>
+        <p:txBody>
+          <a:bodyPr wrap="none" rtlCol="0">
+            <a:spAutoFit/>
+          </a:bodyPr>
+          <a:lstStyle/>
+          <a:p>
+            <a:r>
+              <a:rPr lang="en-US" dirty="0" err="1">
+                <a:latin typeface=""/>
+              </a:rPr>
+              <a:t>g</a:t>
+            </a:r>
+            <a:r>
+              <a:rPr lang="en-US" dirty="0" err="1" smtClean="0">
+                <a:latin typeface=""/>
+              </a:rPr>
+              <a:t>it</a:t>
+            </a:r>
+            <a:r>
+              <a:rPr lang="en-US" dirty="0" smtClean="0">
+                <a:latin typeface=""/>
+              </a:rPr>
+              <a:t> </a:t>
+            </a:r>
+            <a:r>
+              <a:rPr lang="en-US" b="1" dirty="0" smtClean="0">
+                <a:solidFill>
+                  <a:srgbClr val="E40078"/>
+                </a:solidFill>
+                <a:latin typeface=""/>
+              </a:rPr>
+              <a:t>add</a:t>
+            </a:r>
+            <a:r>
+              <a:rPr lang="en-US" dirty="0" smtClean="0">
+                <a:solidFill>
+                  <a:srgbClr val="E40078"/>
+                </a:solidFill>
+                <a:latin typeface=""/>
+              </a:rPr>
+              <a:t> </a:t>
+            </a:r>
+            <a:r>
+              <a:rPr lang="en-US" dirty="0" smtClean="0">
+                <a:latin typeface=""/>
+              </a:rPr>
+              <a:t>“File A”</a:t>
+            </a:r>
+            <a:endParaRPr lang="en-US" dirty="0">
+              <a:latin typeface=""/>
+            </a:endParaRPr>
+          </a:p>
+        </p:txBody>
+      </p:sp>
+      <p:sp>
+        <p:nvSpPr>
+          <p:cNvPr id="5" name="TextBox 4"/>
+          <p:cNvSpPr txBox="1"/>
+          <p:nvPr/>
+        </p:nvSpPr>
+        <p:spPr>
+          <a:xfrm>
+            <a:off x="3487351" y="2281200"/>
+            <a:ext cx="4623344" cy="369332"/>
+          </a:xfrm>
+          <a:prstGeom prst="rect">
+            <a:avLst/>
+          </a:prstGeom>
+          <a:noFill/>
+        </p:spPr>
+        <p:txBody>
+          <a:bodyPr wrap="none" rtlCol="0">
+            <a:spAutoFit/>
+          </a:bodyPr>
+          <a:lstStyle/>
+          <a:p>
+            <a:r>
+              <a:rPr lang="en-US" dirty="0" err="1">
+                <a:latin typeface=""/>
+              </a:rPr>
+              <a:t>g</a:t>
+            </a:r>
+            <a:r>
+              <a:rPr lang="en-US" dirty="0" err="1" smtClean="0">
+                <a:latin typeface=""/>
+              </a:rPr>
+              <a:t>it</a:t>
+            </a:r>
+            <a:r>
+              <a:rPr lang="en-US" dirty="0" smtClean="0">
+                <a:latin typeface=""/>
+              </a:rPr>
+              <a:t> </a:t>
+            </a:r>
+            <a:r>
+              <a:rPr lang="en-US" b="1" dirty="0" smtClean="0">
+                <a:solidFill>
+                  <a:srgbClr val="E40078"/>
+                </a:solidFill>
+                <a:latin typeface=""/>
+              </a:rPr>
+              <a:t>commit</a:t>
+            </a:r>
+            <a:r>
+              <a:rPr lang="en-US" dirty="0" smtClean="0">
+                <a:latin typeface=""/>
+              </a:rPr>
+              <a:t> </a:t>
+            </a:r>
+            <a:r>
+              <a:rPr lang="en-US" dirty="0" smtClean="0">
+                <a:latin typeface=""/>
+              </a:rPr>
+              <a:t>–m “</a:t>
+            </a:r>
+            <a:r>
+              <a:rPr lang="en-US" dirty="0" smtClean="0">
+                <a:latin typeface=""/>
+              </a:rPr>
+              <a:t>New features for project A ”</a:t>
+            </a:r>
+            <a:endParaRPr lang="en-US" dirty="0">
+              <a:latin typeface=""/>
+            </a:endParaRPr>
+          </a:p>
+        </p:txBody>
+      </p:sp>
+      <p:sp>
+        <p:nvSpPr>
+          <p:cNvPr id="6" name="TextBox 5"/>
+          <p:cNvSpPr txBox="1"/>
+          <p:nvPr/>
+        </p:nvSpPr>
+        <p:spPr>
+          <a:xfrm>
+            <a:off x="3571102" y="3564242"/>
+            <a:ext cx="902861" cy="369332"/>
+          </a:xfrm>
+          <a:prstGeom prst="rect">
+            <a:avLst/>
+          </a:prstGeom>
+          <a:noFill/>
+        </p:spPr>
+        <p:txBody>
+          <a:bodyPr wrap="none" rtlCol="0">
+            <a:spAutoFit/>
+          </a:bodyPr>
+          <a:lstStyle/>
+          <a:p>
+            <a:r>
+              <a:rPr lang="en-US" dirty="0" err="1">
+                <a:latin typeface=""/>
+              </a:rPr>
+              <a:t>g</a:t>
+            </a:r>
+            <a:r>
+              <a:rPr lang="en-US" dirty="0" err="1" smtClean="0">
+                <a:latin typeface=""/>
+              </a:rPr>
+              <a:t>it</a:t>
+            </a:r>
+            <a:r>
+              <a:rPr lang="en-US" dirty="0" smtClean="0">
+                <a:latin typeface=""/>
+              </a:rPr>
+              <a:t> </a:t>
+            </a:r>
+            <a:r>
+              <a:rPr lang="en-US" b="1" dirty="0" smtClean="0">
+                <a:solidFill>
+                  <a:srgbClr val="E40078"/>
+                </a:solidFill>
+                <a:latin typeface=""/>
+              </a:rPr>
+              <a:t>pull</a:t>
+            </a:r>
+            <a:endParaRPr lang="en-US" b="1" dirty="0">
+              <a:solidFill>
+                <a:srgbClr val="E40078"/>
+              </a:solidFill>
+              <a:latin typeface=""/>
+            </a:endParaRPr>
+          </a:p>
+        </p:txBody>
+      </p:sp>
+      <p:sp>
+        <p:nvSpPr>
+          <p:cNvPr id="7" name="TextBox 6"/>
+          <p:cNvSpPr txBox="1"/>
+          <p:nvPr/>
+        </p:nvSpPr>
+        <p:spPr>
+          <a:xfrm>
+            <a:off x="3571102" y="4986642"/>
+            <a:ext cx="1043976" cy="369332"/>
+          </a:xfrm>
+          <a:prstGeom prst="rect">
+            <a:avLst/>
+          </a:prstGeom>
+          <a:noFill/>
+        </p:spPr>
+        <p:txBody>
+          <a:bodyPr wrap="none" rtlCol="0">
+            <a:spAutoFit/>
+          </a:bodyPr>
+          <a:lstStyle/>
+          <a:p>
+            <a:r>
+              <a:rPr lang="en-US" dirty="0" err="1">
+                <a:latin typeface=""/>
+              </a:rPr>
+              <a:t>g</a:t>
+            </a:r>
+            <a:r>
+              <a:rPr lang="en-US" dirty="0" err="1" smtClean="0">
+                <a:latin typeface=""/>
+              </a:rPr>
+              <a:t>it</a:t>
+            </a:r>
+            <a:r>
+              <a:rPr lang="en-US" dirty="0" smtClean="0">
+                <a:latin typeface=""/>
+              </a:rPr>
+              <a:t> </a:t>
+            </a:r>
+            <a:r>
+              <a:rPr lang="en-US" b="1" dirty="0" smtClean="0">
+                <a:solidFill>
+                  <a:srgbClr val="E40078"/>
+                </a:solidFill>
+                <a:latin typeface=""/>
+              </a:rPr>
+              <a:t>push</a:t>
+            </a:r>
+            <a:endParaRPr lang="en-US" b="1" dirty="0">
+              <a:solidFill>
+                <a:srgbClr val="E40078"/>
+              </a:solidFill>
+              <a:latin typeface=""/>
+            </a:endParaRPr>
+          </a:p>
+        </p:txBody>
+      </p:sp>
+      <p:pic>
+        <p:nvPicPr>
+          <p:cNvPr id="8" name="Picture 7"/>
+          <p:cNvPicPr>
+            <a:picLocks noChangeAspect="1"/>
+          </p:cNvPicPr>
+          <p:nvPr/>
+        </p:nvPicPr>
+        <p:blipFill>
+          <a:blip r:embed="rId2"/>
+          <a:stretch>
+            <a:fillRect/>
+          </a:stretch>
+        </p:blipFill>
+        <p:spPr>
+          <a:xfrm>
+            <a:off x="925666" y="796580"/>
+            <a:ext cx="612437" cy="819458"/>
+          </a:xfrm>
+          <a:prstGeom prst="rect">
+            <a:avLst/>
+          </a:prstGeom>
+        </p:spPr>
+      </p:pic>
+      <p:sp>
+        <p:nvSpPr>
+          <p:cNvPr id="9" name="Rectangle 8"/>
+          <p:cNvSpPr/>
+          <p:nvPr/>
+        </p:nvSpPr>
+        <p:spPr>
+          <a:xfrm>
+            <a:off x="1694691" y="745120"/>
+            <a:ext cx="681656" cy="896501"/>
+          </a:xfrm>
+          <a:prstGeom prst="rect">
+            <a:avLst/>
+          </a:prstGeom>
+          <a:solidFill>
+            <a:srgbClr val="1882C8"/>
+          </a:solidFill>
+          <a:ln w="57150" cmpd="sng">
+            <a:solidFill>
+              <a:srgbClr val="1882C8"/>
+            </a:solidFill>
+            <a:miter lim="800000"/>
+          </a:ln>
+          <a:effectLst/>
+        </p:spPr>
+        <p:style>
+          <a:lnRef idx="1">
+            <a:schemeClr val="accent1"/>
+          </a:lnRef>
+          <a:fillRef idx="3">
+            <a:schemeClr val="accent1"/>
+          </a:fillRef>
+          <a:effectRef idx="2">
+            <a:schemeClr val="accent1"/>
+          </a:effectRef>
+          <a:fontRef idx="minor">
+            <a:schemeClr val="lt1"/>
+          </a:fontRef>
+        </p:style>
+        <p:txBody>
+          <a:bodyPr rtlCol="0" anchor="ctr"/>
+          <a:lstStyle/>
+          <a:p>
+            <a:pPr algn="ctr"/>
+            <a:r>
+              <a:rPr lang="en-US" dirty="0" smtClean="0">
+                <a:solidFill>
+                  <a:schemeClr val="bg1"/>
+                </a:solidFill>
+                <a:latin typeface="Lato Black"/>
+                <a:cs typeface="Lato Black"/>
+              </a:rPr>
+              <a:t>File </a:t>
+            </a:r>
+            <a:r>
+              <a:rPr lang="en-US" dirty="0" smtClean="0">
+                <a:solidFill>
+                  <a:schemeClr val="bg1"/>
+                </a:solidFill>
+                <a:latin typeface="Lato Black"/>
+                <a:cs typeface="Lato Black"/>
+              </a:rPr>
+              <a:t>A</a:t>
+            </a:r>
+            <a:endParaRPr lang="en-US" dirty="0">
+              <a:solidFill>
+                <a:schemeClr val="bg1"/>
+              </a:solidFill>
+              <a:latin typeface="Lato Black"/>
+              <a:cs typeface="Lato Black"/>
+            </a:endParaRPr>
+          </a:p>
+        </p:txBody>
+      </p:sp>
+      <p:sp>
+        <p:nvSpPr>
+          <p:cNvPr id="10" name="Rectangle 9"/>
+          <p:cNvSpPr/>
+          <p:nvPr/>
+        </p:nvSpPr>
+        <p:spPr>
+          <a:xfrm>
+            <a:off x="2528747" y="752438"/>
+            <a:ext cx="681656" cy="896501"/>
+          </a:xfrm>
+          <a:prstGeom prst="rect">
+            <a:avLst/>
+          </a:prstGeom>
+          <a:solidFill>
+            <a:srgbClr val="1882C8"/>
+          </a:solidFill>
+          <a:ln w="57150" cmpd="sng">
+            <a:solidFill>
+              <a:srgbClr val="1882C8"/>
+            </a:solidFill>
+            <a:miter lim="800000"/>
+          </a:ln>
+          <a:effectLst/>
+        </p:spPr>
+        <p:style>
+          <a:lnRef idx="1">
+            <a:schemeClr val="accent1"/>
+          </a:lnRef>
+          <a:fillRef idx="3">
+            <a:schemeClr val="accent1"/>
+          </a:fillRef>
+          <a:effectRef idx="2">
+            <a:schemeClr val="accent1"/>
+          </a:effectRef>
+          <a:fontRef idx="minor">
+            <a:schemeClr val="lt1"/>
+          </a:fontRef>
+        </p:style>
+        <p:txBody>
+          <a:bodyPr rtlCol="0" anchor="ctr"/>
+          <a:lstStyle/>
+          <a:p>
+            <a:pPr algn="ctr"/>
+            <a:r>
+              <a:rPr lang="en-US" dirty="0" smtClean="0">
+                <a:solidFill>
+                  <a:schemeClr val="bg1"/>
+                </a:solidFill>
+                <a:latin typeface="Lato Black"/>
+                <a:cs typeface="Lato Black"/>
+              </a:rPr>
+              <a:t>File B</a:t>
+            </a:r>
+            <a:endParaRPr lang="en-US" dirty="0">
+              <a:solidFill>
+                <a:schemeClr val="bg1"/>
+              </a:solidFill>
+              <a:latin typeface="Lato Black"/>
+              <a:cs typeface="Lato Black"/>
+            </a:endParaRPr>
+          </a:p>
+        </p:txBody>
+      </p:sp>
+      <p:pic>
+        <p:nvPicPr>
+          <p:cNvPr id="11" name="Picture 10"/>
+          <p:cNvPicPr>
+            <a:picLocks noChangeAspect="1"/>
+          </p:cNvPicPr>
+          <p:nvPr/>
+        </p:nvPicPr>
+        <p:blipFill>
+          <a:blip r:embed="rId2"/>
+          <a:stretch>
+            <a:fillRect/>
+          </a:stretch>
+        </p:blipFill>
+        <p:spPr>
+          <a:xfrm>
+            <a:off x="925666" y="2095412"/>
+            <a:ext cx="612437" cy="819458"/>
+          </a:xfrm>
+          <a:prstGeom prst="rect">
+            <a:avLst/>
+          </a:prstGeom>
+        </p:spPr>
+      </p:pic>
+      <p:sp>
+        <p:nvSpPr>
+          <p:cNvPr id="12" name="Rectangle 11"/>
+          <p:cNvSpPr/>
+          <p:nvPr/>
+        </p:nvSpPr>
+        <p:spPr>
+          <a:xfrm>
+            <a:off x="1694691" y="2043952"/>
+            <a:ext cx="681656" cy="896501"/>
+          </a:xfrm>
+          <a:prstGeom prst="rect">
+            <a:avLst/>
+          </a:prstGeom>
+          <a:solidFill>
+            <a:srgbClr val="1882C8"/>
+          </a:solidFill>
+          <a:ln w="57150" cmpd="sng">
+            <a:solidFill>
+              <a:srgbClr val="FF0000"/>
+            </a:solidFill>
+            <a:miter lim="800000"/>
+          </a:ln>
+          <a:effectLst/>
+        </p:spPr>
+        <p:style>
+          <a:lnRef idx="1">
+            <a:schemeClr val="accent1"/>
+          </a:lnRef>
+          <a:fillRef idx="3">
+            <a:schemeClr val="accent1"/>
+          </a:fillRef>
+          <a:effectRef idx="2">
+            <a:schemeClr val="accent1"/>
+          </a:effectRef>
+          <a:fontRef idx="minor">
+            <a:schemeClr val="lt1"/>
+          </a:fontRef>
+        </p:style>
+        <p:txBody>
+          <a:bodyPr rtlCol="0" anchor="ctr"/>
+          <a:lstStyle/>
+          <a:p>
+            <a:pPr algn="ctr"/>
+            <a:r>
+              <a:rPr lang="en-US" dirty="0" smtClean="0">
+                <a:solidFill>
+                  <a:schemeClr val="bg1"/>
+                </a:solidFill>
+                <a:latin typeface="Lato Black"/>
+                <a:cs typeface="Lato Black"/>
+              </a:rPr>
+              <a:t>File A</a:t>
+            </a:r>
+            <a:endParaRPr lang="en-US" dirty="0">
+              <a:solidFill>
+                <a:schemeClr val="bg1"/>
+              </a:solidFill>
+              <a:latin typeface="Lato Black"/>
+              <a:cs typeface="Lato Black"/>
+            </a:endParaRPr>
+          </a:p>
+        </p:txBody>
+      </p:sp>
+      <p:sp>
+        <p:nvSpPr>
+          <p:cNvPr id="13" name="Rectangle 12"/>
+          <p:cNvSpPr/>
+          <p:nvPr/>
+        </p:nvSpPr>
+        <p:spPr>
+          <a:xfrm>
+            <a:off x="2528747" y="2051270"/>
+            <a:ext cx="681656" cy="896501"/>
+          </a:xfrm>
+          <a:prstGeom prst="rect">
+            <a:avLst/>
+          </a:prstGeom>
+          <a:solidFill>
+            <a:srgbClr val="1882C8"/>
+          </a:solidFill>
+          <a:ln w="57150" cmpd="sng">
+            <a:solidFill>
+              <a:srgbClr val="1882C8"/>
+            </a:solidFill>
+            <a:miter lim="800000"/>
+          </a:ln>
+          <a:effectLst/>
+        </p:spPr>
+        <p:style>
+          <a:lnRef idx="1">
+            <a:schemeClr val="accent1"/>
+          </a:lnRef>
+          <a:fillRef idx="3">
+            <a:schemeClr val="accent1"/>
+          </a:fillRef>
+          <a:effectRef idx="2">
+            <a:schemeClr val="accent1"/>
+          </a:effectRef>
+          <a:fontRef idx="minor">
+            <a:schemeClr val="lt1"/>
+          </a:fontRef>
+        </p:style>
+        <p:txBody>
+          <a:bodyPr rtlCol="0" anchor="ctr"/>
+          <a:lstStyle/>
+          <a:p>
+            <a:pPr algn="ctr"/>
+            <a:r>
+              <a:rPr lang="en-US" dirty="0" smtClean="0">
+                <a:solidFill>
+                  <a:schemeClr val="bg1"/>
+                </a:solidFill>
+                <a:latin typeface="Lato Black"/>
+                <a:cs typeface="Lato Black"/>
+              </a:rPr>
+              <a:t>File B</a:t>
+            </a:r>
+            <a:endParaRPr lang="en-US" dirty="0">
+              <a:solidFill>
+                <a:schemeClr val="bg1"/>
+              </a:solidFill>
+              <a:latin typeface="Lato Black"/>
+              <a:cs typeface="Lato Black"/>
+            </a:endParaRPr>
+          </a:p>
+        </p:txBody>
+      </p:sp>
+      <p:pic>
+        <p:nvPicPr>
+          <p:cNvPr id="14" name="Picture 13"/>
+          <p:cNvPicPr>
+            <a:picLocks noChangeAspect="1"/>
+          </p:cNvPicPr>
+          <p:nvPr/>
+        </p:nvPicPr>
+        <p:blipFill>
+          <a:blip r:embed="rId3"/>
+          <a:stretch>
+            <a:fillRect/>
+          </a:stretch>
+        </p:blipFill>
+        <p:spPr>
+          <a:xfrm>
+            <a:off x="2444731" y="3316148"/>
+            <a:ext cx="906696" cy="813925"/>
+          </a:xfrm>
+          <a:prstGeom prst="rect">
+            <a:avLst/>
+          </a:prstGeom>
+        </p:spPr>
+      </p:pic>
+      <p:pic>
+        <p:nvPicPr>
+          <p:cNvPr id="15" name="Picture 14"/>
+          <p:cNvPicPr>
+            <a:picLocks noChangeAspect="1"/>
+          </p:cNvPicPr>
+          <p:nvPr/>
+        </p:nvPicPr>
+        <p:blipFill>
+          <a:blip r:embed="rId2"/>
+          <a:stretch>
+            <a:fillRect/>
+          </a:stretch>
+        </p:blipFill>
+        <p:spPr>
+          <a:xfrm>
+            <a:off x="925666" y="3316148"/>
+            <a:ext cx="612437" cy="819458"/>
+          </a:xfrm>
+          <a:prstGeom prst="rect">
+            <a:avLst/>
+          </a:prstGeom>
+        </p:spPr>
+      </p:pic>
+      <p:pic>
+        <p:nvPicPr>
+          <p:cNvPr id="16" name="Picture 15"/>
+          <p:cNvPicPr>
+            <a:picLocks noChangeAspect="1"/>
+          </p:cNvPicPr>
+          <p:nvPr/>
+        </p:nvPicPr>
+        <p:blipFill>
+          <a:blip r:embed="rId4"/>
+          <a:stretch>
+            <a:fillRect/>
+          </a:stretch>
+        </p:blipFill>
+        <p:spPr>
+          <a:xfrm>
+            <a:off x="1929026" y="3961034"/>
+            <a:ext cx="324937" cy="472292"/>
+          </a:xfrm>
+          <a:prstGeom prst="rect">
+            <a:avLst/>
+          </a:prstGeom>
+        </p:spPr>
+      </p:pic>
+      <p:pic>
+        <p:nvPicPr>
+          <p:cNvPr id="17" name="Picture 16"/>
+          <p:cNvPicPr>
+            <a:picLocks noChangeAspect="1"/>
+          </p:cNvPicPr>
+          <p:nvPr/>
+        </p:nvPicPr>
+        <p:blipFill>
+          <a:blip r:embed="rId3"/>
+          <a:stretch>
+            <a:fillRect/>
+          </a:stretch>
+        </p:blipFill>
+        <p:spPr>
+          <a:xfrm>
+            <a:off x="2444731" y="4752278"/>
+            <a:ext cx="906696" cy="813925"/>
+          </a:xfrm>
+          <a:prstGeom prst="rect">
+            <a:avLst/>
+          </a:prstGeom>
+        </p:spPr>
+      </p:pic>
+      <p:pic>
+        <p:nvPicPr>
+          <p:cNvPr id="18" name="Picture 17"/>
+          <p:cNvPicPr>
+            <a:picLocks noChangeAspect="1"/>
+          </p:cNvPicPr>
+          <p:nvPr/>
+        </p:nvPicPr>
+        <p:blipFill>
+          <a:blip r:embed="rId2"/>
+          <a:stretch>
+            <a:fillRect/>
+          </a:stretch>
+        </p:blipFill>
+        <p:spPr>
+          <a:xfrm>
+            <a:off x="925666" y="4752278"/>
+            <a:ext cx="612437" cy="819458"/>
+          </a:xfrm>
+          <a:prstGeom prst="rect">
+            <a:avLst/>
+          </a:prstGeom>
+        </p:spPr>
+      </p:pic>
+      <p:cxnSp>
+        <p:nvCxnSpPr>
+          <p:cNvPr id="19" name="Straight Arrow Connector 18"/>
+          <p:cNvCxnSpPr/>
+          <p:nvPr/>
+        </p:nvCxnSpPr>
+        <p:spPr>
+          <a:xfrm flipH="1">
+            <a:off x="1620108" y="3878219"/>
+            <a:ext cx="786823" cy="0"/>
+          </a:xfrm>
+          <a:prstGeom prst="straightConnector1">
+            <a:avLst/>
+          </a:prstGeom>
+          <a:ln w="76200" cap="sq" cmpd="sng">
+            <a:solidFill>
+              <a:schemeClr val="tx1"/>
+            </a:solidFill>
+            <a:round/>
+            <a:headEnd type="none"/>
+            <a:tailEnd type="triangle" w="med" len="med"/>
+          </a:ln>
+          <a:effectLst/>
+        </p:spPr>
+        <p:style>
+          <a:lnRef idx="2">
+            <a:schemeClr val="accent1"/>
+          </a:lnRef>
+          <a:fillRef idx="0">
+            <a:schemeClr val="accent1"/>
+          </a:fillRef>
+          <a:effectRef idx="1">
+            <a:schemeClr val="accent1"/>
+          </a:effectRef>
+          <a:fontRef idx="minor">
+            <a:schemeClr val="tx1"/>
+          </a:fontRef>
+        </p:style>
+      </p:cxnSp>
+      <p:cxnSp>
+        <p:nvCxnSpPr>
+          <p:cNvPr id="20" name="Straight Arrow Connector 19"/>
+          <p:cNvCxnSpPr/>
+          <p:nvPr/>
+        </p:nvCxnSpPr>
+        <p:spPr>
+          <a:xfrm>
+            <a:off x="1620108" y="5286889"/>
+            <a:ext cx="786823" cy="0"/>
+          </a:xfrm>
+          <a:prstGeom prst="straightConnector1">
+            <a:avLst/>
+          </a:prstGeom>
+          <a:ln w="76200" cap="sq" cmpd="sng">
+            <a:solidFill>
+              <a:schemeClr val="tx1"/>
+            </a:solidFill>
+            <a:round/>
+            <a:headEnd type="none"/>
+            <a:tailEnd type="triangle" w="med" len="med"/>
+          </a:ln>
+          <a:effectLst/>
+        </p:spPr>
+        <p:style>
+          <a:lnRef idx="2">
+            <a:schemeClr val="accent1"/>
+          </a:lnRef>
+          <a:fillRef idx="0">
+            <a:schemeClr val="accent1"/>
+          </a:fillRef>
+          <a:effectRef idx="1">
+            <a:schemeClr val="accent1"/>
+          </a:effectRef>
+          <a:fontRef idx="minor">
+            <a:schemeClr val="tx1"/>
+          </a:fontRef>
+        </p:style>
+      </p:cxnSp>
+      <p:sp>
+        <p:nvSpPr>
+          <p:cNvPr id="21" name="Rectangle 20"/>
+          <p:cNvSpPr/>
+          <p:nvPr/>
+        </p:nvSpPr>
+        <p:spPr>
+          <a:xfrm>
+            <a:off x="5330775" y="4758202"/>
+            <a:ext cx="3373734" cy="323165"/>
+          </a:xfrm>
+          <a:prstGeom prst="rect">
+            <a:avLst/>
+          </a:prstGeom>
+        </p:spPr>
+        <p:txBody>
+          <a:bodyPr wrap="none">
+            <a:spAutoFit/>
+          </a:bodyPr>
+          <a:lstStyle/>
+          <a:p>
+            <a:r>
+              <a:rPr lang="en-US" sz="1500" b="1" dirty="0" err="1" smtClean="0">
+                <a:solidFill>
+                  <a:srgbClr val="000000"/>
+                </a:solidFill>
+                <a:hlinkClick r:id="rId5"/>
+              </a:rPr>
+              <a:t>github.com</a:t>
+            </a:r>
+            <a:r>
+              <a:rPr lang="en-US" sz="1500" b="1" dirty="0">
+                <a:solidFill>
+                  <a:srgbClr val="000000"/>
+                </a:solidFill>
+                <a:hlinkClick r:id="rId5"/>
+              </a:rPr>
+              <a:t>/</a:t>
+            </a:r>
+            <a:r>
+              <a:rPr lang="en-US" sz="1500" b="1" dirty="0" err="1">
+                <a:solidFill>
+                  <a:srgbClr val="000000"/>
+                </a:solidFill>
+                <a:hlinkClick r:id="rId5"/>
+              </a:rPr>
+              <a:t>UrbanInstitute</a:t>
+            </a:r>
+            <a:r>
+              <a:rPr lang="en-US" sz="1500" b="1" dirty="0">
+                <a:solidFill>
+                  <a:srgbClr val="000000"/>
+                </a:solidFill>
+                <a:hlinkClick r:id="rId5"/>
+              </a:rPr>
+              <a:t>/</a:t>
+            </a:r>
+            <a:r>
+              <a:rPr lang="en-US" sz="1500" b="1" dirty="0" err="1">
+                <a:solidFill>
+                  <a:srgbClr val="000000"/>
+                </a:solidFill>
+                <a:hlinkClick r:id="rId5"/>
+              </a:rPr>
+              <a:t>git</a:t>
+            </a:r>
+            <a:r>
+              <a:rPr lang="en-US" sz="1500" b="1" dirty="0">
+                <a:solidFill>
+                  <a:srgbClr val="000000"/>
+                </a:solidFill>
+                <a:hlinkClick r:id="rId5"/>
+              </a:rPr>
+              <a:t>-tutorial/</a:t>
+            </a:r>
+            <a:endParaRPr lang="en-US" sz="1500" b="1" dirty="0">
+              <a:solidFill>
+                <a:srgbClr val="000000"/>
+              </a:solidFill>
+            </a:endParaRPr>
+          </a:p>
+        </p:txBody>
+      </p:sp>
+      <p:sp>
+        <p:nvSpPr>
+          <p:cNvPr id="23" name="Rectangle 22"/>
+          <p:cNvSpPr/>
+          <p:nvPr/>
+        </p:nvSpPr>
+        <p:spPr>
+          <a:xfrm>
+            <a:off x="1694691" y="5415976"/>
+            <a:ext cx="395748" cy="520481"/>
+          </a:xfrm>
+          <a:prstGeom prst="rect">
+            <a:avLst/>
+          </a:prstGeom>
+          <a:solidFill>
+            <a:srgbClr val="1882C8"/>
+          </a:solidFill>
+          <a:ln w="38100" cmpd="sng">
+            <a:solidFill>
+              <a:srgbClr val="FF0000"/>
+            </a:solidFill>
+            <a:miter lim="800000"/>
+          </a:ln>
+          <a:effectLst/>
+        </p:spPr>
+        <p:style>
+          <a:lnRef idx="1">
+            <a:schemeClr val="accent1"/>
+          </a:lnRef>
+          <a:fillRef idx="3">
+            <a:schemeClr val="accent1"/>
+          </a:fillRef>
+          <a:effectRef idx="2">
+            <a:schemeClr val="accent1"/>
+          </a:effectRef>
+          <a:fontRef idx="minor">
+            <a:schemeClr val="lt1"/>
+          </a:fontRef>
+        </p:style>
+        <p:txBody>
+          <a:bodyPr rtlCol="0" anchor="ctr"/>
+          <a:lstStyle/>
+          <a:p>
+            <a:pPr algn="ctr"/>
+            <a:r>
+              <a:rPr lang="en-US" sz="800" dirty="0" smtClean="0">
+                <a:solidFill>
+                  <a:schemeClr val="bg1"/>
+                </a:solidFill>
+                <a:latin typeface="Lato Black"/>
+                <a:cs typeface="Lato Black"/>
+              </a:rPr>
+              <a:t>File A</a:t>
+            </a:r>
+            <a:endParaRPr lang="en-US" sz="800" dirty="0">
+              <a:solidFill>
+                <a:schemeClr val="bg1"/>
+              </a:solidFill>
+              <a:latin typeface="Lato Black"/>
+              <a:cs typeface="Lato Black"/>
+            </a:endParaRPr>
+          </a:p>
+        </p:txBody>
+      </p:sp>
+    </p:spTree>
+    <p:extLst>
+      <p:ext uri="{BB962C8B-B14F-4D97-AF65-F5344CB8AC3E}">
+        <p14:creationId xmlns:p14="http://schemas.microsoft.com/office/powerpoint/2010/main" val="3775062693"/>
+      </p:ext>
+    </p:extLst>
+  </p:cSld>
+  <p:clrMapOvr>
+    <a:masterClrMapping/>
+  </p:clrMapOvr>
+  <p:timing>
+    <p:tnLst>
+      <p:par>
+        <p:cTn xmlns:p14="http://schemas.microsoft.com/office/powerpoint/2010/main" id="1" dur="indefinite" restart="never" nodeType="tmRoot">
+          <p:childTnLst>
+            <p:seq concurrent="1" nextAc="seek">
+              <p:cTn id="2" dur="indefinite" nodeType="mainSeq">
+                <p:childTnLst>
+                  <p:par>
+                    <p:cTn id="3" fill="hold">
+                      <p:stCondLst>
+                        <p:cond delay="indefinite"/>
+                      </p:stCondLst>
+                      <p:childTnLst>
+                        <p:par>
+                          <p:cTn id="4" fill="hold">
+                            <p:stCondLst>
+                              <p:cond delay="0"/>
+                            </p:stCondLst>
+                            <p:childTnLst>
+                              <p:par>
+                                <p:cTn id="5" presetID="2" presetClass="entr" presetSubtype="4" fill="hold" grpId="0" nodeType="clickEffect">
+                                  <p:stCondLst>
+                                    <p:cond delay="0"/>
+                                  </p:stCondLst>
+                                  <p:childTnLst>
+                                    <p:set>
+                                      <p:cBhvr>
+                                        <p:cTn id="6" dur="1" fill="hold">
+                                          <p:stCondLst>
+                                            <p:cond delay="0"/>
+                                          </p:stCondLst>
+                                        </p:cTn>
+                                        <p:tgtEl>
+                                          <p:spTgt spid="4"/>
+                                        </p:tgtEl>
+                                        <p:attrNameLst>
+                                          <p:attrName>style.visibility</p:attrName>
+                                        </p:attrNameLst>
+                                      </p:cBhvr>
+                                      <p:to>
+                                        <p:strVal val="visible"/>
+                                      </p:to>
+                                    </p:set>
+                                    <p:anim calcmode="lin" valueType="num">
+                                      <p:cBhvr additive="base">
+                                        <p:cTn id="7" dur="500" fill="hold"/>
+                                        <p:tgtEl>
+                                          <p:spTgt spid="4"/>
+                                        </p:tgtEl>
+                                        <p:attrNameLst>
+                                          <p:attrName>ppt_x</p:attrName>
+                                        </p:attrNameLst>
+                                      </p:cBhvr>
+                                      <p:tavLst>
+                                        <p:tav tm="0">
+                                          <p:val>
+                                            <p:strVal val="#ppt_x"/>
+                                          </p:val>
+                                        </p:tav>
+                                        <p:tav tm="100000">
+                                          <p:val>
+                                            <p:strVal val="#ppt_x"/>
+                                          </p:val>
+                                        </p:tav>
+                                      </p:tavLst>
+                                    </p:anim>
+                                    <p:anim calcmode="lin" valueType="num">
+                                      <p:cBhvr additive="base">
+                                        <p:cTn id="8" dur="500" fill="hold"/>
+                                        <p:tgtEl>
+                                          <p:spTgt spid="4"/>
+                                        </p:tgtEl>
+                                        <p:attrNameLst>
+                                          <p:attrName>ppt_y</p:attrName>
+                                        </p:attrNameLst>
+                                      </p:cBhvr>
+                                      <p:tavLst>
+                                        <p:tav tm="0">
+                                          <p:val>
+                                            <p:strVal val="1+#ppt_h/2"/>
+                                          </p:val>
+                                        </p:tav>
+                                        <p:tav tm="100000">
+                                          <p:val>
+                                            <p:strVal val="#ppt_y"/>
+                                          </p:val>
+                                        </p:tav>
+                                      </p:tavLst>
+                                    </p:anim>
+                                  </p:childTnLst>
+                                </p:cTn>
+                              </p:par>
+                              <p:par>
+                                <p:cTn id="9" presetID="2" presetClass="entr" presetSubtype="4" fill="hold" nodeType="withEffect">
+                                  <p:stCondLst>
+                                    <p:cond delay="0"/>
+                                  </p:stCondLst>
+                                  <p:childTnLst>
+                                    <p:set>
+                                      <p:cBhvr>
+                                        <p:cTn id="10" dur="1" fill="hold">
+                                          <p:stCondLst>
+                                            <p:cond delay="0"/>
+                                          </p:stCondLst>
+                                        </p:cTn>
+                                        <p:tgtEl>
+                                          <p:spTgt spid="8"/>
+                                        </p:tgtEl>
+                                        <p:attrNameLst>
+                                          <p:attrName>style.visibility</p:attrName>
+                                        </p:attrNameLst>
+                                      </p:cBhvr>
+                                      <p:to>
+                                        <p:strVal val="visible"/>
+                                      </p:to>
+                                    </p:set>
+                                    <p:anim calcmode="lin" valueType="num">
+                                      <p:cBhvr additive="base">
+                                        <p:cTn id="11" dur="500" fill="hold"/>
+                                        <p:tgtEl>
+                                          <p:spTgt spid="8"/>
+                                        </p:tgtEl>
+                                        <p:attrNameLst>
+                                          <p:attrName>ppt_x</p:attrName>
+                                        </p:attrNameLst>
+                                      </p:cBhvr>
+                                      <p:tavLst>
+                                        <p:tav tm="0">
+                                          <p:val>
+                                            <p:strVal val="#ppt_x"/>
+                                          </p:val>
+                                        </p:tav>
+                                        <p:tav tm="100000">
+                                          <p:val>
+                                            <p:strVal val="#ppt_x"/>
+                                          </p:val>
+                                        </p:tav>
+                                      </p:tavLst>
+                                    </p:anim>
+                                    <p:anim calcmode="lin" valueType="num">
+                                      <p:cBhvr additive="base">
+                                        <p:cTn id="12" dur="500" fill="hold"/>
+                                        <p:tgtEl>
+                                          <p:spTgt spid="8"/>
+                                        </p:tgtEl>
+                                        <p:attrNameLst>
+                                          <p:attrName>ppt_y</p:attrName>
+                                        </p:attrNameLst>
+                                      </p:cBhvr>
+                                      <p:tavLst>
+                                        <p:tav tm="0">
+                                          <p:val>
+                                            <p:strVal val="1+#ppt_h/2"/>
+                                          </p:val>
+                                        </p:tav>
+                                        <p:tav tm="100000">
+                                          <p:val>
+                                            <p:strVal val="#ppt_y"/>
+                                          </p:val>
+                                        </p:tav>
+                                      </p:tavLst>
+                                    </p:anim>
+                                  </p:childTnLst>
+                                </p:cTn>
+                              </p:par>
+                              <p:par>
+                                <p:cTn id="13" presetID="2" presetClass="entr" presetSubtype="4" fill="hold" grpId="0" nodeType="withEffect">
+                                  <p:stCondLst>
+                                    <p:cond delay="0"/>
+                                  </p:stCondLst>
+                                  <p:childTnLst>
+                                    <p:set>
+                                      <p:cBhvr>
+                                        <p:cTn id="14" dur="1" fill="hold">
+                                          <p:stCondLst>
+                                            <p:cond delay="0"/>
+                                          </p:stCondLst>
+                                        </p:cTn>
+                                        <p:tgtEl>
+                                          <p:spTgt spid="9"/>
+                                        </p:tgtEl>
+                                        <p:attrNameLst>
+                                          <p:attrName>style.visibility</p:attrName>
+                                        </p:attrNameLst>
+                                      </p:cBhvr>
+                                      <p:to>
+                                        <p:strVal val="visible"/>
+                                      </p:to>
+                                    </p:set>
+                                    <p:anim calcmode="lin" valueType="num">
+                                      <p:cBhvr additive="base">
+                                        <p:cTn id="15" dur="500" fill="hold"/>
+                                        <p:tgtEl>
+                                          <p:spTgt spid="9"/>
+                                        </p:tgtEl>
+                                        <p:attrNameLst>
+                                          <p:attrName>ppt_x</p:attrName>
+                                        </p:attrNameLst>
+                                      </p:cBhvr>
+                                      <p:tavLst>
+                                        <p:tav tm="0">
+                                          <p:val>
+                                            <p:strVal val="#ppt_x"/>
+                                          </p:val>
+                                        </p:tav>
+                                        <p:tav tm="100000">
+                                          <p:val>
+                                            <p:strVal val="#ppt_x"/>
+                                          </p:val>
+                                        </p:tav>
+                                      </p:tavLst>
+                                    </p:anim>
+                                    <p:anim calcmode="lin" valueType="num">
+                                      <p:cBhvr additive="base">
+                                        <p:cTn id="16" dur="500" fill="hold"/>
+                                        <p:tgtEl>
+                                          <p:spTgt spid="9"/>
+                                        </p:tgtEl>
+                                        <p:attrNameLst>
+                                          <p:attrName>ppt_y</p:attrName>
+                                        </p:attrNameLst>
+                                      </p:cBhvr>
+                                      <p:tavLst>
+                                        <p:tav tm="0">
+                                          <p:val>
+                                            <p:strVal val="1+#ppt_h/2"/>
+                                          </p:val>
+                                        </p:tav>
+                                        <p:tav tm="100000">
+                                          <p:val>
+                                            <p:strVal val="#ppt_y"/>
+                                          </p:val>
+                                        </p:tav>
+                                      </p:tavLst>
+                                    </p:anim>
+                                  </p:childTnLst>
+                                </p:cTn>
+                              </p:par>
+                              <p:par>
+                                <p:cTn id="17" presetID="2" presetClass="entr" presetSubtype="4" fill="hold" grpId="0" nodeType="withEffect">
+                                  <p:stCondLst>
+                                    <p:cond delay="0"/>
+                                  </p:stCondLst>
+                                  <p:childTnLst>
+                                    <p:set>
+                                      <p:cBhvr>
+                                        <p:cTn id="18" dur="1" fill="hold">
+                                          <p:stCondLst>
+                                            <p:cond delay="0"/>
+                                          </p:stCondLst>
+                                        </p:cTn>
+                                        <p:tgtEl>
+                                          <p:spTgt spid="10"/>
+                                        </p:tgtEl>
+                                        <p:attrNameLst>
+                                          <p:attrName>style.visibility</p:attrName>
+                                        </p:attrNameLst>
+                                      </p:cBhvr>
+                                      <p:to>
+                                        <p:strVal val="visible"/>
+                                      </p:to>
+                                    </p:set>
+                                    <p:anim calcmode="lin" valueType="num">
+                                      <p:cBhvr additive="base">
+                                        <p:cTn id="19" dur="500" fill="hold"/>
+                                        <p:tgtEl>
+                                          <p:spTgt spid="10"/>
+                                        </p:tgtEl>
+                                        <p:attrNameLst>
+                                          <p:attrName>ppt_x</p:attrName>
+                                        </p:attrNameLst>
+                                      </p:cBhvr>
+                                      <p:tavLst>
+                                        <p:tav tm="0">
+                                          <p:val>
+                                            <p:strVal val="#ppt_x"/>
+                                          </p:val>
+                                        </p:tav>
+                                        <p:tav tm="100000">
+                                          <p:val>
+                                            <p:strVal val="#ppt_x"/>
+                                          </p:val>
+                                        </p:tav>
+                                      </p:tavLst>
+                                    </p:anim>
+                                    <p:anim calcmode="lin" valueType="num">
+                                      <p:cBhvr additive="base">
+                                        <p:cTn id="20" dur="500" fill="hold"/>
+                                        <p:tgtEl>
+                                          <p:spTgt spid="10"/>
+                                        </p:tgtEl>
+                                        <p:attrNameLst>
+                                          <p:attrName>ppt_y</p:attrName>
+                                        </p:attrNameLst>
+                                      </p:cBhvr>
+                                      <p:tavLst>
+                                        <p:tav tm="0">
+                                          <p:val>
+                                            <p:strVal val="1+#ppt_h/2"/>
+                                          </p:val>
+                                        </p:tav>
+                                        <p:tav tm="100000">
+                                          <p:val>
+                                            <p:strVal val="#ppt_y"/>
+                                          </p:val>
+                                        </p:tav>
+                                      </p:tavLst>
+                                    </p:anim>
+                                  </p:childTnLst>
+                                </p:cTn>
+                              </p:par>
+                            </p:childTnLst>
+                          </p:cTn>
+                        </p:par>
+                      </p:childTnLst>
+                    </p:cTn>
+                  </p:par>
+                  <p:par>
+                    <p:cTn id="21" fill="hold">
+                      <p:stCondLst>
+                        <p:cond delay="indefinite"/>
+                      </p:stCondLst>
+                      <p:childTnLst>
+                        <p:par>
+                          <p:cTn id="22" fill="hold">
+                            <p:stCondLst>
+                              <p:cond delay="0"/>
+                            </p:stCondLst>
+                            <p:childTnLst>
+                              <p:par>
+                                <p:cTn id="23" presetID="7" presetClass="emph" presetSubtype="2" fill="hold" nodeType="clickEffect">
+                                  <p:stCondLst>
+                                    <p:cond delay="0"/>
+                                  </p:stCondLst>
+                                  <p:childTnLst>
+                                    <p:animClr clrSpc="rgb" dir="cw">
+                                      <p:cBhvr>
+                                        <p:cTn id="24" dur="500" fill="hold"/>
+                                        <p:tgtEl>
+                                          <p:spTgt spid="9"/>
+                                        </p:tgtEl>
+                                        <p:attrNameLst>
+                                          <p:attrName>stroke.color</p:attrName>
+                                        </p:attrNameLst>
+                                      </p:cBhvr>
+                                      <p:to>
+                                        <a:srgbClr val="FC0006"/>
+                                      </p:to>
+                                    </p:animClr>
+                                    <p:set>
+                                      <p:cBhvr>
+                                        <p:cTn id="25" dur="500" fill="hold"/>
+                                        <p:tgtEl>
+                                          <p:spTgt spid="9"/>
+                                        </p:tgtEl>
+                                        <p:attrNameLst>
+                                          <p:attrName>stroke.on</p:attrName>
+                                        </p:attrNameLst>
+                                      </p:cBhvr>
+                                      <p:to>
+                                        <p:strVal val="true"/>
+                                      </p:to>
+                                    </p:set>
+                                  </p:childTnLst>
+                                </p:cTn>
+                              </p:par>
+                            </p:childTnLst>
+                          </p:cTn>
+                        </p:par>
+                      </p:childTnLst>
+                    </p:cTn>
+                  </p:par>
+                  <p:par>
+                    <p:cTn id="26" fill="hold">
+                      <p:stCondLst>
+                        <p:cond delay="indefinite"/>
+                      </p:stCondLst>
+                      <p:childTnLst>
+                        <p:par>
+                          <p:cTn id="27" fill="hold">
+                            <p:stCondLst>
+                              <p:cond delay="0"/>
+                            </p:stCondLst>
+                            <p:childTnLst>
+                              <p:par>
+                                <p:cTn id="28" presetID="2" presetClass="entr" presetSubtype="4" fill="hold" grpId="0" nodeType="clickEffect">
+                                  <p:stCondLst>
+                                    <p:cond delay="0"/>
+                                  </p:stCondLst>
+                                  <p:childTnLst>
+                                    <p:set>
+                                      <p:cBhvr>
+                                        <p:cTn id="29" dur="1" fill="hold">
+                                          <p:stCondLst>
+                                            <p:cond delay="0"/>
+                                          </p:stCondLst>
+                                        </p:cTn>
+                                        <p:tgtEl>
+                                          <p:spTgt spid="5"/>
+                                        </p:tgtEl>
+                                        <p:attrNameLst>
+                                          <p:attrName>style.visibility</p:attrName>
+                                        </p:attrNameLst>
+                                      </p:cBhvr>
+                                      <p:to>
+                                        <p:strVal val="visible"/>
+                                      </p:to>
+                                    </p:set>
+                                    <p:anim calcmode="lin" valueType="num">
+                                      <p:cBhvr additive="base">
+                                        <p:cTn id="30" dur="500" fill="hold"/>
+                                        <p:tgtEl>
+                                          <p:spTgt spid="5"/>
+                                        </p:tgtEl>
+                                        <p:attrNameLst>
+                                          <p:attrName>ppt_x</p:attrName>
+                                        </p:attrNameLst>
+                                      </p:cBhvr>
+                                      <p:tavLst>
+                                        <p:tav tm="0">
+                                          <p:val>
+                                            <p:strVal val="#ppt_x"/>
+                                          </p:val>
+                                        </p:tav>
+                                        <p:tav tm="100000">
+                                          <p:val>
+                                            <p:strVal val="#ppt_x"/>
+                                          </p:val>
+                                        </p:tav>
+                                      </p:tavLst>
+                                    </p:anim>
+                                    <p:anim calcmode="lin" valueType="num">
+                                      <p:cBhvr additive="base">
+                                        <p:cTn id="31" dur="500" fill="hold"/>
+                                        <p:tgtEl>
+                                          <p:spTgt spid="5"/>
+                                        </p:tgtEl>
+                                        <p:attrNameLst>
+                                          <p:attrName>ppt_y</p:attrName>
+                                        </p:attrNameLst>
+                                      </p:cBhvr>
+                                      <p:tavLst>
+                                        <p:tav tm="0">
+                                          <p:val>
+                                            <p:strVal val="1+#ppt_h/2"/>
+                                          </p:val>
+                                        </p:tav>
+                                        <p:tav tm="100000">
+                                          <p:val>
+                                            <p:strVal val="#ppt_y"/>
+                                          </p:val>
+                                        </p:tav>
+                                      </p:tavLst>
+                                    </p:anim>
+                                  </p:childTnLst>
+                                </p:cTn>
+                              </p:par>
+                              <p:par>
+                                <p:cTn id="32" presetID="2" presetClass="entr" presetSubtype="4" fill="hold" nodeType="withEffect">
+                                  <p:stCondLst>
+                                    <p:cond delay="0"/>
+                                  </p:stCondLst>
+                                  <p:childTnLst>
+                                    <p:set>
+                                      <p:cBhvr>
+                                        <p:cTn id="33" dur="1" fill="hold">
+                                          <p:stCondLst>
+                                            <p:cond delay="0"/>
+                                          </p:stCondLst>
+                                        </p:cTn>
+                                        <p:tgtEl>
+                                          <p:spTgt spid="11"/>
+                                        </p:tgtEl>
+                                        <p:attrNameLst>
+                                          <p:attrName>style.visibility</p:attrName>
+                                        </p:attrNameLst>
+                                      </p:cBhvr>
+                                      <p:to>
+                                        <p:strVal val="visible"/>
+                                      </p:to>
+                                    </p:set>
+                                    <p:anim calcmode="lin" valueType="num">
+                                      <p:cBhvr additive="base">
+                                        <p:cTn id="34" dur="500" fill="hold"/>
+                                        <p:tgtEl>
+                                          <p:spTgt spid="11"/>
+                                        </p:tgtEl>
+                                        <p:attrNameLst>
+                                          <p:attrName>ppt_x</p:attrName>
+                                        </p:attrNameLst>
+                                      </p:cBhvr>
+                                      <p:tavLst>
+                                        <p:tav tm="0">
+                                          <p:val>
+                                            <p:strVal val="#ppt_x"/>
+                                          </p:val>
+                                        </p:tav>
+                                        <p:tav tm="100000">
+                                          <p:val>
+                                            <p:strVal val="#ppt_x"/>
+                                          </p:val>
+                                        </p:tav>
+                                      </p:tavLst>
+                                    </p:anim>
+                                    <p:anim calcmode="lin" valueType="num">
+                                      <p:cBhvr additive="base">
+                                        <p:cTn id="35" dur="500" fill="hold"/>
+                                        <p:tgtEl>
+                                          <p:spTgt spid="11"/>
+                                        </p:tgtEl>
+                                        <p:attrNameLst>
+                                          <p:attrName>ppt_y</p:attrName>
+                                        </p:attrNameLst>
+                                      </p:cBhvr>
+                                      <p:tavLst>
+                                        <p:tav tm="0">
+                                          <p:val>
+                                            <p:strVal val="1+#ppt_h/2"/>
+                                          </p:val>
+                                        </p:tav>
+                                        <p:tav tm="100000">
+                                          <p:val>
+                                            <p:strVal val="#ppt_y"/>
+                                          </p:val>
+                                        </p:tav>
+                                      </p:tavLst>
+                                    </p:anim>
+                                  </p:childTnLst>
+                                </p:cTn>
+                              </p:par>
+                              <p:par>
+                                <p:cTn id="36" presetID="2" presetClass="entr" presetSubtype="4" fill="hold" grpId="0" nodeType="withEffect">
+                                  <p:stCondLst>
+                                    <p:cond delay="0"/>
+                                  </p:stCondLst>
+                                  <p:childTnLst>
+                                    <p:set>
+                                      <p:cBhvr>
+                                        <p:cTn id="37" dur="1" fill="hold">
+                                          <p:stCondLst>
+                                            <p:cond delay="0"/>
+                                          </p:stCondLst>
+                                        </p:cTn>
+                                        <p:tgtEl>
+                                          <p:spTgt spid="12"/>
+                                        </p:tgtEl>
+                                        <p:attrNameLst>
+                                          <p:attrName>style.visibility</p:attrName>
+                                        </p:attrNameLst>
+                                      </p:cBhvr>
+                                      <p:to>
+                                        <p:strVal val="visible"/>
+                                      </p:to>
+                                    </p:set>
+                                    <p:anim calcmode="lin" valueType="num">
+                                      <p:cBhvr additive="base">
+                                        <p:cTn id="38" dur="500" fill="hold"/>
+                                        <p:tgtEl>
+                                          <p:spTgt spid="12"/>
+                                        </p:tgtEl>
+                                        <p:attrNameLst>
+                                          <p:attrName>ppt_x</p:attrName>
+                                        </p:attrNameLst>
+                                      </p:cBhvr>
+                                      <p:tavLst>
+                                        <p:tav tm="0">
+                                          <p:val>
+                                            <p:strVal val="#ppt_x"/>
+                                          </p:val>
+                                        </p:tav>
+                                        <p:tav tm="100000">
+                                          <p:val>
+                                            <p:strVal val="#ppt_x"/>
+                                          </p:val>
+                                        </p:tav>
+                                      </p:tavLst>
+                                    </p:anim>
+                                    <p:anim calcmode="lin" valueType="num">
+                                      <p:cBhvr additive="base">
+                                        <p:cTn id="39" dur="500" fill="hold"/>
+                                        <p:tgtEl>
+                                          <p:spTgt spid="12"/>
+                                        </p:tgtEl>
+                                        <p:attrNameLst>
+                                          <p:attrName>ppt_y</p:attrName>
+                                        </p:attrNameLst>
+                                      </p:cBhvr>
+                                      <p:tavLst>
+                                        <p:tav tm="0">
+                                          <p:val>
+                                            <p:strVal val="1+#ppt_h/2"/>
+                                          </p:val>
+                                        </p:tav>
+                                        <p:tav tm="100000">
+                                          <p:val>
+                                            <p:strVal val="#ppt_y"/>
+                                          </p:val>
+                                        </p:tav>
+                                      </p:tavLst>
+                                    </p:anim>
+                                  </p:childTnLst>
+                                </p:cTn>
+                              </p:par>
+                              <p:par>
+                                <p:cTn id="40" presetID="2" presetClass="entr" presetSubtype="4" fill="hold" grpId="0" nodeType="withEffect">
+                                  <p:stCondLst>
+                                    <p:cond delay="0"/>
+                                  </p:stCondLst>
+                                  <p:childTnLst>
+                                    <p:set>
+                                      <p:cBhvr>
+                                        <p:cTn id="41" dur="1" fill="hold">
+                                          <p:stCondLst>
+                                            <p:cond delay="0"/>
+                                          </p:stCondLst>
+                                        </p:cTn>
+                                        <p:tgtEl>
+                                          <p:spTgt spid="13"/>
+                                        </p:tgtEl>
+                                        <p:attrNameLst>
+                                          <p:attrName>style.visibility</p:attrName>
+                                        </p:attrNameLst>
+                                      </p:cBhvr>
+                                      <p:to>
+                                        <p:strVal val="visible"/>
+                                      </p:to>
+                                    </p:set>
+                                    <p:anim calcmode="lin" valueType="num">
+                                      <p:cBhvr additive="base">
+                                        <p:cTn id="42" dur="500" fill="hold"/>
+                                        <p:tgtEl>
+                                          <p:spTgt spid="13"/>
+                                        </p:tgtEl>
+                                        <p:attrNameLst>
+                                          <p:attrName>ppt_x</p:attrName>
+                                        </p:attrNameLst>
+                                      </p:cBhvr>
+                                      <p:tavLst>
+                                        <p:tav tm="0">
+                                          <p:val>
+                                            <p:strVal val="#ppt_x"/>
+                                          </p:val>
+                                        </p:tav>
+                                        <p:tav tm="100000">
+                                          <p:val>
+                                            <p:strVal val="#ppt_x"/>
+                                          </p:val>
+                                        </p:tav>
+                                      </p:tavLst>
+                                    </p:anim>
+                                    <p:anim calcmode="lin" valueType="num">
+                                      <p:cBhvr additive="base">
+                                        <p:cTn id="43" dur="500" fill="hold"/>
+                                        <p:tgtEl>
+                                          <p:spTgt spid="13"/>
+                                        </p:tgtEl>
+                                        <p:attrNameLst>
+                                          <p:attrName>ppt_y</p:attrName>
+                                        </p:attrNameLst>
+                                      </p:cBhvr>
+                                      <p:tavLst>
+                                        <p:tav tm="0">
+                                          <p:val>
+                                            <p:strVal val="1+#ppt_h/2"/>
+                                          </p:val>
+                                        </p:tav>
+                                        <p:tav tm="100000">
+                                          <p:val>
+                                            <p:strVal val="#ppt_y"/>
+                                          </p:val>
+                                        </p:tav>
+                                      </p:tavLst>
+                                    </p:anim>
+                                  </p:childTnLst>
+                                </p:cTn>
+                              </p:par>
+                            </p:childTnLst>
+                          </p:cTn>
+                        </p:par>
+                      </p:childTnLst>
+                    </p:cTn>
+                  </p:par>
+                  <p:par>
+                    <p:cTn id="44" fill="hold">
+                      <p:stCondLst>
+                        <p:cond delay="indefinite"/>
+                      </p:stCondLst>
+                      <p:childTnLst>
+                        <p:par>
+                          <p:cTn id="45" fill="hold">
+                            <p:stCondLst>
+                              <p:cond delay="0"/>
+                            </p:stCondLst>
+                            <p:childTnLst>
+                              <p:par>
+                                <p:cTn id="46" presetID="9" presetClass="emph" presetSubtype="0" grpId="1" nodeType="clickEffect">
+                                  <p:stCondLst>
+                                    <p:cond delay="0"/>
+                                  </p:stCondLst>
+                                  <p:childTnLst>
+                                    <p:set>
+                                      <p:cBhvr rctx="PPT">
+                                        <p:cTn id="47" dur="indefinite"/>
+                                        <p:tgtEl>
+                                          <p:spTgt spid="13"/>
+                                        </p:tgtEl>
+                                        <p:attrNameLst>
+                                          <p:attrName>style.opacity</p:attrName>
+                                        </p:attrNameLst>
+                                      </p:cBhvr>
+                                      <p:to>
+                                        <p:strVal val="0.5"/>
+                                      </p:to>
+                                    </p:set>
+                                    <p:animEffect filter="image" prLst="opacity: 0.5">
+                                      <p:cBhvr rctx="IE">
+                                        <p:cTn id="48" dur="indefinite"/>
+                                        <p:tgtEl>
+                                          <p:spTgt spid="13"/>
+                                        </p:tgtEl>
+                                      </p:cBhvr>
+                                    </p:animEffect>
+                                  </p:childTnLst>
+                                </p:cTn>
+                              </p:par>
+                            </p:childTnLst>
+                          </p:cTn>
+                        </p:par>
+                      </p:childTnLst>
+                    </p:cTn>
+                  </p:par>
+                  <p:par>
+                    <p:cTn id="49" fill="hold">
+                      <p:stCondLst>
+                        <p:cond delay="indefinite"/>
+                      </p:stCondLst>
+                      <p:childTnLst>
+                        <p:par>
+                          <p:cTn id="50" fill="hold">
+                            <p:stCondLst>
+                              <p:cond delay="0"/>
+                            </p:stCondLst>
+                            <p:childTnLst>
+                              <p:par>
+                                <p:cTn id="51" presetID="2" presetClass="entr" presetSubtype="4" fill="hold" nodeType="clickEffect">
+                                  <p:stCondLst>
+                                    <p:cond delay="0"/>
+                                  </p:stCondLst>
+                                  <p:childTnLst>
+                                    <p:set>
+                                      <p:cBhvr>
+                                        <p:cTn id="52" dur="1" fill="hold">
+                                          <p:stCondLst>
+                                            <p:cond delay="0"/>
+                                          </p:stCondLst>
+                                        </p:cTn>
+                                        <p:tgtEl>
+                                          <p:spTgt spid="15"/>
+                                        </p:tgtEl>
+                                        <p:attrNameLst>
+                                          <p:attrName>style.visibility</p:attrName>
+                                        </p:attrNameLst>
+                                      </p:cBhvr>
+                                      <p:to>
+                                        <p:strVal val="visible"/>
+                                      </p:to>
+                                    </p:set>
+                                    <p:anim calcmode="lin" valueType="num">
+                                      <p:cBhvr additive="base">
+                                        <p:cTn id="53" dur="500" fill="hold"/>
+                                        <p:tgtEl>
+                                          <p:spTgt spid="15"/>
+                                        </p:tgtEl>
+                                        <p:attrNameLst>
+                                          <p:attrName>ppt_x</p:attrName>
+                                        </p:attrNameLst>
+                                      </p:cBhvr>
+                                      <p:tavLst>
+                                        <p:tav tm="0">
+                                          <p:val>
+                                            <p:strVal val="#ppt_x"/>
+                                          </p:val>
+                                        </p:tav>
+                                        <p:tav tm="100000">
+                                          <p:val>
+                                            <p:strVal val="#ppt_x"/>
+                                          </p:val>
+                                        </p:tav>
+                                      </p:tavLst>
+                                    </p:anim>
+                                    <p:anim calcmode="lin" valueType="num">
+                                      <p:cBhvr additive="base">
+                                        <p:cTn id="54" dur="500" fill="hold"/>
+                                        <p:tgtEl>
+                                          <p:spTgt spid="15"/>
+                                        </p:tgtEl>
+                                        <p:attrNameLst>
+                                          <p:attrName>ppt_y</p:attrName>
+                                        </p:attrNameLst>
+                                      </p:cBhvr>
+                                      <p:tavLst>
+                                        <p:tav tm="0">
+                                          <p:val>
+                                            <p:strVal val="1+#ppt_h/2"/>
+                                          </p:val>
+                                        </p:tav>
+                                        <p:tav tm="100000">
+                                          <p:val>
+                                            <p:strVal val="#ppt_y"/>
+                                          </p:val>
+                                        </p:tav>
+                                      </p:tavLst>
+                                    </p:anim>
+                                  </p:childTnLst>
+                                </p:cTn>
+                              </p:par>
+                              <p:par>
+                                <p:cTn id="55" presetID="2" presetClass="entr" presetSubtype="4" fill="hold" nodeType="withEffect">
+                                  <p:stCondLst>
+                                    <p:cond delay="0"/>
+                                  </p:stCondLst>
+                                  <p:childTnLst>
+                                    <p:set>
+                                      <p:cBhvr>
+                                        <p:cTn id="56" dur="1" fill="hold">
+                                          <p:stCondLst>
+                                            <p:cond delay="0"/>
+                                          </p:stCondLst>
+                                        </p:cTn>
+                                        <p:tgtEl>
+                                          <p:spTgt spid="19"/>
+                                        </p:tgtEl>
+                                        <p:attrNameLst>
+                                          <p:attrName>style.visibility</p:attrName>
+                                        </p:attrNameLst>
+                                      </p:cBhvr>
+                                      <p:to>
+                                        <p:strVal val="visible"/>
+                                      </p:to>
+                                    </p:set>
+                                    <p:anim calcmode="lin" valueType="num">
+                                      <p:cBhvr additive="base">
+                                        <p:cTn id="57" dur="500" fill="hold"/>
+                                        <p:tgtEl>
+                                          <p:spTgt spid="19"/>
+                                        </p:tgtEl>
+                                        <p:attrNameLst>
+                                          <p:attrName>ppt_x</p:attrName>
+                                        </p:attrNameLst>
+                                      </p:cBhvr>
+                                      <p:tavLst>
+                                        <p:tav tm="0">
+                                          <p:val>
+                                            <p:strVal val="#ppt_x"/>
+                                          </p:val>
+                                        </p:tav>
+                                        <p:tav tm="100000">
+                                          <p:val>
+                                            <p:strVal val="#ppt_x"/>
+                                          </p:val>
+                                        </p:tav>
+                                      </p:tavLst>
+                                    </p:anim>
+                                    <p:anim calcmode="lin" valueType="num">
+                                      <p:cBhvr additive="base">
+                                        <p:cTn id="58" dur="500" fill="hold"/>
+                                        <p:tgtEl>
+                                          <p:spTgt spid="19"/>
+                                        </p:tgtEl>
+                                        <p:attrNameLst>
+                                          <p:attrName>ppt_y</p:attrName>
+                                        </p:attrNameLst>
+                                      </p:cBhvr>
+                                      <p:tavLst>
+                                        <p:tav tm="0">
+                                          <p:val>
+                                            <p:strVal val="1+#ppt_h/2"/>
+                                          </p:val>
+                                        </p:tav>
+                                        <p:tav tm="100000">
+                                          <p:val>
+                                            <p:strVal val="#ppt_y"/>
+                                          </p:val>
+                                        </p:tav>
+                                      </p:tavLst>
+                                    </p:anim>
+                                  </p:childTnLst>
+                                </p:cTn>
+                              </p:par>
+                              <p:par>
+                                <p:cTn id="59" presetID="2" presetClass="entr" presetSubtype="4" fill="hold" nodeType="withEffect">
+                                  <p:stCondLst>
+                                    <p:cond delay="0"/>
+                                  </p:stCondLst>
+                                  <p:childTnLst>
+                                    <p:set>
+                                      <p:cBhvr>
+                                        <p:cTn id="60" dur="1" fill="hold">
+                                          <p:stCondLst>
+                                            <p:cond delay="0"/>
+                                          </p:stCondLst>
+                                        </p:cTn>
+                                        <p:tgtEl>
+                                          <p:spTgt spid="14"/>
+                                        </p:tgtEl>
+                                        <p:attrNameLst>
+                                          <p:attrName>style.visibility</p:attrName>
+                                        </p:attrNameLst>
+                                      </p:cBhvr>
+                                      <p:to>
+                                        <p:strVal val="visible"/>
+                                      </p:to>
+                                    </p:set>
+                                    <p:anim calcmode="lin" valueType="num">
+                                      <p:cBhvr additive="base">
+                                        <p:cTn id="61" dur="500" fill="hold"/>
+                                        <p:tgtEl>
+                                          <p:spTgt spid="14"/>
+                                        </p:tgtEl>
+                                        <p:attrNameLst>
+                                          <p:attrName>ppt_x</p:attrName>
+                                        </p:attrNameLst>
+                                      </p:cBhvr>
+                                      <p:tavLst>
+                                        <p:tav tm="0">
+                                          <p:val>
+                                            <p:strVal val="#ppt_x"/>
+                                          </p:val>
+                                        </p:tav>
+                                        <p:tav tm="100000">
+                                          <p:val>
+                                            <p:strVal val="#ppt_x"/>
+                                          </p:val>
+                                        </p:tav>
+                                      </p:tavLst>
+                                    </p:anim>
+                                    <p:anim calcmode="lin" valueType="num">
+                                      <p:cBhvr additive="base">
+                                        <p:cTn id="62" dur="500" fill="hold"/>
+                                        <p:tgtEl>
+                                          <p:spTgt spid="14"/>
+                                        </p:tgtEl>
+                                        <p:attrNameLst>
+                                          <p:attrName>ppt_y</p:attrName>
+                                        </p:attrNameLst>
+                                      </p:cBhvr>
+                                      <p:tavLst>
+                                        <p:tav tm="0">
+                                          <p:val>
+                                            <p:strVal val="1+#ppt_h/2"/>
+                                          </p:val>
+                                        </p:tav>
+                                        <p:tav tm="100000">
+                                          <p:val>
+                                            <p:strVal val="#ppt_y"/>
+                                          </p:val>
+                                        </p:tav>
+                                      </p:tavLst>
+                                    </p:anim>
+                                  </p:childTnLst>
+                                </p:cTn>
+                              </p:par>
+                              <p:par>
+                                <p:cTn id="63" presetID="2" presetClass="entr" presetSubtype="4" fill="hold" grpId="0" nodeType="withEffect">
+                                  <p:stCondLst>
+                                    <p:cond delay="0"/>
+                                  </p:stCondLst>
+                                  <p:childTnLst>
+                                    <p:set>
+                                      <p:cBhvr>
+                                        <p:cTn id="64" dur="1" fill="hold">
+                                          <p:stCondLst>
+                                            <p:cond delay="0"/>
+                                          </p:stCondLst>
+                                        </p:cTn>
+                                        <p:tgtEl>
+                                          <p:spTgt spid="6"/>
+                                        </p:tgtEl>
+                                        <p:attrNameLst>
+                                          <p:attrName>style.visibility</p:attrName>
+                                        </p:attrNameLst>
+                                      </p:cBhvr>
+                                      <p:to>
+                                        <p:strVal val="visible"/>
+                                      </p:to>
+                                    </p:set>
+                                    <p:anim calcmode="lin" valueType="num">
+                                      <p:cBhvr additive="base">
+                                        <p:cTn id="65" dur="500" fill="hold"/>
+                                        <p:tgtEl>
+                                          <p:spTgt spid="6"/>
+                                        </p:tgtEl>
+                                        <p:attrNameLst>
+                                          <p:attrName>ppt_x</p:attrName>
+                                        </p:attrNameLst>
+                                      </p:cBhvr>
+                                      <p:tavLst>
+                                        <p:tav tm="0">
+                                          <p:val>
+                                            <p:strVal val="#ppt_x"/>
+                                          </p:val>
+                                        </p:tav>
+                                        <p:tav tm="100000">
+                                          <p:val>
+                                            <p:strVal val="#ppt_x"/>
+                                          </p:val>
+                                        </p:tav>
+                                      </p:tavLst>
+                                    </p:anim>
+                                    <p:anim calcmode="lin" valueType="num">
+                                      <p:cBhvr additive="base">
+                                        <p:cTn id="66" dur="500" fill="hold"/>
+                                        <p:tgtEl>
+                                          <p:spTgt spid="6"/>
+                                        </p:tgtEl>
+                                        <p:attrNameLst>
+                                          <p:attrName>ppt_y</p:attrName>
+                                        </p:attrNameLst>
+                                      </p:cBhvr>
+                                      <p:tavLst>
+                                        <p:tav tm="0">
+                                          <p:val>
+                                            <p:strVal val="1+#ppt_h/2"/>
+                                          </p:val>
+                                        </p:tav>
+                                        <p:tav tm="100000">
+                                          <p:val>
+                                            <p:strVal val="#ppt_y"/>
+                                          </p:val>
+                                        </p:tav>
+                                      </p:tavLst>
+                                    </p:anim>
+                                  </p:childTnLst>
+                                </p:cTn>
+                              </p:par>
+                            </p:childTnLst>
+                          </p:cTn>
+                        </p:par>
+                      </p:childTnLst>
+                    </p:cTn>
+                  </p:par>
+                  <p:par>
+                    <p:cTn id="67" fill="hold">
+                      <p:stCondLst>
+                        <p:cond delay="indefinite"/>
+                      </p:stCondLst>
+                      <p:childTnLst>
+                        <p:par>
+                          <p:cTn id="68" fill="hold">
+                            <p:stCondLst>
+                              <p:cond delay="0"/>
+                            </p:stCondLst>
+                            <p:childTnLst>
+                              <p:par>
+                                <p:cTn id="69" presetID="2" presetClass="entr" presetSubtype="8" fill="hold" nodeType="clickEffect">
+                                  <p:stCondLst>
+                                    <p:cond delay="0"/>
+                                  </p:stCondLst>
+                                  <p:childTnLst>
+                                    <p:set>
+                                      <p:cBhvr>
+                                        <p:cTn id="70" dur="1" fill="hold">
+                                          <p:stCondLst>
+                                            <p:cond delay="0"/>
+                                          </p:stCondLst>
+                                        </p:cTn>
+                                        <p:tgtEl>
+                                          <p:spTgt spid="16"/>
+                                        </p:tgtEl>
+                                        <p:attrNameLst>
+                                          <p:attrName>style.visibility</p:attrName>
+                                        </p:attrNameLst>
+                                      </p:cBhvr>
+                                      <p:to>
+                                        <p:strVal val="visible"/>
+                                      </p:to>
+                                    </p:set>
+                                    <p:anim calcmode="lin" valueType="num">
+                                      <p:cBhvr additive="base">
+                                        <p:cTn id="71" dur="500" fill="hold"/>
+                                        <p:tgtEl>
+                                          <p:spTgt spid="16"/>
+                                        </p:tgtEl>
+                                        <p:attrNameLst>
+                                          <p:attrName>ppt_x</p:attrName>
+                                        </p:attrNameLst>
+                                      </p:cBhvr>
+                                      <p:tavLst>
+                                        <p:tav tm="0">
+                                          <p:val>
+                                            <p:strVal val="0-#ppt_w/2"/>
+                                          </p:val>
+                                        </p:tav>
+                                        <p:tav tm="100000">
+                                          <p:val>
+                                            <p:strVal val="#ppt_x"/>
+                                          </p:val>
+                                        </p:tav>
+                                      </p:tavLst>
+                                    </p:anim>
+                                    <p:anim calcmode="lin" valueType="num">
+                                      <p:cBhvr additive="base">
+                                        <p:cTn id="72" dur="500" fill="hold"/>
+                                        <p:tgtEl>
+                                          <p:spTgt spid="16"/>
+                                        </p:tgtEl>
+                                        <p:attrNameLst>
+                                          <p:attrName>ppt_y</p:attrName>
+                                        </p:attrNameLst>
+                                      </p:cBhvr>
+                                      <p:tavLst>
+                                        <p:tav tm="0">
+                                          <p:val>
+                                            <p:strVal val="#ppt_y"/>
+                                          </p:val>
+                                        </p:tav>
+                                        <p:tav tm="100000">
+                                          <p:val>
+                                            <p:strVal val="#ppt_y"/>
+                                          </p:val>
+                                        </p:tav>
+                                      </p:tavLst>
+                                    </p:anim>
+                                  </p:childTnLst>
+                                </p:cTn>
+                              </p:par>
+                            </p:childTnLst>
+                          </p:cTn>
+                        </p:par>
+                        <p:par>
+                          <p:cTn id="73" fill="hold">
+                            <p:stCondLst>
+                              <p:cond delay="500"/>
+                            </p:stCondLst>
+                            <p:childTnLst>
+                              <p:par>
+                                <p:cTn id="74" presetID="32" presetClass="emph" presetSubtype="0" fill="hold" nodeType="afterEffect">
+                                  <p:stCondLst>
+                                    <p:cond delay="0"/>
+                                  </p:stCondLst>
+                                  <p:childTnLst>
+                                    <p:animRot by="120000">
+                                      <p:cBhvr>
+                                        <p:cTn id="75" dur="100" fill="hold">
+                                          <p:stCondLst>
+                                            <p:cond delay="0"/>
+                                          </p:stCondLst>
+                                        </p:cTn>
+                                        <p:tgtEl>
+                                          <p:spTgt spid="16"/>
+                                        </p:tgtEl>
+                                        <p:attrNameLst>
+                                          <p:attrName>r</p:attrName>
+                                        </p:attrNameLst>
+                                      </p:cBhvr>
+                                    </p:animRot>
+                                    <p:animRot by="-240000">
+                                      <p:cBhvr>
+                                        <p:cTn id="76" dur="200" fill="hold">
+                                          <p:stCondLst>
+                                            <p:cond delay="200"/>
+                                          </p:stCondLst>
+                                        </p:cTn>
+                                        <p:tgtEl>
+                                          <p:spTgt spid="16"/>
+                                        </p:tgtEl>
+                                        <p:attrNameLst>
+                                          <p:attrName>r</p:attrName>
+                                        </p:attrNameLst>
+                                      </p:cBhvr>
+                                    </p:animRot>
+                                    <p:animRot by="240000">
+                                      <p:cBhvr>
+                                        <p:cTn id="77" dur="200" fill="hold">
+                                          <p:stCondLst>
+                                            <p:cond delay="400"/>
+                                          </p:stCondLst>
+                                        </p:cTn>
+                                        <p:tgtEl>
+                                          <p:spTgt spid="16"/>
+                                        </p:tgtEl>
+                                        <p:attrNameLst>
+                                          <p:attrName>r</p:attrName>
+                                        </p:attrNameLst>
+                                      </p:cBhvr>
+                                    </p:animRot>
+                                    <p:animRot by="-240000">
+                                      <p:cBhvr>
+                                        <p:cTn id="78" dur="200" fill="hold">
+                                          <p:stCondLst>
+                                            <p:cond delay="600"/>
+                                          </p:stCondLst>
+                                        </p:cTn>
+                                        <p:tgtEl>
+                                          <p:spTgt spid="16"/>
+                                        </p:tgtEl>
+                                        <p:attrNameLst>
+                                          <p:attrName>r</p:attrName>
+                                        </p:attrNameLst>
+                                      </p:cBhvr>
+                                    </p:animRot>
+                                    <p:animRot by="120000">
+                                      <p:cBhvr>
+                                        <p:cTn id="79" dur="200" fill="hold">
+                                          <p:stCondLst>
+                                            <p:cond delay="800"/>
+                                          </p:stCondLst>
+                                        </p:cTn>
+                                        <p:tgtEl>
+                                          <p:spTgt spid="16"/>
+                                        </p:tgtEl>
+                                        <p:attrNameLst>
+                                          <p:attrName>r</p:attrName>
+                                        </p:attrNameLst>
+                                      </p:cBhvr>
+                                    </p:animRot>
+                                  </p:childTnLst>
+                                </p:cTn>
+                              </p:par>
+                            </p:childTnLst>
+                          </p:cTn>
+                        </p:par>
+                      </p:childTnLst>
+                    </p:cTn>
+                  </p:par>
+                  <p:par>
+                    <p:cTn id="80" fill="hold">
+                      <p:stCondLst>
+                        <p:cond delay="indefinite"/>
+                      </p:stCondLst>
+                      <p:childTnLst>
+                        <p:par>
+                          <p:cTn id="81" fill="hold">
+                            <p:stCondLst>
+                              <p:cond delay="0"/>
+                            </p:stCondLst>
+                            <p:childTnLst>
+                              <p:par>
+                                <p:cTn id="82" presetID="2" presetClass="entr" presetSubtype="4" fill="hold" grpId="0" nodeType="clickEffect">
+                                  <p:stCondLst>
+                                    <p:cond delay="0"/>
+                                  </p:stCondLst>
+                                  <p:childTnLst>
+                                    <p:set>
+                                      <p:cBhvr>
+                                        <p:cTn id="83" dur="1" fill="hold">
+                                          <p:stCondLst>
+                                            <p:cond delay="0"/>
+                                          </p:stCondLst>
+                                        </p:cTn>
+                                        <p:tgtEl>
+                                          <p:spTgt spid="7"/>
+                                        </p:tgtEl>
+                                        <p:attrNameLst>
+                                          <p:attrName>style.visibility</p:attrName>
+                                        </p:attrNameLst>
+                                      </p:cBhvr>
+                                      <p:to>
+                                        <p:strVal val="visible"/>
+                                      </p:to>
+                                    </p:set>
+                                    <p:anim calcmode="lin" valueType="num">
+                                      <p:cBhvr additive="base">
+                                        <p:cTn id="84" dur="500" fill="hold"/>
+                                        <p:tgtEl>
+                                          <p:spTgt spid="7"/>
+                                        </p:tgtEl>
+                                        <p:attrNameLst>
+                                          <p:attrName>ppt_x</p:attrName>
+                                        </p:attrNameLst>
+                                      </p:cBhvr>
+                                      <p:tavLst>
+                                        <p:tav tm="0">
+                                          <p:val>
+                                            <p:strVal val="#ppt_x"/>
+                                          </p:val>
+                                        </p:tav>
+                                        <p:tav tm="100000">
+                                          <p:val>
+                                            <p:strVal val="#ppt_x"/>
+                                          </p:val>
+                                        </p:tav>
+                                      </p:tavLst>
+                                    </p:anim>
+                                    <p:anim calcmode="lin" valueType="num">
+                                      <p:cBhvr additive="base">
+                                        <p:cTn id="85" dur="500" fill="hold"/>
+                                        <p:tgtEl>
+                                          <p:spTgt spid="7"/>
+                                        </p:tgtEl>
+                                        <p:attrNameLst>
+                                          <p:attrName>ppt_y</p:attrName>
+                                        </p:attrNameLst>
+                                      </p:cBhvr>
+                                      <p:tavLst>
+                                        <p:tav tm="0">
+                                          <p:val>
+                                            <p:strVal val="1+#ppt_h/2"/>
+                                          </p:val>
+                                        </p:tav>
+                                        <p:tav tm="100000">
+                                          <p:val>
+                                            <p:strVal val="#ppt_y"/>
+                                          </p:val>
+                                        </p:tav>
+                                      </p:tavLst>
+                                    </p:anim>
+                                  </p:childTnLst>
+                                </p:cTn>
+                              </p:par>
+                              <p:par>
+                                <p:cTn id="86" presetID="2" presetClass="entr" presetSubtype="4" fill="hold" nodeType="withEffect">
+                                  <p:stCondLst>
+                                    <p:cond delay="0"/>
+                                  </p:stCondLst>
+                                  <p:childTnLst>
+                                    <p:set>
+                                      <p:cBhvr>
+                                        <p:cTn id="87" dur="1" fill="hold">
+                                          <p:stCondLst>
+                                            <p:cond delay="0"/>
+                                          </p:stCondLst>
+                                        </p:cTn>
+                                        <p:tgtEl>
+                                          <p:spTgt spid="17"/>
+                                        </p:tgtEl>
+                                        <p:attrNameLst>
+                                          <p:attrName>style.visibility</p:attrName>
+                                        </p:attrNameLst>
+                                      </p:cBhvr>
+                                      <p:to>
+                                        <p:strVal val="visible"/>
+                                      </p:to>
+                                    </p:set>
+                                    <p:anim calcmode="lin" valueType="num">
+                                      <p:cBhvr additive="base">
+                                        <p:cTn id="88" dur="500" fill="hold"/>
+                                        <p:tgtEl>
+                                          <p:spTgt spid="17"/>
+                                        </p:tgtEl>
+                                        <p:attrNameLst>
+                                          <p:attrName>ppt_x</p:attrName>
+                                        </p:attrNameLst>
+                                      </p:cBhvr>
+                                      <p:tavLst>
+                                        <p:tav tm="0">
+                                          <p:val>
+                                            <p:strVal val="#ppt_x"/>
+                                          </p:val>
+                                        </p:tav>
+                                        <p:tav tm="100000">
+                                          <p:val>
+                                            <p:strVal val="#ppt_x"/>
+                                          </p:val>
+                                        </p:tav>
+                                      </p:tavLst>
+                                    </p:anim>
+                                    <p:anim calcmode="lin" valueType="num">
+                                      <p:cBhvr additive="base">
+                                        <p:cTn id="89" dur="500" fill="hold"/>
+                                        <p:tgtEl>
+                                          <p:spTgt spid="17"/>
+                                        </p:tgtEl>
+                                        <p:attrNameLst>
+                                          <p:attrName>ppt_y</p:attrName>
+                                        </p:attrNameLst>
+                                      </p:cBhvr>
+                                      <p:tavLst>
+                                        <p:tav tm="0">
+                                          <p:val>
+                                            <p:strVal val="1+#ppt_h/2"/>
+                                          </p:val>
+                                        </p:tav>
+                                        <p:tav tm="100000">
+                                          <p:val>
+                                            <p:strVal val="#ppt_y"/>
+                                          </p:val>
+                                        </p:tav>
+                                      </p:tavLst>
+                                    </p:anim>
+                                  </p:childTnLst>
+                                </p:cTn>
+                              </p:par>
+                              <p:par>
+                                <p:cTn id="90" presetID="2" presetClass="entr" presetSubtype="4" fill="hold" nodeType="withEffect">
+                                  <p:stCondLst>
+                                    <p:cond delay="0"/>
+                                  </p:stCondLst>
+                                  <p:childTnLst>
+                                    <p:set>
+                                      <p:cBhvr>
+                                        <p:cTn id="91" dur="1" fill="hold">
+                                          <p:stCondLst>
+                                            <p:cond delay="0"/>
+                                          </p:stCondLst>
+                                        </p:cTn>
+                                        <p:tgtEl>
+                                          <p:spTgt spid="18"/>
+                                        </p:tgtEl>
+                                        <p:attrNameLst>
+                                          <p:attrName>style.visibility</p:attrName>
+                                        </p:attrNameLst>
+                                      </p:cBhvr>
+                                      <p:to>
+                                        <p:strVal val="visible"/>
+                                      </p:to>
+                                    </p:set>
+                                    <p:anim calcmode="lin" valueType="num">
+                                      <p:cBhvr additive="base">
+                                        <p:cTn id="92" dur="500" fill="hold"/>
+                                        <p:tgtEl>
+                                          <p:spTgt spid="18"/>
+                                        </p:tgtEl>
+                                        <p:attrNameLst>
+                                          <p:attrName>ppt_x</p:attrName>
+                                        </p:attrNameLst>
+                                      </p:cBhvr>
+                                      <p:tavLst>
+                                        <p:tav tm="0">
+                                          <p:val>
+                                            <p:strVal val="#ppt_x"/>
+                                          </p:val>
+                                        </p:tav>
+                                        <p:tav tm="100000">
+                                          <p:val>
+                                            <p:strVal val="#ppt_x"/>
+                                          </p:val>
+                                        </p:tav>
+                                      </p:tavLst>
+                                    </p:anim>
+                                    <p:anim calcmode="lin" valueType="num">
+                                      <p:cBhvr additive="base">
+                                        <p:cTn id="93" dur="500" fill="hold"/>
+                                        <p:tgtEl>
+                                          <p:spTgt spid="18"/>
+                                        </p:tgtEl>
+                                        <p:attrNameLst>
+                                          <p:attrName>ppt_y</p:attrName>
+                                        </p:attrNameLst>
+                                      </p:cBhvr>
+                                      <p:tavLst>
+                                        <p:tav tm="0">
+                                          <p:val>
+                                            <p:strVal val="1+#ppt_h/2"/>
+                                          </p:val>
+                                        </p:tav>
+                                        <p:tav tm="100000">
+                                          <p:val>
+                                            <p:strVal val="#ppt_y"/>
+                                          </p:val>
+                                        </p:tav>
+                                      </p:tavLst>
+                                    </p:anim>
+                                  </p:childTnLst>
+                                </p:cTn>
+                              </p:par>
+                              <p:par>
+                                <p:cTn id="94" presetID="2" presetClass="entr" presetSubtype="4" fill="hold" nodeType="withEffect">
+                                  <p:stCondLst>
+                                    <p:cond delay="0"/>
+                                  </p:stCondLst>
+                                  <p:childTnLst>
+                                    <p:set>
+                                      <p:cBhvr>
+                                        <p:cTn id="95" dur="1" fill="hold">
+                                          <p:stCondLst>
+                                            <p:cond delay="0"/>
+                                          </p:stCondLst>
+                                        </p:cTn>
+                                        <p:tgtEl>
+                                          <p:spTgt spid="20"/>
+                                        </p:tgtEl>
+                                        <p:attrNameLst>
+                                          <p:attrName>style.visibility</p:attrName>
+                                        </p:attrNameLst>
+                                      </p:cBhvr>
+                                      <p:to>
+                                        <p:strVal val="visible"/>
+                                      </p:to>
+                                    </p:set>
+                                    <p:anim calcmode="lin" valueType="num">
+                                      <p:cBhvr additive="base">
+                                        <p:cTn id="96" dur="500" fill="hold"/>
+                                        <p:tgtEl>
+                                          <p:spTgt spid="20"/>
+                                        </p:tgtEl>
+                                        <p:attrNameLst>
+                                          <p:attrName>ppt_x</p:attrName>
+                                        </p:attrNameLst>
+                                      </p:cBhvr>
+                                      <p:tavLst>
+                                        <p:tav tm="0">
+                                          <p:val>
+                                            <p:strVal val="#ppt_x"/>
+                                          </p:val>
+                                        </p:tav>
+                                        <p:tav tm="100000">
+                                          <p:val>
+                                            <p:strVal val="#ppt_x"/>
+                                          </p:val>
+                                        </p:tav>
+                                      </p:tavLst>
+                                    </p:anim>
+                                    <p:anim calcmode="lin" valueType="num">
+                                      <p:cBhvr additive="base">
+                                        <p:cTn id="97" dur="500" fill="hold"/>
+                                        <p:tgtEl>
+                                          <p:spTgt spid="20"/>
+                                        </p:tgtEl>
+                                        <p:attrNameLst>
+                                          <p:attrName>ppt_y</p:attrName>
+                                        </p:attrNameLst>
+                                      </p:cBhvr>
+                                      <p:tavLst>
+                                        <p:tav tm="0">
+                                          <p:val>
+                                            <p:strVal val="1+#ppt_h/2"/>
+                                          </p:val>
+                                        </p:tav>
+                                        <p:tav tm="100000">
+                                          <p:val>
+                                            <p:strVal val="#ppt_y"/>
+                                          </p:val>
+                                        </p:tav>
+                                      </p:tavLst>
+                                    </p:anim>
+                                  </p:childTnLst>
+                                </p:cTn>
+                              </p:par>
+                              <p:par>
+                                <p:cTn id="98" presetID="2" presetClass="entr" presetSubtype="4" fill="hold" grpId="2" nodeType="withEffect">
+                                  <p:stCondLst>
+                                    <p:cond delay="0"/>
+                                  </p:stCondLst>
+                                  <p:childTnLst>
+                                    <p:set>
+                                      <p:cBhvr>
+                                        <p:cTn id="99" dur="1" fill="hold">
+                                          <p:stCondLst>
+                                            <p:cond delay="0"/>
+                                          </p:stCondLst>
+                                        </p:cTn>
+                                        <p:tgtEl>
+                                          <p:spTgt spid="23"/>
+                                        </p:tgtEl>
+                                        <p:attrNameLst>
+                                          <p:attrName>style.visibility</p:attrName>
+                                        </p:attrNameLst>
+                                      </p:cBhvr>
+                                      <p:to>
+                                        <p:strVal val="visible"/>
+                                      </p:to>
+                                    </p:set>
+                                    <p:anim calcmode="lin" valueType="num">
+                                      <p:cBhvr additive="base">
+                                        <p:cTn id="100" dur="500" fill="hold"/>
+                                        <p:tgtEl>
+                                          <p:spTgt spid="23"/>
+                                        </p:tgtEl>
+                                        <p:attrNameLst>
+                                          <p:attrName>ppt_x</p:attrName>
+                                        </p:attrNameLst>
+                                      </p:cBhvr>
+                                      <p:tavLst>
+                                        <p:tav tm="0">
+                                          <p:val>
+                                            <p:strVal val="#ppt_x"/>
+                                          </p:val>
+                                        </p:tav>
+                                        <p:tav tm="100000">
+                                          <p:val>
+                                            <p:strVal val="#ppt_x"/>
+                                          </p:val>
+                                        </p:tav>
+                                      </p:tavLst>
+                                    </p:anim>
+                                    <p:anim calcmode="lin" valueType="num">
+                                      <p:cBhvr additive="base">
+                                        <p:cTn id="101" dur="500" fill="hold"/>
+                                        <p:tgtEl>
+                                          <p:spTgt spid="23"/>
+                                        </p:tgtEl>
+                                        <p:attrNameLst>
+                                          <p:attrName>ppt_y</p:attrName>
+                                        </p:attrNameLst>
+                                      </p:cBhvr>
+                                      <p:tavLst>
+                                        <p:tav tm="0">
+                                          <p:val>
+                                            <p:strVal val="1+#ppt_h/2"/>
+                                          </p:val>
+                                        </p:tav>
+                                        <p:tav tm="100000">
+                                          <p:val>
+                                            <p:strVal val="#ppt_y"/>
+                                          </p:val>
+                                        </p:tav>
+                                      </p:tavLst>
+                                    </p:anim>
+                                  </p:childTnLst>
+                                </p:cTn>
+                              </p:par>
+                            </p:childTnLst>
+                          </p:cTn>
+                        </p:par>
+                      </p:childTnLst>
+                    </p:cTn>
+                  </p:par>
+                  <p:par>
+                    <p:cTn id="102" fill="hold">
+                      <p:stCondLst>
+                        <p:cond delay="indefinite"/>
+                      </p:stCondLst>
+                      <p:childTnLst>
+                        <p:par>
+                          <p:cTn id="103" fill="hold">
+                            <p:stCondLst>
+                              <p:cond delay="0"/>
+                            </p:stCondLst>
+                            <p:childTnLst>
+                              <p:par>
+                                <p:cTn id="104" presetID="37" presetClass="entr" presetSubtype="0" fill="hold" grpId="0" nodeType="clickEffect">
+                                  <p:stCondLst>
+                                    <p:cond delay="0"/>
+                                  </p:stCondLst>
+                                  <p:childTnLst>
+                                    <p:set>
+                                      <p:cBhvr>
+                                        <p:cTn id="105" dur="1" fill="hold">
+                                          <p:stCondLst>
+                                            <p:cond delay="0"/>
+                                          </p:stCondLst>
+                                        </p:cTn>
+                                        <p:tgtEl>
+                                          <p:spTgt spid="22"/>
+                                        </p:tgtEl>
+                                        <p:attrNameLst>
+                                          <p:attrName>style.visibility</p:attrName>
+                                        </p:attrNameLst>
+                                      </p:cBhvr>
+                                      <p:to>
+                                        <p:strVal val="visible"/>
+                                      </p:to>
+                                    </p:set>
+                                    <p:animEffect transition="in" filter="fade">
+                                      <p:cBhvr>
+                                        <p:cTn id="106" dur="1000"/>
+                                        <p:tgtEl>
+                                          <p:spTgt spid="22"/>
+                                        </p:tgtEl>
+                                      </p:cBhvr>
+                                    </p:animEffect>
+                                    <p:anim calcmode="lin" valueType="num">
+                                      <p:cBhvr>
+                                        <p:cTn id="107" dur="1000" fill="hold"/>
+                                        <p:tgtEl>
+                                          <p:spTgt spid="22"/>
+                                        </p:tgtEl>
+                                        <p:attrNameLst>
+                                          <p:attrName>ppt_x</p:attrName>
+                                        </p:attrNameLst>
+                                      </p:cBhvr>
+                                      <p:tavLst>
+                                        <p:tav tm="0">
+                                          <p:val>
+                                            <p:strVal val="#ppt_x"/>
+                                          </p:val>
+                                        </p:tav>
+                                        <p:tav tm="100000">
+                                          <p:val>
+                                            <p:strVal val="#ppt_x"/>
+                                          </p:val>
+                                        </p:tav>
+                                      </p:tavLst>
+                                    </p:anim>
+                                    <p:anim calcmode="lin" valueType="num">
+                                      <p:cBhvr>
+                                        <p:cTn id="108" dur="900" decel="100000" fill="hold"/>
+                                        <p:tgtEl>
+                                          <p:spTgt spid="22"/>
+                                        </p:tgtEl>
+                                        <p:attrNameLst>
+                                          <p:attrName>ppt_y</p:attrName>
+                                        </p:attrNameLst>
+                                      </p:cBhvr>
+                                      <p:tavLst>
+                                        <p:tav tm="0">
+                                          <p:val>
+                                            <p:strVal val="#ppt_y+1"/>
+                                          </p:val>
+                                        </p:tav>
+                                        <p:tav tm="100000">
+                                          <p:val>
+                                            <p:strVal val="#ppt_y-.03"/>
+                                          </p:val>
+                                        </p:tav>
+                                      </p:tavLst>
+                                    </p:anim>
+                                    <p:anim calcmode="lin" valueType="num">
+                                      <p:cBhvr>
+                                        <p:cTn id="109" dur="100" accel="100000" fill="hold">
+                                          <p:stCondLst>
+                                            <p:cond delay="900"/>
+                                          </p:stCondLst>
+                                        </p:cTn>
+                                        <p:tgtEl>
+                                          <p:spTgt spid="22"/>
+                                        </p:tgtEl>
+                                        <p:attrNameLst>
+                                          <p:attrName>ppt_y</p:attrName>
+                                        </p:attrNameLst>
+                                      </p:cBhvr>
+                                      <p:tavLst>
+                                        <p:tav tm="0">
+                                          <p:val>
+                                            <p:strVal val="#ppt_y-.03"/>
+                                          </p:val>
+                                        </p:tav>
+                                        <p:tav tm="100000">
+                                          <p:val>
+                                            <p:strVal val="#ppt_y"/>
+                                          </p:val>
+                                        </p:tav>
+                                      </p:tavLst>
+                                    </p:anim>
+                                  </p:childTnLst>
+                                </p:cTn>
+                              </p:par>
+                              <p:par>
+                                <p:cTn id="110" presetID="37" presetClass="entr" presetSubtype="0" fill="hold" grpId="0" nodeType="withEffect">
+                                  <p:stCondLst>
+                                    <p:cond delay="0"/>
+                                  </p:stCondLst>
+                                  <p:childTnLst>
+                                    <p:set>
+                                      <p:cBhvr>
+                                        <p:cTn id="111" dur="1" fill="hold">
+                                          <p:stCondLst>
+                                            <p:cond delay="0"/>
+                                          </p:stCondLst>
+                                        </p:cTn>
+                                        <p:tgtEl>
+                                          <p:spTgt spid="21"/>
+                                        </p:tgtEl>
+                                        <p:attrNameLst>
+                                          <p:attrName>style.visibility</p:attrName>
+                                        </p:attrNameLst>
+                                      </p:cBhvr>
+                                      <p:to>
+                                        <p:strVal val="visible"/>
+                                      </p:to>
+                                    </p:set>
+                                    <p:animEffect transition="in" filter="fade">
+                                      <p:cBhvr>
+                                        <p:cTn id="112" dur="1000"/>
+                                        <p:tgtEl>
+                                          <p:spTgt spid="21"/>
+                                        </p:tgtEl>
+                                      </p:cBhvr>
+                                    </p:animEffect>
+                                    <p:anim calcmode="lin" valueType="num">
+                                      <p:cBhvr>
+                                        <p:cTn id="113" dur="1000" fill="hold"/>
+                                        <p:tgtEl>
+                                          <p:spTgt spid="21"/>
+                                        </p:tgtEl>
+                                        <p:attrNameLst>
+                                          <p:attrName>ppt_x</p:attrName>
+                                        </p:attrNameLst>
+                                      </p:cBhvr>
+                                      <p:tavLst>
+                                        <p:tav tm="0">
+                                          <p:val>
+                                            <p:strVal val="#ppt_x"/>
+                                          </p:val>
+                                        </p:tav>
+                                        <p:tav tm="100000">
+                                          <p:val>
+                                            <p:strVal val="#ppt_x"/>
+                                          </p:val>
+                                        </p:tav>
+                                      </p:tavLst>
+                                    </p:anim>
+                                    <p:anim calcmode="lin" valueType="num">
+                                      <p:cBhvr>
+                                        <p:cTn id="114" dur="900" decel="100000" fill="hold"/>
+                                        <p:tgtEl>
+                                          <p:spTgt spid="21"/>
+                                        </p:tgtEl>
+                                        <p:attrNameLst>
+                                          <p:attrName>ppt_y</p:attrName>
+                                        </p:attrNameLst>
+                                      </p:cBhvr>
+                                      <p:tavLst>
+                                        <p:tav tm="0">
+                                          <p:val>
+                                            <p:strVal val="#ppt_y+1"/>
+                                          </p:val>
+                                        </p:tav>
+                                        <p:tav tm="100000">
+                                          <p:val>
+                                            <p:strVal val="#ppt_y-.03"/>
+                                          </p:val>
+                                        </p:tav>
+                                      </p:tavLst>
+                                    </p:anim>
+                                    <p:anim calcmode="lin" valueType="num">
+                                      <p:cBhvr>
+                                        <p:cTn id="115" dur="100" accel="100000" fill="hold">
+                                          <p:stCondLst>
+                                            <p:cond delay="900"/>
+                                          </p:stCondLst>
+                                        </p:cTn>
+                                        <p:tgtEl>
+                                          <p:spTgt spid="21"/>
+                                        </p:tgtEl>
+                                        <p:attrNameLst>
+                                          <p:attrName>ppt_y</p:attrName>
+                                        </p:attrNameLst>
+                                      </p:cBhvr>
+                                      <p:tavLst>
+                                        <p:tav tm="0">
+                                          <p:val>
+                                            <p:strVal val="#ppt_y-.03"/>
+                                          </p:val>
+                                        </p:tav>
+                                        <p:tav tm="100000">
+                                          <p:val>
+                                            <p:strVal val="#ppt_y"/>
+                                          </p:val>
+                                        </p:tav>
+                                      </p:tavLst>
+                                    </p:anim>
+                                  </p:childTnLst>
+                                </p:cTn>
+                              </p:par>
+                              <p:par>
+                                <p:cTn id="116" presetID="9" presetClass="emph" presetSubtype="0" grpId="1" nodeType="withEffect">
+                                  <p:stCondLst>
+                                    <p:cond delay="0"/>
+                                  </p:stCondLst>
+                                  <p:childTnLst>
+                                    <p:set>
+                                      <p:cBhvr rctx="PPT">
+                                        <p:cTn id="117" dur="indefinite"/>
+                                        <p:tgtEl>
+                                          <p:spTgt spid="4"/>
+                                        </p:tgtEl>
+                                        <p:attrNameLst>
+                                          <p:attrName>style.opacity</p:attrName>
+                                        </p:attrNameLst>
+                                      </p:cBhvr>
+                                      <p:to>
+                                        <p:strVal val="0.5"/>
+                                      </p:to>
+                                    </p:set>
+                                    <p:animEffect filter="image" prLst="opacity: 0.5">
+                                      <p:cBhvr rctx="IE">
+                                        <p:cTn id="118" dur="indefinite"/>
+                                        <p:tgtEl>
+                                          <p:spTgt spid="4"/>
+                                        </p:tgtEl>
+                                      </p:cBhvr>
+                                    </p:animEffect>
+                                  </p:childTnLst>
+                                </p:cTn>
+                              </p:par>
+                              <p:par>
+                                <p:cTn id="119" presetID="9" presetClass="emph" presetSubtype="0" grpId="1" nodeType="withEffect">
+                                  <p:stCondLst>
+                                    <p:cond delay="0"/>
+                                  </p:stCondLst>
+                                  <p:childTnLst>
+                                    <p:set>
+                                      <p:cBhvr rctx="PPT">
+                                        <p:cTn id="120" dur="indefinite"/>
+                                        <p:tgtEl>
+                                          <p:spTgt spid="5"/>
+                                        </p:tgtEl>
+                                        <p:attrNameLst>
+                                          <p:attrName>style.opacity</p:attrName>
+                                        </p:attrNameLst>
+                                      </p:cBhvr>
+                                      <p:to>
+                                        <p:strVal val="0.5"/>
+                                      </p:to>
+                                    </p:set>
+                                    <p:animEffect filter="image" prLst="opacity: 0.5">
+                                      <p:cBhvr rctx="IE">
+                                        <p:cTn id="121" dur="indefinite"/>
+                                        <p:tgtEl>
+                                          <p:spTgt spid="5"/>
+                                        </p:tgtEl>
+                                      </p:cBhvr>
+                                    </p:animEffect>
+                                  </p:childTnLst>
+                                </p:cTn>
+                              </p:par>
+                              <p:par>
+                                <p:cTn id="122" presetID="9" presetClass="emph" presetSubtype="0" grpId="1" nodeType="withEffect">
+                                  <p:stCondLst>
+                                    <p:cond delay="0"/>
+                                  </p:stCondLst>
+                                  <p:childTnLst>
+                                    <p:set>
+                                      <p:cBhvr rctx="PPT">
+                                        <p:cTn id="123" dur="indefinite"/>
+                                        <p:tgtEl>
+                                          <p:spTgt spid="6"/>
+                                        </p:tgtEl>
+                                        <p:attrNameLst>
+                                          <p:attrName>style.opacity</p:attrName>
+                                        </p:attrNameLst>
+                                      </p:cBhvr>
+                                      <p:to>
+                                        <p:strVal val="0.5"/>
+                                      </p:to>
+                                    </p:set>
+                                    <p:animEffect filter="image" prLst="opacity: 0.5">
+                                      <p:cBhvr rctx="IE">
+                                        <p:cTn id="124" dur="indefinite"/>
+                                        <p:tgtEl>
+                                          <p:spTgt spid="6"/>
+                                        </p:tgtEl>
+                                      </p:cBhvr>
+                                    </p:animEffect>
+                                  </p:childTnLst>
+                                </p:cTn>
+                              </p:par>
+                              <p:par>
+                                <p:cTn id="125" presetID="9" presetClass="emph" presetSubtype="0" grpId="1" nodeType="withEffect">
+                                  <p:stCondLst>
+                                    <p:cond delay="0"/>
+                                  </p:stCondLst>
+                                  <p:childTnLst>
+                                    <p:set>
+                                      <p:cBhvr rctx="PPT">
+                                        <p:cTn id="126" dur="indefinite"/>
+                                        <p:tgtEl>
+                                          <p:spTgt spid="7"/>
+                                        </p:tgtEl>
+                                        <p:attrNameLst>
+                                          <p:attrName>style.opacity</p:attrName>
+                                        </p:attrNameLst>
+                                      </p:cBhvr>
+                                      <p:to>
+                                        <p:strVal val="0.5"/>
+                                      </p:to>
+                                    </p:set>
+                                    <p:animEffect filter="image" prLst="opacity: 0.5">
+                                      <p:cBhvr rctx="IE">
+                                        <p:cTn id="127" dur="indefinite"/>
+                                        <p:tgtEl>
+                                          <p:spTgt spid="7"/>
+                                        </p:tgtEl>
+                                      </p:cBhvr>
+                                    </p:animEffect>
+                                  </p:childTnLst>
+                                </p:cTn>
+                              </p:par>
+                              <p:par>
+                                <p:cTn id="128" presetID="9" presetClass="emph" presetSubtype="0" nodeType="withEffect">
+                                  <p:stCondLst>
+                                    <p:cond delay="0"/>
+                                  </p:stCondLst>
+                                  <p:childTnLst>
+                                    <p:set>
+                                      <p:cBhvr rctx="PPT">
+                                        <p:cTn id="129" dur="indefinite"/>
+                                        <p:tgtEl>
+                                          <p:spTgt spid="8"/>
+                                        </p:tgtEl>
+                                        <p:attrNameLst>
+                                          <p:attrName>style.opacity</p:attrName>
+                                        </p:attrNameLst>
+                                      </p:cBhvr>
+                                      <p:to>
+                                        <p:strVal val="0.5"/>
+                                      </p:to>
+                                    </p:set>
+                                    <p:animEffect filter="image" prLst="opacity: 0.5">
+                                      <p:cBhvr rctx="IE">
+                                        <p:cTn id="130" dur="indefinite"/>
+                                        <p:tgtEl>
+                                          <p:spTgt spid="8"/>
+                                        </p:tgtEl>
+                                      </p:cBhvr>
+                                    </p:animEffect>
+                                  </p:childTnLst>
+                                </p:cTn>
+                              </p:par>
+                              <p:par>
+                                <p:cTn id="131" presetID="9" presetClass="emph" presetSubtype="0" grpId="1" nodeType="withEffect">
+                                  <p:stCondLst>
+                                    <p:cond delay="0"/>
+                                  </p:stCondLst>
+                                  <p:childTnLst>
+                                    <p:set>
+                                      <p:cBhvr rctx="PPT">
+                                        <p:cTn id="132" dur="indefinite"/>
+                                        <p:tgtEl>
+                                          <p:spTgt spid="9"/>
+                                        </p:tgtEl>
+                                        <p:attrNameLst>
+                                          <p:attrName>style.opacity</p:attrName>
+                                        </p:attrNameLst>
+                                      </p:cBhvr>
+                                      <p:to>
+                                        <p:strVal val="0.5"/>
+                                      </p:to>
+                                    </p:set>
+                                    <p:animEffect filter="image" prLst="opacity: 0.5">
+                                      <p:cBhvr rctx="IE">
+                                        <p:cTn id="133" dur="indefinite"/>
+                                        <p:tgtEl>
+                                          <p:spTgt spid="9"/>
+                                        </p:tgtEl>
+                                      </p:cBhvr>
+                                    </p:animEffect>
+                                  </p:childTnLst>
+                                </p:cTn>
+                              </p:par>
+                              <p:par>
+                                <p:cTn id="134" presetID="9" presetClass="emph" presetSubtype="0" grpId="1" nodeType="withEffect">
+                                  <p:stCondLst>
+                                    <p:cond delay="0"/>
+                                  </p:stCondLst>
+                                  <p:childTnLst>
+                                    <p:set>
+                                      <p:cBhvr rctx="PPT">
+                                        <p:cTn id="135" dur="indefinite"/>
+                                        <p:tgtEl>
+                                          <p:spTgt spid="10"/>
+                                        </p:tgtEl>
+                                        <p:attrNameLst>
+                                          <p:attrName>style.opacity</p:attrName>
+                                        </p:attrNameLst>
+                                      </p:cBhvr>
+                                      <p:to>
+                                        <p:strVal val="0.5"/>
+                                      </p:to>
+                                    </p:set>
+                                    <p:animEffect filter="image" prLst="opacity: 0.5">
+                                      <p:cBhvr rctx="IE">
+                                        <p:cTn id="136" dur="indefinite"/>
+                                        <p:tgtEl>
+                                          <p:spTgt spid="10"/>
+                                        </p:tgtEl>
+                                      </p:cBhvr>
+                                    </p:animEffect>
+                                  </p:childTnLst>
+                                </p:cTn>
+                              </p:par>
+                              <p:par>
+                                <p:cTn id="137" presetID="9" presetClass="emph" presetSubtype="0" nodeType="withEffect">
+                                  <p:stCondLst>
+                                    <p:cond delay="0"/>
+                                  </p:stCondLst>
+                                  <p:childTnLst>
+                                    <p:set>
+                                      <p:cBhvr rctx="PPT">
+                                        <p:cTn id="138" dur="indefinite"/>
+                                        <p:tgtEl>
+                                          <p:spTgt spid="11"/>
+                                        </p:tgtEl>
+                                        <p:attrNameLst>
+                                          <p:attrName>style.opacity</p:attrName>
+                                        </p:attrNameLst>
+                                      </p:cBhvr>
+                                      <p:to>
+                                        <p:strVal val="0.5"/>
+                                      </p:to>
+                                    </p:set>
+                                    <p:animEffect filter="image" prLst="opacity: 0.5">
+                                      <p:cBhvr rctx="IE">
+                                        <p:cTn id="139" dur="indefinite"/>
+                                        <p:tgtEl>
+                                          <p:spTgt spid="11"/>
+                                        </p:tgtEl>
+                                      </p:cBhvr>
+                                    </p:animEffect>
+                                  </p:childTnLst>
+                                </p:cTn>
+                              </p:par>
+                              <p:par>
+                                <p:cTn id="140" presetID="9" presetClass="emph" presetSubtype="0" grpId="1" nodeType="withEffect">
+                                  <p:stCondLst>
+                                    <p:cond delay="0"/>
+                                  </p:stCondLst>
+                                  <p:childTnLst>
+                                    <p:set>
+                                      <p:cBhvr rctx="PPT">
+                                        <p:cTn id="141" dur="indefinite"/>
+                                        <p:tgtEl>
+                                          <p:spTgt spid="12"/>
+                                        </p:tgtEl>
+                                        <p:attrNameLst>
+                                          <p:attrName>style.opacity</p:attrName>
+                                        </p:attrNameLst>
+                                      </p:cBhvr>
+                                      <p:to>
+                                        <p:strVal val="0.5"/>
+                                      </p:to>
+                                    </p:set>
+                                    <p:animEffect filter="image" prLst="opacity: 0.5">
+                                      <p:cBhvr rctx="IE">
+                                        <p:cTn id="142" dur="indefinite"/>
+                                        <p:tgtEl>
+                                          <p:spTgt spid="12"/>
+                                        </p:tgtEl>
+                                      </p:cBhvr>
+                                    </p:animEffect>
+                                  </p:childTnLst>
+                                </p:cTn>
+                              </p:par>
+                              <p:par>
+                                <p:cTn id="143" presetID="9" presetClass="emph" presetSubtype="0" grpId="2" nodeType="withEffect">
+                                  <p:stCondLst>
+                                    <p:cond delay="0"/>
+                                  </p:stCondLst>
+                                  <p:childTnLst>
+                                    <p:set>
+                                      <p:cBhvr rctx="PPT">
+                                        <p:cTn id="144" dur="indefinite"/>
+                                        <p:tgtEl>
+                                          <p:spTgt spid="13"/>
+                                        </p:tgtEl>
+                                        <p:attrNameLst>
+                                          <p:attrName>style.opacity</p:attrName>
+                                        </p:attrNameLst>
+                                      </p:cBhvr>
+                                      <p:to>
+                                        <p:strVal val="0.5"/>
+                                      </p:to>
+                                    </p:set>
+                                    <p:animEffect filter="image" prLst="opacity: 0.5">
+                                      <p:cBhvr rctx="IE">
+                                        <p:cTn id="145" dur="indefinite"/>
+                                        <p:tgtEl>
+                                          <p:spTgt spid="13"/>
+                                        </p:tgtEl>
+                                      </p:cBhvr>
+                                    </p:animEffect>
+                                  </p:childTnLst>
+                                </p:cTn>
+                              </p:par>
+                              <p:par>
+                                <p:cTn id="146" presetID="9" presetClass="emph" presetSubtype="0" nodeType="withEffect">
+                                  <p:stCondLst>
+                                    <p:cond delay="0"/>
+                                  </p:stCondLst>
+                                  <p:childTnLst>
+                                    <p:set>
+                                      <p:cBhvr rctx="PPT">
+                                        <p:cTn id="147" dur="indefinite"/>
+                                        <p:tgtEl>
+                                          <p:spTgt spid="14"/>
+                                        </p:tgtEl>
+                                        <p:attrNameLst>
+                                          <p:attrName>style.opacity</p:attrName>
+                                        </p:attrNameLst>
+                                      </p:cBhvr>
+                                      <p:to>
+                                        <p:strVal val="0.5"/>
+                                      </p:to>
+                                    </p:set>
+                                    <p:animEffect filter="image" prLst="opacity: 0.5">
+                                      <p:cBhvr rctx="IE">
+                                        <p:cTn id="148" dur="indefinite"/>
+                                        <p:tgtEl>
+                                          <p:spTgt spid="14"/>
+                                        </p:tgtEl>
+                                      </p:cBhvr>
+                                    </p:animEffect>
+                                  </p:childTnLst>
+                                </p:cTn>
+                              </p:par>
+                              <p:par>
+                                <p:cTn id="149" presetID="9" presetClass="emph" presetSubtype="0" nodeType="withEffect">
+                                  <p:stCondLst>
+                                    <p:cond delay="0"/>
+                                  </p:stCondLst>
+                                  <p:childTnLst>
+                                    <p:set>
+                                      <p:cBhvr rctx="PPT">
+                                        <p:cTn id="150" dur="indefinite"/>
+                                        <p:tgtEl>
+                                          <p:spTgt spid="15"/>
+                                        </p:tgtEl>
+                                        <p:attrNameLst>
+                                          <p:attrName>style.opacity</p:attrName>
+                                        </p:attrNameLst>
+                                      </p:cBhvr>
+                                      <p:to>
+                                        <p:strVal val="0.5"/>
+                                      </p:to>
+                                    </p:set>
+                                    <p:animEffect filter="image" prLst="opacity: 0.5">
+                                      <p:cBhvr rctx="IE">
+                                        <p:cTn id="151" dur="indefinite"/>
+                                        <p:tgtEl>
+                                          <p:spTgt spid="15"/>
+                                        </p:tgtEl>
+                                      </p:cBhvr>
+                                    </p:animEffect>
+                                  </p:childTnLst>
+                                </p:cTn>
+                              </p:par>
+                              <p:par>
+                                <p:cTn id="152" presetID="9" presetClass="emph" presetSubtype="0" nodeType="withEffect">
+                                  <p:stCondLst>
+                                    <p:cond delay="0"/>
+                                  </p:stCondLst>
+                                  <p:childTnLst>
+                                    <p:set>
+                                      <p:cBhvr rctx="PPT">
+                                        <p:cTn id="153" dur="indefinite"/>
+                                        <p:tgtEl>
+                                          <p:spTgt spid="16"/>
+                                        </p:tgtEl>
+                                        <p:attrNameLst>
+                                          <p:attrName>style.opacity</p:attrName>
+                                        </p:attrNameLst>
+                                      </p:cBhvr>
+                                      <p:to>
+                                        <p:strVal val="0.5"/>
+                                      </p:to>
+                                    </p:set>
+                                    <p:animEffect filter="image" prLst="opacity: 0.5">
+                                      <p:cBhvr rctx="IE">
+                                        <p:cTn id="154" dur="indefinite"/>
+                                        <p:tgtEl>
+                                          <p:spTgt spid="16"/>
+                                        </p:tgtEl>
+                                      </p:cBhvr>
+                                    </p:animEffect>
+                                  </p:childTnLst>
+                                </p:cTn>
+                              </p:par>
+                              <p:par>
+                                <p:cTn id="155" presetID="9" presetClass="emph" presetSubtype="0" nodeType="withEffect">
+                                  <p:stCondLst>
+                                    <p:cond delay="0"/>
+                                  </p:stCondLst>
+                                  <p:childTnLst>
+                                    <p:set>
+                                      <p:cBhvr rctx="PPT">
+                                        <p:cTn id="156" dur="indefinite"/>
+                                        <p:tgtEl>
+                                          <p:spTgt spid="17"/>
+                                        </p:tgtEl>
+                                        <p:attrNameLst>
+                                          <p:attrName>style.opacity</p:attrName>
+                                        </p:attrNameLst>
+                                      </p:cBhvr>
+                                      <p:to>
+                                        <p:strVal val="0.5"/>
+                                      </p:to>
+                                    </p:set>
+                                    <p:animEffect filter="image" prLst="opacity: 0.5">
+                                      <p:cBhvr rctx="IE">
+                                        <p:cTn id="157" dur="indefinite"/>
+                                        <p:tgtEl>
+                                          <p:spTgt spid="17"/>
+                                        </p:tgtEl>
+                                      </p:cBhvr>
+                                    </p:animEffect>
+                                  </p:childTnLst>
+                                </p:cTn>
+                              </p:par>
+                              <p:par>
+                                <p:cTn id="158" presetID="9" presetClass="emph" presetSubtype="0" nodeType="withEffect">
+                                  <p:stCondLst>
+                                    <p:cond delay="0"/>
+                                  </p:stCondLst>
+                                  <p:childTnLst>
+                                    <p:set>
+                                      <p:cBhvr rctx="PPT">
+                                        <p:cTn id="159" dur="indefinite"/>
+                                        <p:tgtEl>
+                                          <p:spTgt spid="18"/>
+                                        </p:tgtEl>
+                                        <p:attrNameLst>
+                                          <p:attrName>style.opacity</p:attrName>
+                                        </p:attrNameLst>
+                                      </p:cBhvr>
+                                      <p:to>
+                                        <p:strVal val="0.5"/>
+                                      </p:to>
+                                    </p:set>
+                                    <p:animEffect filter="image" prLst="opacity: 0.5">
+                                      <p:cBhvr rctx="IE">
+                                        <p:cTn id="160" dur="indefinite"/>
+                                        <p:tgtEl>
+                                          <p:spTgt spid="18"/>
+                                        </p:tgtEl>
+                                      </p:cBhvr>
+                                    </p:animEffect>
+                                  </p:childTnLst>
+                                </p:cTn>
+                              </p:par>
+                              <p:par>
+                                <p:cTn id="161" presetID="9" presetClass="emph" presetSubtype="0" nodeType="withEffect">
+                                  <p:stCondLst>
+                                    <p:cond delay="0"/>
+                                  </p:stCondLst>
+                                  <p:childTnLst>
+                                    <p:set>
+                                      <p:cBhvr rctx="PPT">
+                                        <p:cTn id="162" dur="indefinite"/>
+                                        <p:tgtEl>
+                                          <p:spTgt spid="19"/>
+                                        </p:tgtEl>
+                                        <p:attrNameLst>
+                                          <p:attrName>style.opacity</p:attrName>
+                                        </p:attrNameLst>
+                                      </p:cBhvr>
+                                      <p:to>
+                                        <p:strVal val="0.5"/>
+                                      </p:to>
+                                    </p:set>
+                                    <p:animEffect filter="image" prLst="opacity: 0.5">
+                                      <p:cBhvr rctx="IE">
+                                        <p:cTn id="163" dur="indefinite"/>
+                                        <p:tgtEl>
+                                          <p:spTgt spid="19"/>
+                                        </p:tgtEl>
+                                      </p:cBhvr>
+                                    </p:animEffect>
+                                  </p:childTnLst>
+                                </p:cTn>
+                              </p:par>
+                              <p:par>
+                                <p:cTn id="164" presetID="9" presetClass="emph" presetSubtype="0" nodeType="withEffect">
+                                  <p:stCondLst>
+                                    <p:cond delay="0"/>
+                                  </p:stCondLst>
+                                  <p:childTnLst>
+                                    <p:set>
+                                      <p:cBhvr rctx="PPT">
+                                        <p:cTn id="165" dur="indefinite"/>
+                                        <p:tgtEl>
+                                          <p:spTgt spid="20"/>
+                                        </p:tgtEl>
+                                        <p:attrNameLst>
+                                          <p:attrName>style.opacity</p:attrName>
+                                        </p:attrNameLst>
+                                      </p:cBhvr>
+                                      <p:to>
+                                        <p:strVal val="0.5"/>
+                                      </p:to>
+                                    </p:set>
+                                    <p:animEffect filter="image" prLst="opacity: 0.5">
+                                      <p:cBhvr rctx="IE">
+                                        <p:cTn id="166" dur="indefinite"/>
+                                        <p:tgtEl>
+                                          <p:spTgt spid="20"/>
+                                        </p:tgtEl>
+                                      </p:cBhvr>
+                                    </p:animEffect>
+                                  </p:childTnLst>
+                                </p:cTn>
+                              </p:par>
+                              <p:par>
+                                <p:cTn id="167" presetID="9" presetClass="emph" presetSubtype="0" grpId="1" nodeType="withEffect">
+                                  <p:stCondLst>
+                                    <p:cond delay="0"/>
+                                  </p:stCondLst>
+                                  <p:childTnLst>
+                                    <p:set>
+                                      <p:cBhvr rctx="PPT">
+                                        <p:cTn id="168" dur="indefinite"/>
+                                        <p:tgtEl>
+                                          <p:spTgt spid="23"/>
+                                        </p:tgtEl>
+                                        <p:attrNameLst>
+                                          <p:attrName>style.opacity</p:attrName>
+                                        </p:attrNameLst>
+                                      </p:cBhvr>
+                                      <p:to>
+                                        <p:strVal val="0.5"/>
+                                      </p:to>
+                                    </p:set>
+                                    <p:animEffect filter="image" prLst="opacity: 0.5">
+                                      <p:cBhvr rctx="IE">
+                                        <p:cTn id="169" dur="indefinite"/>
+                                        <p:tgtEl>
+                                          <p:spTgt spid="23"/>
+                                        </p:tgtEl>
+                                      </p:cBhvr>
+                                    </p:animEffect>
+                                  </p:childTnLst>
+                                </p:cTn>
+                              </p:par>
+                            </p:childTnLst>
+                          </p:cTn>
+                        </p:par>
+                      </p:childTnLst>
+                    </p:cTn>
+                  </p:par>
+                </p:childTnLst>
+              </p:cTn>
+              <p:prevCondLst>
+                <p:cond evt="onPrev" delay="0">
+                  <p:tgtEl>
+                    <p:sldTgt/>
+                  </p:tgtEl>
+                </p:cond>
+              </p:prevCondLst>
+              <p:nextCondLst>
+                <p:cond evt="onNext" delay="0">
+                  <p:tgtEl>
+                    <p:sldTgt/>
+                  </p:tgtEl>
+                </p:cond>
+              </p:nextCondLst>
+            </p:seq>
+          </p:childTnLst>
+        </p:cTn>
+      </p:par>
+    </p:tnLst>
+    <p:bldLst>
+      <p:bldP spid="22" grpId="0" animBg="1"/>
+      <p:bldP spid="4" grpId="0"/>
+      <p:bldP spid="4" grpId="1"/>
+      <p:bldP spid="5" grpId="0"/>
+      <p:bldP spid="5" grpId="1"/>
+      <p:bldP spid="6" grpId="0"/>
+      <p:bldP spid="6" grpId="1"/>
+      <p:bldP spid="7" grpId="0"/>
+      <p:bldP spid="7" grpId="1"/>
+      <p:bldP spid="9" grpId="0" animBg="1"/>
+      <p:bldP spid="9" grpId="1" animBg="1"/>
+      <p:bldP spid="10" grpId="0" animBg="1"/>
+      <p:bldP spid="10" grpId="1" animBg="1"/>
+      <p:bldP spid="12" grpId="0" animBg="1"/>
+      <p:bldP spid="12" grpId="1" animBg="1"/>
+      <p:bldP spid="13" grpId="0" animBg="1"/>
+      <p:bldP spid="13" grpId="1" animBg="1"/>
+      <p:bldP spid="13" grpId="2" animBg="1"/>
+      <p:bldP spid="21" grpId="0"/>
+      <p:bldP spid="23" grpId="1" animBg="1"/>
+      <p:bldP spid="23" grpId="2" animBg="1"/>
+    </p:bldLst>
+  </p:timing>
+</p:sld>
+</file>
+
+<file path=ppt/slides/slide5.xml><?xml version="1.0" encoding="utf-8"?>
 <p:sld xmlns:a="http://schemas.openxmlformats.org/drawingml/2006/main" xmlns:r="http://schemas.openxmlformats.org/officeDocument/2006/relationships" xmlns:p="http://schemas.openxmlformats.org/presentationml/2006/main">
   <p:cSld>
     <p:spTree>
@@ -5524,7 +12125,9 @@
           <a:lstStyle/>
           <a:p>
             <a:r>
-              <a:rPr lang="en-US" dirty="0" smtClean="0"/>
+              <a:rPr lang="en-US" b="1" dirty="0" smtClean="0">
+                <a:latin typeface=""/>
+              </a:rPr>
               <a:t>Sources</a:t>
             </a:r>
             <a:endParaRPr lang="en-US" dirty="0"/>
@@ -5555,7 +12158,14 @@
           <a:p>
             <a:pPr algn="l"/>
             <a:r>
-              <a:rPr lang="en-US" sz="2000" dirty="0" smtClean="0"/>
+              <a:rPr lang="en-US" sz="2000" dirty="0" smtClean="0">
+                <a:solidFill>
+                  <a:schemeClr val="bg1">
+                    <a:lumMod val="50000"/>
+                  </a:schemeClr>
+                </a:solidFill>
+                <a:latin typeface="Lato Light"/>
+              </a:rPr>
               <a:t>Icons from the Noun Project:</a:t>
             </a:r>
           </a:p>
@@ -5565,22 +12175,57 @@
               <a:buChar char="•"/>
             </a:pPr>
             <a:r>
-              <a:rPr lang="en-US" sz="2000" dirty="0" smtClean="0"/>
+              <a:rPr lang="en-US" sz="2000" dirty="0" smtClean="0">
+                <a:solidFill>
+                  <a:schemeClr val="bg1">
+                    <a:lumMod val="50000"/>
+                  </a:schemeClr>
+                </a:solidFill>
+                <a:latin typeface="Lato Light"/>
+              </a:rPr>
               <a:t>UFO designed by Jimmy de </a:t>
             </a:r>
             <a:r>
-              <a:rPr lang="en-US" sz="2000" dirty="0" err="1" smtClean="0"/>
+              <a:rPr lang="en-US" sz="2000" dirty="0" err="1" smtClean="0">
+                <a:solidFill>
+                  <a:schemeClr val="bg1">
+                    <a:lumMod val="50000"/>
+                  </a:schemeClr>
+                </a:solidFill>
+                <a:latin typeface="Lato Light"/>
+              </a:rPr>
               <a:t>Mr</a:t>
             </a:r>
             <a:r>
-              <a:rPr lang="en-US" sz="2000" dirty="0" smtClean="0"/>
+              <a:rPr lang="en-US" sz="2000" dirty="0" smtClean="0">
+                <a:solidFill>
+                  <a:schemeClr val="bg1">
+                    <a:lumMod val="50000"/>
+                  </a:schemeClr>
+                </a:solidFill>
+                <a:latin typeface="Lato Light"/>
+              </a:rPr>
               <a:t> </a:t>
             </a:r>
             <a:r>
-              <a:rPr lang="en-US" sz="2000" dirty="0" err="1" smtClean="0"/>
+              <a:rPr lang="en-US" sz="2000" dirty="0" err="1" smtClean="0">
+                <a:solidFill>
+                  <a:schemeClr val="bg1">
+                    <a:lumMod val="50000"/>
+                  </a:schemeClr>
+                </a:solidFill>
+                <a:latin typeface="Lato Light"/>
+              </a:rPr>
               <a:t>Jezus</a:t>
             </a:r>
-            <a:endParaRPr lang="en-US" sz="2000" dirty="0" smtClean="0"/>
+            <a:endParaRPr lang="en-US" sz="2000" dirty="0" smtClean="0">
+              <a:solidFill>
+                <a:schemeClr val="bg1">
+                  <a:lumMod val="50000"/>
+                </a:schemeClr>
+              </a:solidFill>
+              <a:latin typeface="Lato Light"/>
+            </a:endParaRPr>
           </a:p>
           <a:p>
             <a:pPr marL="457200" indent="-457200" algn="l">
@@ -5588,14 +12233,35 @@
               <a:buChar char="•"/>
             </a:pPr>
             <a:r>
-              <a:rPr lang="en-US" sz="2000" dirty="0" smtClean="0"/>
+              <a:rPr lang="en-US" sz="2000" dirty="0" smtClean="0">
+                <a:solidFill>
+                  <a:schemeClr val="bg1">
+                    <a:lumMod val="50000"/>
+                  </a:schemeClr>
+                </a:solidFill>
+                <a:latin typeface="Lato Light"/>
+              </a:rPr>
               <a:t>Afro designed by Kenneth </a:t>
             </a:r>
             <a:r>
-              <a:rPr lang="en-US" sz="2000" dirty="0" err="1" smtClean="0"/>
+              <a:rPr lang="en-US" sz="2000" dirty="0" err="1" smtClean="0">
+                <a:solidFill>
+                  <a:schemeClr val="bg1">
+                    <a:lumMod val="50000"/>
+                  </a:schemeClr>
+                </a:solidFill>
+                <a:latin typeface="Lato Light"/>
+              </a:rPr>
               <a:t>Appiah</a:t>
             </a:r>
-            <a:endParaRPr lang="en-US" sz="2000" dirty="0" smtClean="0"/>
+            <a:endParaRPr lang="en-US" sz="2000" dirty="0" smtClean="0">
+              <a:solidFill>
+                <a:schemeClr val="bg1">
+                  <a:lumMod val="50000"/>
+                </a:schemeClr>
+              </a:solidFill>
+              <a:latin typeface="Lato Light"/>
+            </a:endParaRPr>
           </a:p>
           <a:p>
             <a:pPr marL="457200" indent="-457200" algn="l">
@@ -5603,15 +12269,36 @@
               <a:buChar char="•"/>
             </a:pPr>
             <a:r>
-              <a:rPr lang="en-US" sz="2000" dirty="0" smtClean="0"/>
+              <a:rPr lang="en-US" sz="2000" dirty="0" smtClean="0">
+                <a:solidFill>
+                  <a:schemeClr val="bg1">
+                    <a:lumMod val="50000"/>
+                  </a:schemeClr>
+                </a:solidFill>
+                <a:latin typeface="Lato Light"/>
+              </a:rPr>
               <a:t>Square glasses designed </a:t>
             </a:r>
             <a:r>
-              <a:rPr lang="en-US" sz="2000" dirty="0" err="1" smtClean="0"/>
+              <a:rPr lang="en-US" sz="2000" dirty="0" err="1" smtClean="0">
+                <a:solidFill>
+                  <a:schemeClr val="bg1">
+                    <a:lumMod val="50000"/>
+                  </a:schemeClr>
+                </a:solidFill>
+                <a:latin typeface="Lato Light"/>
+              </a:rPr>
               <a:t>d͡ʒɛrmi</a:t>
             </a:r>
             <a:r>
-              <a:rPr lang="en-US" sz="2000" dirty="0" smtClean="0"/>
+              <a:rPr lang="en-US" sz="2000" dirty="0" smtClean="0">
+                <a:solidFill>
+                  <a:schemeClr val="bg1">
+                    <a:lumMod val="50000"/>
+                  </a:schemeClr>
+                </a:solidFill>
+                <a:latin typeface="Lato Light"/>
+              </a:rPr>
               <a:t> Good</a:t>
             </a:r>
           </a:p>
@@ -5621,7 +12308,14 @@
               <a:buChar char="•"/>
             </a:pPr>
             <a:r>
-              <a:rPr lang="en-US" sz="2000" dirty="0" smtClean="0"/>
+              <a:rPr lang="en-US" sz="2000" dirty="0" smtClean="0">
+                <a:solidFill>
+                  <a:schemeClr val="bg1">
+                    <a:lumMod val="50000"/>
+                  </a:schemeClr>
+                </a:solidFill>
+                <a:latin typeface="Lato Light"/>
+              </a:rPr>
               <a:t>Man designed by little squid</a:t>
             </a:r>
           </a:p>
@@ -5630,7 +12324,9 @@
               <a:buFont typeface="Arial"/>
               <a:buChar char="•"/>
             </a:pPr>
-            <a:endParaRPr lang="en-US" sz="2000" dirty="0"/>
+            <a:endParaRPr lang="en-US" sz="2000" dirty="0">
+              <a:latin typeface="Lato Light"/>
+            </a:endParaRPr>
           </a:p>
         </p:txBody>
       </p:sp>
@@ -5657,7 +12353,7 @@
 <file path=ppt/theme/theme1.xml><?xml version="1.0" encoding="utf-8"?>
 <a:theme xmlns:a="http://schemas.openxmlformats.org/drawingml/2006/main" name="Office Theme">
   <a:themeElements>
-    <a:clrScheme name="Office">
+    <a:clrScheme name="Custom 2">
       <a:dk1>
         <a:sysClr val="windowText" lastClr="000000"/>
       </a:dk1>
@@ -5689,10 +12385,10 @@
         <a:srgbClr val="F79646"/>
       </a:accent6>
       <a:hlink>
-        <a:srgbClr val="0000FF"/>
+        <a:srgbClr val="000000"/>
       </a:hlink>
       <a:folHlink>
-        <a:srgbClr val="800080"/>
+        <a:srgbClr val="000000"/>
       </a:folHlink>
     </a:clrScheme>
     <a:fontScheme name="Office">

--- a/workshop/git_presentation.pptx
+++ b/workshop/git_presentation.pptx
@@ -4130,7 +4130,7 @@
         </p:nvSpPr>
         <p:spPr>
           <a:xfrm>
-            <a:off x="0" y="0"/>
+            <a:off x="0" y="44849"/>
             <a:ext cx="9144000" cy="6858000"/>
           </a:xfrm>
           <a:prstGeom prst="rect">
@@ -7208,21 +7208,30 @@
                             </p:childTnLst>
                           </p:cTn>
                         </p:par>
+                      </p:childTnLst>
+                    </p:cTn>
+                  </p:par>
+                  <p:par>
+                    <p:cTn id="197" fill="hold">
+                      <p:stCondLst>
+                        <p:cond delay="indefinite"/>
+                      </p:stCondLst>
+                      <p:childTnLst>
                         <p:par>
-                          <p:cTn id="197" fill="hold">
+                          <p:cTn id="198" fill="hold">
                             <p:stCondLst>
-                              <p:cond delay="2000"/>
+                              <p:cond delay="0"/>
                             </p:stCondLst>
                             <p:childTnLst>
                               <p:par>
-                                <p:cTn id="198" presetID="1" presetClass="entr" presetSubtype="0" fill="hold" grpId="0" nodeType="afterEffect">
+                                <p:cTn id="199" presetID="1" presetClass="entr" presetSubtype="0" fill="hold" grpId="0" nodeType="clickEffect">
                                   <p:stCondLst>
                                     <p:cond delay="0"/>
                                   </p:stCondLst>
                                   <p:childTnLst>
                                     <p:set>
                                       <p:cBhvr>
-                                        <p:cTn id="199" dur="1" fill="hold">
+                                        <p:cTn id="200" dur="1" fill="hold">
                                           <p:stCondLst>
                                             <p:cond delay="0"/>
                                           </p:stCondLst>
@@ -7248,26 +7257,26 @@
                     </p:cTn>
                   </p:par>
                   <p:par>
-                    <p:cTn id="200" fill="hold">
+                    <p:cTn id="201" fill="hold">
                       <p:stCondLst>
                         <p:cond delay="indefinite"/>
                       </p:stCondLst>
                       <p:childTnLst>
                         <p:par>
-                          <p:cTn id="201" fill="hold">
+                          <p:cTn id="202" fill="hold">
                             <p:stCondLst>
                               <p:cond delay="0"/>
                             </p:stCondLst>
                             <p:childTnLst>
                               <p:par>
-                                <p:cTn id="202" presetID="10" presetClass="exit" presetSubtype="0" fill="hold" grpId="1" nodeType="clickEffect">
+                                <p:cTn id="203" presetID="10" presetClass="exit" presetSubtype="0" fill="hold" grpId="1" nodeType="clickEffect">
                                   <p:stCondLst>
                                     <p:cond delay="0"/>
                                   </p:stCondLst>
                                   <p:childTnLst>
                                     <p:animEffect transition="out" filter="fade">
                                       <p:cBhvr>
-                                        <p:cTn id="203" dur="500"/>
+                                        <p:cTn id="204" dur="500"/>
                                         <p:tgtEl>
                                           <p:spTgt spid="21"/>
                                         </p:tgtEl>
@@ -7275,7 +7284,7 @@
                                     </p:animEffect>
                                     <p:set>
                                       <p:cBhvr>
-                                        <p:cTn id="204" dur="1" fill="hold">
+                                        <p:cTn id="205" dur="1" fill="hold">
                                           <p:stCondLst>
                                             <p:cond delay="499"/>
                                           </p:stCondLst>
@@ -7301,26 +7310,26 @@
                     </p:cTn>
                   </p:par>
                   <p:par>
-                    <p:cTn id="205" fill="hold">
+                    <p:cTn id="206" fill="hold">
                       <p:stCondLst>
                         <p:cond delay="indefinite"/>
                       </p:stCondLst>
                       <p:childTnLst>
                         <p:par>
-                          <p:cTn id="206" fill="hold">
+                          <p:cTn id="207" fill="hold">
                             <p:stCondLst>
                               <p:cond delay="0"/>
                             </p:stCondLst>
                             <p:childTnLst>
                               <p:par>
-                                <p:cTn id="207" presetID="9" presetClass="emph" presetSubtype="0" grpId="2" nodeType="clickEffect">
+                                <p:cTn id="208" presetID="9" presetClass="emph" presetSubtype="0" grpId="2" nodeType="clickEffect">
                                   <p:stCondLst>
                                     <p:cond delay="0"/>
                                   </p:stCondLst>
                                   <p:childTnLst>
                                     <p:set>
                                       <p:cBhvr rctx="PPT">
-                                        <p:cTn id="208" dur="indefinite"/>
+                                        <p:cTn id="209" dur="indefinite"/>
                                         <p:tgtEl>
                                           <p:spTgt spid="42"/>
                                         </p:tgtEl>
@@ -7334,7 +7343,7 @@
                                     </p:set>
                                     <p:animEffect filter="image" prLst="opacity: 0.5">
                                       <p:cBhvr rctx="IE">
-                                        <p:cTn id="209" dur="indefinite"/>
+                                        <p:cTn id="210" dur="indefinite"/>
                                         <p:tgtEl>
                                           <p:spTgt spid="42"/>
                                         </p:tgtEl>
@@ -7344,14 +7353,14 @@
                                 </p:cTn>
                               </p:par>
                               <p:par>
-                                <p:cTn id="210" presetID="0" presetClass="path" presetSubtype="0" accel="50000" decel="50000" fill="hold" grpId="3" nodeType="withEffect">
+                                <p:cTn id="211" presetID="0" presetClass="path" presetSubtype="0" accel="50000" decel="50000" fill="hold" grpId="3" nodeType="withEffect">
                                   <p:stCondLst>
                                     <p:cond delay="0"/>
                                   </p:stCondLst>
                                   <p:childTnLst>
                                     <p:animMotion origin="layout" path="M -0.14323 0.45046 L -0.21858 0.45046 " pathEditMode="relative" rAng="0" ptsTypes="AA">
                                       <p:cBhvr>
-                                        <p:cTn id="211" dur="2000" fill="hold"/>
+                                        <p:cTn id="212" dur="2000" fill="hold"/>
                                         <p:tgtEl>
                                           <p:spTgt spid="42"/>
                                         </p:tgtEl>
@@ -7361,6 +7370,46 @@
                                         </p:attrNameLst>
                                       </p:cBhvr>
                                       <p:rCtr x="-3767" y="0"/>
+                                    </p:animMotion>
+                                  </p:childTnLst>
+                                </p:cTn>
+                              </p:par>
+                            </p:childTnLst>
+                          </p:cTn>
+                        </p:par>
+                      </p:childTnLst>
+                    </p:cTn>
+                  </p:par>
+                  <p:par>
+                    <p:cTn id="213" fill="hold">
+                      <p:stCondLst>
+                        <p:cond delay="indefinite"/>
+                      </p:stCondLst>
+                      <p:childTnLst>
+                        <p:par>
+                          <p:cTn id="214" fill="hold">
+                            <p:stCondLst>
+                              <p:cond delay="0"/>
+                            </p:stCondLst>
+                            <p:childTnLst>
+                              <p:par>
+                                <p:cTn id="215" presetID="0" presetClass="path" presetSubtype="0" accel="50000" decel="50000" fill="hold" grpId="4" nodeType="clickEffect">
+                                  <p:stCondLst>
+                                    <p:cond delay="0"/>
+                                  </p:stCondLst>
+                                  <p:childTnLst>
+                                    <p:animMotion origin="layout" path="M -0.21857 0.45046 L -0.21857 0.46666 " pathEditMode="relative" rAng="0" ptsTypes="AA">
+                                      <p:cBhvr>
+                                        <p:cTn id="216" dur="2000" fill="hold"/>
+                                        <p:tgtEl>
+                                          <p:spTgt spid="42"/>
+                                        </p:tgtEl>
+                                        <p:attrNameLst>
+                                          <p:attrName>ppt_x</p:attrName>
+                                          <p:attrName>ppt_y</p:attrName>
+                                        </p:attrNameLst>
+                                      </p:cBhvr>
+                                      <p:rCtr x="0" y="810"/>
                                     </p:animMotion>
                                   </p:childTnLst>
                                 </p:cTn>
@@ -7428,6 +7477,7 @@
       <p:bldP spid="42" grpId="1" animBg="1"/>
       <p:bldP spid="42" grpId="2" animBg="1"/>
       <p:bldP spid="42" grpId="3" animBg="1"/>
+      <p:bldP spid="42" grpId="4" animBg="1"/>
       <p:bldP spid="21" grpId="0" animBg="1"/>
       <p:bldP spid="21" grpId="1" animBg="1"/>
       <p:bldP spid="44" grpId="0"/>
@@ -8833,19 +8883,7 @@
               <a:rPr lang="en-US" dirty="0" smtClean="0">
                 <a:latin typeface=""/>
               </a:rPr>
-              <a:t> </a:t>
-            </a:r>
-            <a:r>
-              <a:rPr lang="en-US" dirty="0" smtClean="0">
-                <a:latin typeface=""/>
-              </a:rPr>
-              <a:t>–m “</a:t>
-            </a:r>
-            <a:r>
-              <a:rPr lang="en-US" dirty="0" smtClean="0">
-                <a:latin typeface=""/>
-              </a:rPr>
-              <a:t>New features for project A ”</a:t>
+              <a:t> –m “New features for project A ”</a:t>
             </a:r>
             <a:endParaRPr lang="en-US" dirty="0">
               <a:latin typeface=""/>
@@ -9045,17 +9083,7 @@
                 <a:latin typeface="Lato Black"/>
                 <a:cs typeface="Lato Black"/>
               </a:rPr>
-              <a:t>File </a:t>
-            </a:r>
-            <a:r>
-              <a:rPr lang="en-US" dirty="0" smtClean="0">
-                <a:solidFill>
-                  <a:schemeClr val="bg1"/>
-                </a:solidFill>
-                <a:latin typeface="Lato Black"/>
-                <a:cs typeface="Lato Black"/>
-              </a:rPr>
-              <a:t>A</a:t>
+              <a:t>File A</a:t>
             </a:r>
             <a:endParaRPr lang="en-US" dirty="0">
               <a:solidFill>

--- a/workshop/git_presentation.pptx
+++ b/workshop/git_presentation.pptx
@@ -8,8 +8,9 @@
     <p:sldId id="259" r:id="rId2"/>
     <p:sldId id="256" r:id="rId3"/>
     <p:sldId id="258" r:id="rId4"/>
-    <p:sldId id="260" r:id="rId5"/>
-    <p:sldId id="257" r:id="rId6"/>
+    <p:sldId id="261" r:id="rId5"/>
+    <p:sldId id="260" r:id="rId6"/>
+    <p:sldId id="257" r:id="rId7"/>
   </p:sldIdLst>
   <p:sldSz cx="9144000" cy="6858000" type="screen4x3"/>
   <p:notesSz cx="6858000" cy="9144000"/>
@@ -3181,6 +3182,17 @@
               <a:buNone/>
             </a:pPr>
             <a:r>
+              <a:rPr lang="en-US" sz="2000" dirty="0">
+                <a:solidFill>
+                  <a:schemeClr val="bg1">
+                    <a:lumMod val="50000"/>
+                  </a:schemeClr>
+                </a:solidFill>
+                <a:latin typeface="Lato Light"/>
+              </a:rPr>
+              <a:t>1</a:t>
+            </a:r>
+            <a:r>
               <a:rPr lang="en-US" sz="2000" dirty="0" smtClean="0">
                 <a:solidFill>
                   <a:schemeClr val="bg1">
@@ -3189,7 +3201,18 @@
                 </a:solidFill>
                 <a:latin typeface="Lato Light"/>
               </a:rPr>
-              <a:t>2/29/2015</a:t>
+              <a:t>/</a:t>
+            </a:r>
+            <a:r>
+              <a:rPr lang="en-US" sz="2000" dirty="0" smtClean="0">
+                <a:solidFill>
+                  <a:schemeClr val="bg1">
+                    <a:lumMod val="50000"/>
+                  </a:schemeClr>
+                </a:solidFill>
+                <a:latin typeface="Lato Light"/>
+              </a:rPr>
+              <a:t>29/2015</a:t>
             </a:r>
             <a:endParaRPr lang="en-US" sz="2000" dirty="0">
               <a:solidFill>
@@ -3239,6 +3262,132 @@
           <a:chExt cx="0" cy="0"/>
         </a:xfrm>
       </p:grpSpPr>
+      <p:sp>
+        <p:nvSpPr>
+          <p:cNvPr id="34" name="Rectangle 33"/>
+          <p:cNvSpPr/>
+          <p:nvPr/>
+        </p:nvSpPr>
+        <p:spPr>
+          <a:xfrm>
+            <a:off x="3801250" y="1782209"/>
+            <a:ext cx="681656" cy="896501"/>
+          </a:xfrm>
+          <a:prstGeom prst="rect">
+            <a:avLst/>
+          </a:prstGeom>
+          <a:solidFill>
+            <a:srgbClr val="FAAC15"/>
+          </a:solidFill>
+          <a:ln>
+            <a:solidFill>
+              <a:srgbClr val="FAAC15"/>
+            </a:solidFill>
+          </a:ln>
+          <a:effectLst/>
+        </p:spPr>
+        <p:style>
+          <a:lnRef idx="1">
+            <a:schemeClr val="accent1"/>
+          </a:lnRef>
+          <a:fillRef idx="3">
+            <a:schemeClr val="accent1"/>
+          </a:fillRef>
+          <a:effectRef idx="2">
+            <a:schemeClr val="accent1"/>
+          </a:effectRef>
+          <a:fontRef idx="minor">
+            <a:schemeClr val="lt1"/>
+          </a:fontRef>
+        </p:style>
+        <p:txBody>
+          <a:bodyPr rtlCol="0" anchor="ctr"/>
+          <a:lstStyle/>
+          <a:p>
+            <a:pPr algn="ctr"/>
+            <a:r>
+              <a:rPr lang="en-US" b="1" dirty="0" smtClean="0">
+                <a:solidFill>
+                  <a:schemeClr val="bg1"/>
+                </a:solidFill>
+                <a:latin typeface="Lato"/>
+                <a:cs typeface="Lato Black"/>
+              </a:rPr>
+              <a:t>File C</a:t>
+            </a:r>
+            <a:endParaRPr lang="en-US" b="1" dirty="0">
+              <a:solidFill>
+                <a:schemeClr val="bg1"/>
+              </a:solidFill>
+              <a:latin typeface="Lato"/>
+              <a:cs typeface="Lato Black"/>
+            </a:endParaRPr>
+          </a:p>
+        </p:txBody>
+      </p:sp>
+      <p:sp>
+        <p:nvSpPr>
+          <p:cNvPr id="38" name="Rectangle 37"/>
+          <p:cNvSpPr/>
+          <p:nvPr/>
+        </p:nvSpPr>
+        <p:spPr>
+          <a:xfrm>
+            <a:off x="3801250" y="1782209"/>
+            <a:ext cx="681656" cy="896501"/>
+          </a:xfrm>
+          <a:prstGeom prst="rect">
+            <a:avLst/>
+          </a:prstGeom>
+          <a:solidFill>
+            <a:srgbClr val="FAAC15"/>
+          </a:solidFill>
+          <a:ln>
+            <a:solidFill>
+              <a:srgbClr val="FAAC15"/>
+            </a:solidFill>
+          </a:ln>
+          <a:effectLst/>
+        </p:spPr>
+        <p:style>
+          <a:lnRef idx="1">
+            <a:schemeClr val="accent1"/>
+          </a:lnRef>
+          <a:fillRef idx="3">
+            <a:schemeClr val="accent1"/>
+          </a:fillRef>
+          <a:effectRef idx="2">
+            <a:schemeClr val="accent1"/>
+          </a:effectRef>
+          <a:fontRef idx="minor">
+            <a:schemeClr val="lt1"/>
+          </a:fontRef>
+        </p:style>
+        <p:txBody>
+          <a:bodyPr rtlCol="0" anchor="ctr"/>
+          <a:lstStyle/>
+          <a:p>
+            <a:pPr algn="ctr"/>
+            <a:r>
+              <a:rPr lang="en-US" b="1" dirty="0" smtClean="0">
+                <a:solidFill>
+                  <a:schemeClr val="bg1"/>
+                </a:solidFill>
+                <a:latin typeface="Lato"/>
+                <a:cs typeface="Lato Black"/>
+              </a:rPr>
+              <a:t>File C</a:t>
+            </a:r>
+            <a:endParaRPr lang="en-US" b="1" dirty="0">
+              <a:solidFill>
+                <a:schemeClr val="bg1"/>
+              </a:solidFill>
+              <a:latin typeface="Lato"/>
+              <a:cs typeface="Lato Black"/>
+            </a:endParaRPr>
+          </a:p>
+        </p:txBody>
+      </p:sp>
       <p:pic>
         <p:nvPicPr>
           <p:cNvPr id="27" name="Picture 26"/>
@@ -4062,7 +4211,7 @@
         </p:nvSpPr>
         <p:spPr>
           <a:xfrm>
-            <a:off x="3722303" y="1861128"/>
+            <a:off x="3660848" y="1861128"/>
             <a:ext cx="692264" cy="369332"/>
           </a:xfrm>
           <a:prstGeom prst="rect">
@@ -4124,51 +4273,6 @@
       </p:sp>
       <p:sp>
         <p:nvSpPr>
-          <p:cNvPr id="6" name="Rectangle 5"/>
-          <p:cNvSpPr/>
-          <p:nvPr/>
-        </p:nvSpPr>
-        <p:spPr>
-          <a:xfrm>
-            <a:off x="0" y="44849"/>
-            <a:ext cx="9144000" cy="6858000"/>
-          </a:xfrm>
-          <a:prstGeom prst="rect">
-            <a:avLst/>
-          </a:prstGeom>
-          <a:solidFill>
-            <a:srgbClr val="FF0000">
-              <a:alpha val="87000"/>
-            </a:srgbClr>
-          </a:solidFill>
-        </p:spPr>
-        <p:style>
-          <a:lnRef idx="1">
-            <a:schemeClr val="accent1"/>
-          </a:lnRef>
-          <a:fillRef idx="3">
-            <a:schemeClr val="accent1"/>
-          </a:fillRef>
-          <a:effectRef idx="2">
-            <a:schemeClr val="accent1"/>
-          </a:effectRef>
-          <a:fontRef idx="minor">
-            <a:schemeClr val="lt1"/>
-          </a:fontRef>
-        </p:style>
-        <p:txBody>
-          <a:bodyPr rtlCol="0" anchor="ctr"/>
-          <a:lstStyle/>
-          <a:p>
-            <a:pPr algn="ctr"/>
-            <a:endParaRPr lang="en-US" b="1">
-              <a:latin typeface="Lato"/>
-            </a:endParaRPr>
-          </a:p>
-        </p:txBody>
-      </p:sp>
-      <p:sp>
-        <p:nvSpPr>
           <p:cNvPr id="10" name="TextBox 9"/>
           <p:cNvSpPr txBox="1"/>
           <p:nvPr/>
@@ -4201,69 +4305,6 @@
               </a:rPr>
               <a:t>)</a:t>
             </a:r>
-          </a:p>
-        </p:txBody>
-      </p:sp>
-      <p:sp>
-        <p:nvSpPr>
-          <p:cNvPr id="34" name="Rectangle 33"/>
-          <p:cNvSpPr/>
-          <p:nvPr/>
-        </p:nvSpPr>
-        <p:spPr>
-          <a:xfrm>
-            <a:off x="3801250" y="1782209"/>
-            <a:ext cx="681656" cy="896501"/>
-          </a:xfrm>
-          <a:prstGeom prst="rect">
-            <a:avLst/>
-          </a:prstGeom>
-          <a:solidFill>
-            <a:srgbClr val="FAAC15"/>
-          </a:solidFill>
-          <a:ln>
-            <a:solidFill>
-              <a:srgbClr val="FAAC15"/>
-            </a:solidFill>
-          </a:ln>
-          <a:effectLst/>
-        </p:spPr>
-        <p:style>
-          <a:lnRef idx="1">
-            <a:schemeClr val="accent1"/>
-          </a:lnRef>
-          <a:fillRef idx="3">
-            <a:schemeClr val="accent1"/>
-          </a:fillRef>
-          <a:effectRef idx="2">
-            <a:schemeClr val="accent1"/>
-          </a:effectRef>
-          <a:fontRef idx="minor">
-            <a:schemeClr val="lt1"/>
-          </a:fontRef>
-        </p:style>
-        <p:txBody>
-          <a:bodyPr rtlCol="0" anchor="ctr"/>
-          <a:lstStyle/>
-          <a:p>
-            <a:pPr algn="ctr"/>
-            <a:r>
-              <a:rPr lang="en-US" b="1" dirty="0" smtClean="0">
-                <a:solidFill>
-                  <a:schemeClr val="bg1"/>
-                </a:solidFill>
-                <a:latin typeface="Lato"/>
-                <a:cs typeface="Lato Black"/>
-              </a:rPr>
-              <a:t>File C</a:t>
-            </a:r>
-            <a:endParaRPr lang="en-US" b="1" dirty="0">
-              <a:solidFill>
-                <a:schemeClr val="bg1"/>
-              </a:solidFill>
-              <a:latin typeface="Lato"/>
-              <a:cs typeface="Lato Black"/>
-            </a:endParaRPr>
           </a:p>
         </p:txBody>
       </p:sp>
@@ -4381,69 +4422,6 @@
       </p:sp>
       <p:sp>
         <p:nvSpPr>
-          <p:cNvPr id="38" name="Rectangle 37"/>
-          <p:cNvSpPr/>
-          <p:nvPr/>
-        </p:nvSpPr>
-        <p:spPr>
-          <a:xfrm>
-            <a:off x="3801250" y="1782209"/>
-            <a:ext cx="681656" cy="896501"/>
-          </a:xfrm>
-          <a:prstGeom prst="rect">
-            <a:avLst/>
-          </a:prstGeom>
-          <a:solidFill>
-            <a:srgbClr val="FAAC15"/>
-          </a:solidFill>
-          <a:ln>
-            <a:solidFill>
-              <a:srgbClr val="FAAC15"/>
-            </a:solidFill>
-          </a:ln>
-          <a:effectLst/>
-        </p:spPr>
-        <p:style>
-          <a:lnRef idx="1">
-            <a:schemeClr val="accent1"/>
-          </a:lnRef>
-          <a:fillRef idx="3">
-            <a:schemeClr val="accent1"/>
-          </a:fillRef>
-          <a:effectRef idx="2">
-            <a:schemeClr val="accent1"/>
-          </a:effectRef>
-          <a:fontRef idx="minor">
-            <a:schemeClr val="lt1"/>
-          </a:fontRef>
-        </p:style>
-        <p:txBody>
-          <a:bodyPr rtlCol="0" anchor="ctr"/>
-          <a:lstStyle/>
-          <a:p>
-            <a:pPr algn="ctr"/>
-            <a:r>
-              <a:rPr lang="en-US" b="1" dirty="0" smtClean="0">
-                <a:solidFill>
-                  <a:schemeClr val="bg1"/>
-                </a:solidFill>
-                <a:latin typeface="Lato"/>
-                <a:cs typeface="Lato Black"/>
-              </a:rPr>
-              <a:t>File C</a:t>
-            </a:r>
-            <a:endParaRPr lang="en-US" b="1" dirty="0">
-              <a:solidFill>
-                <a:schemeClr val="bg1"/>
-              </a:solidFill>
-              <a:latin typeface="Lato"/>
-              <a:cs typeface="Lato Black"/>
-            </a:endParaRPr>
-          </a:p>
-        </p:txBody>
-      </p:sp>
-      <p:sp>
-        <p:nvSpPr>
           <p:cNvPr id="40" name="Rectangle 39"/>
           <p:cNvSpPr/>
           <p:nvPr/>
@@ -4690,6 +4668,51 @@
               </a:rPr>
               <a:t>lone</a:t>
             </a:r>
+          </a:p>
+        </p:txBody>
+      </p:sp>
+      <p:sp>
+        <p:nvSpPr>
+          <p:cNvPr id="6" name="Rectangle 5"/>
+          <p:cNvSpPr/>
+          <p:nvPr/>
+        </p:nvSpPr>
+        <p:spPr>
+          <a:xfrm>
+            <a:off x="-835742" y="-639097"/>
+            <a:ext cx="10881032" cy="8218129"/>
+          </a:xfrm>
+          <a:prstGeom prst="rect">
+            <a:avLst/>
+          </a:prstGeom>
+          <a:solidFill>
+            <a:srgbClr val="FF0000">
+              <a:alpha val="87000"/>
+            </a:srgbClr>
+          </a:solidFill>
+        </p:spPr>
+        <p:style>
+          <a:lnRef idx="1">
+            <a:schemeClr val="accent1"/>
+          </a:lnRef>
+          <a:fillRef idx="3">
+            <a:schemeClr val="accent1"/>
+          </a:fillRef>
+          <a:effectRef idx="2">
+            <a:schemeClr val="accent1"/>
+          </a:effectRef>
+          <a:fontRef idx="minor">
+            <a:schemeClr val="lt1"/>
+          </a:fontRef>
+        </p:style>
+        <p:txBody>
+          <a:bodyPr rtlCol="0" anchor="ctr"/>
+          <a:lstStyle/>
+          <a:p>
+            <a:pPr algn="ctr"/>
+            <a:endParaRPr lang="en-US" b="1">
+              <a:latin typeface="Lato"/>
+            </a:endParaRPr>
           </a:p>
         </p:txBody>
       </p:sp>
@@ -7442,6 +7465,9 @@
       </p:par>
     </p:tnLst>
     <p:bldLst>
+      <p:bldP spid="34" grpId="0" animBg="1"/>
+      <p:bldP spid="38" grpId="0" animBg="1"/>
+      <p:bldP spid="38" grpId="1" animBg="1"/>
       <p:bldP spid="12" grpId="0" animBg="1"/>
       <p:bldP spid="12" grpId="1" animBg="1"/>
       <p:bldP spid="13" grpId="0" animBg="1"/>
@@ -7462,15 +7488,10 @@
       <p:bldP spid="5" grpId="1"/>
       <p:bldP spid="30" grpId="0"/>
       <p:bldP spid="30" grpId="1"/>
-      <p:bldP spid="6" grpId="0" animBg="1"/>
-      <p:bldP spid="6" grpId="1" animBg="1"/>
       <p:bldP spid="10" grpId="0"/>
       <p:bldP spid="10" grpId="1"/>
-      <p:bldP spid="34" grpId="0" animBg="1"/>
       <p:bldP spid="36" grpId="2" animBg="1"/>
       <p:bldP spid="37" grpId="2" animBg="1"/>
-      <p:bldP spid="38" grpId="0" animBg="1"/>
-      <p:bldP spid="38" grpId="1" animBg="1"/>
       <p:bldP spid="40" grpId="0" animBg="1"/>
       <p:bldP spid="40" grpId="1" animBg="1"/>
       <p:bldP spid="42" grpId="0" animBg="1"/>
@@ -7486,6 +7507,8 @@
       <p:bldP spid="45" grpId="1"/>
       <p:bldP spid="46" grpId="0"/>
       <p:bldP spid="46" grpId="1"/>
+      <p:bldP spid="6" grpId="0" animBg="1"/>
+      <p:bldP spid="6" grpId="1" animBg="1"/>
     </p:bldLst>
   </p:timing>
 </p:sld>
@@ -8697,6 +8720,2565 @@
 </file>
 
 <file path=ppt/slides/slide4.xml><?xml version="1.0" encoding="utf-8"?>
+<p:sld xmlns:a="http://schemas.openxmlformats.org/drawingml/2006/main" xmlns:r="http://schemas.openxmlformats.org/officeDocument/2006/relationships" xmlns:p="http://schemas.openxmlformats.org/presentationml/2006/main">
+  <p:cSld>
+    <p:spTree>
+      <p:nvGrpSpPr>
+        <p:cNvPr id="1" name=""/>
+        <p:cNvGrpSpPr/>
+        <p:nvPr/>
+      </p:nvGrpSpPr>
+      <p:grpSpPr>
+        <a:xfrm>
+          <a:off x="0" y="0"/>
+          <a:ext cx="0" cy="0"/>
+          <a:chOff x="0" y="0"/>
+          <a:chExt cx="0" cy="0"/>
+        </a:xfrm>
+      </p:grpSpPr>
+      <p:sp>
+        <p:nvSpPr>
+          <p:cNvPr id="25" name="Rectangle 24"/>
+          <p:cNvSpPr/>
+          <p:nvPr/>
+        </p:nvSpPr>
+        <p:spPr>
+          <a:xfrm>
+            <a:off x="4465053" y="-294969"/>
+            <a:ext cx="5350818" cy="7529871"/>
+          </a:xfrm>
+          <a:prstGeom prst="rect">
+            <a:avLst/>
+          </a:prstGeom>
+          <a:solidFill>
+            <a:schemeClr val="bg1">
+              <a:lumMod val="95000"/>
+            </a:schemeClr>
+          </a:solidFill>
+          <a:ln>
+            <a:noFill/>
+          </a:ln>
+          <a:effectLst/>
+        </p:spPr>
+        <p:style>
+          <a:lnRef idx="1">
+            <a:schemeClr val="accent1"/>
+          </a:lnRef>
+          <a:fillRef idx="3">
+            <a:schemeClr val="accent1"/>
+          </a:fillRef>
+          <a:effectRef idx="2">
+            <a:schemeClr val="accent1"/>
+          </a:effectRef>
+          <a:fontRef idx="minor">
+            <a:schemeClr val="lt1"/>
+          </a:fontRef>
+        </p:style>
+        <p:txBody>
+          <a:bodyPr rtlCol="0" anchor="ctr"/>
+          <a:lstStyle/>
+          <a:p>
+            <a:pPr algn="ctr"/>
+            <a:endParaRPr lang="en-US"/>
+          </a:p>
+        </p:txBody>
+      </p:sp>
+      <p:pic>
+        <p:nvPicPr>
+          <p:cNvPr id="4" name="Picture 3"/>
+          <p:cNvPicPr>
+            <a:picLocks noChangeAspect="1"/>
+          </p:cNvPicPr>
+          <p:nvPr/>
+        </p:nvPicPr>
+        <p:blipFill>
+          <a:blip r:embed="rId2"/>
+          <a:stretch>
+            <a:fillRect/>
+          </a:stretch>
+        </p:blipFill>
+        <p:spPr>
+          <a:xfrm>
+            <a:off x="944530" y="502257"/>
+            <a:ext cx="906696" cy="813925"/>
+          </a:xfrm>
+          <a:prstGeom prst="rect">
+            <a:avLst/>
+          </a:prstGeom>
+        </p:spPr>
+      </p:pic>
+      <p:sp>
+        <p:nvSpPr>
+          <p:cNvPr id="5" name="Rectangle 4"/>
+          <p:cNvSpPr/>
+          <p:nvPr/>
+        </p:nvSpPr>
+        <p:spPr>
+          <a:xfrm>
+            <a:off x="2067325" y="625350"/>
+            <a:ext cx="681656" cy="896501"/>
+          </a:xfrm>
+          <a:prstGeom prst="rect">
+            <a:avLst/>
+          </a:prstGeom>
+          <a:solidFill>
+            <a:srgbClr val="1882C8"/>
+          </a:solidFill>
+          <a:effectLst/>
+        </p:spPr>
+        <p:style>
+          <a:lnRef idx="1">
+            <a:schemeClr val="accent1"/>
+          </a:lnRef>
+          <a:fillRef idx="3">
+            <a:schemeClr val="accent1"/>
+          </a:fillRef>
+          <a:effectRef idx="2">
+            <a:schemeClr val="accent1"/>
+          </a:effectRef>
+          <a:fontRef idx="minor">
+            <a:schemeClr val="lt1"/>
+          </a:fontRef>
+        </p:style>
+        <p:txBody>
+          <a:bodyPr rtlCol="0" anchor="ctr"/>
+          <a:lstStyle/>
+          <a:p>
+            <a:pPr algn="ctr"/>
+            <a:r>
+              <a:rPr lang="en-US" dirty="0" smtClean="0">
+                <a:solidFill>
+                  <a:schemeClr val="bg1"/>
+                </a:solidFill>
+                <a:latin typeface="Lato Black"/>
+                <a:cs typeface="Lato Black"/>
+              </a:rPr>
+              <a:t>File A</a:t>
+            </a:r>
+            <a:endParaRPr lang="en-US" dirty="0">
+              <a:solidFill>
+                <a:schemeClr val="bg1"/>
+              </a:solidFill>
+              <a:latin typeface="Lato Black"/>
+              <a:cs typeface="Lato Black"/>
+            </a:endParaRPr>
+          </a:p>
+        </p:txBody>
+      </p:sp>
+      <p:sp>
+        <p:nvSpPr>
+          <p:cNvPr id="6" name="Rectangle 5"/>
+          <p:cNvSpPr/>
+          <p:nvPr/>
+        </p:nvSpPr>
+        <p:spPr>
+          <a:xfrm>
+            <a:off x="2901381" y="625350"/>
+            <a:ext cx="681656" cy="896501"/>
+          </a:xfrm>
+          <a:prstGeom prst="rect">
+            <a:avLst/>
+          </a:prstGeom>
+          <a:solidFill>
+            <a:srgbClr val="1882C8"/>
+          </a:solidFill>
+          <a:effectLst/>
+        </p:spPr>
+        <p:style>
+          <a:lnRef idx="1">
+            <a:schemeClr val="accent1"/>
+          </a:lnRef>
+          <a:fillRef idx="3">
+            <a:schemeClr val="accent1"/>
+          </a:fillRef>
+          <a:effectRef idx="2">
+            <a:schemeClr val="accent1"/>
+          </a:effectRef>
+          <a:fontRef idx="minor">
+            <a:schemeClr val="lt1"/>
+          </a:fontRef>
+        </p:style>
+        <p:txBody>
+          <a:bodyPr rtlCol="0" anchor="ctr"/>
+          <a:lstStyle/>
+          <a:p>
+            <a:pPr algn="ctr"/>
+            <a:r>
+              <a:rPr lang="en-US" dirty="0" smtClean="0">
+                <a:solidFill>
+                  <a:schemeClr val="bg1"/>
+                </a:solidFill>
+                <a:latin typeface="Lato Black"/>
+                <a:cs typeface="Lato Black"/>
+              </a:rPr>
+              <a:t>File B</a:t>
+            </a:r>
+            <a:endParaRPr lang="en-US" dirty="0">
+              <a:solidFill>
+                <a:schemeClr val="bg1"/>
+              </a:solidFill>
+              <a:latin typeface="Lato Black"/>
+              <a:cs typeface="Lato Black"/>
+            </a:endParaRPr>
+          </a:p>
+        </p:txBody>
+      </p:sp>
+      <p:sp>
+        <p:nvSpPr>
+          <p:cNvPr id="7" name="Rectangle 6"/>
+          <p:cNvSpPr/>
+          <p:nvPr/>
+        </p:nvSpPr>
+        <p:spPr>
+          <a:xfrm>
+            <a:off x="2067325" y="1851562"/>
+            <a:ext cx="681656" cy="896501"/>
+          </a:xfrm>
+          <a:prstGeom prst="rect">
+            <a:avLst/>
+          </a:prstGeom>
+          <a:solidFill>
+            <a:srgbClr val="FAAC15"/>
+          </a:solidFill>
+          <a:ln>
+            <a:solidFill>
+              <a:srgbClr val="FAAC15"/>
+            </a:solidFill>
+          </a:ln>
+          <a:effectLst/>
+        </p:spPr>
+        <p:style>
+          <a:lnRef idx="1">
+            <a:schemeClr val="accent1"/>
+          </a:lnRef>
+          <a:fillRef idx="3">
+            <a:schemeClr val="accent1"/>
+          </a:fillRef>
+          <a:effectRef idx="2">
+            <a:schemeClr val="accent1"/>
+          </a:effectRef>
+          <a:fontRef idx="minor">
+            <a:schemeClr val="lt1"/>
+          </a:fontRef>
+        </p:style>
+        <p:txBody>
+          <a:bodyPr rtlCol="0" anchor="ctr"/>
+          <a:lstStyle/>
+          <a:p>
+            <a:pPr algn="ctr"/>
+            <a:r>
+              <a:rPr lang="en-US" dirty="0" smtClean="0">
+                <a:solidFill>
+                  <a:schemeClr val="bg1"/>
+                </a:solidFill>
+                <a:latin typeface="Lato Black"/>
+                <a:cs typeface="Lato Black"/>
+              </a:rPr>
+              <a:t>File C</a:t>
+            </a:r>
+            <a:endParaRPr lang="en-US" dirty="0">
+              <a:solidFill>
+                <a:schemeClr val="bg1"/>
+              </a:solidFill>
+              <a:latin typeface="Lato Black"/>
+              <a:cs typeface="Lato Black"/>
+            </a:endParaRPr>
+          </a:p>
+        </p:txBody>
+      </p:sp>
+      <p:sp>
+        <p:nvSpPr>
+          <p:cNvPr id="8" name="Rectangle 7"/>
+          <p:cNvSpPr/>
+          <p:nvPr/>
+        </p:nvSpPr>
+        <p:spPr>
+          <a:xfrm>
+            <a:off x="2067325" y="2748063"/>
+            <a:ext cx="681656" cy="443260"/>
+          </a:xfrm>
+          <a:prstGeom prst="rect">
+            <a:avLst/>
+          </a:prstGeom>
+          <a:solidFill>
+            <a:srgbClr val="FFD37F"/>
+          </a:solidFill>
+          <a:ln>
+            <a:solidFill>
+              <a:srgbClr val="FFD37F"/>
+            </a:solidFill>
+          </a:ln>
+          <a:effectLst/>
+        </p:spPr>
+        <p:style>
+          <a:lnRef idx="1">
+            <a:schemeClr val="accent1"/>
+          </a:lnRef>
+          <a:fillRef idx="3">
+            <a:schemeClr val="accent1"/>
+          </a:fillRef>
+          <a:effectRef idx="2">
+            <a:schemeClr val="accent1"/>
+          </a:effectRef>
+          <a:fontRef idx="minor">
+            <a:schemeClr val="lt1"/>
+          </a:fontRef>
+        </p:style>
+        <p:txBody>
+          <a:bodyPr rtlCol="0" anchor="ctr"/>
+          <a:lstStyle/>
+          <a:p>
+            <a:pPr algn="ctr"/>
+            <a:endParaRPr lang="en-US"/>
+          </a:p>
+        </p:txBody>
+      </p:sp>
+      <p:sp>
+        <p:nvSpPr>
+          <p:cNvPr id="9" name="Rectangle 8"/>
+          <p:cNvSpPr/>
+          <p:nvPr/>
+        </p:nvSpPr>
+        <p:spPr>
+          <a:xfrm>
+            <a:off x="2901381" y="1521851"/>
+            <a:ext cx="681656" cy="187463"/>
+          </a:xfrm>
+          <a:prstGeom prst="rect">
+            <a:avLst/>
+          </a:prstGeom>
+          <a:solidFill>
+            <a:srgbClr val="A2CBEE"/>
+          </a:solidFill>
+          <a:ln>
+            <a:solidFill>
+              <a:srgbClr val="A2CBEE"/>
+            </a:solidFill>
+          </a:ln>
+          <a:effectLst/>
+        </p:spPr>
+        <p:style>
+          <a:lnRef idx="1">
+            <a:schemeClr val="accent1"/>
+          </a:lnRef>
+          <a:fillRef idx="3">
+            <a:schemeClr val="accent1"/>
+          </a:fillRef>
+          <a:effectRef idx="2">
+            <a:schemeClr val="accent1"/>
+          </a:effectRef>
+          <a:fontRef idx="minor">
+            <a:schemeClr val="lt1"/>
+          </a:fontRef>
+        </p:style>
+        <p:txBody>
+          <a:bodyPr rtlCol="0" anchor="ctr"/>
+          <a:lstStyle/>
+          <a:p>
+            <a:pPr algn="ctr"/>
+            <a:endParaRPr lang="en-US"/>
+          </a:p>
+        </p:txBody>
+      </p:sp>
+      <p:pic>
+        <p:nvPicPr>
+          <p:cNvPr id="10" name="Picture 9"/>
+          <p:cNvPicPr>
+            <a:picLocks noChangeAspect="1"/>
+          </p:cNvPicPr>
+          <p:nvPr/>
+        </p:nvPicPr>
+        <p:blipFill>
+          <a:blip r:embed="rId3"/>
+          <a:stretch>
+            <a:fillRect/>
+          </a:stretch>
+        </p:blipFill>
+        <p:spPr>
+          <a:xfrm>
+            <a:off x="2590467" y="4848276"/>
+            <a:ext cx="621828" cy="903819"/>
+          </a:xfrm>
+          <a:prstGeom prst="rect">
+            <a:avLst/>
+          </a:prstGeom>
+        </p:spPr>
+      </p:pic>
+      <p:pic>
+        <p:nvPicPr>
+          <p:cNvPr id="11" name="Picture 10"/>
+          <p:cNvPicPr>
+            <a:picLocks noChangeAspect="1"/>
+          </p:cNvPicPr>
+          <p:nvPr/>
+        </p:nvPicPr>
+        <p:blipFill>
+          <a:blip r:embed="rId4"/>
+          <a:stretch>
+            <a:fillRect/>
+          </a:stretch>
+        </p:blipFill>
+        <p:spPr>
+          <a:xfrm>
+            <a:off x="2599858" y="5904349"/>
+            <a:ext cx="612437" cy="819458"/>
+          </a:xfrm>
+          <a:prstGeom prst="rect">
+            <a:avLst/>
+          </a:prstGeom>
+        </p:spPr>
+      </p:pic>
+      <p:sp>
+        <p:nvSpPr>
+          <p:cNvPr id="12" name="Rectangle 11"/>
+          <p:cNvSpPr/>
+          <p:nvPr/>
+        </p:nvSpPr>
+        <p:spPr>
+          <a:xfrm>
+            <a:off x="2067325" y="625350"/>
+            <a:ext cx="681656" cy="896501"/>
+          </a:xfrm>
+          <a:prstGeom prst="rect">
+            <a:avLst/>
+          </a:prstGeom>
+          <a:solidFill>
+            <a:srgbClr val="1882C8"/>
+          </a:solidFill>
+          <a:effectLst/>
+        </p:spPr>
+        <p:style>
+          <a:lnRef idx="1">
+            <a:schemeClr val="accent1"/>
+          </a:lnRef>
+          <a:fillRef idx="3">
+            <a:schemeClr val="accent1"/>
+          </a:fillRef>
+          <a:effectRef idx="2">
+            <a:schemeClr val="accent1"/>
+          </a:effectRef>
+          <a:fontRef idx="minor">
+            <a:schemeClr val="lt1"/>
+          </a:fontRef>
+        </p:style>
+        <p:txBody>
+          <a:bodyPr rtlCol="0" anchor="ctr"/>
+          <a:lstStyle/>
+          <a:p>
+            <a:pPr algn="ctr"/>
+            <a:r>
+              <a:rPr lang="en-US" dirty="0" smtClean="0">
+                <a:solidFill>
+                  <a:schemeClr val="bg1"/>
+                </a:solidFill>
+                <a:latin typeface="Lato Black"/>
+                <a:cs typeface="Lato Black"/>
+              </a:rPr>
+              <a:t>File A</a:t>
+            </a:r>
+            <a:endParaRPr lang="en-US" dirty="0">
+              <a:solidFill>
+                <a:schemeClr val="bg1"/>
+              </a:solidFill>
+              <a:latin typeface="Lato Black"/>
+              <a:cs typeface="Lato Black"/>
+            </a:endParaRPr>
+          </a:p>
+        </p:txBody>
+      </p:sp>
+      <p:sp>
+        <p:nvSpPr>
+          <p:cNvPr id="13" name="Rectangle 12"/>
+          <p:cNvSpPr/>
+          <p:nvPr/>
+        </p:nvSpPr>
+        <p:spPr>
+          <a:xfrm>
+            <a:off x="2901381" y="625350"/>
+            <a:ext cx="681656" cy="896501"/>
+          </a:xfrm>
+          <a:prstGeom prst="rect">
+            <a:avLst/>
+          </a:prstGeom>
+          <a:solidFill>
+            <a:srgbClr val="1882C8"/>
+          </a:solidFill>
+          <a:effectLst/>
+        </p:spPr>
+        <p:style>
+          <a:lnRef idx="1">
+            <a:schemeClr val="accent1"/>
+          </a:lnRef>
+          <a:fillRef idx="3">
+            <a:schemeClr val="accent1"/>
+          </a:fillRef>
+          <a:effectRef idx="2">
+            <a:schemeClr val="accent1"/>
+          </a:effectRef>
+          <a:fontRef idx="minor">
+            <a:schemeClr val="lt1"/>
+          </a:fontRef>
+        </p:style>
+        <p:txBody>
+          <a:bodyPr rtlCol="0" anchor="ctr"/>
+          <a:lstStyle/>
+          <a:p>
+            <a:pPr algn="ctr"/>
+            <a:r>
+              <a:rPr lang="en-US" dirty="0" smtClean="0">
+                <a:solidFill>
+                  <a:schemeClr val="bg1"/>
+                </a:solidFill>
+                <a:latin typeface="Lato Black"/>
+                <a:cs typeface="Lato Black"/>
+              </a:rPr>
+              <a:t>File B</a:t>
+            </a:r>
+            <a:endParaRPr lang="en-US" dirty="0">
+              <a:solidFill>
+                <a:schemeClr val="bg1"/>
+              </a:solidFill>
+              <a:latin typeface="Lato Black"/>
+              <a:cs typeface="Lato Black"/>
+            </a:endParaRPr>
+          </a:p>
+        </p:txBody>
+      </p:sp>
+      <p:sp>
+        <p:nvSpPr>
+          <p:cNvPr id="14" name="Rectangle 13"/>
+          <p:cNvSpPr/>
+          <p:nvPr/>
+        </p:nvSpPr>
+        <p:spPr>
+          <a:xfrm>
+            <a:off x="2067325" y="1851562"/>
+            <a:ext cx="681656" cy="896501"/>
+          </a:xfrm>
+          <a:prstGeom prst="rect">
+            <a:avLst/>
+          </a:prstGeom>
+          <a:solidFill>
+            <a:srgbClr val="FAAC15"/>
+          </a:solidFill>
+          <a:ln>
+            <a:solidFill>
+              <a:srgbClr val="FAAC15"/>
+            </a:solidFill>
+          </a:ln>
+          <a:effectLst/>
+        </p:spPr>
+        <p:style>
+          <a:lnRef idx="1">
+            <a:schemeClr val="accent1"/>
+          </a:lnRef>
+          <a:fillRef idx="3">
+            <a:schemeClr val="accent1"/>
+          </a:fillRef>
+          <a:effectRef idx="2">
+            <a:schemeClr val="accent1"/>
+          </a:effectRef>
+          <a:fontRef idx="minor">
+            <a:schemeClr val="lt1"/>
+          </a:fontRef>
+        </p:style>
+        <p:txBody>
+          <a:bodyPr rtlCol="0" anchor="ctr"/>
+          <a:lstStyle/>
+          <a:p>
+            <a:pPr algn="ctr"/>
+            <a:r>
+              <a:rPr lang="en-US" dirty="0" smtClean="0">
+                <a:solidFill>
+                  <a:schemeClr val="bg1"/>
+                </a:solidFill>
+                <a:latin typeface="Lato Black"/>
+                <a:cs typeface="Lato Black"/>
+              </a:rPr>
+              <a:t>File C</a:t>
+            </a:r>
+            <a:endParaRPr lang="en-US" dirty="0">
+              <a:solidFill>
+                <a:schemeClr val="bg1"/>
+              </a:solidFill>
+              <a:latin typeface="Lato Black"/>
+              <a:cs typeface="Lato Black"/>
+            </a:endParaRPr>
+          </a:p>
+        </p:txBody>
+      </p:sp>
+      <p:sp>
+        <p:nvSpPr>
+          <p:cNvPr id="15" name="Rectangle 14"/>
+          <p:cNvSpPr/>
+          <p:nvPr/>
+        </p:nvSpPr>
+        <p:spPr>
+          <a:xfrm>
+            <a:off x="2067325" y="2748063"/>
+            <a:ext cx="681656" cy="443260"/>
+          </a:xfrm>
+          <a:prstGeom prst="rect">
+            <a:avLst/>
+          </a:prstGeom>
+          <a:solidFill>
+            <a:srgbClr val="FFD37F"/>
+          </a:solidFill>
+          <a:ln>
+            <a:solidFill>
+              <a:srgbClr val="FFD37F"/>
+            </a:solidFill>
+          </a:ln>
+          <a:effectLst/>
+        </p:spPr>
+        <p:style>
+          <a:lnRef idx="1">
+            <a:schemeClr val="accent1"/>
+          </a:lnRef>
+          <a:fillRef idx="3">
+            <a:schemeClr val="accent1"/>
+          </a:fillRef>
+          <a:effectRef idx="2">
+            <a:schemeClr val="accent1"/>
+          </a:effectRef>
+          <a:fontRef idx="minor">
+            <a:schemeClr val="lt1"/>
+          </a:fontRef>
+        </p:style>
+        <p:txBody>
+          <a:bodyPr rtlCol="0" anchor="ctr"/>
+          <a:lstStyle/>
+          <a:p>
+            <a:pPr algn="ctr"/>
+            <a:endParaRPr lang="en-US"/>
+          </a:p>
+        </p:txBody>
+      </p:sp>
+      <p:sp>
+        <p:nvSpPr>
+          <p:cNvPr id="16" name="Rectangle 15"/>
+          <p:cNvSpPr/>
+          <p:nvPr/>
+        </p:nvSpPr>
+        <p:spPr>
+          <a:xfrm>
+            <a:off x="2901381" y="1521851"/>
+            <a:ext cx="681656" cy="187463"/>
+          </a:xfrm>
+          <a:prstGeom prst="rect">
+            <a:avLst/>
+          </a:prstGeom>
+          <a:solidFill>
+            <a:srgbClr val="A2CBEE"/>
+          </a:solidFill>
+          <a:ln>
+            <a:solidFill>
+              <a:srgbClr val="A2CBEE"/>
+            </a:solidFill>
+          </a:ln>
+          <a:effectLst/>
+        </p:spPr>
+        <p:style>
+          <a:lnRef idx="1">
+            <a:schemeClr val="accent1"/>
+          </a:lnRef>
+          <a:fillRef idx="3">
+            <a:schemeClr val="accent1"/>
+          </a:fillRef>
+          <a:effectRef idx="2">
+            <a:schemeClr val="accent1"/>
+          </a:effectRef>
+          <a:fontRef idx="minor">
+            <a:schemeClr val="lt1"/>
+          </a:fontRef>
+        </p:style>
+        <p:txBody>
+          <a:bodyPr rtlCol="0" anchor="ctr"/>
+          <a:lstStyle/>
+          <a:p>
+            <a:pPr algn="ctr"/>
+            <a:endParaRPr lang="en-US"/>
+          </a:p>
+        </p:txBody>
+      </p:sp>
+      <p:sp>
+        <p:nvSpPr>
+          <p:cNvPr id="19" name="Rectangle 18"/>
+          <p:cNvSpPr/>
+          <p:nvPr/>
+        </p:nvSpPr>
+        <p:spPr>
+          <a:xfrm>
+            <a:off x="2902709" y="1709314"/>
+            <a:ext cx="681656" cy="224046"/>
+          </a:xfrm>
+          <a:prstGeom prst="rect">
+            <a:avLst/>
+          </a:prstGeom>
+          <a:solidFill>
+            <a:srgbClr val="FFD37F"/>
+          </a:solidFill>
+          <a:ln>
+            <a:solidFill>
+              <a:srgbClr val="FFD37F"/>
+            </a:solidFill>
+          </a:ln>
+          <a:effectLst/>
+        </p:spPr>
+        <p:style>
+          <a:lnRef idx="1">
+            <a:schemeClr val="accent1"/>
+          </a:lnRef>
+          <a:fillRef idx="3">
+            <a:schemeClr val="accent1"/>
+          </a:fillRef>
+          <a:effectRef idx="2">
+            <a:schemeClr val="accent1"/>
+          </a:effectRef>
+          <a:fontRef idx="minor">
+            <a:schemeClr val="lt1"/>
+          </a:fontRef>
+        </p:style>
+        <p:txBody>
+          <a:bodyPr rtlCol="0" anchor="ctr"/>
+          <a:lstStyle/>
+          <a:p>
+            <a:pPr algn="ctr"/>
+            <a:endParaRPr lang="en-US"/>
+          </a:p>
+        </p:txBody>
+      </p:sp>
+      <p:cxnSp>
+        <p:nvCxnSpPr>
+          <p:cNvPr id="20" name="Straight Arrow Connector 19"/>
+          <p:cNvCxnSpPr/>
+          <p:nvPr/>
+        </p:nvCxnSpPr>
+        <p:spPr>
+          <a:xfrm flipV="1">
+            <a:off x="2896631" y="3471090"/>
+            <a:ext cx="0" cy="1127647"/>
+          </a:xfrm>
+          <a:prstGeom prst="straightConnector1">
+            <a:avLst/>
+          </a:prstGeom>
+          <a:ln w="76200" cap="sq" cmpd="sng">
+            <a:solidFill>
+              <a:schemeClr val="tx1"/>
+            </a:solidFill>
+            <a:round/>
+            <a:headEnd type="none"/>
+            <a:tailEnd type="triangle" w="med" len="med"/>
+          </a:ln>
+          <a:effectLst/>
+        </p:spPr>
+        <p:style>
+          <a:lnRef idx="2">
+            <a:schemeClr val="accent1"/>
+          </a:lnRef>
+          <a:fillRef idx="0">
+            <a:schemeClr val="accent1"/>
+          </a:fillRef>
+          <a:effectRef idx="1">
+            <a:schemeClr val="accent1"/>
+          </a:effectRef>
+          <a:fontRef idx="minor">
+            <a:schemeClr val="tx1"/>
+          </a:fontRef>
+        </p:style>
+      </p:cxnSp>
+      <p:sp>
+        <p:nvSpPr>
+          <p:cNvPr id="21" name="Rectangle 20"/>
+          <p:cNvSpPr/>
+          <p:nvPr/>
+        </p:nvSpPr>
+        <p:spPr>
+          <a:xfrm>
+            <a:off x="6916386" y="1709314"/>
+            <a:ext cx="681656" cy="375073"/>
+          </a:xfrm>
+          <a:prstGeom prst="rect">
+            <a:avLst/>
+          </a:prstGeom>
+          <a:solidFill>
+            <a:srgbClr val="A2CBEE"/>
+          </a:solidFill>
+          <a:ln>
+            <a:solidFill>
+              <a:srgbClr val="A2CBEE"/>
+            </a:solidFill>
+          </a:ln>
+          <a:effectLst/>
+        </p:spPr>
+        <p:style>
+          <a:lnRef idx="1">
+            <a:schemeClr val="accent1"/>
+          </a:lnRef>
+          <a:fillRef idx="3">
+            <a:schemeClr val="accent1"/>
+          </a:fillRef>
+          <a:effectRef idx="2">
+            <a:schemeClr val="accent1"/>
+          </a:effectRef>
+          <a:fontRef idx="minor">
+            <a:schemeClr val="lt1"/>
+          </a:fontRef>
+        </p:style>
+        <p:txBody>
+          <a:bodyPr rtlCol="0" anchor="ctr"/>
+          <a:lstStyle/>
+          <a:p>
+            <a:pPr algn="ctr"/>
+            <a:endParaRPr lang="en-US"/>
+          </a:p>
+        </p:txBody>
+      </p:sp>
+      <p:sp>
+        <p:nvSpPr>
+          <p:cNvPr id="22" name="Rectangle 21"/>
+          <p:cNvSpPr/>
+          <p:nvPr/>
+        </p:nvSpPr>
+        <p:spPr>
+          <a:xfrm>
+            <a:off x="6080253" y="3191323"/>
+            <a:ext cx="681656" cy="375073"/>
+          </a:xfrm>
+          <a:prstGeom prst="rect">
+            <a:avLst/>
+          </a:prstGeom>
+          <a:solidFill>
+            <a:srgbClr val="A2CBEE"/>
+          </a:solidFill>
+          <a:ln>
+            <a:solidFill>
+              <a:srgbClr val="A2CBEE"/>
+            </a:solidFill>
+          </a:ln>
+          <a:effectLst/>
+        </p:spPr>
+        <p:style>
+          <a:lnRef idx="1">
+            <a:schemeClr val="accent1"/>
+          </a:lnRef>
+          <a:fillRef idx="3">
+            <a:schemeClr val="accent1"/>
+          </a:fillRef>
+          <a:effectRef idx="2">
+            <a:schemeClr val="accent1"/>
+          </a:effectRef>
+          <a:fontRef idx="minor">
+            <a:schemeClr val="lt1"/>
+          </a:fontRef>
+        </p:style>
+        <p:txBody>
+          <a:bodyPr rtlCol="0" anchor="ctr"/>
+          <a:lstStyle/>
+          <a:p>
+            <a:pPr algn="ctr"/>
+            <a:endParaRPr lang="en-US"/>
+          </a:p>
+        </p:txBody>
+      </p:sp>
+      <p:cxnSp>
+        <p:nvCxnSpPr>
+          <p:cNvPr id="24" name="Straight Arrow Connector 23"/>
+          <p:cNvCxnSpPr/>
+          <p:nvPr/>
+        </p:nvCxnSpPr>
+        <p:spPr>
+          <a:xfrm flipV="1">
+            <a:off x="6897812" y="3471090"/>
+            <a:ext cx="0" cy="1127647"/>
+          </a:xfrm>
+          <a:prstGeom prst="straightConnector1">
+            <a:avLst/>
+          </a:prstGeom>
+          <a:ln w="76200" cap="sq" cmpd="sng">
+            <a:solidFill>
+              <a:schemeClr val="tx1"/>
+            </a:solidFill>
+            <a:round/>
+            <a:headEnd type="none"/>
+            <a:tailEnd type="triangle" w="med" len="med"/>
+          </a:ln>
+          <a:effectLst/>
+        </p:spPr>
+        <p:style>
+          <a:lnRef idx="2">
+            <a:schemeClr val="accent1"/>
+          </a:lnRef>
+          <a:fillRef idx="0">
+            <a:schemeClr val="accent1"/>
+          </a:fillRef>
+          <a:effectRef idx="1">
+            <a:schemeClr val="accent1"/>
+          </a:effectRef>
+          <a:fontRef idx="minor">
+            <a:schemeClr val="tx1"/>
+          </a:fontRef>
+        </p:style>
+      </p:cxnSp>
+      <p:sp>
+        <p:nvSpPr>
+          <p:cNvPr id="30" name="TextBox 29"/>
+          <p:cNvSpPr txBox="1"/>
+          <p:nvPr/>
+        </p:nvSpPr>
+        <p:spPr>
+          <a:xfrm>
+            <a:off x="2397865" y="128997"/>
+            <a:ext cx="891463" cy="369332"/>
+          </a:xfrm>
+          <a:prstGeom prst="rect">
+            <a:avLst/>
+          </a:prstGeom>
+          <a:noFill/>
+        </p:spPr>
+        <p:txBody>
+          <a:bodyPr wrap="none" rtlCol="0">
+            <a:spAutoFit/>
+          </a:bodyPr>
+          <a:lstStyle/>
+          <a:p>
+            <a:r>
+              <a:rPr lang="en-US" dirty="0" smtClean="0">
+                <a:latin typeface="Lato"/>
+              </a:rPr>
+              <a:t>master</a:t>
+            </a:r>
+            <a:endParaRPr lang="en-US" dirty="0" smtClean="0">
+              <a:latin typeface="Lato"/>
+            </a:endParaRPr>
+          </a:p>
+        </p:txBody>
+      </p:sp>
+      <p:sp>
+        <p:nvSpPr>
+          <p:cNvPr id="31" name="TextBox 30"/>
+          <p:cNvSpPr txBox="1"/>
+          <p:nvPr/>
+        </p:nvSpPr>
+        <p:spPr>
+          <a:xfrm>
+            <a:off x="5705585" y="151047"/>
+            <a:ext cx="2337605" cy="369332"/>
+          </a:xfrm>
+          <a:prstGeom prst="rect">
+            <a:avLst/>
+          </a:prstGeom>
+          <a:noFill/>
+        </p:spPr>
+        <p:txBody>
+          <a:bodyPr wrap="none" rtlCol="0">
+            <a:spAutoFit/>
+          </a:bodyPr>
+          <a:lstStyle/>
+          <a:p>
+            <a:r>
+              <a:rPr lang="en-US" dirty="0" smtClean="0">
+                <a:latin typeface="Lato"/>
+              </a:rPr>
+              <a:t>bars-rule-maps-drool</a:t>
+            </a:r>
+            <a:endParaRPr lang="en-US" dirty="0" smtClean="0">
+              <a:latin typeface="Lato"/>
+            </a:endParaRPr>
+          </a:p>
+        </p:txBody>
+      </p:sp>
+      <p:sp>
+        <p:nvSpPr>
+          <p:cNvPr id="32" name="Rectangle 31"/>
+          <p:cNvSpPr/>
+          <p:nvPr/>
+        </p:nvSpPr>
+        <p:spPr>
+          <a:xfrm>
+            <a:off x="2905744" y="2182448"/>
+            <a:ext cx="681656" cy="896501"/>
+          </a:xfrm>
+          <a:prstGeom prst="rect">
+            <a:avLst/>
+          </a:prstGeom>
+          <a:solidFill>
+            <a:srgbClr val="FAAC15"/>
+          </a:solidFill>
+          <a:ln>
+            <a:solidFill>
+              <a:srgbClr val="FAAC15"/>
+            </a:solidFill>
+          </a:ln>
+          <a:effectLst/>
+        </p:spPr>
+        <p:style>
+          <a:lnRef idx="1">
+            <a:schemeClr val="accent1"/>
+          </a:lnRef>
+          <a:fillRef idx="3">
+            <a:schemeClr val="accent1"/>
+          </a:fillRef>
+          <a:effectRef idx="2">
+            <a:schemeClr val="accent1"/>
+          </a:effectRef>
+          <a:fontRef idx="minor">
+            <a:schemeClr val="lt1"/>
+          </a:fontRef>
+        </p:style>
+        <p:txBody>
+          <a:bodyPr rtlCol="0" anchor="ctr"/>
+          <a:lstStyle/>
+          <a:p>
+            <a:pPr algn="ctr"/>
+            <a:r>
+              <a:rPr lang="en-US" dirty="0" smtClean="0">
+                <a:solidFill>
+                  <a:schemeClr val="bg1"/>
+                </a:solidFill>
+                <a:latin typeface="Lato Black"/>
+                <a:cs typeface="Lato Black"/>
+              </a:rPr>
+              <a:t>File </a:t>
+            </a:r>
+            <a:r>
+              <a:rPr lang="en-US" dirty="0" smtClean="0">
+                <a:solidFill>
+                  <a:schemeClr val="bg1"/>
+                </a:solidFill>
+                <a:latin typeface="Lato Black"/>
+                <a:cs typeface="Lato Black"/>
+              </a:rPr>
+              <a:t>D</a:t>
+            </a:r>
+            <a:endParaRPr lang="en-US" dirty="0">
+              <a:solidFill>
+                <a:schemeClr val="bg1"/>
+              </a:solidFill>
+              <a:latin typeface="Lato Black"/>
+              <a:cs typeface="Lato Black"/>
+            </a:endParaRPr>
+          </a:p>
+        </p:txBody>
+      </p:sp>
+    </p:spTree>
+    <p:extLst>
+      <p:ext uri="{BB962C8B-B14F-4D97-AF65-F5344CB8AC3E}">
+        <p14:creationId xmlns:p14="http://schemas.microsoft.com/office/powerpoint/2010/main" val="911713122"/>
+      </p:ext>
+    </p:extLst>
+  </p:cSld>
+  <p:clrMapOvr>
+    <a:masterClrMapping/>
+  </p:clrMapOvr>
+  <p:timing>
+    <p:tnLst>
+      <p:par>
+        <p:cTn xmlns:p14="http://schemas.microsoft.com/office/powerpoint/2010/main" id="1" dur="indefinite" restart="never" nodeType="tmRoot">
+          <p:childTnLst>
+            <p:seq concurrent="1" nextAc="seek">
+              <p:cTn id="2" dur="indefinite" nodeType="mainSeq">
+                <p:childTnLst>
+                  <p:par>
+                    <p:cTn id="3" fill="hold">
+                      <p:stCondLst>
+                        <p:cond delay="indefinite"/>
+                      </p:stCondLst>
+                      <p:childTnLst>
+                        <p:par>
+                          <p:cTn id="4" fill="hold">
+                            <p:stCondLst>
+                              <p:cond delay="0"/>
+                            </p:stCondLst>
+                            <p:childTnLst>
+                              <p:par>
+                                <p:cTn id="5" presetID="0" presetClass="path" presetSubtype="0" accel="50000" decel="50000" fill="hold" grpId="0" nodeType="clickEffect">
+                                  <p:stCondLst>
+                                    <p:cond delay="0"/>
+                                  </p:stCondLst>
+                                  <p:childTnLst>
+                                    <p:animMotion origin="layout" path="M 0 0 L 0.43924 0 " pathEditMode="relative" ptsTypes="AA">
+                                      <p:cBhvr>
+                                        <p:cTn id="6" dur="2000" fill="hold"/>
+                                        <p:tgtEl>
+                                          <p:spTgt spid="13"/>
+                                        </p:tgtEl>
+                                        <p:attrNameLst>
+                                          <p:attrName>ppt_x</p:attrName>
+                                          <p:attrName>ppt_y</p:attrName>
+                                        </p:attrNameLst>
+                                      </p:cBhvr>
+                                    </p:animMotion>
+                                  </p:childTnLst>
+                                </p:cTn>
+                              </p:par>
+                              <p:par>
+                                <p:cTn id="7" presetID="0" presetClass="path" presetSubtype="0" accel="50000" decel="50000" fill="hold" grpId="0" nodeType="withEffect">
+                                  <p:stCondLst>
+                                    <p:cond delay="0"/>
+                                  </p:stCondLst>
+                                  <p:childTnLst>
+                                    <p:animMotion origin="layout" path="M 0 0 L 0.43924 0 " pathEditMode="relative" ptsTypes="AA">
+                                      <p:cBhvr>
+                                        <p:cTn id="8" dur="2000" fill="hold"/>
+                                        <p:tgtEl>
+                                          <p:spTgt spid="12"/>
+                                        </p:tgtEl>
+                                        <p:attrNameLst>
+                                          <p:attrName>ppt_x</p:attrName>
+                                          <p:attrName>ppt_y</p:attrName>
+                                        </p:attrNameLst>
+                                      </p:cBhvr>
+                                    </p:animMotion>
+                                  </p:childTnLst>
+                                </p:cTn>
+                              </p:par>
+                              <p:par>
+                                <p:cTn id="9" presetID="0" presetClass="path" presetSubtype="0" accel="50000" decel="50000" fill="hold" grpId="0" nodeType="withEffect">
+                                  <p:stCondLst>
+                                    <p:cond delay="0"/>
+                                  </p:stCondLst>
+                                  <p:childTnLst>
+                                    <p:animMotion origin="layout" path="M 0 0 L 0.43924 0 " pathEditMode="relative" ptsTypes="AA">
+                                      <p:cBhvr>
+                                        <p:cTn id="10" dur="2000" fill="hold"/>
+                                        <p:tgtEl>
+                                          <p:spTgt spid="16"/>
+                                        </p:tgtEl>
+                                        <p:attrNameLst>
+                                          <p:attrName>ppt_x</p:attrName>
+                                          <p:attrName>ppt_y</p:attrName>
+                                        </p:attrNameLst>
+                                      </p:cBhvr>
+                                    </p:animMotion>
+                                  </p:childTnLst>
+                                </p:cTn>
+                              </p:par>
+                              <p:par>
+                                <p:cTn id="11" presetID="0" presetClass="path" presetSubtype="0" accel="50000" decel="50000" fill="hold" grpId="0" nodeType="withEffect">
+                                  <p:stCondLst>
+                                    <p:cond delay="0"/>
+                                  </p:stCondLst>
+                                  <p:childTnLst>
+                                    <p:animMotion origin="layout" path="M 0 0 L 0.43924 0 " pathEditMode="relative" ptsTypes="AA">
+                                      <p:cBhvr>
+                                        <p:cTn id="12" dur="2000" fill="hold"/>
+                                        <p:tgtEl>
+                                          <p:spTgt spid="14"/>
+                                        </p:tgtEl>
+                                        <p:attrNameLst>
+                                          <p:attrName>ppt_x</p:attrName>
+                                          <p:attrName>ppt_y</p:attrName>
+                                        </p:attrNameLst>
+                                      </p:cBhvr>
+                                    </p:animMotion>
+                                  </p:childTnLst>
+                                </p:cTn>
+                              </p:par>
+                              <p:par>
+                                <p:cTn id="13" presetID="0" presetClass="path" presetSubtype="0" accel="50000" decel="50000" fill="hold" grpId="0" nodeType="withEffect">
+                                  <p:stCondLst>
+                                    <p:cond delay="0"/>
+                                  </p:stCondLst>
+                                  <p:childTnLst>
+                                    <p:animMotion origin="layout" path="M 0 0 L 0.43924 0 " pathEditMode="relative" ptsTypes="AA">
+                                      <p:cBhvr>
+                                        <p:cTn id="14" dur="2000" fill="hold"/>
+                                        <p:tgtEl>
+                                          <p:spTgt spid="15"/>
+                                        </p:tgtEl>
+                                        <p:attrNameLst>
+                                          <p:attrName>ppt_x</p:attrName>
+                                          <p:attrName>ppt_y</p:attrName>
+                                        </p:attrNameLst>
+                                      </p:cBhvr>
+                                    </p:animMotion>
+                                  </p:childTnLst>
+                                </p:cTn>
+                              </p:par>
+                              <p:par>
+                                <p:cTn id="15" presetID="10" presetClass="entr" presetSubtype="0" fill="hold" grpId="0" nodeType="withEffect">
+                                  <p:stCondLst>
+                                    <p:cond delay="0"/>
+                                  </p:stCondLst>
+                                  <p:childTnLst>
+                                    <p:set>
+                                      <p:cBhvr>
+                                        <p:cTn id="16" dur="1" fill="hold">
+                                          <p:stCondLst>
+                                            <p:cond delay="0"/>
+                                          </p:stCondLst>
+                                        </p:cTn>
+                                        <p:tgtEl>
+                                          <p:spTgt spid="25"/>
+                                        </p:tgtEl>
+                                        <p:attrNameLst>
+                                          <p:attrName>style.visibility</p:attrName>
+                                        </p:attrNameLst>
+                                      </p:cBhvr>
+                                      <p:to>
+                                        <p:strVal val="visible"/>
+                                      </p:to>
+                                    </p:set>
+                                    <p:animEffect transition="in" filter="fade">
+                                      <p:cBhvr>
+                                        <p:cTn id="17" dur="500"/>
+                                        <p:tgtEl>
+                                          <p:spTgt spid="25"/>
+                                        </p:tgtEl>
+                                      </p:cBhvr>
+                                    </p:animEffect>
+                                  </p:childTnLst>
+                                </p:cTn>
+                              </p:par>
+                            </p:childTnLst>
+                          </p:cTn>
+                        </p:par>
+                      </p:childTnLst>
+                    </p:cTn>
+                  </p:par>
+                  <p:par>
+                    <p:cTn id="18" fill="hold">
+                      <p:stCondLst>
+                        <p:cond delay="indefinite"/>
+                      </p:stCondLst>
+                      <p:childTnLst>
+                        <p:par>
+                          <p:cTn id="19" fill="hold">
+                            <p:stCondLst>
+                              <p:cond delay="0"/>
+                            </p:stCondLst>
+                            <p:childTnLst>
+                              <p:par>
+                                <p:cTn id="20" presetID="2" presetClass="entr" presetSubtype="1" fill="hold" grpId="0" nodeType="clickEffect">
+                                  <p:stCondLst>
+                                    <p:cond delay="0"/>
+                                  </p:stCondLst>
+                                  <p:childTnLst>
+                                    <p:set>
+                                      <p:cBhvr>
+                                        <p:cTn id="21" dur="1" fill="hold">
+                                          <p:stCondLst>
+                                            <p:cond delay="0"/>
+                                          </p:stCondLst>
+                                        </p:cTn>
+                                        <p:tgtEl>
+                                          <p:spTgt spid="30"/>
+                                        </p:tgtEl>
+                                        <p:attrNameLst>
+                                          <p:attrName>style.visibility</p:attrName>
+                                        </p:attrNameLst>
+                                      </p:cBhvr>
+                                      <p:to>
+                                        <p:strVal val="visible"/>
+                                      </p:to>
+                                    </p:set>
+                                    <p:anim calcmode="lin" valueType="num">
+                                      <p:cBhvr additive="base">
+                                        <p:cTn id="22" dur="500" fill="hold"/>
+                                        <p:tgtEl>
+                                          <p:spTgt spid="30"/>
+                                        </p:tgtEl>
+                                        <p:attrNameLst>
+                                          <p:attrName>ppt_x</p:attrName>
+                                        </p:attrNameLst>
+                                      </p:cBhvr>
+                                      <p:tavLst>
+                                        <p:tav tm="0">
+                                          <p:val>
+                                            <p:strVal val="#ppt_x"/>
+                                          </p:val>
+                                        </p:tav>
+                                        <p:tav tm="100000">
+                                          <p:val>
+                                            <p:strVal val="#ppt_x"/>
+                                          </p:val>
+                                        </p:tav>
+                                      </p:tavLst>
+                                    </p:anim>
+                                    <p:anim calcmode="lin" valueType="num">
+                                      <p:cBhvr additive="base">
+                                        <p:cTn id="23" dur="500" fill="hold"/>
+                                        <p:tgtEl>
+                                          <p:spTgt spid="30"/>
+                                        </p:tgtEl>
+                                        <p:attrNameLst>
+                                          <p:attrName>ppt_y</p:attrName>
+                                        </p:attrNameLst>
+                                      </p:cBhvr>
+                                      <p:tavLst>
+                                        <p:tav tm="0">
+                                          <p:val>
+                                            <p:strVal val="0-#ppt_h/2"/>
+                                          </p:val>
+                                        </p:tav>
+                                        <p:tav tm="100000">
+                                          <p:val>
+                                            <p:strVal val="#ppt_y"/>
+                                          </p:val>
+                                        </p:tav>
+                                      </p:tavLst>
+                                    </p:anim>
+                                  </p:childTnLst>
+                                </p:cTn>
+                              </p:par>
+                              <p:par>
+                                <p:cTn id="24" presetID="2" presetClass="entr" presetSubtype="1" fill="hold" grpId="0" nodeType="withEffect">
+                                  <p:stCondLst>
+                                    <p:cond delay="0"/>
+                                  </p:stCondLst>
+                                  <p:childTnLst>
+                                    <p:set>
+                                      <p:cBhvr>
+                                        <p:cTn id="25" dur="1" fill="hold">
+                                          <p:stCondLst>
+                                            <p:cond delay="0"/>
+                                          </p:stCondLst>
+                                        </p:cTn>
+                                        <p:tgtEl>
+                                          <p:spTgt spid="31"/>
+                                        </p:tgtEl>
+                                        <p:attrNameLst>
+                                          <p:attrName>style.visibility</p:attrName>
+                                        </p:attrNameLst>
+                                      </p:cBhvr>
+                                      <p:to>
+                                        <p:strVal val="visible"/>
+                                      </p:to>
+                                    </p:set>
+                                    <p:anim calcmode="lin" valueType="num">
+                                      <p:cBhvr additive="base">
+                                        <p:cTn id="26" dur="500" fill="hold"/>
+                                        <p:tgtEl>
+                                          <p:spTgt spid="31"/>
+                                        </p:tgtEl>
+                                        <p:attrNameLst>
+                                          <p:attrName>ppt_x</p:attrName>
+                                        </p:attrNameLst>
+                                      </p:cBhvr>
+                                      <p:tavLst>
+                                        <p:tav tm="0">
+                                          <p:val>
+                                            <p:strVal val="#ppt_x"/>
+                                          </p:val>
+                                        </p:tav>
+                                        <p:tav tm="100000">
+                                          <p:val>
+                                            <p:strVal val="#ppt_x"/>
+                                          </p:val>
+                                        </p:tav>
+                                      </p:tavLst>
+                                    </p:anim>
+                                    <p:anim calcmode="lin" valueType="num">
+                                      <p:cBhvr additive="base">
+                                        <p:cTn id="27" dur="500" fill="hold"/>
+                                        <p:tgtEl>
+                                          <p:spTgt spid="31"/>
+                                        </p:tgtEl>
+                                        <p:attrNameLst>
+                                          <p:attrName>ppt_y</p:attrName>
+                                        </p:attrNameLst>
+                                      </p:cBhvr>
+                                      <p:tavLst>
+                                        <p:tav tm="0">
+                                          <p:val>
+                                            <p:strVal val="0-#ppt_h/2"/>
+                                          </p:val>
+                                        </p:tav>
+                                        <p:tav tm="100000">
+                                          <p:val>
+                                            <p:strVal val="#ppt_y"/>
+                                          </p:val>
+                                        </p:tav>
+                                      </p:tavLst>
+                                    </p:anim>
+                                  </p:childTnLst>
+                                </p:cTn>
+                              </p:par>
+                            </p:childTnLst>
+                          </p:cTn>
+                        </p:par>
+                      </p:childTnLst>
+                    </p:cTn>
+                  </p:par>
+                  <p:par>
+                    <p:cTn id="28" fill="hold">
+                      <p:stCondLst>
+                        <p:cond delay="indefinite"/>
+                      </p:stCondLst>
+                      <p:childTnLst>
+                        <p:par>
+                          <p:cTn id="29" fill="hold">
+                            <p:stCondLst>
+                              <p:cond delay="0"/>
+                            </p:stCondLst>
+                            <p:childTnLst>
+                              <p:par>
+                                <p:cTn id="30" presetID="2" presetClass="exit" presetSubtype="1" fill="hold" grpId="1" nodeType="clickEffect">
+                                  <p:stCondLst>
+                                    <p:cond delay="0"/>
+                                  </p:stCondLst>
+                                  <p:childTnLst>
+                                    <p:anim calcmode="lin" valueType="num">
+                                      <p:cBhvr additive="base">
+                                        <p:cTn id="31" dur="500"/>
+                                        <p:tgtEl>
+                                          <p:spTgt spid="30"/>
+                                        </p:tgtEl>
+                                        <p:attrNameLst>
+                                          <p:attrName>ppt_x</p:attrName>
+                                        </p:attrNameLst>
+                                      </p:cBhvr>
+                                      <p:tavLst>
+                                        <p:tav tm="0">
+                                          <p:val>
+                                            <p:strVal val="ppt_x"/>
+                                          </p:val>
+                                        </p:tav>
+                                        <p:tav tm="100000">
+                                          <p:val>
+                                            <p:strVal val="ppt_x"/>
+                                          </p:val>
+                                        </p:tav>
+                                      </p:tavLst>
+                                    </p:anim>
+                                    <p:anim calcmode="lin" valueType="num">
+                                      <p:cBhvr additive="base">
+                                        <p:cTn id="32" dur="500"/>
+                                        <p:tgtEl>
+                                          <p:spTgt spid="30"/>
+                                        </p:tgtEl>
+                                        <p:attrNameLst>
+                                          <p:attrName>ppt_y</p:attrName>
+                                        </p:attrNameLst>
+                                      </p:cBhvr>
+                                      <p:tavLst>
+                                        <p:tav tm="0">
+                                          <p:val>
+                                            <p:strVal val="ppt_y"/>
+                                          </p:val>
+                                        </p:tav>
+                                        <p:tav tm="100000">
+                                          <p:val>
+                                            <p:strVal val="0-ppt_h/2"/>
+                                          </p:val>
+                                        </p:tav>
+                                      </p:tavLst>
+                                    </p:anim>
+                                    <p:set>
+                                      <p:cBhvr>
+                                        <p:cTn id="33" dur="1" fill="hold">
+                                          <p:stCondLst>
+                                            <p:cond delay="499"/>
+                                          </p:stCondLst>
+                                        </p:cTn>
+                                        <p:tgtEl>
+                                          <p:spTgt spid="30"/>
+                                        </p:tgtEl>
+                                        <p:attrNameLst>
+                                          <p:attrName>style.visibility</p:attrName>
+                                        </p:attrNameLst>
+                                      </p:cBhvr>
+                                      <p:to>
+                                        <p:strVal val="hidden"/>
+                                      </p:to>
+                                    </p:set>
+                                  </p:childTnLst>
+                                </p:cTn>
+                              </p:par>
+                              <p:par>
+                                <p:cTn id="34" presetID="2" presetClass="exit" presetSubtype="1" fill="hold" grpId="1" nodeType="withEffect">
+                                  <p:stCondLst>
+                                    <p:cond delay="0"/>
+                                  </p:stCondLst>
+                                  <p:childTnLst>
+                                    <p:anim calcmode="lin" valueType="num">
+                                      <p:cBhvr additive="base">
+                                        <p:cTn id="35" dur="500"/>
+                                        <p:tgtEl>
+                                          <p:spTgt spid="31"/>
+                                        </p:tgtEl>
+                                        <p:attrNameLst>
+                                          <p:attrName>ppt_x</p:attrName>
+                                        </p:attrNameLst>
+                                      </p:cBhvr>
+                                      <p:tavLst>
+                                        <p:tav tm="0">
+                                          <p:val>
+                                            <p:strVal val="ppt_x"/>
+                                          </p:val>
+                                        </p:tav>
+                                        <p:tav tm="100000">
+                                          <p:val>
+                                            <p:strVal val="ppt_x"/>
+                                          </p:val>
+                                        </p:tav>
+                                      </p:tavLst>
+                                    </p:anim>
+                                    <p:anim calcmode="lin" valueType="num">
+                                      <p:cBhvr additive="base">
+                                        <p:cTn id="36" dur="500"/>
+                                        <p:tgtEl>
+                                          <p:spTgt spid="31"/>
+                                        </p:tgtEl>
+                                        <p:attrNameLst>
+                                          <p:attrName>ppt_y</p:attrName>
+                                        </p:attrNameLst>
+                                      </p:cBhvr>
+                                      <p:tavLst>
+                                        <p:tav tm="0">
+                                          <p:val>
+                                            <p:strVal val="ppt_y"/>
+                                          </p:val>
+                                        </p:tav>
+                                        <p:tav tm="100000">
+                                          <p:val>
+                                            <p:strVal val="0-ppt_h/2"/>
+                                          </p:val>
+                                        </p:tav>
+                                      </p:tavLst>
+                                    </p:anim>
+                                    <p:set>
+                                      <p:cBhvr>
+                                        <p:cTn id="37" dur="1" fill="hold">
+                                          <p:stCondLst>
+                                            <p:cond delay="499"/>
+                                          </p:stCondLst>
+                                        </p:cTn>
+                                        <p:tgtEl>
+                                          <p:spTgt spid="31"/>
+                                        </p:tgtEl>
+                                        <p:attrNameLst>
+                                          <p:attrName>style.visibility</p:attrName>
+                                        </p:attrNameLst>
+                                      </p:cBhvr>
+                                      <p:to>
+                                        <p:strVal val="hidden"/>
+                                      </p:to>
+                                    </p:set>
+                                  </p:childTnLst>
+                                </p:cTn>
+                              </p:par>
+                            </p:childTnLst>
+                          </p:cTn>
+                        </p:par>
+                      </p:childTnLst>
+                    </p:cTn>
+                  </p:par>
+                  <p:par>
+                    <p:cTn id="38" fill="hold">
+                      <p:stCondLst>
+                        <p:cond delay="indefinite"/>
+                      </p:stCondLst>
+                      <p:childTnLst>
+                        <p:par>
+                          <p:cTn id="39" fill="hold">
+                            <p:stCondLst>
+                              <p:cond delay="0"/>
+                            </p:stCondLst>
+                            <p:childTnLst>
+                              <p:par>
+                                <p:cTn id="40" presetID="50" presetClass="path" presetSubtype="0" accel="50000" decel="50000" fill="hold" nodeType="clickEffect">
+                                  <p:stCondLst>
+                                    <p:cond delay="0"/>
+                                  </p:stCondLst>
+                                  <p:childTnLst>
+                                    <p:animMotion origin="layout" path="M -2.22222E-6 -4.44444E-6 L 0.21788 -4.44444E-6 C 0.31563 -4.44444E-6 0.43594 -0.0456 0.43594 -0.08217 L 0.43594 -0.16365 " pathEditMode="relative" rAng="0" ptsTypes="FfFF">
+                                      <p:cBhvr>
+                                        <p:cTn id="41" dur="2000" fill="hold"/>
+                                        <p:tgtEl>
+                                          <p:spTgt spid="11"/>
+                                        </p:tgtEl>
+                                        <p:attrNameLst>
+                                          <p:attrName>ppt_x</p:attrName>
+                                          <p:attrName>ppt_y</p:attrName>
+                                        </p:attrNameLst>
+                                      </p:cBhvr>
+                                      <p:rCtr x="21788" y="-8194"/>
+                                    </p:animMotion>
+                                  </p:childTnLst>
+                                </p:cTn>
+                              </p:par>
+                              <p:par>
+                                <p:cTn id="42" presetID="2" presetClass="entr" presetSubtype="4" fill="hold" nodeType="withEffect">
+                                  <p:stCondLst>
+                                    <p:cond delay="0"/>
+                                  </p:stCondLst>
+                                  <p:childTnLst>
+                                    <p:set>
+                                      <p:cBhvr>
+                                        <p:cTn id="43" dur="1" fill="hold">
+                                          <p:stCondLst>
+                                            <p:cond delay="0"/>
+                                          </p:stCondLst>
+                                        </p:cTn>
+                                        <p:tgtEl>
+                                          <p:spTgt spid="24"/>
+                                        </p:tgtEl>
+                                        <p:attrNameLst>
+                                          <p:attrName>style.visibility</p:attrName>
+                                        </p:attrNameLst>
+                                      </p:cBhvr>
+                                      <p:to>
+                                        <p:strVal val="visible"/>
+                                      </p:to>
+                                    </p:set>
+                                    <p:anim calcmode="lin" valueType="num">
+                                      <p:cBhvr additive="base">
+                                        <p:cTn id="44" dur="500" fill="hold"/>
+                                        <p:tgtEl>
+                                          <p:spTgt spid="24"/>
+                                        </p:tgtEl>
+                                        <p:attrNameLst>
+                                          <p:attrName>ppt_x</p:attrName>
+                                        </p:attrNameLst>
+                                      </p:cBhvr>
+                                      <p:tavLst>
+                                        <p:tav tm="0">
+                                          <p:val>
+                                            <p:strVal val="#ppt_x"/>
+                                          </p:val>
+                                        </p:tav>
+                                        <p:tav tm="100000">
+                                          <p:val>
+                                            <p:strVal val="#ppt_x"/>
+                                          </p:val>
+                                        </p:tav>
+                                      </p:tavLst>
+                                    </p:anim>
+                                    <p:anim calcmode="lin" valueType="num">
+                                      <p:cBhvr additive="base">
+                                        <p:cTn id="45" dur="500" fill="hold"/>
+                                        <p:tgtEl>
+                                          <p:spTgt spid="24"/>
+                                        </p:tgtEl>
+                                        <p:attrNameLst>
+                                          <p:attrName>ppt_y</p:attrName>
+                                        </p:attrNameLst>
+                                      </p:cBhvr>
+                                      <p:tavLst>
+                                        <p:tav tm="0">
+                                          <p:val>
+                                            <p:strVal val="1+#ppt_h/2"/>
+                                          </p:val>
+                                        </p:tav>
+                                        <p:tav tm="100000">
+                                          <p:val>
+                                            <p:strVal val="#ppt_y"/>
+                                          </p:val>
+                                        </p:tav>
+                                      </p:tavLst>
+                                    </p:anim>
+                                  </p:childTnLst>
+                                </p:cTn>
+                              </p:par>
+                            </p:childTnLst>
+                          </p:cTn>
+                        </p:par>
+                      </p:childTnLst>
+                    </p:cTn>
+                  </p:par>
+                  <p:par>
+                    <p:cTn id="46" fill="hold">
+                      <p:stCondLst>
+                        <p:cond delay="indefinite"/>
+                      </p:stCondLst>
+                      <p:childTnLst>
+                        <p:par>
+                          <p:cTn id="47" fill="hold">
+                            <p:stCondLst>
+                              <p:cond delay="0"/>
+                            </p:stCondLst>
+                            <p:childTnLst>
+                              <p:par>
+                                <p:cTn id="48" presetID="2" presetClass="entr" presetSubtype="4" fill="hold" grpId="0" nodeType="clickEffect">
+                                  <p:stCondLst>
+                                    <p:cond delay="0"/>
+                                  </p:stCondLst>
+                                  <p:childTnLst>
+                                    <p:set>
+                                      <p:cBhvr>
+                                        <p:cTn id="49" dur="1" fill="hold">
+                                          <p:stCondLst>
+                                            <p:cond delay="0"/>
+                                          </p:stCondLst>
+                                        </p:cTn>
+                                        <p:tgtEl>
+                                          <p:spTgt spid="22"/>
+                                        </p:tgtEl>
+                                        <p:attrNameLst>
+                                          <p:attrName>style.visibility</p:attrName>
+                                        </p:attrNameLst>
+                                      </p:cBhvr>
+                                      <p:to>
+                                        <p:strVal val="visible"/>
+                                      </p:to>
+                                    </p:set>
+                                    <p:anim calcmode="lin" valueType="num">
+                                      <p:cBhvr additive="base">
+                                        <p:cTn id="50" dur="500" fill="hold"/>
+                                        <p:tgtEl>
+                                          <p:spTgt spid="22"/>
+                                        </p:tgtEl>
+                                        <p:attrNameLst>
+                                          <p:attrName>ppt_x</p:attrName>
+                                        </p:attrNameLst>
+                                      </p:cBhvr>
+                                      <p:tavLst>
+                                        <p:tav tm="0">
+                                          <p:val>
+                                            <p:strVal val="#ppt_x"/>
+                                          </p:val>
+                                        </p:tav>
+                                        <p:tav tm="100000">
+                                          <p:val>
+                                            <p:strVal val="#ppt_x"/>
+                                          </p:val>
+                                        </p:tav>
+                                      </p:tavLst>
+                                    </p:anim>
+                                    <p:anim calcmode="lin" valueType="num">
+                                      <p:cBhvr additive="base">
+                                        <p:cTn id="51" dur="500" fill="hold"/>
+                                        <p:tgtEl>
+                                          <p:spTgt spid="22"/>
+                                        </p:tgtEl>
+                                        <p:attrNameLst>
+                                          <p:attrName>ppt_y</p:attrName>
+                                        </p:attrNameLst>
+                                      </p:cBhvr>
+                                      <p:tavLst>
+                                        <p:tav tm="0">
+                                          <p:val>
+                                            <p:strVal val="1+#ppt_h/2"/>
+                                          </p:val>
+                                        </p:tav>
+                                        <p:tav tm="100000">
+                                          <p:val>
+                                            <p:strVal val="#ppt_y"/>
+                                          </p:val>
+                                        </p:tav>
+                                      </p:tavLst>
+                                    </p:anim>
+                                  </p:childTnLst>
+                                </p:cTn>
+                              </p:par>
+                            </p:childTnLst>
+                          </p:cTn>
+                        </p:par>
+                      </p:childTnLst>
+                    </p:cTn>
+                  </p:par>
+                  <p:par>
+                    <p:cTn id="52" fill="hold">
+                      <p:stCondLst>
+                        <p:cond delay="indefinite"/>
+                      </p:stCondLst>
+                      <p:childTnLst>
+                        <p:par>
+                          <p:cTn id="53" fill="hold">
+                            <p:stCondLst>
+                              <p:cond delay="0"/>
+                            </p:stCondLst>
+                            <p:childTnLst>
+                              <p:par>
+                                <p:cTn id="54" presetID="2" presetClass="entr" presetSubtype="4" fill="hold" grpId="0" nodeType="clickEffect">
+                                  <p:stCondLst>
+                                    <p:cond delay="0"/>
+                                  </p:stCondLst>
+                                  <p:childTnLst>
+                                    <p:set>
+                                      <p:cBhvr>
+                                        <p:cTn id="55" dur="1" fill="hold">
+                                          <p:stCondLst>
+                                            <p:cond delay="0"/>
+                                          </p:stCondLst>
+                                        </p:cTn>
+                                        <p:tgtEl>
+                                          <p:spTgt spid="19"/>
+                                        </p:tgtEl>
+                                        <p:attrNameLst>
+                                          <p:attrName>style.visibility</p:attrName>
+                                        </p:attrNameLst>
+                                      </p:cBhvr>
+                                      <p:to>
+                                        <p:strVal val="visible"/>
+                                      </p:to>
+                                    </p:set>
+                                    <p:anim calcmode="lin" valueType="num">
+                                      <p:cBhvr additive="base">
+                                        <p:cTn id="56" dur="500" fill="hold"/>
+                                        <p:tgtEl>
+                                          <p:spTgt spid="19"/>
+                                        </p:tgtEl>
+                                        <p:attrNameLst>
+                                          <p:attrName>ppt_x</p:attrName>
+                                        </p:attrNameLst>
+                                      </p:cBhvr>
+                                      <p:tavLst>
+                                        <p:tav tm="0">
+                                          <p:val>
+                                            <p:strVal val="#ppt_x"/>
+                                          </p:val>
+                                        </p:tav>
+                                        <p:tav tm="100000">
+                                          <p:val>
+                                            <p:strVal val="#ppt_x"/>
+                                          </p:val>
+                                        </p:tav>
+                                      </p:tavLst>
+                                    </p:anim>
+                                    <p:anim calcmode="lin" valueType="num">
+                                      <p:cBhvr additive="base">
+                                        <p:cTn id="57" dur="500" fill="hold"/>
+                                        <p:tgtEl>
+                                          <p:spTgt spid="19"/>
+                                        </p:tgtEl>
+                                        <p:attrNameLst>
+                                          <p:attrName>ppt_y</p:attrName>
+                                        </p:attrNameLst>
+                                      </p:cBhvr>
+                                      <p:tavLst>
+                                        <p:tav tm="0">
+                                          <p:val>
+                                            <p:strVal val="1+#ppt_h/2"/>
+                                          </p:val>
+                                        </p:tav>
+                                        <p:tav tm="100000">
+                                          <p:val>
+                                            <p:strVal val="#ppt_y"/>
+                                          </p:val>
+                                        </p:tav>
+                                      </p:tavLst>
+                                    </p:anim>
+                                  </p:childTnLst>
+                                </p:cTn>
+                              </p:par>
+                            </p:childTnLst>
+                          </p:cTn>
+                        </p:par>
+                      </p:childTnLst>
+                    </p:cTn>
+                  </p:par>
+                  <p:par>
+                    <p:cTn id="58" fill="hold">
+                      <p:stCondLst>
+                        <p:cond delay="indefinite"/>
+                      </p:stCondLst>
+                      <p:childTnLst>
+                        <p:par>
+                          <p:cTn id="59" fill="hold">
+                            <p:stCondLst>
+                              <p:cond delay="0"/>
+                            </p:stCondLst>
+                            <p:childTnLst>
+                              <p:par>
+                                <p:cTn id="60" presetID="2" presetClass="exit" presetSubtype="8" fill="hold" grpId="0" nodeType="clickEffect">
+                                  <p:stCondLst>
+                                    <p:cond delay="0"/>
+                                  </p:stCondLst>
+                                  <p:childTnLst>
+                                    <p:anim calcmode="lin" valueType="num">
+                                      <p:cBhvr additive="base">
+                                        <p:cTn id="61" dur="500"/>
+                                        <p:tgtEl>
+                                          <p:spTgt spid="8"/>
+                                        </p:tgtEl>
+                                        <p:attrNameLst>
+                                          <p:attrName>ppt_x</p:attrName>
+                                        </p:attrNameLst>
+                                      </p:cBhvr>
+                                      <p:tavLst>
+                                        <p:tav tm="0">
+                                          <p:val>
+                                            <p:strVal val="ppt_x"/>
+                                          </p:val>
+                                        </p:tav>
+                                        <p:tav tm="100000">
+                                          <p:val>
+                                            <p:strVal val="0-ppt_w/2"/>
+                                          </p:val>
+                                        </p:tav>
+                                      </p:tavLst>
+                                    </p:anim>
+                                    <p:anim calcmode="lin" valueType="num">
+                                      <p:cBhvr additive="base">
+                                        <p:cTn id="62" dur="500"/>
+                                        <p:tgtEl>
+                                          <p:spTgt spid="8"/>
+                                        </p:tgtEl>
+                                        <p:attrNameLst>
+                                          <p:attrName>ppt_y</p:attrName>
+                                        </p:attrNameLst>
+                                      </p:cBhvr>
+                                      <p:tavLst>
+                                        <p:tav tm="0">
+                                          <p:val>
+                                            <p:strVal val="ppt_y"/>
+                                          </p:val>
+                                        </p:tav>
+                                        <p:tav tm="100000">
+                                          <p:val>
+                                            <p:strVal val="ppt_y"/>
+                                          </p:val>
+                                        </p:tav>
+                                      </p:tavLst>
+                                    </p:anim>
+                                    <p:set>
+                                      <p:cBhvr>
+                                        <p:cTn id="63" dur="1" fill="hold">
+                                          <p:stCondLst>
+                                            <p:cond delay="499"/>
+                                          </p:stCondLst>
+                                        </p:cTn>
+                                        <p:tgtEl>
+                                          <p:spTgt spid="8"/>
+                                        </p:tgtEl>
+                                        <p:attrNameLst>
+                                          <p:attrName>style.visibility</p:attrName>
+                                        </p:attrNameLst>
+                                      </p:cBhvr>
+                                      <p:to>
+                                        <p:strVal val="hidden"/>
+                                      </p:to>
+                                    </p:set>
+                                  </p:childTnLst>
+                                </p:cTn>
+                              </p:par>
+                            </p:childTnLst>
+                          </p:cTn>
+                        </p:par>
+                      </p:childTnLst>
+                    </p:cTn>
+                  </p:par>
+                  <p:par>
+                    <p:cTn id="64" fill="hold">
+                      <p:stCondLst>
+                        <p:cond delay="indefinite"/>
+                      </p:stCondLst>
+                      <p:childTnLst>
+                        <p:par>
+                          <p:cTn id="65" fill="hold">
+                            <p:stCondLst>
+                              <p:cond delay="0"/>
+                            </p:stCondLst>
+                            <p:childTnLst>
+                              <p:par>
+                                <p:cTn id="66" presetID="2" presetClass="entr" presetSubtype="4" fill="hold" grpId="0" nodeType="clickEffect">
+                                  <p:stCondLst>
+                                    <p:cond delay="0"/>
+                                  </p:stCondLst>
+                                  <p:childTnLst>
+                                    <p:set>
+                                      <p:cBhvr>
+                                        <p:cTn id="67" dur="1" fill="hold">
+                                          <p:stCondLst>
+                                            <p:cond delay="0"/>
+                                          </p:stCondLst>
+                                        </p:cTn>
+                                        <p:tgtEl>
+                                          <p:spTgt spid="21"/>
+                                        </p:tgtEl>
+                                        <p:attrNameLst>
+                                          <p:attrName>style.visibility</p:attrName>
+                                        </p:attrNameLst>
+                                      </p:cBhvr>
+                                      <p:to>
+                                        <p:strVal val="visible"/>
+                                      </p:to>
+                                    </p:set>
+                                    <p:anim calcmode="lin" valueType="num">
+                                      <p:cBhvr additive="base">
+                                        <p:cTn id="68" dur="500" fill="hold"/>
+                                        <p:tgtEl>
+                                          <p:spTgt spid="21"/>
+                                        </p:tgtEl>
+                                        <p:attrNameLst>
+                                          <p:attrName>ppt_x</p:attrName>
+                                        </p:attrNameLst>
+                                      </p:cBhvr>
+                                      <p:tavLst>
+                                        <p:tav tm="0">
+                                          <p:val>
+                                            <p:strVal val="#ppt_x"/>
+                                          </p:val>
+                                        </p:tav>
+                                        <p:tav tm="100000">
+                                          <p:val>
+                                            <p:strVal val="#ppt_x"/>
+                                          </p:val>
+                                        </p:tav>
+                                      </p:tavLst>
+                                    </p:anim>
+                                    <p:anim calcmode="lin" valueType="num">
+                                      <p:cBhvr additive="base">
+                                        <p:cTn id="69" dur="500" fill="hold"/>
+                                        <p:tgtEl>
+                                          <p:spTgt spid="21"/>
+                                        </p:tgtEl>
+                                        <p:attrNameLst>
+                                          <p:attrName>ppt_y</p:attrName>
+                                        </p:attrNameLst>
+                                      </p:cBhvr>
+                                      <p:tavLst>
+                                        <p:tav tm="0">
+                                          <p:val>
+                                            <p:strVal val="1+#ppt_h/2"/>
+                                          </p:val>
+                                        </p:tav>
+                                        <p:tav tm="100000">
+                                          <p:val>
+                                            <p:strVal val="#ppt_y"/>
+                                          </p:val>
+                                        </p:tav>
+                                      </p:tavLst>
+                                    </p:anim>
+                                  </p:childTnLst>
+                                </p:cTn>
+                              </p:par>
+                            </p:childTnLst>
+                          </p:cTn>
+                        </p:par>
+                      </p:childTnLst>
+                    </p:cTn>
+                  </p:par>
+                  <p:par>
+                    <p:cTn id="70" fill="hold">
+                      <p:stCondLst>
+                        <p:cond delay="indefinite"/>
+                      </p:stCondLst>
+                      <p:childTnLst>
+                        <p:par>
+                          <p:cTn id="71" fill="hold">
+                            <p:stCondLst>
+                              <p:cond delay="0"/>
+                            </p:stCondLst>
+                            <p:childTnLst>
+                              <p:par>
+                                <p:cTn id="72" presetID="2" presetClass="entr" presetSubtype="4" fill="hold" grpId="0" nodeType="clickEffect">
+                                  <p:stCondLst>
+                                    <p:cond delay="0"/>
+                                  </p:stCondLst>
+                                  <p:childTnLst>
+                                    <p:set>
+                                      <p:cBhvr>
+                                        <p:cTn id="73" dur="1" fill="hold">
+                                          <p:stCondLst>
+                                            <p:cond delay="0"/>
+                                          </p:stCondLst>
+                                        </p:cTn>
+                                        <p:tgtEl>
+                                          <p:spTgt spid="32"/>
+                                        </p:tgtEl>
+                                        <p:attrNameLst>
+                                          <p:attrName>style.visibility</p:attrName>
+                                        </p:attrNameLst>
+                                      </p:cBhvr>
+                                      <p:to>
+                                        <p:strVal val="visible"/>
+                                      </p:to>
+                                    </p:set>
+                                    <p:anim calcmode="lin" valueType="num">
+                                      <p:cBhvr additive="base">
+                                        <p:cTn id="74" dur="500" fill="hold"/>
+                                        <p:tgtEl>
+                                          <p:spTgt spid="32"/>
+                                        </p:tgtEl>
+                                        <p:attrNameLst>
+                                          <p:attrName>ppt_x</p:attrName>
+                                        </p:attrNameLst>
+                                      </p:cBhvr>
+                                      <p:tavLst>
+                                        <p:tav tm="0">
+                                          <p:val>
+                                            <p:strVal val="#ppt_x"/>
+                                          </p:val>
+                                        </p:tav>
+                                        <p:tav tm="100000">
+                                          <p:val>
+                                            <p:strVal val="#ppt_x"/>
+                                          </p:val>
+                                        </p:tav>
+                                      </p:tavLst>
+                                    </p:anim>
+                                    <p:anim calcmode="lin" valueType="num">
+                                      <p:cBhvr additive="base">
+                                        <p:cTn id="75" dur="500" fill="hold"/>
+                                        <p:tgtEl>
+                                          <p:spTgt spid="32"/>
+                                        </p:tgtEl>
+                                        <p:attrNameLst>
+                                          <p:attrName>ppt_y</p:attrName>
+                                        </p:attrNameLst>
+                                      </p:cBhvr>
+                                      <p:tavLst>
+                                        <p:tav tm="0">
+                                          <p:val>
+                                            <p:strVal val="1+#ppt_h/2"/>
+                                          </p:val>
+                                        </p:tav>
+                                        <p:tav tm="100000">
+                                          <p:val>
+                                            <p:strVal val="#ppt_y"/>
+                                          </p:val>
+                                        </p:tav>
+                                      </p:tavLst>
+                                    </p:anim>
+                                  </p:childTnLst>
+                                </p:cTn>
+                              </p:par>
+                            </p:childTnLst>
+                          </p:cTn>
+                        </p:par>
+                      </p:childTnLst>
+                    </p:cTn>
+                  </p:par>
+                  <p:par>
+                    <p:cTn id="76" fill="hold">
+                      <p:stCondLst>
+                        <p:cond delay="indefinite"/>
+                      </p:stCondLst>
+                      <p:childTnLst>
+                        <p:par>
+                          <p:cTn id="77" fill="hold">
+                            <p:stCondLst>
+                              <p:cond delay="0"/>
+                            </p:stCondLst>
+                            <p:childTnLst>
+                              <p:par>
+                                <p:cTn id="78" presetID="0" presetClass="path" presetSubtype="0" accel="50000" decel="50000" fill="hold" grpId="1" nodeType="clickEffect">
+                                  <p:stCondLst>
+                                    <p:cond delay="0"/>
+                                  </p:stCondLst>
+                                  <p:childTnLst>
+                                    <p:animMotion origin="layout" path="M 0.43923 -1.48148E-6 L 1.94444E-6 -1.48148E-6 " pathEditMode="relative" rAng="0" ptsTypes="AA">
+                                      <p:cBhvr>
+                                        <p:cTn id="79" dur="2000" fill="hold"/>
+                                        <p:tgtEl>
+                                          <p:spTgt spid="12"/>
+                                        </p:tgtEl>
+                                        <p:attrNameLst>
+                                          <p:attrName>ppt_x</p:attrName>
+                                          <p:attrName>ppt_y</p:attrName>
+                                        </p:attrNameLst>
+                                      </p:cBhvr>
+                                      <p:rCtr x="-21962" y="0"/>
+                                    </p:animMotion>
+                                  </p:childTnLst>
+                                </p:cTn>
+                              </p:par>
+                              <p:par>
+                                <p:cTn id="80" presetID="0" presetClass="path" presetSubtype="0" accel="50000" decel="50000" fill="hold" grpId="1" nodeType="withEffect">
+                                  <p:stCondLst>
+                                    <p:cond delay="0"/>
+                                  </p:stCondLst>
+                                  <p:childTnLst>
+                                    <p:animMotion origin="layout" path="M 0.43924 -1.48148E-6 L -3.88889E-6 -1.48148E-6 " pathEditMode="relative" rAng="0" ptsTypes="AA">
+                                      <p:cBhvr>
+                                        <p:cTn id="81" dur="2000" fill="hold"/>
+                                        <p:tgtEl>
+                                          <p:spTgt spid="13"/>
+                                        </p:tgtEl>
+                                        <p:attrNameLst>
+                                          <p:attrName>ppt_x</p:attrName>
+                                          <p:attrName>ppt_y</p:attrName>
+                                        </p:attrNameLst>
+                                      </p:cBhvr>
+                                      <p:rCtr x="-21962" y="0"/>
+                                    </p:animMotion>
+                                  </p:childTnLst>
+                                </p:cTn>
+                              </p:par>
+                              <p:par>
+                                <p:cTn id="82" presetID="0" presetClass="path" presetSubtype="0" accel="50000" decel="50000" fill="hold" grpId="1" nodeType="withEffect">
+                                  <p:stCondLst>
+                                    <p:cond delay="0"/>
+                                  </p:stCondLst>
+                                  <p:childTnLst>
+                                    <p:animMotion origin="layout" path="M 0.43924 1.85185E-6 L -3.88889E-6 1.85185E-6 " pathEditMode="relative" rAng="0" ptsTypes="AA">
+                                      <p:cBhvr>
+                                        <p:cTn id="83" dur="2000" fill="hold"/>
+                                        <p:tgtEl>
+                                          <p:spTgt spid="16"/>
+                                        </p:tgtEl>
+                                        <p:attrNameLst>
+                                          <p:attrName>ppt_x</p:attrName>
+                                          <p:attrName>ppt_y</p:attrName>
+                                        </p:attrNameLst>
+                                      </p:cBhvr>
+                                      <p:rCtr x="-21962" y="0"/>
+                                    </p:animMotion>
+                                  </p:childTnLst>
+                                </p:cTn>
+                              </p:par>
+                              <p:par>
+                                <p:cTn id="84" presetID="0" presetClass="path" presetSubtype="0" accel="50000" decel="50000" fill="hold" grpId="1" nodeType="withEffect">
+                                  <p:stCondLst>
+                                    <p:cond delay="0"/>
+                                  </p:stCondLst>
+                                  <p:childTnLst>
+                                    <p:animMotion origin="layout" path="M 0.43923 4.81481E-6 L 1.94444E-6 4.81481E-6 " pathEditMode="relative" rAng="0" ptsTypes="AA">
+                                      <p:cBhvr>
+                                        <p:cTn id="85" dur="2000" fill="hold"/>
+                                        <p:tgtEl>
+                                          <p:spTgt spid="14"/>
+                                        </p:tgtEl>
+                                        <p:attrNameLst>
+                                          <p:attrName>ppt_x</p:attrName>
+                                          <p:attrName>ppt_y</p:attrName>
+                                        </p:attrNameLst>
+                                      </p:cBhvr>
+                                      <p:rCtr x="-21962" y="0"/>
+                                    </p:animMotion>
+                                  </p:childTnLst>
+                                </p:cTn>
+                              </p:par>
+                              <p:par>
+                                <p:cTn id="86" presetID="0" presetClass="path" presetSubtype="0" accel="50000" decel="50000" fill="hold" grpId="1" nodeType="withEffect">
+                                  <p:stCondLst>
+                                    <p:cond delay="0"/>
+                                  </p:stCondLst>
+                                  <p:childTnLst>
+                                    <p:animMotion origin="layout" path="M 3.61111E-6 -3.7037E-7 L -0.43907 -0.00116 " pathEditMode="relative" rAng="0" ptsTypes="AA">
+                                      <p:cBhvr>
+                                        <p:cTn id="87" dur="2000" fill="hold"/>
+                                        <p:tgtEl>
+                                          <p:spTgt spid="21"/>
+                                        </p:tgtEl>
+                                        <p:attrNameLst>
+                                          <p:attrName>ppt_x</p:attrName>
+                                          <p:attrName>ppt_y</p:attrName>
+                                        </p:attrNameLst>
+                                      </p:cBhvr>
+                                      <p:rCtr x="-21962" y="-69"/>
+                                    </p:animMotion>
+                                  </p:childTnLst>
+                                </p:cTn>
+                              </p:par>
+                              <p:par>
+                                <p:cTn id="88" presetID="0" presetClass="path" presetSubtype="0" accel="50000" decel="50000" fill="hold" grpId="1" nodeType="withEffect">
+                                  <p:stCondLst>
+                                    <p:cond delay="0"/>
+                                  </p:stCondLst>
+                                  <p:childTnLst>
+                                    <p:animMotion origin="layout" path="M -3.33333E-6 -2.59259E-6 L -0.43871 -2.59259E-6 " pathEditMode="relative" rAng="0" ptsTypes="AA">
+                                      <p:cBhvr>
+                                        <p:cTn id="89" dur="2000" fill="hold"/>
+                                        <p:tgtEl>
+                                          <p:spTgt spid="22"/>
+                                        </p:tgtEl>
+                                        <p:attrNameLst>
+                                          <p:attrName>ppt_x</p:attrName>
+                                          <p:attrName>ppt_y</p:attrName>
+                                        </p:attrNameLst>
+                                      </p:cBhvr>
+                                      <p:rCtr x="-21944" y="0"/>
+                                    </p:animMotion>
+                                  </p:childTnLst>
+                                </p:cTn>
+                              </p:par>
+                              <p:par>
+                                <p:cTn id="90" presetID="0" presetClass="path" presetSubtype="0" accel="50000" decel="50000" fill="hold" grpId="1" nodeType="withEffect">
+                                  <p:stCondLst>
+                                    <p:cond delay="0"/>
+                                  </p:stCondLst>
+                                  <p:childTnLst>
+                                    <p:animMotion origin="layout" path="M 0.43923 -1.85185E-6 L 0.00034 -1.85185E-6 " pathEditMode="relative" rAng="0" ptsTypes="AA">
+                                      <p:cBhvr>
+                                        <p:cTn id="91" dur="2000" fill="hold"/>
+                                        <p:tgtEl>
+                                          <p:spTgt spid="15"/>
+                                        </p:tgtEl>
+                                        <p:attrNameLst>
+                                          <p:attrName>ppt_x</p:attrName>
+                                          <p:attrName>ppt_y</p:attrName>
+                                        </p:attrNameLst>
+                                      </p:cBhvr>
+                                      <p:rCtr x="-21944" y="0"/>
+                                    </p:animMotion>
+                                  </p:childTnLst>
+                                </p:cTn>
+                              </p:par>
+                              <p:par>
+                                <p:cTn id="92" presetID="9" presetClass="emph" presetSubtype="0" grpId="2" nodeType="withEffect">
+                                  <p:stCondLst>
+                                    <p:cond delay="0"/>
+                                  </p:stCondLst>
+                                  <p:childTnLst>
+                                    <p:set>
+                                      <p:cBhvr rctx="PPT">
+                                        <p:cTn id="93" dur="indefinite"/>
+                                        <p:tgtEl>
+                                          <p:spTgt spid="21"/>
+                                        </p:tgtEl>
+                                        <p:attrNameLst>
+                                          <p:attrName>style.opacity</p:attrName>
+                                        </p:attrNameLst>
+                                      </p:cBhvr>
+                                      <p:to>
+                                        <p:strVal val="0.5"/>
+                                      </p:to>
+                                    </p:set>
+                                    <p:animEffect filter="image" prLst="opacity: 0.5">
+                                      <p:cBhvr rctx="IE">
+                                        <p:cTn id="94" dur="indefinite"/>
+                                        <p:tgtEl>
+                                          <p:spTgt spid="21"/>
+                                        </p:tgtEl>
+                                      </p:cBhvr>
+                                    </p:animEffect>
+                                  </p:childTnLst>
+                                </p:cTn>
+                              </p:par>
+                              <p:par>
+                                <p:cTn id="95" presetID="9" presetClass="emph" presetSubtype="0" grpId="2" nodeType="withEffect">
+                                  <p:stCondLst>
+                                    <p:cond delay="0"/>
+                                  </p:stCondLst>
+                                  <p:childTnLst>
+                                    <p:set>
+                                      <p:cBhvr rctx="PPT">
+                                        <p:cTn id="96" dur="indefinite"/>
+                                        <p:tgtEl>
+                                          <p:spTgt spid="22"/>
+                                        </p:tgtEl>
+                                        <p:attrNameLst>
+                                          <p:attrName>style.opacity</p:attrName>
+                                        </p:attrNameLst>
+                                      </p:cBhvr>
+                                      <p:to>
+                                        <p:strVal val="0.5"/>
+                                      </p:to>
+                                    </p:set>
+                                    <p:animEffect filter="image" prLst="opacity: 0.5">
+                                      <p:cBhvr rctx="IE">
+                                        <p:cTn id="97" dur="indefinite"/>
+                                        <p:tgtEl>
+                                          <p:spTgt spid="22"/>
+                                        </p:tgtEl>
+                                      </p:cBhvr>
+                                    </p:animEffect>
+                                  </p:childTnLst>
+                                </p:cTn>
+                              </p:par>
+                              <p:par>
+                                <p:cTn id="98" presetID="9" presetClass="emph" presetSubtype="0" grpId="2" nodeType="withEffect">
+                                  <p:stCondLst>
+                                    <p:cond delay="0"/>
+                                  </p:stCondLst>
+                                  <p:childTnLst>
+                                    <p:set>
+                                      <p:cBhvr rctx="PPT">
+                                        <p:cTn id="99" dur="indefinite"/>
+                                        <p:tgtEl>
+                                          <p:spTgt spid="14"/>
+                                        </p:tgtEl>
+                                        <p:attrNameLst>
+                                          <p:attrName>style.opacity</p:attrName>
+                                        </p:attrNameLst>
+                                      </p:cBhvr>
+                                      <p:to>
+                                        <p:strVal val="0.5"/>
+                                      </p:to>
+                                    </p:set>
+                                    <p:animEffect filter="image" prLst="opacity: 0.5">
+                                      <p:cBhvr rctx="IE">
+                                        <p:cTn id="100" dur="indefinite"/>
+                                        <p:tgtEl>
+                                          <p:spTgt spid="14"/>
+                                        </p:tgtEl>
+                                      </p:cBhvr>
+                                    </p:animEffect>
+                                  </p:childTnLst>
+                                </p:cTn>
+                              </p:par>
+                              <p:par>
+                                <p:cTn id="101" presetID="9" presetClass="emph" presetSubtype="0" grpId="2" nodeType="withEffect">
+                                  <p:stCondLst>
+                                    <p:cond delay="0"/>
+                                  </p:stCondLst>
+                                  <p:childTnLst>
+                                    <p:set>
+                                      <p:cBhvr rctx="PPT">
+                                        <p:cTn id="102" dur="indefinite"/>
+                                        <p:tgtEl>
+                                          <p:spTgt spid="15"/>
+                                        </p:tgtEl>
+                                        <p:attrNameLst>
+                                          <p:attrName>style.opacity</p:attrName>
+                                        </p:attrNameLst>
+                                      </p:cBhvr>
+                                      <p:to>
+                                        <p:strVal val="0.5"/>
+                                      </p:to>
+                                    </p:set>
+                                    <p:animEffect filter="image" prLst="opacity: 0.5">
+                                      <p:cBhvr rctx="IE">
+                                        <p:cTn id="103" dur="indefinite"/>
+                                        <p:tgtEl>
+                                          <p:spTgt spid="15"/>
+                                        </p:tgtEl>
+                                      </p:cBhvr>
+                                    </p:animEffect>
+                                  </p:childTnLst>
+                                </p:cTn>
+                              </p:par>
+                              <p:par>
+                                <p:cTn id="104" presetID="9" presetClass="emph" presetSubtype="0" grpId="2" nodeType="withEffect">
+                                  <p:stCondLst>
+                                    <p:cond delay="0"/>
+                                  </p:stCondLst>
+                                  <p:childTnLst>
+                                    <p:set>
+                                      <p:cBhvr rctx="PPT">
+                                        <p:cTn id="105" dur="indefinite"/>
+                                        <p:tgtEl>
+                                          <p:spTgt spid="13"/>
+                                        </p:tgtEl>
+                                        <p:attrNameLst>
+                                          <p:attrName>style.opacity</p:attrName>
+                                        </p:attrNameLst>
+                                      </p:cBhvr>
+                                      <p:to>
+                                        <p:strVal val="0.5"/>
+                                      </p:to>
+                                    </p:set>
+                                    <p:animEffect filter="image" prLst="opacity: 0.5">
+                                      <p:cBhvr rctx="IE">
+                                        <p:cTn id="106" dur="indefinite"/>
+                                        <p:tgtEl>
+                                          <p:spTgt spid="13"/>
+                                        </p:tgtEl>
+                                      </p:cBhvr>
+                                    </p:animEffect>
+                                  </p:childTnLst>
+                                </p:cTn>
+                              </p:par>
+                              <p:par>
+                                <p:cTn id="107" presetID="9" presetClass="emph" presetSubtype="0" grpId="2" nodeType="withEffect">
+                                  <p:stCondLst>
+                                    <p:cond delay="0"/>
+                                  </p:stCondLst>
+                                  <p:childTnLst>
+                                    <p:set>
+                                      <p:cBhvr rctx="PPT">
+                                        <p:cTn id="108" dur="indefinite"/>
+                                        <p:tgtEl>
+                                          <p:spTgt spid="16"/>
+                                        </p:tgtEl>
+                                        <p:attrNameLst>
+                                          <p:attrName>style.opacity</p:attrName>
+                                        </p:attrNameLst>
+                                      </p:cBhvr>
+                                      <p:to>
+                                        <p:strVal val="0.5"/>
+                                      </p:to>
+                                    </p:set>
+                                    <p:animEffect filter="image" prLst="opacity: 0.5">
+                                      <p:cBhvr rctx="IE">
+                                        <p:cTn id="109" dur="indefinite"/>
+                                        <p:tgtEl>
+                                          <p:spTgt spid="16"/>
+                                        </p:tgtEl>
+                                      </p:cBhvr>
+                                    </p:animEffect>
+                                  </p:childTnLst>
+                                </p:cTn>
+                              </p:par>
+                              <p:par>
+                                <p:cTn id="110" presetID="9" presetClass="emph" presetSubtype="0" grpId="2" nodeType="withEffect">
+                                  <p:stCondLst>
+                                    <p:cond delay="0"/>
+                                  </p:stCondLst>
+                                  <p:childTnLst>
+                                    <p:set>
+                                      <p:cBhvr rctx="PPT">
+                                        <p:cTn id="111" dur="indefinite"/>
+                                        <p:tgtEl>
+                                          <p:spTgt spid="12"/>
+                                        </p:tgtEl>
+                                        <p:attrNameLst>
+                                          <p:attrName>style.opacity</p:attrName>
+                                        </p:attrNameLst>
+                                      </p:cBhvr>
+                                      <p:to>
+                                        <p:strVal val="0.5"/>
+                                      </p:to>
+                                    </p:set>
+                                    <p:animEffect filter="image" prLst="opacity: 0.5">
+                                      <p:cBhvr rctx="IE">
+                                        <p:cTn id="112" dur="indefinite"/>
+                                        <p:tgtEl>
+                                          <p:spTgt spid="12"/>
+                                        </p:tgtEl>
+                                      </p:cBhvr>
+                                    </p:animEffect>
+                                  </p:childTnLst>
+                                </p:cTn>
+                              </p:par>
+                            </p:childTnLst>
+                          </p:cTn>
+                        </p:par>
+                      </p:childTnLst>
+                    </p:cTn>
+                  </p:par>
+                </p:childTnLst>
+              </p:cTn>
+              <p:prevCondLst>
+                <p:cond evt="onPrev" delay="0">
+                  <p:tgtEl>
+                    <p:sldTgt/>
+                  </p:tgtEl>
+                </p:cond>
+              </p:prevCondLst>
+              <p:nextCondLst>
+                <p:cond evt="onNext" delay="0">
+                  <p:tgtEl>
+                    <p:sldTgt/>
+                  </p:tgtEl>
+                </p:cond>
+              </p:nextCondLst>
+            </p:seq>
+          </p:childTnLst>
+        </p:cTn>
+      </p:par>
+    </p:tnLst>
+    <p:bldLst>
+      <p:bldP spid="25" grpId="0" animBg="1"/>
+      <p:bldP spid="8" grpId="0" animBg="1"/>
+      <p:bldP spid="12" grpId="0" animBg="1"/>
+      <p:bldP spid="12" grpId="1" animBg="1"/>
+      <p:bldP spid="12" grpId="2" animBg="1"/>
+      <p:bldP spid="13" grpId="0" animBg="1"/>
+      <p:bldP spid="13" grpId="1" animBg="1"/>
+      <p:bldP spid="13" grpId="2" animBg="1"/>
+      <p:bldP spid="14" grpId="0" animBg="1"/>
+      <p:bldP spid="14" grpId="1" animBg="1"/>
+      <p:bldP spid="14" grpId="2" animBg="1"/>
+      <p:bldP spid="15" grpId="0" animBg="1"/>
+      <p:bldP spid="15" grpId="1" animBg="1"/>
+      <p:bldP spid="15" grpId="2" animBg="1"/>
+      <p:bldP spid="16" grpId="0" animBg="1"/>
+      <p:bldP spid="16" grpId="1" animBg="1"/>
+      <p:bldP spid="16" grpId="2" animBg="1"/>
+      <p:bldP spid="19" grpId="0" animBg="1"/>
+      <p:bldP spid="21" grpId="0" animBg="1"/>
+      <p:bldP spid="21" grpId="1" animBg="1"/>
+      <p:bldP spid="21" grpId="2" animBg="1"/>
+      <p:bldP spid="22" grpId="0" animBg="1"/>
+      <p:bldP spid="22" grpId="1" animBg="1"/>
+      <p:bldP spid="22" grpId="2" animBg="1"/>
+      <p:bldP spid="30" grpId="0"/>
+      <p:bldP spid="30" grpId="1"/>
+      <p:bldP spid="31" grpId="0"/>
+      <p:bldP spid="31" grpId="1"/>
+      <p:bldP spid="32" grpId="0" animBg="1"/>
+    </p:bldLst>
+  </p:timing>
+</p:sld>
+</file>
+
+<file path=ppt/slides/slide5.xml><?xml version="1.0" encoding="utf-8"?>
 <p:sld xmlns:a="http://schemas.openxmlformats.org/drawingml/2006/main" xmlns:r="http://schemas.openxmlformats.org/officeDocument/2006/relationships" xmlns:p="http://schemas.openxmlformats.org/presentationml/2006/main">
   <p:cSld>
     <p:spTree>
@@ -12115,7 +14697,7 @@
 </p:sld>
 </file>
 
-<file path=ppt/slides/slide5.xml><?xml version="1.0" encoding="utf-8"?>
+<file path=ppt/slides/slide6.xml><?xml version="1.0" encoding="utf-8"?>
 <p:sld xmlns:a="http://schemas.openxmlformats.org/drawingml/2006/main" xmlns:r="http://schemas.openxmlformats.org/officeDocument/2006/relationships" xmlns:p="http://schemas.openxmlformats.org/presentationml/2006/main">
   <p:cSld>
     <p:spTree>

--- a/workshop/git_presentation.pptx
+++ b/workshop/git_presentation.pptx
@@ -293,7 +293,7 @@
           <a:p>
             <a:fld id="{D53D30F1-0FE9-EE42-8A4B-0AACC103AD69}" type="datetimeFigureOut">
               <a:rPr lang="en-US" smtClean="0"/>
-              <a:t>1/28/15</a:t>
+              <a:t>1/29/15</a:t>
             </a:fld>
             <a:endParaRPr lang="en-US"/>
           </a:p>
@@ -463,7 +463,7 @@
           <a:p>
             <a:fld id="{D53D30F1-0FE9-EE42-8A4B-0AACC103AD69}" type="datetimeFigureOut">
               <a:rPr lang="en-US" smtClean="0"/>
-              <a:t>1/28/15</a:t>
+              <a:t>1/29/15</a:t>
             </a:fld>
             <a:endParaRPr lang="en-US"/>
           </a:p>
@@ -643,7 +643,7 @@
           <a:p>
             <a:fld id="{D53D30F1-0FE9-EE42-8A4B-0AACC103AD69}" type="datetimeFigureOut">
               <a:rPr lang="en-US" smtClean="0"/>
-              <a:t>1/28/15</a:t>
+              <a:t>1/29/15</a:t>
             </a:fld>
             <a:endParaRPr lang="en-US"/>
           </a:p>
@@ -813,7 +813,7 @@
           <a:p>
             <a:fld id="{D53D30F1-0FE9-EE42-8A4B-0AACC103AD69}" type="datetimeFigureOut">
               <a:rPr lang="en-US" smtClean="0"/>
-              <a:t>1/28/15</a:t>
+              <a:t>1/29/15</a:t>
             </a:fld>
             <a:endParaRPr lang="en-US"/>
           </a:p>
@@ -1059,7 +1059,7 @@
           <a:p>
             <a:fld id="{D53D30F1-0FE9-EE42-8A4B-0AACC103AD69}" type="datetimeFigureOut">
               <a:rPr lang="en-US" smtClean="0"/>
-              <a:t>1/28/15</a:t>
+              <a:t>1/29/15</a:t>
             </a:fld>
             <a:endParaRPr lang="en-US"/>
           </a:p>
@@ -1347,7 +1347,7 @@
           <a:p>
             <a:fld id="{D53D30F1-0FE9-EE42-8A4B-0AACC103AD69}" type="datetimeFigureOut">
               <a:rPr lang="en-US" smtClean="0"/>
-              <a:t>1/28/15</a:t>
+              <a:t>1/29/15</a:t>
             </a:fld>
             <a:endParaRPr lang="en-US"/>
           </a:p>
@@ -1769,7 +1769,7 @@
           <a:p>
             <a:fld id="{D53D30F1-0FE9-EE42-8A4B-0AACC103AD69}" type="datetimeFigureOut">
               <a:rPr lang="en-US" smtClean="0"/>
-              <a:t>1/28/15</a:t>
+              <a:t>1/29/15</a:t>
             </a:fld>
             <a:endParaRPr lang="en-US"/>
           </a:p>
@@ -1887,7 +1887,7 @@
           <a:p>
             <a:fld id="{D53D30F1-0FE9-EE42-8A4B-0AACC103AD69}" type="datetimeFigureOut">
               <a:rPr lang="en-US" smtClean="0"/>
-              <a:t>1/28/15</a:t>
+              <a:t>1/29/15</a:t>
             </a:fld>
             <a:endParaRPr lang="en-US"/>
           </a:p>
@@ -1982,7 +1982,7 @@
           <a:p>
             <a:fld id="{D53D30F1-0FE9-EE42-8A4B-0AACC103AD69}" type="datetimeFigureOut">
               <a:rPr lang="en-US" smtClean="0"/>
-              <a:t>1/28/15</a:t>
+              <a:t>1/29/15</a:t>
             </a:fld>
             <a:endParaRPr lang="en-US"/>
           </a:p>
@@ -2259,7 +2259,7 @@
           <a:p>
             <a:fld id="{D53D30F1-0FE9-EE42-8A4B-0AACC103AD69}" type="datetimeFigureOut">
               <a:rPr lang="en-US" smtClean="0"/>
-              <a:t>1/28/15</a:t>
+              <a:t>1/29/15</a:t>
             </a:fld>
             <a:endParaRPr lang="en-US"/>
           </a:p>
@@ -2512,7 +2512,7 @@
           <a:p>
             <a:fld id="{D53D30F1-0FE9-EE42-8A4B-0AACC103AD69}" type="datetimeFigureOut">
               <a:rPr lang="en-US" smtClean="0"/>
-              <a:t>1/28/15</a:t>
+              <a:t>1/29/15</a:t>
             </a:fld>
             <a:endParaRPr lang="en-US"/>
           </a:p>
@@ -2725,7 +2725,7 @@
           <a:p>
             <a:fld id="{D53D30F1-0FE9-EE42-8A4B-0AACC103AD69}" type="datetimeFigureOut">
               <a:rPr lang="en-US" smtClean="0"/>
-              <a:t>1/28/15</a:t>
+              <a:t>1/29/15</a:t>
             </a:fld>
             <a:endParaRPr lang="en-US"/>
           </a:p>
@@ -3201,18 +3201,7 @@
                 </a:solidFill>
                 <a:latin typeface="Lato Light"/>
               </a:rPr>
-              <a:t>/</a:t>
-            </a:r>
-            <a:r>
-              <a:rPr lang="en-US" sz="2000" dirty="0" smtClean="0">
-                <a:solidFill>
-                  <a:schemeClr val="bg1">
-                    <a:lumMod val="50000"/>
-                  </a:schemeClr>
-                </a:solidFill>
-                <a:latin typeface="Lato Light"/>
-              </a:rPr>
-              <a:t>29/2015</a:t>
+              <a:t>/29/2015</a:t>
             </a:r>
             <a:endParaRPr lang="en-US" sz="2000" dirty="0">
               <a:solidFill>
@@ -8738,13 +8727,349 @@
       </p:grpSpPr>
       <p:sp>
         <p:nvSpPr>
+          <p:cNvPr id="35" name="Rectangle 34"/>
+          <p:cNvSpPr/>
+          <p:nvPr/>
+        </p:nvSpPr>
+        <p:spPr>
+          <a:xfrm>
+            <a:off x="2907072" y="1709314"/>
+            <a:ext cx="681656" cy="224046"/>
+          </a:xfrm>
+          <a:prstGeom prst="rect">
+            <a:avLst/>
+          </a:prstGeom>
+          <a:solidFill>
+            <a:srgbClr val="FFD37F"/>
+          </a:solidFill>
+          <a:ln>
+            <a:solidFill>
+              <a:srgbClr val="FFD37F"/>
+            </a:solidFill>
+          </a:ln>
+          <a:effectLst/>
+        </p:spPr>
+        <p:style>
+          <a:lnRef idx="1">
+            <a:schemeClr val="accent1"/>
+          </a:lnRef>
+          <a:fillRef idx="3">
+            <a:schemeClr val="accent1"/>
+          </a:fillRef>
+          <a:effectRef idx="2">
+            <a:schemeClr val="accent1"/>
+          </a:effectRef>
+          <a:fontRef idx="minor">
+            <a:schemeClr val="lt1"/>
+          </a:fontRef>
+        </p:style>
+        <p:txBody>
+          <a:bodyPr rtlCol="0" anchor="ctr"/>
+          <a:lstStyle/>
+          <a:p>
+            <a:pPr algn="ctr"/>
+            <a:endParaRPr lang="en-US"/>
+          </a:p>
+        </p:txBody>
+      </p:sp>
+      <p:sp>
+        <p:nvSpPr>
+          <p:cNvPr id="39" name="Rectangle 38"/>
+          <p:cNvSpPr/>
+          <p:nvPr/>
+        </p:nvSpPr>
+        <p:spPr>
+          <a:xfrm>
+            <a:off x="2905744" y="1521851"/>
+            <a:ext cx="681656" cy="187463"/>
+          </a:xfrm>
+          <a:prstGeom prst="rect">
+            <a:avLst/>
+          </a:prstGeom>
+          <a:solidFill>
+            <a:srgbClr val="A2CBEE"/>
+          </a:solidFill>
+          <a:ln>
+            <a:solidFill>
+              <a:srgbClr val="A2CBEE"/>
+            </a:solidFill>
+          </a:ln>
+          <a:effectLst/>
+        </p:spPr>
+        <p:style>
+          <a:lnRef idx="1">
+            <a:schemeClr val="accent1"/>
+          </a:lnRef>
+          <a:fillRef idx="3">
+            <a:schemeClr val="accent1"/>
+          </a:fillRef>
+          <a:effectRef idx="2">
+            <a:schemeClr val="accent1"/>
+          </a:effectRef>
+          <a:fontRef idx="minor">
+            <a:schemeClr val="lt1"/>
+          </a:fontRef>
+        </p:style>
+        <p:txBody>
+          <a:bodyPr rtlCol="0" anchor="ctr"/>
+          <a:lstStyle/>
+          <a:p>
+            <a:pPr algn="ctr"/>
+            <a:endParaRPr lang="en-US"/>
+          </a:p>
+        </p:txBody>
+      </p:sp>
+      <p:sp>
+        <p:nvSpPr>
+          <p:cNvPr id="36" name="Rectangle 35"/>
+          <p:cNvSpPr/>
+          <p:nvPr/>
+        </p:nvSpPr>
+        <p:spPr>
+          <a:xfrm>
+            <a:off x="2071688" y="625350"/>
+            <a:ext cx="681656" cy="896501"/>
+          </a:xfrm>
+          <a:prstGeom prst="rect">
+            <a:avLst/>
+          </a:prstGeom>
+          <a:solidFill>
+            <a:srgbClr val="1882C8"/>
+          </a:solidFill>
+          <a:effectLst/>
+        </p:spPr>
+        <p:style>
+          <a:lnRef idx="1">
+            <a:schemeClr val="accent1"/>
+          </a:lnRef>
+          <a:fillRef idx="3">
+            <a:schemeClr val="accent1"/>
+          </a:fillRef>
+          <a:effectRef idx="2">
+            <a:schemeClr val="accent1"/>
+          </a:effectRef>
+          <a:fontRef idx="minor">
+            <a:schemeClr val="lt1"/>
+          </a:fontRef>
+        </p:style>
+        <p:txBody>
+          <a:bodyPr rtlCol="0" anchor="ctr"/>
+          <a:lstStyle/>
+          <a:p>
+            <a:pPr algn="ctr"/>
+            <a:r>
+              <a:rPr lang="en-US" dirty="0" smtClean="0">
+                <a:solidFill>
+                  <a:schemeClr val="bg1"/>
+                </a:solidFill>
+                <a:latin typeface="Lato Black"/>
+                <a:cs typeface="Lato Black"/>
+              </a:rPr>
+              <a:t>File A</a:t>
+            </a:r>
+            <a:endParaRPr lang="en-US" dirty="0">
+              <a:solidFill>
+                <a:schemeClr val="bg1"/>
+              </a:solidFill>
+              <a:latin typeface="Lato Black"/>
+              <a:cs typeface="Lato Black"/>
+            </a:endParaRPr>
+          </a:p>
+        </p:txBody>
+      </p:sp>
+      <p:sp>
+        <p:nvSpPr>
+          <p:cNvPr id="37" name="Rectangle 36"/>
+          <p:cNvSpPr/>
+          <p:nvPr/>
+        </p:nvSpPr>
+        <p:spPr>
+          <a:xfrm>
+            <a:off x="2905744" y="625350"/>
+            <a:ext cx="681656" cy="896501"/>
+          </a:xfrm>
+          <a:prstGeom prst="rect">
+            <a:avLst/>
+          </a:prstGeom>
+          <a:solidFill>
+            <a:srgbClr val="1882C8"/>
+          </a:solidFill>
+          <a:effectLst/>
+        </p:spPr>
+        <p:style>
+          <a:lnRef idx="1">
+            <a:schemeClr val="accent1"/>
+          </a:lnRef>
+          <a:fillRef idx="3">
+            <a:schemeClr val="accent1"/>
+          </a:fillRef>
+          <a:effectRef idx="2">
+            <a:schemeClr val="accent1"/>
+          </a:effectRef>
+          <a:fontRef idx="minor">
+            <a:schemeClr val="lt1"/>
+          </a:fontRef>
+        </p:style>
+        <p:txBody>
+          <a:bodyPr rtlCol="0" anchor="ctr"/>
+          <a:lstStyle/>
+          <a:p>
+            <a:pPr algn="ctr"/>
+            <a:r>
+              <a:rPr lang="en-US" dirty="0" smtClean="0">
+                <a:solidFill>
+                  <a:schemeClr val="bg1"/>
+                </a:solidFill>
+                <a:latin typeface="Lato Black"/>
+                <a:cs typeface="Lato Black"/>
+              </a:rPr>
+              <a:t>File B</a:t>
+            </a:r>
+            <a:endParaRPr lang="en-US" dirty="0">
+              <a:solidFill>
+                <a:schemeClr val="bg1"/>
+              </a:solidFill>
+              <a:latin typeface="Lato Black"/>
+              <a:cs typeface="Lato Black"/>
+            </a:endParaRPr>
+          </a:p>
+        </p:txBody>
+      </p:sp>
+      <p:sp>
+        <p:nvSpPr>
+          <p:cNvPr id="38" name="Rectangle 37"/>
+          <p:cNvSpPr/>
+          <p:nvPr/>
+        </p:nvSpPr>
+        <p:spPr>
+          <a:xfrm>
+            <a:off x="2071688" y="1851562"/>
+            <a:ext cx="681656" cy="896501"/>
+          </a:xfrm>
+          <a:prstGeom prst="rect">
+            <a:avLst/>
+          </a:prstGeom>
+          <a:solidFill>
+            <a:srgbClr val="FAAC15"/>
+          </a:solidFill>
+          <a:ln>
+            <a:solidFill>
+              <a:srgbClr val="FAAC15"/>
+            </a:solidFill>
+          </a:ln>
+          <a:effectLst/>
+        </p:spPr>
+        <p:style>
+          <a:lnRef idx="1">
+            <a:schemeClr val="accent1"/>
+          </a:lnRef>
+          <a:fillRef idx="3">
+            <a:schemeClr val="accent1"/>
+          </a:fillRef>
+          <a:effectRef idx="2">
+            <a:schemeClr val="accent1"/>
+          </a:effectRef>
+          <a:fontRef idx="minor">
+            <a:schemeClr val="lt1"/>
+          </a:fontRef>
+        </p:style>
+        <p:txBody>
+          <a:bodyPr rtlCol="0" anchor="ctr"/>
+          <a:lstStyle/>
+          <a:p>
+            <a:pPr algn="ctr"/>
+            <a:r>
+              <a:rPr lang="en-US" dirty="0" smtClean="0">
+                <a:solidFill>
+                  <a:schemeClr val="bg1"/>
+                </a:solidFill>
+                <a:latin typeface="Lato Black"/>
+                <a:cs typeface="Lato Black"/>
+              </a:rPr>
+              <a:t>File C</a:t>
+            </a:r>
+            <a:endParaRPr lang="en-US" dirty="0">
+              <a:solidFill>
+                <a:schemeClr val="bg1"/>
+              </a:solidFill>
+              <a:latin typeface="Lato Black"/>
+              <a:cs typeface="Lato Black"/>
+            </a:endParaRPr>
+          </a:p>
+        </p:txBody>
+      </p:sp>
+      <p:sp>
+        <p:nvSpPr>
+          <p:cNvPr id="40" name="Rectangle 39"/>
+          <p:cNvSpPr/>
+          <p:nvPr/>
+        </p:nvSpPr>
+        <p:spPr>
+          <a:xfrm>
+            <a:off x="2910107" y="2182448"/>
+            <a:ext cx="681656" cy="896501"/>
+          </a:xfrm>
+          <a:prstGeom prst="rect">
+            <a:avLst/>
+          </a:prstGeom>
+          <a:solidFill>
+            <a:srgbClr val="FAAC15"/>
+          </a:solidFill>
+          <a:ln>
+            <a:solidFill>
+              <a:srgbClr val="FAAC15"/>
+            </a:solidFill>
+          </a:ln>
+          <a:effectLst/>
+        </p:spPr>
+        <p:style>
+          <a:lnRef idx="1">
+            <a:schemeClr val="accent1"/>
+          </a:lnRef>
+          <a:fillRef idx="3">
+            <a:schemeClr val="accent1"/>
+          </a:fillRef>
+          <a:effectRef idx="2">
+            <a:schemeClr val="accent1"/>
+          </a:effectRef>
+          <a:fontRef idx="minor">
+            <a:schemeClr val="lt1"/>
+          </a:fontRef>
+        </p:style>
+        <p:txBody>
+          <a:bodyPr rtlCol="0" anchor="ctr"/>
+          <a:lstStyle/>
+          <a:p>
+            <a:pPr algn="ctr"/>
+            <a:r>
+              <a:rPr lang="en-US" dirty="0" smtClean="0">
+                <a:solidFill>
+                  <a:schemeClr val="bg1"/>
+                </a:solidFill>
+                <a:latin typeface="Lato Black"/>
+                <a:cs typeface="Lato Black"/>
+              </a:rPr>
+              <a:t>File D</a:t>
+            </a:r>
+            <a:endParaRPr lang="en-US" dirty="0">
+              <a:solidFill>
+                <a:schemeClr val="bg1"/>
+              </a:solidFill>
+              <a:latin typeface="Lato Black"/>
+              <a:cs typeface="Lato Black"/>
+            </a:endParaRPr>
+          </a:p>
+        </p:txBody>
+      </p:sp>
+      <p:sp>
+        <p:nvSpPr>
           <p:cNvPr id="25" name="Rectangle 24"/>
           <p:cNvSpPr/>
           <p:nvPr/>
         </p:nvSpPr>
         <p:spPr>
           <a:xfrm>
-            <a:off x="4465053" y="-294969"/>
+            <a:off x="4499377" y="-294969"/>
             <a:ext cx="5350818" cy="7529871"/>
           </a:xfrm>
           <a:prstGeom prst="rect">
@@ -8780,6 +9105,232 @@
           <a:p>
             <a:pPr algn="ctr"/>
             <a:endParaRPr lang="en-US"/>
+          </a:p>
+        </p:txBody>
+      </p:sp>
+      <p:sp>
+        <p:nvSpPr>
+          <p:cNvPr id="14" name="Rectangle 13"/>
+          <p:cNvSpPr/>
+          <p:nvPr/>
+        </p:nvSpPr>
+        <p:spPr>
+          <a:xfrm>
+            <a:off x="2067325" y="1851562"/>
+            <a:ext cx="681656" cy="896501"/>
+          </a:xfrm>
+          <a:prstGeom prst="rect">
+            <a:avLst/>
+          </a:prstGeom>
+          <a:solidFill>
+            <a:srgbClr val="FAAC15"/>
+          </a:solidFill>
+          <a:ln>
+            <a:solidFill>
+              <a:srgbClr val="FAAC15"/>
+            </a:solidFill>
+          </a:ln>
+          <a:effectLst/>
+        </p:spPr>
+        <p:style>
+          <a:lnRef idx="1">
+            <a:schemeClr val="accent1"/>
+          </a:lnRef>
+          <a:fillRef idx="3">
+            <a:schemeClr val="accent1"/>
+          </a:fillRef>
+          <a:effectRef idx="2">
+            <a:schemeClr val="accent1"/>
+          </a:effectRef>
+          <a:fontRef idx="minor">
+            <a:schemeClr val="lt1"/>
+          </a:fontRef>
+        </p:style>
+        <p:txBody>
+          <a:bodyPr rtlCol="0" anchor="ctr"/>
+          <a:lstStyle/>
+          <a:p>
+            <a:pPr algn="ctr"/>
+            <a:r>
+              <a:rPr lang="en-US" dirty="0" smtClean="0">
+                <a:solidFill>
+                  <a:schemeClr val="bg1"/>
+                </a:solidFill>
+                <a:latin typeface="Lato Black"/>
+                <a:cs typeface="Lato Black"/>
+              </a:rPr>
+              <a:t>File C</a:t>
+            </a:r>
+            <a:endParaRPr lang="en-US" dirty="0">
+              <a:solidFill>
+                <a:schemeClr val="bg1"/>
+              </a:solidFill>
+              <a:latin typeface="Lato Black"/>
+              <a:cs typeface="Lato Black"/>
+            </a:endParaRPr>
+          </a:p>
+        </p:txBody>
+      </p:sp>
+      <p:sp>
+        <p:nvSpPr>
+          <p:cNvPr id="16" name="Rectangle 15"/>
+          <p:cNvSpPr/>
+          <p:nvPr/>
+        </p:nvSpPr>
+        <p:spPr>
+          <a:xfrm>
+            <a:off x="2901381" y="1521851"/>
+            <a:ext cx="681656" cy="187463"/>
+          </a:xfrm>
+          <a:prstGeom prst="rect">
+            <a:avLst/>
+          </a:prstGeom>
+          <a:solidFill>
+            <a:srgbClr val="A2CBEE"/>
+          </a:solidFill>
+          <a:ln>
+            <a:solidFill>
+              <a:srgbClr val="A2CBEE"/>
+            </a:solidFill>
+          </a:ln>
+          <a:effectLst/>
+        </p:spPr>
+        <p:style>
+          <a:lnRef idx="1">
+            <a:schemeClr val="accent1"/>
+          </a:lnRef>
+          <a:fillRef idx="3">
+            <a:schemeClr val="accent1"/>
+          </a:fillRef>
+          <a:effectRef idx="2">
+            <a:schemeClr val="accent1"/>
+          </a:effectRef>
+          <a:fontRef idx="minor">
+            <a:schemeClr val="lt1"/>
+          </a:fontRef>
+        </p:style>
+        <p:txBody>
+          <a:bodyPr rtlCol="0" anchor="ctr"/>
+          <a:lstStyle/>
+          <a:p>
+            <a:pPr algn="ctr"/>
+            <a:endParaRPr lang="en-US"/>
+          </a:p>
+        </p:txBody>
+      </p:sp>
+      <p:sp>
+        <p:nvSpPr>
+          <p:cNvPr id="13" name="Rectangle 12"/>
+          <p:cNvSpPr/>
+          <p:nvPr/>
+        </p:nvSpPr>
+        <p:spPr>
+          <a:xfrm>
+            <a:off x="2901381" y="625350"/>
+            <a:ext cx="681656" cy="896501"/>
+          </a:xfrm>
+          <a:prstGeom prst="rect">
+            <a:avLst/>
+          </a:prstGeom>
+          <a:solidFill>
+            <a:srgbClr val="1882C8"/>
+          </a:solidFill>
+          <a:effectLst/>
+        </p:spPr>
+        <p:style>
+          <a:lnRef idx="1">
+            <a:schemeClr val="accent1"/>
+          </a:lnRef>
+          <a:fillRef idx="3">
+            <a:schemeClr val="accent1"/>
+          </a:fillRef>
+          <a:effectRef idx="2">
+            <a:schemeClr val="accent1"/>
+          </a:effectRef>
+          <a:fontRef idx="minor">
+            <a:schemeClr val="lt1"/>
+          </a:fontRef>
+        </p:style>
+        <p:txBody>
+          <a:bodyPr rtlCol="0" anchor="ctr"/>
+          <a:lstStyle/>
+          <a:p>
+            <a:pPr algn="ctr"/>
+            <a:r>
+              <a:rPr lang="en-US" dirty="0" smtClean="0">
+                <a:solidFill>
+                  <a:schemeClr val="bg1"/>
+                </a:solidFill>
+                <a:latin typeface="Lato Black"/>
+                <a:cs typeface="Lato Black"/>
+              </a:rPr>
+              <a:t>File B</a:t>
+            </a:r>
+            <a:endParaRPr lang="en-US" dirty="0">
+              <a:solidFill>
+                <a:schemeClr val="bg1"/>
+              </a:solidFill>
+              <a:latin typeface="Lato Black"/>
+              <a:cs typeface="Lato Black"/>
+            </a:endParaRPr>
+          </a:p>
+        </p:txBody>
+      </p:sp>
+      <p:sp>
+        <p:nvSpPr>
+          <p:cNvPr id="12" name="Rectangle 11"/>
+          <p:cNvSpPr/>
+          <p:nvPr/>
+        </p:nvSpPr>
+        <p:spPr>
+          <a:xfrm>
+            <a:off x="2067325" y="625350"/>
+            <a:ext cx="681656" cy="896501"/>
+          </a:xfrm>
+          <a:prstGeom prst="rect">
+            <a:avLst/>
+          </a:prstGeom>
+          <a:solidFill>
+            <a:srgbClr val="1882C8"/>
+          </a:solidFill>
+          <a:effectLst/>
+        </p:spPr>
+        <p:style>
+          <a:lnRef idx="1">
+            <a:schemeClr val="accent1"/>
+          </a:lnRef>
+          <a:fillRef idx="3">
+            <a:schemeClr val="accent1"/>
+          </a:fillRef>
+          <a:effectRef idx="2">
+            <a:schemeClr val="accent1"/>
+          </a:effectRef>
+          <a:fontRef idx="minor">
+            <a:schemeClr val="lt1"/>
+          </a:fontRef>
+        </p:style>
+        <p:txBody>
+          <a:bodyPr rtlCol="0" anchor="ctr"/>
+          <a:lstStyle/>
+          <a:p>
+            <a:pPr algn="ctr"/>
+            <a:r>
+              <a:rPr lang="en-US" dirty="0" smtClean="0">
+                <a:solidFill>
+                  <a:schemeClr val="bg1"/>
+                </a:solidFill>
+                <a:latin typeface="Lato Black"/>
+                <a:cs typeface="Lato Black"/>
+              </a:rPr>
+              <a:t>File A</a:t>
+            </a:r>
+            <a:endParaRPr lang="en-US" dirty="0">
+              <a:solidFill>
+                <a:schemeClr val="bg1"/>
+              </a:solidFill>
+              <a:latin typeface="Lato Black"/>
+              <a:cs typeface="Lato Black"/>
+            </a:endParaRPr>
           </a:p>
         </p:txBody>
       </p:sp>
@@ -9006,53 +9557,6 @@
           <a:ln>
             <a:solidFill>
               <a:srgbClr val="FFD37F"/>
-            </a:solidFill>
-          </a:ln>
-          <a:effectLst/>
-        </p:spPr>
-        <p:style>
-          <a:lnRef idx="1">
-            <a:schemeClr val="accent1"/>
-          </a:lnRef>
-          <a:fillRef idx="3">
-            <a:schemeClr val="accent1"/>
-          </a:fillRef>
-          <a:effectRef idx="2">
-            <a:schemeClr val="accent1"/>
-          </a:effectRef>
-          <a:fontRef idx="minor">
-            <a:schemeClr val="lt1"/>
-          </a:fontRef>
-        </p:style>
-        <p:txBody>
-          <a:bodyPr rtlCol="0" anchor="ctr"/>
-          <a:lstStyle/>
-          <a:p>
-            <a:pPr algn="ctr"/>
-            <a:endParaRPr lang="en-US"/>
-          </a:p>
-        </p:txBody>
-      </p:sp>
-      <p:sp>
-        <p:nvSpPr>
-          <p:cNvPr id="9" name="Rectangle 8"/>
-          <p:cNvSpPr/>
-          <p:nvPr/>
-        </p:nvSpPr>
-        <p:spPr>
-          <a:xfrm>
-            <a:off x="2901381" y="1521851"/>
-            <a:ext cx="681656" cy="187463"/>
-          </a:xfrm>
-          <a:prstGeom prst="rect">
-            <a:avLst/>
-          </a:prstGeom>
-          <a:solidFill>
-            <a:srgbClr val="A2CBEE"/>
-          </a:solidFill>
-          <a:ln>
-            <a:solidFill>
-              <a:srgbClr val="A2CBEE"/>
             </a:solidFill>
           </a:ln>
           <a:effectLst/>
@@ -9130,185 +9634,6 @@
       </p:pic>
       <p:sp>
         <p:nvSpPr>
-          <p:cNvPr id="12" name="Rectangle 11"/>
-          <p:cNvSpPr/>
-          <p:nvPr/>
-        </p:nvSpPr>
-        <p:spPr>
-          <a:xfrm>
-            <a:off x="2067325" y="625350"/>
-            <a:ext cx="681656" cy="896501"/>
-          </a:xfrm>
-          <a:prstGeom prst="rect">
-            <a:avLst/>
-          </a:prstGeom>
-          <a:solidFill>
-            <a:srgbClr val="1882C8"/>
-          </a:solidFill>
-          <a:effectLst/>
-        </p:spPr>
-        <p:style>
-          <a:lnRef idx="1">
-            <a:schemeClr val="accent1"/>
-          </a:lnRef>
-          <a:fillRef idx="3">
-            <a:schemeClr val="accent1"/>
-          </a:fillRef>
-          <a:effectRef idx="2">
-            <a:schemeClr val="accent1"/>
-          </a:effectRef>
-          <a:fontRef idx="minor">
-            <a:schemeClr val="lt1"/>
-          </a:fontRef>
-        </p:style>
-        <p:txBody>
-          <a:bodyPr rtlCol="0" anchor="ctr"/>
-          <a:lstStyle/>
-          <a:p>
-            <a:pPr algn="ctr"/>
-            <a:r>
-              <a:rPr lang="en-US" dirty="0" smtClean="0">
-                <a:solidFill>
-                  <a:schemeClr val="bg1"/>
-                </a:solidFill>
-                <a:latin typeface="Lato Black"/>
-                <a:cs typeface="Lato Black"/>
-              </a:rPr>
-              <a:t>File A</a:t>
-            </a:r>
-            <a:endParaRPr lang="en-US" dirty="0">
-              <a:solidFill>
-                <a:schemeClr val="bg1"/>
-              </a:solidFill>
-              <a:latin typeface="Lato Black"/>
-              <a:cs typeface="Lato Black"/>
-            </a:endParaRPr>
-          </a:p>
-        </p:txBody>
-      </p:sp>
-      <p:sp>
-        <p:nvSpPr>
-          <p:cNvPr id="13" name="Rectangle 12"/>
-          <p:cNvSpPr/>
-          <p:nvPr/>
-        </p:nvSpPr>
-        <p:spPr>
-          <a:xfrm>
-            <a:off x="2901381" y="625350"/>
-            <a:ext cx="681656" cy="896501"/>
-          </a:xfrm>
-          <a:prstGeom prst="rect">
-            <a:avLst/>
-          </a:prstGeom>
-          <a:solidFill>
-            <a:srgbClr val="1882C8"/>
-          </a:solidFill>
-          <a:effectLst/>
-        </p:spPr>
-        <p:style>
-          <a:lnRef idx="1">
-            <a:schemeClr val="accent1"/>
-          </a:lnRef>
-          <a:fillRef idx="3">
-            <a:schemeClr val="accent1"/>
-          </a:fillRef>
-          <a:effectRef idx="2">
-            <a:schemeClr val="accent1"/>
-          </a:effectRef>
-          <a:fontRef idx="minor">
-            <a:schemeClr val="lt1"/>
-          </a:fontRef>
-        </p:style>
-        <p:txBody>
-          <a:bodyPr rtlCol="0" anchor="ctr"/>
-          <a:lstStyle/>
-          <a:p>
-            <a:pPr algn="ctr"/>
-            <a:r>
-              <a:rPr lang="en-US" dirty="0" smtClean="0">
-                <a:solidFill>
-                  <a:schemeClr val="bg1"/>
-                </a:solidFill>
-                <a:latin typeface="Lato Black"/>
-                <a:cs typeface="Lato Black"/>
-              </a:rPr>
-              <a:t>File B</a:t>
-            </a:r>
-            <a:endParaRPr lang="en-US" dirty="0">
-              <a:solidFill>
-                <a:schemeClr val="bg1"/>
-              </a:solidFill>
-              <a:latin typeface="Lato Black"/>
-              <a:cs typeface="Lato Black"/>
-            </a:endParaRPr>
-          </a:p>
-        </p:txBody>
-      </p:sp>
-      <p:sp>
-        <p:nvSpPr>
-          <p:cNvPr id="14" name="Rectangle 13"/>
-          <p:cNvSpPr/>
-          <p:nvPr/>
-        </p:nvSpPr>
-        <p:spPr>
-          <a:xfrm>
-            <a:off x="2067325" y="1851562"/>
-            <a:ext cx="681656" cy="896501"/>
-          </a:xfrm>
-          <a:prstGeom prst="rect">
-            <a:avLst/>
-          </a:prstGeom>
-          <a:solidFill>
-            <a:srgbClr val="FAAC15"/>
-          </a:solidFill>
-          <a:ln>
-            <a:solidFill>
-              <a:srgbClr val="FAAC15"/>
-            </a:solidFill>
-          </a:ln>
-          <a:effectLst/>
-        </p:spPr>
-        <p:style>
-          <a:lnRef idx="1">
-            <a:schemeClr val="accent1"/>
-          </a:lnRef>
-          <a:fillRef idx="3">
-            <a:schemeClr val="accent1"/>
-          </a:fillRef>
-          <a:effectRef idx="2">
-            <a:schemeClr val="accent1"/>
-          </a:effectRef>
-          <a:fontRef idx="minor">
-            <a:schemeClr val="lt1"/>
-          </a:fontRef>
-        </p:style>
-        <p:txBody>
-          <a:bodyPr rtlCol="0" anchor="ctr"/>
-          <a:lstStyle/>
-          <a:p>
-            <a:pPr algn="ctr"/>
-            <a:r>
-              <a:rPr lang="en-US" dirty="0" smtClean="0">
-                <a:solidFill>
-                  <a:schemeClr val="bg1"/>
-                </a:solidFill>
-                <a:latin typeface="Lato Black"/>
-                <a:cs typeface="Lato Black"/>
-              </a:rPr>
-              <a:t>File C</a:t>
-            </a:r>
-            <a:endParaRPr lang="en-US" dirty="0">
-              <a:solidFill>
-                <a:schemeClr val="bg1"/>
-              </a:solidFill>
-              <a:latin typeface="Lato Black"/>
-              <a:cs typeface="Lato Black"/>
-            </a:endParaRPr>
-          </a:p>
-        </p:txBody>
-      </p:sp>
-      <p:sp>
-        <p:nvSpPr>
           <p:cNvPr id="15" name="Rectangle 14"/>
           <p:cNvSpPr/>
           <p:nvPr/>
@@ -9317,100 +9642,6 @@
           <a:xfrm>
             <a:off x="2067325" y="2748063"/>
             <a:ext cx="681656" cy="443260"/>
-          </a:xfrm>
-          <a:prstGeom prst="rect">
-            <a:avLst/>
-          </a:prstGeom>
-          <a:solidFill>
-            <a:srgbClr val="FFD37F"/>
-          </a:solidFill>
-          <a:ln>
-            <a:solidFill>
-              <a:srgbClr val="FFD37F"/>
-            </a:solidFill>
-          </a:ln>
-          <a:effectLst/>
-        </p:spPr>
-        <p:style>
-          <a:lnRef idx="1">
-            <a:schemeClr val="accent1"/>
-          </a:lnRef>
-          <a:fillRef idx="3">
-            <a:schemeClr val="accent1"/>
-          </a:fillRef>
-          <a:effectRef idx="2">
-            <a:schemeClr val="accent1"/>
-          </a:effectRef>
-          <a:fontRef idx="minor">
-            <a:schemeClr val="lt1"/>
-          </a:fontRef>
-        </p:style>
-        <p:txBody>
-          <a:bodyPr rtlCol="0" anchor="ctr"/>
-          <a:lstStyle/>
-          <a:p>
-            <a:pPr algn="ctr"/>
-            <a:endParaRPr lang="en-US"/>
-          </a:p>
-        </p:txBody>
-      </p:sp>
-      <p:sp>
-        <p:nvSpPr>
-          <p:cNvPr id="16" name="Rectangle 15"/>
-          <p:cNvSpPr/>
-          <p:nvPr/>
-        </p:nvSpPr>
-        <p:spPr>
-          <a:xfrm>
-            <a:off x="2901381" y="1521851"/>
-            <a:ext cx="681656" cy="187463"/>
-          </a:xfrm>
-          <a:prstGeom prst="rect">
-            <a:avLst/>
-          </a:prstGeom>
-          <a:solidFill>
-            <a:srgbClr val="A2CBEE"/>
-          </a:solidFill>
-          <a:ln>
-            <a:solidFill>
-              <a:srgbClr val="A2CBEE"/>
-            </a:solidFill>
-          </a:ln>
-          <a:effectLst/>
-        </p:spPr>
-        <p:style>
-          <a:lnRef idx="1">
-            <a:schemeClr val="accent1"/>
-          </a:lnRef>
-          <a:fillRef idx="3">
-            <a:schemeClr val="accent1"/>
-          </a:fillRef>
-          <a:effectRef idx="2">
-            <a:schemeClr val="accent1"/>
-          </a:effectRef>
-          <a:fontRef idx="minor">
-            <a:schemeClr val="lt1"/>
-          </a:fontRef>
-        </p:style>
-        <p:txBody>
-          <a:bodyPr rtlCol="0" anchor="ctr"/>
-          <a:lstStyle/>
-          <a:p>
-            <a:pPr algn="ctr"/>
-            <a:endParaRPr lang="en-US"/>
-          </a:p>
-        </p:txBody>
-      </p:sp>
-      <p:sp>
-        <p:nvSpPr>
-          <p:cNvPr id="19" name="Rectangle 18"/>
-          <p:cNvSpPr/>
-          <p:nvPr/>
-        </p:nvSpPr>
-        <p:spPr>
-          <a:xfrm>
-            <a:off x="2902709" y="1709314"/>
-            <a:ext cx="681656" cy="224046"/>
           </a:xfrm>
           <a:prstGeom prst="rect">
             <a:avLst/>
@@ -9648,9 +9879,6 @@
               </a:rPr>
               <a:t>master</a:t>
             </a:r>
-            <a:endParaRPr lang="en-US" dirty="0" smtClean="0">
-              <a:latin typeface="Lato"/>
-            </a:endParaRPr>
           </a:p>
         </p:txBody>
       </p:sp>
@@ -9682,9 +9910,6 @@
               </a:rPr>
               <a:t>bars-rule-maps-drool</a:t>
             </a:r>
-            <a:endParaRPr lang="en-US" dirty="0" smtClean="0">
-              <a:latin typeface="Lato"/>
-            </a:endParaRPr>
           </a:p>
         </p:txBody>
       </p:sp>
@@ -9739,8 +9964,103 @@
                 <a:latin typeface="Lato Black"/>
                 <a:cs typeface="Lato Black"/>
               </a:rPr>
-              <a:t>File </a:t>
+              <a:t>File D</a:t>
             </a:r>
+            <a:endParaRPr lang="en-US" dirty="0">
+              <a:solidFill>
+                <a:schemeClr val="bg1"/>
+              </a:solidFill>
+              <a:latin typeface="Lato Black"/>
+              <a:cs typeface="Lato Black"/>
+            </a:endParaRPr>
+          </a:p>
+        </p:txBody>
+      </p:sp>
+      <p:sp>
+        <p:nvSpPr>
+          <p:cNvPr id="46" name="Rectangle 45"/>
+          <p:cNvSpPr/>
+          <p:nvPr/>
+        </p:nvSpPr>
+        <p:spPr>
+          <a:xfrm>
+            <a:off x="6077967" y="2748063"/>
+            <a:ext cx="681656" cy="443260"/>
+          </a:xfrm>
+          <a:prstGeom prst="rect">
+            <a:avLst/>
+          </a:prstGeom>
+          <a:solidFill>
+            <a:srgbClr val="FFD37F"/>
+          </a:solidFill>
+          <a:ln>
+            <a:solidFill>
+              <a:srgbClr val="FFD37F"/>
+            </a:solidFill>
+          </a:ln>
+          <a:effectLst/>
+        </p:spPr>
+        <p:style>
+          <a:lnRef idx="1">
+            <a:schemeClr val="accent1"/>
+          </a:lnRef>
+          <a:fillRef idx="3">
+            <a:schemeClr val="accent1"/>
+          </a:fillRef>
+          <a:effectRef idx="2">
+            <a:schemeClr val="accent1"/>
+          </a:effectRef>
+          <a:fontRef idx="minor">
+            <a:schemeClr val="lt1"/>
+          </a:fontRef>
+        </p:style>
+        <p:txBody>
+          <a:bodyPr rtlCol="0" anchor="ctr"/>
+          <a:lstStyle/>
+          <a:p>
+            <a:pPr algn="ctr"/>
+            <a:endParaRPr lang="en-US"/>
+          </a:p>
+        </p:txBody>
+      </p:sp>
+      <p:sp>
+        <p:nvSpPr>
+          <p:cNvPr id="47" name="Rectangle 46"/>
+          <p:cNvSpPr/>
+          <p:nvPr/>
+        </p:nvSpPr>
+        <p:spPr>
+          <a:xfrm>
+            <a:off x="6082330" y="625350"/>
+            <a:ext cx="681656" cy="896501"/>
+          </a:xfrm>
+          <a:prstGeom prst="rect">
+            <a:avLst/>
+          </a:prstGeom>
+          <a:solidFill>
+            <a:srgbClr val="1882C8"/>
+          </a:solidFill>
+          <a:effectLst/>
+        </p:spPr>
+        <p:style>
+          <a:lnRef idx="1">
+            <a:schemeClr val="accent1"/>
+          </a:lnRef>
+          <a:fillRef idx="3">
+            <a:schemeClr val="accent1"/>
+          </a:fillRef>
+          <a:effectRef idx="2">
+            <a:schemeClr val="accent1"/>
+          </a:effectRef>
+          <a:fontRef idx="minor">
+            <a:schemeClr val="lt1"/>
+          </a:fontRef>
+        </p:style>
+        <p:txBody>
+          <a:bodyPr rtlCol="0" anchor="ctr"/>
+          <a:lstStyle/>
+          <a:p>
+            <a:pPr algn="ctr"/>
             <a:r>
               <a:rPr lang="en-US" dirty="0" smtClean="0">
                 <a:solidFill>
@@ -9749,7 +10069,7 @@
                 <a:latin typeface="Lato Black"/>
                 <a:cs typeface="Lato Black"/>
               </a:rPr>
-              <a:t>D</a:t>
+              <a:t>File A</a:t>
             </a:r>
             <a:endParaRPr lang="en-US" dirty="0">
               <a:solidFill>
@@ -9758,6 +10078,362 @@
               <a:latin typeface="Lato Black"/>
               <a:cs typeface="Lato Black"/>
             </a:endParaRPr>
+          </a:p>
+        </p:txBody>
+      </p:sp>
+      <p:sp>
+        <p:nvSpPr>
+          <p:cNvPr id="48" name="Rectangle 47"/>
+          <p:cNvSpPr/>
+          <p:nvPr/>
+        </p:nvSpPr>
+        <p:spPr>
+          <a:xfrm>
+            <a:off x="6916386" y="625350"/>
+            <a:ext cx="681656" cy="896501"/>
+          </a:xfrm>
+          <a:prstGeom prst="rect">
+            <a:avLst/>
+          </a:prstGeom>
+          <a:solidFill>
+            <a:srgbClr val="1882C8"/>
+          </a:solidFill>
+          <a:effectLst/>
+        </p:spPr>
+        <p:style>
+          <a:lnRef idx="1">
+            <a:schemeClr val="accent1"/>
+          </a:lnRef>
+          <a:fillRef idx="3">
+            <a:schemeClr val="accent1"/>
+          </a:fillRef>
+          <a:effectRef idx="2">
+            <a:schemeClr val="accent1"/>
+          </a:effectRef>
+          <a:fontRef idx="minor">
+            <a:schemeClr val="lt1"/>
+          </a:fontRef>
+        </p:style>
+        <p:txBody>
+          <a:bodyPr rtlCol="0" anchor="ctr"/>
+          <a:lstStyle/>
+          <a:p>
+            <a:pPr algn="ctr"/>
+            <a:r>
+              <a:rPr lang="en-US" dirty="0" smtClean="0">
+                <a:solidFill>
+                  <a:schemeClr val="bg1"/>
+                </a:solidFill>
+                <a:latin typeface="Lato Black"/>
+                <a:cs typeface="Lato Black"/>
+              </a:rPr>
+              <a:t>File B</a:t>
+            </a:r>
+            <a:endParaRPr lang="en-US" dirty="0">
+              <a:solidFill>
+                <a:schemeClr val="bg1"/>
+              </a:solidFill>
+              <a:latin typeface="Lato Black"/>
+              <a:cs typeface="Lato Black"/>
+            </a:endParaRPr>
+          </a:p>
+        </p:txBody>
+      </p:sp>
+      <p:sp>
+        <p:nvSpPr>
+          <p:cNvPr id="49" name="Rectangle 48"/>
+          <p:cNvSpPr/>
+          <p:nvPr/>
+        </p:nvSpPr>
+        <p:spPr>
+          <a:xfrm>
+            <a:off x="6082330" y="1851562"/>
+            <a:ext cx="681656" cy="896501"/>
+          </a:xfrm>
+          <a:prstGeom prst="rect">
+            <a:avLst/>
+          </a:prstGeom>
+          <a:solidFill>
+            <a:srgbClr val="FAAC15"/>
+          </a:solidFill>
+          <a:ln>
+            <a:solidFill>
+              <a:srgbClr val="FAAC15"/>
+            </a:solidFill>
+          </a:ln>
+          <a:effectLst/>
+        </p:spPr>
+        <p:style>
+          <a:lnRef idx="1">
+            <a:schemeClr val="accent1"/>
+          </a:lnRef>
+          <a:fillRef idx="3">
+            <a:schemeClr val="accent1"/>
+          </a:fillRef>
+          <a:effectRef idx="2">
+            <a:schemeClr val="accent1"/>
+          </a:effectRef>
+          <a:fontRef idx="minor">
+            <a:schemeClr val="lt1"/>
+          </a:fontRef>
+        </p:style>
+        <p:txBody>
+          <a:bodyPr rtlCol="0" anchor="ctr"/>
+          <a:lstStyle/>
+          <a:p>
+            <a:pPr algn="ctr"/>
+            <a:r>
+              <a:rPr lang="en-US" dirty="0" smtClean="0">
+                <a:solidFill>
+                  <a:schemeClr val="bg1"/>
+                </a:solidFill>
+                <a:latin typeface="Lato Black"/>
+                <a:cs typeface="Lato Black"/>
+              </a:rPr>
+              <a:t>File C</a:t>
+            </a:r>
+            <a:endParaRPr lang="en-US" dirty="0">
+              <a:solidFill>
+                <a:schemeClr val="bg1"/>
+              </a:solidFill>
+              <a:latin typeface="Lato Black"/>
+              <a:cs typeface="Lato Black"/>
+            </a:endParaRPr>
+          </a:p>
+        </p:txBody>
+      </p:sp>
+      <p:sp>
+        <p:nvSpPr>
+          <p:cNvPr id="50" name="Rectangle 49"/>
+          <p:cNvSpPr/>
+          <p:nvPr/>
+        </p:nvSpPr>
+        <p:spPr>
+          <a:xfrm>
+            <a:off x="6916386" y="1521851"/>
+            <a:ext cx="681656" cy="187463"/>
+          </a:xfrm>
+          <a:prstGeom prst="rect">
+            <a:avLst/>
+          </a:prstGeom>
+          <a:solidFill>
+            <a:srgbClr val="A2CBEE"/>
+          </a:solidFill>
+          <a:ln>
+            <a:solidFill>
+              <a:srgbClr val="A2CBEE"/>
+            </a:solidFill>
+          </a:ln>
+          <a:effectLst/>
+        </p:spPr>
+        <p:style>
+          <a:lnRef idx="1">
+            <a:schemeClr val="accent1"/>
+          </a:lnRef>
+          <a:fillRef idx="3">
+            <a:schemeClr val="accent1"/>
+          </a:fillRef>
+          <a:effectRef idx="2">
+            <a:schemeClr val="accent1"/>
+          </a:effectRef>
+          <a:fontRef idx="minor">
+            <a:schemeClr val="lt1"/>
+          </a:fontRef>
+        </p:style>
+        <p:txBody>
+          <a:bodyPr rtlCol="0" anchor="ctr"/>
+          <a:lstStyle/>
+          <a:p>
+            <a:pPr algn="ctr"/>
+            <a:endParaRPr lang="en-US"/>
+          </a:p>
+        </p:txBody>
+      </p:sp>
+      <p:sp>
+        <p:nvSpPr>
+          <p:cNvPr id="57" name="Rectangle 56"/>
+          <p:cNvSpPr/>
+          <p:nvPr/>
+        </p:nvSpPr>
+        <p:spPr>
+          <a:xfrm>
+            <a:off x="6916386" y="1709314"/>
+            <a:ext cx="681656" cy="375073"/>
+          </a:xfrm>
+          <a:prstGeom prst="rect">
+            <a:avLst/>
+          </a:prstGeom>
+          <a:solidFill>
+            <a:srgbClr val="A2CBEE"/>
+          </a:solidFill>
+          <a:ln>
+            <a:solidFill>
+              <a:srgbClr val="A2CBEE"/>
+            </a:solidFill>
+          </a:ln>
+          <a:effectLst/>
+        </p:spPr>
+        <p:style>
+          <a:lnRef idx="1">
+            <a:schemeClr val="accent1"/>
+          </a:lnRef>
+          <a:fillRef idx="3">
+            <a:schemeClr val="accent1"/>
+          </a:fillRef>
+          <a:effectRef idx="2">
+            <a:schemeClr val="accent1"/>
+          </a:effectRef>
+          <a:fontRef idx="minor">
+            <a:schemeClr val="lt1"/>
+          </a:fontRef>
+        </p:style>
+        <p:txBody>
+          <a:bodyPr rtlCol="0" anchor="ctr"/>
+          <a:lstStyle/>
+          <a:p>
+            <a:pPr algn="ctr"/>
+            <a:endParaRPr lang="en-US"/>
+          </a:p>
+        </p:txBody>
+      </p:sp>
+      <p:sp>
+        <p:nvSpPr>
+          <p:cNvPr id="58" name="Rectangle 57"/>
+          <p:cNvSpPr/>
+          <p:nvPr/>
+        </p:nvSpPr>
+        <p:spPr>
+          <a:xfrm>
+            <a:off x="6077967" y="3188348"/>
+            <a:ext cx="681656" cy="375073"/>
+          </a:xfrm>
+          <a:prstGeom prst="rect">
+            <a:avLst/>
+          </a:prstGeom>
+          <a:solidFill>
+            <a:srgbClr val="A2CBEE"/>
+          </a:solidFill>
+          <a:ln>
+            <a:solidFill>
+              <a:srgbClr val="A2CBEE"/>
+            </a:solidFill>
+          </a:ln>
+          <a:effectLst/>
+        </p:spPr>
+        <p:style>
+          <a:lnRef idx="1">
+            <a:schemeClr val="accent1"/>
+          </a:lnRef>
+          <a:fillRef idx="3">
+            <a:schemeClr val="accent1"/>
+          </a:fillRef>
+          <a:effectRef idx="2">
+            <a:schemeClr val="accent1"/>
+          </a:effectRef>
+          <a:fontRef idx="minor">
+            <a:schemeClr val="lt1"/>
+          </a:fontRef>
+        </p:style>
+        <p:txBody>
+          <a:bodyPr rtlCol="0" anchor="ctr"/>
+          <a:lstStyle/>
+          <a:p>
+            <a:pPr algn="ctr"/>
+            <a:endParaRPr lang="en-US"/>
+          </a:p>
+        </p:txBody>
+      </p:sp>
+      <p:sp>
+        <p:nvSpPr>
+          <p:cNvPr id="19" name="Rectangle 18"/>
+          <p:cNvSpPr/>
+          <p:nvPr/>
+        </p:nvSpPr>
+        <p:spPr>
+          <a:xfrm>
+            <a:off x="2902709" y="1709314"/>
+            <a:ext cx="681656" cy="224046"/>
+          </a:xfrm>
+          <a:prstGeom prst="rect">
+            <a:avLst/>
+          </a:prstGeom>
+          <a:solidFill>
+            <a:srgbClr val="FFD37F"/>
+          </a:solidFill>
+          <a:ln>
+            <a:solidFill>
+              <a:srgbClr val="FFD37F"/>
+            </a:solidFill>
+          </a:ln>
+          <a:effectLst/>
+        </p:spPr>
+        <p:style>
+          <a:lnRef idx="1">
+            <a:schemeClr val="accent1"/>
+          </a:lnRef>
+          <a:fillRef idx="3">
+            <a:schemeClr val="accent1"/>
+          </a:fillRef>
+          <a:effectRef idx="2">
+            <a:schemeClr val="accent1"/>
+          </a:effectRef>
+          <a:fontRef idx="minor">
+            <a:schemeClr val="lt1"/>
+          </a:fontRef>
+        </p:style>
+        <p:txBody>
+          <a:bodyPr rtlCol="0" anchor="ctr"/>
+          <a:lstStyle/>
+          <a:p>
+            <a:pPr algn="ctr"/>
+            <a:endParaRPr lang="en-US"/>
+          </a:p>
+        </p:txBody>
+      </p:sp>
+      <p:sp>
+        <p:nvSpPr>
+          <p:cNvPr id="9" name="Rectangle 8"/>
+          <p:cNvSpPr/>
+          <p:nvPr/>
+        </p:nvSpPr>
+        <p:spPr>
+          <a:xfrm>
+            <a:off x="2901381" y="1521851"/>
+            <a:ext cx="681656" cy="187463"/>
+          </a:xfrm>
+          <a:prstGeom prst="rect">
+            <a:avLst/>
+          </a:prstGeom>
+          <a:solidFill>
+            <a:srgbClr val="A2CBEE"/>
+          </a:solidFill>
+          <a:ln>
+            <a:solidFill>
+              <a:srgbClr val="A2CBEE"/>
+            </a:solidFill>
+          </a:ln>
+          <a:effectLst/>
+        </p:spPr>
+        <p:style>
+          <a:lnRef idx="1">
+            <a:schemeClr val="accent1"/>
+          </a:lnRef>
+          <a:fillRef idx="3">
+            <a:schemeClr val="accent1"/>
+          </a:fillRef>
+          <a:effectRef idx="2">
+            <a:schemeClr val="accent1"/>
+          </a:effectRef>
+          <a:fontRef idx="minor">
+            <a:schemeClr val="lt1"/>
+          </a:fontRef>
+        </p:style>
+        <p:txBody>
+          <a:bodyPr rtlCol="0" anchor="ctr"/>
+          <a:lstStyle/>
+          <a:p>
+            <a:pPr algn="ctr"/>
+            <a:endParaRPr lang="en-US"/>
           </a:p>
         </p:txBody>
       </p:sp>
@@ -11216,6 +11892,892 @@
                                   </p:childTnLst>
                                 </p:cTn>
                               </p:par>
+                              <p:par>
+                                <p:cTn id="113" presetID="1" presetClass="entr" presetSubtype="0" fill="hold" grpId="1" nodeType="withEffect">
+                                  <p:stCondLst>
+                                    <p:cond delay="0"/>
+                                  </p:stCondLst>
+                                  <p:childTnLst>
+                                    <p:set>
+                                      <p:cBhvr>
+                                        <p:cTn id="114" dur="1" fill="hold">
+                                          <p:stCondLst>
+                                            <p:cond delay="0"/>
+                                          </p:stCondLst>
+                                        </p:cTn>
+                                        <p:tgtEl>
+                                          <p:spTgt spid="25"/>
+                                        </p:tgtEl>
+                                        <p:attrNameLst>
+                                          <p:attrName>style.visibility</p:attrName>
+                                        </p:attrNameLst>
+                                      </p:cBhvr>
+                                      <p:to>
+                                        <p:strVal val="visible"/>
+                                      </p:to>
+                                    </p:set>
+                                  </p:childTnLst>
+                                </p:cTn>
+                              </p:par>
+                              <p:par>
+                                <p:cTn id="115" presetID="1" presetClass="entr" presetSubtype="0" fill="hold" grpId="0" nodeType="withEffect">
+                                  <p:stCondLst>
+                                    <p:cond delay="0"/>
+                                  </p:stCondLst>
+                                  <p:childTnLst>
+                                    <p:set>
+                                      <p:cBhvr>
+                                        <p:cTn id="116" dur="1" fill="hold">
+                                          <p:stCondLst>
+                                            <p:cond delay="0"/>
+                                          </p:stCondLst>
+                                        </p:cTn>
+                                        <p:tgtEl>
+                                          <p:spTgt spid="58"/>
+                                        </p:tgtEl>
+                                        <p:attrNameLst>
+                                          <p:attrName>style.visibility</p:attrName>
+                                        </p:attrNameLst>
+                                      </p:cBhvr>
+                                      <p:to>
+                                        <p:strVal val="visible"/>
+                                      </p:to>
+                                    </p:set>
+                                  </p:childTnLst>
+                                </p:cTn>
+                              </p:par>
+                              <p:par>
+                                <p:cTn id="117" presetID="1" presetClass="entr" presetSubtype="0" fill="hold" grpId="0" nodeType="withEffect">
+                                  <p:stCondLst>
+                                    <p:cond delay="0"/>
+                                  </p:stCondLst>
+                                  <p:childTnLst>
+                                    <p:set>
+                                      <p:cBhvr>
+                                        <p:cTn id="118" dur="1" fill="hold">
+                                          <p:stCondLst>
+                                            <p:cond delay="0"/>
+                                          </p:stCondLst>
+                                        </p:cTn>
+                                        <p:tgtEl>
+                                          <p:spTgt spid="46"/>
+                                        </p:tgtEl>
+                                        <p:attrNameLst>
+                                          <p:attrName>style.visibility</p:attrName>
+                                        </p:attrNameLst>
+                                      </p:cBhvr>
+                                      <p:to>
+                                        <p:strVal val="visible"/>
+                                      </p:to>
+                                    </p:set>
+                                  </p:childTnLst>
+                                </p:cTn>
+                              </p:par>
+                              <p:par>
+                                <p:cTn id="119" presetID="1" presetClass="entr" presetSubtype="0" fill="hold" grpId="0" nodeType="withEffect">
+                                  <p:stCondLst>
+                                    <p:cond delay="0"/>
+                                  </p:stCondLst>
+                                  <p:childTnLst>
+                                    <p:set>
+                                      <p:cBhvr>
+                                        <p:cTn id="120" dur="1" fill="hold">
+                                          <p:stCondLst>
+                                            <p:cond delay="0"/>
+                                          </p:stCondLst>
+                                        </p:cTn>
+                                        <p:tgtEl>
+                                          <p:spTgt spid="49"/>
+                                        </p:tgtEl>
+                                        <p:attrNameLst>
+                                          <p:attrName>style.visibility</p:attrName>
+                                        </p:attrNameLst>
+                                      </p:cBhvr>
+                                      <p:to>
+                                        <p:strVal val="visible"/>
+                                      </p:to>
+                                    </p:set>
+                                  </p:childTnLst>
+                                </p:cTn>
+                              </p:par>
+                              <p:par>
+                                <p:cTn id="121" presetID="1" presetClass="entr" presetSubtype="0" fill="hold" grpId="0" nodeType="withEffect">
+                                  <p:stCondLst>
+                                    <p:cond delay="0"/>
+                                  </p:stCondLst>
+                                  <p:childTnLst>
+                                    <p:set>
+                                      <p:cBhvr>
+                                        <p:cTn id="122" dur="1" fill="hold">
+                                          <p:stCondLst>
+                                            <p:cond delay="0"/>
+                                          </p:stCondLst>
+                                        </p:cTn>
+                                        <p:tgtEl>
+                                          <p:spTgt spid="57"/>
+                                        </p:tgtEl>
+                                        <p:attrNameLst>
+                                          <p:attrName>style.visibility</p:attrName>
+                                        </p:attrNameLst>
+                                      </p:cBhvr>
+                                      <p:to>
+                                        <p:strVal val="visible"/>
+                                      </p:to>
+                                    </p:set>
+                                  </p:childTnLst>
+                                </p:cTn>
+                              </p:par>
+                              <p:par>
+                                <p:cTn id="123" presetID="1" presetClass="entr" presetSubtype="0" fill="hold" grpId="0" nodeType="withEffect">
+                                  <p:stCondLst>
+                                    <p:cond delay="0"/>
+                                  </p:stCondLst>
+                                  <p:childTnLst>
+                                    <p:set>
+                                      <p:cBhvr>
+                                        <p:cTn id="124" dur="1" fill="hold">
+                                          <p:stCondLst>
+                                            <p:cond delay="0"/>
+                                          </p:stCondLst>
+                                        </p:cTn>
+                                        <p:tgtEl>
+                                          <p:spTgt spid="50"/>
+                                        </p:tgtEl>
+                                        <p:attrNameLst>
+                                          <p:attrName>style.visibility</p:attrName>
+                                        </p:attrNameLst>
+                                      </p:cBhvr>
+                                      <p:to>
+                                        <p:strVal val="visible"/>
+                                      </p:to>
+                                    </p:set>
+                                  </p:childTnLst>
+                                </p:cTn>
+                              </p:par>
+                              <p:par>
+                                <p:cTn id="125" presetID="1" presetClass="entr" presetSubtype="0" fill="hold" grpId="0" nodeType="withEffect">
+                                  <p:stCondLst>
+                                    <p:cond delay="0"/>
+                                  </p:stCondLst>
+                                  <p:childTnLst>
+                                    <p:set>
+                                      <p:cBhvr>
+                                        <p:cTn id="126" dur="1" fill="hold">
+                                          <p:stCondLst>
+                                            <p:cond delay="0"/>
+                                          </p:stCondLst>
+                                        </p:cTn>
+                                        <p:tgtEl>
+                                          <p:spTgt spid="48"/>
+                                        </p:tgtEl>
+                                        <p:attrNameLst>
+                                          <p:attrName>style.visibility</p:attrName>
+                                        </p:attrNameLst>
+                                      </p:cBhvr>
+                                      <p:to>
+                                        <p:strVal val="visible"/>
+                                      </p:to>
+                                    </p:set>
+                                  </p:childTnLst>
+                                </p:cTn>
+                              </p:par>
+                              <p:par>
+                                <p:cTn id="127" presetID="1" presetClass="entr" presetSubtype="0" fill="hold" grpId="0" nodeType="withEffect">
+                                  <p:stCondLst>
+                                    <p:cond delay="0"/>
+                                  </p:stCondLst>
+                                  <p:childTnLst>
+                                    <p:set>
+                                      <p:cBhvr>
+                                        <p:cTn id="128" dur="1" fill="hold">
+                                          <p:stCondLst>
+                                            <p:cond delay="0"/>
+                                          </p:stCondLst>
+                                        </p:cTn>
+                                        <p:tgtEl>
+                                          <p:spTgt spid="47"/>
+                                        </p:tgtEl>
+                                        <p:attrNameLst>
+                                          <p:attrName>style.visibility</p:attrName>
+                                        </p:attrNameLst>
+                                      </p:cBhvr>
+                                      <p:to>
+                                        <p:strVal val="visible"/>
+                                      </p:to>
+                                    </p:set>
+                                  </p:childTnLst>
+                                </p:cTn>
+                              </p:par>
+                            </p:childTnLst>
+                          </p:cTn>
+                        </p:par>
+                      </p:childTnLst>
+                    </p:cTn>
+                  </p:par>
+                  <p:par>
+                    <p:cTn id="129" fill="hold">
+                      <p:stCondLst>
+                        <p:cond delay="indefinite"/>
+                      </p:stCondLst>
+                      <p:childTnLst>
+                        <p:par>
+                          <p:cTn id="130" fill="hold">
+                            <p:stCondLst>
+                              <p:cond delay="0"/>
+                            </p:stCondLst>
+                            <p:childTnLst>
+                              <p:par>
+                                <p:cTn id="131" presetID="0" presetClass="path" presetSubtype="0" accel="50000" decel="50000" fill="hold" grpId="3" nodeType="clickEffect">
+                                  <p:stCondLst>
+                                    <p:cond delay="0"/>
+                                  </p:stCondLst>
+                                  <p:childTnLst>
+                                    <p:animMotion origin="layout" path="M -3.88889E-6 -1.48148E-6 L 0.43924 -1.48148E-6 " pathEditMode="relative" rAng="0" ptsTypes="AA">
+                                      <p:cBhvr>
+                                        <p:cTn id="132" dur="2000" fill="hold"/>
+                                        <p:tgtEl>
+                                          <p:spTgt spid="13"/>
+                                        </p:tgtEl>
+                                        <p:attrNameLst>
+                                          <p:attrName>ppt_x</p:attrName>
+                                          <p:attrName>ppt_y</p:attrName>
+                                        </p:attrNameLst>
+                                      </p:cBhvr>
+                                      <p:rCtr x="21962" y="0"/>
+                                    </p:animMotion>
+                                  </p:childTnLst>
+                                </p:cTn>
+                              </p:par>
+                              <p:par>
+                                <p:cTn id="133" presetID="0" presetClass="path" presetSubtype="0" accel="50000" decel="50000" fill="hold" grpId="3" nodeType="withEffect">
+                                  <p:stCondLst>
+                                    <p:cond delay="0"/>
+                                  </p:stCondLst>
+                                  <p:childTnLst>
+                                    <p:animMotion origin="layout" path="M 1.94444E-6 -1.48148E-6 L 0.43889 -1.48148E-6 " pathEditMode="relative" rAng="0" ptsTypes="AA">
+                                      <p:cBhvr>
+                                        <p:cTn id="134" dur="2000" fill="hold"/>
+                                        <p:tgtEl>
+                                          <p:spTgt spid="12"/>
+                                        </p:tgtEl>
+                                        <p:attrNameLst>
+                                          <p:attrName>ppt_x</p:attrName>
+                                          <p:attrName>ppt_y</p:attrName>
+                                        </p:attrNameLst>
+                                      </p:cBhvr>
+                                      <p:rCtr x="21944" y="0"/>
+                                    </p:animMotion>
+                                  </p:childTnLst>
+                                </p:cTn>
+                              </p:par>
+                              <p:par>
+                                <p:cTn id="135" presetID="0" presetClass="path" presetSubtype="0" accel="50000" decel="50000" fill="hold" grpId="3" nodeType="withEffect">
+                                  <p:stCondLst>
+                                    <p:cond delay="0"/>
+                                  </p:stCondLst>
+                                  <p:childTnLst>
+                                    <p:animMotion origin="layout" path="M 1.94444E-6 4.81481E-6 L 0.43889 4.81481E-6 " pathEditMode="relative" rAng="0" ptsTypes="AA">
+                                      <p:cBhvr>
+                                        <p:cTn id="136" dur="2000" fill="hold"/>
+                                        <p:tgtEl>
+                                          <p:spTgt spid="14"/>
+                                        </p:tgtEl>
+                                        <p:attrNameLst>
+                                          <p:attrName>ppt_x</p:attrName>
+                                          <p:attrName>ppt_y</p:attrName>
+                                        </p:attrNameLst>
+                                      </p:cBhvr>
+                                      <p:rCtr x="21944" y="0"/>
+                                    </p:animMotion>
+                                  </p:childTnLst>
+                                </p:cTn>
+                              </p:par>
+                              <p:par>
+                                <p:cTn id="137" presetID="0" presetClass="path" presetSubtype="0" accel="50000" decel="50000" fill="hold" grpId="3" nodeType="withEffect">
+                                  <p:stCondLst>
+                                    <p:cond delay="0"/>
+                                  </p:stCondLst>
+                                  <p:childTnLst>
+                                    <p:animMotion origin="layout" path="M 0.00035 -3.7037E-7 L 0.43976 -3.7037E-7 " pathEditMode="relative" rAng="0" ptsTypes="AA">
+                                      <p:cBhvr>
+                                        <p:cTn id="138" dur="2000" fill="hold"/>
+                                        <p:tgtEl>
+                                          <p:spTgt spid="15"/>
+                                        </p:tgtEl>
+                                        <p:attrNameLst>
+                                          <p:attrName>ppt_x</p:attrName>
+                                          <p:attrName>ppt_y</p:attrName>
+                                        </p:attrNameLst>
+                                      </p:cBhvr>
+                                      <p:rCtr x="21962" y="0"/>
+                                    </p:animMotion>
+                                  </p:childTnLst>
+                                </p:cTn>
+                              </p:par>
+                              <p:par>
+                                <p:cTn id="139" presetID="0" presetClass="path" presetSubtype="0" accel="50000" decel="50000" fill="hold" grpId="3" nodeType="withEffect">
+                                  <p:stCondLst>
+                                    <p:cond delay="0"/>
+                                  </p:stCondLst>
+                                  <p:childTnLst>
+                                    <p:animMotion origin="layout" path="M -0.43871 -2.59259E-6 L 0.00018 -2.59259E-6 " pathEditMode="relative" rAng="0" ptsTypes="AA">
+                                      <p:cBhvr>
+                                        <p:cTn id="140" dur="2000" fill="hold"/>
+                                        <p:tgtEl>
+                                          <p:spTgt spid="22"/>
+                                        </p:tgtEl>
+                                        <p:attrNameLst>
+                                          <p:attrName>ppt_x</p:attrName>
+                                          <p:attrName>ppt_y</p:attrName>
+                                        </p:attrNameLst>
+                                      </p:cBhvr>
+                                      <p:rCtr x="21944" y="0"/>
+                                    </p:animMotion>
+                                  </p:childTnLst>
+                                </p:cTn>
+                              </p:par>
+                              <p:par>
+                                <p:cTn id="141" presetID="0" presetClass="path" presetSubtype="0" accel="50000" decel="50000" fill="hold" grpId="3" nodeType="withEffect">
+                                  <p:stCondLst>
+                                    <p:cond delay="0"/>
+                                  </p:stCondLst>
+                                  <p:childTnLst>
+                                    <p:animMotion origin="layout" path="M -0.43907 -0.00116 L 0.00017 -0.00116 " pathEditMode="relative" rAng="0" ptsTypes="AA">
+                                      <p:cBhvr>
+                                        <p:cTn id="142" dur="2000" fill="hold"/>
+                                        <p:tgtEl>
+                                          <p:spTgt spid="21"/>
+                                        </p:tgtEl>
+                                        <p:attrNameLst>
+                                          <p:attrName>ppt_x</p:attrName>
+                                          <p:attrName>ppt_y</p:attrName>
+                                        </p:attrNameLst>
+                                      </p:cBhvr>
+                                      <p:rCtr x="21962" y="0"/>
+                                    </p:animMotion>
+                                  </p:childTnLst>
+                                </p:cTn>
+                              </p:par>
+                              <p:par>
+                                <p:cTn id="143" presetID="0" presetClass="path" presetSubtype="0" accel="50000" decel="50000" fill="hold" grpId="3" nodeType="withEffect">
+                                  <p:stCondLst>
+                                    <p:cond delay="0"/>
+                                  </p:stCondLst>
+                                  <p:childTnLst>
+                                    <p:animMotion origin="layout" path="M -3.88889E-6 1.85185E-6 L 0.43924 0.00023 " pathEditMode="relative" rAng="0" ptsTypes="AA">
+                                      <p:cBhvr>
+                                        <p:cTn id="144" dur="2000" fill="hold"/>
+                                        <p:tgtEl>
+                                          <p:spTgt spid="16"/>
+                                        </p:tgtEl>
+                                        <p:attrNameLst>
+                                          <p:attrName>ppt_x</p:attrName>
+                                          <p:attrName>ppt_y</p:attrName>
+                                        </p:attrNameLst>
+                                      </p:cBhvr>
+                                      <p:rCtr x="21962" y="0"/>
+                                    </p:animMotion>
+                                  </p:childTnLst>
+                                </p:cTn>
+                              </p:par>
+                            </p:childTnLst>
+                          </p:cTn>
+                        </p:par>
+                      </p:childTnLst>
+                    </p:cTn>
+                  </p:par>
+                  <p:par>
+                    <p:cTn id="145" fill="hold">
+                      <p:stCondLst>
+                        <p:cond delay="indefinite"/>
+                      </p:stCondLst>
+                      <p:childTnLst>
+                        <p:par>
+                          <p:cTn id="146" fill="hold">
+                            <p:stCondLst>
+                              <p:cond delay="0"/>
+                            </p:stCondLst>
+                            <p:childTnLst>
+                              <p:par>
+                                <p:cTn id="147" presetID="0" presetClass="path" presetSubtype="0" accel="50000" decel="50000" fill="hold" grpId="0" nodeType="clickEffect">
+                                  <p:stCondLst>
+                                    <p:cond delay="0"/>
+                                  </p:stCondLst>
+                                  <p:childTnLst>
+                                    <p:animMotion origin="layout" path="M -3.88889E-6 -1.48148E-6 L 0.43924 0.00023 " pathEditMode="relative" rAng="0" ptsTypes="AA">
+                                      <p:cBhvr>
+                                        <p:cTn id="148" dur="2000" fill="hold"/>
+                                        <p:tgtEl>
+                                          <p:spTgt spid="6"/>
+                                        </p:tgtEl>
+                                        <p:attrNameLst>
+                                          <p:attrName>ppt_x</p:attrName>
+                                          <p:attrName>ppt_y</p:attrName>
+                                        </p:attrNameLst>
+                                      </p:cBhvr>
+                                      <p:rCtr x="21962" y="0"/>
+                                    </p:animMotion>
+                                  </p:childTnLst>
+                                </p:cTn>
+                              </p:par>
+                              <p:par>
+                                <p:cTn id="149" presetID="0" presetClass="path" presetSubtype="0" accel="50000" decel="50000" fill="hold" grpId="0" nodeType="withEffect">
+                                  <p:stCondLst>
+                                    <p:cond delay="0"/>
+                                  </p:stCondLst>
+                                  <p:childTnLst>
+                                    <p:animMotion origin="layout" path="M 1.94444E-6 -4.44444E-6 L 0.43958 0.00093 " pathEditMode="relative" rAng="0" ptsTypes="AA">
+                                      <p:cBhvr>
+                                        <p:cTn id="150" dur="2000" fill="hold"/>
+                                        <p:tgtEl>
+                                          <p:spTgt spid="5"/>
+                                        </p:tgtEl>
+                                        <p:attrNameLst>
+                                          <p:attrName>ppt_x</p:attrName>
+                                          <p:attrName>ppt_y</p:attrName>
+                                        </p:attrNameLst>
+                                      </p:cBhvr>
+                                      <p:rCtr x="21979" y="46"/>
+                                    </p:animMotion>
+                                  </p:childTnLst>
+                                </p:cTn>
+                              </p:par>
+                              <p:par>
+                                <p:cTn id="151" presetID="0" presetClass="path" presetSubtype="0" accel="50000" decel="50000" fill="hold" grpId="0" nodeType="withEffect">
+                                  <p:stCondLst>
+                                    <p:cond delay="0"/>
+                                  </p:stCondLst>
+                                  <p:childTnLst>
+                                    <p:animMotion origin="layout" path="M -3.88889E-6 1.85185E-6 L 0.43924 1.85185E-6 " pathEditMode="relative" rAng="0" ptsTypes="AA">
+                                      <p:cBhvr>
+                                        <p:cTn id="152" dur="2000" fill="hold"/>
+                                        <p:tgtEl>
+                                          <p:spTgt spid="9"/>
+                                        </p:tgtEl>
+                                        <p:attrNameLst>
+                                          <p:attrName>ppt_x</p:attrName>
+                                          <p:attrName>ppt_y</p:attrName>
+                                        </p:attrNameLst>
+                                      </p:cBhvr>
+                                      <p:rCtr x="21962" y="0"/>
+                                    </p:animMotion>
+                                  </p:childTnLst>
+                                </p:cTn>
+                              </p:par>
+                              <p:par>
+                                <p:cTn id="153" presetID="0" presetClass="path" presetSubtype="0" accel="50000" decel="50000" fill="hold" grpId="1" nodeType="withEffect">
+                                  <p:stCondLst>
+                                    <p:cond delay="0"/>
+                                  </p:stCondLst>
+                                  <p:childTnLst>
+                                    <p:animMotion origin="layout" path="M -3.88889E-6 2.96296E-6 L 0.43907 0.00185 " pathEditMode="relative" rAng="0" ptsTypes="AA">
+                                      <p:cBhvr>
+                                        <p:cTn id="154" dur="2000" fill="hold"/>
+                                        <p:tgtEl>
+                                          <p:spTgt spid="19"/>
+                                        </p:tgtEl>
+                                        <p:attrNameLst>
+                                          <p:attrName>ppt_x</p:attrName>
+                                          <p:attrName>ppt_y</p:attrName>
+                                        </p:attrNameLst>
+                                      </p:cBhvr>
+                                      <p:rCtr x="21944" y="93"/>
+                                    </p:animMotion>
+                                  </p:childTnLst>
+                                </p:cTn>
+                              </p:par>
+                              <p:par>
+                                <p:cTn id="155" presetID="0" presetClass="path" presetSubtype="0" accel="50000" decel="50000" fill="hold" grpId="0" nodeType="withEffect">
+                                  <p:stCondLst>
+                                    <p:cond delay="0"/>
+                                  </p:stCondLst>
+                                  <p:childTnLst>
+                                    <p:animMotion origin="layout" path="M 1.94444E-6 4.81481E-6 L 0.43889 4.81481E-6 " pathEditMode="relative" rAng="0" ptsTypes="AA">
+                                      <p:cBhvr>
+                                        <p:cTn id="156" dur="2000" fill="hold"/>
+                                        <p:tgtEl>
+                                          <p:spTgt spid="7"/>
+                                        </p:tgtEl>
+                                        <p:attrNameLst>
+                                          <p:attrName>ppt_x</p:attrName>
+                                          <p:attrName>ppt_y</p:attrName>
+                                        </p:attrNameLst>
+                                      </p:cBhvr>
+                                      <p:rCtr x="21944" y="0"/>
+                                    </p:animMotion>
+                                  </p:childTnLst>
+                                </p:cTn>
+                              </p:par>
+                              <p:par>
+                                <p:cTn id="157" presetID="0" presetClass="path" presetSubtype="0" accel="50000" decel="50000" fill="hold" grpId="1" nodeType="withEffect">
+                                  <p:stCondLst>
+                                    <p:cond delay="0"/>
+                                  </p:stCondLst>
+                                  <p:childTnLst>
+                                    <p:animMotion origin="layout" path="M -4.72222E-6 -4.81481E-6 L 0.43872 -0.00092 " pathEditMode="relative" rAng="0" ptsTypes="AA">
+                                      <p:cBhvr>
+                                        <p:cTn id="158" dur="2000" fill="hold"/>
+                                        <p:tgtEl>
+                                          <p:spTgt spid="32"/>
+                                        </p:tgtEl>
+                                        <p:attrNameLst>
+                                          <p:attrName>ppt_x</p:attrName>
+                                          <p:attrName>ppt_y</p:attrName>
+                                        </p:attrNameLst>
+                                      </p:cBhvr>
+                                      <p:rCtr x="21927" y="-46"/>
+                                    </p:animMotion>
+                                  </p:childTnLst>
+                                </p:cTn>
+                              </p:par>
+                              <p:par>
+                                <p:cTn id="159" presetID="1" presetClass="entr" presetSubtype="0" fill="hold" grpId="0" nodeType="withEffect">
+                                  <p:stCondLst>
+                                    <p:cond delay="0"/>
+                                  </p:stCondLst>
+                                  <p:childTnLst>
+                                    <p:set>
+                                      <p:cBhvr>
+                                        <p:cTn id="160" dur="1" fill="hold">
+                                          <p:stCondLst>
+                                            <p:cond delay="0"/>
+                                          </p:stCondLst>
+                                        </p:cTn>
+                                        <p:tgtEl>
+                                          <p:spTgt spid="36"/>
+                                        </p:tgtEl>
+                                        <p:attrNameLst>
+                                          <p:attrName>style.visibility</p:attrName>
+                                        </p:attrNameLst>
+                                      </p:cBhvr>
+                                      <p:to>
+                                        <p:strVal val="visible"/>
+                                      </p:to>
+                                    </p:set>
+                                  </p:childTnLst>
+                                </p:cTn>
+                              </p:par>
+                              <p:par>
+                                <p:cTn id="161" presetID="1" presetClass="entr" presetSubtype="0" fill="hold" grpId="0" nodeType="withEffect">
+                                  <p:stCondLst>
+                                    <p:cond delay="0"/>
+                                  </p:stCondLst>
+                                  <p:childTnLst>
+                                    <p:set>
+                                      <p:cBhvr>
+                                        <p:cTn id="162" dur="1" fill="hold">
+                                          <p:stCondLst>
+                                            <p:cond delay="0"/>
+                                          </p:stCondLst>
+                                        </p:cTn>
+                                        <p:tgtEl>
+                                          <p:spTgt spid="37"/>
+                                        </p:tgtEl>
+                                        <p:attrNameLst>
+                                          <p:attrName>style.visibility</p:attrName>
+                                        </p:attrNameLst>
+                                      </p:cBhvr>
+                                      <p:to>
+                                        <p:strVal val="visible"/>
+                                      </p:to>
+                                    </p:set>
+                                  </p:childTnLst>
+                                </p:cTn>
+                              </p:par>
+                              <p:par>
+                                <p:cTn id="163" presetID="1" presetClass="entr" presetSubtype="0" fill="hold" grpId="0" nodeType="withEffect">
+                                  <p:stCondLst>
+                                    <p:cond delay="0"/>
+                                  </p:stCondLst>
+                                  <p:childTnLst>
+                                    <p:set>
+                                      <p:cBhvr>
+                                        <p:cTn id="164" dur="1" fill="hold">
+                                          <p:stCondLst>
+                                            <p:cond delay="0"/>
+                                          </p:stCondLst>
+                                        </p:cTn>
+                                        <p:tgtEl>
+                                          <p:spTgt spid="39"/>
+                                        </p:tgtEl>
+                                        <p:attrNameLst>
+                                          <p:attrName>style.visibility</p:attrName>
+                                        </p:attrNameLst>
+                                      </p:cBhvr>
+                                      <p:to>
+                                        <p:strVal val="visible"/>
+                                      </p:to>
+                                    </p:set>
+                                  </p:childTnLst>
+                                </p:cTn>
+                              </p:par>
+                              <p:par>
+                                <p:cTn id="165" presetID="1" presetClass="entr" presetSubtype="0" fill="hold" grpId="0" nodeType="withEffect">
+                                  <p:stCondLst>
+                                    <p:cond delay="0"/>
+                                  </p:stCondLst>
+                                  <p:childTnLst>
+                                    <p:set>
+                                      <p:cBhvr>
+                                        <p:cTn id="166" dur="1" fill="hold">
+                                          <p:stCondLst>
+                                            <p:cond delay="0"/>
+                                          </p:stCondLst>
+                                        </p:cTn>
+                                        <p:tgtEl>
+                                          <p:spTgt spid="35"/>
+                                        </p:tgtEl>
+                                        <p:attrNameLst>
+                                          <p:attrName>style.visibility</p:attrName>
+                                        </p:attrNameLst>
+                                      </p:cBhvr>
+                                      <p:to>
+                                        <p:strVal val="visible"/>
+                                      </p:to>
+                                    </p:set>
+                                  </p:childTnLst>
+                                </p:cTn>
+                              </p:par>
+                              <p:par>
+                                <p:cTn id="167" presetID="1" presetClass="entr" presetSubtype="0" fill="hold" grpId="0" nodeType="withEffect">
+                                  <p:stCondLst>
+                                    <p:cond delay="0"/>
+                                  </p:stCondLst>
+                                  <p:childTnLst>
+                                    <p:set>
+                                      <p:cBhvr>
+                                        <p:cTn id="168" dur="1" fill="hold">
+                                          <p:stCondLst>
+                                            <p:cond delay="0"/>
+                                          </p:stCondLst>
+                                        </p:cTn>
+                                        <p:tgtEl>
+                                          <p:spTgt spid="38"/>
+                                        </p:tgtEl>
+                                        <p:attrNameLst>
+                                          <p:attrName>style.visibility</p:attrName>
+                                        </p:attrNameLst>
+                                      </p:cBhvr>
+                                      <p:to>
+                                        <p:strVal val="visible"/>
+                                      </p:to>
+                                    </p:set>
+                                  </p:childTnLst>
+                                </p:cTn>
+                              </p:par>
+                              <p:par>
+                                <p:cTn id="169" presetID="1" presetClass="entr" presetSubtype="0" fill="hold" grpId="0" nodeType="withEffect">
+                                  <p:stCondLst>
+                                    <p:cond delay="0"/>
+                                  </p:stCondLst>
+                                  <p:childTnLst>
+                                    <p:set>
+                                      <p:cBhvr>
+                                        <p:cTn id="170" dur="1" fill="hold">
+                                          <p:stCondLst>
+                                            <p:cond delay="0"/>
+                                          </p:stCondLst>
+                                        </p:cTn>
+                                        <p:tgtEl>
+                                          <p:spTgt spid="40"/>
+                                        </p:tgtEl>
+                                        <p:attrNameLst>
+                                          <p:attrName>style.visibility</p:attrName>
+                                        </p:attrNameLst>
+                                      </p:cBhvr>
+                                      <p:to>
+                                        <p:strVal val="visible"/>
+                                      </p:to>
+                                    </p:set>
+                                  </p:childTnLst>
+                                </p:cTn>
+                              </p:par>
+                              <p:par>
+                                <p:cTn id="171" presetID="9" presetClass="emph" presetSubtype="0" grpId="1" nodeType="withEffect">
+                                  <p:stCondLst>
+                                    <p:cond delay="0"/>
+                                  </p:stCondLst>
+                                  <p:childTnLst>
+                                    <p:set>
+                                      <p:cBhvr rctx="PPT">
+                                        <p:cTn id="172" dur="indefinite"/>
+                                        <p:tgtEl>
+                                          <p:spTgt spid="6"/>
+                                        </p:tgtEl>
+                                        <p:attrNameLst>
+                                          <p:attrName>style.opacity</p:attrName>
+                                        </p:attrNameLst>
+                                      </p:cBhvr>
+                                      <p:to>
+                                        <p:strVal val="0.5"/>
+                                      </p:to>
+                                    </p:set>
+                                    <p:animEffect filter="image" prLst="opacity: 0.5">
+                                      <p:cBhvr rctx="IE">
+                                        <p:cTn id="173" dur="indefinite"/>
+                                        <p:tgtEl>
+                                          <p:spTgt spid="6"/>
+                                        </p:tgtEl>
+                                      </p:cBhvr>
+                                    </p:animEffect>
+                                  </p:childTnLst>
+                                </p:cTn>
+                              </p:par>
+                              <p:par>
+                                <p:cTn id="174" presetID="9" presetClass="emph" presetSubtype="0" grpId="1" nodeType="withEffect">
+                                  <p:stCondLst>
+                                    <p:cond delay="0"/>
+                                  </p:stCondLst>
+                                  <p:childTnLst>
+                                    <p:set>
+                                      <p:cBhvr rctx="PPT">
+                                        <p:cTn id="175" dur="indefinite"/>
+                                        <p:tgtEl>
+                                          <p:spTgt spid="5"/>
+                                        </p:tgtEl>
+                                        <p:attrNameLst>
+                                          <p:attrName>style.opacity</p:attrName>
+                                        </p:attrNameLst>
+                                      </p:cBhvr>
+                                      <p:to>
+                                        <p:strVal val="0.5"/>
+                                      </p:to>
+                                    </p:set>
+                                    <p:animEffect filter="image" prLst="opacity: 0.5">
+                                      <p:cBhvr rctx="IE">
+                                        <p:cTn id="176" dur="indefinite"/>
+                                        <p:tgtEl>
+                                          <p:spTgt spid="5"/>
+                                        </p:tgtEl>
+                                      </p:cBhvr>
+                                    </p:animEffect>
+                                  </p:childTnLst>
+                                </p:cTn>
+                              </p:par>
+                              <p:par>
+                                <p:cTn id="177" presetID="9" presetClass="emph" presetSubtype="0" grpId="1" nodeType="withEffect">
+                                  <p:stCondLst>
+                                    <p:cond delay="0"/>
+                                  </p:stCondLst>
+                                  <p:childTnLst>
+                                    <p:set>
+                                      <p:cBhvr rctx="PPT">
+                                        <p:cTn id="178" dur="indefinite"/>
+                                        <p:tgtEl>
+                                          <p:spTgt spid="7"/>
+                                        </p:tgtEl>
+                                        <p:attrNameLst>
+                                          <p:attrName>style.opacity</p:attrName>
+                                        </p:attrNameLst>
+                                      </p:cBhvr>
+                                      <p:to>
+                                        <p:strVal val="0.5"/>
+                                      </p:to>
+                                    </p:set>
+                                    <p:animEffect filter="image" prLst="opacity: 0.5">
+                                      <p:cBhvr rctx="IE">
+                                        <p:cTn id="179" dur="indefinite"/>
+                                        <p:tgtEl>
+                                          <p:spTgt spid="7"/>
+                                        </p:tgtEl>
+                                      </p:cBhvr>
+                                    </p:animEffect>
+                                  </p:childTnLst>
+                                </p:cTn>
+                              </p:par>
+                              <p:par>
+                                <p:cTn id="180" presetID="9" presetClass="emph" presetSubtype="0" grpId="2" nodeType="withEffect">
+                                  <p:stCondLst>
+                                    <p:cond delay="0"/>
+                                  </p:stCondLst>
+                                  <p:childTnLst>
+                                    <p:set>
+                                      <p:cBhvr rctx="PPT">
+                                        <p:cTn id="181" dur="indefinite"/>
+                                        <p:tgtEl>
+                                          <p:spTgt spid="32"/>
+                                        </p:tgtEl>
+                                        <p:attrNameLst>
+                                          <p:attrName>style.opacity</p:attrName>
+                                        </p:attrNameLst>
+                                      </p:cBhvr>
+                                      <p:to>
+                                        <p:strVal val="0.5"/>
+                                      </p:to>
+                                    </p:set>
+                                    <p:animEffect filter="image" prLst="opacity: 0.5">
+                                      <p:cBhvr rctx="IE">
+                                        <p:cTn id="182" dur="indefinite"/>
+                                        <p:tgtEl>
+                                          <p:spTgt spid="32"/>
+                                        </p:tgtEl>
+                                      </p:cBhvr>
+                                    </p:animEffect>
+                                  </p:childTnLst>
+                                </p:cTn>
+                              </p:par>
+                              <p:par>
+                                <p:cTn id="183" presetID="9" presetClass="emph" presetSubtype="0" grpId="2" nodeType="withEffect">
+                                  <p:stCondLst>
+                                    <p:cond delay="0"/>
+                                  </p:stCondLst>
+                                  <p:childTnLst>
+                                    <p:set>
+                                      <p:cBhvr rctx="PPT">
+                                        <p:cTn id="184" dur="indefinite"/>
+                                        <p:tgtEl>
+                                          <p:spTgt spid="19"/>
+                                        </p:tgtEl>
+                                        <p:attrNameLst>
+                                          <p:attrName>style.opacity</p:attrName>
+                                        </p:attrNameLst>
+                                      </p:cBhvr>
+                                      <p:to>
+                                        <p:strVal val="0.5"/>
+                                      </p:to>
+                                    </p:set>
+                                    <p:animEffect filter="image" prLst="opacity: 0.5">
+                                      <p:cBhvr rctx="IE">
+                                        <p:cTn id="185" dur="indefinite"/>
+                                        <p:tgtEl>
+                                          <p:spTgt spid="19"/>
+                                        </p:tgtEl>
+                                      </p:cBhvr>
+                                    </p:animEffect>
+                                  </p:childTnLst>
+                                </p:cTn>
+                              </p:par>
+                              <p:par>
+                                <p:cTn id="186" presetID="9" presetClass="emph" presetSubtype="0" grpId="1" nodeType="withEffect">
+                                  <p:stCondLst>
+                                    <p:cond delay="0"/>
+                                  </p:stCondLst>
+                                  <p:childTnLst>
+                                    <p:set>
+                                      <p:cBhvr rctx="PPT">
+                                        <p:cTn id="187" dur="indefinite"/>
+                                        <p:tgtEl>
+                                          <p:spTgt spid="9"/>
+                                        </p:tgtEl>
+                                        <p:attrNameLst>
+                                          <p:attrName>style.opacity</p:attrName>
+                                        </p:attrNameLst>
+                                      </p:cBhvr>
+                                      <p:to>
+                                        <p:strVal val="0.5"/>
+                                      </p:to>
+                                    </p:set>
+                                    <p:animEffect filter="image" prLst="opacity: 0.5">
+                                      <p:cBhvr rctx="IE">
+                                        <p:cTn id="188" dur="indefinite"/>
+                                        <p:tgtEl>
+                                          <p:spTgt spid="9"/>
+                                        </p:tgtEl>
+                                      </p:cBhvr>
+                                    </p:animEffect>
+                                  </p:childTnLst>
+                                </p:cTn>
+                              </p:par>
                             </p:childTnLst>
                           </p:cTn>
                         </p:par>
@@ -11244,35 +12806,68 @@
       </p:par>
     </p:tnLst>
     <p:bldLst>
+      <p:bldP spid="35" grpId="0" animBg="1"/>
+      <p:bldP spid="39" grpId="0" animBg="1"/>
+      <p:bldP spid="36" grpId="0" animBg="1"/>
+      <p:bldP spid="37" grpId="0" animBg="1"/>
+      <p:bldP spid="38" grpId="0" animBg="1"/>
+      <p:bldP spid="40" grpId="0" animBg="1"/>
       <p:bldP spid="25" grpId="0" animBg="1"/>
-      <p:bldP spid="8" grpId="0" animBg="1"/>
+      <p:bldP spid="25" grpId="1" animBg="1"/>
+      <p:bldP spid="14" grpId="0" animBg="1"/>
+      <p:bldP spid="14" grpId="1" animBg="1"/>
+      <p:bldP spid="14" grpId="2" animBg="1"/>
+      <p:bldP spid="14" grpId="3" animBg="1"/>
+      <p:bldP spid="16" grpId="0" animBg="1"/>
+      <p:bldP spid="16" grpId="1" animBg="1"/>
+      <p:bldP spid="16" grpId="2" animBg="1"/>
+      <p:bldP spid="16" grpId="3" animBg="1"/>
+      <p:bldP spid="13" grpId="0" animBg="1"/>
+      <p:bldP spid="13" grpId="1" animBg="1"/>
+      <p:bldP spid="13" grpId="2" animBg="1"/>
+      <p:bldP spid="13" grpId="3" animBg="1"/>
       <p:bldP spid="12" grpId="0" animBg="1"/>
       <p:bldP spid="12" grpId="1" animBg="1"/>
       <p:bldP spid="12" grpId="2" animBg="1"/>
-      <p:bldP spid="13" grpId="0" animBg="1"/>
-      <p:bldP spid="13" grpId="1" animBg="1"/>
-      <p:bldP spid="13" grpId="2" animBg="1"/>
-      <p:bldP spid="14" grpId="0" animBg="1"/>
-      <p:bldP spid="14" grpId="1" animBg="1"/>
-      <p:bldP spid="14" grpId="2" animBg="1"/>
+      <p:bldP spid="12" grpId="3" animBg="1"/>
+      <p:bldP spid="5" grpId="0" animBg="1"/>
+      <p:bldP spid="5" grpId="1" animBg="1"/>
+      <p:bldP spid="6" grpId="0" animBg="1"/>
+      <p:bldP spid="6" grpId="1" animBg="1"/>
+      <p:bldP spid="7" grpId="0" animBg="1"/>
+      <p:bldP spid="7" grpId="1" animBg="1"/>
+      <p:bldP spid="8" grpId="0" animBg="1"/>
       <p:bldP spid="15" grpId="0" animBg="1"/>
       <p:bldP spid="15" grpId="1" animBg="1"/>
       <p:bldP spid="15" grpId="2" animBg="1"/>
-      <p:bldP spid="16" grpId="0" animBg="1"/>
-      <p:bldP spid="16" grpId="1" animBg="1"/>
-      <p:bldP spid="16" grpId="2" animBg="1"/>
-      <p:bldP spid="19" grpId="0" animBg="1"/>
+      <p:bldP spid="15" grpId="3" animBg="1"/>
       <p:bldP spid="21" grpId="0" animBg="1"/>
       <p:bldP spid="21" grpId="1" animBg="1"/>
       <p:bldP spid="21" grpId="2" animBg="1"/>
+      <p:bldP spid="21" grpId="3" animBg="1"/>
       <p:bldP spid="22" grpId="0" animBg="1"/>
       <p:bldP spid="22" grpId="1" animBg="1"/>
       <p:bldP spid="22" grpId="2" animBg="1"/>
+      <p:bldP spid="22" grpId="3" animBg="1"/>
       <p:bldP spid="30" grpId="0"/>
       <p:bldP spid="30" grpId="1"/>
       <p:bldP spid="31" grpId="0"/>
       <p:bldP spid="31" grpId="1"/>
       <p:bldP spid="32" grpId="0" animBg="1"/>
+      <p:bldP spid="32" grpId="1" animBg="1"/>
+      <p:bldP spid="32" grpId="2" animBg="1"/>
+      <p:bldP spid="46" grpId="0" animBg="1"/>
+      <p:bldP spid="47" grpId="0" animBg="1"/>
+      <p:bldP spid="48" grpId="0" animBg="1"/>
+      <p:bldP spid="49" grpId="0" animBg="1"/>
+      <p:bldP spid="50" grpId="0" animBg="1"/>
+      <p:bldP spid="57" grpId="0" animBg="1"/>
+      <p:bldP spid="58" grpId="0" animBg="1"/>
+      <p:bldP spid="19" grpId="0" animBg="1"/>
+      <p:bldP spid="19" grpId="1" animBg="1"/>
+      <p:bldP spid="19" grpId="2" animBg="1"/>
+      <p:bldP spid="9" grpId="0" animBg="1"/>
+      <p:bldP spid="9" grpId="1" animBg="1"/>
     </p:bldLst>
   </p:timing>
 </p:sld>

--- a/workshop/git_presentation.pptx
+++ b/workshop/git_presentation.pptx
@@ -8,9 +8,9 @@
     <p:sldId id="259" r:id="rId2"/>
     <p:sldId id="256" r:id="rId3"/>
     <p:sldId id="258" r:id="rId4"/>
-    <p:sldId id="261" r:id="rId5"/>
-    <p:sldId id="260" r:id="rId6"/>
-    <p:sldId id="257" r:id="rId7"/>
+    <p:sldId id="260" r:id="rId5"/>
+    <p:sldId id="257" r:id="rId6"/>
+    <p:sldId id="261" r:id="rId7"/>
   </p:sldIdLst>
   <p:sldSz cx="9144000" cy="6858000" type="screen4x3"/>
   <p:notesSz cx="6858000" cy="9144000"/>
@@ -109,6 +109,22 @@
       </a:defRPr>
     </a:lvl9pPr>
   </p:defaultTextStyle>
+  <p:extLst>
+    <p:ext uri="{EFAFB233-063F-42B5-8137-9DF3F51BA10A}">
+      <p15:sldGuideLst xmlns:p15="http://schemas.microsoft.com/office/powerpoint/2012/main">
+        <p15:guide id="1" orient="horz" pos="2160">
+          <p15:clr>
+            <a:srgbClr val="A4A3A4"/>
+          </p15:clr>
+        </p15:guide>
+        <p15:guide id="2" pos="2880">
+          <p15:clr>
+            <a:srgbClr val="A4A3A4"/>
+          </p15:clr>
+        </p15:guide>
+      </p15:sldGuideLst>
+    </p:ext>
+  </p:extLst>
 </p:presentation>
 </file>
 
@@ -293,7 +309,7 @@
           <a:p>
             <a:fld id="{D53D30F1-0FE9-EE42-8A4B-0AACC103AD69}" type="datetimeFigureOut">
               <a:rPr lang="en-US" smtClean="0"/>
-              <a:t>1/29/15</a:t>
+              <a:t>2/5/19</a:t>
             </a:fld>
             <a:endParaRPr lang="en-US"/>
           </a:p>
@@ -463,7 +479,7 @@
           <a:p>
             <a:fld id="{D53D30F1-0FE9-EE42-8A4B-0AACC103AD69}" type="datetimeFigureOut">
               <a:rPr lang="en-US" smtClean="0"/>
-              <a:t>1/29/15</a:t>
+              <a:t>2/5/19</a:t>
             </a:fld>
             <a:endParaRPr lang="en-US"/>
           </a:p>
@@ -643,7 +659,7 @@
           <a:p>
             <a:fld id="{D53D30F1-0FE9-EE42-8A4B-0AACC103AD69}" type="datetimeFigureOut">
               <a:rPr lang="en-US" smtClean="0"/>
-              <a:t>1/29/15</a:t>
+              <a:t>2/5/19</a:t>
             </a:fld>
             <a:endParaRPr lang="en-US"/>
           </a:p>
@@ -813,7 +829,7 @@
           <a:p>
             <a:fld id="{D53D30F1-0FE9-EE42-8A4B-0AACC103AD69}" type="datetimeFigureOut">
               <a:rPr lang="en-US" smtClean="0"/>
-              <a:t>1/29/15</a:t>
+              <a:t>2/5/19</a:t>
             </a:fld>
             <a:endParaRPr lang="en-US"/>
           </a:p>
@@ -1059,7 +1075,7 @@
           <a:p>
             <a:fld id="{D53D30F1-0FE9-EE42-8A4B-0AACC103AD69}" type="datetimeFigureOut">
               <a:rPr lang="en-US" smtClean="0"/>
-              <a:t>1/29/15</a:t>
+              <a:t>2/5/19</a:t>
             </a:fld>
             <a:endParaRPr lang="en-US"/>
           </a:p>
@@ -1347,7 +1363,7 @@
           <a:p>
             <a:fld id="{D53D30F1-0FE9-EE42-8A4B-0AACC103AD69}" type="datetimeFigureOut">
               <a:rPr lang="en-US" smtClean="0"/>
-              <a:t>1/29/15</a:t>
+              <a:t>2/5/19</a:t>
             </a:fld>
             <a:endParaRPr lang="en-US"/>
           </a:p>
@@ -1769,7 +1785,7 @@
           <a:p>
             <a:fld id="{D53D30F1-0FE9-EE42-8A4B-0AACC103AD69}" type="datetimeFigureOut">
               <a:rPr lang="en-US" smtClean="0"/>
-              <a:t>1/29/15</a:t>
+              <a:t>2/5/19</a:t>
             </a:fld>
             <a:endParaRPr lang="en-US"/>
           </a:p>
@@ -1887,7 +1903,7 @@
           <a:p>
             <a:fld id="{D53D30F1-0FE9-EE42-8A4B-0AACC103AD69}" type="datetimeFigureOut">
               <a:rPr lang="en-US" smtClean="0"/>
-              <a:t>1/29/15</a:t>
+              <a:t>2/5/19</a:t>
             </a:fld>
             <a:endParaRPr lang="en-US"/>
           </a:p>
@@ -1982,7 +1998,7 @@
           <a:p>
             <a:fld id="{D53D30F1-0FE9-EE42-8A4B-0AACC103AD69}" type="datetimeFigureOut">
               <a:rPr lang="en-US" smtClean="0"/>
-              <a:t>1/29/15</a:t>
+              <a:t>2/5/19</a:t>
             </a:fld>
             <a:endParaRPr lang="en-US"/>
           </a:p>
@@ -2259,7 +2275,7 @@
           <a:p>
             <a:fld id="{D53D30F1-0FE9-EE42-8A4B-0AACC103AD69}" type="datetimeFigureOut">
               <a:rPr lang="en-US" smtClean="0"/>
-              <a:t>1/29/15</a:t>
+              <a:t>2/5/19</a:t>
             </a:fld>
             <a:endParaRPr lang="en-US"/>
           </a:p>
@@ -2512,7 +2528,7 @@
           <a:p>
             <a:fld id="{D53D30F1-0FE9-EE42-8A4B-0AACC103AD69}" type="datetimeFigureOut">
               <a:rPr lang="en-US" smtClean="0"/>
-              <a:t>1/29/15</a:t>
+              <a:t>2/5/19</a:t>
             </a:fld>
             <a:endParaRPr lang="en-US"/>
           </a:p>
@@ -2725,7 +2741,7 @@
           <a:p>
             <a:fld id="{D53D30F1-0FE9-EE42-8A4B-0AACC103AD69}" type="datetimeFigureOut">
               <a:rPr lang="en-US" smtClean="0"/>
-              <a:t>1/29/15</a:t>
+              <a:t>2/5/19</a:t>
             </a:fld>
             <a:endParaRPr lang="en-US"/>
           </a:p>
@@ -3227,7 +3243,7 @@
   <p:timing>
     <p:tnLst>
       <p:par>
-        <p:cTn xmlns:p14="http://schemas.microsoft.com/office/powerpoint/2010/main" id="1" dur="indefinite" restart="never" nodeType="tmRoot"/>
+        <p:cTn id="1" dur="indefinite" restart="never" nodeType="tmRoot"/>
       </p:par>
     </p:tnLst>
   </p:timing>
@@ -4718,7 +4734,7 @@
   <p:timing>
     <p:tnLst>
       <p:par>
-        <p:cTn xmlns:p14="http://schemas.microsoft.com/office/powerpoint/2010/main" id="1" dur="indefinite" restart="never" nodeType="tmRoot">
+        <p:cTn id="1" dur="indefinite" restart="never" nodeType="tmRoot">
           <p:childTnLst>
             <p:seq concurrent="1" nextAc="seek">
               <p:cTn id="2" dur="indefinite" nodeType="mainSeq">
@@ -8002,7 +8018,7 @@
   <p:timing>
     <p:tnLst>
       <p:par>
-        <p:cTn xmlns:p14="http://schemas.microsoft.com/office/powerpoint/2010/main" id="1" dur="indefinite" restart="never" nodeType="tmRoot">
+        <p:cTn id="1" dur="indefinite" restart="never" nodeType="tmRoot">
           <p:childTnLst>
             <p:seq concurrent="1" nextAc="seek">
               <p:cTn id="2" dur="indefinite" nodeType="mainSeq">
@@ -8709,4171 +8725,6 @@
 </file>
 
 <file path=ppt/slides/slide4.xml><?xml version="1.0" encoding="utf-8"?>
-<p:sld xmlns:a="http://schemas.openxmlformats.org/drawingml/2006/main" xmlns:r="http://schemas.openxmlformats.org/officeDocument/2006/relationships" xmlns:p="http://schemas.openxmlformats.org/presentationml/2006/main">
-  <p:cSld>
-    <p:spTree>
-      <p:nvGrpSpPr>
-        <p:cNvPr id="1" name=""/>
-        <p:cNvGrpSpPr/>
-        <p:nvPr/>
-      </p:nvGrpSpPr>
-      <p:grpSpPr>
-        <a:xfrm>
-          <a:off x="0" y="0"/>
-          <a:ext cx="0" cy="0"/>
-          <a:chOff x="0" y="0"/>
-          <a:chExt cx="0" cy="0"/>
-        </a:xfrm>
-      </p:grpSpPr>
-      <p:sp>
-        <p:nvSpPr>
-          <p:cNvPr id="35" name="Rectangle 34"/>
-          <p:cNvSpPr/>
-          <p:nvPr/>
-        </p:nvSpPr>
-        <p:spPr>
-          <a:xfrm>
-            <a:off x="2907072" y="1709314"/>
-            <a:ext cx="681656" cy="224046"/>
-          </a:xfrm>
-          <a:prstGeom prst="rect">
-            <a:avLst/>
-          </a:prstGeom>
-          <a:solidFill>
-            <a:srgbClr val="FFD37F"/>
-          </a:solidFill>
-          <a:ln>
-            <a:solidFill>
-              <a:srgbClr val="FFD37F"/>
-            </a:solidFill>
-          </a:ln>
-          <a:effectLst/>
-        </p:spPr>
-        <p:style>
-          <a:lnRef idx="1">
-            <a:schemeClr val="accent1"/>
-          </a:lnRef>
-          <a:fillRef idx="3">
-            <a:schemeClr val="accent1"/>
-          </a:fillRef>
-          <a:effectRef idx="2">
-            <a:schemeClr val="accent1"/>
-          </a:effectRef>
-          <a:fontRef idx="minor">
-            <a:schemeClr val="lt1"/>
-          </a:fontRef>
-        </p:style>
-        <p:txBody>
-          <a:bodyPr rtlCol="0" anchor="ctr"/>
-          <a:lstStyle/>
-          <a:p>
-            <a:pPr algn="ctr"/>
-            <a:endParaRPr lang="en-US"/>
-          </a:p>
-        </p:txBody>
-      </p:sp>
-      <p:sp>
-        <p:nvSpPr>
-          <p:cNvPr id="39" name="Rectangle 38"/>
-          <p:cNvSpPr/>
-          <p:nvPr/>
-        </p:nvSpPr>
-        <p:spPr>
-          <a:xfrm>
-            <a:off x="2905744" y="1521851"/>
-            <a:ext cx="681656" cy="187463"/>
-          </a:xfrm>
-          <a:prstGeom prst="rect">
-            <a:avLst/>
-          </a:prstGeom>
-          <a:solidFill>
-            <a:srgbClr val="A2CBEE"/>
-          </a:solidFill>
-          <a:ln>
-            <a:solidFill>
-              <a:srgbClr val="A2CBEE"/>
-            </a:solidFill>
-          </a:ln>
-          <a:effectLst/>
-        </p:spPr>
-        <p:style>
-          <a:lnRef idx="1">
-            <a:schemeClr val="accent1"/>
-          </a:lnRef>
-          <a:fillRef idx="3">
-            <a:schemeClr val="accent1"/>
-          </a:fillRef>
-          <a:effectRef idx="2">
-            <a:schemeClr val="accent1"/>
-          </a:effectRef>
-          <a:fontRef idx="minor">
-            <a:schemeClr val="lt1"/>
-          </a:fontRef>
-        </p:style>
-        <p:txBody>
-          <a:bodyPr rtlCol="0" anchor="ctr"/>
-          <a:lstStyle/>
-          <a:p>
-            <a:pPr algn="ctr"/>
-            <a:endParaRPr lang="en-US"/>
-          </a:p>
-        </p:txBody>
-      </p:sp>
-      <p:sp>
-        <p:nvSpPr>
-          <p:cNvPr id="36" name="Rectangle 35"/>
-          <p:cNvSpPr/>
-          <p:nvPr/>
-        </p:nvSpPr>
-        <p:spPr>
-          <a:xfrm>
-            <a:off x="2071688" y="625350"/>
-            <a:ext cx="681656" cy="896501"/>
-          </a:xfrm>
-          <a:prstGeom prst="rect">
-            <a:avLst/>
-          </a:prstGeom>
-          <a:solidFill>
-            <a:srgbClr val="1882C8"/>
-          </a:solidFill>
-          <a:effectLst/>
-        </p:spPr>
-        <p:style>
-          <a:lnRef idx="1">
-            <a:schemeClr val="accent1"/>
-          </a:lnRef>
-          <a:fillRef idx="3">
-            <a:schemeClr val="accent1"/>
-          </a:fillRef>
-          <a:effectRef idx="2">
-            <a:schemeClr val="accent1"/>
-          </a:effectRef>
-          <a:fontRef idx="minor">
-            <a:schemeClr val="lt1"/>
-          </a:fontRef>
-        </p:style>
-        <p:txBody>
-          <a:bodyPr rtlCol="0" anchor="ctr"/>
-          <a:lstStyle/>
-          <a:p>
-            <a:pPr algn="ctr"/>
-            <a:r>
-              <a:rPr lang="en-US" dirty="0" smtClean="0">
-                <a:solidFill>
-                  <a:schemeClr val="bg1"/>
-                </a:solidFill>
-                <a:latin typeface="Lato Black"/>
-                <a:cs typeface="Lato Black"/>
-              </a:rPr>
-              <a:t>File A</a:t>
-            </a:r>
-            <a:endParaRPr lang="en-US" dirty="0">
-              <a:solidFill>
-                <a:schemeClr val="bg1"/>
-              </a:solidFill>
-              <a:latin typeface="Lato Black"/>
-              <a:cs typeface="Lato Black"/>
-            </a:endParaRPr>
-          </a:p>
-        </p:txBody>
-      </p:sp>
-      <p:sp>
-        <p:nvSpPr>
-          <p:cNvPr id="37" name="Rectangle 36"/>
-          <p:cNvSpPr/>
-          <p:nvPr/>
-        </p:nvSpPr>
-        <p:spPr>
-          <a:xfrm>
-            <a:off x="2905744" y="625350"/>
-            <a:ext cx="681656" cy="896501"/>
-          </a:xfrm>
-          <a:prstGeom prst="rect">
-            <a:avLst/>
-          </a:prstGeom>
-          <a:solidFill>
-            <a:srgbClr val="1882C8"/>
-          </a:solidFill>
-          <a:effectLst/>
-        </p:spPr>
-        <p:style>
-          <a:lnRef idx="1">
-            <a:schemeClr val="accent1"/>
-          </a:lnRef>
-          <a:fillRef idx="3">
-            <a:schemeClr val="accent1"/>
-          </a:fillRef>
-          <a:effectRef idx="2">
-            <a:schemeClr val="accent1"/>
-          </a:effectRef>
-          <a:fontRef idx="minor">
-            <a:schemeClr val="lt1"/>
-          </a:fontRef>
-        </p:style>
-        <p:txBody>
-          <a:bodyPr rtlCol="0" anchor="ctr"/>
-          <a:lstStyle/>
-          <a:p>
-            <a:pPr algn="ctr"/>
-            <a:r>
-              <a:rPr lang="en-US" dirty="0" smtClean="0">
-                <a:solidFill>
-                  <a:schemeClr val="bg1"/>
-                </a:solidFill>
-                <a:latin typeface="Lato Black"/>
-                <a:cs typeface="Lato Black"/>
-              </a:rPr>
-              <a:t>File B</a:t>
-            </a:r>
-            <a:endParaRPr lang="en-US" dirty="0">
-              <a:solidFill>
-                <a:schemeClr val="bg1"/>
-              </a:solidFill>
-              <a:latin typeface="Lato Black"/>
-              <a:cs typeface="Lato Black"/>
-            </a:endParaRPr>
-          </a:p>
-        </p:txBody>
-      </p:sp>
-      <p:sp>
-        <p:nvSpPr>
-          <p:cNvPr id="38" name="Rectangle 37"/>
-          <p:cNvSpPr/>
-          <p:nvPr/>
-        </p:nvSpPr>
-        <p:spPr>
-          <a:xfrm>
-            <a:off x="2071688" y="1851562"/>
-            <a:ext cx="681656" cy="896501"/>
-          </a:xfrm>
-          <a:prstGeom prst="rect">
-            <a:avLst/>
-          </a:prstGeom>
-          <a:solidFill>
-            <a:srgbClr val="FAAC15"/>
-          </a:solidFill>
-          <a:ln>
-            <a:solidFill>
-              <a:srgbClr val="FAAC15"/>
-            </a:solidFill>
-          </a:ln>
-          <a:effectLst/>
-        </p:spPr>
-        <p:style>
-          <a:lnRef idx="1">
-            <a:schemeClr val="accent1"/>
-          </a:lnRef>
-          <a:fillRef idx="3">
-            <a:schemeClr val="accent1"/>
-          </a:fillRef>
-          <a:effectRef idx="2">
-            <a:schemeClr val="accent1"/>
-          </a:effectRef>
-          <a:fontRef idx="minor">
-            <a:schemeClr val="lt1"/>
-          </a:fontRef>
-        </p:style>
-        <p:txBody>
-          <a:bodyPr rtlCol="0" anchor="ctr"/>
-          <a:lstStyle/>
-          <a:p>
-            <a:pPr algn="ctr"/>
-            <a:r>
-              <a:rPr lang="en-US" dirty="0" smtClean="0">
-                <a:solidFill>
-                  <a:schemeClr val="bg1"/>
-                </a:solidFill>
-                <a:latin typeface="Lato Black"/>
-                <a:cs typeface="Lato Black"/>
-              </a:rPr>
-              <a:t>File C</a:t>
-            </a:r>
-            <a:endParaRPr lang="en-US" dirty="0">
-              <a:solidFill>
-                <a:schemeClr val="bg1"/>
-              </a:solidFill>
-              <a:latin typeface="Lato Black"/>
-              <a:cs typeface="Lato Black"/>
-            </a:endParaRPr>
-          </a:p>
-        </p:txBody>
-      </p:sp>
-      <p:sp>
-        <p:nvSpPr>
-          <p:cNvPr id="40" name="Rectangle 39"/>
-          <p:cNvSpPr/>
-          <p:nvPr/>
-        </p:nvSpPr>
-        <p:spPr>
-          <a:xfrm>
-            <a:off x="2910107" y="2182448"/>
-            <a:ext cx="681656" cy="896501"/>
-          </a:xfrm>
-          <a:prstGeom prst="rect">
-            <a:avLst/>
-          </a:prstGeom>
-          <a:solidFill>
-            <a:srgbClr val="FAAC15"/>
-          </a:solidFill>
-          <a:ln>
-            <a:solidFill>
-              <a:srgbClr val="FAAC15"/>
-            </a:solidFill>
-          </a:ln>
-          <a:effectLst/>
-        </p:spPr>
-        <p:style>
-          <a:lnRef idx="1">
-            <a:schemeClr val="accent1"/>
-          </a:lnRef>
-          <a:fillRef idx="3">
-            <a:schemeClr val="accent1"/>
-          </a:fillRef>
-          <a:effectRef idx="2">
-            <a:schemeClr val="accent1"/>
-          </a:effectRef>
-          <a:fontRef idx="minor">
-            <a:schemeClr val="lt1"/>
-          </a:fontRef>
-        </p:style>
-        <p:txBody>
-          <a:bodyPr rtlCol="0" anchor="ctr"/>
-          <a:lstStyle/>
-          <a:p>
-            <a:pPr algn="ctr"/>
-            <a:r>
-              <a:rPr lang="en-US" dirty="0" smtClean="0">
-                <a:solidFill>
-                  <a:schemeClr val="bg1"/>
-                </a:solidFill>
-                <a:latin typeface="Lato Black"/>
-                <a:cs typeface="Lato Black"/>
-              </a:rPr>
-              <a:t>File D</a:t>
-            </a:r>
-            <a:endParaRPr lang="en-US" dirty="0">
-              <a:solidFill>
-                <a:schemeClr val="bg1"/>
-              </a:solidFill>
-              <a:latin typeface="Lato Black"/>
-              <a:cs typeface="Lato Black"/>
-            </a:endParaRPr>
-          </a:p>
-        </p:txBody>
-      </p:sp>
-      <p:sp>
-        <p:nvSpPr>
-          <p:cNvPr id="25" name="Rectangle 24"/>
-          <p:cNvSpPr/>
-          <p:nvPr/>
-        </p:nvSpPr>
-        <p:spPr>
-          <a:xfrm>
-            <a:off x="4499377" y="-294969"/>
-            <a:ext cx="5350818" cy="7529871"/>
-          </a:xfrm>
-          <a:prstGeom prst="rect">
-            <a:avLst/>
-          </a:prstGeom>
-          <a:solidFill>
-            <a:schemeClr val="bg1">
-              <a:lumMod val="95000"/>
-            </a:schemeClr>
-          </a:solidFill>
-          <a:ln>
-            <a:noFill/>
-          </a:ln>
-          <a:effectLst/>
-        </p:spPr>
-        <p:style>
-          <a:lnRef idx="1">
-            <a:schemeClr val="accent1"/>
-          </a:lnRef>
-          <a:fillRef idx="3">
-            <a:schemeClr val="accent1"/>
-          </a:fillRef>
-          <a:effectRef idx="2">
-            <a:schemeClr val="accent1"/>
-          </a:effectRef>
-          <a:fontRef idx="minor">
-            <a:schemeClr val="lt1"/>
-          </a:fontRef>
-        </p:style>
-        <p:txBody>
-          <a:bodyPr rtlCol="0" anchor="ctr"/>
-          <a:lstStyle/>
-          <a:p>
-            <a:pPr algn="ctr"/>
-            <a:endParaRPr lang="en-US"/>
-          </a:p>
-        </p:txBody>
-      </p:sp>
-      <p:sp>
-        <p:nvSpPr>
-          <p:cNvPr id="14" name="Rectangle 13"/>
-          <p:cNvSpPr/>
-          <p:nvPr/>
-        </p:nvSpPr>
-        <p:spPr>
-          <a:xfrm>
-            <a:off x="2067325" y="1851562"/>
-            <a:ext cx="681656" cy="896501"/>
-          </a:xfrm>
-          <a:prstGeom prst="rect">
-            <a:avLst/>
-          </a:prstGeom>
-          <a:solidFill>
-            <a:srgbClr val="FAAC15"/>
-          </a:solidFill>
-          <a:ln>
-            <a:solidFill>
-              <a:srgbClr val="FAAC15"/>
-            </a:solidFill>
-          </a:ln>
-          <a:effectLst/>
-        </p:spPr>
-        <p:style>
-          <a:lnRef idx="1">
-            <a:schemeClr val="accent1"/>
-          </a:lnRef>
-          <a:fillRef idx="3">
-            <a:schemeClr val="accent1"/>
-          </a:fillRef>
-          <a:effectRef idx="2">
-            <a:schemeClr val="accent1"/>
-          </a:effectRef>
-          <a:fontRef idx="minor">
-            <a:schemeClr val="lt1"/>
-          </a:fontRef>
-        </p:style>
-        <p:txBody>
-          <a:bodyPr rtlCol="0" anchor="ctr"/>
-          <a:lstStyle/>
-          <a:p>
-            <a:pPr algn="ctr"/>
-            <a:r>
-              <a:rPr lang="en-US" dirty="0" smtClean="0">
-                <a:solidFill>
-                  <a:schemeClr val="bg1"/>
-                </a:solidFill>
-                <a:latin typeface="Lato Black"/>
-                <a:cs typeface="Lato Black"/>
-              </a:rPr>
-              <a:t>File C</a:t>
-            </a:r>
-            <a:endParaRPr lang="en-US" dirty="0">
-              <a:solidFill>
-                <a:schemeClr val="bg1"/>
-              </a:solidFill>
-              <a:latin typeface="Lato Black"/>
-              <a:cs typeface="Lato Black"/>
-            </a:endParaRPr>
-          </a:p>
-        </p:txBody>
-      </p:sp>
-      <p:sp>
-        <p:nvSpPr>
-          <p:cNvPr id="16" name="Rectangle 15"/>
-          <p:cNvSpPr/>
-          <p:nvPr/>
-        </p:nvSpPr>
-        <p:spPr>
-          <a:xfrm>
-            <a:off x="2901381" y="1521851"/>
-            <a:ext cx="681656" cy="187463"/>
-          </a:xfrm>
-          <a:prstGeom prst="rect">
-            <a:avLst/>
-          </a:prstGeom>
-          <a:solidFill>
-            <a:srgbClr val="A2CBEE"/>
-          </a:solidFill>
-          <a:ln>
-            <a:solidFill>
-              <a:srgbClr val="A2CBEE"/>
-            </a:solidFill>
-          </a:ln>
-          <a:effectLst/>
-        </p:spPr>
-        <p:style>
-          <a:lnRef idx="1">
-            <a:schemeClr val="accent1"/>
-          </a:lnRef>
-          <a:fillRef idx="3">
-            <a:schemeClr val="accent1"/>
-          </a:fillRef>
-          <a:effectRef idx="2">
-            <a:schemeClr val="accent1"/>
-          </a:effectRef>
-          <a:fontRef idx="minor">
-            <a:schemeClr val="lt1"/>
-          </a:fontRef>
-        </p:style>
-        <p:txBody>
-          <a:bodyPr rtlCol="0" anchor="ctr"/>
-          <a:lstStyle/>
-          <a:p>
-            <a:pPr algn="ctr"/>
-            <a:endParaRPr lang="en-US"/>
-          </a:p>
-        </p:txBody>
-      </p:sp>
-      <p:sp>
-        <p:nvSpPr>
-          <p:cNvPr id="13" name="Rectangle 12"/>
-          <p:cNvSpPr/>
-          <p:nvPr/>
-        </p:nvSpPr>
-        <p:spPr>
-          <a:xfrm>
-            <a:off x="2901381" y="625350"/>
-            <a:ext cx="681656" cy="896501"/>
-          </a:xfrm>
-          <a:prstGeom prst="rect">
-            <a:avLst/>
-          </a:prstGeom>
-          <a:solidFill>
-            <a:srgbClr val="1882C8"/>
-          </a:solidFill>
-          <a:effectLst/>
-        </p:spPr>
-        <p:style>
-          <a:lnRef idx="1">
-            <a:schemeClr val="accent1"/>
-          </a:lnRef>
-          <a:fillRef idx="3">
-            <a:schemeClr val="accent1"/>
-          </a:fillRef>
-          <a:effectRef idx="2">
-            <a:schemeClr val="accent1"/>
-          </a:effectRef>
-          <a:fontRef idx="minor">
-            <a:schemeClr val="lt1"/>
-          </a:fontRef>
-        </p:style>
-        <p:txBody>
-          <a:bodyPr rtlCol="0" anchor="ctr"/>
-          <a:lstStyle/>
-          <a:p>
-            <a:pPr algn="ctr"/>
-            <a:r>
-              <a:rPr lang="en-US" dirty="0" smtClean="0">
-                <a:solidFill>
-                  <a:schemeClr val="bg1"/>
-                </a:solidFill>
-                <a:latin typeface="Lato Black"/>
-                <a:cs typeface="Lato Black"/>
-              </a:rPr>
-              <a:t>File B</a:t>
-            </a:r>
-            <a:endParaRPr lang="en-US" dirty="0">
-              <a:solidFill>
-                <a:schemeClr val="bg1"/>
-              </a:solidFill>
-              <a:latin typeface="Lato Black"/>
-              <a:cs typeface="Lato Black"/>
-            </a:endParaRPr>
-          </a:p>
-        </p:txBody>
-      </p:sp>
-      <p:sp>
-        <p:nvSpPr>
-          <p:cNvPr id="12" name="Rectangle 11"/>
-          <p:cNvSpPr/>
-          <p:nvPr/>
-        </p:nvSpPr>
-        <p:spPr>
-          <a:xfrm>
-            <a:off x="2067325" y="625350"/>
-            <a:ext cx="681656" cy="896501"/>
-          </a:xfrm>
-          <a:prstGeom prst="rect">
-            <a:avLst/>
-          </a:prstGeom>
-          <a:solidFill>
-            <a:srgbClr val="1882C8"/>
-          </a:solidFill>
-          <a:effectLst/>
-        </p:spPr>
-        <p:style>
-          <a:lnRef idx="1">
-            <a:schemeClr val="accent1"/>
-          </a:lnRef>
-          <a:fillRef idx="3">
-            <a:schemeClr val="accent1"/>
-          </a:fillRef>
-          <a:effectRef idx="2">
-            <a:schemeClr val="accent1"/>
-          </a:effectRef>
-          <a:fontRef idx="minor">
-            <a:schemeClr val="lt1"/>
-          </a:fontRef>
-        </p:style>
-        <p:txBody>
-          <a:bodyPr rtlCol="0" anchor="ctr"/>
-          <a:lstStyle/>
-          <a:p>
-            <a:pPr algn="ctr"/>
-            <a:r>
-              <a:rPr lang="en-US" dirty="0" smtClean="0">
-                <a:solidFill>
-                  <a:schemeClr val="bg1"/>
-                </a:solidFill>
-                <a:latin typeface="Lato Black"/>
-                <a:cs typeface="Lato Black"/>
-              </a:rPr>
-              <a:t>File A</a:t>
-            </a:r>
-            <a:endParaRPr lang="en-US" dirty="0">
-              <a:solidFill>
-                <a:schemeClr val="bg1"/>
-              </a:solidFill>
-              <a:latin typeface="Lato Black"/>
-              <a:cs typeface="Lato Black"/>
-            </a:endParaRPr>
-          </a:p>
-        </p:txBody>
-      </p:sp>
-      <p:pic>
-        <p:nvPicPr>
-          <p:cNvPr id="4" name="Picture 3"/>
-          <p:cNvPicPr>
-            <a:picLocks noChangeAspect="1"/>
-          </p:cNvPicPr>
-          <p:nvPr/>
-        </p:nvPicPr>
-        <p:blipFill>
-          <a:blip r:embed="rId2"/>
-          <a:stretch>
-            <a:fillRect/>
-          </a:stretch>
-        </p:blipFill>
-        <p:spPr>
-          <a:xfrm>
-            <a:off x="944530" y="502257"/>
-            <a:ext cx="906696" cy="813925"/>
-          </a:xfrm>
-          <a:prstGeom prst="rect">
-            <a:avLst/>
-          </a:prstGeom>
-        </p:spPr>
-      </p:pic>
-      <p:sp>
-        <p:nvSpPr>
-          <p:cNvPr id="5" name="Rectangle 4"/>
-          <p:cNvSpPr/>
-          <p:nvPr/>
-        </p:nvSpPr>
-        <p:spPr>
-          <a:xfrm>
-            <a:off x="2067325" y="625350"/>
-            <a:ext cx="681656" cy="896501"/>
-          </a:xfrm>
-          <a:prstGeom prst="rect">
-            <a:avLst/>
-          </a:prstGeom>
-          <a:solidFill>
-            <a:srgbClr val="1882C8"/>
-          </a:solidFill>
-          <a:effectLst/>
-        </p:spPr>
-        <p:style>
-          <a:lnRef idx="1">
-            <a:schemeClr val="accent1"/>
-          </a:lnRef>
-          <a:fillRef idx="3">
-            <a:schemeClr val="accent1"/>
-          </a:fillRef>
-          <a:effectRef idx="2">
-            <a:schemeClr val="accent1"/>
-          </a:effectRef>
-          <a:fontRef idx="minor">
-            <a:schemeClr val="lt1"/>
-          </a:fontRef>
-        </p:style>
-        <p:txBody>
-          <a:bodyPr rtlCol="0" anchor="ctr"/>
-          <a:lstStyle/>
-          <a:p>
-            <a:pPr algn="ctr"/>
-            <a:r>
-              <a:rPr lang="en-US" dirty="0" smtClean="0">
-                <a:solidFill>
-                  <a:schemeClr val="bg1"/>
-                </a:solidFill>
-                <a:latin typeface="Lato Black"/>
-                <a:cs typeface="Lato Black"/>
-              </a:rPr>
-              <a:t>File A</a:t>
-            </a:r>
-            <a:endParaRPr lang="en-US" dirty="0">
-              <a:solidFill>
-                <a:schemeClr val="bg1"/>
-              </a:solidFill>
-              <a:latin typeface="Lato Black"/>
-              <a:cs typeface="Lato Black"/>
-            </a:endParaRPr>
-          </a:p>
-        </p:txBody>
-      </p:sp>
-      <p:sp>
-        <p:nvSpPr>
-          <p:cNvPr id="6" name="Rectangle 5"/>
-          <p:cNvSpPr/>
-          <p:nvPr/>
-        </p:nvSpPr>
-        <p:spPr>
-          <a:xfrm>
-            <a:off x="2901381" y="625350"/>
-            <a:ext cx="681656" cy="896501"/>
-          </a:xfrm>
-          <a:prstGeom prst="rect">
-            <a:avLst/>
-          </a:prstGeom>
-          <a:solidFill>
-            <a:srgbClr val="1882C8"/>
-          </a:solidFill>
-          <a:effectLst/>
-        </p:spPr>
-        <p:style>
-          <a:lnRef idx="1">
-            <a:schemeClr val="accent1"/>
-          </a:lnRef>
-          <a:fillRef idx="3">
-            <a:schemeClr val="accent1"/>
-          </a:fillRef>
-          <a:effectRef idx="2">
-            <a:schemeClr val="accent1"/>
-          </a:effectRef>
-          <a:fontRef idx="minor">
-            <a:schemeClr val="lt1"/>
-          </a:fontRef>
-        </p:style>
-        <p:txBody>
-          <a:bodyPr rtlCol="0" anchor="ctr"/>
-          <a:lstStyle/>
-          <a:p>
-            <a:pPr algn="ctr"/>
-            <a:r>
-              <a:rPr lang="en-US" dirty="0" smtClean="0">
-                <a:solidFill>
-                  <a:schemeClr val="bg1"/>
-                </a:solidFill>
-                <a:latin typeface="Lato Black"/>
-                <a:cs typeface="Lato Black"/>
-              </a:rPr>
-              <a:t>File B</a:t>
-            </a:r>
-            <a:endParaRPr lang="en-US" dirty="0">
-              <a:solidFill>
-                <a:schemeClr val="bg1"/>
-              </a:solidFill>
-              <a:latin typeface="Lato Black"/>
-              <a:cs typeface="Lato Black"/>
-            </a:endParaRPr>
-          </a:p>
-        </p:txBody>
-      </p:sp>
-      <p:sp>
-        <p:nvSpPr>
-          <p:cNvPr id="7" name="Rectangle 6"/>
-          <p:cNvSpPr/>
-          <p:nvPr/>
-        </p:nvSpPr>
-        <p:spPr>
-          <a:xfrm>
-            <a:off x="2067325" y="1851562"/>
-            <a:ext cx="681656" cy="896501"/>
-          </a:xfrm>
-          <a:prstGeom prst="rect">
-            <a:avLst/>
-          </a:prstGeom>
-          <a:solidFill>
-            <a:srgbClr val="FAAC15"/>
-          </a:solidFill>
-          <a:ln>
-            <a:solidFill>
-              <a:srgbClr val="FAAC15"/>
-            </a:solidFill>
-          </a:ln>
-          <a:effectLst/>
-        </p:spPr>
-        <p:style>
-          <a:lnRef idx="1">
-            <a:schemeClr val="accent1"/>
-          </a:lnRef>
-          <a:fillRef idx="3">
-            <a:schemeClr val="accent1"/>
-          </a:fillRef>
-          <a:effectRef idx="2">
-            <a:schemeClr val="accent1"/>
-          </a:effectRef>
-          <a:fontRef idx="minor">
-            <a:schemeClr val="lt1"/>
-          </a:fontRef>
-        </p:style>
-        <p:txBody>
-          <a:bodyPr rtlCol="0" anchor="ctr"/>
-          <a:lstStyle/>
-          <a:p>
-            <a:pPr algn="ctr"/>
-            <a:r>
-              <a:rPr lang="en-US" dirty="0" smtClean="0">
-                <a:solidFill>
-                  <a:schemeClr val="bg1"/>
-                </a:solidFill>
-                <a:latin typeface="Lato Black"/>
-                <a:cs typeface="Lato Black"/>
-              </a:rPr>
-              <a:t>File C</a:t>
-            </a:r>
-            <a:endParaRPr lang="en-US" dirty="0">
-              <a:solidFill>
-                <a:schemeClr val="bg1"/>
-              </a:solidFill>
-              <a:latin typeface="Lato Black"/>
-              <a:cs typeface="Lato Black"/>
-            </a:endParaRPr>
-          </a:p>
-        </p:txBody>
-      </p:sp>
-      <p:sp>
-        <p:nvSpPr>
-          <p:cNvPr id="8" name="Rectangle 7"/>
-          <p:cNvSpPr/>
-          <p:nvPr/>
-        </p:nvSpPr>
-        <p:spPr>
-          <a:xfrm>
-            <a:off x="2067325" y="2748063"/>
-            <a:ext cx="681656" cy="443260"/>
-          </a:xfrm>
-          <a:prstGeom prst="rect">
-            <a:avLst/>
-          </a:prstGeom>
-          <a:solidFill>
-            <a:srgbClr val="FFD37F"/>
-          </a:solidFill>
-          <a:ln>
-            <a:solidFill>
-              <a:srgbClr val="FFD37F"/>
-            </a:solidFill>
-          </a:ln>
-          <a:effectLst/>
-        </p:spPr>
-        <p:style>
-          <a:lnRef idx="1">
-            <a:schemeClr val="accent1"/>
-          </a:lnRef>
-          <a:fillRef idx="3">
-            <a:schemeClr val="accent1"/>
-          </a:fillRef>
-          <a:effectRef idx="2">
-            <a:schemeClr val="accent1"/>
-          </a:effectRef>
-          <a:fontRef idx="minor">
-            <a:schemeClr val="lt1"/>
-          </a:fontRef>
-        </p:style>
-        <p:txBody>
-          <a:bodyPr rtlCol="0" anchor="ctr"/>
-          <a:lstStyle/>
-          <a:p>
-            <a:pPr algn="ctr"/>
-            <a:endParaRPr lang="en-US"/>
-          </a:p>
-        </p:txBody>
-      </p:sp>
-      <p:pic>
-        <p:nvPicPr>
-          <p:cNvPr id="10" name="Picture 9"/>
-          <p:cNvPicPr>
-            <a:picLocks noChangeAspect="1"/>
-          </p:cNvPicPr>
-          <p:nvPr/>
-        </p:nvPicPr>
-        <p:blipFill>
-          <a:blip r:embed="rId3"/>
-          <a:stretch>
-            <a:fillRect/>
-          </a:stretch>
-        </p:blipFill>
-        <p:spPr>
-          <a:xfrm>
-            <a:off x="2590467" y="4848276"/>
-            <a:ext cx="621828" cy="903819"/>
-          </a:xfrm>
-          <a:prstGeom prst="rect">
-            <a:avLst/>
-          </a:prstGeom>
-        </p:spPr>
-      </p:pic>
-      <p:pic>
-        <p:nvPicPr>
-          <p:cNvPr id="11" name="Picture 10"/>
-          <p:cNvPicPr>
-            <a:picLocks noChangeAspect="1"/>
-          </p:cNvPicPr>
-          <p:nvPr/>
-        </p:nvPicPr>
-        <p:blipFill>
-          <a:blip r:embed="rId4"/>
-          <a:stretch>
-            <a:fillRect/>
-          </a:stretch>
-        </p:blipFill>
-        <p:spPr>
-          <a:xfrm>
-            <a:off x="2599858" y="5904349"/>
-            <a:ext cx="612437" cy="819458"/>
-          </a:xfrm>
-          <a:prstGeom prst="rect">
-            <a:avLst/>
-          </a:prstGeom>
-        </p:spPr>
-      </p:pic>
-      <p:sp>
-        <p:nvSpPr>
-          <p:cNvPr id="15" name="Rectangle 14"/>
-          <p:cNvSpPr/>
-          <p:nvPr/>
-        </p:nvSpPr>
-        <p:spPr>
-          <a:xfrm>
-            <a:off x="2067325" y="2748063"/>
-            <a:ext cx="681656" cy="443260"/>
-          </a:xfrm>
-          <a:prstGeom prst="rect">
-            <a:avLst/>
-          </a:prstGeom>
-          <a:solidFill>
-            <a:srgbClr val="FFD37F"/>
-          </a:solidFill>
-          <a:ln>
-            <a:solidFill>
-              <a:srgbClr val="FFD37F"/>
-            </a:solidFill>
-          </a:ln>
-          <a:effectLst/>
-        </p:spPr>
-        <p:style>
-          <a:lnRef idx="1">
-            <a:schemeClr val="accent1"/>
-          </a:lnRef>
-          <a:fillRef idx="3">
-            <a:schemeClr val="accent1"/>
-          </a:fillRef>
-          <a:effectRef idx="2">
-            <a:schemeClr val="accent1"/>
-          </a:effectRef>
-          <a:fontRef idx="minor">
-            <a:schemeClr val="lt1"/>
-          </a:fontRef>
-        </p:style>
-        <p:txBody>
-          <a:bodyPr rtlCol="0" anchor="ctr"/>
-          <a:lstStyle/>
-          <a:p>
-            <a:pPr algn="ctr"/>
-            <a:endParaRPr lang="en-US"/>
-          </a:p>
-        </p:txBody>
-      </p:sp>
-      <p:cxnSp>
-        <p:nvCxnSpPr>
-          <p:cNvPr id="20" name="Straight Arrow Connector 19"/>
-          <p:cNvCxnSpPr/>
-          <p:nvPr/>
-        </p:nvCxnSpPr>
-        <p:spPr>
-          <a:xfrm flipV="1">
-            <a:off x="2896631" y="3471090"/>
-            <a:ext cx="0" cy="1127647"/>
-          </a:xfrm>
-          <a:prstGeom prst="straightConnector1">
-            <a:avLst/>
-          </a:prstGeom>
-          <a:ln w="76200" cap="sq" cmpd="sng">
-            <a:solidFill>
-              <a:schemeClr val="tx1"/>
-            </a:solidFill>
-            <a:round/>
-            <a:headEnd type="none"/>
-            <a:tailEnd type="triangle" w="med" len="med"/>
-          </a:ln>
-          <a:effectLst/>
-        </p:spPr>
-        <p:style>
-          <a:lnRef idx="2">
-            <a:schemeClr val="accent1"/>
-          </a:lnRef>
-          <a:fillRef idx="0">
-            <a:schemeClr val="accent1"/>
-          </a:fillRef>
-          <a:effectRef idx="1">
-            <a:schemeClr val="accent1"/>
-          </a:effectRef>
-          <a:fontRef idx="minor">
-            <a:schemeClr val="tx1"/>
-          </a:fontRef>
-        </p:style>
-      </p:cxnSp>
-      <p:sp>
-        <p:nvSpPr>
-          <p:cNvPr id="21" name="Rectangle 20"/>
-          <p:cNvSpPr/>
-          <p:nvPr/>
-        </p:nvSpPr>
-        <p:spPr>
-          <a:xfrm>
-            <a:off x="6916386" y="1709314"/>
-            <a:ext cx="681656" cy="375073"/>
-          </a:xfrm>
-          <a:prstGeom prst="rect">
-            <a:avLst/>
-          </a:prstGeom>
-          <a:solidFill>
-            <a:srgbClr val="A2CBEE"/>
-          </a:solidFill>
-          <a:ln>
-            <a:solidFill>
-              <a:srgbClr val="A2CBEE"/>
-            </a:solidFill>
-          </a:ln>
-          <a:effectLst/>
-        </p:spPr>
-        <p:style>
-          <a:lnRef idx="1">
-            <a:schemeClr val="accent1"/>
-          </a:lnRef>
-          <a:fillRef idx="3">
-            <a:schemeClr val="accent1"/>
-          </a:fillRef>
-          <a:effectRef idx="2">
-            <a:schemeClr val="accent1"/>
-          </a:effectRef>
-          <a:fontRef idx="minor">
-            <a:schemeClr val="lt1"/>
-          </a:fontRef>
-        </p:style>
-        <p:txBody>
-          <a:bodyPr rtlCol="0" anchor="ctr"/>
-          <a:lstStyle/>
-          <a:p>
-            <a:pPr algn="ctr"/>
-            <a:endParaRPr lang="en-US"/>
-          </a:p>
-        </p:txBody>
-      </p:sp>
-      <p:sp>
-        <p:nvSpPr>
-          <p:cNvPr id="22" name="Rectangle 21"/>
-          <p:cNvSpPr/>
-          <p:nvPr/>
-        </p:nvSpPr>
-        <p:spPr>
-          <a:xfrm>
-            <a:off x="6080253" y="3191323"/>
-            <a:ext cx="681656" cy="375073"/>
-          </a:xfrm>
-          <a:prstGeom prst="rect">
-            <a:avLst/>
-          </a:prstGeom>
-          <a:solidFill>
-            <a:srgbClr val="A2CBEE"/>
-          </a:solidFill>
-          <a:ln>
-            <a:solidFill>
-              <a:srgbClr val="A2CBEE"/>
-            </a:solidFill>
-          </a:ln>
-          <a:effectLst/>
-        </p:spPr>
-        <p:style>
-          <a:lnRef idx="1">
-            <a:schemeClr val="accent1"/>
-          </a:lnRef>
-          <a:fillRef idx="3">
-            <a:schemeClr val="accent1"/>
-          </a:fillRef>
-          <a:effectRef idx="2">
-            <a:schemeClr val="accent1"/>
-          </a:effectRef>
-          <a:fontRef idx="minor">
-            <a:schemeClr val="lt1"/>
-          </a:fontRef>
-        </p:style>
-        <p:txBody>
-          <a:bodyPr rtlCol="0" anchor="ctr"/>
-          <a:lstStyle/>
-          <a:p>
-            <a:pPr algn="ctr"/>
-            <a:endParaRPr lang="en-US"/>
-          </a:p>
-        </p:txBody>
-      </p:sp>
-      <p:cxnSp>
-        <p:nvCxnSpPr>
-          <p:cNvPr id="24" name="Straight Arrow Connector 23"/>
-          <p:cNvCxnSpPr/>
-          <p:nvPr/>
-        </p:nvCxnSpPr>
-        <p:spPr>
-          <a:xfrm flipV="1">
-            <a:off x="6897812" y="3471090"/>
-            <a:ext cx="0" cy="1127647"/>
-          </a:xfrm>
-          <a:prstGeom prst="straightConnector1">
-            <a:avLst/>
-          </a:prstGeom>
-          <a:ln w="76200" cap="sq" cmpd="sng">
-            <a:solidFill>
-              <a:schemeClr val="tx1"/>
-            </a:solidFill>
-            <a:round/>
-            <a:headEnd type="none"/>
-            <a:tailEnd type="triangle" w="med" len="med"/>
-          </a:ln>
-          <a:effectLst/>
-        </p:spPr>
-        <p:style>
-          <a:lnRef idx="2">
-            <a:schemeClr val="accent1"/>
-          </a:lnRef>
-          <a:fillRef idx="0">
-            <a:schemeClr val="accent1"/>
-          </a:fillRef>
-          <a:effectRef idx="1">
-            <a:schemeClr val="accent1"/>
-          </a:effectRef>
-          <a:fontRef idx="minor">
-            <a:schemeClr val="tx1"/>
-          </a:fontRef>
-        </p:style>
-      </p:cxnSp>
-      <p:sp>
-        <p:nvSpPr>
-          <p:cNvPr id="30" name="TextBox 29"/>
-          <p:cNvSpPr txBox="1"/>
-          <p:nvPr/>
-        </p:nvSpPr>
-        <p:spPr>
-          <a:xfrm>
-            <a:off x="2397865" y="128997"/>
-            <a:ext cx="891463" cy="369332"/>
-          </a:xfrm>
-          <a:prstGeom prst="rect">
-            <a:avLst/>
-          </a:prstGeom>
-          <a:noFill/>
-        </p:spPr>
-        <p:txBody>
-          <a:bodyPr wrap="none" rtlCol="0">
-            <a:spAutoFit/>
-          </a:bodyPr>
-          <a:lstStyle/>
-          <a:p>
-            <a:r>
-              <a:rPr lang="en-US" dirty="0" smtClean="0">
-                <a:latin typeface="Lato"/>
-              </a:rPr>
-              <a:t>master</a:t>
-            </a:r>
-          </a:p>
-        </p:txBody>
-      </p:sp>
-      <p:sp>
-        <p:nvSpPr>
-          <p:cNvPr id="31" name="TextBox 30"/>
-          <p:cNvSpPr txBox="1"/>
-          <p:nvPr/>
-        </p:nvSpPr>
-        <p:spPr>
-          <a:xfrm>
-            <a:off x="5705585" y="151047"/>
-            <a:ext cx="2337605" cy="369332"/>
-          </a:xfrm>
-          <a:prstGeom prst="rect">
-            <a:avLst/>
-          </a:prstGeom>
-          <a:noFill/>
-        </p:spPr>
-        <p:txBody>
-          <a:bodyPr wrap="none" rtlCol="0">
-            <a:spAutoFit/>
-          </a:bodyPr>
-          <a:lstStyle/>
-          <a:p>
-            <a:r>
-              <a:rPr lang="en-US" dirty="0" smtClean="0">
-                <a:latin typeface="Lato"/>
-              </a:rPr>
-              <a:t>bars-rule-maps-drool</a:t>
-            </a:r>
-          </a:p>
-        </p:txBody>
-      </p:sp>
-      <p:sp>
-        <p:nvSpPr>
-          <p:cNvPr id="32" name="Rectangle 31"/>
-          <p:cNvSpPr/>
-          <p:nvPr/>
-        </p:nvSpPr>
-        <p:spPr>
-          <a:xfrm>
-            <a:off x="2905744" y="2182448"/>
-            <a:ext cx="681656" cy="896501"/>
-          </a:xfrm>
-          <a:prstGeom prst="rect">
-            <a:avLst/>
-          </a:prstGeom>
-          <a:solidFill>
-            <a:srgbClr val="FAAC15"/>
-          </a:solidFill>
-          <a:ln>
-            <a:solidFill>
-              <a:srgbClr val="FAAC15"/>
-            </a:solidFill>
-          </a:ln>
-          <a:effectLst/>
-        </p:spPr>
-        <p:style>
-          <a:lnRef idx="1">
-            <a:schemeClr val="accent1"/>
-          </a:lnRef>
-          <a:fillRef idx="3">
-            <a:schemeClr val="accent1"/>
-          </a:fillRef>
-          <a:effectRef idx="2">
-            <a:schemeClr val="accent1"/>
-          </a:effectRef>
-          <a:fontRef idx="minor">
-            <a:schemeClr val="lt1"/>
-          </a:fontRef>
-        </p:style>
-        <p:txBody>
-          <a:bodyPr rtlCol="0" anchor="ctr"/>
-          <a:lstStyle/>
-          <a:p>
-            <a:pPr algn="ctr"/>
-            <a:r>
-              <a:rPr lang="en-US" dirty="0" smtClean="0">
-                <a:solidFill>
-                  <a:schemeClr val="bg1"/>
-                </a:solidFill>
-                <a:latin typeface="Lato Black"/>
-                <a:cs typeface="Lato Black"/>
-              </a:rPr>
-              <a:t>File D</a:t>
-            </a:r>
-            <a:endParaRPr lang="en-US" dirty="0">
-              <a:solidFill>
-                <a:schemeClr val="bg1"/>
-              </a:solidFill>
-              <a:latin typeface="Lato Black"/>
-              <a:cs typeface="Lato Black"/>
-            </a:endParaRPr>
-          </a:p>
-        </p:txBody>
-      </p:sp>
-      <p:sp>
-        <p:nvSpPr>
-          <p:cNvPr id="46" name="Rectangle 45"/>
-          <p:cNvSpPr/>
-          <p:nvPr/>
-        </p:nvSpPr>
-        <p:spPr>
-          <a:xfrm>
-            <a:off x="6077967" y="2748063"/>
-            <a:ext cx="681656" cy="443260"/>
-          </a:xfrm>
-          <a:prstGeom prst="rect">
-            <a:avLst/>
-          </a:prstGeom>
-          <a:solidFill>
-            <a:srgbClr val="FFD37F"/>
-          </a:solidFill>
-          <a:ln>
-            <a:solidFill>
-              <a:srgbClr val="FFD37F"/>
-            </a:solidFill>
-          </a:ln>
-          <a:effectLst/>
-        </p:spPr>
-        <p:style>
-          <a:lnRef idx="1">
-            <a:schemeClr val="accent1"/>
-          </a:lnRef>
-          <a:fillRef idx="3">
-            <a:schemeClr val="accent1"/>
-          </a:fillRef>
-          <a:effectRef idx="2">
-            <a:schemeClr val="accent1"/>
-          </a:effectRef>
-          <a:fontRef idx="minor">
-            <a:schemeClr val="lt1"/>
-          </a:fontRef>
-        </p:style>
-        <p:txBody>
-          <a:bodyPr rtlCol="0" anchor="ctr"/>
-          <a:lstStyle/>
-          <a:p>
-            <a:pPr algn="ctr"/>
-            <a:endParaRPr lang="en-US"/>
-          </a:p>
-        </p:txBody>
-      </p:sp>
-      <p:sp>
-        <p:nvSpPr>
-          <p:cNvPr id="47" name="Rectangle 46"/>
-          <p:cNvSpPr/>
-          <p:nvPr/>
-        </p:nvSpPr>
-        <p:spPr>
-          <a:xfrm>
-            <a:off x="6082330" y="625350"/>
-            <a:ext cx="681656" cy="896501"/>
-          </a:xfrm>
-          <a:prstGeom prst="rect">
-            <a:avLst/>
-          </a:prstGeom>
-          <a:solidFill>
-            <a:srgbClr val="1882C8"/>
-          </a:solidFill>
-          <a:effectLst/>
-        </p:spPr>
-        <p:style>
-          <a:lnRef idx="1">
-            <a:schemeClr val="accent1"/>
-          </a:lnRef>
-          <a:fillRef idx="3">
-            <a:schemeClr val="accent1"/>
-          </a:fillRef>
-          <a:effectRef idx="2">
-            <a:schemeClr val="accent1"/>
-          </a:effectRef>
-          <a:fontRef idx="minor">
-            <a:schemeClr val="lt1"/>
-          </a:fontRef>
-        </p:style>
-        <p:txBody>
-          <a:bodyPr rtlCol="0" anchor="ctr"/>
-          <a:lstStyle/>
-          <a:p>
-            <a:pPr algn="ctr"/>
-            <a:r>
-              <a:rPr lang="en-US" dirty="0" smtClean="0">
-                <a:solidFill>
-                  <a:schemeClr val="bg1"/>
-                </a:solidFill>
-                <a:latin typeface="Lato Black"/>
-                <a:cs typeface="Lato Black"/>
-              </a:rPr>
-              <a:t>File A</a:t>
-            </a:r>
-            <a:endParaRPr lang="en-US" dirty="0">
-              <a:solidFill>
-                <a:schemeClr val="bg1"/>
-              </a:solidFill>
-              <a:latin typeface="Lato Black"/>
-              <a:cs typeface="Lato Black"/>
-            </a:endParaRPr>
-          </a:p>
-        </p:txBody>
-      </p:sp>
-      <p:sp>
-        <p:nvSpPr>
-          <p:cNvPr id="48" name="Rectangle 47"/>
-          <p:cNvSpPr/>
-          <p:nvPr/>
-        </p:nvSpPr>
-        <p:spPr>
-          <a:xfrm>
-            <a:off x="6916386" y="625350"/>
-            <a:ext cx="681656" cy="896501"/>
-          </a:xfrm>
-          <a:prstGeom prst="rect">
-            <a:avLst/>
-          </a:prstGeom>
-          <a:solidFill>
-            <a:srgbClr val="1882C8"/>
-          </a:solidFill>
-          <a:effectLst/>
-        </p:spPr>
-        <p:style>
-          <a:lnRef idx="1">
-            <a:schemeClr val="accent1"/>
-          </a:lnRef>
-          <a:fillRef idx="3">
-            <a:schemeClr val="accent1"/>
-          </a:fillRef>
-          <a:effectRef idx="2">
-            <a:schemeClr val="accent1"/>
-          </a:effectRef>
-          <a:fontRef idx="minor">
-            <a:schemeClr val="lt1"/>
-          </a:fontRef>
-        </p:style>
-        <p:txBody>
-          <a:bodyPr rtlCol="0" anchor="ctr"/>
-          <a:lstStyle/>
-          <a:p>
-            <a:pPr algn="ctr"/>
-            <a:r>
-              <a:rPr lang="en-US" dirty="0" smtClean="0">
-                <a:solidFill>
-                  <a:schemeClr val="bg1"/>
-                </a:solidFill>
-                <a:latin typeface="Lato Black"/>
-                <a:cs typeface="Lato Black"/>
-              </a:rPr>
-              <a:t>File B</a:t>
-            </a:r>
-            <a:endParaRPr lang="en-US" dirty="0">
-              <a:solidFill>
-                <a:schemeClr val="bg1"/>
-              </a:solidFill>
-              <a:latin typeface="Lato Black"/>
-              <a:cs typeface="Lato Black"/>
-            </a:endParaRPr>
-          </a:p>
-        </p:txBody>
-      </p:sp>
-      <p:sp>
-        <p:nvSpPr>
-          <p:cNvPr id="49" name="Rectangle 48"/>
-          <p:cNvSpPr/>
-          <p:nvPr/>
-        </p:nvSpPr>
-        <p:spPr>
-          <a:xfrm>
-            <a:off x="6082330" y="1851562"/>
-            <a:ext cx="681656" cy="896501"/>
-          </a:xfrm>
-          <a:prstGeom prst="rect">
-            <a:avLst/>
-          </a:prstGeom>
-          <a:solidFill>
-            <a:srgbClr val="FAAC15"/>
-          </a:solidFill>
-          <a:ln>
-            <a:solidFill>
-              <a:srgbClr val="FAAC15"/>
-            </a:solidFill>
-          </a:ln>
-          <a:effectLst/>
-        </p:spPr>
-        <p:style>
-          <a:lnRef idx="1">
-            <a:schemeClr val="accent1"/>
-          </a:lnRef>
-          <a:fillRef idx="3">
-            <a:schemeClr val="accent1"/>
-          </a:fillRef>
-          <a:effectRef idx="2">
-            <a:schemeClr val="accent1"/>
-          </a:effectRef>
-          <a:fontRef idx="minor">
-            <a:schemeClr val="lt1"/>
-          </a:fontRef>
-        </p:style>
-        <p:txBody>
-          <a:bodyPr rtlCol="0" anchor="ctr"/>
-          <a:lstStyle/>
-          <a:p>
-            <a:pPr algn="ctr"/>
-            <a:r>
-              <a:rPr lang="en-US" dirty="0" smtClean="0">
-                <a:solidFill>
-                  <a:schemeClr val="bg1"/>
-                </a:solidFill>
-                <a:latin typeface="Lato Black"/>
-                <a:cs typeface="Lato Black"/>
-              </a:rPr>
-              <a:t>File C</a:t>
-            </a:r>
-            <a:endParaRPr lang="en-US" dirty="0">
-              <a:solidFill>
-                <a:schemeClr val="bg1"/>
-              </a:solidFill>
-              <a:latin typeface="Lato Black"/>
-              <a:cs typeface="Lato Black"/>
-            </a:endParaRPr>
-          </a:p>
-        </p:txBody>
-      </p:sp>
-      <p:sp>
-        <p:nvSpPr>
-          <p:cNvPr id="50" name="Rectangle 49"/>
-          <p:cNvSpPr/>
-          <p:nvPr/>
-        </p:nvSpPr>
-        <p:spPr>
-          <a:xfrm>
-            <a:off x="6916386" y="1521851"/>
-            <a:ext cx="681656" cy="187463"/>
-          </a:xfrm>
-          <a:prstGeom prst="rect">
-            <a:avLst/>
-          </a:prstGeom>
-          <a:solidFill>
-            <a:srgbClr val="A2CBEE"/>
-          </a:solidFill>
-          <a:ln>
-            <a:solidFill>
-              <a:srgbClr val="A2CBEE"/>
-            </a:solidFill>
-          </a:ln>
-          <a:effectLst/>
-        </p:spPr>
-        <p:style>
-          <a:lnRef idx="1">
-            <a:schemeClr val="accent1"/>
-          </a:lnRef>
-          <a:fillRef idx="3">
-            <a:schemeClr val="accent1"/>
-          </a:fillRef>
-          <a:effectRef idx="2">
-            <a:schemeClr val="accent1"/>
-          </a:effectRef>
-          <a:fontRef idx="minor">
-            <a:schemeClr val="lt1"/>
-          </a:fontRef>
-        </p:style>
-        <p:txBody>
-          <a:bodyPr rtlCol="0" anchor="ctr"/>
-          <a:lstStyle/>
-          <a:p>
-            <a:pPr algn="ctr"/>
-            <a:endParaRPr lang="en-US"/>
-          </a:p>
-        </p:txBody>
-      </p:sp>
-      <p:sp>
-        <p:nvSpPr>
-          <p:cNvPr id="57" name="Rectangle 56"/>
-          <p:cNvSpPr/>
-          <p:nvPr/>
-        </p:nvSpPr>
-        <p:spPr>
-          <a:xfrm>
-            <a:off x="6916386" y="1709314"/>
-            <a:ext cx="681656" cy="375073"/>
-          </a:xfrm>
-          <a:prstGeom prst="rect">
-            <a:avLst/>
-          </a:prstGeom>
-          <a:solidFill>
-            <a:srgbClr val="A2CBEE"/>
-          </a:solidFill>
-          <a:ln>
-            <a:solidFill>
-              <a:srgbClr val="A2CBEE"/>
-            </a:solidFill>
-          </a:ln>
-          <a:effectLst/>
-        </p:spPr>
-        <p:style>
-          <a:lnRef idx="1">
-            <a:schemeClr val="accent1"/>
-          </a:lnRef>
-          <a:fillRef idx="3">
-            <a:schemeClr val="accent1"/>
-          </a:fillRef>
-          <a:effectRef idx="2">
-            <a:schemeClr val="accent1"/>
-          </a:effectRef>
-          <a:fontRef idx="minor">
-            <a:schemeClr val="lt1"/>
-          </a:fontRef>
-        </p:style>
-        <p:txBody>
-          <a:bodyPr rtlCol="0" anchor="ctr"/>
-          <a:lstStyle/>
-          <a:p>
-            <a:pPr algn="ctr"/>
-            <a:endParaRPr lang="en-US"/>
-          </a:p>
-        </p:txBody>
-      </p:sp>
-      <p:sp>
-        <p:nvSpPr>
-          <p:cNvPr id="58" name="Rectangle 57"/>
-          <p:cNvSpPr/>
-          <p:nvPr/>
-        </p:nvSpPr>
-        <p:spPr>
-          <a:xfrm>
-            <a:off x="6077967" y="3188348"/>
-            <a:ext cx="681656" cy="375073"/>
-          </a:xfrm>
-          <a:prstGeom prst="rect">
-            <a:avLst/>
-          </a:prstGeom>
-          <a:solidFill>
-            <a:srgbClr val="A2CBEE"/>
-          </a:solidFill>
-          <a:ln>
-            <a:solidFill>
-              <a:srgbClr val="A2CBEE"/>
-            </a:solidFill>
-          </a:ln>
-          <a:effectLst/>
-        </p:spPr>
-        <p:style>
-          <a:lnRef idx="1">
-            <a:schemeClr val="accent1"/>
-          </a:lnRef>
-          <a:fillRef idx="3">
-            <a:schemeClr val="accent1"/>
-          </a:fillRef>
-          <a:effectRef idx="2">
-            <a:schemeClr val="accent1"/>
-          </a:effectRef>
-          <a:fontRef idx="minor">
-            <a:schemeClr val="lt1"/>
-          </a:fontRef>
-        </p:style>
-        <p:txBody>
-          <a:bodyPr rtlCol="0" anchor="ctr"/>
-          <a:lstStyle/>
-          <a:p>
-            <a:pPr algn="ctr"/>
-            <a:endParaRPr lang="en-US"/>
-          </a:p>
-        </p:txBody>
-      </p:sp>
-      <p:sp>
-        <p:nvSpPr>
-          <p:cNvPr id="19" name="Rectangle 18"/>
-          <p:cNvSpPr/>
-          <p:nvPr/>
-        </p:nvSpPr>
-        <p:spPr>
-          <a:xfrm>
-            <a:off x="2902709" y="1709314"/>
-            <a:ext cx="681656" cy="224046"/>
-          </a:xfrm>
-          <a:prstGeom prst="rect">
-            <a:avLst/>
-          </a:prstGeom>
-          <a:solidFill>
-            <a:srgbClr val="FFD37F"/>
-          </a:solidFill>
-          <a:ln>
-            <a:solidFill>
-              <a:srgbClr val="FFD37F"/>
-            </a:solidFill>
-          </a:ln>
-          <a:effectLst/>
-        </p:spPr>
-        <p:style>
-          <a:lnRef idx="1">
-            <a:schemeClr val="accent1"/>
-          </a:lnRef>
-          <a:fillRef idx="3">
-            <a:schemeClr val="accent1"/>
-          </a:fillRef>
-          <a:effectRef idx="2">
-            <a:schemeClr val="accent1"/>
-          </a:effectRef>
-          <a:fontRef idx="minor">
-            <a:schemeClr val="lt1"/>
-          </a:fontRef>
-        </p:style>
-        <p:txBody>
-          <a:bodyPr rtlCol="0" anchor="ctr"/>
-          <a:lstStyle/>
-          <a:p>
-            <a:pPr algn="ctr"/>
-            <a:endParaRPr lang="en-US"/>
-          </a:p>
-        </p:txBody>
-      </p:sp>
-      <p:sp>
-        <p:nvSpPr>
-          <p:cNvPr id="9" name="Rectangle 8"/>
-          <p:cNvSpPr/>
-          <p:nvPr/>
-        </p:nvSpPr>
-        <p:spPr>
-          <a:xfrm>
-            <a:off x="2901381" y="1521851"/>
-            <a:ext cx="681656" cy="187463"/>
-          </a:xfrm>
-          <a:prstGeom prst="rect">
-            <a:avLst/>
-          </a:prstGeom>
-          <a:solidFill>
-            <a:srgbClr val="A2CBEE"/>
-          </a:solidFill>
-          <a:ln>
-            <a:solidFill>
-              <a:srgbClr val="A2CBEE"/>
-            </a:solidFill>
-          </a:ln>
-          <a:effectLst/>
-        </p:spPr>
-        <p:style>
-          <a:lnRef idx="1">
-            <a:schemeClr val="accent1"/>
-          </a:lnRef>
-          <a:fillRef idx="3">
-            <a:schemeClr val="accent1"/>
-          </a:fillRef>
-          <a:effectRef idx="2">
-            <a:schemeClr val="accent1"/>
-          </a:effectRef>
-          <a:fontRef idx="minor">
-            <a:schemeClr val="lt1"/>
-          </a:fontRef>
-        </p:style>
-        <p:txBody>
-          <a:bodyPr rtlCol="0" anchor="ctr"/>
-          <a:lstStyle/>
-          <a:p>
-            <a:pPr algn="ctr"/>
-            <a:endParaRPr lang="en-US"/>
-          </a:p>
-        </p:txBody>
-      </p:sp>
-    </p:spTree>
-    <p:extLst>
-      <p:ext uri="{BB962C8B-B14F-4D97-AF65-F5344CB8AC3E}">
-        <p14:creationId xmlns:p14="http://schemas.microsoft.com/office/powerpoint/2010/main" val="911713122"/>
-      </p:ext>
-    </p:extLst>
-  </p:cSld>
-  <p:clrMapOvr>
-    <a:masterClrMapping/>
-  </p:clrMapOvr>
-  <p:timing>
-    <p:tnLst>
-      <p:par>
-        <p:cTn xmlns:p14="http://schemas.microsoft.com/office/powerpoint/2010/main" id="1" dur="indefinite" restart="never" nodeType="tmRoot">
-          <p:childTnLst>
-            <p:seq concurrent="1" nextAc="seek">
-              <p:cTn id="2" dur="indefinite" nodeType="mainSeq">
-                <p:childTnLst>
-                  <p:par>
-                    <p:cTn id="3" fill="hold">
-                      <p:stCondLst>
-                        <p:cond delay="indefinite"/>
-                      </p:stCondLst>
-                      <p:childTnLst>
-                        <p:par>
-                          <p:cTn id="4" fill="hold">
-                            <p:stCondLst>
-                              <p:cond delay="0"/>
-                            </p:stCondLst>
-                            <p:childTnLst>
-                              <p:par>
-                                <p:cTn id="5" presetID="0" presetClass="path" presetSubtype="0" accel="50000" decel="50000" fill="hold" grpId="0" nodeType="clickEffect">
-                                  <p:stCondLst>
-                                    <p:cond delay="0"/>
-                                  </p:stCondLst>
-                                  <p:childTnLst>
-                                    <p:animMotion origin="layout" path="M 0 0 L 0.43924 0 " pathEditMode="relative" ptsTypes="AA">
-                                      <p:cBhvr>
-                                        <p:cTn id="6" dur="2000" fill="hold"/>
-                                        <p:tgtEl>
-                                          <p:spTgt spid="13"/>
-                                        </p:tgtEl>
-                                        <p:attrNameLst>
-                                          <p:attrName>ppt_x</p:attrName>
-                                          <p:attrName>ppt_y</p:attrName>
-                                        </p:attrNameLst>
-                                      </p:cBhvr>
-                                    </p:animMotion>
-                                  </p:childTnLst>
-                                </p:cTn>
-                              </p:par>
-                              <p:par>
-                                <p:cTn id="7" presetID="0" presetClass="path" presetSubtype="0" accel="50000" decel="50000" fill="hold" grpId="0" nodeType="withEffect">
-                                  <p:stCondLst>
-                                    <p:cond delay="0"/>
-                                  </p:stCondLst>
-                                  <p:childTnLst>
-                                    <p:animMotion origin="layout" path="M 0 0 L 0.43924 0 " pathEditMode="relative" ptsTypes="AA">
-                                      <p:cBhvr>
-                                        <p:cTn id="8" dur="2000" fill="hold"/>
-                                        <p:tgtEl>
-                                          <p:spTgt spid="12"/>
-                                        </p:tgtEl>
-                                        <p:attrNameLst>
-                                          <p:attrName>ppt_x</p:attrName>
-                                          <p:attrName>ppt_y</p:attrName>
-                                        </p:attrNameLst>
-                                      </p:cBhvr>
-                                    </p:animMotion>
-                                  </p:childTnLst>
-                                </p:cTn>
-                              </p:par>
-                              <p:par>
-                                <p:cTn id="9" presetID="0" presetClass="path" presetSubtype="0" accel="50000" decel="50000" fill="hold" grpId="0" nodeType="withEffect">
-                                  <p:stCondLst>
-                                    <p:cond delay="0"/>
-                                  </p:stCondLst>
-                                  <p:childTnLst>
-                                    <p:animMotion origin="layout" path="M 0 0 L 0.43924 0 " pathEditMode="relative" ptsTypes="AA">
-                                      <p:cBhvr>
-                                        <p:cTn id="10" dur="2000" fill="hold"/>
-                                        <p:tgtEl>
-                                          <p:spTgt spid="16"/>
-                                        </p:tgtEl>
-                                        <p:attrNameLst>
-                                          <p:attrName>ppt_x</p:attrName>
-                                          <p:attrName>ppt_y</p:attrName>
-                                        </p:attrNameLst>
-                                      </p:cBhvr>
-                                    </p:animMotion>
-                                  </p:childTnLst>
-                                </p:cTn>
-                              </p:par>
-                              <p:par>
-                                <p:cTn id="11" presetID="0" presetClass="path" presetSubtype="0" accel="50000" decel="50000" fill="hold" grpId="0" nodeType="withEffect">
-                                  <p:stCondLst>
-                                    <p:cond delay="0"/>
-                                  </p:stCondLst>
-                                  <p:childTnLst>
-                                    <p:animMotion origin="layout" path="M 0 0 L 0.43924 0 " pathEditMode="relative" ptsTypes="AA">
-                                      <p:cBhvr>
-                                        <p:cTn id="12" dur="2000" fill="hold"/>
-                                        <p:tgtEl>
-                                          <p:spTgt spid="14"/>
-                                        </p:tgtEl>
-                                        <p:attrNameLst>
-                                          <p:attrName>ppt_x</p:attrName>
-                                          <p:attrName>ppt_y</p:attrName>
-                                        </p:attrNameLst>
-                                      </p:cBhvr>
-                                    </p:animMotion>
-                                  </p:childTnLst>
-                                </p:cTn>
-                              </p:par>
-                              <p:par>
-                                <p:cTn id="13" presetID="0" presetClass="path" presetSubtype="0" accel="50000" decel="50000" fill="hold" grpId="0" nodeType="withEffect">
-                                  <p:stCondLst>
-                                    <p:cond delay="0"/>
-                                  </p:stCondLst>
-                                  <p:childTnLst>
-                                    <p:animMotion origin="layout" path="M 0 0 L 0.43924 0 " pathEditMode="relative" ptsTypes="AA">
-                                      <p:cBhvr>
-                                        <p:cTn id="14" dur="2000" fill="hold"/>
-                                        <p:tgtEl>
-                                          <p:spTgt spid="15"/>
-                                        </p:tgtEl>
-                                        <p:attrNameLst>
-                                          <p:attrName>ppt_x</p:attrName>
-                                          <p:attrName>ppt_y</p:attrName>
-                                        </p:attrNameLst>
-                                      </p:cBhvr>
-                                    </p:animMotion>
-                                  </p:childTnLst>
-                                </p:cTn>
-                              </p:par>
-                              <p:par>
-                                <p:cTn id="15" presetID="10" presetClass="entr" presetSubtype="0" fill="hold" grpId="0" nodeType="withEffect">
-                                  <p:stCondLst>
-                                    <p:cond delay="0"/>
-                                  </p:stCondLst>
-                                  <p:childTnLst>
-                                    <p:set>
-                                      <p:cBhvr>
-                                        <p:cTn id="16" dur="1" fill="hold">
-                                          <p:stCondLst>
-                                            <p:cond delay="0"/>
-                                          </p:stCondLst>
-                                        </p:cTn>
-                                        <p:tgtEl>
-                                          <p:spTgt spid="25"/>
-                                        </p:tgtEl>
-                                        <p:attrNameLst>
-                                          <p:attrName>style.visibility</p:attrName>
-                                        </p:attrNameLst>
-                                      </p:cBhvr>
-                                      <p:to>
-                                        <p:strVal val="visible"/>
-                                      </p:to>
-                                    </p:set>
-                                    <p:animEffect transition="in" filter="fade">
-                                      <p:cBhvr>
-                                        <p:cTn id="17" dur="500"/>
-                                        <p:tgtEl>
-                                          <p:spTgt spid="25"/>
-                                        </p:tgtEl>
-                                      </p:cBhvr>
-                                    </p:animEffect>
-                                  </p:childTnLst>
-                                </p:cTn>
-                              </p:par>
-                            </p:childTnLst>
-                          </p:cTn>
-                        </p:par>
-                      </p:childTnLst>
-                    </p:cTn>
-                  </p:par>
-                  <p:par>
-                    <p:cTn id="18" fill="hold">
-                      <p:stCondLst>
-                        <p:cond delay="indefinite"/>
-                      </p:stCondLst>
-                      <p:childTnLst>
-                        <p:par>
-                          <p:cTn id="19" fill="hold">
-                            <p:stCondLst>
-                              <p:cond delay="0"/>
-                            </p:stCondLst>
-                            <p:childTnLst>
-                              <p:par>
-                                <p:cTn id="20" presetID="2" presetClass="entr" presetSubtype="1" fill="hold" grpId="0" nodeType="clickEffect">
-                                  <p:stCondLst>
-                                    <p:cond delay="0"/>
-                                  </p:stCondLst>
-                                  <p:childTnLst>
-                                    <p:set>
-                                      <p:cBhvr>
-                                        <p:cTn id="21" dur="1" fill="hold">
-                                          <p:stCondLst>
-                                            <p:cond delay="0"/>
-                                          </p:stCondLst>
-                                        </p:cTn>
-                                        <p:tgtEl>
-                                          <p:spTgt spid="30"/>
-                                        </p:tgtEl>
-                                        <p:attrNameLst>
-                                          <p:attrName>style.visibility</p:attrName>
-                                        </p:attrNameLst>
-                                      </p:cBhvr>
-                                      <p:to>
-                                        <p:strVal val="visible"/>
-                                      </p:to>
-                                    </p:set>
-                                    <p:anim calcmode="lin" valueType="num">
-                                      <p:cBhvr additive="base">
-                                        <p:cTn id="22" dur="500" fill="hold"/>
-                                        <p:tgtEl>
-                                          <p:spTgt spid="30"/>
-                                        </p:tgtEl>
-                                        <p:attrNameLst>
-                                          <p:attrName>ppt_x</p:attrName>
-                                        </p:attrNameLst>
-                                      </p:cBhvr>
-                                      <p:tavLst>
-                                        <p:tav tm="0">
-                                          <p:val>
-                                            <p:strVal val="#ppt_x"/>
-                                          </p:val>
-                                        </p:tav>
-                                        <p:tav tm="100000">
-                                          <p:val>
-                                            <p:strVal val="#ppt_x"/>
-                                          </p:val>
-                                        </p:tav>
-                                      </p:tavLst>
-                                    </p:anim>
-                                    <p:anim calcmode="lin" valueType="num">
-                                      <p:cBhvr additive="base">
-                                        <p:cTn id="23" dur="500" fill="hold"/>
-                                        <p:tgtEl>
-                                          <p:spTgt spid="30"/>
-                                        </p:tgtEl>
-                                        <p:attrNameLst>
-                                          <p:attrName>ppt_y</p:attrName>
-                                        </p:attrNameLst>
-                                      </p:cBhvr>
-                                      <p:tavLst>
-                                        <p:tav tm="0">
-                                          <p:val>
-                                            <p:strVal val="0-#ppt_h/2"/>
-                                          </p:val>
-                                        </p:tav>
-                                        <p:tav tm="100000">
-                                          <p:val>
-                                            <p:strVal val="#ppt_y"/>
-                                          </p:val>
-                                        </p:tav>
-                                      </p:tavLst>
-                                    </p:anim>
-                                  </p:childTnLst>
-                                </p:cTn>
-                              </p:par>
-                              <p:par>
-                                <p:cTn id="24" presetID="2" presetClass="entr" presetSubtype="1" fill="hold" grpId="0" nodeType="withEffect">
-                                  <p:stCondLst>
-                                    <p:cond delay="0"/>
-                                  </p:stCondLst>
-                                  <p:childTnLst>
-                                    <p:set>
-                                      <p:cBhvr>
-                                        <p:cTn id="25" dur="1" fill="hold">
-                                          <p:stCondLst>
-                                            <p:cond delay="0"/>
-                                          </p:stCondLst>
-                                        </p:cTn>
-                                        <p:tgtEl>
-                                          <p:spTgt spid="31"/>
-                                        </p:tgtEl>
-                                        <p:attrNameLst>
-                                          <p:attrName>style.visibility</p:attrName>
-                                        </p:attrNameLst>
-                                      </p:cBhvr>
-                                      <p:to>
-                                        <p:strVal val="visible"/>
-                                      </p:to>
-                                    </p:set>
-                                    <p:anim calcmode="lin" valueType="num">
-                                      <p:cBhvr additive="base">
-                                        <p:cTn id="26" dur="500" fill="hold"/>
-                                        <p:tgtEl>
-                                          <p:spTgt spid="31"/>
-                                        </p:tgtEl>
-                                        <p:attrNameLst>
-                                          <p:attrName>ppt_x</p:attrName>
-                                        </p:attrNameLst>
-                                      </p:cBhvr>
-                                      <p:tavLst>
-                                        <p:tav tm="0">
-                                          <p:val>
-                                            <p:strVal val="#ppt_x"/>
-                                          </p:val>
-                                        </p:tav>
-                                        <p:tav tm="100000">
-                                          <p:val>
-                                            <p:strVal val="#ppt_x"/>
-                                          </p:val>
-                                        </p:tav>
-                                      </p:tavLst>
-                                    </p:anim>
-                                    <p:anim calcmode="lin" valueType="num">
-                                      <p:cBhvr additive="base">
-                                        <p:cTn id="27" dur="500" fill="hold"/>
-                                        <p:tgtEl>
-                                          <p:spTgt spid="31"/>
-                                        </p:tgtEl>
-                                        <p:attrNameLst>
-                                          <p:attrName>ppt_y</p:attrName>
-                                        </p:attrNameLst>
-                                      </p:cBhvr>
-                                      <p:tavLst>
-                                        <p:tav tm="0">
-                                          <p:val>
-                                            <p:strVal val="0-#ppt_h/2"/>
-                                          </p:val>
-                                        </p:tav>
-                                        <p:tav tm="100000">
-                                          <p:val>
-                                            <p:strVal val="#ppt_y"/>
-                                          </p:val>
-                                        </p:tav>
-                                      </p:tavLst>
-                                    </p:anim>
-                                  </p:childTnLst>
-                                </p:cTn>
-                              </p:par>
-                            </p:childTnLst>
-                          </p:cTn>
-                        </p:par>
-                      </p:childTnLst>
-                    </p:cTn>
-                  </p:par>
-                  <p:par>
-                    <p:cTn id="28" fill="hold">
-                      <p:stCondLst>
-                        <p:cond delay="indefinite"/>
-                      </p:stCondLst>
-                      <p:childTnLst>
-                        <p:par>
-                          <p:cTn id="29" fill="hold">
-                            <p:stCondLst>
-                              <p:cond delay="0"/>
-                            </p:stCondLst>
-                            <p:childTnLst>
-                              <p:par>
-                                <p:cTn id="30" presetID="2" presetClass="exit" presetSubtype="1" fill="hold" grpId="1" nodeType="clickEffect">
-                                  <p:stCondLst>
-                                    <p:cond delay="0"/>
-                                  </p:stCondLst>
-                                  <p:childTnLst>
-                                    <p:anim calcmode="lin" valueType="num">
-                                      <p:cBhvr additive="base">
-                                        <p:cTn id="31" dur="500"/>
-                                        <p:tgtEl>
-                                          <p:spTgt spid="30"/>
-                                        </p:tgtEl>
-                                        <p:attrNameLst>
-                                          <p:attrName>ppt_x</p:attrName>
-                                        </p:attrNameLst>
-                                      </p:cBhvr>
-                                      <p:tavLst>
-                                        <p:tav tm="0">
-                                          <p:val>
-                                            <p:strVal val="ppt_x"/>
-                                          </p:val>
-                                        </p:tav>
-                                        <p:tav tm="100000">
-                                          <p:val>
-                                            <p:strVal val="ppt_x"/>
-                                          </p:val>
-                                        </p:tav>
-                                      </p:tavLst>
-                                    </p:anim>
-                                    <p:anim calcmode="lin" valueType="num">
-                                      <p:cBhvr additive="base">
-                                        <p:cTn id="32" dur="500"/>
-                                        <p:tgtEl>
-                                          <p:spTgt spid="30"/>
-                                        </p:tgtEl>
-                                        <p:attrNameLst>
-                                          <p:attrName>ppt_y</p:attrName>
-                                        </p:attrNameLst>
-                                      </p:cBhvr>
-                                      <p:tavLst>
-                                        <p:tav tm="0">
-                                          <p:val>
-                                            <p:strVal val="ppt_y"/>
-                                          </p:val>
-                                        </p:tav>
-                                        <p:tav tm="100000">
-                                          <p:val>
-                                            <p:strVal val="0-ppt_h/2"/>
-                                          </p:val>
-                                        </p:tav>
-                                      </p:tavLst>
-                                    </p:anim>
-                                    <p:set>
-                                      <p:cBhvr>
-                                        <p:cTn id="33" dur="1" fill="hold">
-                                          <p:stCondLst>
-                                            <p:cond delay="499"/>
-                                          </p:stCondLst>
-                                        </p:cTn>
-                                        <p:tgtEl>
-                                          <p:spTgt spid="30"/>
-                                        </p:tgtEl>
-                                        <p:attrNameLst>
-                                          <p:attrName>style.visibility</p:attrName>
-                                        </p:attrNameLst>
-                                      </p:cBhvr>
-                                      <p:to>
-                                        <p:strVal val="hidden"/>
-                                      </p:to>
-                                    </p:set>
-                                  </p:childTnLst>
-                                </p:cTn>
-                              </p:par>
-                              <p:par>
-                                <p:cTn id="34" presetID="2" presetClass="exit" presetSubtype="1" fill="hold" grpId="1" nodeType="withEffect">
-                                  <p:stCondLst>
-                                    <p:cond delay="0"/>
-                                  </p:stCondLst>
-                                  <p:childTnLst>
-                                    <p:anim calcmode="lin" valueType="num">
-                                      <p:cBhvr additive="base">
-                                        <p:cTn id="35" dur="500"/>
-                                        <p:tgtEl>
-                                          <p:spTgt spid="31"/>
-                                        </p:tgtEl>
-                                        <p:attrNameLst>
-                                          <p:attrName>ppt_x</p:attrName>
-                                        </p:attrNameLst>
-                                      </p:cBhvr>
-                                      <p:tavLst>
-                                        <p:tav tm="0">
-                                          <p:val>
-                                            <p:strVal val="ppt_x"/>
-                                          </p:val>
-                                        </p:tav>
-                                        <p:tav tm="100000">
-                                          <p:val>
-                                            <p:strVal val="ppt_x"/>
-                                          </p:val>
-                                        </p:tav>
-                                      </p:tavLst>
-                                    </p:anim>
-                                    <p:anim calcmode="lin" valueType="num">
-                                      <p:cBhvr additive="base">
-                                        <p:cTn id="36" dur="500"/>
-                                        <p:tgtEl>
-                                          <p:spTgt spid="31"/>
-                                        </p:tgtEl>
-                                        <p:attrNameLst>
-                                          <p:attrName>ppt_y</p:attrName>
-                                        </p:attrNameLst>
-                                      </p:cBhvr>
-                                      <p:tavLst>
-                                        <p:tav tm="0">
-                                          <p:val>
-                                            <p:strVal val="ppt_y"/>
-                                          </p:val>
-                                        </p:tav>
-                                        <p:tav tm="100000">
-                                          <p:val>
-                                            <p:strVal val="0-ppt_h/2"/>
-                                          </p:val>
-                                        </p:tav>
-                                      </p:tavLst>
-                                    </p:anim>
-                                    <p:set>
-                                      <p:cBhvr>
-                                        <p:cTn id="37" dur="1" fill="hold">
-                                          <p:stCondLst>
-                                            <p:cond delay="499"/>
-                                          </p:stCondLst>
-                                        </p:cTn>
-                                        <p:tgtEl>
-                                          <p:spTgt spid="31"/>
-                                        </p:tgtEl>
-                                        <p:attrNameLst>
-                                          <p:attrName>style.visibility</p:attrName>
-                                        </p:attrNameLst>
-                                      </p:cBhvr>
-                                      <p:to>
-                                        <p:strVal val="hidden"/>
-                                      </p:to>
-                                    </p:set>
-                                  </p:childTnLst>
-                                </p:cTn>
-                              </p:par>
-                            </p:childTnLst>
-                          </p:cTn>
-                        </p:par>
-                      </p:childTnLst>
-                    </p:cTn>
-                  </p:par>
-                  <p:par>
-                    <p:cTn id="38" fill="hold">
-                      <p:stCondLst>
-                        <p:cond delay="indefinite"/>
-                      </p:stCondLst>
-                      <p:childTnLst>
-                        <p:par>
-                          <p:cTn id="39" fill="hold">
-                            <p:stCondLst>
-                              <p:cond delay="0"/>
-                            </p:stCondLst>
-                            <p:childTnLst>
-                              <p:par>
-                                <p:cTn id="40" presetID="50" presetClass="path" presetSubtype="0" accel="50000" decel="50000" fill="hold" nodeType="clickEffect">
-                                  <p:stCondLst>
-                                    <p:cond delay="0"/>
-                                  </p:stCondLst>
-                                  <p:childTnLst>
-                                    <p:animMotion origin="layout" path="M -2.22222E-6 -4.44444E-6 L 0.21788 -4.44444E-6 C 0.31563 -4.44444E-6 0.43594 -0.0456 0.43594 -0.08217 L 0.43594 -0.16365 " pathEditMode="relative" rAng="0" ptsTypes="FfFF">
-                                      <p:cBhvr>
-                                        <p:cTn id="41" dur="2000" fill="hold"/>
-                                        <p:tgtEl>
-                                          <p:spTgt spid="11"/>
-                                        </p:tgtEl>
-                                        <p:attrNameLst>
-                                          <p:attrName>ppt_x</p:attrName>
-                                          <p:attrName>ppt_y</p:attrName>
-                                        </p:attrNameLst>
-                                      </p:cBhvr>
-                                      <p:rCtr x="21788" y="-8194"/>
-                                    </p:animMotion>
-                                  </p:childTnLst>
-                                </p:cTn>
-                              </p:par>
-                              <p:par>
-                                <p:cTn id="42" presetID="2" presetClass="entr" presetSubtype="4" fill="hold" nodeType="withEffect">
-                                  <p:stCondLst>
-                                    <p:cond delay="0"/>
-                                  </p:stCondLst>
-                                  <p:childTnLst>
-                                    <p:set>
-                                      <p:cBhvr>
-                                        <p:cTn id="43" dur="1" fill="hold">
-                                          <p:stCondLst>
-                                            <p:cond delay="0"/>
-                                          </p:stCondLst>
-                                        </p:cTn>
-                                        <p:tgtEl>
-                                          <p:spTgt spid="24"/>
-                                        </p:tgtEl>
-                                        <p:attrNameLst>
-                                          <p:attrName>style.visibility</p:attrName>
-                                        </p:attrNameLst>
-                                      </p:cBhvr>
-                                      <p:to>
-                                        <p:strVal val="visible"/>
-                                      </p:to>
-                                    </p:set>
-                                    <p:anim calcmode="lin" valueType="num">
-                                      <p:cBhvr additive="base">
-                                        <p:cTn id="44" dur="500" fill="hold"/>
-                                        <p:tgtEl>
-                                          <p:spTgt spid="24"/>
-                                        </p:tgtEl>
-                                        <p:attrNameLst>
-                                          <p:attrName>ppt_x</p:attrName>
-                                        </p:attrNameLst>
-                                      </p:cBhvr>
-                                      <p:tavLst>
-                                        <p:tav tm="0">
-                                          <p:val>
-                                            <p:strVal val="#ppt_x"/>
-                                          </p:val>
-                                        </p:tav>
-                                        <p:tav tm="100000">
-                                          <p:val>
-                                            <p:strVal val="#ppt_x"/>
-                                          </p:val>
-                                        </p:tav>
-                                      </p:tavLst>
-                                    </p:anim>
-                                    <p:anim calcmode="lin" valueType="num">
-                                      <p:cBhvr additive="base">
-                                        <p:cTn id="45" dur="500" fill="hold"/>
-                                        <p:tgtEl>
-                                          <p:spTgt spid="24"/>
-                                        </p:tgtEl>
-                                        <p:attrNameLst>
-                                          <p:attrName>ppt_y</p:attrName>
-                                        </p:attrNameLst>
-                                      </p:cBhvr>
-                                      <p:tavLst>
-                                        <p:tav tm="0">
-                                          <p:val>
-                                            <p:strVal val="1+#ppt_h/2"/>
-                                          </p:val>
-                                        </p:tav>
-                                        <p:tav tm="100000">
-                                          <p:val>
-                                            <p:strVal val="#ppt_y"/>
-                                          </p:val>
-                                        </p:tav>
-                                      </p:tavLst>
-                                    </p:anim>
-                                  </p:childTnLst>
-                                </p:cTn>
-                              </p:par>
-                            </p:childTnLst>
-                          </p:cTn>
-                        </p:par>
-                      </p:childTnLst>
-                    </p:cTn>
-                  </p:par>
-                  <p:par>
-                    <p:cTn id="46" fill="hold">
-                      <p:stCondLst>
-                        <p:cond delay="indefinite"/>
-                      </p:stCondLst>
-                      <p:childTnLst>
-                        <p:par>
-                          <p:cTn id="47" fill="hold">
-                            <p:stCondLst>
-                              <p:cond delay="0"/>
-                            </p:stCondLst>
-                            <p:childTnLst>
-                              <p:par>
-                                <p:cTn id="48" presetID="2" presetClass="entr" presetSubtype="4" fill="hold" grpId="0" nodeType="clickEffect">
-                                  <p:stCondLst>
-                                    <p:cond delay="0"/>
-                                  </p:stCondLst>
-                                  <p:childTnLst>
-                                    <p:set>
-                                      <p:cBhvr>
-                                        <p:cTn id="49" dur="1" fill="hold">
-                                          <p:stCondLst>
-                                            <p:cond delay="0"/>
-                                          </p:stCondLst>
-                                        </p:cTn>
-                                        <p:tgtEl>
-                                          <p:spTgt spid="22"/>
-                                        </p:tgtEl>
-                                        <p:attrNameLst>
-                                          <p:attrName>style.visibility</p:attrName>
-                                        </p:attrNameLst>
-                                      </p:cBhvr>
-                                      <p:to>
-                                        <p:strVal val="visible"/>
-                                      </p:to>
-                                    </p:set>
-                                    <p:anim calcmode="lin" valueType="num">
-                                      <p:cBhvr additive="base">
-                                        <p:cTn id="50" dur="500" fill="hold"/>
-                                        <p:tgtEl>
-                                          <p:spTgt spid="22"/>
-                                        </p:tgtEl>
-                                        <p:attrNameLst>
-                                          <p:attrName>ppt_x</p:attrName>
-                                        </p:attrNameLst>
-                                      </p:cBhvr>
-                                      <p:tavLst>
-                                        <p:tav tm="0">
-                                          <p:val>
-                                            <p:strVal val="#ppt_x"/>
-                                          </p:val>
-                                        </p:tav>
-                                        <p:tav tm="100000">
-                                          <p:val>
-                                            <p:strVal val="#ppt_x"/>
-                                          </p:val>
-                                        </p:tav>
-                                      </p:tavLst>
-                                    </p:anim>
-                                    <p:anim calcmode="lin" valueType="num">
-                                      <p:cBhvr additive="base">
-                                        <p:cTn id="51" dur="500" fill="hold"/>
-                                        <p:tgtEl>
-                                          <p:spTgt spid="22"/>
-                                        </p:tgtEl>
-                                        <p:attrNameLst>
-                                          <p:attrName>ppt_y</p:attrName>
-                                        </p:attrNameLst>
-                                      </p:cBhvr>
-                                      <p:tavLst>
-                                        <p:tav tm="0">
-                                          <p:val>
-                                            <p:strVal val="1+#ppt_h/2"/>
-                                          </p:val>
-                                        </p:tav>
-                                        <p:tav tm="100000">
-                                          <p:val>
-                                            <p:strVal val="#ppt_y"/>
-                                          </p:val>
-                                        </p:tav>
-                                      </p:tavLst>
-                                    </p:anim>
-                                  </p:childTnLst>
-                                </p:cTn>
-                              </p:par>
-                            </p:childTnLst>
-                          </p:cTn>
-                        </p:par>
-                      </p:childTnLst>
-                    </p:cTn>
-                  </p:par>
-                  <p:par>
-                    <p:cTn id="52" fill="hold">
-                      <p:stCondLst>
-                        <p:cond delay="indefinite"/>
-                      </p:stCondLst>
-                      <p:childTnLst>
-                        <p:par>
-                          <p:cTn id="53" fill="hold">
-                            <p:stCondLst>
-                              <p:cond delay="0"/>
-                            </p:stCondLst>
-                            <p:childTnLst>
-                              <p:par>
-                                <p:cTn id="54" presetID="2" presetClass="entr" presetSubtype="4" fill="hold" grpId="0" nodeType="clickEffect">
-                                  <p:stCondLst>
-                                    <p:cond delay="0"/>
-                                  </p:stCondLst>
-                                  <p:childTnLst>
-                                    <p:set>
-                                      <p:cBhvr>
-                                        <p:cTn id="55" dur="1" fill="hold">
-                                          <p:stCondLst>
-                                            <p:cond delay="0"/>
-                                          </p:stCondLst>
-                                        </p:cTn>
-                                        <p:tgtEl>
-                                          <p:spTgt spid="19"/>
-                                        </p:tgtEl>
-                                        <p:attrNameLst>
-                                          <p:attrName>style.visibility</p:attrName>
-                                        </p:attrNameLst>
-                                      </p:cBhvr>
-                                      <p:to>
-                                        <p:strVal val="visible"/>
-                                      </p:to>
-                                    </p:set>
-                                    <p:anim calcmode="lin" valueType="num">
-                                      <p:cBhvr additive="base">
-                                        <p:cTn id="56" dur="500" fill="hold"/>
-                                        <p:tgtEl>
-                                          <p:spTgt spid="19"/>
-                                        </p:tgtEl>
-                                        <p:attrNameLst>
-                                          <p:attrName>ppt_x</p:attrName>
-                                        </p:attrNameLst>
-                                      </p:cBhvr>
-                                      <p:tavLst>
-                                        <p:tav tm="0">
-                                          <p:val>
-                                            <p:strVal val="#ppt_x"/>
-                                          </p:val>
-                                        </p:tav>
-                                        <p:tav tm="100000">
-                                          <p:val>
-                                            <p:strVal val="#ppt_x"/>
-                                          </p:val>
-                                        </p:tav>
-                                      </p:tavLst>
-                                    </p:anim>
-                                    <p:anim calcmode="lin" valueType="num">
-                                      <p:cBhvr additive="base">
-                                        <p:cTn id="57" dur="500" fill="hold"/>
-                                        <p:tgtEl>
-                                          <p:spTgt spid="19"/>
-                                        </p:tgtEl>
-                                        <p:attrNameLst>
-                                          <p:attrName>ppt_y</p:attrName>
-                                        </p:attrNameLst>
-                                      </p:cBhvr>
-                                      <p:tavLst>
-                                        <p:tav tm="0">
-                                          <p:val>
-                                            <p:strVal val="1+#ppt_h/2"/>
-                                          </p:val>
-                                        </p:tav>
-                                        <p:tav tm="100000">
-                                          <p:val>
-                                            <p:strVal val="#ppt_y"/>
-                                          </p:val>
-                                        </p:tav>
-                                      </p:tavLst>
-                                    </p:anim>
-                                  </p:childTnLst>
-                                </p:cTn>
-                              </p:par>
-                            </p:childTnLst>
-                          </p:cTn>
-                        </p:par>
-                      </p:childTnLst>
-                    </p:cTn>
-                  </p:par>
-                  <p:par>
-                    <p:cTn id="58" fill="hold">
-                      <p:stCondLst>
-                        <p:cond delay="indefinite"/>
-                      </p:stCondLst>
-                      <p:childTnLst>
-                        <p:par>
-                          <p:cTn id="59" fill="hold">
-                            <p:stCondLst>
-                              <p:cond delay="0"/>
-                            </p:stCondLst>
-                            <p:childTnLst>
-                              <p:par>
-                                <p:cTn id="60" presetID="2" presetClass="exit" presetSubtype="8" fill="hold" grpId="0" nodeType="clickEffect">
-                                  <p:stCondLst>
-                                    <p:cond delay="0"/>
-                                  </p:stCondLst>
-                                  <p:childTnLst>
-                                    <p:anim calcmode="lin" valueType="num">
-                                      <p:cBhvr additive="base">
-                                        <p:cTn id="61" dur="500"/>
-                                        <p:tgtEl>
-                                          <p:spTgt spid="8"/>
-                                        </p:tgtEl>
-                                        <p:attrNameLst>
-                                          <p:attrName>ppt_x</p:attrName>
-                                        </p:attrNameLst>
-                                      </p:cBhvr>
-                                      <p:tavLst>
-                                        <p:tav tm="0">
-                                          <p:val>
-                                            <p:strVal val="ppt_x"/>
-                                          </p:val>
-                                        </p:tav>
-                                        <p:tav tm="100000">
-                                          <p:val>
-                                            <p:strVal val="0-ppt_w/2"/>
-                                          </p:val>
-                                        </p:tav>
-                                      </p:tavLst>
-                                    </p:anim>
-                                    <p:anim calcmode="lin" valueType="num">
-                                      <p:cBhvr additive="base">
-                                        <p:cTn id="62" dur="500"/>
-                                        <p:tgtEl>
-                                          <p:spTgt spid="8"/>
-                                        </p:tgtEl>
-                                        <p:attrNameLst>
-                                          <p:attrName>ppt_y</p:attrName>
-                                        </p:attrNameLst>
-                                      </p:cBhvr>
-                                      <p:tavLst>
-                                        <p:tav tm="0">
-                                          <p:val>
-                                            <p:strVal val="ppt_y"/>
-                                          </p:val>
-                                        </p:tav>
-                                        <p:tav tm="100000">
-                                          <p:val>
-                                            <p:strVal val="ppt_y"/>
-                                          </p:val>
-                                        </p:tav>
-                                      </p:tavLst>
-                                    </p:anim>
-                                    <p:set>
-                                      <p:cBhvr>
-                                        <p:cTn id="63" dur="1" fill="hold">
-                                          <p:stCondLst>
-                                            <p:cond delay="499"/>
-                                          </p:stCondLst>
-                                        </p:cTn>
-                                        <p:tgtEl>
-                                          <p:spTgt spid="8"/>
-                                        </p:tgtEl>
-                                        <p:attrNameLst>
-                                          <p:attrName>style.visibility</p:attrName>
-                                        </p:attrNameLst>
-                                      </p:cBhvr>
-                                      <p:to>
-                                        <p:strVal val="hidden"/>
-                                      </p:to>
-                                    </p:set>
-                                  </p:childTnLst>
-                                </p:cTn>
-                              </p:par>
-                            </p:childTnLst>
-                          </p:cTn>
-                        </p:par>
-                      </p:childTnLst>
-                    </p:cTn>
-                  </p:par>
-                  <p:par>
-                    <p:cTn id="64" fill="hold">
-                      <p:stCondLst>
-                        <p:cond delay="indefinite"/>
-                      </p:stCondLst>
-                      <p:childTnLst>
-                        <p:par>
-                          <p:cTn id="65" fill="hold">
-                            <p:stCondLst>
-                              <p:cond delay="0"/>
-                            </p:stCondLst>
-                            <p:childTnLst>
-                              <p:par>
-                                <p:cTn id="66" presetID="2" presetClass="entr" presetSubtype="4" fill="hold" grpId="0" nodeType="clickEffect">
-                                  <p:stCondLst>
-                                    <p:cond delay="0"/>
-                                  </p:stCondLst>
-                                  <p:childTnLst>
-                                    <p:set>
-                                      <p:cBhvr>
-                                        <p:cTn id="67" dur="1" fill="hold">
-                                          <p:stCondLst>
-                                            <p:cond delay="0"/>
-                                          </p:stCondLst>
-                                        </p:cTn>
-                                        <p:tgtEl>
-                                          <p:spTgt spid="21"/>
-                                        </p:tgtEl>
-                                        <p:attrNameLst>
-                                          <p:attrName>style.visibility</p:attrName>
-                                        </p:attrNameLst>
-                                      </p:cBhvr>
-                                      <p:to>
-                                        <p:strVal val="visible"/>
-                                      </p:to>
-                                    </p:set>
-                                    <p:anim calcmode="lin" valueType="num">
-                                      <p:cBhvr additive="base">
-                                        <p:cTn id="68" dur="500" fill="hold"/>
-                                        <p:tgtEl>
-                                          <p:spTgt spid="21"/>
-                                        </p:tgtEl>
-                                        <p:attrNameLst>
-                                          <p:attrName>ppt_x</p:attrName>
-                                        </p:attrNameLst>
-                                      </p:cBhvr>
-                                      <p:tavLst>
-                                        <p:tav tm="0">
-                                          <p:val>
-                                            <p:strVal val="#ppt_x"/>
-                                          </p:val>
-                                        </p:tav>
-                                        <p:tav tm="100000">
-                                          <p:val>
-                                            <p:strVal val="#ppt_x"/>
-                                          </p:val>
-                                        </p:tav>
-                                      </p:tavLst>
-                                    </p:anim>
-                                    <p:anim calcmode="lin" valueType="num">
-                                      <p:cBhvr additive="base">
-                                        <p:cTn id="69" dur="500" fill="hold"/>
-                                        <p:tgtEl>
-                                          <p:spTgt spid="21"/>
-                                        </p:tgtEl>
-                                        <p:attrNameLst>
-                                          <p:attrName>ppt_y</p:attrName>
-                                        </p:attrNameLst>
-                                      </p:cBhvr>
-                                      <p:tavLst>
-                                        <p:tav tm="0">
-                                          <p:val>
-                                            <p:strVal val="1+#ppt_h/2"/>
-                                          </p:val>
-                                        </p:tav>
-                                        <p:tav tm="100000">
-                                          <p:val>
-                                            <p:strVal val="#ppt_y"/>
-                                          </p:val>
-                                        </p:tav>
-                                      </p:tavLst>
-                                    </p:anim>
-                                  </p:childTnLst>
-                                </p:cTn>
-                              </p:par>
-                            </p:childTnLst>
-                          </p:cTn>
-                        </p:par>
-                      </p:childTnLst>
-                    </p:cTn>
-                  </p:par>
-                  <p:par>
-                    <p:cTn id="70" fill="hold">
-                      <p:stCondLst>
-                        <p:cond delay="indefinite"/>
-                      </p:stCondLst>
-                      <p:childTnLst>
-                        <p:par>
-                          <p:cTn id="71" fill="hold">
-                            <p:stCondLst>
-                              <p:cond delay="0"/>
-                            </p:stCondLst>
-                            <p:childTnLst>
-                              <p:par>
-                                <p:cTn id="72" presetID="2" presetClass="entr" presetSubtype="4" fill="hold" grpId="0" nodeType="clickEffect">
-                                  <p:stCondLst>
-                                    <p:cond delay="0"/>
-                                  </p:stCondLst>
-                                  <p:childTnLst>
-                                    <p:set>
-                                      <p:cBhvr>
-                                        <p:cTn id="73" dur="1" fill="hold">
-                                          <p:stCondLst>
-                                            <p:cond delay="0"/>
-                                          </p:stCondLst>
-                                        </p:cTn>
-                                        <p:tgtEl>
-                                          <p:spTgt spid="32"/>
-                                        </p:tgtEl>
-                                        <p:attrNameLst>
-                                          <p:attrName>style.visibility</p:attrName>
-                                        </p:attrNameLst>
-                                      </p:cBhvr>
-                                      <p:to>
-                                        <p:strVal val="visible"/>
-                                      </p:to>
-                                    </p:set>
-                                    <p:anim calcmode="lin" valueType="num">
-                                      <p:cBhvr additive="base">
-                                        <p:cTn id="74" dur="500" fill="hold"/>
-                                        <p:tgtEl>
-                                          <p:spTgt spid="32"/>
-                                        </p:tgtEl>
-                                        <p:attrNameLst>
-                                          <p:attrName>ppt_x</p:attrName>
-                                        </p:attrNameLst>
-                                      </p:cBhvr>
-                                      <p:tavLst>
-                                        <p:tav tm="0">
-                                          <p:val>
-                                            <p:strVal val="#ppt_x"/>
-                                          </p:val>
-                                        </p:tav>
-                                        <p:tav tm="100000">
-                                          <p:val>
-                                            <p:strVal val="#ppt_x"/>
-                                          </p:val>
-                                        </p:tav>
-                                      </p:tavLst>
-                                    </p:anim>
-                                    <p:anim calcmode="lin" valueType="num">
-                                      <p:cBhvr additive="base">
-                                        <p:cTn id="75" dur="500" fill="hold"/>
-                                        <p:tgtEl>
-                                          <p:spTgt spid="32"/>
-                                        </p:tgtEl>
-                                        <p:attrNameLst>
-                                          <p:attrName>ppt_y</p:attrName>
-                                        </p:attrNameLst>
-                                      </p:cBhvr>
-                                      <p:tavLst>
-                                        <p:tav tm="0">
-                                          <p:val>
-                                            <p:strVal val="1+#ppt_h/2"/>
-                                          </p:val>
-                                        </p:tav>
-                                        <p:tav tm="100000">
-                                          <p:val>
-                                            <p:strVal val="#ppt_y"/>
-                                          </p:val>
-                                        </p:tav>
-                                      </p:tavLst>
-                                    </p:anim>
-                                  </p:childTnLst>
-                                </p:cTn>
-                              </p:par>
-                            </p:childTnLst>
-                          </p:cTn>
-                        </p:par>
-                      </p:childTnLst>
-                    </p:cTn>
-                  </p:par>
-                  <p:par>
-                    <p:cTn id="76" fill="hold">
-                      <p:stCondLst>
-                        <p:cond delay="indefinite"/>
-                      </p:stCondLst>
-                      <p:childTnLst>
-                        <p:par>
-                          <p:cTn id="77" fill="hold">
-                            <p:stCondLst>
-                              <p:cond delay="0"/>
-                            </p:stCondLst>
-                            <p:childTnLst>
-                              <p:par>
-                                <p:cTn id="78" presetID="0" presetClass="path" presetSubtype="0" accel="50000" decel="50000" fill="hold" grpId="1" nodeType="clickEffect">
-                                  <p:stCondLst>
-                                    <p:cond delay="0"/>
-                                  </p:stCondLst>
-                                  <p:childTnLst>
-                                    <p:animMotion origin="layout" path="M 0.43923 -1.48148E-6 L 1.94444E-6 -1.48148E-6 " pathEditMode="relative" rAng="0" ptsTypes="AA">
-                                      <p:cBhvr>
-                                        <p:cTn id="79" dur="2000" fill="hold"/>
-                                        <p:tgtEl>
-                                          <p:spTgt spid="12"/>
-                                        </p:tgtEl>
-                                        <p:attrNameLst>
-                                          <p:attrName>ppt_x</p:attrName>
-                                          <p:attrName>ppt_y</p:attrName>
-                                        </p:attrNameLst>
-                                      </p:cBhvr>
-                                      <p:rCtr x="-21962" y="0"/>
-                                    </p:animMotion>
-                                  </p:childTnLst>
-                                </p:cTn>
-                              </p:par>
-                              <p:par>
-                                <p:cTn id="80" presetID="0" presetClass="path" presetSubtype="0" accel="50000" decel="50000" fill="hold" grpId="1" nodeType="withEffect">
-                                  <p:stCondLst>
-                                    <p:cond delay="0"/>
-                                  </p:stCondLst>
-                                  <p:childTnLst>
-                                    <p:animMotion origin="layout" path="M 0.43924 -1.48148E-6 L -3.88889E-6 -1.48148E-6 " pathEditMode="relative" rAng="0" ptsTypes="AA">
-                                      <p:cBhvr>
-                                        <p:cTn id="81" dur="2000" fill="hold"/>
-                                        <p:tgtEl>
-                                          <p:spTgt spid="13"/>
-                                        </p:tgtEl>
-                                        <p:attrNameLst>
-                                          <p:attrName>ppt_x</p:attrName>
-                                          <p:attrName>ppt_y</p:attrName>
-                                        </p:attrNameLst>
-                                      </p:cBhvr>
-                                      <p:rCtr x="-21962" y="0"/>
-                                    </p:animMotion>
-                                  </p:childTnLst>
-                                </p:cTn>
-                              </p:par>
-                              <p:par>
-                                <p:cTn id="82" presetID="0" presetClass="path" presetSubtype="0" accel="50000" decel="50000" fill="hold" grpId="1" nodeType="withEffect">
-                                  <p:stCondLst>
-                                    <p:cond delay="0"/>
-                                  </p:stCondLst>
-                                  <p:childTnLst>
-                                    <p:animMotion origin="layout" path="M 0.43924 1.85185E-6 L -3.88889E-6 1.85185E-6 " pathEditMode="relative" rAng="0" ptsTypes="AA">
-                                      <p:cBhvr>
-                                        <p:cTn id="83" dur="2000" fill="hold"/>
-                                        <p:tgtEl>
-                                          <p:spTgt spid="16"/>
-                                        </p:tgtEl>
-                                        <p:attrNameLst>
-                                          <p:attrName>ppt_x</p:attrName>
-                                          <p:attrName>ppt_y</p:attrName>
-                                        </p:attrNameLst>
-                                      </p:cBhvr>
-                                      <p:rCtr x="-21962" y="0"/>
-                                    </p:animMotion>
-                                  </p:childTnLst>
-                                </p:cTn>
-                              </p:par>
-                              <p:par>
-                                <p:cTn id="84" presetID="0" presetClass="path" presetSubtype="0" accel="50000" decel="50000" fill="hold" grpId="1" nodeType="withEffect">
-                                  <p:stCondLst>
-                                    <p:cond delay="0"/>
-                                  </p:stCondLst>
-                                  <p:childTnLst>
-                                    <p:animMotion origin="layout" path="M 0.43923 4.81481E-6 L 1.94444E-6 4.81481E-6 " pathEditMode="relative" rAng="0" ptsTypes="AA">
-                                      <p:cBhvr>
-                                        <p:cTn id="85" dur="2000" fill="hold"/>
-                                        <p:tgtEl>
-                                          <p:spTgt spid="14"/>
-                                        </p:tgtEl>
-                                        <p:attrNameLst>
-                                          <p:attrName>ppt_x</p:attrName>
-                                          <p:attrName>ppt_y</p:attrName>
-                                        </p:attrNameLst>
-                                      </p:cBhvr>
-                                      <p:rCtr x="-21962" y="0"/>
-                                    </p:animMotion>
-                                  </p:childTnLst>
-                                </p:cTn>
-                              </p:par>
-                              <p:par>
-                                <p:cTn id="86" presetID="0" presetClass="path" presetSubtype="0" accel="50000" decel="50000" fill="hold" grpId="1" nodeType="withEffect">
-                                  <p:stCondLst>
-                                    <p:cond delay="0"/>
-                                  </p:stCondLst>
-                                  <p:childTnLst>
-                                    <p:animMotion origin="layout" path="M 3.61111E-6 -3.7037E-7 L -0.43907 -0.00116 " pathEditMode="relative" rAng="0" ptsTypes="AA">
-                                      <p:cBhvr>
-                                        <p:cTn id="87" dur="2000" fill="hold"/>
-                                        <p:tgtEl>
-                                          <p:spTgt spid="21"/>
-                                        </p:tgtEl>
-                                        <p:attrNameLst>
-                                          <p:attrName>ppt_x</p:attrName>
-                                          <p:attrName>ppt_y</p:attrName>
-                                        </p:attrNameLst>
-                                      </p:cBhvr>
-                                      <p:rCtr x="-21962" y="-69"/>
-                                    </p:animMotion>
-                                  </p:childTnLst>
-                                </p:cTn>
-                              </p:par>
-                              <p:par>
-                                <p:cTn id="88" presetID="0" presetClass="path" presetSubtype="0" accel="50000" decel="50000" fill="hold" grpId="1" nodeType="withEffect">
-                                  <p:stCondLst>
-                                    <p:cond delay="0"/>
-                                  </p:stCondLst>
-                                  <p:childTnLst>
-                                    <p:animMotion origin="layout" path="M -3.33333E-6 -2.59259E-6 L -0.43871 -2.59259E-6 " pathEditMode="relative" rAng="0" ptsTypes="AA">
-                                      <p:cBhvr>
-                                        <p:cTn id="89" dur="2000" fill="hold"/>
-                                        <p:tgtEl>
-                                          <p:spTgt spid="22"/>
-                                        </p:tgtEl>
-                                        <p:attrNameLst>
-                                          <p:attrName>ppt_x</p:attrName>
-                                          <p:attrName>ppt_y</p:attrName>
-                                        </p:attrNameLst>
-                                      </p:cBhvr>
-                                      <p:rCtr x="-21944" y="0"/>
-                                    </p:animMotion>
-                                  </p:childTnLst>
-                                </p:cTn>
-                              </p:par>
-                              <p:par>
-                                <p:cTn id="90" presetID="0" presetClass="path" presetSubtype="0" accel="50000" decel="50000" fill="hold" grpId="1" nodeType="withEffect">
-                                  <p:stCondLst>
-                                    <p:cond delay="0"/>
-                                  </p:stCondLst>
-                                  <p:childTnLst>
-                                    <p:animMotion origin="layout" path="M 0.43923 -1.85185E-6 L 0.00034 -1.85185E-6 " pathEditMode="relative" rAng="0" ptsTypes="AA">
-                                      <p:cBhvr>
-                                        <p:cTn id="91" dur="2000" fill="hold"/>
-                                        <p:tgtEl>
-                                          <p:spTgt spid="15"/>
-                                        </p:tgtEl>
-                                        <p:attrNameLst>
-                                          <p:attrName>ppt_x</p:attrName>
-                                          <p:attrName>ppt_y</p:attrName>
-                                        </p:attrNameLst>
-                                      </p:cBhvr>
-                                      <p:rCtr x="-21944" y="0"/>
-                                    </p:animMotion>
-                                  </p:childTnLst>
-                                </p:cTn>
-                              </p:par>
-                              <p:par>
-                                <p:cTn id="92" presetID="9" presetClass="emph" presetSubtype="0" grpId="2" nodeType="withEffect">
-                                  <p:stCondLst>
-                                    <p:cond delay="0"/>
-                                  </p:stCondLst>
-                                  <p:childTnLst>
-                                    <p:set>
-                                      <p:cBhvr rctx="PPT">
-                                        <p:cTn id="93" dur="indefinite"/>
-                                        <p:tgtEl>
-                                          <p:spTgt spid="21"/>
-                                        </p:tgtEl>
-                                        <p:attrNameLst>
-                                          <p:attrName>style.opacity</p:attrName>
-                                        </p:attrNameLst>
-                                      </p:cBhvr>
-                                      <p:to>
-                                        <p:strVal val="0.5"/>
-                                      </p:to>
-                                    </p:set>
-                                    <p:animEffect filter="image" prLst="opacity: 0.5">
-                                      <p:cBhvr rctx="IE">
-                                        <p:cTn id="94" dur="indefinite"/>
-                                        <p:tgtEl>
-                                          <p:spTgt spid="21"/>
-                                        </p:tgtEl>
-                                      </p:cBhvr>
-                                    </p:animEffect>
-                                  </p:childTnLst>
-                                </p:cTn>
-                              </p:par>
-                              <p:par>
-                                <p:cTn id="95" presetID="9" presetClass="emph" presetSubtype="0" grpId="2" nodeType="withEffect">
-                                  <p:stCondLst>
-                                    <p:cond delay="0"/>
-                                  </p:stCondLst>
-                                  <p:childTnLst>
-                                    <p:set>
-                                      <p:cBhvr rctx="PPT">
-                                        <p:cTn id="96" dur="indefinite"/>
-                                        <p:tgtEl>
-                                          <p:spTgt spid="22"/>
-                                        </p:tgtEl>
-                                        <p:attrNameLst>
-                                          <p:attrName>style.opacity</p:attrName>
-                                        </p:attrNameLst>
-                                      </p:cBhvr>
-                                      <p:to>
-                                        <p:strVal val="0.5"/>
-                                      </p:to>
-                                    </p:set>
-                                    <p:animEffect filter="image" prLst="opacity: 0.5">
-                                      <p:cBhvr rctx="IE">
-                                        <p:cTn id="97" dur="indefinite"/>
-                                        <p:tgtEl>
-                                          <p:spTgt spid="22"/>
-                                        </p:tgtEl>
-                                      </p:cBhvr>
-                                    </p:animEffect>
-                                  </p:childTnLst>
-                                </p:cTn>
-                              </p:par>
-                              <p:par>
-                                <p:cTn id="98" presetID="9" presetClass="emph" presetSubtype="0" grpId="2" nodeType="withEffect">
-                                  <p:stCondLst>
-                                    <p:cond delay="0"/>
-                                  </p:stCondLst>
-                                  <p:childTnLst>
-                                    <p:set>
-                                      <p:cBhvr rctx="PPT">
-                                        <p:cTn id="99" dur="indefinite"/>
-                                        <p:tgtEl>
-                                          <p:spTgt spid="14"/>
-                                        </p:tgtEl>
-                                        <p:attrNameLst>
-                                          <p:attrName>style.opacity</p:attrName>
-                                        </p:attrNameLst>
-                                      </p:cBhvr>
-                                      <p:to>
-                                        <p:strVal val="0.5"/>
-                                      </p:to>
-                                    </p:set>
-                                    <p:animEffect filter="image" prLst="opacity: 0.5">
-                                      <p:cBhvr rctx="IE">
-                                        <p:cTn id="100" dur="indefinite"/>
-                                        <p:tgtEl>
-                                          <p:spTgt spid="14"/>
-                                        </p:tgtEl>
-                                      </p:cBhvr>
-                                    </p:animEffect>
-                                  </p:childTnLst>
-                                </p:cTn>
-                              </p:par>
-                              <p:par>
-                                <p:cTn id="101" presetID="9" presetClass="emph" presetSubtype="0" grpId="2" nodeType="withEffect">
-                                  <p:stCondLst>
-                                    <p:cond delay="0"/>
-                                  </p:stCondLst>
-                                  <p:childTnLst>
-                                    <p:set>
-                                      <p:cBhvr rctx="PPT">
-                                        <p:cTn id="102" dur="indefinite"/>
-                                        <p:tgtEl>
-                                          <p:spTgt spid="15"/>
-                                        </p:tgtEl>
-                                        <p:attrNameLst>
-                                          <p:attrName>style.opacity</p:attrName>
-                                        </p:attrNameLst>
-                                      </p:cBhvr>
-                                      <p:to>
-                                        <p:strVal val="0.5"/>
-                                      </p:to>
-                                    </p:set>
-                                    <p:animEffect filter="image" prLst="opacity: 0.5">
-                                      <p:cBhvr rctx="IE">
-                                        <p:cTn id="103" dur="indefinite"/>
-                                        <p:tgtEl>
-                                          <p:spTgt spid="15"/>
-                                        </p:tgtEl>
-                                      </p:cBhvr>
-                                    </p:animEffect>
-                                  </p:childTnLst>
-                                </p:cTn>
-                              </p:par>
-                              <p:par>
-                                <p:cTn id="104" presetID="9" presetClass="emph" presetSubtype="0" grpId="2" nodeType="withEffect">
-                                  <p:stCondLst>
-                                    <p:cond delay="0"/>
-                                  </p:stCondLst>
-                                  <p:childTnLst>
-                                    <p:set>
-                                      <p:cBhvr rctx="PPT">
-                                        <p:cTn id="105" dur="indefinite"/>
-                                        <p:tgtEl>
-                                          <p:spTgt spid="13"/>
-                                        </p:tgtEl>
-                                        <p:attrNameLst>
-                                          <p:attrName>style.opacity</p:attrName>
-                                        </p:attrNameLst>
-                                      </p:cBhvr>
-                                      <p:to>
-                                        <p:strVal val="0.5"/>
-                                      </p:to>
-                                    </p:set>
-                                    <p:animEffect filter="image" prLst="opacity: 0.5">
-                                      <p:cBhvr rctx="IE">
-                                        <p:cTn id="106" dur="indefinite"/>
-                                        <p:tgtEl>
-                                          <p:spTgt spid="13"/>
-                                        </p:tgtEl>
-                                      </p:cBhvr>
-                                    </p:animEffect>
-                                  </p:childTnLst>
-                                </p:cTn>
-                              </p:par>
-                              <p:par>
-                                <p:cTn id="107" presetID="9" presetClass="emph" presetSubtype="0" grpId="2" nodeType="withEffect">
-                                  <p:stCondLst>
-                                    <p:cond delay="0"/>
-                                  </p:stCondLst>
-                                  <p:childTnLst>
-                                    <p:set>
-                                      <p:cBhvr rctx="PPT">
-                                        <p:cTn id="108" dur="indefinite"/>
-                                        <p:tgtEl>
-                                          <p:spTgt spid="16"/>
-                                        </p:tgtEl>
-                                        <p:attrNameLst>
-                                          <p:attrName>style.opacity</p:attrName>
-                                        </p:attrNameLst>
-                                      </p:cBhvr>
-                                      <p:to>
-                                        <p:strVal val="0.5"/>
-                                      </p:to>
-                                    </p:set>
-                                    <p:animEffect filter="image" prLst="opacity: 0.5">
-                                      <p:cBhvr rctx="IE">
-                                        <p:cTn id="109" dur="indefinite"/>
-                                        <p:tgtEl>
-                                          <p:spTgt spid="16"/>
-                                        </p:tgtEl>
-                                      </p:cBhvr>
-                                    </p:animEffect>
-                                  </p:childTnLst>
-                                </p:cTn>
-                              </p:par>
-                              <p:par>
-                                <p:cTn id="110" presetID="9" presetClass="emph" presetSubtype="0" grpId="2" nodeType="withEffect">
-                                  <p:stCondLst>
-                                    <p:cond delay="0"/>
-                                  </p:stCondLst>
-                                  <p:childTnLst>
-                                    <p:set>
-                                      <p:cBhvr rctx="PPT">
-                                        <p:cTn id="111" dur="indefinite"/>
-                                        <p:tgtEl>
-                                          <p:spTgt spid="12"/>
-                                        </p:tgtEl>
-                                        <p:attrNameLst>
-                                          <p:attrName>style.opacity</p:attrName>
-                                        </p:attrNameLst>
-                                      </p:cBhvr>
-                                      <p:to>
-                                        <p:strVal val="0.5"/>
-                                      </p:to>
-                                    </p:set>
-                                    <p:animEffect filter="image" prLst="opacity: 0.5">
-                                      <p:cBhvr rctx="IE">
-                                        <p:cTn id="112" dur="indefinite"/>
-                                        <p:tgtEl>
-                                          <p:spTgt spid="12"/>
-                                        </p:tgtEl>
-                                      </p:cBhvr>
-                                    </p:animEffect>
-                                  </p:childTnLst>
-                                </p:cTn>
-                              </p:par>
-                              <p:par>
-                                <p:cTn id="113" presetID="1" presetClass="entr" presetSubtype="0" fill="hold" grpId="1" nodeType="withEffect">
-                                  <p:stCondLst>
-                                    <p:cond delay="0"/>
-                                  </p:stCondLst>
-                                  <p:childTnLst>
-                                    <p:set>
-                                      <p:cBhvr>
-                                        <p:cTn id="114" dur="1" fill="hold">
-                                          <p:stCondLst>
-                                            <p:cond delay="0"/>
-                                          </p:stCondLst>
-                                        </p:cTn>
-                                        <p:tgtEl>
-                                          <p:spTgt spid="25"/>
-                                        </p:tgtEl>
-                                        <p:attrNameLst>
-                                          <p:attrName>style.visibility</p:attrName>
-                                        </p:attrNameLst>
-                                      </p:cBhvr>
-                                      <p:to>
-                                        <p:strVal val="visible"/>
-                                      </p:to>
-                                    </p:set>
-                                  </p:childTnLst>
-                                </p:cTn>
-                              </p:par>
-                              <p:par>
-                                <p:cTn id="115" presetID="1" presetClass="entr" presetSubtype="0" fill="hold" grpId="0" nodeType="withEffect">
-                                  <p:stCondLst>
-                                    <p:cond delay="0"/>
-                                  </p:stCondLst>
-                                  <p:childTnLst>
-                                    <p:set>
-                                      <p:cBhvr>
-                                        <p:cTn id="116" dur="1" fill="hold">
-                                          <p:stCondLst>
-                                            <p:cond delay="0"/>
-                                          </p:stCondLst>
-                                        </p:cTn>
-                                        <p:tgtEl>
-                                          <p:spTgt spid="58"/>
-                                        </p:tgtEl>
-                                        <p:attrNameLst>
-                                          <p:attrName>style.visibility</p:attrName>
-                                        </p:attrNameLst>
-                                      </p:cBhvr>
-                                      <p:to>
-                                        <p:strVal val="visible"/>
-                                      </p:to>
-                                    </p:set>
-                                  </p:childTnLst>
-                                </p:cTn>
-                              </p:par>
-                              <p:par>
-                                <p:cTn id="117" presetID="1" presetClass="entr" presetSubtype="0" fill="hold" grpId="0" nodeType="withEffect">
-                                  <p:stCondLst>
-                                    <p:cond delay="0"/>
-                                  </p:stCondLst>
-                                  <p:childTnLst>
-                                    <p:set>
-                                      <p:cBhvr>
-                                        <p:cTn id="118" dur="1" fill="hold">
-                                          <p:stCondLst>
-                                            <p:cond delay="0"/>
-                                          </p:stCondLst>
-                                        </p:cTn>
-                                        <p:tgtEl>
-                                          <p:spTgt spid="46"/>
-                                        </p:tgtEl>
-                                        <p:attrNameLst>
-                                          <p:attrName>style.visibility</p:attrName>
-                                        </p:attrNameLst>
-                                      </p:cBhvr>
-                                      <p:to>
-                                        <p:strVal val="visible"/>
-                                      </p:to>
-                                    </p:set>
-                                  </p:childTnLst>
-                                </p:cTn>
-                              </p:par>
-                              <p:par>
-                                <p:cTn id="119" presetID="1" presetClass="entr" presetSubtype="0" fill="hold" grpId="0" nodeType="withEffect">
-                                  <p:stCondLst>
-                                    <p:cond delay="0"/>
-                                  </p:stCondLst>
-                                  <p:childTnLst>
-                                    <p:set>
-                                      <p:cBhvr>
-                                        <p:cTn id="120" dur="1" fill="hold">
-                                          <p:stCondLst>
-                                            <p:cond delay="0"/>
-                                          </p:stCondLst>
-                                        </p:cTn>
-                                        <p:tgtEl>
-                                          <p:spTgt spid="49"/>
-                                        </p:tgtEl>
-                                        <p:attrNameLst>
-                                          <p:attrName>style.visibility</p:attrName>
-                                        </p:attrNameLst>
-                                      </p:cBhvr>
-                                      <p:to>
-                                        <p:strVal val="visible"/>
-                                      </p:to>
-                                    </p:set>
-                                  </p:childTnLst>
-                                </p:cTn>
-                              </p:par>
-                              <p:par>
-                                <p:cTn id="121" presetID="1" presetClass="entr" presetSubtype="0" fill="hold" grpId="0" nodeType="withEffect">
-                                  <p:stCondLst>
-                                    <p:cond delay="0"/>
-                                  </p:stCondLst>
-                                  <p:childTnLst>
-                                    <p:set>
-                                      <p:cBhvr>
-                                        <p:cTn id="122" dur="1" fill="hold">
-                                          <p:stCondLst>
-                                            <p:cond delay="0"/>
-                                          </p:stCondLst>
-                                        </p:cTn>
-                                        <p:tgtEl>
-                                          <p:spTgt spid="57"/>
-                                        </p:tgtEl>
-                                        <p:attrNameLst>
-                                          <p:attrName>style.visibility</p:attrName>
-                                        </p:attrNameLst>
-                                      </p:cBhvr>
-                                      <p:to>
-                                        <p:strVal val="visible"/>
-                                      </p:to>
-                                    </p:set>
-                                  </p:childTnLst>
-                                </p:cTn>
-                              </p:par>
-                              <p:par>
-                                <p:cTn id="123" presetID="1" presetClass="entr" presetSubtype="0" fill="hold" grpId="0" nodeType="withEffect">
-                                  <p:stCondLst>
-                                    <p:cond delay="0"/>
-                                  </p:stCondLst>
-                                  <p:childTnLst>
-                                    <p:set>
-                                      <p:cBhvr>
-                                        <p:cTn id="124" dur="1" fill="hold">
-                                          <p:stCondLst>
-                                            <p:cond delay="0"/>
-                                          </p:stCondLst>
-                                        </p:cTn>
-                                        <p:tgtEl>
-                                          <p:spTgt spid="50"/>
-                                        </p:tgtEl>
-                                        <p:attrNameLst>
-                                          <p:attrName>style.visibility</p:attrName>
-                                        </p:attrNameLst>
-                                      </p:cBhvr>
-                                      <p:to>
-                                        <p:strVal val="visible"/>
-                                      </p:to>
-                                    </p:set>
-                                  </p:childTnLst>
-                                </p:cTn>
-                              </p:par>
-                              <p:par>
-                                <p:cTn id="125" presetID="1" presetClass="entr" presetSubtype="0" fill="hold" grpId="0" nodeType="withEffect">
-                                  <p:stCondLst>
-                                    <p:cond delay="0"/>
-                                  </p:stCondLst>
-                                  <p:childTnLst>
-                                    <p:set>
-                                      <p:cBhvr>
-                                        <p:cTn id="126" dur="1" fill="hold">
-                                          <p:stCondLst>
-                                            <p:cond delay="0"/>
-                                          </p:stCondLst>
-                                        </p:cTn>
-                                        <p:tgtEl>
-                                          <p:spTgt spid="48"/>
-                                        </p:tgtEl>
-                                        <p:attrNameLst>
-                                          <p:attrName>style.visibility</p:attrName>
-                                        </p:attrNameLst>
-                                      </p:cBhvr>
-                                      <p:to>
-                                        <p:strVal val="visible"/>
-                                      </p:to>
-                                    </p:set>
-                                  </p:childTnLst>
-                                </p:cTn>
-                              </p:par>
-                              <p:par>
-                                <p:cTn id="127" presetID="1" presetClass="entr" presetSubtype="0" fill="hold" grpId="0" nodeType="withEffect">
-                                  <p:stCondLst>
-                                    <p:cond delay="0"/>
-                                  </p:stCondLst>
-                                  <p:childTnLst>
-                                    <p:set>
-                                      <p:cBhvr>
-                                        <p:cTn id="128" dur="1" fill="hold">
-                                          <p:stCondLst>
-                                            <p:cond delay="0"/>
-                                          </p:stCondLst>
-                                        </p:cTn>
-                                        <p:tgtEl>
-                                          <p:spTgt spid="47"/>
-                                        </p:tgtEl>
-                                        <p:attrNameLst>
-                                          <p:attrName>style.visibility</p:attrName>
-                                        </p:attrNameLst>
-                                      </p:cBhvr>
-                                      <p:to>
-                                        <p:strVal val="visible"/>
-                                      </p:to>
-                                    </p:set>
-                                  </p:childTnLst>
-                                </p:cTn>
-                              </p:par>
-                            </p:childTnLst>
-                          </p:cTn>
-                        </p:par>
-                      </p:childTnLst>
-                    </p:cTn>
-                  </p:par>
-                  <p:par>
-                    <p:cTn id="129" fill="hold">
-                      <p:stCondLst>
-                        <p:cond delay="indefinite"/>
-                      </p:stCondLst>
-                      <p:childTnLst>
-                        <p:par>
-                          <p:cTn id="130" fill="hold">
-                            <p:stCondLst>
-                              <p:cond delay="0"/>
-                            </p:stCondLst>
-                            <p:childTnLst>
-                              <p:par>
-                                <p:cTn id="131" presetID="0" presetClass="path" presetSubtype="0" accel="50000" decel="50000" fill="hold" grpId="3" nodeType="clickEffect">
-                                  <p:stCondLst>
-                                    <p:cond delay="0"/>
-                                  </p:stCondLst>
-                                  <p:childTnLst>
-                                    <p:animMotion origin="layout" path="M -3.88889E-6 -1.48148E-6 L 0.43924 -1.48148E-6 " pathEditMode="relative" rAng="0" ptsTypes="AA">
-                                      <p:cBhvr>
-                                        <p:cTn id="132" dur="2000" fill="hold"/>
-                                        <p:tgtEl>
-                                          <p:spTgt spid="13"/>
-                                        </p:tgtEl>
-                                        <p:attrNameLst>
-                                          <p:attrName>ppt_x</p:attrName>
-                                          <p:attrName>ppt_y</p:attrName>
-                                        </p:attrNameLst>
-                                      </p:cBhvr>
-                                      <p:rCtr x="21962" y="0"/>
-                                    </p:animMotion>
-                                  </p:childTnLst>
-                                </p:cTn>
-                              </p:par>
-                              <p:par>
-                                <p:cTn id="133" presetID="0" presetClass="path" presetSubtype="0" accel="50000" decel="50000" fill="hold" grpId="3" nodeType="withEffect">
-                                  <p:stCondLst>
-                                    <p:cond delay="0"/>
-                                  </p:stCondLst>
-                                  <p:childTnLst>
-                                    <p:animMotion origin="layout" path="M 1.94444E-6 -1.48148E-6 L 0.43889 -1.48148E-6 " pathEditMode="relative" rAng="0" ptsTypes="AA">
-                                      <p:cBhvr>
-                                        <p:cTn id="134" dur="2000" fill="hold"/>
-                                        <p:tgtEl>
-                                          <p:spTgt spid="12"/>
-                                        </p:tgtEl>
-                                        <p:attrNameLst>
-                                          <p:attrName>ppt_x</p:attrName>
-                                          <p:attrName>ppt_y</p:attrName>
-                                        </p:attrNameLst>
-                                      </p:cBhvr>
-                                      <p:rCtr x="21944" y="0"/>
-                                    </p:animMotion>
-                                  </p:childTnLst>
-                                </p:cTn>
-                              </p:par>
-                              <p:par>
-                                <p:cTn id="135" presetID="0" presetClass="path" presetSubtype="0" accel="50000" decel="50000" fill="hold" grpId="3" nodeType="withEffect">
-                                  <p:stCondLst>
-                                    <p:cond delay="0"/>
-                                  </p:stCondLst>
-                                  <p:childTnLst>
-                                    <p:animMotion origin="layout" path="M 1.94444E-6 4.81481E-6 L 0.43889 4.81481E-6 " pathEditMode="relative" rAng="0" ptsTypes="AA">
-                                      <p:cBhvr>
-                                        <p:cTn id="136" dur="2000" fill="hold"/>
-                                        <p:tgtEl>
-                                          <p:spTgt spid="14"/>
-                                        </p:tgtEl>
-                                        <p:attrNameLst>
-                                          <p:attrName>ppt_x</p:attrName>
-                                          <p:attrName>ppt_y</p:attrName>
-                                        </p:attrNameLst>
-                                      </p:cBhvr>
-                                      <p:rCtr x="21944" y="0"/>
-                                    </p:animMotion>
-                                  </p:childTnLst>
-                                </p:cTn>
-                              </p:par>
-                              <p:par>
-                                <p:cTn id="137" presetID="0" presetClass="path" presetSubtype="0" accel="50000" decel="50000" fill="hold" grpId="3" nodeType="withEffect">
-                                  <p:stCondLst>
-                                    <p:cond delay="0"/>
-                                  </p:stCondLst>
-                                  <p:childTnLst>
-                                    <p:animMotion origin="layout" path="M 0.00035 -3.7037E-7 L 0.43976 -3.7037E-7 " pathEditMode="relative" rAng="0" ptsTypes="AA">
-                                      <p:cBhvr>
-                                        <p:cTn id="138" dur="2000" fill="hold"/>
-                                        <p:tgtEl>
-                                          <p:spTgt spid="15"/>
-                                        </p:tgtEl>
-                                        <p:attrNameLst>
-                                          <p:attrName>ppt_x</p:attrName>
-                                          <p:attrName>ppt_y</p:attrName>
-                                        </p:attrNameLst>
-                                      </p:cBhvr>
-                                      <p:rCtr x="21962" y="0"/>
-                                    </p:animMotion>
-                                  </p:childTnLst>
-                                </p:cTn>
-                              </p:par>
-                              <p:par>
-                                <p:cTn id="139" presetID="0" presetClass="path" presetSubtype="0" accel="50000" decel="50000" fill="hold" grpId="3" nodeType="withEffect">
-                                  <p:stCondLst>
-                                    <p:cond delay="0"/>
-                                  </p:stCondLst>
-                                  <p:childTnLst>
-                                    <p:animMotion origin="layout" path="M -0.43871 -2.59259E-6 L 0.00018 -2.59259E-6 " pathEditMode="relative" rAng="0" ptsTypes="AA">
-                                      <p:cBhvr>
-                                        <p:cTn id="140" dur="2000" fill="hold"/>
-                                        <p:tgtEl>
-                                          <p:spTgt spid="22"/>
-                                        </p:tgtEl>
-                                        <p:attrNameLst>
-                                          <p:attrName>ppt_x</p:attrName>
-                                          <p:attrName>ppt_y</p:attrName>
-                                        </p:attrNameLst>
-                                      </p:cBhvr>
-                                      <p:rCtr x="21944" y="0"/>
-                                    </p:animMotion>
-                                  </p:childTnLst>
-                                </p:cTn>
-                              </p:par>
-                              <p:par>
-                                <p:cTn id="141" presetID="0" presetClass="path" presetSubtype="0" accel="50000" decel="50000" fill="hold" grpId="3" nodeType="withEffect">
-                                  <p:stCondLst>
-                                    <p:cond delay="0"/>
-                                  </p:stCondLst>
-                                  <p:childTnLst>
-                                    <p:animMotion origin="layout" path="M -0.43907 -0.00116 L 0.00017 -0.00116 " pathEditMode="relative" rAng="0" ptsTypes="AA">
-                                      <p:cBhvr>
-                                        <p:cTn id="142" dur="2000" fill="hold"/>
-                                        <p:tgtEl>
-                                          <p:spTgt spid="21"/>
-                                        </p:tgtEl>
-                                        <p:attrNameLst>
-                                          <p:attrName>ppt_x</p:attrName>
-                                          <p:attrName>ppt_y</p:attrName>
-                                        </p:attrNameLst>
-                                      </p:cBhvr>
-                                      <p:rCtr x="21962" y="0"/>
-                                    </p:animMotion>
-                                  </p:childTnLst>
-                                </p:cTn>
-                              </p:par>
-                              <p:par>
-                                <p:cTn id="143" presetID="0" presetClass="path" presetSubtype="0" accel="50000" decel="50000" fill="hold" grpId="3" nodeType="withEffect">
-                                  <p:stCondLst>
-                                    <p:cond delay="0"/>
-                                  </p:stCondLst>
-                                  <p:childTnLst>
-                                    <p:animMotion origin="layout" path="M -3.88889E-6 1.85185E-6 L 0.43924 0.00023 " pathEditMode="relative" rAng="0" ptsTypes="AA">
-                                      <p:cBhvr>
-                                        <p:cTn id="144" dur="2000" fill="hold"/>
-                                        <p:tgtEl>
-                                          <p:spTgt spid="16"/>
-                                        </p:tgtEl>
-                                        <p:attrNameLst>
-                                          <p:attrName>ppt_x</p:attrName>
-                                          <p:attrName>ppt_y</p:attrName>
-                                        </p:attrNameLst>
-                                      </p:cBhvr>
-                                      <p:rCtr x="21962" y="0"/>
-                                    </p:animMotion>
-                                  </p:childTnLst>
-                                </p:cTn>
-                              </p:par>
-                            </p:childTnLst>
-                          </p:cTn>
-                        </p:par>
-                      </p:childTnLst>
-                    </p:cTn>
-                  </p:par>
-                  <p:par>
-                    <p:cTn id="145" fill="hold">
-                      <p:stCondLst>
-                        <p:cond delay="indefinite"/>
-                      </p:stCondLst>
-                      <p:childTnLst>
-                        <p:par>
-                          <p:cTn id="146" fill="hold">
-                            <p:stCondLst>
-                              <p:cond delay="0"/>
-                            </p:stCondLst>
-                            <p:childTnLst>
-                              <p:par>
-                                <p:cTn id="147" presetID="0" presetClass="path" presetSubtype="0" accel="50000" decel="50000" fill="hold" grpId="0" nodeType="clickEffect">
-                                  <p:stCondLst>
-                                    <p:cond delay="0"/>
-                                  </p:stCondLst>
-                                  <p:childTnLst>
-                                    <p:animMotion origin="layout" path="M -3.88889E-6 -1.48148E-6 L 0.43924 0.00023 " pathEditMode="relative" rAng="0" ptsTypes="AA">
-                                      <p:cBhvr>
-                                        <p:cTn id="148" dur="2000" fill="hold"/>
-                                        <p:tgtEl>
-                                          <p:spTgt spid="6"/>
-                                        </p:tgtEl>
-                                        <p:attrNameLst>
-                                          <p:attrName>ppt_x</p:attrName>
-                                          <p:attrName>ppt_y</p:attrName>
-                                        </p:attrNameLst>
-                                      </p:cBhvr>
-                                      <p:rCtr x="21962" y="0"/>
-                                    </p:animMotion>
-                                  </p:childTnLst>
-                                </p:cTn>
-                              </p:par>
-                              <p:par>
-                                <p:cTn id="149" presetID="0" presetClass="path" presetSubtype="0" accel="50000" decel="50000" fill="hold" grpId="0" nodeType="withEffect">
-                                  <p:stCondLst>
-                                    <p:cond delay="0"/>
-                                  </p:stCondLst>
-                                  <p:childTnLst>
-                                    <p:animMotion origin="layout" path="M 1.94444E-6 -4.44444E-6 L 0.43958 0.00093 " pathEditMode="relative" rAng="0" ptsTypes="AA">
-                                      <p:cBhvr>
-                                        <p:cTn id="150" dur="2000" fill="hold"/>
-                                        <p:tgtEl>
-                                          <p:spTgt spid="5"/>
-                                        </p:tgtEl>
-                                        <p:attrNameLst>
-                                          <p:attrName>ppt_x</p:attrName>
-                                          <p:attrName>ppt_y</p:attrName>
-                                        </p:attrNameLst>
-                                      </p:cBhvr>
-                                      <p:rCtr x="21979" y="46"/>
-                                    </p:animMotion>
-                                  </p:childTnLst>
-                                </p:cTn>
-                              </p:par>
-                              <p:par>
-                                <p:cTn id="151" presetID="0" presetClass="path" presetSubtype="0" accel="50000" decel="50000" fill="hold" grpId="0" nodeType="withEffect">
-                                  <p:stCondLst>
-                                    <p:cond delay="0"/>
-                                  </p:stCondLst>
-                                  <p:childTnLst>
-                                    <p:animMotion origin="layout" path="M -3.88889E-6 1.85185E-6 L 0.43924 1.85185E-6 " pathEditMode="relative" rAng="0" ptsTypes="AA">
-                                      <p:cBhvr>
-                                        <p:cTn id="152" dur="2000" fill="hold"/>
-                                        <p:tgtEl>
-                                          <p:spTgt spid="9"/>
-                                        </p:tgtEl>
-                                        <p:attrNameLst>
-                                          <p:attrName>ppt_x</p:attrName>
-                                          <p:attrName>ppt_y</p:attrName>
-                                        </p:attrNameLst>
-                                      </p:cBhvr>
-                                      <p:rCtr x="21962" y="0"/>
-                                    </p:animMotion>
-                                  </p:childTnLst>
-                                </p:cTn>
-                              </p:par>
-                              <p:par>
-                                <p:cTn id="153" presetID="0" presetClass="path" presetSubtype="0" accel="50000" decel="50000" fill="hold" grpId="1" nodeType="withEffect">
-                                  <p:stCondLst>
-                                    <p:cond delay="0"/>
-                                  </p:stCondLst>
-                                  <p:childTnLst>
-                                    <p:animMotion origin="layout" path="M -3.88889E-6 2.96296E-6 L 0.43907 0.00185 " pathEditMode="relative" rAng="0" ptsTypes="AA">
-                                      <p:cBhvr>
-                                        <p:cTn id="154" dur="2000" fill="hold"/>
-                                        <p:tgtEl>
-                                          <p:spTgt spid="19"/>
-                                        </p:tgtEl>
-                                        <p:attrNameLst>
-                                          <p:attrName>ppt_x</p:attrName>
-                                          <p:attrName>ppt_y</p:attrName>
-                                        </p:attrNameLst>
-                                      </p:cBhvr>
-                                      <p:rCtr x="21944" y="93"/>
-                                    </p:animMotion>
-                                  </p:childTnLst>
-                                </p:cTn>
-                              </p:par>
-                              <p:par>
-                                <p:cTn id="155" presetID="0" presetClass="path" presetSubtype="0" accel="50000" decel="50000" fill="hold" grpId="0" nodeType="withEffect">
-                                  <p:stCondLst>
-                                    <p:cond delay="0"/>
-                                  </p:stCondLst>
-                                  <p:childTnLst>
-                                    <p:animMotion origin="layout" path="M 1.94444E-6 4.81481E-6 L 0.43889 4.81481E-6 " pathEditMode="relative" rAng="0" ptsTypes="AA">
-                                      <p:cBhvr>
-                                        <p:cTn id="156" dur="2000" fill="hold"/>
-                                        <p:tgtEl>
-                                          <p:spTgt spid="7"/>
-                                        </p:tgtEl>
-                                        <p:attrNameLst>
-                                          <p:attrName>ppt_x</p:attrName>
-                                          <p:attrName>ppt_y</p:attrName>
-                                        </p:attrNameLst>
-                                      </p:cBhvr>
-                                      <p:rCtr x="21944" y="0"/>
-                                    </p:animMotion>
-                                  </p:childTnLst>
-                                </p:cTn>
-                              </p:par>
-                              <p:par>
-                                <p:cTn id="157" presetID="0" presetClass="path" presetSubtype="0" accel="50000" decel="50000" fill="hold" grpId="1" nodeType="withEffect">
-                                  <p:stCondLst>
-                                    <p:cond delay="0"/>
-                                  </p:stCondLst>
-                                  <p:childTnLst>
-                                    <p:animMotion origin="layout" path="M -4.72222E-6 -4.81481E-6 L 0.43872 -0.00092 " pathEditMode="relative" rAng="0" ptsTypes="AA">
-                                      <p:cBhvr>
-                                        <p:cTn id="158" dur="2000" fill="hold"/>
-                                        <p:tgtEl>
-                                          <p:spTgt spid="32"/>
-                                        </p:tgtEl>
-                                        <p:attrNameLst>
-                                          <p:attrName>ppt_x</p:attrName>
-                                          <p:attrName>ppt_y</p:attrName>
-                                        </p:attrNameLst>
-                                      </p:cBhvr>
-                                      <p:rCtr x="21927" y="-46"/>
-                                    </p:animMotion>
-                                  </p:childTnLst>
-                                </p:cTn>
-                              </p:par>
-                              <p:par>
-                                <p:cTn id="159" presetID="1" presetClass="entr" presetSubtype="0" fill="hold" grpId="0" nodeType="withEffect">
-                                  <p:stCondLst>
-                                    <p:cond delay="0"/>
-                                  </p:stCondLst>
-                                  <p:childTnLst>
-                                    <p:set>
-                                      <p:cBhvr>
-                                        <p:cTn id="160" dur="1" fill="hold">
-                                          <p:stCondLst>
-                                            <p:cond delay="0"/>
-                                          </p:stCondLst>
-                                        </p:cTn>
-                                        <p:tgtEl>
-                                          <p:spTgt spid="36"/>
-                                        </p:tgtEl>
-                                        <p:attrNameLst>
-                                          <p:attrName>style.visibility</p:attrName>
-                                        </p:attrNameLst>
-                                      </p:cBhvr>
-                                      <p:to>
-                                        <p:strVal val="visible"/>
-                                      </p:to>
-                                    </p:set>
-                                  </p:childTnLst>
-                                </p:cTn>
-                              </p:par>
-                              <p:par>
-                                <p:cTn id="161" presetID="1" presetClass="entr" presetSubtype="0" fill="hold" grpId="0" nodeType="withEffect">
-                                  <p:stCondLst>
-                                    <p:cond delay="0"/>
-                                  </p:stCondLst>
-                                  <p:childTnLst>
-                                    <p:set>
-                                      <p:cBhvr>
-                                        <p:cTn id="162" dur="1" fill="hold">
-                                          <p:stCondLst>
-                                            <p:cond delay="0"/>
-                                          </p:stCondLst>
-                                        </p:cTn>
-                                        <p:tgtEl>
-                                          <p:spTgt spid="37"/>
-                                        </p:tgtEl>
-                                        <p:attrNameLst>
-                                          <p:attrName>style.visibility</p:attrName>
-                                        </p:attrNameLst>
-                                      </p:cBhvr>
-                                      <p:to>
-                                        <p:strVal val="visible"/>
-                                      </p:to>
-                                    </p:set>
-                                  </p:childTnLst>
-                                </p:cTn>
-                              </p:par>
-                              <p:par>
-                                <p:cTn id="163" presetID="1" presetClass="entr" presetSubtype="0" fill="hold" grpId="0" nodeType="withEffect">
-                                  <p:stCondLst>
-                                    <p:cond delay="0"/>
-                                  </p:stCondLst>
-                                  <p:childTnLst>
-                                    <p:set>
-                                      <p:cBhvr>
-                                        <p:cTn id="164" dur="1" fill="hold">
-                                          <p:stCondLst>
-                                            <p:cond delay="0"/>
-                                          </p:stCondLst>
-                                        </p:cTn>
-                                        <p:tgtEl>
-                                          <p:spTgt spid="39"/>
-                                        </p:tgtEl>
-                                        <p:attrNameLst>
-                                          <p:attrName>style.visibility</p:attrName>
-                                        </p:attrNameLst>
-                                      </p:cBhvr>
-                                      <p:to>
-                                        <p:strVal val="visible"/>
-                                      </p:to>
-                                    </p:set>
-                                  </p:childTnLst>
-                                </p:cTn>
-                              </p:par>
-                              <p:par>
-                                <p:cTn id="165" presetID="1" presetClass="entr" presetSubtype="0" fill="hold" grpId="0" nodeType="withEffect">
-                                  <p:stCondLst>
-                                    <p:cond delay="0"/>
-                                  </p:stCondLst>
-                                  <p:childTnLst>
-                                    <p:set>
-                                      <p:cBhvr>
-                                        <p:cTn id="166" dur="1" fill="hold">
-                                          <p:stCondLst>
-                                            <p:cond delay="0"/>
-                                          </p:stCondLst>
-                                        </p:cTn>
-                                        <p:tgtEl>
-                                          <p:spTgt spid="35"/>
-                                        </p:tgtEl>
-                                        <p:attrNameLst>
-                                          <p:attrName>style.visibility</p:attrName>
-                                        </p:attrNameLst>
-                                      </p:cBhvr>
-                                      <p:to>
-                                        <p:strVal val="visible"/>
-                                      </p:to>
-                                    </p:set>
-                                  </p:childTnLst>
-                                </p:cTn>
-                              </p:par>
-                              <p:par>
-                                <p:cTn id="167" presetID="1" presetClass="entr" presetSubtype="0" fill="hold" grpId="0" nodeType="withEffect">
-                                  <p:stCondLst>
-                                    <p:cond delay="0"/>
-                                  </p:stCondLst>
-                                  <p:childTnLst>
-                                    <p:set>
-                                      <p:cBhvr>
-                                        <p:cTn id="168" dur="1" fill="hold">
-                                          <p:stCondLst>
-                                            <p:cond delay="0"/>
-                                          </p:stCondLst>
-                                        </p:cTn>
-                                        <p:tgtEl>
-                                          <p:spTgt spid="38"/>
-                                        </p:tgtEl>
-                                        <p:attrNameLst>
-                                          <p:attrName>style.visibility</p:attrName>
-                                        </p:attrNameLst>
-                                      </p:cBhvr>
-                                      <p:to>
-                                        <p:strVal val="visible"/>
-                                      </p:to>
-                                    </p:set>
-                                  </p:childTnLst>
-                                </p:cTn>
-                              </p:par>
-                              <p:par>
-                                <p:cTn id="169" presetID="1" presetClass="entr" presetSubtype="0" fill="hold" grpId="0" nodeType="withEffect">
-                                  <p:stCondLst>
-                                    <p:cond delay="0"/>
-                                  </p:stCondLst>
-                                  <p:childTnLst>
-                                    <p:set>
-                                      <p:cBhvr>
-                                        <p:cTn id="170" dur="1" fill="hold">
-                                          <p:stCondLst>
-                                            <p:cond delay="0"/>
-                                          </p:stCondLst>
-                                        </p:cTn>
-                                        <p:tgtEl>
-                                          <p:spTgt spid="40"/>
-                                        </p:tgtEl>
-                                        <p:attrNameLst>
-                                          <p:attrName>style.visibility</p:attrName>
-                                        </p:attrNameLst>
-                                      </p:cBhvr>
-                                      <p:to>
-                                        <p:strVal val="visible"/>
-                                      </p:to>
-                                    </p:set>
-                                  </p:childTnLst>
-                                </p:cTn>
-                              </p:par>
-                              <p:par>
-                                <p:cTn id="171" presetID="9" presetClass="emph" presetSubtype="0" grpId="1" nodeType="withEffect">
-                                  <p:stCondLst>
-                                    <p:cond delay="0"/>
-                                  </p:stCondLst>
-                                  <p:childTnLst>
-                                    <p:set>
-                                      <p:cBhvr rctx="PPT">
-                                        <p:cTn id="172" dur="indefinite"/>
-                                        <p:tgtEl>
-                                          <p:spTgt spid="6"/>
-                                        </p:tgtEl>
-                                        <p:attrNameLst>
-                                          <p:attrName>style.opacity</p:attrName>
-                                        </p:attrNameLst>
-                                      </p:cBhvr>
-                                      <p:to>
-                                        <p:strVal val="0.5"/>
-                                      </p:to>
-                                    </p:set>
-                                    <p:animEffect filter="image" prLst="opacity: 0.5">
-                                      <p:cBhvr rctx="IE">
-                                        <p:cTn id="173" dur="indefinite"/>
-                                        <p:tgtEl>
-                                          <p:spTgt spid="6"/>
-                                        </p:tgtEl>
-                                      </p:cBhvr>
-                                    </p:animEffect>
-                                  </p:childTnLst>
-                                </p:cTn>
-                              </p:par>
-                              <p:par>
-                                <p:cTn id="174" presetID="9" presetClass="emph" presetSubtype="0" grpId="1" nodeType="withEffect">
-                                  <p:stCondLst>
-                                    <p:cond delay="0"/>
-                                  </p:stCondLst>
-                                  <p:childTnLst>
-                                    <p:set>
-                                      <p:cBhvr rctx="PPT">
-                                        <p:cTn id="175" dur="indefinite"/>
-                                        <p:tgtEl>
-                                          <p:spTgt spid="5"/>
-                                        </p:tgtEl>
-                                        <p:attrNameLst>
-                                          <p:attrName>style.opacity</p:attrName>
-                                        </p:attrNameLst>
-                                      </p:cBhvr>
-                                      <p:to>
-                                        <p:strVal val="0.5"/>
-                                      </p:to>
-                                    </p:set>
-                                    <p:animEffect filter="image" prLst="opacity: 0.5">
-                                      <p:cBhvr rctx="IE">
-                                        <p:cTn id="176" dur="indefinite"/>
-                                        <p:tgtEl>
-                                          <p:spTgt spid="5"/>
-                                        </p:tgtEl>
-                                      </p:cBhvr>
-                                    </p:animEffect>
-                                  </p:childTnLst>
-                                </p:cTn>
-                              </p:par>
-                              <p:par>
-                                <p:cTn id="177" presetID="9" presetClass="emph" presetSubtype="0" grpId="1" nodeType="withEffect">
-                                  <p:stCondLst>
-                                    <p:cond delay="0"/>
-                                  </p:stCondLst>
-                                  <p:childTnLst>
-                                    <p:set>
-                                      <p:cBhvr rctx="PPT">
-                                        <p:cTn id="178" dur="indefinite"/>
-                                        <p:tgtEl>
-                                          <p:spTgt spid="7"/>
-                                        </p:tgtEl>
-                                        <p:attrNameLst>
-                                          <p:attrName>style.opacity</p:attrName>
-                                        </p:attrNameLst>
-                                      </p:cBhvr>
-                                      <p:to>
-                                        <p:strVal val="0.5"/>
-                                      </p:to>
-                                    </p:set>
-                                    <p:animEffect filter="image" prLst="opacity: 0.5">
-                                      <p:cBhvr rctx="IE">
-                                        <p:cTn id="179" dur="indefinite"/>
-                                        <p:tgtEl>
-                                          <p:spTgt spid="7"/>
-                                        </p:tgtEl>
-                                      </p:cBhvr>
-                                    </p:animEffect>
-                                  </p:childTnLst>
-                                </p:cTn>
-                              </p:par>
-                              <p:par>
-                                <p:cTn id="180" presetID="9" presetClass="emph" presetSubtype="0" grpId="2" nodeType="withEffect">
-                                  <p:stCondLst>
-                                    <p:cond delay="0"/>
-                                  </p:stCondLst>
-                                  <p:childTnLst>
-                                    <p:set>
-                                      <p:cBhvr rctx="PPT">
-                                        <p:cTn id="181" dur="indefinite"/>
-                                        <p:tgtEl>
-                                          <p:spTgt spid="32"/>
-                                        </p:tgtEl>
-                                        <p:attrNameLst>
-                                          <p:attrName>style.opacity</p:attrName>
-                                        </p:attrNameLst>
-                                      </p:cBhvr>
-                                      <p:to>
-                                        <p:strVal val="0.5"/>
-                                      </p:to>
-                                    </p:set>
-                                    <p:animEffect filter="image" prLst="opacity: 0.5">
-                                      <p:cBhvr rctx="IE">
-                                        <p:cTn id="182" dur="indefinite"/>
-                                        <p:tgtEl>
-                                          <p:spTgt spid="32"/>
-                                        </p:tgtEl>
-                                      </p:cBhvr>
-                                    </p:animEffect>
-                                  </p:childTnLst>
-                                </p:cTn>
-                              </p:par>
-                              <p:par>
-                                <p:cTn id="183" presetID="9" presetClass="emph" presetSubtype="0" grpId="2" nodeType="withEffect">
-                                  <p:stCondLst>
-                                    <p:cond delay="0"/>
-                                  </p:stCondLst>
-                                  <p:childTnLst>
-                                    <p:set>
-                                      <p:cBhvr rctx="PPT">
-                                        <p:cTn id="184" dur="indefinite"/>
-                                        <p:tgtEl>
-                                          <p:spTgt spid="19"/>
-                                        </p:tgtEl>
-                                        <p:attrNameLst>
-                                          <p:attrName>style.opacity</p:attrName>
-                                        </p:attrNameLst>
-                                      </p:cBhvr>
-                                      <p:to>
-                                        <p:strVal val="0.5"/>
-                                      </p:to>
-                                    </p:set>
-                                    <p:animEffect filter="image" prLst="opacity: 0.5">
-                                      <p:cBhvr rctx="IE">
-                                        <p:cTn id="185" dur="indefinite"/>
-                                        <p:tgtEl>
-                                          <p:spTgt spid="19"/>
-                                        </p:tgtEl>
-                                      </p:cBhvr>
-                                    </p:animEffect>
-                                  </p:childTnLst>
-                                </p:cTn>
-                              </p:par>
-                              <p:par>
-                                <p:cTn id="186" presetID="9" presetClass="emph" presetSubtype="0" grpId="1" nodeType="withEffect">
-                                  <p:stCondLst>
-                                    <p:cond delay="0"/>
-                                  </p:stCondLst>
-                                  <p:childTnLst>
-                                    <p:set>
-                                      <p:cBhvr rctx="PPT">
-                                        <p:cTn id="187" dur="indefinite"/>
-                                        <p:tgtEl>
-                                          <p:spTgt spid="9"/>
-                                        </p:tgtEl>
-                                        <p:attrNameLst>
-                                          <p:attrName>style.opacity</p:attrName>
-                                        </p:attrNameLst>
-                                      </p:cBhvr>
-                                      <p:to>
-                                        <p:strVal val="0.5"/>
-                                      </p:to>
-                                    </p:set>
-                                    <p:animEffect filter="image" prLst="opacity: 0.5">
-                                      <p:cBhvr rctx="IE">
-                                        <p:cTn id="188" dur="indefinite"/>
-                                        <p:tgtEl>
-                                          <p:spTgt spid="9"/>
-                                        </p:tgtEl>
-                                      </p:cBhvr>
-                                    </p:animEffect>
-                                  </p:childTnLst>
-                                </p:cTn>
-                              </p:par>
-                            </p:childTnLst>
-                          </p:cTn>
-                        </p:par>
-                      </p:childTnLst>
-                    </p:cTn>
-                  </p:par>
-                </p:childTnLst>
-              </p:cTn>
-              <p:prevCondLst>
-                <p:cond evt="onPrev" delay="0">
-                  <p:tgtEl>
-                    <p:sldTgt/>
-                  </p:tgtEl>
-                </p:cond>
-              </p:prevCondLst>
-              <p:nextCondLst>
-                <p:cond evt="onNext" delay="0">
-                  <p:tgtEl>
-                    <p:sldTgt/>
-                  </p:tgtEl>
-                </p:cond>
-              </p:nextCondLst>
-            </p:seq>
-          </p:childTnLst>
-        </p:cTn>
-      </p:par>
-    </p:tnLst>
-    <p:bldLst>
-      <p:bldP spid="35" grpId="0" animBg="1"/>
-      <p:bldP spid="39" grpId="0" animBg="1"/>
-      <p:bldP spid="36" grpId="0" animBg="1"/>
-      <p:bldP spid="37" grpId="0" animBg="1"/>
-      <p:bldP spid="38" grpId="0" animBg="1"/>
-      <p:bldP spid="40" grpId="0" animBg="1"/>
-      <p:bldP spid="25" grpId="0" animBg="1"/>
-      <p:bldP spid="25" grpId="1" animBg="1"/>
-      <p:bldP spid="14" grpId="0" animBg="1"/>
-      <p:bldP spid="14" grpId="1" animBg="1"/>
-      <p:bldP spid="14" grpId="2" animBg="1"/>
-      <p:bldP spid="14" grpId="3" animBg="1"/>
-      <p:bldP spid="16" grpId="0" animBg="1"/>
-      <p:bldP spid="16" grpId="1" animBg="1"/>
-      <p:bldP spid="16" grpId="2" animBg="1"/>
-      <p:bldP spid="16" grpId="3" animBg="1"/>
-      <p:bldP spid="13" grpId="0" animBg="1"/>
-      <p:bldP spid="13" grpId="1" animBg="1"/>
-      <p:bldP spid="13" grpId="2" animBg="1"/>
-      <p:bldP spid="13" grpId="3" animBg="1"/>
-      <p:bldP spid="12" grpId="0" animBg="1"/>
-      <p:bldP spid="12" grpId="1" animBg="1"/>
-      <p:bldP spid="12" grpId="2" animBg="1"/>
-      <p:bldP spid="12" grpId="3" animBg="1"/>
-      <p:bldP spid="5" grpId="0" animBg="1"/>
-      <p:bldP spid="5" grpId="1" animBg="1"/>
-      <p:bldP spid="6" grpId="0" animBg="1"/>
-      <p:bldP spid="6" grpId="1" animBg="1"/>
-      <p:bldP spid="7" grpId="0" animBg="1"/>
-      <p:bldP spid="7" grpId="1" animBg="1"/>
-      <p:bldP spid="8" grpId="0" animBg="1"/>
-      <p:bldP spid="15" grpId="0" animBg="1"/>
-      <p:bldP spid="15" grpId="1" animBg="1"/>
-      <p:bldP spid="15" grpId="2" animBg="1"/>
-      <p:bldP spid="15" grpId="3" animBg="1"/>
-      <p:bldP spid="21" grpId="0" animBg="1"/>
-      <p:bldP spid="21" grpId="1" animBg="1"/>
-      <p:bldP spid="21" grpId="2" animBg="1"/>
-      <p:bldP spid="21" grpId="3" animBg="1"/>
-      <p:bldP spid="22" grpId="0" animBg="1"/>
-      <p:bldP spid="22" grpId="1" animBg="1"/>
-      <p:bldP spid="22" grpId="2" animBg="1"/>
-      <p:bldP spid="22" grpId="3" animBg="1"/>
-      <p:bldP spid="30" grpId="0"/>
-      <p:bldP spid="30" grpId="1"/>
-      <p:bldP spid="31" grpId="0"/>
-      <p:bldP spid="31" grpId="1"/>
-      <p:bldP spid="32" grpId="0" animBg="1"/>
-      <p:bldP spid="32" grpId="1" animBg="1"/>
-      <p:bldP spid="32" grpId="2" animBg="1"/>
-      <p:bldP spid="46" grpId="0" animBg="1"/>
-      <p:bldP spid="47" grpId="0" animBg="1"/>
-      <p:bldP spid="48" grpId="0" animBg="1"/>
-      <p:bldP spid="49" grpId="0" animBg="1"/>
-      <p:bldP spid="50" grpId="0" animBg="1"/>
-      <p:bldP spid="57" grpId="0" animBg="1"/>
-      <p:bldP spid="58" grpId="0" animBg="1"/>
-      <p:bldP spid="19" grpId="0" animBg="1"/>
-      <p:bldP spid="19" grpId="1" animBg="1"/>
-      <p:bldP spid="19" grpId="2" animBg="1"/>
-      <p:bldP spid="9" grpId="0" animBg="1"/>
-      <p:bldP spid="9" grpId="1" animBg="1"/>
-    </p:bldLst>
-  </p:timing>
-</p:sld>
-</file>
-
-<file path=ppt/slides/slide5.xml><?xml version="1.0" encoding="utf-8"?>
 <p:sld xmlns:a="http://schemas.openxmlformats.org/drawingml/2006/main" xmlns:r="http://schemas.openxmlformats.org/officeDocument/2006/relationships" xmlns:p="http://schemas.openxmlformats.org/presentationml/2006/main">
   <p:cSld>
     <p:spTree>
@@ -13846,7 +9697,7 @@
   <p:timing>
     <p:tnLst>
       <p:par>
-        <p:cTn xmlns:p14="http://schemas.microsoft.com/office/powerpoint/2010/main" id="1" dur="indefinite" restart="never" nodeType="tmRoot">
+        <p:cTn id="1" dur="indefinite" restart="never" nodeType="tmRoot">
           <p:childTnLst>
             <p:seq concurrent="1" nextAc="seek">
               <p:cTn id="2" dur="indefinite" nodeType="mainSeq">
@@ -16292,7 +12143,7 @@
 </p:sld>
 </file>
 
-<file path=ppt/slides/slide6.xml><?xml version="1.0" encoding="utf-8"?>
+<file path=ppt/slides/slide5.xml><?xml version="1.0" encoding="utf-8"?>
 <p:sld xmlns:a="http://schemas.openxmlformats.org/drawingml/2006/main" xmlns:r="http://schemas.openxmlformats.org/officeDocument/2006/relationships" xmlns:p="http://schemas.openxmlformats.org/presentationml/2006/main">
   <p:cSld>
     <p:spTree>
@@ -16548,9 +12399,4174 @@
   <p:timing>
     <p:tnLst>
       <p:par>
-        <p:cTn xmlns:p14="http://schemas.microsoft.com/office/powerpoint/2010/main" id="1" dur="indefinite" restart="never" nodeType="tmRoot"/>
+        <p:cTn id="1" dur="indefinite" restart="never" nodeType="tmRoot"/>
       </p:par>
     </p:tnLst>
+  </p:timing>
+</p:sld>
+</file>
+
+<file path=ppt/slides/slide6.xml><?xml version="1.0" encoding="utf-8"?>
+<p:sld xmlns:a="http://schemas.openxmlformats.org/drawingml/2006/main" xmlns:r="http://schemas.openxmlformats.org/officeDocument/2006/relationships" xmlns:p="http://schemas.openxmlformats.org/presentationml/2006/main">
+  <p:cSld>
+    <p:spTree>
+      <p:nvGrpSpPr>
+        <p:cNvPr id="1" name=""/>
+        <p:cNvGrpSpPr/>
+        <p:nvPr/>
+      </p:nvGrpSpPr>
+      <p:grpSpPr>
+        <a:xfrm>
+          <a:off x="0" y="0"/>
+          <a:ext cx="0" cy="0"/>
+          <a:chOff x="0" y="0"/>
+          <a:chExt cx="0" cy="0"/>
+        </a:xfrm>
+      </p:grpSpPr>
+      <p:sp>
+        <p:nvSpPr>
+          <p:cNvPr id="35" name="Rectangle 34"/>
+          <p:cNvSpPr/>
+          <p:nvPr/>
+        </p:nvSpPr>
+        <p:spPr>
+          <a:xfrm>
+            <a:off x="2907072" y="1709314"/>
+            <a:ext cx="681656" cy="224046"/>
+          </a:xfrm>
+          <a:prstGeom prst="rect">
+            <a:avLst/>
+          </a:prstGeom>
+          <a:solidFill>
+            <a:srgbClr val="FFD37F"/>
+          </a:solidFill>
+          <a:ln>
+            <a:solidFill>
+              <a:srgbClr val="FFD37F"/>
+            </a:solidFill>
+          </a:ln>
+          <a:effectLst/>
+        </p:spPr>
+        <p:style>
+          <a:lnRef idx="1">
+            <a:schemeClr val="accent1"/>
+          </a:lnRef>
+          <a:fillRef idx="3">
+            <a:schemeClr val="accent1"/>
+          </a:fillRef>
+          <a:effectRef idx="2">
+            <a:schemeClr val="accent1"/>
+          </a:effectRef>
+          <a:fontRef idx="minor">
+            <a:schemeClr val="lt1"/>
+          </a:fontRef>
+        </p:style>
+        <p:txBody>
+          <a:bodyPr rtlCol="0" anchor="ctr"/>
+          <a:lstStyle/>
+          <a:p>
+            <a:pPr algn="ctr"/>
+            <a:endParaRPr lang="en-US"/>
+          </a:p>
+        </p:txBody>
+      </p:sp>
+      <p:sp>
+        <p:nvSpPr>
+          <p:cNvPr id="39" name="Rectangle 38"/>
+          <p:cNvSpPr/>
+          <p:nvPr/>
+        </p:nvSpPr>
+        <p:spPr>
+          <a:xfrm>
+            <a:off x="2905744" y="1521851"/>
+            <a:ext cx="681656" cy="187463"/>
+          </a:xfrm>
+          <a:prstGeom prst="rect">
+            <a:avLst/>
+          </a:prstGeom>
+          <a:solidFill>
+            <a:srgbClr val="A2CBEE"/>
+          </a:solidFill>
+          <a:ln>
+            <a:solidFill>
+              <a:srgbClr val="A2CBEE"/>
+            </a:solidFill>
+          </a:ln>
+          <a:effectLst/>
+        </p:spPr>
+        <p:style>
+          <a:lnRef idx="1">
+            <a:schemeClr val="accent1"/>
+          </a:lnRef>
+          <a:fillRef idx="3">
+            <a:schemeClr val="accent1"/>
+          </a:fillRef>
+          <a:effectRef idx="2">
+            <a:schemeClr val="accent1"/>
+          </a:effectRef>
+          <a:fontRef idx="minor">
+            <a:schemeClr val="lt1"/>
+          </a:fontRef>
+        </p:style>
+        <p:txBody>
+          <a:bodyPr rtlCol="0" anchor="ctr"/>
+          <a:lstStyle/>
+          <a:p>
+            <a:pPr algn="ctr"/>
+            <a:endParaRPr lang="en-US"/>
+          </a:p>
+        </p:txBody>
+      </p:sp>
+      <p:sp>
+        <p:nvSpPr>
+          <p:cNvPr id="36" name="Rectangle 35"/>
+          <p:cNvSpPr/>
+          <p:nvPr/>
+        </p:nvSpPr>
+        <p:spPr>
+          <a:xfrm>
+            <a:off x="2071688" y="625350"/>
+            <a:ext cx="681656" cy="896501"/>
+          </a:xfrm>
+          <a:prstGeom prst="rect">
+            <a:avLst/>
+          </a:prstGeom>
+          <a:solidFill>
+            <a:srgbClr val="1882C8"/>
+          </a:solidFill>
+          <a:effectLst/>
+        </p:spPr>
+        <p:style>
+          <a:lnRef idx="1">
+            <a:schemeClr val="accent1"/>
+          </a:lnRef>
+          <a:fillRef idx="3">
+            <a:schemeClr val="accent1"/>
+          </a:fillRef>
+          <a:effectRef idx="2">
+            <a:schemeClr val="accent1"/>
+          </a:effectRef>
+          <a:fontRef idx="minor">
+            <a:schemeClr val="lt1"/>
+          </a:fontRef>
+        </p:style>
+        <p:txBody>
+          <a:bodyPr rtlCol="0" anchor="ctr"/>
+          <a:lstStyle/>
+          <a:p>
+            <a:pPr algn="ctr"/>
+            <a:r>
+              <a:rPr lang="en-US" dirty="0" smtClean="0">
+                <a:solidFill>
+                  <a:schemeClr val="bg1"/>
+                </a:solidFill>
+                <a:latin typeface="Lato Black"/>
+                <a:cs typeface="Lato Black"/>
+              </a:rPr>
+              <a:t>File A</a:t>
+            </a:r>
+            <a:endParaRPr lang="en-US" dirty="0">
+              <a:solidFill>
+                <a:schemeClr val="bg1"/>
+              </a:solidFill>
+              <a:latin typeface="Lato Black"/>
+              <a:cs typeface="Lato Black"/>
+            </a:endParaRPr>
+          </a:p>
+        </p:txBody>
+      </p:sp>
+      <p:sp>
+        <p:nvSpPr>
+          <p:cNvPr id="37" name="Rectangle 36"/>
+          <p:cNvSpPr/>
+          <p:nvPr/>
+        </p:nvSpPr>
+        <p:spPr>
+          <a:xfrm>
+            <a:off x="2905744" y="625350"/>
+            <a:ext cx="681656" cy="896501"/>
+          </a:xfrm>
+          <a:prstGeom prst="rect">
+            <a:avLst/>
+          </a:prstGeom>
+          <a:solidFill>
+            <a:srgbClr val="1882C8"/>
+          </a:solidFill>
+          <a:effectLst/>
+        </p:spPr>
+        <p:style>
+          <a:lnRef idx="1">
+            <a:schemeClr val="accent1"/>
+          </a:lnRef>
+          <a:fillRef idx="3">
+            <a:schemeClr val="accent1"/>
+          </a:fillRef>
+          <a:effectRef idx="2">
+            <a:schemeClr val="accent1"/>
+          </a:effectRef>
+          <a:fontRef idx="minor">
+            <a:schemeClr val="lt1"/>
+          </a:fontRef>
+        </p:style>
+        <p:txBody>
+          <a:bodyPr rtlCol="0" anchor="ctr"/>
+          <a:lstStyle/>
+          <a:p>
+            <a:pPr algn="ctr"/>
+            <a:r>
+              <a:rPr lang="en-US" dirty="0" smtClean="0">
+                <a:solidFill>
+                  <a:schemeClr val="bg1"/>
+                </a:solidFill>
+                <a:latin typeface="Lato Black"/>
+                <a:cs typeface="Lato Black"/>
+              </a:rPr>
+              <a:t>File B</a:t>
+            </a:r>
+            <a:endParaRPr lang="en-US" dirty="0">
+              <a:solidFill>
+                <a:schemeClr val="bg1"/>
+              </a:solidFill>
+              <a:latin typeface="Lato Black"/>
+              <a:cs typeface="Lato Black"/>
+            </a:endParaRPr>
+          </a:p>
+        </p:txBody>
+      </p:sp>
+      <p:sp>
+        <p:nvSpPr>
+          <p:cNvPr id="38" name="Rectangle 37"/>
+          <p:cNvSpPr/>
+          <p:nvPr/>
+        </p:nvSpPr>
+        <p:spPr>
+          <a:xfrm>
+            <a:off x="2071688" y="1851562"/>
+            <a:ext cx="681656" cy="896501"/>
+          </a:xfrm>
+          <a:prstGeom prst="rect">
+            <a:avLst/>
+          </a:prstGeom>
+          <a:solidFill>
+            <a:srgbClr val="FAAC15"/>
+          </a:solidFill>
+          <a:ln>
+            <a:solidFill>
+              <a:srgbClr val="FAAC15"/>
+            </a:solidFill>
+          </a:ln>
+          <a:effectLst/>
+        </p:spPr>
+        <p:style>
+          <a:lnRef idx="1">
+            <a:schemeClr val="accent1"/>
+          </a:lnRef>
+          <a:fillRef idx="3">
+            <a:schemeClr val="accent1"/>
+          </a:fillRef>
+          <a:effectRef idx="2">
+            <a:schemeClr val="accent1"/>
+          </a:effectRef>
+          <a:fontRef idx="minor">
+            <a:schemeClr val="lt1"/>
+          </a:fontRef>
+        </p:style>
+        <p:txBody>
+          <a:bodyPr rtlCol="0" anchor="ctr"/>
+          <a:lstStyle/>
+          <a:p>
+            <a:pPr algn="ctr"/>
+            <a:r>
+              <a:rPr lang="en-US" dirty="0" smtClean="0">
+                <a:solidFill>
+                  <a:schemeClr val="bg1"/>
+                </a:solidFill>
+                <a:latin typeface="Lato Black"/>
+                <a:cs typeface="Lato Black"/>
+              </a:rPr>
+              <a:t>File C</a:t>
+            </a:r>
+            <a:endParaRPr lang="en-US" dirty="0">
+              <a:solidFill>
+                <a:schemeClr val="bg1"/>
+              </a:solidFill>
+              <a:latin typeface="Lato Black"/>
+              <a:cs typeface="Lato Black"/>
+            </a:endParaRPr>
+          </a:p>
+        </p:txBody>
+      </p:sp>
+      <p:sp>
+        <p:nvSpPr>
+          <p:cNvPr id="40" name="Rectangle 39"/>
+          <p:cNvSpPr/>
+          <p:nvPr/>
+        </p:nvSpPr>
+        <p:spPr>
+          <a:xfrm>
+            <a:off x="2910107" y="2182448"/>
+            <a:ext cx="681656" cy="896501"/>
+          </a:xfrm>
+          <a:prstGeom prst="rect">
+            <a:avLst/>
+          </a:prstGeom>
+          <a:solidFill>
+            <a:srgbClr val="FAAC15"/>
+          </a:solidFill>
+          <a:ln>
+            <a:solidFill>
+              <a:srgbClr val="FAAC15"/>
+            </a:solidFill>
+          </a:ln>
+          <a:effectLst/>
+        </p:spPr>
+        <p:style>
+          <a:lnRef idx="1">
+            <a:schemeClr val="accent1"/>
+          </a:lnRef>
+          <a:fillRef idx="3">
+            <a:schemeClr val="accent1"/>
+          </a:fillRef>
+          <a:effectRef idx="2">
+            <a:schemeClr val="accent1"/>
+          </a:effectRef>
+          <a:fontRef idx="minor">
+            <a:schemeClr val="lt1"/>
+          </a:fontRef>
+        </p:style>
+        <p:txBody>
+          <a:bodyPr rtlCol="0" anchor="ctr"/>
+          <a:lstStyle/>
+          <a:p>
+            <a:pPr algn="ctr"/>
+            <a:r>
+              <a:rPr lang="en-US" dirty="0" smtClean="0">
+                <a:solidFill>
+                  <a:schemeClr val="bg1"/>
+                </a:solidFill>
+                <a:latin typeface="Lato Black"/>
+                <a:cs typeface="Lato Black"/>
+              </a:rPr>
+              <a:t>File D</a:t>
+            </a:r>
+            <a:endParaRPr lang="en-US" dirty="0">
+              <a:solidFill>
+                <a:schemeClr val="bg1"/>
+              </a:solidFill>
+              <a:latin typeface="Lato Black"/>
+              <a:cs typeface="Lato Black"/>
+            </a:endParaRPr>
+          </a:p>
+        </p:txBody>
+      </p:sp>
+      <p:sp>
+        <p:nvSpPr>
+          <p:cNvPr id="25" name="Rectangle 24"/>
+          <p:cNvSpPr/>
+          <p:nvPr/>
+        </p:nvSpPr>
+        <p:spPr>
+          <a:xfrm>
+            <a:off x="4499377" y="-294969"/>
+            <a:ext cx="5350818" cy="7529871"/>
+          </a:xfrm>
+          <a:prstGeom prst="rect">
+            <a:avLst/>
+          </a:prstGeom>
+          <a:solidFill>
+            <a:schemeClr val="bg1">
+              <a:lumMod val="95000"/>
+            </a:schemeClr>
+          </a:solidFill>
+          <a:ln>
+            <a:noFill/>
+          </a:ln>
+          <a:effectLst/>
+        </p:spPr>
+        <p:style>
+          <a:lnRef idx="1">
+            <a:schemeClr val="accent1"/>
+          </a:lnRef>
+          <a:fillRef idx="3">
+            <a:schemeClr val="accent1"/>
+          </a:fillRef>
+          <a:effectRef idx="2">
+            <a:schemeClr val="accent1"/>
+          </a:effectRef>
+          <a:fontRef idx="minor">
+            <a:schemeClr val="lt1"/>
+          </a:fontRef>
+        </p:style>
+        <p:txBody>
+          <a:bodyPr rtlCol="0" anchor="ctr"/>
+          <a:lstStyle/>
+          <a:p>
+            <a:pPr algn="ctr"/>
+            <a:endParaRPr lang="en-US"/>
+          </a:p>
+        </p:txBody>
+      </p:sp>
+      <p:sp>
+        <p:nvSpPr>
+          <p:cNvPr id="14" name="Rectangle 13"/>
+          <p:cNvSpPr/>
+          <p:nvPr/>
+        </p:nvSpPr>
+        <p:spPr>
+          <a:xfrm>
+            <a:off x="2067325" y="1851562"/>
+            <a:ext cx="681656" cy="896501"/>
+          </a:xfrm>
+          <a:prstGeom prst="rect">
+            <a:avLst/>
+          </a:prstGeom>
+          <a:solidFill>
+            <a:srgbClr val="FAAC15"/>
+          </a:solidFill>
+          <a:ln>
+            <a:solidFill>
+              <a:srgbClr val="FAAC15"/>
+            </a:solidFill>
+          </a:ln>
+          <a:effectLst/>
+        </p:spPr>
+        <p:style>
+          <a:lnRef idx="1">
+            <a:schemeClr val="accent1"/>
+          </a:lnRef>
+          <a:fillRef idx="3">
+            <a:schemeClr val="accent1"/>
+          </a:fillRef>
+          <a:effectRef idx="2">
+            <a:schemeClr val="accent1"/>
+          </a:effectRef>
+          <a:fontRef idx="minor">
+            <a:schemeClr val="lt1"/>
+          </a:fontRef>
+        </p:style>
+        <p:txBody>
+          <a:bodyPr rtlCol="0" anchor="ctr"/>
+          <a:lstStyle/>
+          <a:p>
+            <a:pPr algn="ctr"/>
+            <a:r>
+              <a:rPr lang="en-US" dirty="0" smtClean="0">
+                <a:solidFill>
+                  <a:schemeClr val="bg1"/>
+                </a:solidFill>
+                <a:latin typeface="Lato Black"/>
+                <a:cs typeface="Lato Black"/>
+              </a:rPr>
+              <a:t>File C</a:t>
+            </a:r>
+            <a:endParaRPr lang="en-US" dirty="0">
+              <a:solidFill>
+                <a:schemeClr val="bg1"/>
+              </a:solidFill>
+              <a:latin typeface="Lato Black"/>
+              <a:cs typeface="Lato Black"/>
+            </a:endParaRPr>
+          </a:p>
+        </p:txBody>
+      </p:sp>
+      <p:sp>
+        <p:nvSpPr>
+          <p:cNvPr id="16" name="Rectangle 15"/>
+          <p:cNvSpPr/>
+          <p:nvPr/>
+        </p:nvSpPr>
+        <p:spPr>
+          <a:xfrm>
+            <a:off x="2901381" y="1521851"/>
+            <a:ext cx="681656" cy="187463"/>
+          </a:xfrm>
+          <a:prstGeom prst="rect">
+            <a:avLst/>
+          </a:prstGeom>
+          <a:solidFill>
+            <a:srgbClr val="A2CBEE"/>
+          </a:solidFill>
+          <a:ln>
+            <a:solidFill>
+              <a:srgbClr val="A2CBEE"/>
+            </a:solidFill>
+          </a:ln>
+          <a:effectLst/>
+        </p:spPr>
+        <p:style>
+          <a:lnRef idx="1">
+            <a:schemeClr val="accent1"/>
+          </a:lnRef>
+          <a:fillRef idx="3">
+            <a:schemeClr val="accent1"/>
+          </a:fillRef>
+          <a:effectRef idx="2">
+            <a:schemeClr val="accent1"/>
+          </a:effectRef>
+          <a:fontRef idx="minor">
+            <a:schemeClr val="lt1"/>
+          </a:fontRef>
+        </p:style>
+        <p:txBody>
+          <a:bodyPr rtlCol="0" anchor="ctr"/>
+          <a:lstStyle/>
+          <a:p>
+            <a:pPr algn="ctr"/>
+            <a:endParaRPr lang="en-US"/>
+          </a:p>
+        </p:txBody>
+      </p:sp>
+      <p:sp>
+        <p:nvSpPr>
+          <p:cNvPr id="13" name="Rectangle 12"/>
+          <p:cNvSpPr/>
+          <p:nvPr/>
+        </p:nvSpPr>
+        <p:spPr>
+          <a:xfrm>
+            <a:off x="2901381" y="625350"/>
+            <a:ext cx="681656" cy="896501"/>
+          </a:xfrm>
+          <a:prstGeom prst="rect">
+            <a:avLst/>
+          </a:prstGeom>
+          <a:solidFill>
+            <a:srgbClr val="1882C8"/>
+          </a:solidFill>
+          <a:effectLst/>
+        </p:spPr>
+        <p:style>
+          <a:lnRef idx="1">
+            <a:schemeClr val="accent1"/>
+          </a:lnRef>
+          <a:fillRef idx="3">
+            <a:schemeClr val="accent1"/>
+          </a:fillRef>
+          <a:effectRef idx="2">
+            <a:schemeClr val="accent1"/>
+          </a:effectRef>
+          <a:fontRef idx="minor">
+            <a:schemeClr val="lt1"/>
+          </a:fontRef>
+        </p:style>
+        <p:txBody>
+          <a:bodyPr rtlCol="0" anchor="ctr"/>
+          <a:lstStyle/>
+          <a:p>
+            <a:pPr algn="ctr"/>
+            <a:r>
+              <a:rPr lang="en-US" dirty="0" smtClean="0">
+                <a:solidFill>
+                  <a:schemeClr val="bg1"/>
+                </a:solidFill>
+                <a:latin typeface="Lato Black"/>
+                <a:cs typeface="Lato Black"/>
+              </a:rPr>
+              <a:t>File B</a:t>
+            </a:r>
+            <a:endParaRPr lang="en-US" dirty="0">
+              <a:solidFill>
+                <a:schemeClr val="bg1"/>
+              </a:solidFill>
+              <a:latin typeface="Lato Black"/>
+              <a:cs typeface="Lato Black"/>
+            </a:endParaRPr>
+          </a:p>
+        </p:txBody>
+      </p:sp>
+      <p:sp>
+        <p:nvSpPr>
+          <p:cNvPr id="12" name="Rectangle 11"/>
+          <p:cNvSpPr/>
+          <p:nvPr/>
+        </p:nvSpPr>
+        <p:spPr>
+          <a:xfrm>
+            <a:off x="2067325" y="625350"/>
+            <a:ext cx="681656" cy="896501"/>
+          </a:xfrm>
+          <a:prstGeom prst="rect">
+            <a:avLst/>
+          </a:prstGeom>
+          <a:solidFill>
+            <a:srgbClr val="1882C8"/>
+          </a:solidFill>
+          <a:effectLst/>
+        </p:spPr>
+        <p:style>
+          <a:lnRef idx="1">
+            <a:schemeClr val="accent1"/>
+          </a:lnRef>
+          <a:fillRef idx="3">
+            <a:schemeClr val="accent1"/>
+          </a:fillRef>
+          <a:effectRef idx="2">
+            <a:schemeClr val="accent1"/>
+          </a:effectRef>
+          <a:fontRef idx="minor">
+            <a:schemeClr val="lt1"/>
+          </a:fontRef>
+        </p:style>
+        <p:txBody>
+          <a:bodyPr rtlCol="0" anchor="ctr"/>
+          <a:lstStyle/>
+          <a:p>
+            <a:pPr algn="ctr"/>
+            <a:r>
+              <a:rPr lang="en-US" dirty="0" smtClean="0">
+                <a:solidFill>
+                  <a:schemeClr val="bg1"/>
+                </a:solidFill>
+                <a:latin typeface="Lato Black"/>
+                <a:cs typeface="Lato Black"/>
+              </a:rPr>
+              <a:t>File A</a:t>
+            </a:r>
+            <a:endParaRPr lang="en-US" dirty="0">
+              <a:solidFill>
+                <a:schemeClr val="bg1"/>
+              </a:solidFill>
+              <a:latin typeface="Lato Black"/>
+              <a:cs typeface="Lato Black"/>
+            </a:endParaRPr>
+          </a:p>
+        </p:txBody>
+      </p:sp>
+      <p:pic>
+        <p:nvPicPr>
+          <p:cNvPr id="4" name="Picture 3"/>
+          <p:cNvPicPr>
+            <a:picLocks noChangeAspect="1"/>
+          </p:cNvPicPr>
+          <p:nvPr/>
+        </p:nvPicPr>
+        <p:blipFill>
+          <a:blip r:embed="rId2"/>
+          <a:stretch>
+            <a:fillRect/>
+          </a:stretch>
+        </p:blipFill>
+        <p:spPr>
+          <a:xfrm>
+            <a:off x="944530" y="502257"/>
+            <a:ext cx="906696" cy="813925"/>
+          </a:xfrm>
+          <a:prstGeom prst="rect">
+            <a:avLst/>
+          </a:prstGeom>
+        </p:spPr>
+      </p:pic>
+      <p:sp>
+        <p:nvSpPr>
+          <p:cNvPr id="5" name="Rectangle 4"/>
+          <p:cNvSpPr/>
+          <p:nvPr/>
+        </p:nvSpPr>
+        <p:spPr>
+          <a:xfrm>
+            <a:off x="2067325" y="625350"/>
+            <a:ext cx="681656" cy="896501"/>
+          </a:xfrm>
+          <a:prstGeom prst="rect">
+            <a:avLst/>
+          </a:prstGeom>
+          <a:solidFill>
+            <a:srgbClr val="1882C8"/>
+          </a:solidFill>
+          <a:effectLst/>
+        </p:spPr>
+        <p:style>
+          <a:lnRef idx="1">
+            <a:schemeClr val="accent1"/>
+          </a:lnRef>
+          <a:fillRef idx="3">
+            <a:schemeClr val="accent1"/>
+          </a:fillRef>
+          <a:effectRef idx="2">
+            <a:schemeClr val="accent1"/>
+          </a:effectRef>
+          <a:fontRef idx="minor">
+            <a:schemeClr val="lt1"/>
+          </a:fontRef>
+        </p:style>
+        <p:txBody>
+          <a:bodyPr rtlCol="0" anchor="ctr"/>
+          <a:lstStyle/>
+          <a:p>
+            <a:pPr algn="ctr"/>
+            <a:r>
+              <a:rPr lang="en-US" dirty="0" smtClean="0">
+                <a:solidFill>
+                  <a:schemeClr val="bg1"/>
+                </a:solidFill>
+                <a:latin typeface="Lato Black"/>
+                <a:cs typeface="Lato Black"/>
+              </a:rPr>
+              <a:t>File A</a:t>
+            </a:r>
+            <a:endParaRPr lang="en-US" dirty="0">
+              <a:solidFill>
+                <a:schemeClr val="bg1"/>
+              </a:solidFill>
+              <a:latin typeface="Lato Black"/>
+              <a:cs typeface="Lato Black"/>
+            </a:endParaRPr>
+          </a:p>
+        </p:txBody>
+      </p:sp>
+      <p:sp>
+        <p:nvSpPr>
+          <p:cNvPr id="6" name="Rectangle 5"/>
+          <p:cNvSpPr/>
+          <p:nvPr/>
+        </p:nvSpPr>
+        <p:spPr>
+          <a:xfrm>
+            <a:off x="2901381" y="625350"/>
+            <a:ext cx="681656" cy="896501"/>
+          </a:xfrm>
+          <a:prstGeom prst="rect">
+            <a:avLst/>
+          </a:prstGeom>
+          <a:solidFill>
+            <a:srgbClr val="1882C8"/>
+          </a:solidFill>
+          <a:effectLst/>
+        </p:spPr>
+        <p:style>
+          <a:lnRef idx="1">
+            <a:schemeClr val="accent1"/>
+          </a:lnRef>
+          <a:fillRef idx="3">
+            <a:schemeClr val="accent1"/>
+          </a:fillRef>
+          <a:effectRef idx="2">
+            <a:schemeClr val="accent1"/>
+          </a:effectRef>
+          <a:fontRef idx="minor">
+            <a:schemeClr val="lt1"/>
+          </a:fontRef>
+        </p:style>
+        <p:txBody>
+          <a:bodyPr rtlCol="0" anchor="ctr"/>
+          <a:lstStyle/>
+          <a:p>
+            <a:pPr algn="ctr"/>
+            <a:r>
+              <a:rPr lang="en-US" dirty="0" smtClean="0">
+                <a:solidFill>
+                  <a:schemeClr val="bg1"/>
+                </a:solidFill>
+                <a:latin typeface="Lato Black"/>
+                <a:cs typeface="Lato Black"/>
+              </a:rPr>
+              <a:t>File B</a:t>
+            </a:r>
+            <a:endParaRPr lang="en-US" dirty="0">
+              <a:solidFill>
+                <a:schemeClr val="bg1"/>
+              </a:solidFill>
+              <a:latin typeface="Lato Black"/>
+              <a:cs typeface="Lato Black"/>
+            </a:endParaRPr>
+          </a:p>
+        </p:txBody>
+      </p:sp>
+      <p:sp>
+        <p:nvSpPr>
+          <p:cNvPr id="7" name="Rectangle 6"/>
+          <p:cNvSpPr/>
+          <p:nvPr/>
+        </p:nvSpPr>
+        <p:spPr>
+          <a:xfrm>
+            <a:off x="2067325" y="1851562"/>
+            <a:ext cx="681656" cy="896501"/>
+          </a:xfrm>
+          <a:prstGeom prst="rect">
+            <a:avLst/>
+          </a:prstGeom>
+          <a:solidFill>
+            <a:srgbClr val="FAAC15"/>
+          </a:solidFill>
+          <a:ln>
+            <a:solidFill>
+              <a:srgbClr val="FAAC15"/>
+            </a:solidFill>
+          </a:ln>
+          <a:effectLst/>
+        </p:spPr>
+        <p:style>
+          <a:lnRef idx="1">
+            <a:schemeClr val="accent1"/>
+          </a:lnRef>
+          <a:fillRef idx="3">
+            <a:schemeClr val="accent1"/>
+          </a:fillRef>
+          <a:effectRef idx="2">
+            <a:schemeClr val="accent1"/>
+          </a:effectRef>
+          <a:fontRef idx="minor">
+            <a:schemeClr val="lt1"/>
+          </a:fontRef>
+        </p:style>
+        <p:txBody>
+          <a:bodyPr rtlCol="0" anchor="ctr"/>
+          <a:lstStyle/>
+          <a:p>
+            <a:pPr algn="ctr"/>
+            <a:r>
+              <a:rPr lang="en-US" dirty="0" smtClean="0">
+                <a:solidFill>
+                  <a:schemeClr val="bg1"/>
+                </a:solidFill>
+                <a:latin typeface="Lato Black"/>
+                <a:cs typeface="Lato Black"/>
+              </a:rPr>
+              <a:t>File C</a:t>
+            </a:r>
+            <a:endParaRPr lang="en-US" dirty="0">
+              <a:solidFill>
+                <a:schemeClr val="bg1"/>
+              </a:solidFill>
+              <a:latin typeface="Lato Black"/>
+              <a:cs typeface="Lato Black"/>
+            </a:endParaRPr>
+          </a:p>
+        </p:txBody>
+      </p:sp>
+      <p:sp>
+        <p:nvSpPr>
+          <p:cNvPr id="8" name="Rectangle 7"/>
+          <p:cNvSpPr/>
+          <p:nvPr/>
+        </p:nvSpPr>
+        <p:spPr>
+          <a:xfrm>
+            <a:off x="2067325" y="2748063"/>
+            <a:ext cx="681656" cy="443260"/>
+          </a:xfrm>
+          <a:prstGeom prst="rect">
+            <a:avLst/>
+          </a:prstGeom>
+          <a:solidFill>
+            <a:srgbClr val="FFD37F"/>
+          </a:solidFill>
+          <a:ln>
+            <a:solidFill>
+              <a:srgbClr val="FFD37F"/>
+            </a:solidFill>
+          </a:ln>
+          <a:effectLst/>
+        </p:spPr>
+        <p:style>
+          <a:lnRef idx="1">
+            <a:schemeClr val="accent1"/>
+          </a:lnRef>
+          <a:fillRef idx="3">
+            <a:schemeClr val="accent1"/>
+          </a:fillRef>
+          <a:effectRef idx="2">
+            <a:schemeClr val="accent1"/>
+          </a:effectRef>
+          <a:fontRef idx="minor">
+            <a:schemeClr val="lt1"/>
+          </a:fontRef>
+        </p:style>
+        <p:txBody>
+          <a:bodyPr rtlCol="0" anchor="ctr"/>
+          <a:lstStyle/>
+          <a:p>
+            <a:pPr algn="ctr"/>
+            <a:endParaRPr lang="en-US"/>
+          </a:p>
+        </p:txBody>
+      </p:sp>
+      <p:pic>
+        <p:nvPicPr>
+          <p:cNvPr id="10" name="Picture 9"/>
+          <p:cNvPicPr>
+            <a:picLocks noChangeAspect="1"/>
+          </p:cNvPicPr>
+          <p:nvPr/>
+        </p:nvPicPr>
+        <p:blipFill>
+          <a:blip r:embed="rId3"/>
+          <a:stretch>
+            <a:fillRect/>
+          </a:stretch>
+        </p:blipFill>
+        <p:spPr>
+          <a:xfrm>
+            <a:off x="2590467" y="4848276"/>
+            <a:ext cx="621828" cy="903819"/>
+          </a:xfrm>
+          <a:prstGeom prst="rect">
+            <a:avLst/>
+          </a:prstGeom>
+        </p:spPr>
+      </p:pic>
+      <p:pic>
+        <p:nvPicPr>
+          <p:cNvPr id="11" name="Picture 10"/>
+          <p:cNvPicPr>
+            <a:picLocks noChangeAspect="1"/>
+          </p:cNvPicPr>
+          <p:nvPr/>
+        </p:nvPicPr>
+        <p:blipFill>
+          <a:blip r:embed="rId4"/>
+          <a:stretch>
+            <a:fillRect/>
+          </a:stretch>
+        </p:blipFill>
+        <p:spPr>
+          <a:xfrm>
+            <a:off x="2599858" y="5904349"/>
+            <a:ext cx="612437" cy="819458"/>
+          </a:xfrm>
+          <a:prstGeom prst="rect">
+            <a:avLst/>
+          </a:prstGeom>
+        </p:spPr>
+      </p:pic>
+      <p:sp>
+        <p:nvSpPr>
+          <p:cNvPr id="15" name="Rectangle 14"/>
+          <p:cNvSpPr/>
+          <p:nvPr/>
+        </p:nvSpPr>
+        <p:spPr>
+          <a:xfrm>
+            <a:off x="2067325" y="2748063"/>
+            <a:ext cx="681656" cy="443260"/>
+          </a:xfrm>
+          <a:prstGeom prst="rect">
+            <a:avLst/>
+          </a:prstGeom>
+          <a:solidFill>
+            <a:srgbClr val="FFD37F"/>
+          </a:solidFill>
+          <a:ln>
+            <a:solidFill>
+              <a:srgbClr val="FFD37F"/>
+            </a:solidFill>
+          </a:ln>
+          <a:effectLst/>
+        </p:spPr>
+        <p:style>
+          <a:lnRef idx="1">
+            <a:schemeClr val="accent1"/>
+          </a:lnRef>
+          <a:fillRef idx="3">
+            <a:schemeClr val="accent1"/>
+          </a:fillRef>
+          <a:effectRef idx="2">
+            <a:schemeClr val="accent1"/>
+          </a:effectRef>
+          <a:fontRef idx="minor">
+            <a:schemeClr val="lt1"/>
+          </a:fontRef>
+        </p:style>
+        <p:txBody>
+          <a:bodyPr rtlCol="0" anchor="ctr"/>
+          <a:lstStyle/>
+          <a:p>
+            <a:pPr algn="ctr"/>
+            <a:endParaRPr lang="en-US"/>
+          </a:p>
+        </p:txBody>
+      </p:sp>
+      <p:cxnSp>
+        <p:nvCxnSpPr>
+          <p:cNvPr id="20" name="Straight Arrow Connector 19"/>
+          <p:cNvCxnSpPr/>
+          <p:nvPr/>
+        </p:nvCxnSpPr>
+        <p:spPr>
+          <a:xfrm flipV="1">
+            <a:off x="2896631" y="3471090"/>
+            <a:ext cx="0" cy="1127647"/>
+          </a:xfrm>
+          <a:prstGeom prst="straightConnector1">
+            <a:avLst/>
+          </a:prstGeom>
+          <a:ln w="76200" cap="sq" cmpd="sng">
+            <a:solidFill>
+              <a:schemeClr val="tx1"/>
+            </a:solidFill>
+            <a:round/>
+            <a:headEnd type="none"/>
+            <a:tailEnd type="triangle" w="med" len="med"/>
+          </a:ln>
+          <a:effectLst/>
+        </p:spPr>
+        <p:style>
+          <a:lnRef idx="2">
+            <a:schemeClr val="accent1"/>
+          </a:lnRef>
+          <a:fillRef idx="0">
+            <a:schemeClr val="accent1"/>
+          </a:fillRef>
+          <a:effectRef idx="1">
+            <a:schemeClr val="accent1"/>
+          </a:effectRef>
+          <a:fontRef idx="minor">
+            <a:schemeClr val="tx1"/>
+          </a:fontRef>
+        </p:style>
+      </p:cxnSp>
+      <p:sp>
+        <p:nvSpPr>
+          <p:cNvPr id="21" name="Rectangle 20"/>
+          <p:cNvSpPr/>
+          <p:nvPr/>
+        </p:nvSpPr>
+        <p:spPr>
+          <a:xfrm>
+            <a:off x="6916386" y="1709314"/>
+            <a:ext cx="681656" cy="375073"/>
+          </a:xfrm>
+          <a:prstGeom prst="rect">
+            <a:avLst/>
+          </a:prstGeom>
+          <a:solidFill>
+            <a:srgbClr val="A2CBEE"/>
+          </a:solidFill>
+          <a:ln>
+            <a:solidFill>
+              <a:srgbClr val="A2CBEE"/>
+            </a:solidFill>
+          </a:ln>
+          <a:effectLst/>
+        </p:spPr>
+        <p:style>
+          <a:lnRef idx="1">
+            <a:schemeClr val="accent1"/>
+          </a:lnRef>
+          <a:fillRef idx="3">
+            <a:schemeClr val="accent1"/>
+          </a:fillRef>
+          <a:effectRef idx="2">
+            <a:schemeClr val="accent1"/>
+          </a:effectRef>
+          <a:fontRef idx="minor">
+            <a:schemeClr val="lt1"/>
+          </a:fontRef>
+        </p:style>
+        <p:txBody>
+          <a:bodyPr rtlCol="0" anchor="ctr"/>
+          <a:lstStyle/>
+          <a:p>
+            <a:pPr algn="ctr"/>
+            <a:endParaRPr lang="en-US"/>
+          </a:p>
+        </p:txBody>
+      </p:sp>
+      <p:sp>
+        <p:nvSpPr>
+          <p:cNvPr id="22" name="Rectangle 21"/>
+          <p:cNvSpPr/>
+          <p:nvPr/>
+        </p:nvSpPr>
+        <p:spPr>
+          <a:xfrm>
+            <a:off x="6080253" y="3191323"/>
+            <a:ext cx="681656" cy="375073"/>
+          </a:xfrm>
+          <a:prstGeom prst="rect">
+            <a:avLst/>
+          </a:prstGeom>
+          <a:solidFill>
+            <a:srgbClr val="A2CBEE"/>
+          </a:solidFill>
+          <a:ln>
+            <a:solidFill>
+              <a:srgbClr val="A2CBEE"/>
+            </a:solidFill>
+          </a:ln>
+          <a:effectLst/>
+        </p:spPr>
+        <p:style>
+          <a:lnRef idx="1">
+            <a:schemeClr val="accent1"/>
+          </a:lnRef>
+          <a:fillRef idx="3">
+            <a:schemeClr val="accent1"/>
+          </a:fillRef>
+          <a:effectRef idx="2">
+            <a:schemeClr val="accent1"/>
+          </a:effectRef>
+          <a:fontRef idx="minor">
+            <a:schemeClr val="lt1"/>
+          </a:fontRef>
+        </p:style>
+        <p:txBody>
+          <a:bodyPr rtlCol="0" anchor="ctr"/>
+          <a:lstStyle/>
+          <a:p>
+            <a:pPr algn="ctr"/>
+            <a:endParaRPr lang="en-US"/>
+          </a:p>
+        </p:txBody>
+      </p:sp>
+      <p:cxnSp>
+        <p:nvCxnSpPr>
+          <p:cNvPr id="24" name="Straight Arrow Connector 23"/>
+          <p:cNvCxnSpPr/>
+          <p:nvPr/>
+        </p:nvCxnSpPr>
+        <p:spPr>
+          <a:xfrm flipV="1">
+            <a:off x="6897812" y="3471090"/>
+            <a:ext cx="0" cy="1127647"/>
+          </a:xfrm>
+          <a:prstGeom prst="straightConnector1">
+            <a:avLst/>
+          </a:prstGeom>
+          <a:ln w="76200" cap="sq" cmpd="sng">
+            <a:solidFill>
+              <a:schemeClr val="tx1"/>
+            </a:solidFill>
+            <a:round/>
+            <a:headEnd type="none"/>
+            <a:tailEnd type="triangle" w="med" len="med"/>
+          </a:ln>
+          <a:effectLst/>
+        </p:spPr>
+        <p:style>
+          <a:lnRef idx="2">
+            <a:schemeClr val="accent1"/>
+          </a:lnRef>
+          <a:fillRef idx="0">
+            <a:schemeClr val="accent1"/>
+          </a:fillRef>
+          <a:effectRef idx="1">
+            <a:schemeClr val="accent1"/>
+          </a:effectRef>
+          <a:fontRef idx="minor">
+            <a:schemeClr val="tx1"/>
+          </a:fontRef>
+        </p:style>
+      </p:cxnSp>
+      <p:sp>
+        <p:nvSpPr>
+          <p:cNvPr id="30" name="TextBox 29"/>
+          <p:cNvSpPr txBox="1"/>
+          <p:nvPr/>
+        </p:nvSpPr>
+        <p:spPr>
+          <a:xfrm>
+            <a:off x="2397865" y="128997"/>
+            <a:ext cx="891463" cy="369332"/>
+          </a:xfrm>
+          <a:prstGeom prst="rect">
+            <a:avLst/>
+          </a:prstGeom>
+          <a:noFill/>
+        </p:spPr>
+        <p:txBody>
+          <a:bodyPr wrap="none" rtlCol="0">
+            <a:spAutoFit/>
+          </a:bodyPr>
+          <a:lstStyle/>
+          <a:p>
+            <a:r>
+              <a:rPr lang="en-US" dirty="0" smtClean="0">
+                <a:latin typeface="Lato"/>
+              </a:rPr>
+              <a:t>master</a:t>
+            </a:r>
+          </a:p>
+        </p:txBody>
+      </p:sp>
+      <p:sp>
+        <p:nvSpPr>
+          <p:cNvPr id="31" name="TextBox 30"/>
+          <p:cNvSpPr txBox="1"/>
+          <p:nvPr/>
+        </p:nvSpPr>
+        <p:spPr>
+          <a:xfrm>
+            <a:off x="5705585" y="151047"/>
+            <a:ext cx="2337605" cy="369332"/>
+          </a:xfrm>
+          <a:prstGeom prst="rect">
+            <a:avLst/>
+          </a:prstGeom>
+          <a:noFill/>
+        </p:spPr>
+        <p:txBody>
+          <a:bodyPr wrap="none" rtlCol="0">
+            <a:spAutoFit/>
+          </a:bodyPr>
+          <a:lstStyle/>
+          <a:p>
+            <a:r>
+              <a:rPr lang="en-US" dirty="0" smtClean="0">
+                <a:latin typeface="Lato"/>
+              </a:rPr>
+              <a:t>bars-rule-maps-drool</a:t>
+            </a:r>
+          </a:p>
+        </p:txBody>
+      </p:sp>
+      <p:sp>
+        <p:nvSpPr>
+          <p:cNvPr id="32" name="Rectangle 31"/>
+          <p:cNvSpPr/>
+          <p:nvPr/>
+        </p:nvSpPr>
+        <p:spPr>
+          <a:xfrm>
+            <a:off x="2905744" y="2182448"/>
+            <a:ext cx="681656" cy="896501"/>
+          </a:xfrm>
+          <a:prstGeom prst="rect">
+            <a:avLst/>
+          </a:prstGeom>
+          <a:solidFill>
+            <a:srgbClr val="FAAC15"/>
+          </a:solidFill>
+          <a:ln>
+            <a:solidFill>
+              <a:srgbClr val="FAAC15"/>
+            </a:solidFill>
+          </a:ln>
+          <a:effectLst/>
+        </p:spPr>
+        <p:style>
+          <a:lnRef idx="1">
+            <a:schemeClr val="accent1"/>
+          </a:lnRef>
+          <a:fillRef idx="3">
+            <a:schemeClr val="accent1"/>
+          </a:fillRef>
+          <a:effectRef idx="2">
+            <a:schemeClr val="accent1"/>
+          </a:effectRef>
+          <a:fontRef idx="minor">
+            <a:schemeClr val="lt1"/>
+          </a:fontRef>
+        </p:style>
+        <p:txBody>
+          <a:bodyPr rtlCol="0" anchor="ctr"/>
+          <a:lstStyle/>
+          <a:p>
+            <a:pPr algn="ctr"/>
+            <a:r>
+              <a:rPr lang="en-US" dirty="0" smtClean="0">
+                <a:solidFill>
+                  <a:schemeClr val="bg1"/>
+                </a:solidFill>
+                <a:latin typeface="Lato Black"/>
+                <a:cs typeface="Lato Black"/>
+              </a:rPr>
+              <a:t>File D</a:t>
+            </a:r>
+            <a:endParaRPr lang="en-US" dirty="0">
+              <a:solidFill>
+                <a:schemeClr val="bg1"/>
+              </a:solidFill>
+              <a:latin typeface="Lato Black"/>
+              <a:cs typeface="Lato Black"/>
+            </a:endParaRPr>
+          </a:p>
+        </p:txBody>
+      </p:sp>
+      <p:sp>
+        <p:nvSpPr>
+          <p:cNvPr id="46" name="Rectangle 45"/>
+          <p:cNvSpPr/>
+          <p:nvPr/>
+        </p:nvSpPr>
+        <p:spPr>
+          <a:xfrm>
+            <a:off x="6077967" y="2748063"/>
+            <a:ext cx="681656" cy="443260"/>
+          </a:xfrm>
+          <a:prstGeom prst="rect">
+            <a:avLst/>
+          </a:prstGeom>
+          <a:solidFill>
+            <a:srgbClr val="FFD37F"/>
+          </a:solidFill>
+          <a:ln>
+            <a:solidFill>
+              <a:srgbClr val="FFD37F"/>
+            </a:solidFill>
+          </a:ln>
+          <a:effectLst/>
+        </p:spPr>
+        <p:style>
+          <a:lnRef idx="1">
+            <a:schemeClr val="accent1"/>
+          </a:lnRef>
+          <a:fillRef idx="3">
+            <a:schemeClr val="accent1"/>
+          </a:fillRef>
+          <a:effectRef idx="2">
+            <a:schemeClr val="accent1"/>
+          </a:effectRef>
+          <a:fontRef idx="minor">
+            <a:schemeClr val="lt1"/>
+          </a:fontRef>
+        </p:style>
+        <p:txBody>
+          <a:bodyPr rtlCol="0" anchor="ctr"/>
+          <a:lstStyle/>
+          <a:p>
+            <a:pPr algn="ctr"/>
+            <a:endParaRPr lang="en-US"/>
+          </a:p>
+        </p:txBody>
+      </p:sp>
+      <p:sp>
+        <p:nvSpPr>
+          <p:cNvPr id="47" name="Rectangle 46"/>
+          <p:cNvSpPr/>
+          <p:nvPr/>
+        </p:nvSpPr>
+        <p:spPr>
+          <a:xfrm>
+            <a:off x="6082330" y="625350"/>
+            <a:ext cx="681656" cy="896501"/>
+          </a:xfrm>
+          <a:prstGeom prst="rect">
+            <a:avLst/>
+          </a:prstGeom>
+          <a:solidFill>
+            <a:srgbClr val="1882C8"/>
+          </a:solidFill>
+          <a:effectLst/>
+        </p:spPr>
+        <p:style>
+          <a:lnRef idx="1">
+            <a:schemeClr val="accent1"/>
+          </a:lnRef>
+          <a:fillRef idx="3">
+            <a:schemeClr val="accent1"/>
+          </a:fillRef>
+          <a:effectRef idx="2">
+            <a:schemeClr val="accent1"/>
+          </a:effectRef>
+          <a:fontRef idx="minor">
+            <a:schemeClr val="lt1"/>
+          </a:fontRef>
+        </p:style>
+        <p:txBody>
+          <a:bodyPr rtlCol="0" anchor="ctr"/>
+          <a:lstStyle/>
+          <a:p>
+            <a:pPr algn="ctr"/>
+            <a:r>
+              <a:rPr lang="en-US" dirty="0" smtClean="0">
+                <a:solidFill>
+                  <a:schemeClr val="bg1"/>
+                </a:solidFill>
+                <a:latin typeface="Lato Black"/>
+                <a:cs typeface="Lato Black"/>
+              </a:rPr>
+              <a:t>File A</a:t>
+            </a:r>
+            <a:endParaRPr lang="en-US" dirty="0">
+              <a:solidFill>
+                <a:schemeClr val="bg1"/>
+              </a:solidFill>
+              <a:latin typeface="Lato Black"/>
+              <a:cs typeface="Lato Black"/>
+            </a:endParaRPr>
+          </a:p>
+        </p:txBody>
+      </p:sp>
+      <p:sp>
+        <p:nvSpPr>
+          <p:cNvPr id="48" name="Rectangle 47"/>
+          <p:cNvSpPr/>
+          <p:nvPr/>
+        </p:nvSpPr>
+        <p:spPr>
+          <a:xfrm>
+            <a:off x="6916386" y="625350"/>
+            <a:ext cx="681656" cy="896501"/>
+          </a:xfrm>
+          <a:prstGeom prst="rect">
+            <a:avLst/>
+          </a:prstGeom>
+          <a:solidFill>
+            <a:srgbClr val="1882C8"/>
+          </a:solidFill>
+          <a:effectLst/>
+        </p:spPr>
+        <p:style>
+          <a:lnRef idx="1">
+            <a:schemeClr val="accent1"/>
+          </a:lnRef>
+          <a:fillRef idx="3">
+            <a:schemeClr val="accent1"/>
+          </a:fillRef>
+          <a:effectRef idx="2">
+            <a:schemeClr val="accent1"/>
+          </a:effectRef>
+          <a:fontRef idx="minor">
+            <a:schemeClr val="lt1"/>
+          </a:fontRef>
+        </p:style>
+        <p:txBody>
+          <a:bodyPr rtlCol="0" anchor="ctr"/>
+          <a:lstStyle/>
+          <a:p>
+            <a:pPr algn="ctr"/>
+            <a:r>
+              <a:rPr lang="en-US" dirty="0" smtClean="0">
+                <a:solidFill>
+                  <a:schemeClr val="bg1"/>
+                </a:solidFill>
+                <a:latin typeface="Lato Black"/>
+                <a:cs typeface="Lato Black"/>
+              </a:rPr>
+              <a:t>File B</a:t>
+            </a:r>
+            <a:endParaRPr lang="en-US" dirty="0">
+              <a:solidFill>
+                <a:schemeClr val="bg1"/>
+              </a:solidFill>
+              <a:latin typeface="Lato Black"/>
+              <a:cs typeface="Lato Black"/>
+            </a:endParaRPr>
+          </a:p>
+        </p:txBody>
+      </p:sp>
+      <p:sp>
+        <p:nvSpPr>
+          <p:cNvPr id="49" name="Rectangle 48"/>
+          <p:cNvSpPr/>
+          <p:nvPr/>
+        </p:nvSpPr>
+        <p:spPr>
+          <a:xfrm>
+            <a:off x="6082330" y="1851562"/>
+            <a:ext cx="681656" cy="896501"/>
+          </a:xfrm>
+          <a:prstGeom prst="rect">
+            <a:avLst/>
+          </a:prstGeom>
+          <a:solidFill>
+            <a:srgbClr val="FAAC15"/>
+          </a:solidFill>
+          <a:ln>
+            <a:solidFill>
+              <a:srgbClr val="FAAC15"/>
+            </a:solidFill>
+          </a:ln>
+          <a:effectLst/>
+        </p:spPr>
+        <p:style>
+          <a:lnRef idx="1">
+            <a:schemeClr val="accent1"/>
+          </a:lnRef>
+          <a:fillRef idx="3">
+            <a:schemeClr val="accent1"/>
+          </a:fillRef>
+          <a:effectRef idx="2">
+            <a:schemeClr val="accent1"/>
+          </a:effectRef>
+          <a:fontRef idx="minor">
+            <a:schemeClr val="lt1"/>
+          </a:fontRef>
+        </p:style>
+        <p:txBody>
+          <a:bodyPr rtlCol="0" anchor="ctr"/>
+          <a:lstStyle/>
+          <a:p>
+            <a:pPr algn="ctr"/>
+            <a:r>
+              <a:rPr lang="en-US" dirty="0" smtClean="0">
+                <a:solidFill>
+                  <a:schemeClr val="bg1"/>
+                </a:solidFill>
+                <a:latin typeface="Lato Black"/>
+                <a:cs typeface="Lato Black"/>
+              </a:rPr>
+              <a:t>File C</a:t>
+            </a:r>
+            <a:endParaRPr lang="en-US" dirty="0">
+              <a:solidFill>
+                <a:schemeClr val="bg1"/>
+              </a:solidFill>
+              <a:latin typeface="Lato Black"/>
+              <a:cs typeface="Lato Black"/>
+            </a:endParaRPr>
+          </a:p>
+        </p:txBody>
+      </p:sp>
+      <p:sp>
+        <p:nvSpPr>
+          <p:cNvPr id="50" name="Rectangle 49"/>
+          <p:cNvSpPr/>
+          <p:nvPr/>
+        </p:nvSpPr>
+        <p:spPr>
+          <a:xfrm>
+            <a:off x="6916386" y="1521851"/>
+            <a:ext cx="681656" cy="187463"/>
+          </a:xfrm>
+          <a:prstGeom prst="rect">
+            <a:avLst/>
+          </a:prstGeom>
+          <a:solidFill>
+            <a:srgbClr val="A2CBEE"/>
+          </a:solidFill>
+          <a:ln>
+            <a:solidFill>
+              <a:srgbClr val="A2CBEE"/>
+            </a:solidFill>
+          </a:ln>
+          <a:effectLst/>
+        </p:spPr>
+        <p:style>
+          <a:lnRef idx="1">
+            <a:schemeClr val="accent1"/>
+          </a:lnRef>
+          <a:fillRef idx="3">
+            <a:schemeClr val="accent1"/>
+          </a:fillRef>
+          <a:effectRef idx="2">
+            <a:schemeClr val="accent1"/>
+          </a:effectRef>
+          <a:fontRef idx="minor">
+            <a:schemeClr val="lt1"/>
+          </a:fontRef>
+        </p:style>
+        <p:txBody>
+          <a:bodyPr rtlCol="0" anchor="ctr"/>
+          <a:lstStyle/>
+          <a:p>
+            <a:pPr algn="ctr"/>
+            <a:endParaRPr lang="en-US"/>
+          </a:p>
+        </p:txBody>
+      </p:sp>
+      <p:sp>
+        <p:nvSpPr>
+          <p:cNvPr id="57" name="Rectangle 56"/>
+          <p:cNvSpPr/>
+          <p:nvPr/>
+        </p:nvSpPr>
+        <p:spPr>
+          <a:xfrm>
+            <a:off x="6916386" y="1709314"/>
+            <a:ext cx="681656" cy="375073"/>
+          </a:xfrm>
+          <a:prstGeom prst="rect">
+            <a:avLst/>
+          </a:prstGeom>
+          <a:solidFill>
+            <a:srgbClr val="A2CBEE"/>
+          </a:solidFill>
+          <a:ln>
+            <a:solidFill>
+              <a:srgbClr val="A2CBEE"/>
+            </a:solidFill>
+          </a:ln>
+          <a:effectLst/>
+        </p:spPr>
+        <p:style>
+          <a:lnRef idx="1">
+            <a:schemeClr val="accent1"/>
+          </a:lnRef>
+          <a:fillRef idx="3">
+            <a:schemeClr val="accent1"/>
+          </a:fillRef>
+          <a:effectRef idx="2">
+            <a:schemeClr val="accent1"/>
+          </a:effectRef>
+          <a:fontRef idx="minor">
+            <a:schemeClr val="lt1"/>
+          </a:fontRef>
+        </p:style>
+        <p:txBody>
+          <a:bodyPr rtlCol="0" anchor="ctr"/>
+          <a:lstStyle/>
+          <a:p>
+            <a:pPr algn="ctr"/>
+            <a:endParaRPr lang="en-US"/>
+          </a:p>
+        </p:txBody>
+      </p:sp>
+      <p:sp>
+        <p:nvSpPr>
+          <p:cNvPr id="58" name="Rectangle 57"/>
+          <p:cNvSpPr/>
+          <p:nvPr/>
+        </p:nvSpPr>
+        <p:spPr>
+          <a:xfrm>
+            <a:off x="6077967" y="3188348"/>
+            <a:ext cx="681656" cy="375073"/>
+          </a:xfrm>
+          <a:prstGeom prst="rect">
+            <a:avLst/>
+          </a:prstGeom>
+          <a:solidFill>
+            <a:srgbClr val="A2CBEE"/>
+          </a:solidFill>
+          <a:ln>
+            <a:solidFill>
+              <a:srgbClr val="A2CBEE"/>
+            </a:solidFill>
+          </a:ln>
+          <a:effectLst/>
+        </p:spPr>
+        <p:style>
+          <a:lnRef idx="1">
+            <a:schemeClr val="accent1"/>
+          </a:lnRef>
+          <a:fillRef idx="3">
+            <a:schemeClr val="accent1"/>
+          </a:fillRef>
+          <a:effectRef idx="2">
+            <a:schemeClr val="accent1"/>
+          </a:effectRef>
+          <a:fontRef idx="minor">
+            <a:schemeClr val="lt1"/>
+          </a:fontRef>
+        </p:style>
+        <p:txBody>
+          <a:bodyPr rtlCol="0" anchor="ctr"/>
+          <a:lstStyle/>
+          <a:p>
+            <a:pPr algn="ctr"/>
+            <a:endParaRPr lang="en-US"/>
+          </a:p>
+        </p:txBody>
+      </p:sp>
+      <p:sp>
+        <p:nvSpPr>
+          <p:cNvPr id="19" name="Rectangle 18"/>
+          <p:cNvSpPr/>
+          <p:nvPr/>
+        </p:nvSpPr>
+        <p:spPr>
+          <a:xfrm>
+            <a:off x="2902709" y="1709314"/>
+            <a:ext cx="681656" cy="224046"/>
+          </a:xfrm>
+          <a:prstGeom prst="rect">
+            <a:avLst/>
+          </a:prstGeom>
+          <a:solidFill>
+            <a:srgbClr val="FFD37F"/>
+          </a:solidFill>
+          <a:ln>
+            <a:solidFill>
+              <a:srgbClr val="FFD37F"/>
+            </a:solidFill>
+          </a:ln>
+          <a:effectLst/>
+        </p:spPr>
+        <p:style>
+          <a:lnRef idx="1">
+            <a:schemeClr val="accent1"/>
+          </a:lnRef>
+          <a:fillRef idx="3">
+            <a:schemeClr val="accent1"/>
+          </a:fillRef>
+          <a:effectRef idx="2">
+            <a:schemeClr val="accent1"/>
+          </a:effectRef>
+          <a:fontRef idx="minor">
+            <a:schemeClr val="lt1"/>
+          </a:fontRef>
+        </p:style>
+        <p:txBody>
+          <a:bodyPr rtlCol="0" anchor="ctr"/>
+          <a:lstStyle/>
+          <a:p>
+            <a:pPr algn="ctr"/>
+            <a:endParaRPr lang="en-US"/>
+          </a:p>
+        </p:txBody>
+      </p:sp>
+      <p:sp>
+        <p:nvSpPr>
+          <p:cNvPr id="9" name="Rectangle 8"/>
+          <p:cNvSpPr/>
+          <p:nvPr/>
+        </p:nvSpPr>
+        <p:spPr>
+          <a:xfrm>
+            <a:off x="2901381" y="1521851"/>
+            <a:ext cx="681656" cy="187463"/>
+          </a:xfrm>
+          <a:prstGeom prst="rect">
+            <a:avLst/>
+          </a:prstGeom>
+          <a:solidFill>
+            <a:srgbClr val="A2CBEE"/>
+          </a:solidFill>
+          <a:ln>
+            <a:solidFill>
+              <a:srgbClr val="A2CBEE"/>
+            </a:solidFill>
+          </a:ln>
+          <a:effectLst/>
+        </p:spPr>
+        <p:style>
+          <a:lnRef idx="1">
+            <a:schemeClr val="accent1"/>
+          </a:lnRef>
+          <a:fillRef idx="3">
+            <a:schemeClr val="accent1"/>
+          </a:fillRef>
+          <a:effectRef idx="2">
+            <a:schemeClr val="accent1"/>
+          </a:effectRef>
+          <a:fontRef idx="minor">
+            <a:schemeClr val="lt1"/>
+          </a:fontRef>
+        </p:style>
+        <p:txBody>
+          <a:bodyPr rtlCol="0" anchor="ctr"/>
+          <a:lstStyle/>
+          <a:p>
+            <a:pPr algn="ctr"/>
+            <a:endParaRPr lang="en-US"/>
+          </a:p>
+        </p:txBody>
+      </p:sp>
+    </p:spTree>
+    <p:extLst>
+      <p:ext uri="{BB962C8B-B14F-4D97-AF65-F5344CB8AC3E}">
+        <p14:creationId xmlns:p14="http://schemas.microsoft.com/office/powerpoint/2010/main" val="911713122"/>
+      </p:ext>
+    </p:extLst>
+  </p:cSld>
+  <p:clrMapOvr>
+    <a:masterClrMapping/>
+  </p:clrMapOvr>
+  <p:timing>
+    <p:tnLst>
+      <p:par>
+        <p:cTn id="1" dur="indefinite" restart="never" nodeType="tmRoot">
+          <p:childTnLst>
+            <p:seq concurrent="1" nextAc="seek">
+              <p:cTn id="2" dur="indefinite" nodeType="mainSeq">
+                <p:childTnLst>
+                  <p:par>
+                    <p:cTn id="3" fill="hold">
+                      <p:stCondLst>
+                        <p:cond delay="indefinite"/>
+                      </p:stCondLst>
+                      <p:childTnLst>
+                        <p:par>
+                          <p:cTn id="4" fill="hold">
+                            <p:stCondLst>
+                              <p:cond delay="0"/>
+                            </p:stCondLst>
+                            <p:childTnLst>
+                              <p:par>
+                                <p:cTn id="5" presetID="0" presetClass="path" presetSubtype="0" accel="50000" decel="50000" fill="hold" grpId="0" nodeType="clickEffect">
+                                  <p:stCondLst>
+                                    <p:cond delay="0"/>
+                                  </p:stCondLst>
+                                  <p:childTnLst>
+                                    <p:animMotion origin="layout" path="M 0 0 L 0.43924 0 " pathEditMode="relative" ptsTypes="AA">
+                                      <p:cBhvr>
+                                        <p:cTn id="6" dur="2000" fill="hold"/>
+                                        <p:tgtEl>
+                                          <p:spTgt spid="13"/>
+                                        </p:tgtEl>
+                                        <p:attrNameLst>
+                                          <p:attrName>ppt_x</p:attrName>
+                                          <p:attrName>ppt_y</p:attrName>
+                                        </p:attrNameLst>
+                                      </p:cBhvr>
+                                    </p:animMotion>
+                                  </p:childTnLst>
+                                </p:cTn>
+                              </p:par>
+                              <p:par>
+                                <p:cTn id="7" presetID="0" presetClass="path" presetSubtype="0" accel="50000" decel="50000" fill="hold" grpId="0" nodeType="withEffect">
+                                  <p:stCondLst>
+                                    <p:cond delay="0"/>
+                                  </p:stCondLst>
+                                  <p:childTnLst>
+                                    <p:animMotion origin="layout" path="M 0 0 L 0.43924 0 " pathEditMode="relative" ptsTypes="AA">
+                                      <p:cBhvr>
+                                        <p:cTn id="8" dur="2000" fill="hold"/>
+                                        <p:tgtEl>
+                                          <p:spTgt spid="12"/>
+                                        </p:tgtEl>
+                                        <p:attrNameLst>
+                                          <p:attrName>ppt_x</p:attrName>
+                                          <p:attrName>ppt_y</p:attrName>
+                                        </p:attrNameLst>
+                                      </p:cBhvr>
+                                    </p:animMotion>
+                                  </p:childTnLst>
+                                </p:cTn>
+                              </p:par>
+                              <p:par>
+                                <p:cTn id="9" presetID="0" presetClass="path" presetSubtype="0" accel="50000" decel="50000" fill="hold" grpId="0" nodeType="withEffect">
+                                  <p:stCondLst>
+                                    <p:cond delay="0"/>
+                                  </p:stCondLst>
+                                  <p:childTnLst>
+                                    <p:animMotion origin="layout" path="M 0 0 L 0.43924 0 " pathEditMode="relative" ptsTypes="AA">
+                                      <p:cBhvr>
+                                        <p:cTn id="10" dur="2000" fill="hold"/>
+                                        <p:tgtEl>
+                                          <p:spTgt spid="16"/>
+                                        </p:tgtEl>
+                                        <p:attrNameLst>
+                                          <p:attrName>ppt_x</p:attrName>
+                                          <p:attrName>ppt_y</p:attrName>
+                                        </p:attrNameLst>
+                                      </p:cBhvr>
+                                    </p:animMotion>
+                                  </p:childTnLst>
+                                </p:cTn>
+                              </p:par>
+                              <p:par>
+                                <p:cTn id="11" presetID="0" presetClass="path" presetSubtype="0" accel="50000" decel="50000" fill="hold" grpId="0" nodeType="withEffect">
+                                  <p:stCondLst>
+                                    <p:cond delay="0"/>
+                                  </p:stCondLst>
+                                  <p:childTnLst>
+                                    <p:animMotion origin="layout" path="M 0 0 L 0.43924 0 " pathEditMode="relative" ptsTypes="AA">
+                                      <p:cBhvr>
+                                        <p:cTn id="12" dur="2000" fill="hold"/>
+                                        <p:tgtEl>
+                                          <p:spTgt spid="14"/>
+                                        </p:tgtEl>
+                                        <p:attrNameLst>
+                                          <p:attrName>ppt_x</p:attrName>
+                                          <p:attrName>ppt_y</p:attrName>
+                                        </p:attrNameLst>
+                                      </p:cBhvr>
+                                    </p:animMotion>
+                                  </p:childTnLst>
+                                </p:cTn>
+                              </p:par>
+                              <p:par>
+                                <p:cTn id="13" presetID="0" presetClass="path" presetSubtype="0" accel="50000" decel="50000" fill="hold" grpId="0" nodeType="withEffect">
+                                  <p:stCondLst>
+                                    <p:cond delay="0"/>
+                                  </p:stCondLst>
+                                  <p:childTnLst>
+                                    <p:animMotion origin="layout" path="M 0 0 L 0.43924 0 " pathEditMode="relative" ptsTypes="AA">
+                                      <p:cBhvr>
+                                        <p:cTn id="14" dur="2000" fill="hold"/>
+                                        <p:tgtEl>
+                                          <p:spTgt spid="15"/>
+                                        </p:tgtEl>
+                                        <p:attrNameLst>
+                                          <p:attrName>ppt_x</p:attrName>
+                                          <p:attrName>ppt_y</p:attrName>
+                                        </p:attrNameLst>
+                                      </p:cBhvr>
+                                    </p:animMotion>
+                                  </p:childTnLst>
+                                </p:cTn>
+                              </p:par>
+                              <p:par>
+                                <p:cTn id="15" presetID="10" presetClass="entr" presetSubtype="0" fill="hold" grpId="0" nodeType="withEffect">
+                                  <p:stCondLst>
+                                    <p:cond delay="0"/>
+                                  </p:stCondLst>
+                                  <p:childTnLst>
+                                    <p:set>
+                                      <p:cBhvr>
+                                        <p:cTn id="16" dur="1" fill="hold">
+                                          <p:stCondLst>
+                                            <p:cond delay="0"/>
+                                          </p:stCondLst>
+                                        </p:cTn>
+                                        <p:tgtEl>
+                                          <p:spTgt spid="25"/>
+                                        </p:tgtEl>
+                                        <p:attrNameLst>
+                                          <p:attrName>style.visibility</p:attrName>
+                                        </p:attrNameLst>
+                                      </p:cBhvr>
+                                      <p:to>
+                                        <p:strVal val="visible"/>
+                                      </p:to>
+                                    </p:set>
+                                    <p:animEffect transition="in" filter="fade">
+                                      <p:cBhvr>
+                                        <p:cTn id="17" dur="500"/>
+                                        <p:tgtEl>
+                                          <p:spTgt spid="25"/>
+                                        </p:tgtEl>
+                                      </p:cBhvr>
+                                    </p:animEffect>
+                                  </p:childTnLst>
+                                </p:cTn>
+                              </p:par>
+                            </p:childTnLst>
+                          </p:cTn>
+                        </p:par>
+                      </p:childTnLst>
+                    </p:cTn>
+                  </p:par>
+                  <p:par>
+                    <p:cTn id="18" fill="hold">
+                      <p:stCondLst>
+                        <p:cond delay="indefinite"/>
+                      </p:stCondLst>
+                      <p:childTnLst>
+                        <p:par>
+                          <p:cTn id="19" fill="hold">
+                            <p:stCondLst>
+                              <p:cond delay="0"/>
+                            </p:stCondLst>
+                            <p:childTnLst>
+                              <p:par>
+                                <p:cTn id="20" presetID="2" presetClass="entr" presetSubtype="1" fill="hold" grpId="0" nodeType="clickEffect">
+                                  <p:stCondLst>
+                                    <p:cond delay="0"/>
+                                  </p:stCondLst>
+                                  <p:childTnLst>
+                                    <p:set>
+                                      <p:cBhvr>
+                                        <p:cTn id="21" dur="1" fill="hold">
+                                          <p:stCondLst>
+                                            <p:cond delay="0"/>
+                                          </p:stCondLst>
+                                        </p:cTn>
+                                        <p:tgtEl>
+                                          <p:spTgt spid="30"/>
+                                        </p:tgtEl>
+                                        <p:attrNameLst>
+                                          <p:attrName>style.visibility</p:attrName>
+                                        </p:attrNameLst>
+                                      </p:cBhvr>
+                                      <p:to>
+                                        <p:strVal val="visible"/>
+                                      </p:to>
+                                    </p:set>
+                                    <p:anim calcmode="lin" valueType="num">
+                                      <p:cBhvr additive="base">
+                                        <p:cTn id="22" dur="500" fill="hold"/>
+                                        <p:tgtEl>
+                                          <p:spTgt spid="30"/>
+                                        </p:tgtEl>
+                                        <p:attrNameLst>
+                                          <p:attrName>ppt_x</p:attrName>
+                                        </p:attrNameLst>
+                                      </p:cBhvr>
+                                      <p:tavLst>
+                                        <p:tav tm="0">
+                                          <p:val>
+                                            <p:strVal val="#ppt_x"/>
+                                          </p:val>
+                                        </p:tav>
+                                        <p:tav tm="100000">
+                                          <p:val>
+                                            <p:strVal val="#ppt_x"/>
+                                          </p:val>
+                                        </p:tav>
+                                      </p:tavLst>
+                                    </p:anim>
+                                    <p:anim calcmode="lin" valueType="num">
+                                      <p:cBhvr additive="base">
+                                        <p:cTn id="23" dur="500" fill="hold"/>
+                                        <p:tgtEl>
+                                          <p:spTgt spid="30"/>
+                                        </p:tgtEl>
+                                        <p:attrNameLst>
+                                          <p:attrName>ppt_y</p:attrName>
+                                        </p:attrNameLst>
+                                      </p:cBhvr>
+                                      <p:tavLst>
+                                        <p:tav tm="0">
+                                          <p:val>
+                                            <p:strVal val="0-#ppt_h/2"/>
+                                          </p:val>
+                                        </p:tav>
+                                        <p:tav tm="100000">
+                                          <p:val>
+                                            <p:strVal val="#ppt_y"/>
+                                          </p:val>
+                                        </p:tav>
+                                      </p:tavLst>
+                                    </p:anim>
+                                  </p:childTnLst>
+                                </p:cTn>
+                              </p:par>
+                              <p:par>
+                                <p:cTn id="24" presetID="2" presetClass="entr" presetSubtype="1" fill="hold" grpId="0" nodeType="withEffect">
+                                  <p:stCondLst>
+                                    <p:cond delay="0"/>
+                                  </p:stCondLst>
+                                  <p:childTnLst>
+                                    <p:set>
+                                      <p:cBhvr>
+                                        <p:cTn id="25" dur="1" fill="hold">
+                                          <p:stCondLst>
+                                            <p:cond delay="0"/>
+                                          </p:stCondLst>
+                                        </p:cTn>
+                                        <p:tgtEl>
+                                          <p:spTgt spid="31"/>
+                                        </p:tgtEl>
+                                        <p:attrNameLst>
+                                          <p:attrName>style.visibility</p:attrName>
+                                        </p:attrNameLst>
+                                      </p:cBhvr>
+                                      <p:to>
+                                        <p:strVal val="visible"/>
+                                      </p:to>
+                                    </p:set>
+                                    <p:anim calcmode="lin" valueType="num">
+                                      <p:cBhvr additive="base">
+                                        <p:cTn id="26" dur="500" fill="hold"/>
+                                        <p:tgtEl>
+                                          <p:spTgt spid="31"/>
+                                        </p:tgtEl>
+                                        <p:attrNameLst>
+                                          <p:attrName>ppt_x</p:attrName>
+                                        </p:attrNameLst>
+                                      </p:cBhvr>
+                                      <p:tavLst>
+                                        <p:tav tm="0">
+                                          <p:val>
+                                            <p:strVal val="#ppt_x"/>
+                                          </p:val>
+                                        </p:tav>
+                                        <p:tav tm="100000">
+                                          <p:val>
+                                            <p:strVal val="#ppt_x"/>
+                                          </p:val>
+                                        </p:tav>
+                                      </p:tavLst>
+                                    </p:anim>
+                                    <p:anim calcmode="lin" valueType="num">
+                                      <p:cBhvr additive="base">
+                                        <p:cTn id="27" dur="500" fill="hold"/>
+                                        <p:tgtEl>
+                                          <p:spTgt spid="31"/>
+                                        </p:tgtEl>
+                                        <p:attrNameLst>
+                                          <p:attrName>ppt_y</p:attrName>
+                                        </p:attrNameLst>
+                                      </p:cBhvr>
+                                      <p:tavLst>
+                                        <p:tav tm="0">
+                                          <p:val>
+                                            <p:strVal val="0-#ppt_h/2"/>
+                                          </p:val>
+                                        </p:tav>
+                                        <p:tav tm="100000">
+                                          <p:val>
+                                            <p:strVal val="#ppt_y"/>
+                                          </p:val>
+                                        </p:tav>
+                                      </p:tavLst>
+                                    </p:anim>
+                                  </p:childTnLst>
+                                </p:cTn>
+                              </p:par>
+                            </p:childTnLst>
+                          </p:cTn>
+                        </p:par>
+                      </p:childTnLst>
+                    </p:cTn>
+                  </p:par>
+                  <p:par>
+                    <p:cTn id="28" fill="hold">
+                      <p:stCondLst>
+                        <p:cond delay="indefinite"/>
+                      </p:stCondLst>
+                      <p:childTnLst>
+                        <p:par>
+                          <p:cTn id="29" fill="hold">
+                            <p:stCondLst>
+                              <p:cond delay="0"/>
+                            </p:stCondLst>
+                            <p:childTnLst>
+                              <p:par>
+                                <p:cTn id="30" presetID="2" presetClass="exit" presetSubtype="1" fill="hold" grpId="1" nodeType="clickEffect">
+                                  <p:stCondLst>
+                                    <p:cond delay="0"/>
+                                  </p:stCondLst>
+                                  <p:childTnLst>
+                                    <p:anim calcmode="lin" valueType="num">
+                                      <p:cBhvr additive="base">
+                                        <p:cTn id="31" dur="500"/>
+                                        <p:tgtEl>
+                                          <p:spTgt spid="30"/>
+                                        </p:tgtEl>
+                                        <p:attrNameLst>
+                                          <p:attrName>ppt_x</p:attrName>
+                                        </p:attrNameLst>
+                                      </p:cBhvr>
+                                      <p:tavLst>
+                                        <p:tav tm="0">
+                                          <p:val>
+                                            <p:strVal val="ppt_x"/>
+                                          </p:val>
+                                        </p:tav>
+                                        <p:tav tm="100000">
+                                          <p:val>
+                                            <p:strVal val="ppt_x"/>
+                                          </p:val>
+                                        </p:tav>
+                                      </p:tavLst>
+                                    </p:anim>
+                                    <p:anim calcmode="lin" valueType="num">
+                                      <p:cBhvr additive="base">
+                                        <p:cTn id="32" dur="500"/>
+                                        <p:tgtEl>
+                                          <p:spTgt spid="30"/>
+                                        </p:tgtEl>
+                                        <p:attrNameLst>
+                                          <p:attrName>ppt_y</p:attrName>
+                                        </p:attrNameLst>
+                                      </p:cBhvr>
+                                      <p:tavLst>
+                                        <p:tav tm="0">
+                                          <p:val>
+                                            <p:strVal val="ppt_y"/>
+                                          </p:val>
+                                        </p:tav>
+                                        <p:tav tm="100000">
+                                          <p:val>
+                                            <p:strVal val="0-ppt_h/2"/>
+                                          </p:val>
+                                        </p:tav>
+                                      </p:tavLst>
+                                    </p:anim>
+                                    <p:set>
+                                      <p:cBhvr>
+                                        <p:cTn id="33" dur="1" fill="hold">
+                                          <p:stCondLst>
+                                            <p:cond delay="499"/>
+                                          </p:stCondLst>
+                                        </p:cTn>
+                                        <p:tgtEl>
+                                          <p:spTgt spid="30"/>
+                                        </p:tgtEl>
+                                        <p:attrNameLst>
+                                          <p:attrName>style.visibility</p:attrName>
+                                        </p:attrNameLst>
+                                      </p:cBhvr>
+                                      <p:to>
+                                        <p:strVal val="hidden"/>
+                                      </p:to>
+                                    </p:set>
+                                  </p:childTnLst>
+                                </p:cTn>
+                              </p:par>
+                              <p:par>
+                                <p:cTn id="34" presetID="2" presetClass="exit" presetSubtype="1" fill="hold" grpId="1" nodeType="withEffect">
+                                  <p:stCondLst>
+                                    <p:cond delay="0"/>
+                                  </p:stCondLst>
+                                  <p:childTnLst>
+                                    <p:anim calcmode="lin" valueType="num">
+                                      <p:cBhvr additive="base">
+                                        <p:cTn id="35" dur="500"/>
+                                        <p:tgtEl>
+                                          <p:spTgt spid="31"/>
+                                        </p:tgtEl>
+                                        <p:attrNameLst>
+                                          <p:attrName>ppt_x</p:attrName>
+                                        </p:attrNameLst>
+                                      </p:cBhvr>
+                                      <p:tavLst>
+                                        <p:tav tm="0">
+                                          <p:val>
+                                            <p:strVal val="ppt_x"/>
+                                          </p:val>
+                                        </p:tav>
+                                        <p:tav tm="100000">
+                                          <p:val>
+                                            <p:strVal val="ppt_x"/>
+                                          </p:val>
+                                        </p:tav>
+                                      </p:tavLst>
+                                    </p:anim>
+                                    <p:anim calcmode="lin" valueType="num">
+                                      <p:cBhvr additive="base">
+                                        <p:cTn id="36" dur="500"/>
+                                        <p:tgtEl>
+                                          <p:spTgt spid="31"/>
+                                        </p:tgtEl>
+                                        <p:attrNameLst>
+                                          <p:attrName>ppt_y</p:attrName>
+                                        </p:attrNameLst>
+                                      </p:cBhvr>
+                                      <p:tavLst>
+                                        <p:tav tm="0">
+                                          <p:val>
+                                            <p:strVal val="ppt_y"/>
+                                          </p:val>
+                                        </p:tav>
+                                        <p:tav tm="100000">
+                                          <p:val>
+                                            <p:strVal val="0-ppt_h/2"/>
+                                          </p:val>
+                                        </p:tav>
+                                      </p:tavLst>
+                                    </p:anim>
+                                    <p:set>
+                                      <p:cBhvr>
+                                        <p:cTn id="37" dur="1" fill="hold">
+                                          <p:stCondLst>
+                                            <p:cond delay="499"/>
+                                          </p:stCondLst>
+                                        </p:cTn>
+                                        <p:tgtEl>
+                                          <p:spTgt spid="31"/>
+                                        </p:tgtEl>
+                                        <p:attrNameLst>
+                                          <p:attrName>style.visibility</p:attrName>
+                                        </p:attrNameLst>
+                                      </p:cBhvr>
+                                      <p:to>
+                                        <p:strVal val="hidden"/>
+                                      </p:to>
+                                    </p:set>
+                                  </p:childTnLst>
+                                </p:cTn>
+                              </p:par>
+                            </p:childTnLst>
+                          </p:cTn>
+                        </p:par>
+                      </p:childTnLst>
+                    </p:cTn>
+                  </p:par>
+                  <p:par>
+                    <p:cTn id="38" fill="hold">
+                      <p:stCondLst>
+                        <p:cond delay="indefinite"/>
+                      </p:stCondLst>
+                      <p:childTnLst>
+                        <p:par>
+                          <p:cTn id="39" fill="hold">
+                            <p:stCondLst>
+                              <p:cond delay="0"/>
+                            </p:stCondLst>
+                            <p:childTnLst>
+                              <p:par>
+                                <p:cTn id="40" presetID="50" presetClass="path" presetSubtype="0" accel="50000" decel="50000" fill="hold" nodeType="clickEffect">
+                                  <p:stCondLst>
+                                    <p:cond delay="0"/>
+                                  </p:stCondLst>
+                                  <p:childTnLst>
+                                    <p:animMotion origin="layout" path="M -2.22222E-6 -4.44444E-6 L 0.21788 -4.44444E-6 C 0.31563 -4.44444E-6 0.43594 -0.0456 0.43594 -0.08217 L 0.43594 -0.16365 " pathEditMode="relative" rAng="0" ptsTypes="FfFF">
+                                      <p:cBhvr>
+                                        <p:cTn id="41" dur="2000" fill="hold"/>
+                                        <p:tgtEl>
+                                          <p:spTgt spid="11"/>
+                                        </p:tgtEl>
+                                        <p:attrNameLst>
+                                          <p:attrName>ppt_x</p:attrName>
+                                          <p:attrName>ppt_y</p:attrName>
+                                        </p:attrNameLst>
+                                      </p:cBhvr>
+                                      <p:rCtr x="21788" y="-8194"/>
+                                    </p:animMotion>
+                                  </p:childTnLst>
+                                </p:cTn>
+                              </p:par>
+                              <p:par>
+                                <p:cTn id="42" presetID="2" presetClass="entr" presetSubtype="4" fill="hold" nodeType="withEffect">
+                                  <p:stCondLst>
+                                    <p:cond delay="0"/>
+                                  </p:stCondLst>
+                                  <p:childTnLst>
+                                    <p:set>
+                                      <p:cBhvr>
+                                        <p:cTn id="43" dur="1" fill="hold">
+                                          <p:stCondLst>
+                                            <p:cond delay="0"/>
+                                          </p:stCondLst>
+                                        </p:cTn>
+                                        <p:tgtEl>
+                                          <p:spTgt spid="24"/>
+                                        </p:tgtEl>
+                                        <p:attrNameLst>
+                                          <p:attrName>style.visibility</p:attrName>
+                                        </p:attrNameLst>
+                                      </p:cBhvr>
+                                      <p:to>
+                                        <p:strVal val="visible"/>
+                                      </p:to>
+                                    </p:set>
+                                    <p:anim calcmode="lin" valueType="num">
+                                      <p:cBhvr additive="base">
+                                        <p:cTn id="44" dur="500" fill="hold"/>
+                                        <p:tgtEl>
+                                          <p:spTgt spid="24"/>
+                                        </p:tgtEl>
+                                        <p:attrNameLst>
+                                          <p:attrName>ppt_x</p:attrName>
+                                        </p:attrNameLst>
+                                      </p:cBhvr>
+                                      <p:tavLst>
+                                        <p:tav tm="0">
+                                          <p:val>
+                                            <p:strVal val="#ppt_x"/>
+                                          </p:val>
+                                        </p:tav>
+                                        <p:tav tm="100000">
+                                          <p:val>
+                                            <p:strVal val="#ppt_x"/>
+                                          </p:val>
+                                        </p:tav>
+                                      </p:tavLst>
+                                    </p:anim>
+                                    <p:anim calcmode="lin" valueType="num">
+                                      <p:cBhvr additive="base">
+                                        <p:cTn id="45" dur="500" fill="hold"/>
+                                        <p:tgtEl>
+                                          <p:spTgt spid="24"/>
+                                        </p:tgtEl>
+                                        <p:attrNameLst>
+                                          <p:attrName>ppt_y</p:attrName>
+                                        </p:attrNameLst>
+                                      </p:cBhvr>
+                                      <p:tavLst>
+                                        <p:tav tm="0">
+                                          <p:val>
+                                            <p:strVal val="1+#ppt_h/2"/>
+                                          </p:val>
+                                        </p:tav>
+                                        <p:tav tm="100000">
+                                          <p:val>
+                                            <p:strVal val="#ppt_y"/>
+                                          </p:val>
+                                        </p:tav>
+                                      </p:tavLst>
+                                    </p:anim>
+                                  </p:childTnLst>
+                                </p:cTn>
+                              </p:par>
+                            </p:childTnLst>
+                          </p:cTn>
+                        </p:par>
+                      </p:childTnLst>
+                    </p:cTn>
+                  </p:par>
+                  <p:par>
+                    <p:cTn id="46" fill="hold">
+                      <p:stCondLst>
+                        <p:cond delay="indefinite"/>
+                      </p:stCondLst>
+                      <p:childTnLst>
+                        <p:par>
+                          <p:cTn id="47" fill="hold">
+                            <p:stCondLst>
+                              <p:cond delay="0"/>
+                            </p:stCondLst>
+                            <p:childTnLst>
+                              <p:par>
+                                <p:cTn id="48" presetID="2" presetClass="entr" presetSubtype="4" fill="hold" grpId="0" nodeType="clickEffect">
+                                  <p:stCondLst>
+                                    <p:cond delay="0"/>
+                                  </p:stCondLst>
+                                  <p:childTnLst>
+                                    <p:set>
+                                      <p:cBhvr>
+                                        <p:cTn id="49" dur="1" fill="hold">
+                                          <p:stCondLst>
+                                            <p:cond delay="0"/>
+                                          </p:stCondLst>
+                                        </p:cTn>
+                                        <p:tgtEl>
+                                          <p:spTgt spid="22"/>
+                                        </p:tgtEl>
+                                        <p:attrNameLst>
+                                          <p:attrName>style.visibility</p:attrName>
+                                        </p:attrNameLst>
+                                      </p:cBhvr>
+                                      <p:to>
+                                        <p:strVal val="visible"/>
+                                      </p:to>
+                                    </p:set>
+                                    <p:anim calcmode="lin" valueType="num">
+                                      <p:cBhvr additive="base">
+                                        <p:cTn id="50" dur="500" fill="hold"/>
+                                        <p:tgtEl>
+                                          <p:spTgt spid="22"/>
+                                        </p:tgtEl>
+                                        <p:attrNameLst>
+                                          <p:attrName>ppt_x</p:attrName>
+                                        </p:attrNameLst>
+                                      </p:cBhvr>
+                                      <p:tavLst>
+                                        <p:tav tm="0">
+                                          <p:val>
+                                            <p:strVal val="#ppt_x"/>
+                                          </p:val>
+                                        </p:tav>
+                                        <p:tav tm="100000">
+                                          <p:val>
+                                            <p:strVal val="#ppt_x"/>
+                                          </p:val>
+                                        </p:tav>
+                                      </p:tavLst>
+                                    </p:anim>
+                                    <p:anim calcmode="lin" valueType="num">
+                                      <p:cBhvr additive="base">
+                                        <p:cTn id="51" dur="500" fill="hold"/>
+                                        <p:tgtEl>
+                                          <p:spTgt spid="22"/>
+                                        </p:tgtEl>
+                                        <p:attrNameLst>
+                                          <p:attrName>ppt_y</p:attrName>
+                                        </p:attrNameLst>
+                                      </p:cBhvr>
+                                      <p:tavLst>
+                                        <p:tav tm="0">
+                                          <p:val>
+                                            <p:strVal val="1+#ppt_h/2"/>
+                                          </p:val>
+                                        </p:tav>
+                                        <p:tav tm="100000">
+                                          <p:val>
+                                            <p:strVal val="#ppt_y"/>
+                                          </p:val>
+                                        </p:tav>
+                                      </p:tavLst>
+                                    </p:anim>
+                                  </p:childTnLst>
+                                </p:cTn>
+                              </p:par>
+                            </p:childTnLst>
+                          </p:cTn>
+                        </p:par>
+                      </p:childTnLst>
+                    </p:cTn>
+                  </p:par>
+                  <p:par>
+                    <p:cTn id="52" fill="hold">
+                      <p:stCondLst>
+                        <p:cond delay="indefinite"/>
+                      </p:stCondLst>
+                      <p:childTnLst>
+                        <p:par>
+                          <p:cTn id="53" fill="hold">
+                            <p:stCondLst>
+                              <p:cond delay="0"/>
+                            </p:stCondLst>
+                            <p:childTnLst>
+                              <p:par>
+                                <p:cTn id="54" presetID="2" presetClass="entr" presetSubtype="4" fill="hold" grpId="0" nodeType="clickEffect">
+                                  <p:stCondLst>
+                                    <p:cond delay="0"/>
+                                  </p:stCondLst>
+                                  <p:childTnLst>
+                                    <p:set>
+                                      <p:cBhvr>
+                                        <p:cTn id="55" dur="1" fill="hold">
+                                          <p:stCondLst>
+                                            <p:cond delay="0"/>
+                                          </p:stCondLst>
+                                        </p:cTn>
+                                        <p:tgtEl>
+                                          <p:spTgt spid="19"/>
+                                        </p:tgtEl>
+                                        <p:attrNameLst>
+                                          <p:attrName>style.visibility</p:attrName>
+                                        </p:attrNameLst>
+                                      </p:cBhvr>
+                                      <p:to>
+                                        <p:strVal val="visible"/>
+                                      </p:to>
+                                    </p:set>
+                                    <p:anim calcmode="lin" valueType="num">
+                                      <p:cBhvr additive="base">
+                                        <p:cTn id="56" dur="500" fill="hold"/>
+                                        <p:tgtEl>
+                                          <p:spTgt spid="19"/>
+                                        </p:tgtEl>
+                                        <p:attrNameLst>
+                                          <p:attrName>ppt_x</p:attrName>
+                                        </p:attrNameLst>
+                                      </p:cBhvr>
+                                      <p:tavLst>
+                                        <p:tav tm="0">
+                                          <p:val>
+                                            <p:strVal val="#ppt_x"/>
+                                          </p:val>
+                                        </p:tav>
+                                        <p:tav tm="100000">
+                                          <p:val>
+                                            <p:strVal val="#ppt_x"/>
+                                          </p:val>
+                                        </p:tav>
+                                      </p:tavLst>
+                                    </p:anim>
+                                    <p:anim calcmode="lin" valueType="num">
+                                      <p:cBhvr additive="base">
+                                        <p:cTn id="57" dur="500" fill="hold"/>
+                                        <p:tgtEl>
+                                          <p:spTgt spid="19"/>
+                                        </p:tgtEl>
+                                        <p:attrNameLst>
+                                          <p:attrName>ppt_y</p:attrName>
+                                        </p:attrNameLst>
+                                      </p:cBhvr>
+                                      <p:tavLst>
+                                        <p:tav tm="0">
+                                          <p:val>
+                                            <p:strVal val="1+#ppt_h/2"/>
+                                          </p:val>
+                                        </p:tav>
+                                        <p:tav tm="100000">
+                                          <p:val>
+                                            <p:strVal val="#ppt_y"/>
+                                          </p:val>
+                                        </p:tav>
+                                      </p:tavLst>
+                                    </p:anim>
+                                  </p:childTnLst>
+                                </p:cTn>
+                              </p:par>
+                            </p:childTnLst>
+                          </p:cTn>
+                        </p:par>
+                      </p:childTnLst>
+                    </p:cTn>
+                  </p:par>
+                  <p:par>
+                    <p:cTn id="58" fill="hold">
+                      <p:stCondLst>
+                        <p:cond delay="indefinite"/>
+                      </p:stCondLst>
+                      <p:childTnLst>
+                        <p:par>
+                          <p:cTn id="59" fill="hold">
+                            <p:stCondLst>
+                              <p:cond delay="0"/>
+                            </p:stCondLst>
+                            <p:childTnLst>
+                              <p:par>
+                                <p:cTn id="60" presetID="2" presetClass="exit" presetSubtype="8" fill="hold" grpId="0" nodeType="clickEffect">
+                                  <p:stCondLst>
+                                    <p:cond delay="0"/>
+                                  </p:stCondLst>
+                                  <p:childTnLst>
+                                    <p:anim calcmode="lin" valueType="num">
+                                      <p:cBhvr additive="base">
+                                        <p:cTn id="61" dur="500"/>
+                                        <p:tgtEl>
+                                          <p:spTgt spid="8"/>
+                                        </p:tgtEl>
+                                        <p:attrNameLst>
+                                          <p:attrName>ppt_x</p:attrName>
+                                        </p:attrNameLst>
+                                      </p:cBhvr>
+                                      <p:tavLst>
+                                        <p:tav tm="0">
+                                          <p:val>
+                                            <p:strVal val="ppt_x"/>
+                                          </p:val>
+                                        </p:tav>
+                                        <p:tav tm="100000">
+                                          <p:val>
+                                            <p:strVal val="0-ppt_w/2"/>
+                                          </p:val>
+                                        </p:tav>
+                                      </p:tavLst>
+                                    </p:anim>
+                                    <p:anim calcmode="lin" valueType="num">
+                                      <p:cBhvr additive="base">
+                                        <p:cTn id="62" dur="500"/>
+                                        <p:tgtEl>
+                                          <p:spTgt spid="8"/>
+                                        </p:tgtEl>
+                                        <p:attrNameLst>
+                                          <p:attrName>ppt_y</p:attrName>
+                                        </p:attrNameLst>
+                                      </p:cBhvr>
+                                      <p:tavLst>
+                                        <p:tav tm="0">
+                                          <p:val>
+                                            <p:strVal val="ppt_y"/>
+                                          </p:val>
+                                        </p:tav>
+                                        <p:tav tm="100000">
+                                          <p:val>
+                                            <p:strVal val="ppt_y"/>
+                                          </p:val>
+                                        </p:tav>
+                                      </p:tavLst>
+                                    </p:anim>
+                                    <p:set>
+                                      <p:cBhvr>
+                                        <p:cTn id="63" dur="1" fill="hold">
+                                          <p:stCondLst>
+                                            <p:cond delay="499"/>
+                                          </p:stCondLst>
+                                        </p:cTn>
+                                        <p:tgtEl>
+                                          <p:spTgt spid="8"/>
+                                        </p:tgtEl>
+                                        <p:attrNameLst>
+                                          <p:attrName>style.visibility</p:attrName>
+                                        </p:attrNameLst>
+                                      </p:cBhvr>
+                                      <p:to>
+                                        <p:strVal val="hidden"/>
+                                      </p:to>
+                                    </p:set>
+                                  </p:childTnLst>
+                                </p:cTn>
+                              </p:par>
+                            </p:childTnLst>
+                          </p:cTn>
+                        </p:par>
+                      </p:childTnLst>
+                    </p:cTn>
+                  </p:par>
+                  <p:par>
+                    <p:cTn id="64" fill="hold">
+                      <p:stCondLst>
+                        <p:cond delay="indefinite"/>
+                      </p:stCondLst>
+                      <p:childTnLst>
+                        <p:par>
+                          <p:cTn id="65" fill="hold">
+                            <p:stCondLst>
+                              <p:cond delay="0"/>
+                            </p:stCondLst>
+                            <p:childTnLst>
+                              <p:par>
+                                <p:cTn id="66" presetID="2" presetClass="entr" presetSubtype="4" fill="hold" grpId="0" nodeType="clickEffect">
+                                  <p:stCondLst>
+                                    <p:cond delay="0"/>
+                                  </p:stCondLst>
+                                  <p:childTnLst>
+                                    <p:set>
+                                      <p:cBhvr>
+                                        <p:cTn id="67" dur="1" fill="hold">
+                                          <p:stCondLst>
+                                            <p:cond delay="0"/>
+                                          </p:stCondLst>
+                                        </p:cTn>
+                                        <p:tgtEl>
+                                          <p:spTgt spid="21"/>
+                                        </p:tgtEl>
+                                        <p:attrNameLst>
+                                          <p:attrName>style.visibility</p:attrName>
+                                        </p:attrNameLst>
+                                      </p:cBhvr>
+                                      <p:to>
+                                        <p:strVal val="visible"/>
+                                      </p:to>
+                                    </p:set>
+                                    <p:anim calcmode="lin" valueType="num">
+                                      <p:cBhvr additive="base">
+                                        <p:cTn id="68" dur="500" fill="hold"/>
+                                        <p:tgtEl>
+                                          <p:spTgt spid="21"/>
+                                        </p:tgtEl>
+                                        <p:attrNameLst>
+                                          <p:attrName>ppt_x</p:attrName>
+                                        </p:attrNameLst>
+                                      </p:cBhvr>
+                                      <p:tavLst>
+                                        <p:tav tm="0">
+                                          <p:val>
+                                            <p:strVal val="#ppt_x"/>
+                                          </p:val>
+                                        </p:tav>
+                                        <p:tav tm="100000">
+                                          <p:val>
+                                            <p:strVal val="#ppt_x"/>
+                                          </p:val>
+                                        </p:tav>
+                                      </p:tavLst>
+                                    </p:anim>
+                                    <p:anim calcmode="lin" valueType="num">
+                                      <p:cBhvr additive="base">
+                                        <p:cTn id="69" dur="500" fill="hold"/>
+                                        <p:tgtEl>
+                                          <p:spTgt spid="21"/>
+                                        </p:tgtEl>
+                                        <p:attrNameLst>
+                                          <p:attrName>ppt_y</p:attrName>
+                                        </p:attrNameLst>
+                                      </p:cBhvr>
+                                      <p:tavLst>
+                                        <p:tav tm="0">
+                                          <p:val>
+                                            <p:strVal val="1+#ppt_h/2"/>
+                                          </p:val>
+                                        </p:tav>
+                                        <p:tav tm="100000">
+                                          <p:val>
+                                            <p:strVal val="#ppt_y"/>
+                                          </p:val>
+                                        </p:tav>
+                                      </p:tavLst>
+                                    </p:anim>
+                                  </p:childTnLst>
+                                </p:cTn>
+                              </p:par>
+                            </p:childTnLst>
+                          </p:cTn>
+                        </p:par>
+                      </p:childTnLst>
+                    </p:cTn>
+                  </p:par>
+                  <p:par>
+                    <p:cTn id="70" fill="hold">
+                      <p:stCondLst>
+                        <p:cond delay="indefinite"/>
+                      </p:stCondLst>
+                      <p:childTnLst>
+                        <p:par>
+                          <p:cTn id="71" fill="hold">
+                            <p:stCondLst>
+                              <p:cond delay="0"/>
+                            </p:stCondLst>
+                            <p:childTnLst>
+                              <p:par>
+                                <p:cTn id="72" presetID="2" presetClass="entr" presetSubtype="4" fill="hold" grpId="0" nodeType="clickEffect">
+                                  <p:stCondLst>
+                                    <p:cond delay="0"/>
+                                  </p:stCondLst>
+                                  <p:childTnLst>
+                                    <p:set>
+                                      <p:cBhvr>
+                                        <p:cTn id="73" dur="1" fill="hold">
+                                          <p:stCondLst>
+                                            <p:cond delay="0"/>
+                                          </p:stCondLst>
+                                        </p:cTn>
+                                        <p:tgtEl>
+                                          <p:spTgt spid="32"/>
+                                        </p:tgtEl>
+                                        <p:attrNameLst>
+                                          <p:attrName>style.visibility</p:attrName>
+                                        </p:attrNameLst>
+                                      </p:cBhvr>
+                                      <p:to>
+                                        <p:strVal val="visible"/>
+                                      </p:to>
+                                    </p:set>
+                                    <p:anim calcmode="lin" valueType="num">
+                                      <p:cBhvr additive="base">
+                                        <p:cTn id="74" dur="500" fill="hold"/>
+                                        <p:tgtEl>
+                                          <p:spTgt spid="32"/>
+                                        </p:tgtEl>
+                                        <p:attrNameLst>
+                                          <p:attrName>ppt_x</p:attrName>
+                                        </p:attrNameLst>
+                                      </p:cBhvr>
+                                      <p:tavLst>
+                                        <p:tav tm="0">
+                                          <p:val>
+                                            <p:strVal val="#ppt_x"/>
+                                          </p:val>
+                                        </p:tav>
+                                        <p:tav tm="100000">
+                                          <p:val>
+                                            <p:strVal val="#ppt_x"/>
+                                          </p:val>
+                                        </p:tav>
+                                      </p:tavLst>
+                                    </p:anim>
+                                    <p:anim calcmode="lin" valueType="num">
+                                      <p:cBhvr additive="base">
+                                        <p:cTn id="75" dur="500" fill="hold"/>
+                                        <p:tgtEl>
+                                          <p:spTgt spid="32"/>
+                                        </p:tgtEl>
+                                        <p:attrNameLst>
+                                          <p:attrName>ppt_y</p:attrName>
+                                        </p:attrNameLst>
+                                      </p:cBhvr>
+                                      <p:tavLst>
+                                        <p:tav tm="0">
+                                          <p:val>
+                                            <p:strVal val="1+#ppt_h/2"/>
+                                          </p:val>
+                                        </p:tav>
+                                        <p:tav tm="100000">
+                                          <p:val>
+                                            <p:strVal val="#ppt_y"/>
+                                          </p:val>
+                                        </p:tav>
+                                      </p:tavLst>
+                                    </p:anim>
+                                  </p:childTnLst>
+                                </p:cTn>
+                              </p:par>
+                            </p:childTnLst>
+                          </p:cTn>
+                        </p:par>
+                      </p:childTnLst>
+                    </p:cTn>
+                  </p:par>
+                  <p:par>
+                    <p:cTn id="76" fill="hold">
+                      <p:stCondLst>
+                        <p:cond delay="indefinite"/>
+                      </p:stCondLst>
+                      <p:childTnLst>
+                        <p:par>
+                          <p:cTn id="77" fill="hold">
+                            <p:stCondLst>
+                              <p:cond delay="0"/>
+                            </p:stCondLst>
+                            <p:childTnLst>
+                              <p:par>
+                                <p:cTn id="78" presetID="0" presetClass="path" presetSubtype="0" accel="50000" decel="50000" fill="hold" grpId="1" nodeType="clickEffect">
+                                  <p:stCondLst>
+                                    <p:cond delay="0"/>
+                                  </p:stCondLst>
+                                  <p:childTnLst>
+                                    <p:animMotion origin="layout" path="M 0.43923 -1.48148E-6 L 1.94444E-6 -1.48148E-6 " pathEditMode="relative" rAng="0" ptsTypes="AA">
+                                      <p:cBhvr>
+                                        <p:cTn id="79" dur="2000" fill="hold"/>
+                                        <p:tgtEl>
+                                          <p:spTgt spid="12"/>
+                                        </p:tgtEl>
+                                        <p:attrNameLst>
+                                          <p:attrName>ppt_x</p:attrName>
+                                          <p:attrName>ppt_y</p:attrName>
+                                        </p:attrNameLst>
+                                      </p:cBhvr>
+                                      <p:rCtr x="-21962" y="0"/>
+                                    </p:animMotion>
+                                  </p:childTnLst>
+                                </p:cTn>
+                              </p:par>
+                              <p:par>
+                                <p:cTn id="80" presetID="0" presetClass="path" presetSubtype="0" accel="50000" decel="50000" fill="hold" grpId="1" nodeType="withEffect">
+                                  <p:stCondLst>
+                                    <p:cond delay="0"/>
+                                  </p:stCondLst>
+                                  <p:childTnLst>
+                                    <p:animMotion origin="layout" path="M 0.43924 -1.48148E-6 L -3.88889E-6 -1.48148E-6 " pathEditMode="relative" rAng="0" ptsTypes="AA">
+                                      <p:cBhvr>
+                                        <p:cTn id="81" dur="2000" fill="hold"/>
+                                        <p:tgtEl>
+                                          <p:spTgt spid="13"/>
+                                        </p:tgtEl>
+                                        <p:attrNameLst>
+                                          <p:attrName>ppt_x</p:attrName>
+                                          <p:attrName>ppt_y</p:attrName>
+                                        </p:attrNameLst>
+                                      </p:cBhvr>
+                                      <p:rCtr x="-21962" y="0"/>
+                                    </p:animMotion>
+                                  </p:childTnLst>
+                                </p:cTn>
+                              </p:par>
+                              <p:par>
+                                <p:cTn id="82" presetID="0" presetClass="path" presetSubtype="0" accel="50000" decel="50000" fill="hold" grpId="1" nodeType="withEffect">
+                                  <p:stCondLst>
+                                    <p:cond delay="0"/>
+                                  </p:stCondLst>
+                                  <p:childTnLst>
+                                    <p:animMotion origin="layout" path="M 0.43924 1.85185E-6 L -3.88889E-6 1.85185E-6 " pathEditMode="relative" rAng="0" ptsTypes="AA">
+                                      <p:cBhvr>
+                                        <p:cTn id="83" dur="2000" fill="hold"/>
+                                        <p:tgtEl>
+                                          <p:spTgt spid="16"/>
+                                        </p:tgtEl>
+                                        <p:attrNameLst>
+                                          <p:attrName>ppt_x</p:attrName>
+                                          <p:attrName>ppt_y</p:attrName>
+                                        </p:attrNameLst>
+                                      </p:cBhvr>
+                                      <p:rCtr x="-21962" y="0"/>
+                                    </p:animMotion>
+                                  </p:childTnLst>
+                                </p:cTn>
+                              </p:par>
+                              <p:par>
+                                <p:cTn id="84" presetID="0" presetClass="path" presetSubtype="0" accel="50000" decel="50000" fill="hold" grpId="1" nodeType="withEffect">
+                                  <p:stCondLst>
+                                    <p:cond delay="0"/>
+                                  </p:stCondLst>
+                                  <p:childTnLst>
+                                    <p:animMotion origin="layout" path="M 0.43923 4.81481E-6 L 1.94444E-6 4.81481E-6 " pathEditMode="relative" rAng="0" ptsTypes="AA">
+                                      <p:cBhvr>
+                                        <p:cTn id="85" dur="2000" fill="hold"/>
+                                        <p:tgtEl>
+                                          <p:spTgt spid="14"/>
+                                        </p:tgtEl>
+                                        <p:attrNameLst>
+                                          <p:attrName>ppt_x</p:attrName>
+                                          <p:attrName>ppt_y</p:attrName>
+                                        </p:attrNameLst>
+                                      </p:cBhvr>
+                                      <p:rCtr x="-21962" y="0"/>
+                                    </p:animMotion>
+                                  </p:childTnLst>
+                                </p:cTn>
+                              </p:par>
+                              <p:par>
+                                <p:cTn id="86" presetID="0" presetClass="path" presetSubtype="0" accel="50000" decel="50000" fill="hold" grpId="1" nodeType="withEffect">
+                                  <p:stCondLst>
+                                    <p:cond delay="0"/>
+                                  </p:stCondLst>
+                                  <p:childTnLst>
+                                    <p:animMotion origin="layout" path="M 3.61111E-6 -3.7037E-7 L -0.43907 -0.00116 " pathEditMode="relative" rAng="0" ptsTypes="AA">
+                                      <p:cBhvr>
+                                        <p:cTn id="87" dur="2000" fill="hold"/>
+                                        <p:tgtEl>
+                                          <p:spTgt spid="21"/>
+                                        </p:tgtEl>
+                                        <p:attrNameLst>
+                                          <p:attrName>ppt_x</p:attrName>
+                                          <p:attrName>ppt_y</p:attrName>
+                                        </p:attrNameLst>
+                                      </p:cBhvr>
+                                      <p:rCtr x="-21962" y="-69"/>
+                                    </p:animMotion>
+                                  </p:childTnLst>
+                                </p:cTn>
+                              </p:par>
+                              <p:par>
+                                <p:cTn id="88" presetID="0" presetClass="path" presetSubtype="0" accel="50000" decel="50000" fill="hold" grpId="1" nodeType="withEffect">
+                                  <p:stCondLst>
+                                    <p:cond delay="0"/>
+                                  </p:stCondLst>
+                                  <p:childTnLst>
+                                    <p:animMotion origin="layout" path="M -3.33333E-6 -2.59259E-6 L -0.43871 -2.59259E-6 " pathEditMode="relative" rAng="0" ptsTypes="AA">
+                                      <p:cBhvr>
+                                        <p:cTn id="89" dur="2000" fill="hold"/>
+                                        <p:tgtEl>
+                                          <p:spTgt spid="22"/>
+                                        </p:tgtEl>
+                                        <p:attrNameLst>
+                                          <p:attrName>ppt_x</p:attrName>
+                                          <p:attrName>ppt_y</p:attrName>
+                                        </p:attrNameLst>
+                                      </p:cBhvr>
+                                      <p:rCtr x="-21944" y="0"/>
+                                    </p:animMotion>
+                                  </p:childTnLst>
+                                </p:cTn>
+                              </p:par>
+                              <p:par>
+                                <p:cTn id="90" presetID="0" presetClass="path" presetSubtype="0" accel="50000" decel="50000" fill="hold" grpId="1" nodeType="withEffect">
+                                  <p:stCondLst>
+                                    <p:cond delay="0"/>
+                                  </p:stCondLst>
+                                  <p:childTnLst>
+                                    <p:animMotion origin="layout" path="M 0.43923 -1.85185E-6 L 0.00034 -1.85185E-6 " pathEditMode="relative" rAng="0" ptsTypes="AA">
+                                      <p:cBhvr>
+                                        <p:cTn id="91" dur="2000" fill="hold"/>
+                                        <p:tgtEl>
+                                          <p:spTgt spid="15"/>
+                                        </p:tgtEl>
+                                        <p:attrNameLst>
+                                          <p:attrName>ppt_x</p:attrName>
+                                          <p:attrName>ppt_y</p:attrName>
+                                        </p:attrNameLst>
+                                      </p:cBhvr>
+                                      <p:rCtr x="-21944" y="0"/>
+                                    </p:animMotion>
+                                  </p:childTnLst>
+                                </p:cTn>
+                              </p:par>
+                              <p:par>
+                                <p:cTn id="92" presetID="9" presetClass="emph" presetSubtype="0" grpId="2" nodeType="withEffect">
+                                  <p:stCondLst>
+                                    <p:cond delay="0"/>
+                                  </p:stCondLst>
+                                  <p:childTnLst>
+                                    <p:set>
+                                      <p:cBhvr rctx="PPT">
+                                        <p:cTn id="93" dur="indefinite"/>
+                                        <p:tgtEl>
+                                          <p:spTgt spid="21"/>
+                                        </p:tgtEl>
+                                        <p:attrNameLst>
+                                          <p:attrName>style.opacity</p:attrName>
+                                        </p:attrNameLst>
+                                      </p:cBhvr>
+                                      <p:to>
+                                        <p:strVal val="0.5"/>
+                                      </p:to>
+                                    </p:set>
+                                    <p:animEffect filter="image" prLst="opacity: 0.5">
+                                      <p:cBhvr rctx="IE">
+                                        <p:cTn id="94" dur="indefinite"/>
+                                        <p:tgtEl>
+                                          <p:spTgt spid="21"/>
+                                        </p:tgtEl>
+                                      </p:cBhvr>
+                                    </p:animEffect>
+                                  </p:childTnLst>
+                                </p:cTn>
+                              </p:par>
+                              <p:par>
+                                <p:cTn id="95" presetID="9" presetClass="emph" presetSubtype="0" grpId="2" nodeType="withEffect">
+                                  <p:stCondLst>
+                                    <p:cond delay="0"/>
+                                  </p:stCondLst>
+                                  <p:childTnLst>
+                                    <p:set>
+                                      <p:cBhvr rctx="PPT">
+                                        <p:cTn id="96" dur="indefinite"/>
+                                        <p:tgtEl>
+                                          <p:spTgt spid="22"/>
+                                        </p:tgtEl>
+                                        <p:attrNameLst>
+                                          <p:attrName>style.opacity</p:attrName>
+                                        </p:attrNameLst>
+                                      </p:cBhvr>
+                                      <p:to>
+                                        <p:strVal val="0.5"/>
+                                      </p:to>
+                                    </p:set>
+                                    <p:animEffect filter="image" prLst="opacity: 0.5">
+                                      <p:cBhvr rctx="IE">
+                                        <p:cTn id="97" dur="indefinite"/>
+                                        <p:tgtEl>
+                                          <p:spTgt spid="22"/>
+                                        </p:tgtEl>
+                                      </p:cBhvr>
+                                    </p:animEffect>
+                                  </p:childTnLst>
+                                </p:cTn>
+                              </p:par>
+                              <p:par>
+                                <p:cTn id="98" presetID="9" presetClass="emph" presetSubtype="0" grpId="2" nodeType="withEffect">
+                                  <p:stCondLst>
+                                    <p:cond delay="0"/>
+                                  </p:stCondLst>
+                                  <p:childTnLst>
+                                    <p:set>
+                                      <p:cBhvr rctx="PPT">
+                                        <p:cTn id="99" dur="indefinite"/>
+                                        <p:tgtEl>
+                                          <p:spTgt spid="14"/>
+                                        </p:tgtEl>
+                                        <p:attrNameLst>
+                                          <p:attrName>style.opacity</p:attrName>
+                                        </p:attrNameLst>
+                                      </p:cBhvr>
+                                      <p:to>
+                                        <p:strVal val="0.5"/>
+                                      </p:to>
+                                    </p:set>
+                                    <p:animEffect filter="image" prLst="opacity: 0.5">
+                                      <p:cBhvr rctx="IE">
+                                        <p:cTn id="100" dur="indefinite"/>
+                                        <p:tgtEl>
+                                          <p:spTgt spid="14"/>
+                                        </p:tgtEl>
+                                      </p:cBhvr>
+                                    </p:animEffect>
+                                  </p:childTnLst>
+                                </p:cTn>
+                              </p:par>
+                              <p:par>
+                                <p:cTn id="101" presetID="9" presetClass="emph" presetSubtype="0" grpId="2" nodeType="withEffect">
+                                  <p:stCondLst>
+                                    <p:cond delay="0"/>
+                                  </p:stCondLst>
+                                  <p:childTnLst>
+                                    <p:set>
+                                      <p:cBhvr rctx="PPT">
+                                        <p:cTn id="102" dur="indefinite"/>
+                                        <p:tgtEl>
+                                          <p:spTgt spid="15"/>
+                                        </p:tgtEl>
+                                        <p:attrNameLst>
+                                          <p:attrName>style.opacity</p:attrName>
+                                        </p:attrNameLst>
+                                      </p:cBhvr>
+                                      <p:to>
+                                        <p:strVal val="0.5"/>
+                                      </p:to>
+                                    </p:set>
+                                    <p:animEffect filter="image" prLst="opacity: 0.5">
+                                      <p:cBhvr rctx="IE">
+                                        <p:cTn id="103" dur="indefinite"/>
+                                        <p:tgtEl>
+                                          <p:spTgt spid="15"/>
+                                        </p:tgtEl>
+                                      </p:cBhvr>
+                                    </p:animEffect>
+                                  </p:childTnLst>
+                                </p:cTn>
+                              </p:par>
+                              <p:par>
+                                <p:cTn id="104" presetID="9" presetClass="emph" presetSubtype="0" grpId="2" nodeType="withEffect">
+                                  <p:stCondLst>
+                                    <p:cond delay="0"/>
+                                  </p:stCondLst>
+                                  <p:childTnLst>
+                                    <p:set>
+                                      <p:cBhvr rctx="PPT">
+                                        <p:cTn id="105" dur="indefinite"/>
+                                        <p:tgtEl>
+                                          <p:spTgt spid="13"/>
+                                        </p:tgtEl>
+                                        <p:attrNameLst>
+                                          <p:attrName>style.opacity</p:attrName>
+                                        </p:attrNameLst>
+                                      </p:cBhvr>
+                                      <p:to>
+                                        <p:strVal val="0.5"/>
+                                      </p:to>
+                                    </p:set>
+                                    <p:animEffect filter="image" prLst="opacity: 0.5">
+                                      <p:cBhvr rctx="IE">
+                                        <p:cTn id="106" dur="indefinite"/>
+                                        <p:tgtEl>
+                                          <p:spTgt spid="13"/>
+                                        </p:tgtEl>
+                                      </p:cBhvr>
+                                    </p:animEffect>
+                                  </p:childTnLst>
+                                </p:cTn>
+                              </p:par>
+                              <p:par>
+                                <p:cTn id="107" presetID="9" presetClass="emph" presetSubtype="0" grpId="2" nodeType="withEffect">
+                                  <p:stCondLst>
+                                    <p:cond delay="0"/>
+                                  </p:stCondLst>
+                                  <p:childTnLst>
+                                    <p:set>
+                                      <p:cBhvr rctx="PPT">
+                                        <p:cTn id="108" dur="indefinite"/>
+                                        <p:tgtEl>
+                                          <p:spTgt spid="16"/>
+                                        </p:tgtEl>
+                                        <p:attrNameLst>
+                                          <p:attrName>style.opacity</p:attrName>
+                                        </p:attrNameLst>
+                                      </p:cBhvr>
+                                      <p:to>
+                                        <p:strVal val="0.5"/>
+                                      </p:to>
+                                    </p:set>
+                                    <p:animEffect filter="image" prLst="opacity: 0.5">
+                                      <p:cBhvr rctx="IE">
+                                        <p:cTn id="109" dur="indefinite"/>
+                                        <p:tgtEl>
+                                          <p:spTgt spid="16"/>
+                                        </p:tgtEl>
+                                      </p:cBhvr>
+                                    </p:animEffect>
+                                  </p:childTnLst>
+                                </p:cTn>
+                              </p:par>
+                              <p:par>
+                                <p:cTn id="110" presetID="9" presetClass="emph" presetSubtype="0" grpId="2" nodeType="withEffect">
+                                  <p:stCondLst>
+                                    <p:cond delay="0"/>
+                                  </p:stCondLst>
+                                  <p:childTnLst>
+                                    <p:set>
+                                      <p:cBhvr rctx="PPT">
+                                        <p:cTn id="111" dur="indefinite"/>
+                                        <p:tgtEl>
+                                          <p:spTgt spid="12"/>
+                                        </p:tgtEl>
+                                        <p:attrNameLst>
+                                          <p:attrName>style.opacity</p:attrName>
+                                        </p:attrNameLst>
+                                      </p:cBhvr>
+                                      <p:to>
+                                        <p:strVal val="0.5"/>
+                                      </p:to>
+                                    </p:set>
+                                    <p:animEffect filter="image" prLst="opacity: 0.5">
+                                      <p:cBhvr rctx="IE">
+                                        <p:cTn id="112" dur="indefinite"/>
+                                        <p:tgtEl>
+                                          <p:spTgt spid="12"/>
+                                        </p:tgtEl>
+                                      </p:cBhvr>
+                                    </p:animEffect>
+                                  </p:childTnLst>
+                                </p:cTn>
+                              </p:par>
+                              <p:par>
+                                <p:cTn id="113" presetID="1" presetClass="entr" presetSubtype="0" fill="hold" grpId="1" nodeType="withEffect">
+                                  <p:stCondLst>
+                                    <p:cond delay="0"/>
+                                  </p:stCondLst>
+                                  <p:childTnLst>
+                                    <p:set>
+                                      <p:cBhvr>
+                                        <p:cTn id="114" dur="1" fill="hold">
+                                          <p:stCondLst>
+                                            <p:cond delay="0"/>
+                                          </p:stCondLst>
+                                        </p:cTn>
+                                        <p:tgtEl>
+                                          <p:spTgt spid="25"/>
+                                        </p:tgtEl>
+                                        <p:attrNameLst>
+                                          <p:attrName>style.visibility</p:attrName>
+                                        </p:attrNameLst>
+                                      </p:cBhvr>
+                                      <p:to>
+                                        <p:strVal val="visible"/>
+                                      </p:to>
+                                    </p:set>
+                                  </p:childTnLst>
+                                </p:cTn>
+                              </p:par>
+                              <p:par>
+                                <p:cTn id="115" presetID="1" presetClass="entr" presetSubtype="0" fill="hold" grpId="0" nodeType="withEffect">
+                                  <p:stCondLst>
+                                    <p:cond delay="0"/>
+                                  </p:stCondLst>
+                                  <p:childTnLst>
+                                    <p:set>
+                                      <p:cBhvr>
+                                        <p:cTn id="116" dur="1" fill="hold">
+                                          <p:stCondLst>
+                                            <p:cond delay="0"/>
+                                          </p:stCondLst>
+                                        </p:cTn>
+                                        <p:tgtEl>
+                                          <p:spTgt spid="58"/>
+                                        </p:tgtEl>
+                                        <p:attrNameLst>
+                                          <p:attrName>style.visibility</p:attrName>
+                                        </p:attrNameLst>
+                                      </p:cBhvr>
+                                      <p:to>
+                                        <p:strVal val="visible"/>
+                                      </p:to>
+                                    </p:set>
+                                  </p:childTnLst>
+                                </p:cTn>
+                              </p:par>
+                              <p:par>
+                                <p:cTn id="117" presetID="1" presetClass="entr" presetSubtype="0" fill="hold" grpId="0" nodeType="withEffect">
+                                  <p:stCondLst>
+                                    <p:cond delay="0"/>
+                                  </p:stCondLst>
+                                  <p:childTnLst>
+                                    <p:set>
+                                      <p:cBhvr>
+                                        <p:cTn id="118" dur="1" fill="hold">
+                                          <p:stCondLst>
+                                            <p:cond delay="0"/>
+                                          </p:stCondLst>
+                                        </p:cTn>
+                                        <p:tgtEl>
+                                          <p:spTgt spid="46"/>
+                                        </p:tgtEl>
+                                        <p:attrNameLst>
+                                          <p:attrName>style.visibility</p:attrName>
+                                        </p:attrNameLst>
+                                      </p:cBhvr>
+                                      <p:to>
+                                        <p:strVal val="visible"/>
+                                      </p:to>
+                                    </p:set>
+                                  </p:childTnLst>
+                                </p:cTn>
+                              </p:par>
+                              <p:par>
+                                <p:cTn id="119" presetID="1" presetClass="entr" presetSubtype="0" fill="hold" grpId="0" nodeType="withEffect">
+                                  <p:stCondLst>
+                                    <p:cond delay="0"/>
+                                  </p:stCondLst>
+                                  <p:childTnLst>
+                                    <p:set>
+                                      <p:cBhvr>
+                                        <p:cTn id="120" dur="1" fill="hold">
+                                          <p:stCondLst>
+                                            <p:cond delay="0"/>
+                                          </p:stCondLst>
+                                        </p:cTn>
+                                        <p:tgtEl>
+                                          <p:spTgt spid="49"/>
+                                        </p:tgtEl>
+                                        <p:attrNameLst>
+                                          <p:attrName>style.visibility</p:attrName>
+                                        </p:attrNameLst>
+                                      </p:cBhvr>
+                                      <p:to>
+                                        <p:strVal val="visible"/>
+                                      </p:to>
+                                    </p:set>
+                                  </p:childTnLst>
+                                </p:cTn>
+                              </p:par>
+                              <p:par>
+                                <p:cTn id="121" presetID="1" presetClass="entr" presetSubtype="0" fill="hold" grpId="0" nodeType="withEffect">
+                                  <p:stCondLst>
+                                    <p:cond delay="0"/>
+                                  </p:stCondLst>
+                                  <p:childTnLst>
+                                    <p:set>
+                                      <p:cBhvr>
+                                        <p:cTn id="122" dur="1" fill="hold">
+                                          <p:stCondLst>
+                                            <p:cond delay="0"/>
+                                          </p:stCondLst>
+                                        </p:cTn>
+                                        <p:tgtEl>
+                                          <p:spTgt spid="57"/>
+                                        </p:tgtEl>
+                                        <p:attrNameLst>
+                                          <p:attrName>style.visibility</p:attrName>
+                                        </p:attrNameLst>
+                                      </p:cBhvr>
+                                      <p:to>
+                                        <p:strVal val="visible"/>
+                                      </p:to>
+                                    </p:set>
+                                  </p:childTnLst>
+                                </p:cTn>
+                              </p:par>
+                              <p:par>
+                                <p:cTn id="123" presetID="1" presetClass="entr" presetSubtype="0" fill="hold" grpId="0" nodeType="withEffect">
+                                  <p:stCondLst>
+                                    <p:cond delay="0"/>
+                                  </p:stCondLst>
+                                  <p:childTnLst>
+                                    <p:set>
+                                      <p:cBhvr>
+                                        <p:cTn id="124" dur="1" fill="hold">
+                                          <p:stCondLst>
+                                            <p:cond delay="0"/>
+                                          </p:stCondLst>
+                                        </p:cTn>
+                                        <p:tgtEl>
+                                          <p:spTgt spid="50"/>
+                                        </p:tgtEl>
+                                        <p:attrNameLst>
+                                          <p:attrName>style.visibility</p:attrName>
+                                        </p:attrNameLst>
+                                      </p:cBhvr>
+                                      <p:to>
+                                        <p:strVal val="visible"/>
+                                      </p:to>
+                                    </p:set>
+                                  </p:childTnLst>
+                                </p:cTn>
+                              </p:par>
+                              <p:par>
+                                <p:cTn id="125" presetID="1" presetClass="entr" presetSubtype="0" fill="hold" grpId="0" nodeType="withEffect">
+                                  <p:stCondLst>
+                                    <p:cond delay="0"/>
+                                  </p:stCondLst>
+                                  <p:childTnLst>
+                                    <p:set>
+                                      <p:cBhvr>
+                                        <p:cTn id="126" dur="1" fill="hold">
+                                          <p:stCondLst>
+                                            <p:cond delay="0"/>
+                                          </p:stCondLst>
+                                        </p:cTn>
+                                        <p:tgtEl>
+                                          <p:spTgt spid="48"/>
+                                        </p:tgtEl>
+                                        <p:attrNameLst>
+                                          <p:attrName>style.visibility</p:attrName>
+                                        </p:attrNameLst>
+                                      </p:cBhvr>
+                                      <p:to>
+                                        <p:strVal val="visible"/>
+                                      </p:to>
+                                    </p:set>
+                                  </p:childTnLst>
+                                </p:cTn>
+                              </p:par>
+                              <p:par>
+                                <p:cTn id="127" presetID="1" presetClass="entr" presetSubtype="0" fill="hold" grpId="0" nodeType="withEffect">
+                                  <p:stCondLst>
+                                    <p:cond delay="0"/>
+                                  </p:stCondLst>
+                                  <p:childTnLst>
+                                    <p:set>
+                                      <p:cBhvr>
+                                        <p:cTn id="128" dur="1" fill="hold">
+                                          <p:stCondLst>
+                                            <p:cond delay="0"/>
+                                          </p:stCondLst>
+                                        </p:cTn>
+                                        <p:tgtEl>
+                                          <p:spTgt spid="47"/>
+                                        </p:tgtEl>
+                                        <p:attrNameLst>
+                                          <p:attrName>style.visibility</p:attrName>
+                                        </p:attrNameLst>
+                                      </p:cBhvr>
+                                      <p:to>
+                                        <p:strVal val="visible"/>
+                                      </p:to>
+                                    </p:set>
+                                  </p:childTnLst>
+                                </p:cTn>
+                              </p:par>
+                            </p:childTnLst>
+                          </p:cTn>
+                        </p:par>
+                      </p:childTnLst>
+                    </p:cTn>
+                  </p:par>
+                  <p:par>
+                    <p:cTn id="129" fill="hold">
+                      <p:stCondLst>
+                        <p:cond delay="indefinite"/>
+                      </p:stCondLst>
+                      <p:childTnLst>
+                        <p:par>
+                          <p:cTn id="130" fill="hold">
+                            <p:stCondLst>
+                              <p:cond delay="0"/>
+                            </p:stCondLst>
+                            <p:childTnLst>
+                              <p:par>
+                                <p:cTn id="131" presetID="0" presetClass="path" presetSubtype="0" accel="50000" decel="50000" fill="hold" grpId="3" nodeType="clickEffect">
+                                  <p:stCondLst>
+                                    <p:cond delay="0"/>
+                                  </p:stCondLst>
+                                  <p:childTnLst>
+                                    <p:animMotion origin="layout" path="M -3.88889E-6 -1.48148E-6 L 0.43924 -1.48148E-6 " pathEditMode="relative" rAng="0" ptsTypes="AA">
+                                      <p:cBhvr>
+                                        <p:cTn id="132" dur="2000" fill="hold"/>
+                                        <p:tgtEl>
+                                          <p:spTgt spid="13"/>
+                                        </p:tgtEl>
+                                        <p:attrNameLst>
+                                          <p:attrName>ppt_x</p:attrName>
+                                          <p:attrName>ppt_y</p:attrName>
+                                        </p:attrNameLst>
+                                      </p:cBhvr>
+                                      <p:rCtr x="21962" y="0"/>
+                                    </p:animMotion>
+                                  </p:childTnLst>
+                                </p:cTn>
+                              </p:par>
+                              <p:par>
+                                <p:cTn id="133" presetID="0" presetClass="path" presetSubtype="0" accel="50000" decel="50000" fill="hold" grpId="3" nodeType="withEffect">
+                                  <p:stCondLst>
+                                    <p:cond delay="0"/>
+                                  </p:stCondLst>
+                                  <p:childTnLst>
+                                    <p:animMotion origin="layout" path="M 1.94444E-6 -1.48148E-6 L 0.43889 -1.48148E-6 " pathEditMode="relative" rAng="0" ptsTypes="AA">
+                                      <p:cBhvr>
+                                        <p:cTn id="134" dur="2000" fill="hold"/>
+                                        <p:tgtEl>
+                                          <p:spTgt spid="12"/>
+                                        </p:tgtEl>
+                                        <p:attrNameLst>
+                                          <p:attrName>ppt_x</p:attrName>
+                                          <p:attrName>ppt_y</p:attrName>
+                                        </p:attrNameLst>
+                                      </p:cBhvr>
+                                      <p:rCtr x="21944" y="0"/>
+                                    </p:animMotion>
+                                  </p:childTnLst>
+                                </p:cTn>
+                              </p:par>
+                              <p:par>
+                                <p:cTn id="135" presetID="0" presetClass="path" presetSubtype="0" accel="50000" decel="50000" fill="hold" grpId="3" nodeType="withEffect">
+                                  <p:stCondLst>
+                                    <p:cond delay="0"/>
+                                  </p:stCondLst>
+                                  <p:childTnLst>
+                                    <p:animMotion origin="layout" path="M 1.94444E-6 4.81481E-6 L 0.43889 4.81481E-6 " pathEditMode="relative" rAng="0" ptsTypes="AA">
+                                      <p:cBhvr>
+                                        <p:cTn id="136" dur="2000" fill="hold"/>
+                                        <p:tgtEl>
+                                          <p:spTgt spid="14"/>
+                                        </p:tgtEl>
+                                        <p:attrNameLst>
+                                          <p:attrName>ppt_x</p:attrName>
+                                          <p:attrName>ppt_y</p:attrName>
+                                        </p:attrNameLst>
+                                      </p:cBhvr>
+                                      <p:rCtr x="21944" y="0"/>
+                                    </p:animMotion>
+                                  </p:childTnLst>
+                                </p:cTn>
+                              </p:par>
+                              <p:par>
+                                <p:cTn id="137" presetID="0" presetClass="path" presetSubtype="0" accel="50000" decel="50000" fill="hold" grpId="3" nodeType="withEffect">
+                                  <p:stCondLst>
+                                    <p:cond delay="0"/>
+                                  </p:stCondLst>
+                                  <p:childTnLst>
+                                    <p:animMotion origin="layout" path="M 0.00035 -3.7037E-7 L 0.43976 -3.7037E-7 " pathEditMode="relative" rAng="0" ptsTypes="AA">
+                                      <p:cBhvr>
+                                        <p:cTn id="138" dur="2000" fill="hold"/>
+                                        <p:tgtEl>
+                                          <p:spTgt spid="15"/>
+                                        </p:tgtEl>
+                                        <p:attrNameLst>
+                                          <p:attrName>ppt_x</p:attrName>
+                                          <p:attrName>ppt_y</p:attrName>
+                                        </p:attrNameLst>
+                                      </p:cBhvr>
+                                      <p:rCtr x="21962" y="0"/>
+                                    </p:animMotion>
+                                  </p:childTnLst>
+                                </p:cTn>
+                              </p:par>
+                              <p:par>
+                                <p:cTn id="139" presetID="0" presetClass="path" presetSubtype="0" accel="50000" decel="50000" fill="hold" grpId="3" nodeType="withEffect">
+                                  <p:stCondLst>
+                                    <p:cond delay="0"/>
+                                  </p:stCondLst>
+                                  <p:childTnLst>
+                                    <p:animMotion origin="layout" path="M -0.43871 -2.59259E-6 L 0.00018 -2.59259E-6 " pathEditMode="relative" rAng="0" ptsTypes="AA">
+                                      <p:cBhvr>
+                                        <p:cTn id="140" dur="2000" fill="hold"/>
+                                        <p:tgtEl>
+                                          <p:spTgt spid="22"/>
+                                        </p:tgtEl>
+                                        <p:attrNameLst>
+                                          <p:attrName>ppt_x</p:attrName>
+                                          <p:attrName>ppt_y</p:attrName>
+                                        </p:attrNameLst>
+                                      </p:cBhvr>
+                                      <p:rCtr x="21944" y="0"/>
+                                    </p:animMotion>
+                                  </p:childTnLst>
+                                </p:cTn>
+                              </p:par>
+                              <p:par>
+                                <p:cTn id="141" presetID="0" presetClass="path" presetSubtype="0" accel="50000" decel="50000" fill="hold" grpId="3" nodeType="withEffect">
+                                  <p:stCondLst>
+                                    <p:cond delay="0"/>
+                                  </p:stCondLst>
+                                  <p:childTnLst>
+                                    <p:animMotion origin="layout" path="M -0.43907 -0.00116 L 0.00017 -0.00116 " pathEditMode="relative" rAng="0" ptsTypes="AA">
+                                      <p:cBhvr>
+                                        <p:cTn id="142" dur="2000" fill="hold"/>
+                                        <p:tgtEl>
+                                          <p:spTgt spid="21"/>
+                                        </p:tgtEl>
+                                        <p:attrNameLst>
+                                          <p:attrName>ppt_x</p:attrName>
+                                          <p:attrName>ppt_y</p:attrName>
+                                        </p:attrNameLst>
+                                      </p:cBhvr>
+                                      <p:rCtr x="21962" y="0"/>
+                                    </p:animMotion>
+                                  </p:childTnLst>
+                                </p:cTn>
+                              </p:par>
+                              <p:par>
+                                <p:cTn id="143" presetID="0" presetClass="path" presetSubtype="0" accel="50000" decel="50000" fill="hold" grpId="3" nodeType="withEffect">
+                                  <p:stCondLst>
+                                    <p:cond delay="0"/>
+                                  </p:stCondLst>
+                                  <p:childTnLst>
+                                    <p:animMotion origin="layout" path="M -3.88889E-6 1.85185E-6 L 0.43924 0.00023 " pathEditMode="relative" rAng="0" ptsTypes="AA">
+                                      <p:cBhvr>
+                                        <p:cTn id="144" dur="2000" fill="hold"/>
+                                        <p:tgtEl>
+                                          <p:spTgt spid="16"/>
+                                        </p:tgtEl>
+                                        <p:attrNameLst>
+                                          <p:attrName>ppt_x</p:attrName>
+                                          <p:attrName>ppt_y</p:attrName>
+                                        </p:attrNameLst>
+                                      </p:cBhvr>
+                                      <p:rCtr x="21962" y="0"/>
+                                    </p:animMotion>
+                                  </p:childTnLst>
+                                </p:cTn>
+                              </p:par>
+                            </p:childTnLst>
+                          </p:cTn>
+                        </p:par>
+                      </p:childTnLst>
+                    </p:cTn>
+                  </p:par>
+                  <p:par>
+                    <p:cTn id="145" fill="hold">
+                      <p:stCondLst>
+                        <p:cond delay="indefinite"/>
+                      </p:stCondLst>
+                      <p:childTnLst>
+                        <p:par>
+                          <p:cTn id="146" fill="hold">
+                            <p:stCondLst>
+                              <p:cond delay="0"/>
+                            </p:stCondLst>
+                            <p:childTnLst>
+                              <p:par>
+                                <p:cTn id="147" presetID="0" presetClass="path" presetSubtype="0" accel="50000" decel="50000" fill="hold" grpId="0" nodeType="clickEffect">
+                                  <p:stCondLst>
+                                    <p:cond delay="0"/>
+                                  </p:stCondLst>
+                                  <p:childTnLst>
+                                    <p:animMotion origin="layout" path="M -3.88889E-6 -1.48148E-6 L 0.43924 0.00023 " pathEditMode="relative" rAng="0" ptsTypes="AA">
+                                      <p:cBhvr>
+                                        <p:cTn id="148" dur="2000" fill="hold"/>
+                                        <p:tgtEl>
+                                          <p:spTgt spid="6"/>
+                                        </p:tgtEl>
+                                        <p:attrNameLst>
+                                          <p:attrName>ppt_x</p:attrName>
+                                          <p:attrName>ppt_y</p:attrName>
+                                        </p:attrNameLst>
+                                      </p:cBhvr>
+                                      <p:rCtr x="21962" y="0"/>
+                                    </p:animMotion>
+                                  </p:childTnLst>
+                                </p:cTn>
+                              </p:par>
+                              <p:par>
+                                <p:cTn id="149" presetID="0" presetClass="path" presetSubtype="0" accel="50000" decel="50000" fill="hold" grpId="0" nodeType="withEffect">
+                                  <p:stCondLst>
+                                    <p:cond delay="0"/>
+                                  </p:stCondLst>
+                                  <p:childTnLst>
+                                    <p:animMotion origin="layout" path="M 1.94444E-6 -4.44444E-6 L 0.43958 0.00093 " pathEditMode="relative" rAng="0" ptsTypes="AA">
+                                      <p:cBhvr>
+                                        <p:cTn id="150" dur="2000" fill="hold"/>
+                                        <p:tgtEl>
+                                          <p:spTgt spid="5"/>
+                                        </p:tgtEl>
+                                        <p:attrNameLst>
+                                          <p:attrName>ppt_x</p:attrName>
+                                          <p:attrName>ppt_y</p:attrName>
+                                        </p:attrNameLst>
+                                      </p:cBhvr>
+                                      <p:rCtr x="21979" y="46"/>
+                                    </p:animMotion>
+                                  </p:childTnLst>
+                                </p:cTn>
+                              </p:par>
+                              <p:par>
+                                <p:cTn id="151" presetID="0" presetClass="path" presetSubtype="0" accel="50000" decel="50000" fill="hold" grpId="0" nodeType="withEffect">
+                                  <p:stCondLst>
+                                    <p:cond delay="0"/>
+                                  </p:stCondLst>
+                                  <p:childTnLst>
+                                    <p:animMotion origin="layout" path="M -3.88889E-6 1.85185E-6 L 0.43924 1.85185E-6 " pathEditMode="relative" rAng="0" ptsTypes="AA">
+                                      <p:cBhvr>
+                                        <p:cTn id="152" dur="2000" fill="hold"/>
+                                        <p:tgtEl>
+                                          <p:spTgt spid="9"/>
+                                        </p:tgtEl>
+                                        <p:attrNameLst>
+                                          <p:attrName>ppt_x</p:attrName>
+                                          <p:attrName>ppt_y</p:attrName>
+                                        </p:attrNameLst>
+                                      </p:cBhvr>
+                                      <p:rCtr x="21962" y="0"/>
+                                    </p:animMotion>
+                                  </p:childTnLst>
+                                </p:cTn>
+                              </p:par>
+                              <p:par>
+                                <p:cTn id="153" presetID="0" presetClass="path" presetSubtype="0" accel="50000" decel="50000" fill="hold" grpId="1" nodeType="withEffect">
+                                  <p:stCondLst>
+                                    <p:cond delay="0"/>
+                                  </p:stCondLst>
+                                  <p:childTnLst>
+                                    <p:animMotion origin="layout" path="M -3.88889E-6 2.96296E-6 L 0.43907 0.00185 " pathEditMode="relative" rAng="0" ptsTypes="AA">
+                                      <p:cBhvr>
+                                        <p:cTn id="154" dur="2000" fill="hold"/>
+                                        <p:tgtEl>
+                                          <p:spTgt spid="19"/>
+                                        </p:tgtEl>
+                                        <p:attrNameLst>
+                                          <p:attrName>ppt_x</p:attrName>
+                                          <p:attrName>ppt_y</p:attrName>
+                                        </p:attrNameLst>
+                                      </p:cBhvr>
+                                      <p:rCtr x="21944" y="93"/>
+                                    </p:animMotion>
+                                  </p:childTnLst>
+                                </p:cTn>
+                              </p:par>
+                              <p:par>
+                                <p:cTn id="155" presetID="0" presetClass="path" presetSubtype="0" accel="50000" decel="50000" fill="hold" grpId="0" nodeType="withEffect">
+                                  <p:stCondLst>
+                                    <p:cond delay="0"/>
+                                  </p:stCondLst>
+                                  <p:childTnLst>
+                                    <p:animMotion origin="layout" path="M 1.94444E-6 4.81481E-6 L 0.43889 4.81481E-6 " pathEditMode="relative" rAng="0" ptsTypes="AA">
+                                      <p:cBhvr>
+                                        <p:cTn id="156" dur="2000" fill="hold"/>
+                                        <p:tgtEl>
+                                          <p:spTgt spid="7"/>
+                                        </p:tgtEl>
+                                        <p:attrNameLst>
+                                          <p:attrName>ppt_x</p:attrName>
+                                          <p:attrName>ppt_y</p:attrName>
+                                        </p:attrNameLst>
+                                      </p:cBhvr>
+                                      <p:rCtr x="21944" y="0"/>
+                                    </p:animMotion>
+                                  </p:childTnLst>
+                                </p:cTn>
+                              </p:par>
+                              <p:par>
+                                <p:cTn id="157" presetID="0" presetClass="path" presetSubtype="0" accel="50000" decel="50000" fill="hold" grpId="1" nodeType="withEffect">
+                                  <p:stCondLst>
+                                    <p:cond delay="0"/>
+                                  </p:stCondLst>
+                                  <p:childTnLst>
+                                    <p:animMotion origin="layout" path="M -4.72222E-6 -4.81481E-6 L 0.43872 -0.00092 " pathEditMode="relative" rAng="0" ptsTypes="AA">
+                                      <p:cBhvr>
+                                        <p:cTn id="158" dur="2000" fill="hold"/>
+                                        <p:tgtEl>
+                                          <p:spTgt spid="32"/>
+                                        </p:tgtEl>
+                                        <p:attrNameLst>
+                                          <p:attrName>ppt_x</p:attrName>
+                                          <p:attrName>ppt_y</p:attrName>
+                                        </p:attrNameLst>
+                                      </p:cBhvr>
+                                      <p:rCtr x="21927" y="-46"/>
+                                    </p:animMotion>
+                                  </p:childTnLst>
+                                </p:cTn>
+                              </p:par>
+                              <p:par>
+                                <p:cTn id="159" presetID="1" presetClass="entr" presetSubtype="0" fill="hold" grpId="0" nodeType="withEffect">
+                                  <p:stCondLst>
+                                    <p:cond delay="0"/>
+                                  </p:stCondLst>
+                                  <p:childTnLst>
+                                    <p:set>
+                                      <p:cBhvr>
+                                        <p:cTn id="160" dur="1" fill="hold">
+                                          <p:stCondLst>
+                                            <p:cond delay="0"/>
+                                          </p:stCondLst>
+                                        </p:cTn>
+                                        <p:tgtEl>
+                                          <p:spTgt spid="36"/>
+                                        </p:tgtEl>
+                                        <p:attrNameLst>
+                                          <p:attrName>style.visibility</p:attrName>
+                                        </p:attrNameLst>
+                                      </p:cBhvr>
+                                      <p:to>
+                                        <p:strVal val="visible"/>
+                                      </p:to>
+                                    </p:set>
+                                  </p:childTnLst>
+                                </p:cTn>
+                              </p:par>
+                              <p:par>
+                                <p:cTn id="161" presetID="1" presetClass="entr" presetSubtype="0" fill="hold" grpId="0" nodeType="withEffect">
+                                  <p:stCondLst>
+                                    <p:cond delay="0"/>
+                                  </p:stCondLst>
+                                  <p:childTnLst>
+                                    <p:set>
+                                      <p:cBhvr>
+                                        <p:cTn id="162" dur="1" fill="hold">
+                                          <p:stCondLst>
+                                            <p:cond delay="0"/>
+                                          </p:stCondLst>
+                                        </p:cTn>
+                                        <p:tgtEl>
+                                          <p:spTgt spid="37"/>
+                                        </p:tgtEl>
+                                        <p:attrNameLst>
+                                          <p:attrName>style.visibility</p:attrName>
+                                        </p:attrNameLst>
+                                      </p:cBhvr>
+                                      <p:to>
+                                        <p:strVal val="visible"/>
+                                      </p:to>
+                                    </p:set>
+                                  </p:childTnLst>
+                                </p:cTn>
+                              </p:par>
+                              <p:par>
+                                <p:cTn id="163" presetID="1" presetClass="entr" presetSubtype="0" fill="hold" grpId="0" nodeType="withEffect">
+                                  <p:stCondLst>
+                                    <p:cond delay="0"/>
+                                  </p:stCondLst>
+                                  <p:childTnLst>
+                                    <p:set>
+                                      <p:cBhvr>
+                                        <p:cTn id="164" dur="1" fill="hold">
+                                          <p:stCondLst>
+                                            <p:cond delay="0"/>
+                                          </p:stCondLst>
+                                        </p:cTn>
+                                        <p:tgtEl>
+                                          <p:spTgt spid="39"/>
+                                        </p:tgtEl>
+                                        <p:attrNameLst>
+                                          <p:attrName>style.visibility</p:attrName>
+                                        </p:attrNameLst>
+                                      </p:cBhvr>
+                                      <p:to>
+                                        <p:strVal val="visible"/>
+                                      </p:to>
+                                    </p:set>
+                                  </p:childTnLst>
+                                </p:cTn>
+                              </p:par>
+                              <p:par>
+                                <p:cTn id="165" presetID="1" presetClass="entr" presetSubtype="0" fill="hold" grpId="0" nodeType="withEffect">
+                                  <p:stCondLst>
+                                    <p:cond delay="0"/>
+                                  </p:stCondLst>
+                                  <p:childTnLst>
+                                    <p:set>
+                                      <p:cBhvr>
+                                        <p:cTn id="166" dur="1" fill="hold">
+                                          <p:stCondLst>
+                                            <p:cond delay="0"/>
+                                          </p:stCondLst>
+                                        </p:cTn>
+                                        <p:tgtEl>
+                                          <p:spTgt spid="35"/>
+                                        </p:tgtEl>
+                                        <p:attrNameLst>
+                                          <p:attrName>style.visibility</p:attrName>
+                                        </p:attrNameLst>
+                                      </p:cBhvr>
+                                      <p:to>
+                                        <p:strVal val="visible"/>
+                                      </p:to>
+                                    </p:set>
+                                  </p:childTnLst>
+                                </p:cTn>
+                              </p:par>
+                              <p:par>
+                                <p:cTn id="167" presetID="1" presetClass="entr" presetSubtype="0" fill="hold" grpId="0" nodeType="withEffect">
+                                  <p:stCondLst>
+                                    <p:cond delay="0"/>
+                                  </p:stCondLst>
+                                  <p:childTnLst>
+                                    <p:set>
+                                      <p:cBhvr>
+                                        <p:cTn id="168" dur="1" fill="hold">
+                                          <p:stCondLst>
+                                            <p:cond delay="0"/>
+                                          </p:stCondLst>
+                                        </p:cTn>
+                                        <p:tgtEl>
+                                          <p:spTgt spid="38"/>
+                                        </p:tgtEl>
+                                        <p:attrNameLst>
+                                          <p:attrName>style.visibility</p:attrName>
+                                        </p:attrNameLst>
+                                      </p:cBhvr>
+                                      <p:to>
+                                        <p:strVal val="visible"/>
+                                      </p:to>
+                                    </p:set>
+                                  </p:childTnLst>
+                                </p:cTn>
+                              </p:par>
+                              <p:par>
+                                <p:cTn id="169" presetID="1" presetClass="entr" presetSubtype="0" fill="hold" grpId="0" nodeType="withEffect">
+                                  <p:stCondLst>
+                                    <p:cond delay="0"/>
+                                  </p:stCondLst>
+                                  <p:childTnLst>
+                                    <p:set>
+                                      <p:cBhvr>
+                                        <p:cTn id="170" dur="1" fill="hold">
+                                          <p:stCondLst>
+                                            <p:cond delay="0"/>
+                                          </p:stCondLst>
+                                        </p:cTn>
+                                        <p:tgtEl>
+                                          <p:spTgt spid="40"/>
+                                        </p:tgtEl>
+                                        <p:attrNameLst>
+                                          <p:attrName>style.visibility</p:attrName>
+                                        </p:attrNameLst>
+                                      </p:cBhvr>
+                                      <p:to>
+                                        <p:strVal val="visible"/>
+                                      </p:to>
+                                    </p:set>
+                                  </p:childTnLst>
+                                </p:cTn>
+                              </p:par>
+                              <p:par>
+                                <p:cTn id="171" presetID="9" presetClass="emph" presetSubtype="0" grpId="1" nodeType="withEffect">
+                                  <p:stCondLst>
+                                    <p:cond delay="0"/>
+                                  </p:stCondLst>
+                                  <p:childTnLst>
+                                    <p:set>
+                                      <p:cBhvr rctx="PPT">
+                                        <p:cTn id="172" dur="indefinite"/>
+                                        <p:tgtEl>
+                                          <p:spTgt spid="6"/>
+                                        </p:tgtEl>
+                                        <p:attrNameLst>
+                                          <p:attrName>style.opacity</p:attrName>
+                                        </p:attrNameLst>
+                                      </p:cBhvr>
+                                      <p:to>
+                                        <p:strVal val="0.5"/>
+                                      </p:to>
+                                    </p:set>
+                                    <p:animEffect filter="image" prLst="opacity: 0.5">
+                                      <p:cBhvr rctx="IE">
+                                        <p:cTn id="173" dur="indefinite"/>
+                                        <p:tgtEl>
+                                          <p:spTgt spid="6"/>
+                                        </p:tgtEl>
+                                      </p:cBhvr>
+                                    </p:animEffect>
+                                  </p:childTnLst>
+                                </p:cTn>
+                              </p:par>
+                              <p:par>
+                                <p:cTn id="174" presetID="9" presetClass="emph" presetSubtype="0" grpId="1" nodeType="withEffect">
+                                  <p:stCondLst>
+                                    <p:cond delay="0"/>
+                                  </p:stCondLst>
+                                  <p:childTnLst>
+                                    <p:set>
+                                      <p:cBhvr rctx="PPT">
+                                        <p:cTn id="175" dur="indefinite"/>
+                                        <p:tgtEl>
+                                          <p:spTgt spid="5"/>
+                                        </p:tgtEl>
+                                        <p:attrNameLst>
+                                          <p:attrName>style.opacity</p:attrName>
+                                        </p:attrNameLst>
+                                      </p:cBhvr>
+                                      <p:to>
+                                        <p:strVal val="0.5"/>
+                                      </p:to>
+                                    </p:set>
+                                    <p:animEffect filter="image" prLst="opacity: 0.5">
+                                      <p:cBhvr rctx="IE">
+                                        <p:cTn id="176" dur="indefinite"/>
+                                        <p:tgtEl>
+                                          <p:spTgt spid="5"/>
+                                        </p:tgtEl>
+                                      </p:cBhvr>
+                                    </p:animEffect>
+                                  </p:childTnLst>
+                                </p:cTn>
+                              </p:par>
+                              <p:par>
+                                <p:cTn id="177" presetID="9" presetClass="emph" presetSubtype="0" grpId="1" nodeType="withEffect">
+                                  <p:stCondLst>
+                                    <p:cond delay="0"/>
+                                  </p:stCondLst>
+                                  <p:childTnLst>
+                                    <p:set>
+                                      <p:cBhvr rctx="PPT">
+                                        <p:cTn id="178" dur="indefinite"/>
+                                        <p:tgtEl>
+                                          <p:spTgt spid="7"/>
+                                        </p:tgtEl>
+                                        <p:attrNameLst>
+                                          <p:attrName>style.opacity</p:attrName>
+                                        </p:attrNameLst>
+                                      </p:cBhvr>
+                                      <p:to>
+                                        <p:strVal val="0.5"/>
+                                      </p:to>
+                                    </p:set>
+                                    <p:animEffect filter="image" prLst="opacity: 0.5">
+                                      <p:cBhvr rctx="IE">
+                                        <p:cTn id="179" dur="indefinite"/>
+                                        <p:tgtEl>
+                                          <p:spTgt spid="7"/>
+                                        </p:tgtEl>
+                                      </p:cBhvr>
+                                    </p:animEffect>
+                                  </p:childTnLst>
+                                </p:cTn>
+                              </p:par>
+                              <p:par>
+                                <p:cTn id="180" presetID="9" presetClass="emph" presetSubtype="0" grpId="2" nodeType="withEffect">
+                                  <p:stCondLst>
+                                    <p:cond delay="0"/>
+                                  </p:stCondLst>
+                                  <p:childTnLst>
+                                    <p:set>
+                                      <p:cBhvr rctx="PPT">
+                                        <p:cTn id="181" dur="indefinite"/>
+                                        <p:tgtEl>
+                                          <p:spTgt spid="32"/>
+                                        </p:tgtEl>
+                                        <p:attrNameLst>
+                                          <p:attrName>style.opacity</p:attrName>
+                                        </p:attrNameLst>
+                                      </p:cBhvr>
+                                      <p:to>
+                                        <p:strVal val="0.5"/>
+                                      </p:to>
+                                    </p:set>
+                                    <p:animEffect filter="image" prLst="opacity: 0.5">
+                                      <p:cBhvr rctx="IE">
+                                        <p:cTn id="182" dur="indefinite"/>
+                                        <p:tgtEl>
+                                          <p:spTgt spid="32"/>
+                                        </p:tgtEl>
+                                      </p:cBhvr>
+                                    </p:animEffect>
+                                  </p:childTnLst>
+                                </p:cTn>
+                              </p:par>
+                              <p:par>
+                                <p:cTn id="183" presetID="9" presetClass="emph" presetSubtype="0" grpId="2" nodeType="withEffect">
+                                  <p:stCondLst>
+                                    <p:cond delay="0"/>
+                                  </p:stCondLst>
+                                  <p:childTnLst>
+                                    <p:set>
+                                      <p:cBhvr rctx="PPT">
+                                        <p:cTn id="184" dur="indefinite"/>
+                                        <p:tgtEl>
+                                          <p:spTgt spid="19"/>
+                                        </p:tgtEl>
+                                        <p:attrNameLst>
+                                          <p:attrName>style.opacity</p:attrName>
+                                        </p:attrNameLst>
+                                      </p:cBhvr>
+                                      <p:to>
+                                        <p:strVal val="0.5"/>
+                                      </p:to>
+                                    </p:set>
+                                    <p:animEffect filter="image" prLst="opacity: 0.5">
+                                      <p:cBhvr rctx="IE">
+                                        <p:cTn id="185" dur="indefinite"/>
+                                        <p:tgtEl>
+                                          <p:spTgt spid="19"/>
+                                        </p:tgtEl>
+                                      </p:cBhvr>
+                                    </p:animEffect>
+                                  </p:childTnLst>
+                                </p:cTn>
+                              </p:par>
+                              <p:par>
+                                <p:cTn id="186" presetID="9" presetClass="emph" presetSubtype="0" grpId="1" nodeType="withEffect">
+                                  <p:stCondLst>
+                                    <p:cond delay="0"/>
+                                  </p:stCondLst>
+                                  <p:childTnLst>
+                                    <p:set>
+                                      <p:cBhvr rctx="PPT">
+                                        <p:cTn id="187" dur="indefinite"/>
+                                        <p:tgtEl>
+                                          <p:spTgt spid="9"/>
+                                        </p:tgtEl>
+                                        <p:attrNameLst>
+                                          <p:attrName>style.opacity</p:attrName>
+                                        </p:attrNameLst>
+                                      </p:cBhvr>
+                                      <p:to>
+                                        <p:strVal val="0.5"/>
+                                      </p:to>
+                                    </p:set>
+                                    <p:animEffect filter="image" prLst="opacity: 0.5">
+                                      <p:cBhvr rctx="IE">
+                                        <p:cTn id="188" dur="indefinite"/>
+                                        <p:tgtEl>
+                                          <p:spTgt spid="9"/>
+                                        </p:tgtEl>
+                                      </p:cBhvr>
+                                    </p:animEffect>
+                                  </p:childTnLst>
+                                </p:cTn>
+                              </p:par>
+                            </p:childTnLst>
+                          </p:cTn>
+                        </p:par>
+                      </p:childTnLst>
+                    </p:cTn>
+                  </p:par>
+                </p:childTnLst>
+              </p:cTn>
+              <p:prevCondLst>
+                <p:cond evt="onPrev" delay="0">
+                  <p:tgtEl>
+                    <p:sldTgt/>
+                  </p:tgtEl>
+                </p:cond>
+              </p:prevCondLst>
+              <p:nextCondLst>
+                <p:cond evt="onNext" delay="0">
+                  <p:tgtEl>
+                    <p:sldTgt/>
+                  </p:tgtEl>
+                </p:cond>
+              </p:nextCondLst>
+            </p:seq>
+          </p:childTnLst>
+        </p:cTn>
+      </p:par>
+    </p:tnLst>
+    <p:bldLst>
+      <p:bldP spid="35" grpId="0" animBg="1"/>
+      <p:bldP spid="39" grpId="0" animBg="1"/>
+      <p:bldP spid="36" grpId="0" animBg="1"/>
+      <p:bldP spid="37" grpId="0" animBg="1"/>
+      <p:bldP spid="38" grpId="0" animBg="1"/>
+      <p:bldP spid="40" grpId="0" animBg="1"/>
+      <p:bldP spid="25" grpId="0" animBg="1"/>
+      <p:bldP spid="25" grpId="1" animBg="1"/>
+      <p:bldP spid="14" grpId="0" animBg="1"/>
+      <p:bldP spid="14" grpId="1" animBg="1"/>
+      <p:bldP spid="14" grpId="2" animBg="1"/>
+      <p:bldP spid="14" grpId="3" animBg="1"/>
+      <p:bldP spid="16" grpId="0" animBg="1"/>
+      <p:bldP spid="16" grpId="1" animBg="1"/>
+      <p:bldP spid="16" grpId="2" animBg="1"/>
+      <p:bldP spid="16" grpId="3" animBg="1"/>
+      <p:bldP spid="13" grpId="0" animBg="1"/>
+      <p:bldP spid="13" grpId="1" animBg="1"/>
+      <p:bldP spid="13" grpId="2" animBg="1"/>
+      <p:bldP spid="13" grpId="3" animBg="1"/>
+      <p:bldP spid="12" grpId="0" animBg="1"/>
+      <p:bldP spid="12" grpId="1" animBg="1"/>
+      <p:bldP spid="12" grpId="2" animBg="1"/>
+      <p:bldP spid="12" grpId="3" animBg="1"/>
+      <p:bldP spid="5" grpId="0" animBg="1"/>
+      <p:bldP spid="5" grpId="1" animBg="1"/>
+      <p:bldP spid="6" grpId="0" animBg="1"/>
+      <p:bldP spid="6" grpId="1" animBg="1"/>
+      <p:bldP spid="7" grpId="0" animBg="1"/>
+      <p:bldP spid="7" grpId="1" animBg="1"/>
+      <p:bldP spid="8" grpId="0" animBg="1"/>
+      <p:bldP spid="15" grpId="0" animBg="1"/>
+      <p:bldP spid="15" grpId="1" animBg="1"/>
+      <p:bldP spid="15" grpId="2" animBg="1"/>
+      <p:bldP spid="15" grpId="3" animBg="1"/>
+      <p:bldP spid="21" grpId="0" animBg="1"/>
+      <p:bldP spid="21" grpId="1" animBg="1"/>
+      <p:bldP spid="21" grpId="2" animBg="1"/>
+      <p:bldP spid="21" grpId="3" animBg="1"/>
+      <p:bldP spid="22" grpId="0" animBg="1"/>
+      <p:bldP spid="22" grpId="1" animBg="1"/>
+      <p:bldP spid="22" grpId="2" animBg="1"/>
+      <p:bldP spid="22" grpId="3" animBg="1"/>
+      <p:bldP spid="30" grpId="0"/>
+      <p:bldP spid="30" grpId="1"/>
+      <p:bldP spid="31" grpId="0"/>
+      <p:bldP spid="31" grpId="1"/>
+      <p:bldP spid="32" grpId="0" animBg="1"/>
+      <p:bldP spid="32" grpId="1" animBg="1"/>
+      <p:bldP spid="32" grpId="2" animBg="1"/>
+      <p:bldP spid="46" grpId="0" animBg="1"/>
+      <p:bldP spid="47" grpId="0" animBg="1"/>
+      <p:bldP spid="48" grpId="0" animBg="1"/>
+      <p:bldP spid="49" grpId="0" animBg="1"/>
+      <p:bldP spid="50" grpId="0" animBg="1"/>
+      <p:bldP spid="57" grpId="0" animBg="1"/>
+      <p:bldP spid="58" grpId="0" animBg="1"/>
+      <p:bldP spid="19" grpId="0" animBg="1"/>
+      <p:bldP spid="19" grpId="1" animBg="1"/>
+      <p:bldP spid="19" grpId="2" animBg="1"/>
+      <p:bldP spid="9" grpId="0" animBg="1"/>
+      <p:bldP spid="9" grpId="1" animBg="1"/>
+    </p:bldLst>
   </p:timing>
 </p:sld>
 </file>
